--- a/0090_ber/rtl/schematic/lvds_test.pptx
+++ b/0090_ber/rtl/schematic/lvds_test.pptx
@@ -197,7 +197,7 @@
           <a:p>
             <a:fld id="{B9E5BF02-4A65-43B2-AA51-912306618617}" type="datetimeFigureOut">
               <a:rPr lang="en-US" smtClean="0"/>
-              <a:t>10/6/2017</a:t>
+              <a:t>10/10/2017</a:t>
             </a:fld>
             <a:endParaRPr lang="en-US"/>
           </a:p>
@@ -685,7 +685,7 @@
           <a:p>
             <a:fld id="{F8F920B2-3E99-4C9D-9450-62A3DEC5476B}" type="datetimeFigureOut">
               <a:rPr lang="en-US" smtClean="0"/>
-              <a:t>10/6/2017</a:t>
+              <a:t>10/10/2017</a:t>
             </a:fld>
             <a:endParaRPr lang="en-US"/>
           </a:p>
@@ -855,7 +855,7 @@
           <a:p>
             <a:fld id="{F8F920B2-3E99-4C9D-9450-62A3DEC5476B}" type="datetimeFigureOut">
               <a:rPr lang="en-US" smtClean="0"/>
-              <a:t>10/6/2017</a:t>
+              <a:t>10/10/2017</a:t>
             </a:fld>
             <a:endParaRPr lang="en-US"/>
           </a:p>
@@ -1035,7 +1035,7 @@
           <a:p>
             <a:fld id="{F8F920B2-3E99-4C9D-9450-62A3DEC5476B}" type="datetimeFigureOut">
               <a:rPr lang="en-US" smtClean="0"/>
-              <a:t>10/6/2017</a:t>
+              <a:t>10/10/2017</a:t>
             </a:fld>
             <a:endParaRPr lang="en-US"/>
           </a:p>
@@ -1205,7 +1205,7 @@
           <a:p>
             <a:fld id="{F8F920B2-3E99-4C9D-9450-62A3DEC5476B}" type="datetimeFigureOut">
               <a:rPr lang="en-US" smtClean="0"/>
-              <a:t>10/6/2017</a:t>
+              <a:t>10/10/2017</a:t>
             </a:fld>
             <a:endParaRPr lang="en-US"/>
           </a:p>
@@ -1449,7 +1449,7 @@
           <a:p>
             <a:fld id="{F8F920B2-3E99-4C9D-9450-62A3DEC5476B}" type="datetimeFigureOut">
               <a:rPr lang="en-US" smtClean="0"/>
-              <a:t>10/6/2017</a:t>
+              <a:t>10/10/2017</a:t>
             </a:fld>
             <a:endParaRPr lang="en-US"/>
           </a:p>
@@ -1681,7 +1681,7 @@
           <a:p>
             <a:fld id="{F8F920B2-3E99-4C9D-9450-62A3DEC5476B}" type="datetimeFigureOut">
               <a:rPr lang="en-US" smtClean="0"/>
-              <a:t>10/6/2017</a:t>
+              <a:t>10/10/2017</a:t>
             </a:fld>
             <a:endParaRPr lang="en-US"/>
           </a:p>
@@ -2048,7 +2048,7 @@
           <a:p>
             <a:fld id="{F8F920B2-3E99-4C9D-9450-62A3DEC5476B}" type="datetimeFigureOut">
               <a:rPr lang="en-US" smtClean="0"/>
-              <a:t>10/6/2017</a:t>
+              <a:t>10/10/2017</a:t>
             </a:fld>
             <a:endParaRPr lang="en-US"/>
           </a:p>
@@ -2166,7 +2166,7 @@
           <a:p>
             <a:fld id="{F8F920B2-3E99-4C9D-9450-62A3DEC5476B}" type="datetimeFigureOut">
               <a:rPr lang="en-US" smtClean="0"/>
-              <a:t>10/6/2017</a:t>
+              <a:t>10/10/2017</a:t>
             </a:fld>
             <a:endParaRPr lang="en-US"/>
           </a:p>
@@ -2261,7 +2261,7 @@
           <a:p>
             <a:fld id="{F8F920B2-3E99-4C9D-9450-62A3DEC5476B}" type="datetimeFigureOut">
               <a:rPr lang="en-US" smtClean="0"/>
-              <a:t>10/6/2017</a:t>
+              <a:t>10/10/2017</a:t>
             </a:fld>
             <a:endParaRPr lang="en-US"/>
           </a:p>
@@ -2538,7 +2538,7 @@
           <a:p>
             <a:fld id="{F8F920B2-3E99-4C9D-9450-62A3DEC5476B}" type="datetimeFigureOut">
               <a:rPr lang="en-US" smtClean="0"/>
-              <a:t>10/6/2017</a:t>
+              <a:t>10/10/2017</a:t>
             </a:fld>
             <a:endParaRPr lang="en-US"/>
           </a:p>
@@ -2795,7 +2795,7 @@
           <a:p>
             <a:fld id="{F8F920B2-3E99-4C9D-9450-62A3DEC5476B}" type="datetimeFigureOut">
               <a:rPr lang="en-US" smtClean="0"/>
-              <a:t>10/6/2017</a:t>
+              <a:t>10/10/2017</a:t>
             </a:fld>
             <a:endParaRPr lang="en-US"/>
           </a:p>
@@ -3008,7 +3008,7 @@
           <a:p>
             <a:fld id="{F8F920B2-3E99-4C9D-9450-62A3DEC5476B}" type="datetimeFigureOut">
               <a:rPr lang="en-US" smtClean="0"/>
-              <a:t>10/6/2017</a:t>
+              <a:t>10/10/2017</a:t>
             </a:fld>
             <a:endParaRPr lang="en-US"/>
           </a:p>
@@ -3976,13 +3976,6 @@
               </a:rPr>
               <a:t>CLKF</a:t>
             </a:r>
-            <a:endParaRPr lang="en-US" sz="900" dirty="0">
-              <a:solidFill>
-                <a:srgbClr val="000000"/>
-              </a:solidFill>
-              <a:latin typeface="Courier New" panose="02070309020205020404" pitchFamily="49" charset="0"/>
-              <a:cs typeface="Courier New" panose="02070309020205020404" pitchFamily="49" charset="0"/>
-            </a:endParaRPr>
           </a:p>
         </p:txBody>
       </p:sp>
@@ -4665,13 +4658,6 @@
               </a:rPr>
               <a:t>CLKS</a:t>
             </a:r>
-            <a:endParaRPr lang="en-US" sz="900" dirty="0">
-              <a:solidFill>
-                <a:srgbClr val="000000"/>
-              </a:solidFill>
-              <a:latin typeface="Courier New" panose="02070309020205020404" pitchFamily="49" charset="0"/>
-              <a:cs typeface="Courier New" panose="02070309020205020404" pitchFamily="49" charset="0"/>
-            </a:endParaRPr>
           </a:p>
         </p:txBody>
       </p:sp>
@@ -4798,13 +4784,6 @@
               </a:rPr>
               <a:t>RSTXS</a:t>
             </a:r>
-            <a:endParaRPr lang="en-US" sz="900" dirty="0">
-              <a:solidFill>
-                <a:srgbClr val="000000"/>
-              </a:solidFill>
-              <a:latin typeface="Courier New" panose="02070309020205020404" pitchFamily="49" charset="0"/>
-              <a:cs typeface="Courier New" panose="02070309020205020404" pitchFamily="49" charset="0"/>
-            </a:endParaRPr>
           </a:p>
         </p:txBody>
       </p:sp>
@@ -5481,13 +5460,6 @@
               </a:rPr>
               <a:t>CLKF</a:t>
             </a:r>
-            <a:endParaRPr lang="en-US" sz="900" dirty="0">
-              <a:solidFill>
-                <a:srgbClr val="000000"/>
-              </a:solidFill>
-              <a:latin typeface="Courier New" panose="02070309020205020404" pitchFamily="49" charset="0"/>
-              <a:cs typeface="Courier New" panose="02070309020205020404" pitchFamily="49" charset="0"/>
-            </a:endParaRPr>
           </a:p>
         </p:txBody>
       </p:sp>
@@ -5614,13 +5586,6 @@
               </a:rPr>
               <a:t>RSTXF</a:t>
             </a:r>
-            <a:endParaRPr lang="en-US" sz="900" dirty="0">
-              <a:solidFill>
-                <a:srgbClr val="000000"/>
-              </a:solidFill>
-              <a:latin typeface="Courier New" panose="02070309020205020404" pitchFamily="49" charset="0"/>
-              <a:cs typeface="Courier New" panose="02070309020205020404" pitchFamily="49" charset="0"/>
-            </a:endParaRPr>
           </a:p>
         </p:txBody>
       </p:sp>
@@ -5673,13 +5638,6 @@
               </a:rPr>
               <a:t>CLKP</a:t>
             </a:r>
-            <a:endParaRPr lang="en-US" sz="900" dirty="0">
-              <a:solidFill>
-                <a:srgbClr val="000000"/>
-              </a:solidFill>
-              <a:latin typeface="Courier New" panose="02070309020205020404" pitchFamily="49" charset="0"/>
-              <a:cs typeface="Courier New" panose="02070309020205020404" pitchFamily="49" charset="0"/>
-            </a:endParaRPr>
           </a:p>
         </p:txBody>
       </p:sp>
@@ -5806,13 +5764,6 @@
               </a:rPr>
               <a:t>RSTXP</a:t>
             </a:r>
-            <a:endParaRPr lang="en-US" sz="900" dirty="0">
-              <a:solidFill>
-                <a:srgbClr val="000000"/>
-              </a:solidFill>
-              <a:latin typeface="Courier New" panose="02070309020205020404" pitchFamily="49" charset="0"/>
-              <a:cs typeface="Courier New" panose="02070309020205020404" pitchFamily="49" charset="0"/>
-            </a:endParaRPr>
           </a:p>
         </p:txBody>
       </p:sp>
@@ -5866,13 +5817,6 @@
               </a:rPr>
               <a:t>RSTXS</a:t>
             </a:r>
-            <a:endParaRPr lang="en-US" sz="900" dirty="0">
-              <a:solidFill>
-                <a:srgbClr val="000000"/>
-              </a:solidFill>
-              <a:latin typeface="Courier New" panose="02070309020205020404" pitchFamily="49" charset="0"/>
-              <a:cs typeface="Courier New" panose="02070309020205020404" pitchFamily="49" charset="0"/>
-            </a:endParaRPr>
           </a:p>
         </p:txBody>
       </p:sp>
@@ -5926,13 +5870,6 @@
               </a:rPr>
               <a:t>CLKS</a:t>
             </a:r>
-            <a:endParaRPr lang="en-US" sz="900" dirty="0">
-              <a:solidFill>
-                <a:srgbClr val="000000"/>
-              </a:solidFill>
-              <a:latin typeface="Courier New" panose="02070309020205020404" pitchFamily="49" charset="0"/>
-              <a:cs typeface="Courier New" panose="02070309020205020404" pitchFamily="49" charset="0"/>
-            </a:endParaRPr>
           </a:p>
         </p:txBody>
       </p:sp>
@@ -6026,13 +5963,6 @@
               </a:rPr>
               <a:t>RSTXF</a:t>
             </a:r>
-            <a:endParaRPr lang="en-US" sz="900" dirty="0">
-              <a:solidFill>
-                <a:srgbClr val="000000"/>
-              </a:solidFill>
-              <a:latin typeface="Courier New" panose="02070309020205020404" pitchFamily="49" charset="0"/>
-              <a:cs typeface="Courier New" panose="02070309020205020404" pitchFamily="49" charset="0"/>
-            </a:endParaRPr>
           </a:p>
         </p:txBody>
       </p:sp>
@@ -6595,13 +6525,6 @@
               </a:rPr>
               <a:t>CLR_SEQ</a:t>
             </a:r>
-            <a:endParaRPr lang="en-US" sz="900" dirty="0">
-              <a:solidFill>
-                <a:srgbClr val="000000"/>
-              </a:solidFill>
-              <a:latin typeface="Courier New" panose="02070309020205020404" pitchFamily="49" charset="0"/>
-              <a:cs typeface="Courier New" panose="02070309020205020404" pitchFamily="49" charset="0"/>
-            </a:endParaRPr>
           </a:p>
         </p:txBody>
       </p:sp>
@@ -6655,13 +6578,6 @@
               </a:rPr>
               <a:t>CNT1</a:t>
             </a:r>
-            <a:endParaRPr lang="en-US" sz="900" dirty="0">
-              <a:solidFill>
-                <a:srgbClr val="000000"/>
-              </a:solidFill>
-              <a:latin typeface="Courier New" panose="02070309020205020404" pitchFamily="49" charset="0"/>
-              <a:cs typeface="Courier New" panose="02070309020205020404" pitchFamily="49" charset="0"/>
-            </a:endParaRPr>
           </a:p>
         </p:txBody>
       </p:sp>
@@ -6714,13 +6630,6 @@
               </a:rPr>
               <a:t>CLK</a:t>
             </a:r>
-            <a:endParaRPr lang="en-US" sz="900" dirty="0">
-              <a:solidFill>
-                <a:srgbClr val="000000"/>
-              </a:solidFill>
-              <a:latin typeface="Courier New" panose="02070309020205020404" pitchFamily="49" charset="0"/>
-              <a:cs typeface="Courier New" panose="02070309020205020404" pitchFamily="49" charset="0"/>
-            </a:endParaRPr>
           </a:p>
         </p:txBody>
       </p:sp>
@@ -6847,13 +6756,6 @@
               </a:rPr>
               <a:t>RSTX</a:t>
             </a:r>
-            <a:endParaRPr lang="en-US" sz="900" dirty="0">
-              <a:solidFill>
-                <a:srgbClr val="000000"/>
-              </a:solidFill>
-              <a:latin typeface="Courier New" panose="02070309020205020404" pitchFamily="49" charset="0"/>
-              <a:cs typeface="Courier New" panose="02070309020205020404" pitchFamily="49" charset="0"/>
-            </a:endParaRPr>
           </a:p>
         </p:txBody>
       </p:sp>
@@ -6906,13 +6808,6 @@
               </a:rPr>
               <a:t>BTN_1</a:t>
             </a:r>
-            <a:endParaRPr lang="en-US" sz="900" dirty="0">
-              <a:solidFill>
-                <a:srgbClr val="000000"/>
-              </a:solidFill>
-              <a:latin typeface="Courier New" panose="02070309020205020404" pitchFamily="49" charset="0"/>
-              <a:cs typeface="Courier New" panose="02070309020205020404" pitchFamily="49" charset="0"/>
-            </a:endParaRPr>
           </a:p>
         </p:txBody>
       </p:sp>
@@ -6965,13 +6860,6 @@
               </a:rPr>
               <a:t>BTN_2</a:t>
             </a:r>
-            <a:endParaRPr lang="en-US" sz="900" dirty="0">
-              <a:solidFill>
-                <a:srgbClr val="000000"/>
-              </a:solidFill>
-              <a:latin typeface="Courier New" panose="02070309020205020404" pitchFamily="49" charset="0"/>
-              <a:cs typeface="Courier New" panose="02070309020205020404" pitchFamily="49" charset="0"/>
-            </a:endParaRPr>
           </a:p>
         </p:txBody>
       </p:sp>
@@ -7024,13 +6912,6 @@
               </a:rPr>
               <a:t>BTN_3</a:t>
             </a:r>
-            <a:endParaRPr lang="en-US" sz="900" dirty="0">
-              <a:solidFill>
-                <a:srgbClr val="000000"/>
-              </a:solidFill>
-              <a:latin typeface="Courier New" panose="02070309020205020404" pitchFamily="49" charset="0"/>
-              <a:cs typeface="Courier New" panose="02070309020205020404" pitchFamily="49" charset="0"/>
-            </a:endParaRPr>
           </a:p>
         </p:txBody>
       </p:sp>
@@ -7264,13 +7145,6 @@
               </a:rPr>
               <a:t>BTN_1</a:t>
             </a:r>
-            <a:endParaRPr lang="en-US" sz="900" dirty="0">
-              <a:solidFill>
-                <a:srgbClr val="000000"/>
-              </a:solidFill>
-              <a:latin typeface="Courier New" panose="02070309020205020404" pitchFamily="49" charset="0"/>
-              <a:cs typeface="Courier New" panose="02070309020205020404" pitchFamily="49" charset="0"/>
-            </a:endParaRPr>
           </a:p>
         </p:txBody>
       </p:sp>
@@ -7504,13 +7378,6 @@
               </a:rPr>
               <a:t>BTN_2</a:t>
             </a:r>
-            <a:endParaRPr lang="en-US" sz="900" dirty="0">
-              <a:solidFill>
-                <a:srgbClr val="000000"/>
-              </a:solidFill>
-              <a:latin typeface="Courier New" panose="02070309020205020404" pitchFamily="49" charset="0"/>
-              <a:cs typeface="Courier New" panose="02070309020205020404" pitchFamily="49" charset="0"/>
-            </a:endParaRPr>
           </a:p>
         </p:txBody>
       </p:sp>
@@ -7744,13 +7611,6 @@
               </a:rPr>
               <a:t>BTN_3</a:t>
             </a:r>
-            <a:endParaRPr lang="en-US" sz="900" dirty="0">
-              <a:solidFill>
-                <a:srgbClr val="000000"/>
-              </a:solidFill>
-              <a:latin typeface="Courier New" panose="02070309020205020404" pitchFamily="49" charset="0"/>
-              <a:cs typeface="Courier New" panose="02070309020205020404" pitchFamily="49" charset="0"/>
-            </a:endParaRPr>
           </a:p>
         </p:txBody>
       </p:sp>
@@ -7803,13 +7663,6 @@
               </a:rPr>
               <a:t>PLL_CHG</a:t>
             </a:r>
-            <a:endParaRPr lang="en-US" sz="900" dirty="0">
-              <a:solidFill>
-                <a:srgbClr val="000000"/>
-              </a:solidFill>
-              <a:latin typeface="Courier New" panose="02070309020205020404" pitchFamily="49" charset="0"/>
-              <a:cs typeface="Courier New" panose="02070309020205020404" pitchFamily="49" charset="0"/>
-            </a:endParaRPr>
           </a:p>
         </p:txBody>
       </p:sp>
@@ -7903,13 +7756,6 @@
               </a:rPr>
               <a:t>PLL_CHG</a:t>
             </a:r>
-            <a:endParaRPr lang="en-US" sz="900" dirty="0">
-              <a:solidFill>
-                <a:srgbClr val="000000"/>
-              </a:solidFill>
-              <a:latin typeface="Courier New" panose="02070309020205020404" pitchFamily="49" charset="0"/>
-              <a:cs typeface="Courier New" panose="02070309020205020404" pitchFamily="49" charset="0"/>
-            </a:endParaRPr>
           </a:p>
         </p:txBody>
       </p:sp>
@@ -7962,13 +7808,6 @@
               </a:rPr>
               <a:t>CNT0</a:t>
             </a:r>
-            <a:endParaRPr lang="en-US" sz="900" dirty="0">
-              <a:solidFill>
-                <a:srgbClr val="000000"/>
-              </a:solidFill>
-              <a:latin typeface="Courier New" panose="02070309020205020404" pitchFamily="49" charset="0"/>
-              <a:cs typeface="Courier New" panose="02070309020205020404" pitchFamily="49" charset="0"/>
-            </a:endParaRPr>
           </a:p>
         </p:txBody>
       </p:sp>
@@ -8062,13 +7901,6 @@
               </a:rPr>
               <a:t>PLL_ADDR</a:t>
             </a:r>
-            <a:endParaRPr lang="en-US" sz="900" dirty="0">
-              <a:solidFill>
-                <a:srgbClr val="000000"/>
-              </a:solidFill>
-              <a:latin typeface="Courier New" panose="02070309020205020404" pitchFamily="49" charset="0"/>
-              <a:cs typeface="Courier New" panose="02070309020205020404" pitchFamily="49" charset="0"/>
-            </a:endParaRPr>
           </a:p>
         </p:txBody>
       </p:sp>
@@ -8121,13 +7953,6 @@
               </a:rPr>
               <a:t>CLR</a:t>
             </a:r>
-            <a:endParaRPr lang="en-US" sz="900" dirty="0">
-              <a:solidFill>
-                <a:srgbClr val="000000"/>
-              </a:solidFill>
-              <a:latin typeface="Courier New" panose="02070309020205020404" pitchFamily="49" charset="0"/>
-              <a:cs typeface="Courier New" panose="02070309020205020404" pitchFamily="49" charset="0"/>
-            </a:endParaRPr>
           </a:p>
         </p:txBody>
       </p:sp>
@@ -8525,13 +8350,6 @@
               </a:rPr>
               <a:t>handle_7seg</a:t>
             </a:r>
-            <a:endParaRPr lang="en-US" sz="900" dirty="0">
-              <a:solidFill>
-                <a:schemeClr val="tx1"/>
-              </a:solidFill>
-              <a:latin typeface="Courier New" panose="02070309020205020404" pitchFamily="49" charset="0"/>
-              <a:cs typeface="Courier New" panose="02070309020205020404" pitchFamily="49" charset="0"/>
-            </a:endParaRPr>
           </a:p>
         </p:txBody>
       </p:sp>
@@ -8584,13 +8402,6 @@
               </a:rPr>
               <a:t>i_handle_7seg</a:t>
             </a:r>
-            <a:endParaRPr lang="en-US" sz="900" dirty="0">
-              <a:solidFill>
-                <a:srgbClr val="000000"/>
-              </a:solidFill>
-              <a:latin typeface="Courier New" panose="02070309020205020404" pitchFamily="49" charset="0"/>
-              <a:cs typeface="Courier New" panose="02070309020205020404" pitchFamily="49" charset="0"/>
-            </a:endParaRPr>
           </a:p>
         </p:txBody>
       </p:sp>
@@ -8643,13 +8454,6 @@
               </a:rPr>
               <a:t>MAIN_MODE</a:t>
             </a:r>
-            <a:endParaRPr lang="en-US" sz="900" dirty="0">
-              <a:solidFill>
-                <a:srgbClr val="000000"/>
-              </a:solidFill>
-              <a:latin typeface="Courier New" panose="02070309020205020404" pitchFamily="49" charset="0"/>
-              <a:cs typeface="Courier New" panose="02070309020205020404" pitchFamily="49" charset="0"/>
-            </a:endParaRPr>
           </a:p>
         </p:txBody>
       </p:sp>
@@ -8742,13 +8546,6 @@
               </a:rPr>
               <a:t>SUB_MODE</a:t>
             </a:r>
-            <a:endParaRPr lang="en-US" sz="900" dirty="0">
-              <a:solidFill>
-                <a:srgbClr val="000000"/>
-              </a:solidFill>
-              <a:latin typeface="Courier New" panose="02070309020205020404" pitchFamily="49" charset="0"/>
-              <a:cs typeface="Courier New" panose="02070309020205020404" pitchFamily="49" charset="0"/>
-            </a:endParaRPr>
           </a:p>
         </p:txBody>
       </p:sp>
@@ -8952,13 +8749,6 @@
               </a:rPr>
               <a:t>RECV_CNT</a:t>
             </a:r>
-            <a:endParaRPr lang="en-US" sz="900" dirty="0">
-              <a:solidFill>
-                <a:srgbClr val="000000"/>
-              </a:solidFill>
-              <a:latin typeface="Courier New" panose="02070309020205020404" pitchFamily="49" charset="0"/>
-              <a:cs typeface="Courier New" panose="02070309020205020404" pitchFamily="49" charset="0"/>
-            </a:endParaRPr>
           </a:p>
         </p:txBody>
       </p:sp>
@@ -9011,13 +8801,6 @@
               </a:rPr>
               <a:t>ERR_CNT</a:t>
             </a:r>
-            <a:endParaRPr lang="en-US" sz="900" dirty="0">
-              <a:solidFill>
-                <a:srgbClr val="000000"/>
-              </a:solidFill>
-              <a:latin typeface="Courier New" panose="02070309020205020404" pitchFamily="49" charset="0"/>
-              <a:cs typeface="Courier New" panose="02070309020205020404" pitchFamily="49" charset="0"/>
-            </a:endParaRPr>
           </a:p>
         </p:txBody>
       </p:sp>
@@ -9071,13 +8854,6 @@
               </a:rPr>
               <a:t>RECV_CNT</a:t>
             </a:r>
-            <a:endParaRPr lang="en-US" sz="900" dirty="0">
-              <a:solidFill>
-                <a:srgbClr val="000000"/>
-              </a:solidFill>
-              <a:latin typeface="Courier New" panose="02070309020205020404" pitchFamily="49" charset="0"/>
-              <a:cs typeface="Courier New" panose="02070309020205020404" pitchFamily="49" charset="0"/>
-            </a:endParaRPr>
           </a:p>
         </p:txBody>
       </p:sp>
@@ -9131,13 +8907,6 @@
               </a:rPr>
               <a:t>ERR_CNT</a:t>
             </a:r>
-            <a:endParaRPr lang="en-US" sz="900" dirty="0">
-              <a:solidFill>
-                <a:srgbClr val="000000"/>
-              </a:solidFill>
-              <a:latin typeface="Courier New" panose="02070309020205020404" pitchFamily="49" charset="0"/>
-              <a:cs typeface="Courier New" panose="02070309020205020404" pitchFamily="49" charset="0"/>
-            </a:endParaRPr>
           </a:p>
         </p:txBody>
       </p:sp>
@@ -9270,13 +9039,6 @@
               </a:rPr>
               <a:t>CLK</a:t>
             </a:r>
-            <a:endParaRPr lang="en-US" sz="900" dirty="0">
-              <a:solidFill>
-                <a:srgbClr val="000000"/>
-              </a:solidFill>
-              <a:latin typeface="Courier New" panose="02070309020205020404" pitchFamily="49" charset="0"/>
-              <a:cs typeface="Courier New" panose="02070309020205020404" pitchFamily="49" charset="0"/>
-            </a:endParaRPr>
           </a:p>
         </p:txBody>
       </p:sp>
@@ -9403,13 +9165,6 @@
               </a:rPr>
               <a:t>RSTX</a:t>
             </a:r>
-            <a:endParaRPr lang="en-US" sz="900" dirty="0">
-              <a:solidFill>
-                <a:srgbClr val="000000"/>
-              </a:solidFill>
-              <a:latin typeface="Courier New" panose="02070309020205020404" pitchFamily="49" charset="0"/>
-              <a:cs typeface="Courier New" panose="02070309020205020404" pitchFamily="49" charset="0"/>
-            </a:endParaRPr>
           </a:p>
         </p:txBody>
       </p:sp>
@@ -9738,13 +9493,6 @@
               </a:rPr>
               <a:t>DIGIT_SEL</a:t>
             </a:r>
-            <a:endParaRPr lang="en-US" sz="900" dirty="0">
-              <a:solidFill>
-                <a:srgbClr val="000000"/>
-              </a:solidFill>
-              <a:latin typeface="Courier New" panose="02070309020205020404" pitchFamily="49" charset="0"/>
-              <a:cs typeface="Courier New" panose="02070309020205020404" pitchFamily="49" charset="0"/>
-            </a:endParaRPr>
           </a:p>
         </p:txBody>
       </p:sp>
@@ -9798,13 +9546,6 @@
               </a:rPr>
               <a:t>DIGIT</a:t>
             </a:r>
-            <a:endParaRPr lang="en-US" sz="900" dirty="0">
-              <a:solidFill>
-                <a:srgbClr val="000000"/>
-              </a:solidFill>
-              <a:latin typeface="Courier New" panose="02070309020205020404" pitchFamily="49" charset="0"/>
-              <a:cs typeface="Courier New" panose="02070309020205020404" pitchFamily="49" charset="0"/>
-            </a:endParaRPr>
           </a:p>
         </p:txBody>
       </p:sp>
@@ -10026,13 +9767,6 @@
               </a:rPr>
               <a:t>8</a:t>
             </a:r>
-            <a:endParaRPr lang="en-US" sz="900" dirty="0">
-              <a:solidFill>
-                <a:srgbClr val="000000"/>
-              </a:solidFill>
-              <a:latin typeface="Courier New" panose="02070309020205020404" pitchFamily="49" charset="0"/>
-              <a:cs typeface="Courier New" panose="02070309020205020404" pitchFamily="49" charset="0"/>
-            </a:endParaRPr>
           </a:p>
         </p:txBody>
       </p:sp>
@@ -10123,13 +9857,6 @@
               </a:rPr>
               <a:t>4</a:t>
             </a:r>
-            <a:endParaRPr lang="en-US" sz="900" dirty="0">
-              <a:solidFill>
-                <a:srgbClr val="000000"/>
-              </a:solidFill>
-              <a:latin typeface="Courier New" panose="02070309020205020404" pitchFamily="49" charset="0"/>
-              <a:cs typeface="Courier New" panose="02070309020205020404" pitchFamily="49" charset="0"/>
-            </a:endParaRPr>
           </a:p>
         </p:txBody>
       </p:sp>
@@ -10182,13 +9909,6 @@
               </a:rPr>
               <a:t>DIGIT_SEL</a:t>
             </a:r>
-            <a:endParaRPr lang="en-US" sz="900" dirty="0">
-              <a:solidFill>
-                <a:srgbClr val="000000"/>
-              </a:solidFill>
-              <a:latin typeface="Courier New" panose="02070309020205020404" pitchFamily="49" charset="0"/>
-              <a:cs typeface="Courier New" panose="02070309020205020404" pitchFamily="49" charset="0"/>
-            </a:endParaRPr>
           </a:p>
         </p:txBody>
       </p:sp>
@@ -10240,6 +9960,730 @@
                 <a:cs typeface="Courier New" panose="02070309020205020404" pitchFamily="49" charset="0"/>
               </a:rPr>
               <a:t>DIGIT</a:t>
+            </a:r>
+          </a:p>
+        </p:txBody>
+      </p:sp>
+      <p:cxnSp>
+        <p:nvCxnSpPr>
+          <p:cNvPr id="142" name="Straight Connector 141"/>
+          <p:cNvCxnSpPr/>
+          <p:nvPr/>
+        </p:nvCxnSpPr>
+        <p:spPr>
+          <a:xfrm flipV="1">
+            <a:off x="5257800" y="2971800"/>
+            <a:ext cx="152400" cy="152400"/>
+          </a:xfrm>
+          <a:prstGeom prst="line">
+            <a:avLst/>
+          </a:prstGeom>
+          <a:ln w="12700">
+            <a:solidFill>
+              <a:srgbClr val="000000"/>
+            </a:solidFill>
+            <a:headEnd type="none" w="med" len="med"/>
+            <a:tailEnd type="none" w="med" len="med"/>
+          </a:ln>
+        </p:spPr>
+        <p:style>
+          <a:lnRef idx="1">
+            <a:schemeClr val="accent1"/>
+          </a:lnRef>
+          <a:fillRef idx="0">
+            <a:schemeClr val="accent1"/>
+          </a:fillRef>
+          <a:effectRef idx="0">
+            <a:schemeClr val="accent1"/>
+          </a:effectRef>
+          <a:fontRef idx="minor">
+            <a:schemeClr val="tx1"/>
+          </a:fontRef>
+        </p:style>
+      </p:cxnSp>
+      <p:sp>
+        <p:nvSpPr>
+          <p:cNvPr id="143" name="Rectangle 142"/>
+          <p:cNvSpPr/>
+          <p:nvPr/>
+        </p:nvSpPr>
+        <p:spPr>
+          <a:xfrm>
+            <a:off x="5257800" y="2895600"/>
+            <a:ext cx="152400" cy="76200"/>
+          </a:xfrm>
+          <a:prstGeom prst="rect">
+            <a:avLst/>
+          </a:prstGeom>
+          <a:noFill/>
+          <a:ln>
+            <a:noFill/>
+          </a:ln>
+        </p:spPr>
+        <p:style>
+          <a:lnRef idx="2">
+            <a:schemeClr val="accent1">
+              <a:shade val="50000"/>
+            </a:schemeClr>
+          </a:lnRef>
+          <a:fillRef idx="1">
+            <a:schemeClr val="accent1"/>
+          </a:fillRef>
+          <a:effectRef idx="0">
+            <a:schemeClr val="accent1"/>
+          </a:effectRef>
+          <a:fontRef idx="minor">
+            <a:schemeClr val="lt1"/>
+          </a:fontRef>
+        </p:style>
+        <p:txBody>
+          <a:bodyPr wrap="none" lIns="45720" rIns="45720" rtlCol="0" anchor="ctr"/>
+          <a:lstStyle/>
+          <a:p>
+            <a:pPr algn="ctr"/>
+            <a:r>
+              <a:rPr lang="en-US" sz="900" dirty="0">
+                <a:solidFill>
+                  <a:srgbClr val="000000"/>
+                </a:solidFill>
+                <a:latin typeface="Courier New" panose="02070309020205020404" pitchFamily="49" charset="0"/>
+                <a:cs typeface="Courier New" panose="02070309020205020404" pitchFamily="49" charset="0"/>
+              </a:rPr>
+              <a:t>8</a:t>
+            </a:r>
+            <a:endParaRPr lang="en-US" sz="900" dirty="0">
+              <a:solidFill>
+                <a:srgbClr val="000000"/>
+              </a:solidFill>
+              <a:latin typeface="Courier New" panose="02070309020205020404" pitchFamily="49" charset="0"/>
+              <a:cs typeface="Courier New" panose="02070309020205020404" pitchFamily="49" charset="0"/>
+            </a:endParaRPr>
+          </a:p>
+        </p:txBody>
+      </p:sp>
+      <p:cxnSp>
+        <p:nvCxnSpPr>
+          <p:cNvPr id="155" name="Straight Connector 154"/>
+          <p:cNvCxnSpPr/>
+          <p:nvPr/>
+        </p:nvCxnSpPr>
+        <p:spPr>
+          <a:xfrm flipV="1">
+            <a:off x="6934200" y="2362200"/>
+            <a:ext cx="152400" cy="152400"/>
+          </a:xfrm>
+          <a:prstGeom prst="line">
+            <a:avLst/>
+          </a:prstGeom>
+          <a:ln w="12700">
+            <a:solidFill>
+              <a:srgbClr val="000000"/>
+            </a:solidFill>
+            <a:headEnd type="none" w="med" len="med"/>
+            <a:tailEnd type="none" w="med" len="med"/>
+          </a:ln>
+        </p:spPr>
+        <p:style>
+          <a:lnRef idx="1">
+            <a:schemeClr val="accent1"/>
+          </a:lnRef>
+          <a:fillRef idx="0">
+            <a:schemeClr val="accent1"/>
+          </a:fillRef>
+          <a:effectRef idx="0">
+            <a:schemeClr val="accent1"/>
+          </a:effectRef>
+          <a:fontRef idx="minor">
+            <a:schemeClr val="tx1"/>
+          </a:fontRef>
+        </p:style>
+      </p:cxnSp>
+      <p:sp>
+        <p:nvSpPr>
+          <p:cNvPr id="156" name="Rectangle 155"/>
+          <p:cNvSpPr/>
+          <p:nvPr/>
+        </p:nvSpPr>
+        <p:spPr>
+          <a:xfrm>
+            <a:off x="6934200" y="2286000"/>
+            <a:ext cx="152400" cy="76200"/>
+          </a:xfrm>
+          <a:prstGeom prst="rect">
+            <a:avLst/>
+          </a:prstGeom>
+          <a:noFill/>
+          <a:ln>
+            <a:noFill/>
+          </a:ln>
+        </p:spPr>
+        <p:style>
+          <a:lnRef idx="2">
+            <a:schemeClr val="accent1">
+              <a:shade val="50000"/>
+            </a:schemeClr>
+          </a:lnRef>
+          <a:fillRef idx="1">
+            <a:schemeClr val="accent1"/>
+          </a:fillRef>
+          <a:effectRef idx="0">
+            <a:schemeClr val="accent1"/>
+          </a:effectRef>
+          <a:fontRef idx="minor">
+            <a:schemeClr val="lt1"/>
+          </a:fontRef>
+        </p:style>
+        <p:txBody>
+          <a:bodyPr wrap="none" lIns="45720" rIns="45720" rtlCol="0" anchor="ctr"/>
+          <a:lstStyle/>
+          <a:p>
+            <a:pPr algn="ctr"/>
+            <a:r>
+              <a:rPr lang="en-US" sz="900" dirty="0">
+                <a:solidFill>
+                  <a:srgbClr val="000000"/>
+                </a:solidFill>
+                <a:latin typeface="Courier New" panose="02070309020205020404" pitchFamily="49" charset="0"/>
+                <a:cs typeface="Courier New" panose="02070309020205020404" pitchFamily="49" charset="0"/>
+              </a:rPr>
+              <a:t>8</a:t>
+            </a:r>
+            <a:endParaRPr lang="en-US" sz="900" dirty="0">
+              <a:solidFill>
+                <a:srgbClr val="000000"/>
+              </a:solidFill>
+              <a:latin typeface="Courier New" panose="02070309020205020404" pitchFamily="49" charset="0"/>
+              <a:cs typeface="Courier New" panose="02070309020205020404" pitchFamily="49" charset="0"/>
+            </a:endParaRPr>
+          </a:p>
+        </p:txBody>
+      </p:sp>
+      <p:sp>
+        <p:nvSpPr>
+          <p:cNvPr id="157" name="Rectangle 156"/>
+          <p:cNvSpPr/>
+          <p:nvPr/>
+        </p:nvSpPr>
+        <p:spPr>
+          <a:xfrm>
+            <a:off x="7162800" y="2286000"/>
+            <a:ext cx="457200" cy="152400"/>
+          </a:xfrm>
+          <a:prstGeom prst="rect">
+            <a:avLst/>
+          </a:prstGeom>
+          <a:noFill/>
+          <a:ln>
+            <a:noFill/>
+          </a:ln>
+        </p:spPr>
+        <p:style>
+          <a:lnRef idx="2">
+            <a:schemeClr val="accent1">
+              <a:shade val="50000"/>
+            </a:schemeClr>
+          </a:lnRef>
+          <a:fillRef idx="1">
+            <a:schemeClr val="accent1"/>
+          </a:fillRef>
+          <a:effectRef idx="0">
+            <a:schemeClr val="accent1"/>
+          </a:effectRef>
+          <a:fontRef idx="minor">
+            <a:schemeClr val="lt1"/>
+          </a:fontRef>
+        </p:style>
+        <p:txBody>
+          <a:bodyPr wrap="none" lIns="45720" rIns="45720" rtlCol="0" anchor="ctr"/>
+          <a:lstStyle/>
+          <a:p>
+            <a:r>
+              <a:rPr lang="en-US" sz="900" dirty="0" err="1" smtClean="0">
+                <a:solidFill>
+                  <a:srgbClr val="000000"/>
+                </a:solidFill>
+                <a:latin typeface="Courier New" panose="02070309020205020404" pitchFamily="49" charset="0"/>
+                <a:cs typeface="Courier New" panose="02070309020205020404" pitchFamily="49" charset="0"/>
+              </a:rPr>
+              <a:t>main_mode</a:t>
+            </a:r>
+            <a:endParaRPr lang="en-US" sz="900" dirty="0">
+              <a:solidFill>
+                <a:srgbClr val="000000"/>
+              </a:solidFill>
+              <a:latin typeface="Courier New" panose="02070309020205020404" pitchFamily="49" charset="0"/>
+              <a:cs typeface="Courier New" panose="02070309020205020404" pitchFamily="49" charset="0"/>
+            </a:endParaRPr>
+          </a:p>
+        </p:txBody>
+      </p:sp>
+      <p:cxnSp>
+        <p:nvCxnSpPr>
+          <p:cNvPr id="158" name="Straight Connector 157"/>
+          <p:cNvCxnSpPr/>
+          <p:nvPr/>
+        </p:nvCxnSpPr>
+        <p:spPr>
+          <a:xfrm flipV="1">
+            <a:off x="9220200" y="3276600"/>
+            <a:ext cx="152400" cy="152400"/>
+          </a:xfrm>
+          <a:prstGeom prst="line">
+            <a:avLst/>
+          </a:prstGeom>
+          <a:ln w="12700">
+            <a:solidFill>
+              <a:srgbClr val="000000"/>
+            </a:solidFill>
+            <a:headEnd type="none" w="med" len="med"/>
+            <a:tailEnd type="none" w="med" len="med"/>
+          </a:ln>
+        </p:spPr>
+        <p:style>
+          <a:lnRef idx="1">
+            <a:schemeClr val="accent1"/>
+          </a:lnRef>
+          <a:fillRef idx="0">
+            <a:schemeClr val="accent1"/>
+          </a:fillRef>
+          <a:effectRef idx="0">
+            <a:schemeClr val="accent1"/>
+          </a:effectRef>
+          <a:fontRef idx="minor">
+            <a:schemeClr val="tx1"/>
+          </a:fontRef>
+        </p:style>
+      </p:cxnSp>
+      <p:sp>
+        <p:nvSpPr>
+          <p:cNvPr id="159" name="Rectangle 158"/>
+          <p:cNvSpPr/>
+          <p:nvPr/>
+        </p:nvSpPr>
+        <p:spPr>
+          <a:xfrm>
+            <a:off x="9220200" y="3200400"/>
+            <a:ext cx="152400" cy="76200"/>
+          </a:xfrm>
+          <a:prstGeom prst="rect">
+            <a:avLst/>
+          </a:prstGeom>
+          <a:noFill/>
+          <a:ln>
+            <a:noFill/>
+          </a:ln>
+        </p:spPr>
+        <p:style>
+          <a:lnRef idx="2">
+            <a:schemeClr val="accent1">
+              <a:shade val="50000"/>
+            </a:schemeClr>
+          </a:lnRef>
+          <a:fillRef idx="1">
+            <a:schemeClr val="accent1"/>
+          </a:fillRef>
+          <a:effectRef idx="0">
+            <a:schemeClr val="accent1"/>
+          </a:effectRef>
+          <a:fontRef idx="minor">
+            <a:schemeClr val="lt1"/>
+          </a:fontRef>
+        </p:style>
+        <p:txBody>
+          <a:bodyPr wrap="none" lIns="45720" rIns="45720" rtlCol="0" anchor="ctr"/>
+          <a:lstStyle/>
+          <a:p>
+            <a:pPr algn="ctr"/>
+            <a:r>
+              <a:rPr lang="en-US" sz="900" dirty="0" smtClean="0">
+                <a:solidFill>
+                  <a:srgbClr val="000000"/>
+                </a:solidFill>
+                <a:latin typeface="Courier New" panose="02070309020205020404" pitchFamily="49" charset="0"/>
+                <a:cs typeface="Courier New" panose="02070309020205020404" pitchFamily="49" charset="0"/>
+              </a:rPr>
+              <a:t>58</a:t>
+            </a:r>
+            <a:endParaRPr lang="en-US" sz="900" dirty="0">
+              <a:solidFill>
+                <a:srgbClr val="000000"/>
+              </a:solidFill>
+              <a:latin typeface="Courier New" panose="02070309020205020404" pitchFamily="49" charset="0"/>
+              <a:cs typeface="Courier New" panose="02070309020205020404" pitchFamily="49" charset="0"/>
+            </a:endParaRPr>
+          </a:p>
+        </p:txBody>
+      </p:sp>
+      <p:sp>
+        <p:nvSpPr>
+          <p:cNvPr id="160" name="Rectangle 159"/>
+          <p:cNvSpPr/>
+          <p:nvPr/>
+        </p:nvSpPr>
+        <p:spPr>
+          <a:xfrm>
+            <a:off x="9448800" y="3200400"/>
+            <a:ext cx="457200" cy="152400"/>
+          </a:xfrm>
+          <a:prstGeom prst="rect">
+            <a:avLst/>
+          </a:prstGeom>
+          <a:noFill/>
+          <a:ln>
+            <a:noFill/>
+          </a:ln>
+        </p:spPr>
+        <p:style>
+          <a:lnRef idx="2">
+            <a:schemeClr val="accent1">
+              <a:shade val="50000"/>
+            </a:schemeClr>
+          </a:lnRef>
+          <a:fillRef idx="1">
+            <a:schemeClr val="accent1"/>
+          </a:fillRef>
+          <a:effectRef idx="0">
+            <a:schemeClr val="accent1"/>
+          </a:effectRef>
+          <a:fontRef idx="minor">
+            <a:schemeClr val="lt1"/>
+          </a:fontRef>
+        </p:style>
+        <p:txBody>
+          <a:bodyPr wrap="none" lIns="45720" rIns="45720" rtlCol="0" anchor="ctr"/>
+          <a:lstStyle/>
+          <a:p>
+            <a:r>
+              <a:rPr lang="en-US" sz="900" dirty="0" err="1" smtClean="0">
+                <a:solidFill>
+                  <a:srgbClr val="000000"/>
+                </a:solidFill>
+                <a:latin typeface="Courier New" panose="02070309020205020404" pitchFamily="49" charset="0"/>
+                <a:cs typeface="Courier New" panose="02070309020205020404" pitchFamily="49" charset="0"/>
+              </a:rPr>
+              <a:t>recv_cnt</a:t>
+            </a:r>
+            <a:endParaRPr lang="en-US" sz="900" dirty="0">
+              <a:solidFill>
+                <a:srgbClr val="000000"/>
+              </a:solidFill>
+              <a:latin typeface="Courier New" panose="02070309020205020404" pitchFamily="49" charset="0"/>
+              <a:cs typeface="Courier New" panose="02070309020205020404" pitchFamily="49" charset="0"/>
+            </a:endParaRPr>
+          </a:p>
+        </p:txBody>
+      </p:sp>
+      <p:cxnSp>
+        <p:nvCxnSpPr>
+          <p:cNvPr id="161" name="Straight Connector 160"/>
+          <p:cNvCxnSpPr/>
+          <p:nvPr/>
+        </p:nvCxnSpPr>
+        <p:spPr>
+          <a:xfrm flipV="1">
+            <a:off x="9220200" y="3581400"/>
+            <a:ext cx="152400" cy="152400"/>
+          </a:xfrm>
+          <a:prstGeom prst="line">
+            <a:avLst/>
+          </a:prstGeom>
+          <a:ln w="12700">
+            <a:solidFill>
+              <a:srgbClr val="000000"/>
+            </a:solidFill>
+            <a:headEnd type="none" w="med" len="med"/>
+            <a:tailEnd type="none" w="med" len="med"/>
+          </a:ln>
+        </p:spPr>
+        <p:style>
+          <a:lnRef idx="1">
+            <a:schemeClr val="accent1"/>
+          </a:lnRef>
+          <a:fillRef idx="0">
+            <a:schemeClr val="accent1"/>
+          </a:fillRef>
+          <a:effectRef idx="0">
+            <a:schemeClr val="accent1"/>
+          </a:effectRef>
+          <a:fontRef idx="minor">
+            <a:schemeClr val="tx1"/>
+          </a:fontRef>
+        </p:style>
+      </p:cxnSp>
+      <p:sp>
+        <p:nvSpPr>
+          <p:cNvPr id="162" name="Rectangle 161"/>
+          <p:cNvSpPr/>
+          <p:nvPr/>
+        </p:nvSpPr>
+        <p:spPr>
+          <a:xfrm>
+            <a:off x="9220200" y="3505200"/>
+            <a:ext cx="152400" cy="76200"/>
+          </a:xfrm>
+          <a:prstGeom prst="rect">
+            <a:avLst/>
+          </a:prstGeom>
+          <a:noFill/>
+          <a:ln>
+            <a:noFill/>
+          </a:ln>
+        </p:spPr>
+        <p:style>
+          <a:lnRef idx="2">
+            <a:schemeClr val="accent1">
+              <a:shade val="50000"/>
+            </a:schemeClr>
+          </a:lnRef>
+          <a:fillRef idx="1">
+            <a:schemeClr val="accent1"/>
+          </a:fillRef>
+          <a:effectRef idx="0">
+            <a:schemeClr val="accent1"/>
+          </a:effectRef>
+          <a:fontRef idx="minor">
+            <a:schemeClr val="lt1"/>
+          </a:fontRef>
+        </p:style>
+        <p:txBody>
+          <a:bodyPr wrap="none" lIns="45720" rIns="45720" rtlCol="0" anchor="ctr"/>
+          <a:lstStyle/>
+          <a:p>
+            <a:pPr algn="ctr"/>
+            <a:r>
+              <a:rPr lang="en-US" sz="900" dirty="0" smtClean="0">
+                <a:solidFill>
+                  <a:srgbClr val="000000"/>
+                </a:solidFill>
+                <a:latin typeface="Courier New" panose="02070309020205020404" pitchFamily="49" charset="0"/>
+                <a:cs typeface="Courier New" panose="02070309020205020404" pitchFamily="49" charset="0"/>
+              </a:rPr>
+              <a:t>64</a:t>
+            </a:r>
+            <a:endParaRPr lang="en-US" sz="900" dirty="0">
+              <a:solidFill>
+                <a:srgbClr val="000000"/>
+              </a:solidFill>
+              <a:latin typeface="Courier New" panose="02070309020205020404" pitchFamily="49" charset="0"/>
+              <a:cs typeface="Courier New" panose="02070309020205020404" pitchFamily="49" charset="0"/>
+            </a:endParaRPr>
+          </a:p>
+        </p:txBody>
+      </p:sp>
+      <p:sp>
+        <p:nvSpPr>
+          <p:cNvPr id="176" name="Rectangle 175"/>
+          <p:cNvSpPr/>
+          <p:nvPr/>
+        </p:nvSpPr>
+        <p:spPr>
+          <a:xfrm>
+            <a:off x="9448800" y="3505200"/>
+            <a:ext cx="457200" cy="152400"/>
+          </a:xfrm>
+          <a:prstGeom prst="rect">
+            <a:avLst/>
+          </a:prstGeom>
+          <a:noFill/>
+          <a:ln>
+            <a:noFill/>
+          </a:ln>
+        </p:spPr>
+        <p:style>
+          <a:lnRef idx="2">
+            <a:schemeClr val="accent1">
+              <a:shade val="50000"/>
+            </a:schemeClr>
+          </a:lnRef>
+          <a:fillRef idx="1">
+            <a:schemeClr val="accent1"/>
+          </a:fillRef>
+          <a:effectRef idx="0">
+            <a:schemeClr val="accent1"/>
+          </a:effectRef>
+          <a:fontRef idx="minor">
+            <a:schemeClr val="lt1"/>
+          </a:fontRef>
+        </p:style>
+        <p:txBody>
+          <a:bodyPr wrap="none" lIns="45720" rIns="45720" rtlCol="0" anchor="ctr"/>
+          <a:lstStyle/>
+          <a:p>
+            <a:r>
+              <a:rPr lang="en-US" sz="900" dirty="0" err="1" smtClean="0">
+                <a:solidFill>
+                  <a:srgbClr val="000000"/>
+                </a:solidFill>
+                <a:latin typeface="Courier New" panose="02070309020205020404" pitchFamily="49" charset="0"/>
+                <a:cs typeface="Courier New" panose="02070309020205020404" pitchFamily="49" charset="0"/>
+              </a:rPr>
+              <a:t>err</a:t>
+            </a:r>
+            <a:r>
+              <a:rPr lang="en-US" sz="900" dirty="0" err="1" smtClean="0">
+                <a:solidFill>
+                  <a:srgbClr val="000000"/>
+                </a:solidFill>
+                <a:latin typeface="Courier New" panose="02070309020205020404" pitchFamily="49" charset="0"/>
+                <a:cs typeface="Courier New" panose="02070309020205020404" pitchFamily="49" charset="0"/>
+              </a:rPr>
+              <a:t>_cnt</a:t>
+            </a:r>
+            <a:endParaRPr lang="en-US" sz="900" dirty="0">
+              <a:solidFill>
+                <a:srgbClr val="000000"/>
+              </a:solidFill>
+              <a:latin typeface="Courier New" panose="02070309020205020404" pitchFamily="49" charset="0"/>
+              <a:cs typeface="Courier New" panose="02070309020205020404" pitchFamily="49" charset="0"/>
+            </a:endParaRPr>
+          </a:p>
+        </p:txBody>
+      </p:sp>
+      <p:cxnSp>
+        <p:nvCxnSpPr>
+          <p:cNvPr id="182" name="Straight Connector 181"/>
+          <p:cNvCxnSpPr/>
+          <p:nvPr/>
+        </p:nvCxnSpPr>
+        <p:spPr>
+          <a:xfrm flipV="1">
+            <a:off x="6934200" y="3810000"/>
+            <a:ext cx="152400" cy="152400"/>
+          </a:xfrm>
+          <a:prstGeom prst="line">
+            <a:avLst/>
+          </a:prstGeom>
+          <a:ln w="12700">
+            <a:solidFill>
+              <a:srgbClr val="000000"/>
+            </a:solidFill>
+            <a:headEnd type="none" w="med" len="med"/>
+            <a:tailEnd type="none" w="med" len="med"/>
+          </a:ln>
+        </p:spPr>
+        <p:style>
+          <a:lnRef idx="1">
+            <a:schemeClr val="accent1"/>
+          </a:lnRef>
+          <a:fillRef idx="0">
+            <a:schemeClr val="accent1"/>
+          </a:fillRef>
+          <a:effectRef idx="0">
+            <a:schemeClr val="accent1"/>
+          </a:effectRef>
+          <a:fontRef idx="minor">
+            <a:schemeClr val="tx1"/>
+          </a:fontRef>
+        </p:style>
+      </p:cxnSp>
+      <p:sp>
+        <p:nvSpPr>
+          <p:cNvPr id="183" name="Rectangle 182"/>
+          <p:cNvSpPr/>
+          <p:nvPr/>
+        </p:nvSpPr>
+        <p:spPr>
+          <a:xfrm>
+            <a:off x="6934200" y="3733800"/>
+            <a:ext cx="152400" cy="76200"/>
+          </a:xfrm>
+          <a:prstGeom prst="rect">
+            <a:avLst/>
+          </a:prstGeom>
+          <a:noFill/>
+          <a:ln>
+            <a:noFill/>
+          </a:ln>
+        </p:spPr>
+        <p:style>
+          <a:lnRef idx="2">
+            <a:schemeClr val="accent1">
+              <a:shade val="50000"/>
+            </a:schemeClr>
+          </a:lnRef>
+          <a:fillRef idx="1">
+            <a:schemeClr val="accent1"/>
+          </a:fillRef>
+          <a:effectRef idx="0">
+            <a:schemeClr val="accent1"/>
+          </a:effectRef>
+          <a:fontRef idx="minor">
+            <a:schemeClr val="lt1"/>
+          </a:fontRef>
+        </p:style>
+        <p:txBody>
+          <a:bodyPr wrap="none" lIns="45720" rIns="45720" rtlCol="0" anchor="ctr"/>
+          <a:lstStyle/>
+          <a:p>
+            <a:pPr algn="ctr"/>
+            <a:r>
+              <a:rPr lang="en-US" sz="900" dirty="0" smtClean="0">
+                <a:solidFill>
+                  <a:srgbClr val="000000"/>
+                </a:solidFill>
+                <a:latin typeface="Courier New" panose="02070309020205020404" pitchFamily="49" charset="0"/>
+                <a:cs typeface="Courier New" panose="02070309020205020404" pitchFamily="49" charset="0"/>
+              </a:rPr>
+              <a:t>1</a:t>
+            </a:r>
+            <a:endParaRPr lang="en-US" sz="900" dirty="0">
+              <a:solidFill>
+                <a:srgbClr val="000000"/>
+              </a:solidFill>
+              <a:latin typeface="Courier New" panose="02070309020205020404" pitchFamily="49" charset="0"/>
+              <a:cs typeface="Courier New" panose="02070309020205020404" pitchFamily="49" charset="0"/>
+            </a:endParaRPr>
+          </a:p>
+        </p:txBody>
+      </p:sp>
+      <p:sp>
+        <p:nvSpPr>
+          <p:cNvPr id="185" name="Rectangle 184"/>
+          <p:cNvSpPr/>
+          <p:nvPr/>
+        </p:nvSpPr>
+        <p:spPr>
+          <a:xfrm>
+            <a:off x="7162800" y="3733800"/>
+            <a:ext cx="457200" cy="152400"/>
+          </a:xfrm>
+          <a:prstGeom prst="rect">
+            <a:avLst/>
+          </a:prstGeom>
+          <a:noFill/>
+          <a:ln>
+            <a:noFill/>
+          </a:ln>
+        </p:spPr>
+        <p:style>
+          <a:lnRef idx="2">
+            <a:schemeClr val="accent1">
+              <a:shade val="50000"/>
+            </a:schemeClr>
+          </a:lnRef>
+          <a:fillRef idx="1">
+            <a:schemeClr val="accent1"/>
+          </a:fillRef>
+          <a:effectRef idx="0">
+            <a:schemeClr val="accent1"/>
+          </a:effectRef>
+          <a:fontRef idx="minor">
+            <a:schemeClr val="lt1"/>
+          </a:fontRef>
+        </p:style>
+        <p:txBody>
+          <a:bodyPr wrap="none" lIns="45720" rIns="45720" rtlCol="0" anchor="ctr"/>
+          <a:lstStyle/>
+          <a:p>
+            <a:r>
+              <a:rPr lang="en-US" sz="900" dirty="0" err="1" smtClean="0">
+                <a:solidFill>
+                  <a:srgbClr val="000000"/>
+                </a:solidFill>
+                <a:latin typeface="Courier New" panose="02070309020205020404" pitchFamily="49" charset="0"/>
+                <a:cs typeface="Courier New" panose="02070309020205020404" pitchFamily="49" charset="0"/>
+              </a:rPr>
+              <a:t>clr_seq</a:t>
             </a:r>
             <a:endParaRPr lang="en-US" sz="900" dirty="0">
               <a:solidFill>

--- a/0090_ber/rtl/schematic/lvds_test.pptx
+++ b/0090_ber/rtl/schematic/lvds_test.pptx
@@ -197,7 +197,7 @@
           <a:p>
             <a:fld id="{B9E5BF02-4A65-43B2-AA51-912306618617}" type="datetimeFigureOut">
               <a:rPr lang="en-US" smtClean="0"/>
-              <a:t>10/10/2017</a:t>
+              <a:t>10/11/2017</a:t>
             </a:fld>
             <a:endParaRPr lang="en-US"/>
           </a:p>
@@ -685,7 +685,7 @@
           <a:p>
             <a:fld id="{F8F920B2-3E99-4C9D-9450-62A3DEC5476B}" type="datetimeFigureOut">
               <a:rPr lang="en-US" smtClean="0"/>
-              <a:t>10/10/2017</a:t>
+              <a:t>10/11/2017</a:t>
             </a:fld>
             <a:endParaRPr lang="en-US"/>
           </a:p>
@@ -855,7 +855,7 @@
           <a:p>
             <a:fld id="{F8F920B2-3E99-4C9D-9450-62A3DEC5476B}" type="datetimeFigureOut">
               <a:rPr lang="en-US" smtClean="0"/>
-              <a:t>10/10/2017</a:t>
+              <a:t>10/11/2017</a:t>
             </a:fld>
             <a:endParaRPr lang="en-US"/>
           </a:p>
@@ -1035,7 +1035,7 @@
           <a:p>
             <a:fld id="{F8F920B2-3E99-4C9D-9450-62A3DEC5476B}" type="datetimeFigureOut">
               <a:rPr lang="en-US" smtClean="0"/>
-              <a:t>10/10/2017</a:t>
+              <a:t>10/11/2017</a:t>
             </a:fld>
             <a:endParaRPr lang="en-US"/>
           </a:p>
@@ -1205,7 +1205,7 @@
           <a:p>
             <a:fld id="{F8F920B2-3E99-4C9D-9450-62A3DEC5476B}" type="datetimeFigureOut">
               <a:rPr lang="en-US" smtClean="0"/>
-              <a:t>10/10/2017</a:t>
+              <a:t>10/11/2017</a:t>
             </a:fld>
             <a:endParaRPr lang="en-US"/>
           </a:p>
@@ -1449,7 +1449,7 @@
           <a:p>
             <a:fld id="{F8F920B2-3E99-4C9D-9450-62A3DEC5476B}" type="datetimeFigureOut">
               <a:rPr lang="en-US" smtClean="0"/>
-              <a:t>10/10/2017</a:t>
+              <a:t>10/11/2017</a:t>
             </a:fld>
             <a:endParaRPr lang="en-US"/>
           </a:p>
@@ -1681,7 +1681,7 @@
           <a:p>
             <a:fld id="{F8F920B2-3E99-4C9D-9450-62A3DEC5476B}" type="datetimeFigureOut">
               <a:rPr lang="en-US" smtClean="0"/>
-              <a:t>10/10/2017</a:t>
+              <a:t>10/11/2017</a:t>
             </a:fld>
             <a:endParaRPr lang="en-US"/>
           </a:p>
@@ -2048,7 +2048,7 @@
           <a:p>
             <a:fld id="{F8F920B2-3E99-4C9D-9450-62A3DEC5476B}" type="datetimeFigureOut">
               <a:rPr lang="en-US" smtClean="0"/>
-              <a:t>10/10/2017</a:t>
+              <a:t>10/11/2017</a:t>
             </a:fld>
             <a:endParaRPr lang="en-US"/>
           </a:p>
@@ -2166,7 +2166,7 @@
           <a:p>
             <a:fld id="{F8F920B2-3E99-4C9D-9450-62A3DEC5476B}" type="datetimeFigureOut">
               <a:rPr lang="en-US" smtClean="0"/>
-              <a:t>10/10/2017</a:t>
+              <a:t>10/11/2017</a:t>
             </a:fld>
             <a:endParaRPr lang="en-US"/>
           </a:p>
@@ -2261,7 +2261,7 @@
           <a:p>
             <a:fld id="{F8F920B2-3E99-4C9D-9450-62A3DEC5476B}" type="datetimeFigureOut">
               <a:rPr lang="en-US" smtClean="0"/>
-              <a:t>10/10/2017</a:t>
+              <a:t>10/11/2017</a:t>
             </a:fld>
             <a:endParaRPr lang="en-US"/>
           </a:p>
@@ -2538,7 +2538,7 @@
           <a:p>
             <a:fld id="{F8F920B2-3E99-4C9D-9450-62A3DEC5476B}" type="datetimeFigureOut">
               <a:rPr lang="en-US" smtClean="0"/>
-              <a:t>10/10/2017</a:t>
+              <a:t>10/11/2017</a:t>
             </a:fld>
             <a:endParaRPr lang="en-US"/>
           </a:p>
@@ -2795,7 +2795,7 @@
           <a:p>
             <a:fld id="{F8F920B2-3E99-4C9D-9450-62A3DEC5476B}" type="datetimeFigureOut">
               <a:rPr lang="en-US" smtClean="0"/>
-              <a:t>10/10/2017</a:t>
+              <a:t>10/11/2017</a:t>
             </a:fld>
             <a:endParaRPr lang="en-US"/>
           </a:p>
@@ -3008,7 +3008,7 @@
           <a:p>
             <a:fld id="{F8F920B2-3E99-4C9D-9450-62A3DEC5476B}" type="datetimeFigureOut">
               <a:rPr lang="en-US" smtClean="0"/>
-              <a:t>10/10/2017</a:t>
+              <a:t>10/11/2017</a:t>
             </a:fld>
             <a:endParaRPr lang="en-US"/>
           </a:p>
@@ -6569,15 +6569,22 @@
           <a:p>
             <a:pPr algn="r"/>
             <a:r>
-              <a:rPr lang="en-US" sz="900" dirty="0">
+              <a:rPr lang="en-US" sz="900" dirty="0" smtClean="0">
                 <a:solidFill>
                   <a:srgbClr val="000000"/>
                 </a:solidFill>
                 <a:latin typeface="Courier New" panose="02070309020205020404" pitchFamily="49" charset="0"/>
                 <a:cs typeface="Courier New" panose="02070309020205020404" pitchFamily="49" charset="0"/>
               </a:rPr>
-              <a:t>CNT1</a:t>
-            </a:r>
+              <a:t>CNT2</a:t>
+            </a:r>
+            <a:endParaRPr lang="en-US" sz="900" dirty="0">
+              <a:solidFill>
+                <a:srgbClr val="000000"/>
+              </a:solidFill>
+              <a:latin typeface="Courier New" panose="02070309020205020404" pitchFamily="49" charset="0"/>
+              <a:cs typeface="Courier New" panose="02070309020205020404" pitchFamily="49" charset="0"/>
+            </a:endParaRPr>
           </a:p>
         </p:txBody>
       </p:sp>
@@ -7799,15 +7806,22 @@
           <a:lstStyle/>
           <a:p>
             <a:r>
-              <a:rPr lang="en-US" sz="900" dirty="0">
+              <a:rPr lang="en-US" sz="900" dirty="0" smtClean="0">
                 <a:solidFill>
                   <a:srgbClr val="000000"/>
                 </a:solidFill>
                 <a:latin typeface="Courier New" panose="02070309020205020404" pitchFamily="49" charset="0"/>
                 <a:cs typeface="Courier New" panose="02070309020205020404" pitchFamily="49" charset="0"/>
               </a:rPr>
-              <a:t>CNT0</a:t>
-            </a:r>
+              <a:t>CNT1</a:t>
+            </a:r>
+            <a:endParaRPr lang="en-US" sz="900" dirty="0">
+              <a:solidFill>
+                <a:srgbClr val="000000"/>
+              </a:solidFill>
+              <a:latin typeface="Courier New" panose="02070309020205020404" pitchFamily="49" charset="0"/>
+              <a:cs typeface="Courier New" panose="02070309020205020404" pitchFamily="49" charset="0"/>
+            </a:endParaRPr>
           </a:p>
         </p:txBody>
       </p:sp>
@@ -10051,13 +10065,6 @@
               </a:rPr>
               <a:t>8</a:t>
             </a:r>
-            <a:endParaRPr lang="en-US" sz="900" dirty="0">
-              <a:solidFill>
-                <a:srgbClr val="000000"/>
-              </a:solidFill>
-              <a:latin typeface="Courier New" panose="02070309020205020404" pitchFamily="49" charset="0"/>
-              <a:cs typeface="Courier New" panose="02070309020205020404" pitchFamily="49" charset="0"/>
-            </a:endParaRPr>
           </a:p>
         </p:txBody>
       </p:sp>
@@ -10148,13 +10155,6 @@
               </a:rPr>
               <a:t>8</a:t>
             </a:r>
-            <a:endParaRPr lang="en-US" sz="900" dirty="0">
-              <a:solidFill>
-                <a:srgbClr val="000000"/>
-              </a:solidFill>
-              <a:latin typeface="Courier New" panose="02070309020205020404" pitchFamily="49" charset="0"/>
-              <a:cs typeface="Courier New" panose="02070309020205020404" pitchFamily="49" charset="0"/>
-            </a:endParaRPr>
           </a:p>
         </p:txBody>
       </p:sp>
@@ -10517,17 +10517,7 @@
                 <a:latin typeface="Courier New" panose="02070309020205020404" pitchFamily="49" charset="0"/>
                 <a:cs typeface="Courier New" panose="02070309020205020404" pitchFamily="49" charset="0"/>
               </a:rPr>
-              <a:t>err</a:t>
-            </a:r>
-            <a:r>
-              <a:rPr lang="en-US" sz="900" dirty="0" err="1" smtClean="0">
-                <a:solidFill>
-                  <a:srgbClr val="000000"/>
-                </a:solidFill>
-                <a:latin typeface="Courier New" panose="02070309020205020404" pitchFamily="49" charset="0"/>
-                <a:cs typeface="Courier New" panose="02070309020205020404" pitchFamily="49" charset="0"/>
-              </a:rPr>
-              <a:t>_cnt</a:t>
+              <a:t>err_cnt</a:t>
             </a:r>
             <a:endParaRPr lang="en-US" sz="900" dirty="0">
               <a:solidFill>

--- a/0090_ber/rtl/schematic/lvds_test.pptx
+++ b/0090_ber/rtl/schematic/lvds_test.pptx
@@ -197,7 +197,7 @@
           <a:p>
             <a:fld id="{B9E5BF02-4A65-43B2-AA51-912306618617}" type="datetimeFigureOut">
               <a:rPr lang="en-US" smtClean="0"/>
-              <a:t>10/11/2017</a:t>
+              <a:t>10/12/2017</a:t>
             </a:fld>
             <a:endParaRPr lang="en-US"/>
           </a:p>
@@ -685,7 +685,7 @@
           <a:p>
             <a:fld id="{F8F920B2-3E99-4C9D-9450-62A3DEC5476B}" type="datetimeFigureOut">
               <a:rPr lang="en-US" smtClean="0"/>
-              <a:t>10/11/2017</a:t>
+              <a:t>10/12/2017</a:t>
             </a:fld>
             <a:endParaRPr lang="en-US"/>
           </a:p>
@@ -855,7 +855,7 @@
           <a:p>
             <a:fld id="{F8F920B2-3E99-4C9D-9450-62A3DEC5476B}" type="datetimeFigureOut">
               <a:rPr lang="en-US" smtClean="0"/>
-              <a:t>10/11/2017</a:t>
+              <a:t>10/12/2017</a:t>
             </a:fld>
             <a:endParaRPr lang="en-US"/>
           </a:p>
@@ -1035,7 +1035,7 @@
           <a:p>
             <a:fld id="{F8F920B2-3E99-4C9D-9450-62A3DEC5476B}" type="datetimeFigureOut">
               <a:rPr lang="en-US" smtClean="0"/>
-              <a:t>10/11/2017</a:t>
+              <a:t>10/12/2017</a:t>
             </a:fld>
             <a:endParaRPr lang="en-US"/>
           </a:p>
@@ -1205,7 +1205,7 @@
           <a:p>
             <a:fld id="{F8F920B2-3E99-4C9D-9450-62A3DEC5476B}" type="datetimeFigureOut">
               <a:rPr lang="en-US" smtClean="0"/>
-              <a:t>10/11/2017</a:t>
+              <a:t>10/12/2017</a:t>
             </a:fld>
             <a:endParaRPr lang="en-US"/>
           </a:p>
@@ -1449,7 +1449,7 @@
           <a:p>
             <a:fld id="{F8F920B2-3E99-4C9D-9450-62A3DEC5476B}" type="datetimeFigureOut">
               <a:rPr lang="en-US" smtClean="0"/>
-              <a:t>10/11/2017</a:t>
+              <a:t>10/12/2017</a:t>
             </a:fld>
             <a:endParaRPr lang="en-US"/>
           </a:p>
@@ -1681,7 +1681,7 @@
           <a:p>
             <a:fld id="{F8F920B2-3E99-4C9D-9450-62A3DEC5476B}" type="datetimeFigureOut">
               <a:rPr lang="en-US" smtClean="0"/>
-              <a:t>10/11/2017</a:t>
+              <a:t>10/12/2017</a:t>
             </a:fld>
             <a:endParaRPr lang="en-US"/>
           </a:p>
@@ -2048,7 +2048,7 @@
           <a:p>
             <a:fld id="{F8F920B2-3E99-4C9D-9450-62A3DEC5476B}" type="datetimeFigureOut">
               <a:rPr lang="en-US" smtClean="0"/>
-              <a:t>10/11/2017</a:t>
+              <a:t>10/12/2017</a:t>
             </a:fld>
             <a:endParaRPr lang="en-US"/>
           </a:p>
@@ -2166,7 +2166,7 @@
           <a:p>
             <a:fld id="{F8F920B2-3E99-4C9D-9450-62A3DEC5476B}" type="datetimeFigureOut">
               <a:rPr lang="en-US" smtClean="0"/>
-              <a:t>10/11/2017</a:t>
+              <a:t>10/12/2017</a:t>
             </a:fld>
             <a:endParaRPr lang="en-US"/>
           </a:p>
@@ -2261,7 +2261,7 @@
           <a:p>
             <a:fld id="{F8F920B2-3E99-4C9D-9450-62A3DEC5476B}" type="datetimeFigureOut">
               <a:rPr lang="en-US" smtClean="0"/>
-              <a:t>10/11/2017</a:t>
+              <a:t>10/12/2017</a:t>
             </a:fld>
             <a:endParaRPr lang="en-US"/>
           </a:p>
@@ -2538,7 +2538,7 @@
           <a:p>
             <a:fld id="{F8F920B2-3E99-4C9D-9450-62A3DEC5476B}" type="datetimeFigureOut">
               <a:rPr lang="en-US" smtClean="0"/>
-              <a:t>10/11/2017</a:t>
+              <a:t>10/12/2017</a:t>
             </a:fld>
             <a:endParaRPr lang="en-US"/>
           </a:p>
@@ -2795,7 +2795,7 @@
           <a:p>
             <a:fld id="{F8F920B2-3E99-4C9D-9450-62A3DEC5476B}" type="datetimeFigureOut">
               <a:rPr lang="en-US" smtClean="0"/>
-              <a:t>10/11/2017</a:t>
+              <a:t>10/12/2017</a:t>
             </a:fld>
             <a:endParaRPr lang="en-US"/>
           </a:p>
@@ -3008,7 +3008,7 @@
           <a:p>
             <a:fld id="{F8F920B2-3E99-4C9D-9450-62A3DEC5476B}" type="datetimeFigureOut">
               <a:rPr lang="en-US" smtClean="0"/>
-              <a:t>10/11/2017</a:t>
+              <a:t>10/12/2017</a:t>
             </a:fld>
             <a:endParaRPr lang="en-US"/>
           </a:p>
@@ -6576,7 +6576,7 @@
                 <a:latin typeface="Courier New" panose="02070309020205020404" pitchFamily="49" charset="0"/>
                 <a:cs typeface="Courier New" panose="02070309020205020404" pitchFamily="49" charset="0"/>
               </a:rPr>
-              <a:t>CNT2</a:t>
+              <a:t>CNT1</a:t>
             </a:r>
             <a:endParaRPr lang="en-US" sz="900" dirty="0">
               <a:solidFill>
@@ -7813,7 +7813,7 @@
                 <a:latin typeface="Courier New" panose="02070309020205020404" pitchFamily="49" charset="0"/>
                 <a:cs typeface="Courier New" panose="02070309020205020404" pitchFamily="49" charset="0"/>
               </a:rPr>
-              <a:t>CNT1</a:t>
+              <a:t>CNT2</a:t>
             </a:r>
             <a:endParaRPr lang="en-US" sz="900" dirty="0">
               <a:solidFill>

--- a/0090_ber/rtl/schematic/lvds_test.pptx
+++ b/0090_ber/rtl/schematic/lvds_test.pptx
@@ -2,7 +2,7 @@
 <file path=ppt/presentation.xml><?xml version="1.0" encoding="utf-8"?>
 <p:presentation xmlns:a="http://schemas.openxmlformats.org/drawingml/2006/main" xmlns:r="http://schemas.openxmlformats.org/officeDocument/2006/relationships" xmlns:p="http://schemas.openxmlformats.org/presentationml/2006/main" saveSubsetFonts="1">
   <p:sldMasterIdLst>
-    <p:sldMasterId id="2147484621" r:id="rId1"/>
+    <p:sldMasterId id="2147484669" r:id="rId1"/>
   </p:sldMasterIdLst>
   <p:notesMasterIdLst>
     <p:notesMasterId r:id="rId3"/>
@@ -10,7 +10,7 @@
   <p:sldIdLst>
     <p:sldId id="262" r:id="rId2"/>
   </p:sldIdLst>
-  <p:sldSz cx="13716000" cy="9144000"/>
+  <p:sldSz cx="14630400" cy="10972800"/>
   <p:notesSz cx="6797675" cy="9926638"/>
   <p:defaultTextStyle>
     <a:defPPr>
@@ -197,7 +197,7 @@
           <a:p>
             <a:fld id="{B9E5BF02-4A65-43B2-AA51-912306618617}" type="datetimeFigureOut">
               <a:rPr lang="en-US" smtClean="0"/>
-              <a:t>10/12/2017</a:t>
+              <a:t>10/23/2017</a:t>
             </a:fld>
             <a:endParaRPr lang="en-US"/>
           </a:p>
@@ -215,8 +215,8 @@
         </p:nvSpPr>
         <p:spPr>
           <a:xfrm>
-            <a:off x="887413" y="1241425"/>
-            <a:ext cx="5022850" cy="3349625"/>
+            <a:off x="1166813" y="1241425"/>
+            <a:ext cx="4464050" cy="3349625"/>
           </a:xfrm>
           <a:prstGeom prst="rect">
             <a:avLst/>
@@ -494,8 +494,8 @@
         </p:nvSpPr>
         <p:spPr>
           <a:xfrm>
-            <a:off x="887413" y="1241425"/>
-            <a:ext cx="5022850" cy="3349625"/>
+            <a:off x="1166813" y="1241425"/>
+            <a:ext cx="4464050" cy="3349625"/>
           </a:xfrm>
         </p:spPr>
       </p:sp>
@@ -583,15 +583,15 @@
         </p:nvSpPr>
         <p:spPr>
           <a:xfrm>
-            <a:off x="1028700" y="1496484"/>
-            <a:ext cx="11658600" cy="3183467"/>
+            <a:off x="1097280" y="1795781"/>
+            <a:ext cx="12435840" cy="3820160"/>
           </a:xfrm>
         </p:spPr>
         <p:txBody>
           <a:bodyPr anchor="b"/>
           <a:lstStyle>
             <a:lvl1pPr algn="ctr">
-              <a:defRPr sz="8000"/>
+              <a:defRPr sz="9600"/>
             </a:lvl1pPr>
           </a:lstStyle>
           <a:p>
@@ -615,8 +615,8 @@
         </p:nvSpPr>
         <p:spPr>
           <a:xfrm>
-            <a:off x="1714500" y="4802717"/>
-            <a:ext cx="10287000" cy="2207683"/>
+            <a:off x="1828800" y="5763261"/>
+            <a:ext cx="10972800" cy="2649219"/>
           </a:xfrm>
         </p:spPr>
         <p:txBody>
@@ -624,39 +624,39 @@
           <a:lstStyle>
             <a:lvl1pPr marL="0" indent="0" algn="ctr">
               <a:buNone/>
+              <a:defRPr sz="3840"/>
+            </a:lvl1pPr>
+            <a:lvl2pPr marL="731520" indent="0" algn="ctr">
+              <a:buNone/>
               <a:defRPr sz="3200"/>
-            </a:lvl1pPr>
-            <a:lvl2pPr marL="609585" indent="0" algn="ctr">
+            </a:lvl2pPr>
+            <a:lvl3pPr marL="1463040" indent="0" algn="ctr">
               <a:buNone/>
-              <a:defRPr sz="2667"/>
-            </a:lvl2pPr>
-            <a:lvl3pPr marL="1219170" indent="0" algn="ctr">
+              <a:defRPr sz="2880"/>
+            </a:lvl3pPr>
+            <a:lvl4pPr marL="2194560" indent="0" algn="ctr">
               <a:buNone/>
-              <a:defRPr sz="2400"/>
-            </a:lvl3pPr>
-            <a:lvl4pPr marL="1828754" indent="0" algn="ctr">
+              <a:defRPr sz="2560"/>
+            </a:lvl4pPr>
+            <a:lvl5pPr marL="2926080" indent="0" algn="ctr">
               <a:buNone/>
-              <a:defRPr sz="2133"/>
-            </a:lvl4pPr>
-            <a:lvl5pPr marL="2438339" indent="0" algn="ctr">
+              <a:defRPr sz="2560"/>
+            </a:lvl5pPr>
+            <a:lvl6pPr marL="3657600" indent="0" algn="ctr">
               <a:buNone/>
-              <a:defRPr sz="2133"/>
-            </a:lvl5pPr>
-            <a:lvl6pPr marL="3047924" indent="0" algn="ctr">
+              <a:defRPr sz="2560"/>
+            </a:lvl6pPr>
+            <a:lvl7pPr marL="4389120" indent="0" algn="ctr">
               <a:buNone/>
-              <a:defRPr sz="2133"/>
-            </a:lvl6pPr>
-            <a:lvl7pPr marL="3657509" indent="0" algn="ctr">
+              <a:defRPr sz="2560"/>
+            </a:lvl7pPr>
+            <a:lvl8pPr marL="5120640" indent="0" algn="ctr">
               <a:buNone/>
-              <a:defRPr sz="2133"/>
-            </a:lvl7pPr>
-            <a:lvl8pPr marL="4267093" indent="0" algn="ctr">
+              <a:defRPr sz="2560"/>
+            </a:lvl8pPr>
+            <a:lvl9pPr marL="5852160" indent="0" algn="ctr">
               <a:buNone/>
-              <a:defRPr sz="2133"/>
-            </a:lvl8pPr>
-            <a:lvl9pPr marL="4876678" indent="0" algn="ctr">
-              <a:buNone/>
-              <a:defRPr sz="2133"/>
+              <a:defRPr sz="2560"/>
             </a:lvl9pPr>
           </a:lstStyle>
           <a:p>
@@ -685,7 +685,7 @@
           <a:p>
             <a:fld id="{F8F920B2-3E99-4C9D-9450-62A3DEC5476B}" type="datetimeFigureOut">
               <a:rPr lang="en-US" smtClean="0"/>
-              <a:t>10/12/2017</a:t>
+              <a:t>10/23/2017</a:t>
             </a:fld>
             <a:endParaRPr lang="en-US"/>
           </a:p>
@@ -736,7 +736,7 @@
     </p:spTree>
     <p:extLst>
       <p:ext uri="{BB962C8B-B14F-4D97-AF65-F5344CB8AC3E}">
-        <p14:creationId xmlns:p14="http://schemas.microsoft.com/office/powerpoint/2010/main" val="2820267328"/>
+        <p14:creationId xmlns:p14="http://schemas.microsoft.com/office/powerpoint/2010/main" val="246009269"/>
       </p:ext>
     </p:extLst>
   </p:cSld>
@@ -855,7 +855,7 @@
           <a:p>
             <a:fld id="{F8F920B2-3E99-4C9D-9450-62A3DEC5476B}" type="datetimeFigureOut">
               <a:rPr lang="en-US" smtClean="0"/>
-              <a:t>10/12/2017</a:t>
+              <a:t>10/23/2017</a:t>
             </a:fld>
             <a:endParaRPr lang="en-US"/>
           </a:p>
@@ -906,7 +906,7 @@
     </p:spTree>
     <p:extLst>
       <p:ext uri="{BB962C8B-B14F-4D97-AF65-F5344CB8AC3E}">
-        <p14:creationId xmlns:p14="http://schemas.microsoft.com/office/powerpoint/2010/main" val="2649607360"/>
+        <p14:creationId xmlns:p14="http://schemas.microsoft.com/office/powerpoint/2010/main" val="190880664"/>
       </p:ext>
     </p:extLst>
   </p:cSld>
@@ -945,8 +945,8 @@
         </p:nvSpPr>
         <p:spPr>
           <a:xfrm>
-            <a:off x="9815513" y="486834"/>
-            <a:ext cx="2957513" cy="7749117"/>
+            <a:off x="10469881" y="584200"/>
+            <a:ext cx="3154680" cy="9298941"/>
           </a:xfrm>
         </p:spPr>
         <p:txBody>
@@ -973,8 +973,8 @@
         </p:nvSpPr>
         <p:spPr>
           <a:xfrm>
-            <a:off x="942976" y="486834"/>
-            <a:ext cx="8701088" cy="7749117"/>
+            <a:off x="1005841" y="584200"/>
+            <a:ext cx="9281160" cy="9298941"/>
           </a:xfrm>
         </p:spPr>
         <p:txBody>
@@ -1035,7 +1035,7 @@
           <a:p>
             <a:fld id="{F8F920B2-3E99-4C9D-9450-62A3DEC5476B}" type="datetimeFigureOut">
               <a:rPr lang="en-US" smtClean="0"/>
-              <a:t>10/12/2017</a:t>
+              <a:t>10/23/2017</a:t>
             </a:fld>
             <a:endParaRPr lang="en-US"/>
           </a:p>
@@ -1086,7 +1086,7 @@
     </p:spTree>
     <p:extLst>
       <p:ext uri="{BB962C8B-B14F-4D97-AF65-F5344CB8AC3E}">
-        <p14:creationId xmlns:p14="http://schemas.microsoft.com/office/powerpoint/2010/main" val="3696471899"/>
+        <p14:creationId xmlns:p14="http://schemas.microsoft.com/office/powerpoint/2010/main" val="3977721175"/>
       </p:ext>
     </p:extLst>
   </p:cSld>
@@ -1205,7 +1205,7 @@
           <a:p>
             <a:fld id="{F8F920B2-3E99-4C9D-9450-62A3DEC5476B}" type="datetimeFigureOut">
               <a:rPr lang="en-US" smtClean="0"/>
-              <a:t>10/12/2017</a:t>
+              <a:t>10/23/2017</a:t>
             </a:fld>
             <a:endParaRPr lang="en-US"/>
           </a:p>
@@ -1256,7 +1256,7 @@
     </p:spTree>
     <p:extLst>
       <p:ext uri="{BB962C8B-B14F-4D97-AF65-F5344CB8AC3E}">
-        <p14:creationId xmlns:p14="http://schemas.microsoft.com/office/powerpoint/2010/main" val="2183993984"/>
+        <p14:creationId xmlns:p14="http://schemas.microsoft.com/office/powerpoint/2010/main" val="1707990413"/>
       </p:ext>
     </p:extLst>
   </p:cSld>
@@ -1295,15 +1295,15 @@
         </p:nvSpPr>
         <p:spPr>
           <a:xfrm>
-            <a:off x="935832" y="2279653"/>
-            <a:ext cx="11830050" cy="3803649"/>
+            <a:off x="998221" y="2735583"/>
+            <a:ext cx="12618720" cy="4564379"/>
           </a:xfrm>
         </p:spPr>
         <p:txBody>
           <a:bodyPr anchor="b"/>
           <a:lstStyle>
             <a:lvl1pPr>
-              <a:defRPr sz="8000"/>
+              <a:defRPr sz="9600"/>
             </a:lvl1pPr>
           </a:lstStyle>
           <a:p>
@@ -1327,8 +1327,8 @@
         </p:nvSpPr>
         <p:spPr>
           <a:xfrm>
-            <a:off x="935832" y="6119286"/>
-            <a:ext cx="11830050" cy="2000249"/>
+            <a:off x="998221" y="7343143"/>
+            <a:ext cx="12618720" cy="2400299"/>
           </a:xfrm>
         </p:spPr>
         <p:txBody>
@@ -1336,15 +1336,15 @@
           <a:lstStyle>
             <a:lvl1pPr marL="0" indent="0">
               <a:buNone/>
-              <a:defRPr sz="3200">
+              <a:defRPr sz="3840">
                 <a:solidFill>
                   <a:schemeClr val="tx1"/>
                 </a:solidFill>
               </a:defRPr>
             </a:lvl1pPr>
-            <a:lvl2pPr marL="609585" indent="0">
+            <a:lvl2pPr marL="731520" indent="0">
               <a:buNone/>
-              <a:defRPr sz="2667">
+              <a:defRPr sz="3200">
                 <a:solidFill>
                   <a:schemeClr val="tx1">
                     <a:tint val="75000"/>
@@ -1352,9 +1352,9 @@
                 </a:solidFill>
               </a:defRPr>
             </a:lvl2pPr>
-            <a:lvl3pPr marL="1219170" indent="0">
+            <a:lvl3pPr marL="1463040" indent="0">
               <a:buNone/>
-              <a:defRPr sz="2400">
+              <a:defRPr sz="2880">
                 <a:solidFill>
                   <a:schemeClr val="tx1">
                     <a:tint val="75000"/>
@@ -1362,9 +1362,9 @@
                 </a:solidFill>
               </a:defRPr>
             </a:lvl3pPr>
-            <a:lvl4pPr marL="1828754" indent="0">
+            <a:lvl4pPr marL="2194560" indent="0">
               <a:buNone/>
-              <a:defRPr sz="2133">
+              <a:defRPr sz="2560">
                 <a:solidFill>
                   <a:schemeClr val="tx1">
                     <a:tint val="75000"/>
@@ -1372,9 +1372,9 @@
                 </a:solidFill>
               </a:defRPr>
             </a:lvl4pPr>
-            <a:lvl5pPr marL="2438339" indent="0">
+            <a:lvl5pPr marL="2926080" indent="0">
               <a:buNone/>
-              <a:defRPr sz="2133">
+              <a:defRPr sz="2560">
                 <a:solidFill>
                   <a:schemeClr val="tx1">
                     <a:tint val="75000"/>
@@ -1382,9 +1382,9 @@
                 </a:solidFill>
               </a:defRPr>
             </a:lvl5pPr>
-            <a:lvl6pPr marL="3047924" indent="0">
+            <a:lvl6pPr marL="3657600" indent="0">
               <a:buNone/>
-              <a:defRPr sz="2133">
+              <a:defRPr sz="2560">
                 <a:solidFill>
                   <a:schemeClr val="tx1">
                     <a:tint val="75000"/>
@@ -1392,9 +1392,9 @@
                 </a:solidFill>
               </a:defRPr>
             </a:lvl6pPr>
-            <a:lvl7pPr marL="3657509" indent="0">
+            <a:lvl7pPr marL="4389120" indent="0">
               <a:buNone/>
-              <a:defRPr sz="2133">
+              <a:defRPr sz="2560">
                 <a:solidFill>
                   <a:schemeClr val="tx1">
                     <a:tint val="75000"/>
@@ -1402,9 +1402,9 @@
                 </a:solidFill>
               </a:defRPr>
             </a:lvl7pPr>
-            <a:lvl8pPr marL="4267093" indent="0">
+            <a:lvl8pPr marL="5120640" indent="0">
               <a:buNone/>
-              <a:defRPr sz="2133">
+              <a:defRPr sz="2560">
                 <a:solidFill>
                   <a:schemeClr val="tx1">
                     <a:tint val="75000"/>
@@ -1412,9 +1412,9 @@
                 </a:solidFill>
               </a:defRPr>
             </a:lvl8pPr>
-            <a:lvl9pPr marL="4876678" indent="0">
+            <a:lvl9pPr marL="5852160" indent="0">
               <a:buNone/>
-              <a:defRPr sz="2133">
+              <a:defRPr sz="2560">
                 <a:solidFill>
                   <a:schemeClr val="tx1">
                     <a:tint val="75000"/>
@@ -1449,7 +1449,7 @@
           <a:p>
             <a:fld id="{F8F920B2-3E99-4C9D-9450-62A3DEC5476B}" type="datetimeFigureOut">
               <a:rPr lang="en-US" smtClean="0"/>
-              <a:t>10/12/2017</a:t>
+              <a:t>10/23/2017</a:t>
             </a:fld>
             <a:endParaRPr lang="en-US"/>
           </a:p>
@@ -1500,7 +1500,7 @@
     </p:spTree>
     <p:extLst>
       <p:ext uri="{BB962C8B-B14F-4D97-AF65-F5344CB8AC3E}">
-        <p14:creationId xmlns:p14="http://schemas.microsoft.com/office/powerpoint/2010/main" val="294354203"/>
+        <p14:creationId xmlns:p14="http://schemas.microsoft.com/office/powerpoint/2010/main" val="324134822"/>
       </p:ext>
     </p:extLst>
   </p:cSld>
@@ -1562,8 +1562,8 @@
         </p:nvSpPr>
         <p:spPr>
           <a:xfrm>
-            <a:off x="942975" y="2434167"/>
-            <a:ext cx="5829300" cy="5801784"/>
+            <a:off x="1005840" y="2921000"/>
+            <a:ext cx="6217920" cy="6962141"/>
           </a:xfrm>
         </p:spPr>
         <p:txBody>
@@ -1619,8 +1619,8 @@
         </p:nvSpPr>
         <p:spPr>
           <a:xfrm>
-            <a:off x="6943725" y="2434167"/>
-            <a:ext cx="5829300" cy="5801784"/>
+            <a:off x="7406640" y="2921000"/>
+            <a:ext cx="6217920" cy="6962141"/>
           </a:xfrm>
         </p:spPr>
         <p:txBody>
@@ -1681,7 +1681,7 @@
           <a:p>
             <a:fld id="{F8F920B2-3E99-4C9D-9450-62A3DEC5476B}" type="datetimeFigureOut">
               <a:rPr lang="en-US" smtClean="0"/>
-              <a:t>10/12/2017</a:t>
+              <a:t>10/23/2017</a:t>
             </a:fld>
             <a:endParaRPr lang="en-US"/>
           </a:p>
@@ -1732,7 +1732,7 @@
     </p:spTree>
     <p:extLst>
       <p:ext uri="{BB962C8B-B14F-4D97-AF65-F5344CB8AC3E}">
-        <p14:creationId xmlns:p14="http://schemas.microsoft.com/office/powerpoint/2010/main" val="2202963034"/>
+        <p14:creationId xmlns:p14="http://schemas.microsoft.com/office/powerpoint/2010/main" val="4123162170"/>
       </p:ext>
     </p:extLst>
   </p:cSld>
@@ -1771,8 +1771,8 @@
         </p:nvSpPr>
         <p:spPr>
           <a:xfrm>
-            <a:off x="944762" y="486836"/>
-            <a:ext cx="11830050" cy="1767417"/>
+            <a:off x="1007746" y="584202"/>
+            <a:ext cx="12618720" cy="2120901"/>
           </a:xfrm>
         </p:spPr>
         <p:txBody>
@@ -1799,8 +1799,8 @@
         </p:nvSpPr>
         <p:spPr>
           <a:xfrm>
-            <a:off x="944763" y="2241551"/>
-            <a:ext cx="5802510" cy="1098549"/>
+            <a:off x="1007747" y="2689861"/>
+            <a:ext cx="6189344" cy="1318259"/>
           </a:xfrm>
         </p:spPr>
         <p:txBody>
@@ -1808,39 +1808,39 @@
           <a:lstStyle>
             <a:lvl1pPr marL="0" indent="0">
               <a:buNone/>
+              <a:defRPr sz="3840" b="1"/>
+            </a:lvl1pPr>
+            <a:lvl2pPr marL="731520" indent="0">
+              <a:buNone/>
               <a:defRPr sz="3200" b="1"/>
-            </a:lvl1pPr>
-            <a:lvl2pPr marL="609585" indent="0">
+            </a:lvl2pPr>
+            <a:lvl3pPr marL="1463040" indent="0">
               <a:buNone/>
-              <a:defRPr sz="2667" b="1"/>
-            </a:lvl2pPr>
-            <a:lvl3pPr marL="1219170" indent="0">
+              <a:defRPr sz="2880" b="1"/>
+            </a:lvl3pPr>
+            <a:lvl4pPr marL="2194560" indent="0">
               <a:buNone/>
-              <a:defRPr sz="2400" b="1"/>
-            </a:lvl3pPr>
-            <a:lvl4pPr marL="1828754" indent="0">
+              <a:defRPr sz="2560" b="1"/>
+            </a:lvl4pPr>
+            <a:lvl5pPr marL="2926080" indent="0">
               <a:buNone/>
-              <a:defRPr sz="2133" b="1"/>
-            </a:lvl4pPr>
-            <a:lvl5pPr marL="2438339" indent="0">
+              <a:defRPr sz="2560" b="1"/>
+            </a:lvl5pPr>
+            <a:lvl6pPr marL="3657600" indent="0">
               <a:buNone/>
-              <a:defRPr sz="2133" b="1"/>
-            </a:lvl5pPr>
-            <a:lvl6pPr marL="3047924" indent="0">
+              <a:defRPr sz="2560" b="1"/>
+            </a:lvl6pPr>
+            <a:lvl7pPr marL="4389120" indent="0">
               <a:buNone/>
-              <a:defRPr sz="2133" b="1"/>
-            </a:lvl6pPr>
-            <a:lvl7pPr marL="3657509" indent="0">
+              <a:defRPr sz="2560" b="1"/>
+            </a:lvl7pPr>
+            <a:lvl8pPr marL="5120640" indent="0">
               <a:buNone/>
-              <a:defRPr sz="2133" b="1"/>
-            </a:lvl7pPr>
-            <a:lvl8pPr marL="4267093" indent="0">
+              <a:defRPr sz="2560" b="1"/>
+            </a:lvl8pPr>
+            <a:lvl9pPr marL="5852160" indent="0">
               <a:buNone/>
-              <a:defRPr sz="2133" b="1"/>
-            </a:lvl8pPr>
-            <a:lvl9pPr marL="4876678" indent="0">
-              <a:buNone/>
-              <a:defRPr sz="2133" b="1"/>
+              <a:defRPr sz="2560" b="1"/>
             </a:lvl9pPr>
           </a:lstStyle>
           <a:p>
@@ -1864,8 +1864,8 @@
         </p:nvSpPr>
         <p:spPr>
           <a:xfrm>
-            <a:off x="944763" y="3340100"/>
-            <a:ext cx="5802510" cy="4912784"/>
+            <a:off x="1007747" y="4008120"/>
+            <a:ext cx="6189344" cy="5895341"/>
           </a:xfrm>
         </p:spPr>
         <p:txBody>
@@ -1921,8 +1921,8 @@
         </p:nvSpPr>
         <p:spPr>
           <a:xfrm>
-            <a:off x="6943726" y="2241551"/>
-            <a:ext cx="5831087" cy="1098549"/>
+            <a:off x="7406641" y="2689861"/>
+            <a:ext cx="6219826" cy="1318259"/>
           </a:xfrm>
         </p:spPr>
         <p:txBody>
@@ -1930,39 +1930,39 @@
           <a:lstStyle>
             <a:lvl1pPr marL="0" indent="0">
               <a:buNone/>
+              <a:defRPr sz="3840" b="1"/>
+            </a:lvl1pPr>
+            <a:lvl2pPr marL="731520" indent="0">
+              <a:buNone/>
               <a:defRPr sz="3200" b="1"/>
-            </a:lvl1pPr>
-            <a:lvl2pPr marL="609585" indent="0">
+            </a:lvl2pPr>
+            <a:lvl3pPr marL="1463040" indent="0">
               <a:buNone/>
-              <a:defRPr sz="2667" b="1"/>
-            </a:lvl2pPr>
-            <a:lvl3pPr marL="1219170" indent="0">
+              <a:defRPr sz="2880" b="1"/>
+            </a:lvl3pPr>
+            <a:lvl4pPr marL="2194560" indent="0">
               <a:buNone/>
-              <a:defRPr sz="2400" b="1"/>
-            </a:lvl3pPr>
-            <a:lvl4pPr marL="1828754" indent="0">
+              <a:defRPr sz="2560" b="1"/>
+            </a:lvl4pPr>
+            <a:lvl5pPr marL="2926080" indent="0">
               <a:buNone/>
-              <a:defRPr sz="2133" b="1"/>
-            </a:lvl4pPr>
-            <a:lvl5pPr marL="2438339" indent="0">
+              <a:defRPr sz="2560" b="1"/>
+            </a:lvl5pPr>
+            <a:lvl6pPr marL="3657600" indent="0">
               <a:buNone/>
-              <a:defRPr sz="2133" b="1"/>
-            </a:lvl5pPr>
-            <a:lvl6pPr marL="3047924" indent="0">
+              <a:defRPr sz="2560" b="1"/>
+            </a:lvl6pPr>
+            <a:lvl7pPr marL="4389120" indent="0">
               <a:buNone/>
-              <a:defRPr sz="2133" b="1"/>
-            </a:lvl6pPr>
-            <a:lvl7pPr marL="3657509" indent="0">
+              <a:defRPr sz="2560" b="1"/>
+            </a:lvl7pPr>
+            <a:lvl8pPr marL="5120640" indent="0">
               <a:buNone/>
-              <a:defRPr sz="2133" b="1"/>
-            </a:lvl7pPr>
-            <a:lvl8pPr marL="4267093" indent="0">
+              <a:defRPr sz="2560" b="1"/>
+            </a:lvl8pPr>
+            <a:lvl9pPr marL="5852160" indent="0">
               <a:buNone/>
-              <a:defRPr sz="2133" b="1"/>
-            </a:lvl8pPr>
-            <a:lvl9pPr marL="4876678" indent="0">
-              <a:buNone/>
-              <a:defRPr sz="2133" b="1"/>
+              <a:defRPr sz="2560" b="1"/>
             </a:lvl9pPr>
           </a:lstStyle>
           <a:p>
@@ -1986,8 +1986,8 @@
         </p:nvSpPr>
         <p:spPr>
           <a:xfrm>
-            <a:off x="6943726" y="3340100"/>
-            <a:ext cx="5831087" cy="4912784"/>
+            <a:off x="7406641" y="4008120"/>
+            <a:ext cx="6219826" cy="5895341"/>
           </a:xfrm>
         </p:spPr>
         <p:txBody>
@@ -2048,7 +2048,7 @@
           <a:p>
             <a:fld id="{F8F920B2-3E99-4C9D-9450-62A3DEC5476B}" type="datetimeFigureOut">
               <a:rPr lang="en-US" smtClean="0"/>
-              <a:t>10/12/2017</a:t>
+              <a:t>10/23/2017</a:t>
             </a:fld>
             <a:endParaRPr lang="en-US"/>
           </a:p>
@@ -2099,7 +2099,7 @@
     </p:spTree>
     <p:extLst>
       <p:ext uri="{BB962C8B-B14F-4D97-AF65-F5344CB8AC3E}">
-        <p14:creationId xmlns:p14="http://schemas.microsoft.com/office/powerpoint/2010/main" val="2328372059"/>
+        <p14:creationId xmlns:p14="http://schemas.microsoft.com/office/powerpoint/2010/main" val="2780903541"/>
       </p:ext>
     </p:extLst>
   </p:cSld>
@@ -2166,7 +2166,7 @@
           <a:p>
             <a:fld id="{F8F920B2-3E99-4C9D-9450-62A3DEC5476B}" type="datetimeFigureOut">
               <a:rPr lang="en-US" smtClean="0"/>
-              <a:t>10/12/2017</a:t>
+              <a:t>10/23/2017</a:t>
             </a:fld>
             <a:endParaRPr lang="en-US"/>
           </a:p>
@@ -2217,7 +2217,7 @@
     </p:spTree>
     <p:extLst>
       <p:ext uri="{BB962C8B-B14F-4D97-AF65-F5344CB8AC3E}">
-        <p14:creationId xmlns:p14="http://schemas.microsoft.com/office/powerpoint/2010/main" val="2995036042"/>
+        <p14:creationId xmlns:p14="http://schemas.microsoft.com/office/powerpoint/2010/main" val="1420631454"/>
       </p:ext>
     </p:extLst>
   </p:cSld>
@@ -2261,7 +2261,7 @@
           <a:p>
             <a:fld id="{F8F920B2-3E99-4C9D-9450-62A3DEC5476B}" type="datetimeFigureOut">
               <a:rPr lang="en-US" smtClean="0"/>
-              <a:t>10/12/2017</a:t>
+              <a:t>10/23/2017</a:t>
             </a:fld>
             <a:endParaRPr lang="en-US"/>
           </a:p>
@@ -2312,7 +2312,7 @@
     </p:spTree>
     <p:extLst>
       <p:ext uri="{BB962C8B-B14F-4D97-AF65-F5344CB8AC3E}">
-        <p14:creationId xmlns:p14="http://schemas.microsoft.com/office/powerpoint/2010/main" val="2031596636"/>
+        <p14:creationId xmlns:p14="http://schemas.microsoft.com/office/powerpoint/2010/main" val="2560724301"/>
       </p:ext>
     </p:extLst>
   </p:cSld>
@@ -2351,15 +2351,15 @@
         </p:nvSpPr>
         <p:spPr>
           <a:xfrm>
-            <a:off x="944762" y="609600"/>
-            <a:ext cx="4423767" cy="2133600"/>
+            <a:off x="1007746" y="731520"/>
+            <a:ext cx="4718685" cy="2560320"/>
           </a:xfrm>
         </p:spPr>
         <p:txBody>
           <a:bodyPr anchor="b"/>
           <a:lstStyle>
             <a:lvl1pPr>
-              <a:defRPr sz="4267"/>
+              <a:defRPr sz="5120"/>
             </a:lvl1pPr>
           </a:lstStyle>
           <a:p>
@@ -2383,39 +2383,39 @@
         </p:nvSpPr>
         <p:spPr>
           <a:xfrm>
-            <a:off x="5831087" y="1316569"/>
-            <a:ext cx="6943725" cy="6498167"/>
+            <a:off x="6219826" y="1579882"/>
+            <a:ext cx="7406640" cy="7797800"/>
           </a:xfrm>
         </p:spPr>
         <p:txBody>
           <a:bodyPr/>
           <a:lstStyle>
             <a:lvl1pPr>
-              <a:defRPr sz="4267"/>
+              <a:defRPr sz="5120"/>
             </a:lvl1pPr>
             <a:lvl2pPr>
-              <a:defRPr sz="3733"/>
+              <a:defRPr sz="4480"/>
             </a:lvl2pPr>
             <a:lvl3pPr>
-              <a:defRPr sz="3200"/>
+              <a:defRPr sz="3840"/>
             </a:lvl3pPr>
             <a:lvl4pPr>
-              <a:defRPr sz="2667"/>
+              <a:defRPr sz="3200"/>
             </a:lvl4pPr>
             <a:lvl5pPr>
-              <a:defRPr sz="2667"/>
+              <a:defRPr sz="3200"/>
             </a:lvl5pPr>
             <a:lvl6pPr>
-              <a:defRPr sz="2667"/>
+              <a:defRPr sz="3200"/>
             </a:lvl6pPr>
             <a:lvl7pPr>
-              <a:defRPr sz="2667"/>
+              <a:defRPr sz="3200"/>
             </a:lvl7pPr>
             <a:lvl8pPr>
-              <a:defRPr sz="2667"/>
+              <a:defRPr sz="3200"/>
             </a:lvl8pPr>
             <a:lvl9pPr>
-              <a:defRPr sz="2667"/>
+              <a:defRPr sz="3200"/>
             </a:lvl9pPr>
           </a:lstStyle>
           <a:p>
@@ -2468,8 +2468,8 @@
         </p:nvSpPr>
         <p:spPr>
           <a:xfrm>
-            <a:off x="944762" y="2743200"/>
-            <a:ext cx="4423767" cy="5082117"/>
+            <a:off x="1007746" y="3291840"/>
+            <a:ext cx="4718685" cy="6098541"/>
           </a:xfrm>
         </p:spPr>
         <p:txBody>
@@ -2477,39 +2477,39 @@
           <a:lstStyle>
             <a:lvl1pPr marL="0" indent="0">
               <a:buNone/>
-              <a:defRPr sz="2133"/>
+              <a:defRPr sz="2560"/>
             </a:lvl1pPr>
-            <a:lvl2pPr marL="609585" indent="0">
+            <a:lvl2pPr marL="731520" indent="0">
               <a:buNone/>
-              <a:defRPr sz="1867"/>
+              <a:defRPr sz="2240"/>
             </a:lvl2pPr>
-            <a:lvl3pPr marL="1219170" indent="0">
+            <a:lvl3pPr marL="1463040" indent="0">
+              <a:buNone/>
+              <a:defRPr sz="1920"/>
+            </a:lvl3pPr>
+            <a:lvl4pPr marL="2194560" indent="0">
               <a:buNone/>
               <a:defRPr sz="1600"/>
-            </a:lvl3pPr>
-            <a:lvl4pPr marL="1828754" indent="0">
+            </a:lvl4pPr>
+            <a:lvl5pPr marL="2926080" indent="0">
               <a:buNone/>
-              <a:defRPr sz="1333"/>
-            </a:lvl4pPr>
-            <a:lvl5pPr marL="2438339" indent="0">
+              <a:defRPr sz="1600"/>
+            </a:lvl5pPr>
+            <a:lvl6pPr marL="3657600" indent="0">
               <a:buNone/>
-              <a:defRPr sz="1333"/>
-            </a:lvl5pPr>
-            <a:lvl6pPr marL="3047924" indent="0">
+              <a:defRPr sz="1600"/>
+            </a:lvl6pPr>
+            <a:lvl7pPr marL="4389120" indent="0">
               <a:buNone/>
-              <a:defRPr sz="1333"/>
-            </a:lvl6pPr>
-            <a:lvl7pPr marL="3657509" indent="0">
+              <a:defRPr sz="1600"/>
+            </a:lvl7pPr>
+            <a:lvl8pPr marL="5120640" indent="0">
               <a:buNone/>
-              <a:defRPr sz="1333"/>
-            </a:lvl7pPr>
-            <a:lvl8pPr marL="4267093" indent="0">
+              <a:defRPr sz="1600"/>
+            </a:lvl8pPr>
+            <a:lvl9pPr marL="5852160" indent="0">
               <a:buNone/>
-              <a:defRPr sz="1333"/>
-            </a:lvl8pPr>
-            <a:lvl9pPr marL="4876678" indent="0">
-              <a:buNone/>
-              <a:defRPr sz="1333"/>
+              <a:defRPr sz="1600"/>
             </a:lvl9pPr>
           </a:lstStyle>
           <a:p>
@@ -2538,7 +2538,7 @@
           <a:p>
             <a:fld id="{F8F920B2-3E99-4C9D-9450-62A3DEC5476B}" type="datetimeFigureOut">
               <a:rPr lang="en-US" smtClean="0"/>
-              <a:t>10/12/2017</a:t>
+              <a:t>10/23/2017</a:t>
             </a:fld>
             <a:endParaRPr lang="en-US"/>
           </a:p>
@@ -2589,7 +2589,7 @@
     </p:spTree>
     <p:extLst>
       <p:ext uri="{BB962C8B-B14F-4D97-AF65-F5344CB8AC3E}">
-        <p14:creationId xmlns:p14="http://schemas.microsoft.com/office/powerpoint/2010/main" val="2646450391"/>
+        <p14:creationId xmlns:p14="http://schemas.microsoft.com/office/powerpoint/2010/main" val="2492782417"/>
       </p:ext>
     </p:extLst>
   </p:cSld>
@@ -2628,15 +2628,15 @@
         </p:nvSpPr>
         <p:spPr>
           <a:xfrm>
-            <a:off x="944762" y="609600"/>
-            <a:ext cx="4423767" cy="2133600"/>
+            <a:off x="1007746" y="731520"/>
+            <a:ext cx="4718685" cy="2560320"/>
           </a:xfrm>
         </p:spPr>
         <p:txBody>
           <a:bodyPr anchor="b"/>
           <a:lstStyle>
             <a:lvl1pPr>
-              <a:defRPr sz="4267"/>
+              <a:defRPr sz="5120"/>
             </a:lvl1pPr>
           </a:lstStyle>
           <a:p>
@@ -2660,8 +2660,8 @@
         </p:nvSpPr>
         <p:spPr>
           <a:xfrm>
-            <a:off x="5831087" y="1316569"/>
-            <a:ext cx="6943725" cy="6498167"/>
+            <a:off x="6219826" y="1579882"/>
+            <a:ext cx="7406640" cy="7797800"/>
           </a:xfrm>
         </p:spPr>
         <p:txBody>
@@ -2669,39 +2669,39 @@
           <a:lstStyle>
             <a:lvl1pPr marL="0" indent="0">
               <a:buNone/>
-              <a:defRPr sz="4267"/>
+              <a:defRPr sz="5120"/>
             </a:lvl1pPr>
-            <a:lvl2pPr marL="609585" indent="0">
+            <a:lvl2pPr marL="731520" indent="0">
               <a:buNone/>
-              <a:defRPr sz="3733"/>
+              <a:defRPr sz="4480"/>
             </a:lvl2pPr>
-            <a:lvl3pPr marL="1219170" indent="0">
+            <a:lvl3pPr marL="1463040" indent="0">
+              <a:buNone/>
+              <a:defRPr sz="3840"/>
+            </a:lvl3pPr>
+            <a:lvl4pPr marL="2194560" indent="0">
               <a:buNone/>
               <a:defRPr sz="3200"/>
-            </a:lvl3pPr>
-            <a:lvl4pPr marL="1828754" indent="0">
+            </a:lvl4pPr>
+            <a:lvl5pPr marL="2926080" indent="0">
               <a:buNone/>
-              <a:defRPr sz="2667"/>
-            </a:lvl4pPr>
-            <a:lvl5pPr marL="2438339" indent="0">
+              <a:defRPr sz="3200"/>
+            </a:lvl5pPr>
+            <a:lvl6pPr marL="3657600" indent="0">
               <a:buNone/>
-              <a:defRPr sz="2667"/>
-            </a:lvl5pPr>
-            <a:lvl6pPr marL="3047924" indent="0">
+              <a:defRPr sz="3200"/>
+            </a:lvl6pPr>
+            <a:lvl7pPr marL="4389120" indent="0">
               <a:buNone/>
-              <a:defRPr sz="2667"/>
-            </a:lvl6pPr>
-            <a:lvl7pPr marL="3657509" indent="0">
+              <a:defRPr sz="3200"/>
+            </a:lvl7pPr>
+            <a:lvl8pPr marL="5120640" indent="0">
               <a:buNone/>
-              <a:defRPr sz="2667"/>
-            </a:lvl7pPr>
-            <a:lvl8pPr marL="4267093" indent="0">
+              <a:defRPr sz="3200"/>
+            </a:lvl8pPr>
+            <a:lvl9pPr marL="5852160" indent="0">
               <a:buNone/>
-              <a:defRPr sz="2667"/>
-            </a:lvl8pPr>
-            <a:lvl9pPr marL="4876678" indent="0">
-              <a:buNone/>
-              <a:defRPr sz="2667"/>
+              <a:defRPr sz="3200"/>
             </a:lvl9pPr>
           </a:lstStyle>
           <a:p>
@@ -2725,8 +2725,8 @@
         </p:nvSpPr>
         <p:spPr>
           <a:xfrm>
-            <a:off x="944762" y="2743200"/>
-            <a:ext cx="4423767" cy="5082117"/>
+            <a:off x="1007746" y="3291840"/>
+            <a:ext cx="4718685" cy="6098541"/>
           </a:xfrm>
         </p:spPr>
         <p:txBody>
@@ -2734,39 +2734,39 @@
           <a:lstStyle>
             <a:lvl1pPr marL="0" indent="0">
               <a:buNone/>
-              <a:defRPr sz="2133"/>
+              <a:defRPr sz="2560"/>
             </a:lvl1pPr>
-            <a:lvl2pPr marL="609585" indent="0">
+            <a:lvl2pPr marL="731520" indent="0">
               <a:buNone/>
-              <a:defRPr sz="1867"/>
+              <a:defRPr sz="2240"/>
             </a:lvl2pPr>
-            <a:lvl3pPr marL="1219170" indent="0">
+            <a:lvl3pPr marL="1463040" indent="0">
+              <a:buNone/>
+              <a:defRPr sz="1920"/>
+            </a:lvl3pPr>
+            <a:lvl4pPr marL="2194560" indent="0">
               <a:buNone/>
               <a:defRPr sz="1600"/>
-            </a:lvl3pPr>
-            <a:lvl4pPr marL="1828754" indent="0">
+            </a:lvl4pPr>
+            <a:lvl5pPr marL="2926080" indent="0">
               <a:buNone/>
-              <a:defRPr sz="1333"/>
-            </a:lvl4pPr>
-            <a:lvl5pPr marL="2438339" indent="0">
+              <a:defRPr sz="1600"/>
+            </a:lvl5pPr>
+            <a:lvl6pPr marL="3657600" indent="0">
               <a:buNone/>
-              <a:defRPr sz="1333"/>
-            </a:lvl5pPr>
-            <a:lvl6pPr marL="3047924" indent="0">
+              <a:defRPr sz="1600"/>
+            </a:lvl6pPr>
+            <a:lvl7pPr marL="4389120" indent="0">
               <a:buNone/>
-              <a:defRPr sz="1333"/>
-            </a:lvl6pPr>
-            <a:lvl7pPr marL="3657509" indent="0">
+              <a:defRPr sz="1600"/>
+            </a:lvl7pPr>
+            <a:lvl8pPr marL="5120640" indent="0">
               <a:buNone/>
-              <a:defRPr sz="1333"/>
-            </a:lvl7pPr>
-            <a:lvl8pPr marL="4267093" indent="0">
+              <a:defRPr sz="1600"/>
+            </a:lvl8pPr>
+            <a:lvl9pPr marL="5852160" indent="0">
               <a:buNone/>
-              <a:defRPr sz="1333"/>
-            </a:lvl8pPr>
-            <a:lvl9pPr marL="4876678" indent="0">
-              <a:buNone/>
-              <a:defRPr sz="1333"/>
+              <a:defRPr sz="1600"/>
             </a:lvl9pPr>
           </a:lstStyle>
           <a:p>
@@ -2795,7 +2795,7 @@
           <a:p>
             <a:fld id="{F8F920B2-3E99-4C9D-9450-62A3DEC5476B}" type="datetimeFigureOut">
               <a:rPr lang="en-US" smtClean="0"/>
-              <a:t>10/12/2017</a:t>
+              <a:t>10/23/2017</a:t>
             </a:fld>
             <a:endParaRPr lang="en-US"/>
           </a:p>
@@ -2846,7 +2846,7 @@
     </p:spTree>
     <p:extLst>
       <p:ext uri="{BB962C8B-B14F-4D97-AF65-F5344CB8AC3E}">
-        <p14:creationId xmlns:p14="http://schemas.microsoft.com/office/powerpoint/2010/main" val="2599442328"/>
+        <p14:creationId xmlns:p14="http://schemas.microsoft.com/office/powerpoint/2010/main" val="2497851409"/>
       </p:ext>
     </p:extLst>
   </p:cSld>
@@ -2890,8 +2890,8 @@
         </p:nvSpPr>
         <p:spPr>
           <a:xfrm>
-            <a:off x="942975" y="486836"/>
-            <a:ext cx="11830050" cy="1767417"/>
+            <a:off x="1005840" y="584202"/>
+            <a:ext cx="12618720" cy="2120901"/>
           </a:xfrm>
           <a:prstGeom prst="rect">
             <a:avLst/>
@@ -2923,8 +2923,8 @@
         </p:nvSpPr>
         <p:spPr>
           <a:xfrm>
-            <a:off x="942975" y="2434167"/>
-            <a:ext cx="11830050" cy="5801784"/>
+            <a:off x="1005840" y="2921000"/>
+            <a:ext cx="12618720" cy="6962141"/>
           </a:xfrm>
           <a:prstGeom prst="rect">
             <a:avLst/>
@@ -2985,8 +2985,8 @@
         </p:nvSpPr>
         <p:spPr>
           <a:xfrm>
-            <a:off x="942975" y="8475136"/>
-            <a:ext cx="3086100" cy="486833"/>
+            <a:off x="1005840" y="10170162"/>
+            <a:ext cx="3291840" cy="584200"/>
           </a:xfrm>
           <a:prstGeom prst="rect">
             <a:avLst/>
@@ -2996,7 +2996,7 @@
           <a:bodyPr vert="horz" lIns="91440" tIns="45720" rIns="91440" bIns="45720" rtlCol="0" anchor="ctr"/>
           <a:lstStyle>
             <a:lvl1pPr algn="l">
-              <a:defRPr sz="1600">
+              <a:defRPr sz="1920">
                 <a:solidFill>
                   <a:schemeClr val="tx1">
                     <a:tint val="75000"/>
@@ -3008,7 +3008,7 @@
           <a:p>
             <a:fld id="{F8F920B2-3E99-4C9D-9450-62A3DEC5476B}" type="datetimeFigureOut">
               <a:rPr lang="en-US" smtClean="0"/>
-              <a:t>10/12/2017</a:t>
+              <a:t>10/23/2017</a:t>
             </a:fld>
             <a:endParaRPr lang="en-US"/>
           </a:p>
@@ -3026,8 +3026,8 @@
         </p:nvSpPr>
         <p:spPr>
           <a:xfrm>
-            <a:off x="4543425" y="8475136"/>
-            <a:ext cx="4629150" cy="486833"/>
+            <a:off x="4846320" y="10170162"/>
+            <a:ext cx="4937760" cy="584200"/>
           </a:xfrm>
           <a:prstGeom prst="rect">
             <a:avLst/>
@@ -3037,7 +3037,7 @@
           <a:bodyPr vert="horz" lIns="91440" tIns="45720" rIns="91440" bIns="45720" rtlCol="0" anchor="ctr"/>
           <a:lstStyle>
             <a:lvl1pPr algn="ctr">
-              <a:defRPr sz="1600">
+              <a:defRPr sz="1920">
                 <a:solidFill>
                   <a:schemeClr val="tx1">
                     <a:tint val="75000"/>
@@ -3063,8 +3063,8 @@
         </p:nvSpPr>
         <p:spPr>
           <a:xfrm>
-            <a:off x="9686925" y="8475136"/>
-            <a:ext cx="3086100" cy="486833"/>
+            <a:off x="10332720" y="10170162"/>
+            <a:ext cx="3291840" cy="584200"/>
           </a:xfrm>
           <a:prstGeom prst="rect">
             <a:avLst/>
@@ -3074,7 +3074,7 @@
           <a:bodyPr vert="horz" lIns="91440" tIns="45720" rIns="91440" bIns="45720" rtlCol="0" anchor="ctr"/>
           <a:lstStyle>
             <a:lvl1pPr algn="r">
-              <a:defRPr sz="1600">
+              <a:defRPr sz="1920">
                 <a:solidFill>
                   <a:schemeClr val="tx1">
                     <a:tint val="75000"/>
@@ -3095,27 +3095,27 @@
     </p:spTree>
     <p:extLst>
       <p:ext uri="{BB962C8B-B14F-4D97-AF65-F5344CB8AC3E}">
-        <p14:creationId xmlns:p14="http://schemas.microsoft.com/office/powerpoint/2010/main" val="2792773025"/>
+        <p14:creationId xmlns:p14="http://schemas.microsoft.com/office/powerpoint/2010/main" val="742077422"/>
       </p:ext>
     </p:extLst>
   </p:cSld>
   <p:clrMap bg1="lt1" tx1="dk1" bg2="lt2" tx2="dk2" accent1="accent1" accent2="accent2" accent3="accent3" accent4="accent4" accent5="accent5" accent6="accent6" hlink="hlink" folHlink="folHlink"/>
   <p:sldLayoutIdLst>
-    <p:sldLayoutId id="2147484622" r:id="rId1"/>
-    <p:sldLayoutId id="2147484623" r:id="rId2"/>
-    <p:sldLayoutId id="2147484624" r:id="rId3"/>
-    <p:sldLayoutId id="2147484625" r:id="rId4"/>
-    <p:sldLayoutId id="2147484626" r:id="rId5"/>
-    <p:sldLayoutId id="2147484627" r:id="rId6"/>
-    <p:sldLayoutId id="2147484628" r:id="rId7"/>
-    <p:sldLayoutId id="2147484629" r:id="rId8"/>
-    <p:sldLayoutId id="2147484630" r:id="rId9"/>
-    <p:sldLayoutId id="2147484631" r:id="rId10"/>
-    <p:sldLayoutId id="2147484632" r:id="rId11"/>
+    <p:sldLayoutId id="2147484670" r:id="rId1"/>
+    <p:sldLayoutId id="2147484671" r:id="rId2"/>
+    <p:sldLayoutId id="2147484672" r:id="rId3"/>
+    <p:sldLayoutId id="2147484673" r:id="rId4"/>
+    <p:sldLayoutId id="2147484674" r:id="rId5"/>
+    <p:sldLayoutId id="2147484675" r:id="rId6"/>
+    <p:sldLayoutId id="2147484676" r:id="rId7"/>
+    <p:sldLayoutId id="2147484677" r:id="rId8"/>
+    <p:sldLayoutId id="2147484678" r:id="rId9"/>
+    <p:sldLayoutId id="2147484679" r:id="rId10"/>
+    <p:sldLayoutId id="2147484680" r:id="rId11"/>
   </p:sldLayoutIdLst>
   <p:txStyles>
     <p:titleStyle>
-      <a:lvl1pPr algn="l" defTabSz="1219170" rtl="0" eaLnBrk="1" latinLnBrk="0" hangingPunct="1">
+      <a:lvl1pPr algn="l" defTabSz="1463040" rtl="0" eaLnBrk="1" latinLnBrk="0" hangingPunct="1">
         <a:lnSpc>
           <a:spcPct val="90000"/>
         </a:lnSpc>
@@ -3123,7 +3123,7 @@
           <a:spcPct val="0"/>
         </a:spcBef>
         <a:buNone/>
-        <a:defRPr sz="5867" kern="1200">
+        <a:defRPr sz="7040" kern="1200">
           <a:solidFill>
             <a:schemeClr val="tx1"/>
           </a:solidFill>
@@ -3134,16 +3134,16 @@
       </a:lvl1pPr>
     </p:titleStyle>
     <p:bodyStyle>
-      <a:lvl1pPr marL="304792" indent="-304792" algn="l" defTabSz="1219170" rtl="0" eaLnBrk="1" latinLnBrk="0" hangingPunct="1">
+      <a:lvl1pPr marL="365760" indent="-365760" algn="l" defTabSz="1463040" rtl="0" eaLnBrk="1" latinLnBrk="0" hangingPunct="1">
         <a:lnSpc>
           <a:spcPct val="90000"/>
         </a:lnSpc>
         <a:spcBef>
-          <a:spcPts val="1333"/>
+          <a:spcPts val="1600"/>
         </a:spcBef>
         <a:buFont typeface="Arial" panose="020B0604020202020204" pitchFamily="34" charset="0"/>
         <a:buChar char="•"/>
-        <a:defRPr sz="3733" kern="1200">
+        <a:defRPr sz="4480" kern="1200">
           <a:solidFill>
             <a:schemeClr val="tx1"/>
           </a:solidFill>
@@ -3152,12 +3152,30 @@
           <a:cs typeface="+mn-cs"/>
         </a:defRPr>
       </a:lvl1pPr>
-      <a:lvl2pPr marL="914377" indent="-304792" algn="l" defTabSz="1219170" rtl="0" eaLnBrk="1" latinLnBrk="0" hangingPunct="1">
+      <a:lvl2pPr marL="1097280" indent="-365760" algn="l" defTabSz="1463040" rtl="0" eaLnBrk="1" latinLnBrk="0" hangingPunct="1">
         <a:lnSpc>
           <a:spcPct val="90000"/>
         </a:lnSpc>
         <a:spcBef>
-          <a:spcPts val="667"/>
+          <a:spcPts val="800"/>
+        </a:spcBef>
+        <a:buFont typeface="Arial" panose="020B0604020202020204" pitchFamily="34" charset="0"/>
+        <a:buChar char="•"/>
+        <a:defRPr sz="3840" kern="1200">
+          <a:solidFill>
+            <a:schemeClr val="tx1"/>
+          </a:solidFill>
+          <a:latin typeface="+mn-lt"/>
+          <a:ea typeface="+mn-ea"/>
+          <a:cs typeface="+mn-cs"/>
+        </a:defRPr>
+      </a:lvl2pPr>
+      <a:lvl3pPr marL="1828800" indent="-365760" algn="l" defTabSz="1463040" rtl="0" eaLnBrk="1" latinLnBrk="0" hangingPunct="1">
+        <a:lnSpc>
+          <a:spcPct val="90000"/>
+        </a:lnSpc>
+        <a:spcBef>
+          <a:spcPts val="800"/>
         </a:spcBef>
         <a:buFont typeface="Arial" panose="020B0604020202020204" pitchFamily="34" charset="0"/>
         <a:buChar char="•"/>
@@ -3169,35 +3187,17 @@
           <a:ea typeface="+mn-ea"/>
           <a:cs typeface="+mn-cs"/>
         </a:defRPr>
-      </a:lvl2pPr>
-      <a:lvl3pPr marL="1523962" indent="-304792" algn="l" defTabSz="1219170" rtl="0" eaLnBrk="1" latinLnBrk="0" hangingPunct="1">
+      </a:lvl3pPr>
+      <a:lvl4pPr marL="2560320" indent="-365760" algn="l" defTabSz="1463040" rtl="0" eaLnBrk="1" latinLnBrk="0" hangingPunct="1">
         <a:lnSpc>
           <a:spcPct val="90000"/>
         </a:lnSpc>
         <a:spcBef>
-          <a:spcPts val="667"/>
+          <a:spcPts val="800"/>
         </a:spcBef>
         <a:buFont typeface="Arial" panose="020B0604020202020204" pitchFamily="34" charset="0"/>
         <a:buChar char="•"/>
-        <a:defRPr sz="2667" kern="1200">
-          <a:solidFill>
-            <a:schemeClr val="tx1"/>
-          </a:solidFill>
-          <a:latin typeface="+mn-lt"/>
-          <a:ea typeface="+mn-ea"/>
-          <a:cs typeface="+mn-cs"/>
-        </a:defRPr>
-      </a:lvl3pPr>
-      <a:lvl4pPr marL="2133547" indent="-304792" algn="l" defTabSz="1219170" rtl="0" eaLnBrk="1" latinLnBrk="0" hangingPunct="1">
-        <a:lnSpc>
-          <a:spcPct val="90000"/>
-        </a:lnSpc>
-        <a:spcBef>
-          <a:spcPts val="667"/>
-        </a:spcBef>
-        <a:buFont typeface="Arial" panose="020B0604020202020204" pitchFamily="34" charset="0"/>
-        <a:buChar char="•"/>
-        <a:defRPr sz="2400" kern="1200">
+        <a:defRPr sz="2880" kern="1200">
           <a:solidFill>
             <a:schemeClr val="tx1"/>
           </a:solidFill>
@@ -3206,16 +3206,16 @@
           <a:cs typeface="+mn-cs"/>
         </a:defRPr>
       </a:lvl4pPr>
-      <a:lvl5pPr marL="2743131" indent="-304792" algn="l" defTabSz="1219170" rtl="0" eaLnBrk="1" latinLnBrk="0" hangingPunct="1">
+      <a:lvl5pPr marL="3291840" indent="-365760" algn="l" defTabSz="1463040" rtl="0" eaLnBrk="1" latinLnBrk="0" hangingPunct="1">
         <a:lnSpc>
           <a:spcPct val="90000"/>
         </a:lnSpc>
         <a:spcBef>
-          <a:spcPts val="667"/>
+          <a:spcPts val="800"/>
         </a:spcBef>
         <a:buFont typeface="Arial" panose="020B0604020202020204" pitchFamily="34" charset="0"/>
         <a:buChar char="•"/>
-        <a:defRPr sz="2400" kern="1200">
+        <a:defRPr sz="2880" kern="1200">
           <a:solidFill>
             <a:schemeClr val="tx1"/>
           </a:solidFill>
@@ -3224,16 +3224,16 @@
           <a:cs typeface="+mn-cs"/>
         </a:defRPr>
       </a:lvl5pPr>
-      <a:lvl6pPr marL="3352716" indent="-304792" algn="l" defTabSz="1219170" rtl="0" eaLnBrk="1" latinLnBrk="0" hangingPunct="1">
+      <a:lvl6pPr marL="4023360" indent="-365760" algn="l" defTabSz="1463040" rtl="0" eaLnBrk="1" latinLnBrk="0" hangingPunct="1">
         <a:lnSpc>
           <a:spcPct val="90000"/>
         </a:lnSpc>
         <a:spcBef>
-          <a:spcPts val="667"/>
+          <a:spcPts val="800"/>
         </a:spcBef>
         <a:buFont typeface="Arial" panose="020B0604020202020204" pitchFamily="34" charset="0"/>
         <a:buChar char="•"/>
-        <a:defRPr sz="2400" kern="1200">
+        <a:defRPr sz="2880" kern="1200">
           <a:solidFill>
             <a:schemeClr val="tx1"/>
           </a:solidFill>
@@ -3242,16 +3242,16 @@
           <a:cs typeface="+mn-cs"/>
         </a:defRPr>
       </a:lvl6pPr>
-      <a:lvl7pPr marL="3962301" indent="-304792" algn="l" defTabSz="1219170" rtl="0" eaLnBrk="1" latinLnBrk="0" hangingPunct="1">
+      <a:lvl7pPr marL="4754880" indent="-365760" algn="l" defTabSz="1463040" rtl="0" eaLnBrk="1" latinLnBrk="0" hangingPunct="1">
         <a:lnSpc>
           <a:spcPct val="90000"/>
         </a:lnSpc>
         <a:spcBef>
-          <a:spcPts val="667"/>
+          <a:spcPts val="800"/>
         </a:spcBef>
         <a:buFont typeface="Arial" panose="020B0604020202020204" pitchFamily="34" charset="0"/>
         <a:buChar char="•"/>
-        <a:defRPr sz="2400" kern="1200">
+        <a:defRPr sz="2880" kern="1200">
           <a:solidFill>
             <a:schemeClr val="tx1"/>
           </a:solidFill>
@@ -3260,16 +3260,16 @@
           <a:cs typeface="+mn-cs"/>
         </a:defRPr>
       </a:lvl7pPr>
-      <a:lvl8pPr marL="4571886" indent="-304792" algn="l" defTabSz="1219170" rtl="0" eaLnBrk="1" latinLnBrk="0" hangingPunct="1">
+      <a:lvl8pPr marL="5486400" indent="-365760" algn="l" defTabSz="1463040" rtl="0" eaLnBrk="1" latinLnBrk="0" hangingPunct="1">
         <a:lnSpc>
           <a:spcPct val="90000"/>
         </a:lnSpc>
         <a:spcBef>
-          <a:spcPts val="667"/>
+          <a:spcPts val="800"/>
         </a:spcBef>
         <a:buFont typeface="Arial" panose="020B0604020202020204" pitchFamily="34" charset="0"/>
         <a:buChar char="•"/>
-        <a:defRPr sz="2400" kern="1200">
+        <a:defRPr sz="2880" kern="1200">
           <a:solidFill>
             <a:schemeClr val="tx1"/>
           </a:solidFill>
@@ -3278,16 +3278,16 @@
           <a:cs typeface="+mn-cs"/>
         </a:defRPr>
       </a:lvl8pPr>
-      <a:lvl9pPr marL="5181470" indent="-304792" algn="l" defTabSz="1219170" rtl="0" eaLnBrk="1" latinLnBrk="0" hangingPunct="1">
+      <a:lvl9pPr marL="6217920" indent="-365760" algn="l" defTabSz="1463040" rtl="0" eaLnBrk="1" latinLnBrk="0" hangingPunct="1">
         <a:lnSpc>
           <a:spcPct val="90000"/>
         </a:lnSpc>
         <a:spcBef>
-          <a:spcPts val="667"/>
+          <a:spcPts val="800"/>
         </a:spcBef>
         <a:buFont typeface="Arial" panose="020B0604020202020204" pitchFamily="34" charset="0"/>
         <a:buChar char="•"/>
-        <a:defRPr sz="2400" kern="1200">
+        <a:defRPr sz="2880" kern="1200">
           <a:solidFill>
             <a:schemeClr val="tx1"/>
           </a:solidFill>
@@ -3301,8 +3301,8 @@
       <a:defPPr>
         <a:defRPr lang="en-US"/>
       </a:defPPr>
-      <a:lvl1pPr marL="0" algn="l" defTabSz="1219170" rtl="0" eaLnBrk="1" latinLnBrk="0" hangingPunct="1">
-        <a:defRPr sz="2400" kern="1200">
+      <a:lvl1pPr marL="0" algn="l" defTabSz="1463040" rtl="0" eaLnBrk="1" latinLnBrk="0" hangingPunct="1">
+        <a:defRPr sz="2880" kern="1200">
           <a:solidFill>
             <a:schemeClr val="tx1"/>
           </a:solidFill>
@@ -3311,8 +3311,8 @@
           <a:cs typeface="+mn-cs"/>
         </a:defRPr>
       </a:lvl1pPr>
-      <a:lvl2pPr marL="609585" algn="l" defTabSz="1219170" rtl="0" eaLnBrk="1" latinLnBrk="0" hangingPunct="1">
-        <a:defRPr sz="2400" kern="1200">
+      <a:lvl2pPr marL="731520" algn="l" defTabSz="1463040" rtl="0" eaLnBrk="1" latinLnBrk="0" hangingPunct="1">
+        <a:defRPr sz="2880" kern="1200">
           <a:solidFill>
             <a:schemeClr val="tx1"/>
           </a:solidFill>
@@ -3321,8 +3321,8 @@
           <a:cs typeface="+mn-cs"/>
         </a:defRPr>
       </a:lvl2pPr>
-      <a:lvl3pPr marL="1219170" algn="l" defTabSz="1219170" rtl="0" eaLnBrk="1" latinLnBrk="0" hangingPunct="1">
-        <a:defRPr sz="2400" kern="1200">
+      <a:lvl3pPr marL="1463040" algn="l" defTabSz="1463040" rtl="0" eaLnBrk="1" latinLnBrk="0" hangingPunct="1">
+        <a:defRPr sz="2880" kern="1200">
           <a:solidFill>
             <a:schemeClr val="tx1"/>
           </a:solidFill>
@@ -3331,8 +3331,8 @@
           <a:cs typeface="+mn-cs"/>
         </a:defRPr>
       </a:lvl3pPr>
-      <a:lvl4pPr marL="1828754" algn="l" defTabSz="1219170" rtl="0" eaLnBrk="1" latinLnBrk="0" hangingPunct="1">
-        <a:defRPr sz="2400" kern="1200">
+      <a:lvl4pPr marL="2194560" algn="l" defTabSz="1463040" rtl="0" eaLnBrk="1" latinLnBrk="0" hangingPunct="1">
+        <a:defRPr sz="2880" kern="1200">
           <a:solidFill>
             <a:schemeClr val="tx1"/>
           </a:solidFill>
@@ -3341,8 +3341,8 @@
           <a:cs typeface="+mn-cs"/>
         </a:defRPr>
       </a:lvl4pPr>
-      <a:lvl5pPr marL="2438339" algn="l" defTabSz="1219170" rtl="0" eaLnBrk="1" latinLnBrk="0" hangingPunct="1">
-        <a:defRPr sz="2400" kern="1200">
+      <a:lvl5pPr marL="2926080" algn="l" defTabSz="1463040" rtl="0" eaLnBrk="1" latinLnBrk="0" hangingPunct="1">
+        <a:defRPr sz="2880" kern="1200">
           <a:solidFill>
             <a:schemeClr val="tx1"/>
           </a:solidFill>
@@ -3351,8 +3351,8 @@
           <a:cs typeface="+mn-cs"/>
         </a:defRPr>
       </a:lvl5pPr>
-      <a:lvl6pPr marL="3047924" algn="l" defTabSz="1219170" rtl="0" eaLnBrk="1" latinLnBrk="0" hangingPunct="1">
-        <a:defRPr sz="2400" kern="1200">
+      <a:lvl6pPr marL="3657600" algn="l" defTabSz="1463040" rtl="0" eaLnBrk="1" latinLnBrk="0" hangingPunct="1">
+        <a:defRPr sz="2880" kern="1200">
           <a:solidFill>
             <a:schemeClr val="tx1"/>
           </a:solidFill>
@@ -3361,8 +3361,8 @@
           <a:cs typeface="+mn-cs"/>
         </a:defRPr>
       </a:lvl6pPr>
-      <a:lvl7pPr marL="3657509" algn="l" defTabSz="1219170" rtl="0" eaLnBrk="1" latinLnBrk="0" hangingPunct="1">
-        <a:defRPr sz="2400" kern="1200">
+      <a:lvl7pPr marL="4389120" algn="l" defTabSz="1463040" rtl="0" eaLnBrk="1" latinLnBrk="0" hangingPunct="1">
+        <a:defRPr sz="2880" kern="1200">
           <a:solidFill>
             <a:schemeClr val="tx1"/>
           </a:solidFill>
@@ -3371,8 +3371,8 @@
           <a:cs typeface="+mn-cs"/>
         </a:defRPr>
       </a:lvl7pPr>
-      <a:lvl8pPr marL="4267093" algn="l" defTabSz="1219170" rtl="0" eaLnBrk="1" latinLnBrk="0" hangingPunct="1">
-        <a:defRPr sz="2400" kern="1200">
+      <a:lvl8pPr marL="5120640" algn="l" defTabSz="1463040" rtl="0" eaLnBrk="1" latinLnBrk="0" hangingPunct="1">
+        <a:defRPr sz="2880" kern="1200">
           <a:solidFill>
             <a:schemeClr val="tx1"/>
           </a:solidFill>
@@ -3381,8 +3381,8 @@
           <a:cs typeface="+mn-cs"/>
         </a:defRPr>
       </a:lvl8pPr>
-      <a:lvl9pPr marL="4876678" algn="l" defTabSz="1219170" rtl="0" eaLnBrk="1" latinLnBrk="0" hangingPunct="1">
-        <a:defRPr sz="2400" kern="1200">
+      <a:lvl9pPr marL="5852160" algn="l" defTabSz="1463040" rtl="0" eaLnBrk="1" latinLnBrk="0" hangingPunct="1">
+        <a:defRPr sz="2880" kern="1200">
           <a:solidFill>
             <a:schemeClr val="tx1"/>
           </a:solidFill>
@@ -3421,7 +3421,7 @@
         </p:nvSpPr>
         <p:spPr>
           <a:xfrm>
-            <a:off x="457200" y="914400"/>
+            <a:off x="609600" y="381000"/>
             <a:ext cx="1524000" cy="228600"/>
           </a:xfrm>
           <a:prstGeom prst="roundRect">
@@ -3486,7 +3486,7 @@
         </p:nvSpPr>
         <p:spPr>
           <a:xfrm>
-            <a:off x="2286000" y="2590800"/>
+            <a:off x="2438400" y="5029200"/>
             <a:ext cx="1371600" cy="5029200"/>
           </a:xfrm>
           <a:prstGeom prst="rect">
@@ -3547,7 +3547,7 @@
         </p:nvSpPr>
         <p:spPr>
           <a:xfrm>
-            <a:off x="2286000" y="7086600"/>
+            <a:off x="2438400" y="9525000"/>
             <a:ext cx="457200" cy="152400"/>
           </a:xfrm>
           <a:prstGeom prst="rect">
@@ -3599,7 +3599,7 @@
         </p:nvCxnSpPr>
         <p:spPr>
           <a:xfrm flipH="1" flipV="1">
-            <a:off x="2286000" y="7162800"/>
+            <a:off x="2438400" y="9601200"/>
             <a:ext cx="76200" cy="76200"/>
           </a:xfrm>
           <a:prstGeom prst="line">
@@ -3636,7 +3636,7 @@
         </p:nvCxnSpPr>
         <p:spPr>
           <a:xfrm flipH="1">
-            <a:off x="2286000" y="7239000"/>
+            <a:off x="2438400" y="9677400"/>
             <a:ext cx="76200" cy="76200"/>
           </a:xfrm>
           <a:prstGeom prst="line">
@@ -3673,7 +3673,7 @@
         </p:nvSpPr>
         <p:spPr>
           <a:xfrm>
-            <a:off x="2286000" y="2438400"/>
+            <a:off x="2438400" y="4876800"/>
             <a:ext cx="457200" cy="152400"/>
           </a:xfrm>
           <a:prstGeom prst="rect">
@@ -3732,7 +3732,7 @@
         </p:nvSpPr>
         <p:spPr>
           <a:xfrm>
-            <a:off x="3200400" y="7391400"/>
+            <a:off x="3352800" y="9829800"/>
             <a:ext cx="457200" cy="152400"/>
           </a:xfrm>
           <a:prstGeom prst="rect">
@@ -3785,7 +3785,7 @@
         </p:nvCxnSpPr>
         <p:spPr>
           <a:xfrm flipV="1">
-            <a:off x="3733800" y="7391400"/>
+            <a:off x="3886200" y="9829800"/>
             <a:ext cx="152400" cy="152400"/>
           </a:xfrm>
           <a:prstGeom prst="line">
@@ -3822,7 +3822,7 @@
         </p:nvSpPr>
         <p:spPr>
           <a:xfrm>
-            <a:off x="3733800" y="7315200"/>
+            <a:off x="3886200" y="9753600"/>
             <a:ext cx="152400" cy="76200"/>
           </a:xfrm>
           <a:prstGeom prst="rect">
@@ -3875,7 +3875,7 @@
         </p:nvSpPr>
         <p:spPr>
           <a:xfrm>
-            <a:off x="3962400" y="7315200"/>
+            <a:off x="4114800" y="9753600"/>
             <a:ext cx="457200" cy="152400"/>
           </a:xfrm>
           <a:prstGeom prst="rect">
@@ -3934,7 +3934,7 @@
         </p:nvSpPr>
         <p:spPr>
           <a:xfrm>
-            <a:off x="3200400" y="7086600"/>
+            <a:off x="3352800" y="9525000"/>
             <a:ext cx="457200" cy="152400"/>
           </a:xfrm>
           <a:prstGeom prst="rect">
@@ -3987,7 +3987,7 @@
         </p:nvSpPr>
         <p:spPr>
           <a:xfrm>
-            <a:off x="457200" y="8001000"/>
+            <a:off x="609600" y="10439400"/>
             <a:ext cx="228600" cy="152400"/>
           </a:xfrm>
           <a:prstGeom prst="homePlate">
@@ -4038,7 +4038,7 @@
         </p:nvCxnSpPr>
         <p:spPr>
           <a:xfrm flipV="1">
-            <a:off x="762000" y="8001000"/>
+            <a:off x="914400" y="10439400"/>
             <a:ext cx="152400" cy="152400"/>
           </a:xfrm>
           <a:prstGeom prst="line">
@@ -4075,7 +4075,7 @@
         </p:nvSpPr>
         <p:spPr>
           <a:xfrm>
-            <a:off x="762000" y="7924800"/>
+            <a:off x="914400" y="10363200"/>
             <a:ext cx="152400" cy="76200"/>
           </a:xfrm>
           <a:prstGeom prst="rect">
@@ -4130,8 +4130,8 @@
         </p:nvCxnSpPr>
         <p:spPr>
           <a:xfrm flipH="1">
-            <a:off x="685800" y="8077200"/>
-            <a:ext cx="9525000" cy="0"/>
+            <a:off x="838200" y="10515600"/>
+            <a:ext cx="10134600" cy="0"/>
           </a:xfrm>
           <a:prstGeom prst="line">
             <a:avLst/>
@@ -4167,7 +4167,7 @@
         </p:nvCxnSpPr>
         <p:spPr>
           <a:xfrm flipH="1">
-            <a:off x="6858000" y="6553200"/>
+            <a:off x="7620000" y="8991600"/>
             <a:ext cx="914400" cy="0"/>
           </a:xfrm>
           <a:prstGeom prst="line">
@@ -4204,7 +4204,7 @@
         </p:nvCxnSpPr>
         <p:spPr>
           <a:xfrm flipH="1">
-            <a:off x="1981200" y="7239000"/>
+            <a:off x="2133600" y="9677400"/>
             <a:ext cx="304800" cy="0"/>
           </a:xfrm>
           <a:prstGeom prst="line">
@@ -4241,7 +4241,7 @@
         </p:nvCxnSpPr>
         <p:spPr>
           <a:xfrm flipV="1">
-            <a:off x="1981200" y="7239000"/>
+            <a:off x="2133600" y="9677400"/>
             <a:ext cx="0" cy="838200"/>
           </a:xfrm>
           <a:prstGeom prst="line">
@@ -4278,7 +4278,7 @@
         </p:nvSpPr>
         <p:spPr>
           <a:xfrm>
-            <a:off x="1066800" y="7924800"/>
+            <a:off x="1219200" y="10363200"/>
             <a:ext cx="457200" cy="152400"/>
           </a:xfrm>
           <a:prstGeom prst="rect">
@@ -4330,7 +4330,7 @@
         </p:nvSpPr>
         <p:spPr>
           <a:xfrm>
-            <a:off x="13258800" y="7086600"/>
+            <a:off x="14020800" y="9525000"/>
             <a:ext cx="228600" cy="152400"/>
           </a:xfrm>
           <a:prstGeom prst="homePlate">
@@ -4384,8 +4384,8 @@
         </p:nvCxnSpPr>
         <p:spPr>
           <a:xfrm flipH="1">
-            <a:off x="3657600" y="7162800"/>
-            <a:ext cx="9601200" cy="0"/>
+            <a:off x="3810000" y="9601200"/>
+            <a:ext cx="10210800" cy="0"/>
           </a:xfrm>
           <a:prstGeom prst="line">
             <a:avLst/>
@@ -4421,7 +4421,7 @@
         </p:nvCxnSpPr>
         <p:spPr>
           <a:xfrm flipV="1">
-            <a:off x="13030200" y="7086600"/>
+            <a:off x="13792200" y="9525000"/>
             <a:ext cx="152400" cy="152400"/>
           </a:xfrm>
           <a:prstGeom prst="line">
@@ -4458,7 +4458,7 @@
         </p:nvSpPr>
         <p:spPr>
           <a:xfrm>
-            <a:off x="13030200" y="7010400"/>
+            <a:off x="13792200" y="9448800"/>
             <a:ext cx="152400" cy="76200"/>
           </a:xfrm>
           <a:prstGeom prst="rect">
@@ -4511,7 +4511,7 @@
         </p:nvSpPr>
         <p:spPr>
           <a:xfrm>
-            <a:off x="12192000" y="7010400"/>
+            <a:off x="12954000" y="9448800"/>
             <a:ext cx="457200" cy="152400"/>
           </a:xfrm>
           <a:prstGeom prst="rect">
@@ -4563,7 +4563,7 @@
         </p:nvSpPr>
         <p:spPr>
           <a:xfrm>
-            <a:off x="7772400" y="3048000"/>
+            <a:off x="8534400" y="5486400"/>
             <a:ext cx="1371600" cy="3657600"/>
           </a:xfrm>
           <a:prstGeom prst="rect">
@@ -4617,7 +4617,7 @@
         </p:nvSpPr>
         <p:spPr>
           <a:xfrm>
-            <a:off x="7772400" y="5181600"/>
+            <a:off x="8534400" y="7620000"/>
             <a:ext cx="457200" cy="152400"/>
           </a:xfrm>
           <a:prstGeom prst="rect">
@@ -4669,7 +4669,7 @@
         </p:nvCxnSpPr>
         <p:spPr>
           <a:xfrm flipH="1" flipV="1">
-            <a:off x="7772400" y="5257800"/>
+            <a:off x="8534400" y="7696200"/>
             <a:ext cx="76200" cy="76200"/>
           </a:xfrm>
           <a:prstGeom prst="line">
@@ -4706,7 +4706,7 @@
         </p:nvCxnSpPr>
         <p:spPr>
           <a:xfrm flipH="1">
-            <a:off x="7772400" y="5334000"/>
+            <a:off x="8534400" y="7772400"/>
             <a:ext cx="76200" cy="76200"/>
           </a:xfrm>
           <a:prstGeom prst="line">
@@ -4743,7 +4743,7 @@
         </p:nvSpPr>
         <p:spPr>
           <a:xfrm>
-            <a:off x="7772400" y="4953000"/>
+            <a:off x="8534400" y="7391400"/>
             <a:ext cx="457200" cy="152400"/>
           </a:xfrm>
           <a:prstGeom prst="rect">
@@ -4795,7 +4795,7 @@
         </p:nvSpPr>
         <p:spPr>
           <a:xfrm>
-            <a:off x="8686800" y="5257800"/>
+            <a:off x="9448800" y="7696200"/>
             <a:ext cx="457200" cy="152400"/>
           </a:xfrm>
           <a:prstGeom prst="rect">
@@ -4848,7 +4848,7 @@
         </p:nvSpPr>
         <p:spPr>
           <a:xfrm>
-            <a:off x="7772400" y="2895600"/>
+            <a:off x="8534400" y="5334000"/>
             <a:ext cx="457200" cy="152400"/>
           </a:xfrm>
           <a:prstGeom prst="rect">
@@ -4900,7 +4900,7 @@
         </p:nvSpPr>
         <p:spPr>
           <a:xfrm>
-            <a:off x="8686800" y="4953000"/>
+            <a:off x="9448800" y="7391400"/>
             <a:ext cx="457200" cy="152400"/>
           </a:xfrm>
           <a:prstGeom prst="rect">
@@ -4953,7 +4953,7 @@
         </p:nvSpPr>
         <p:spPr>
           <a:xfrm>
-            <a:off x="13258800" y="4953000"/>
+            <a:off x="14020800" y="7391400"/>
             <a:ext cx="228600" cy="152400"/>
           </a:xfrm>
           <a:prstGeom prst="homePlate">
@@ -5007,7 +5007,7 @@
         </p:nvCxnSpPr>
         <p:spPr>
           <a:xfrm flipH="1">
-            <a:off x="9144000" y="5029200"/>
+            <a:off x="9906000" y="7467600"/>
             <a:ext cx="4114800" cy="0"/>
           </a:xfrm>
           <a:prstGeom prst="line">
@@ -5044,7 +5044,7 @@
         </p:nvCxnSpPr>
         <p:spPr>
           <a:xfrm flipV="1">
-            <a:off x="13030200" y="4953000"/>
+            <a:off x="13792200" y="7391400"/>
             <a:ext cx="152400" cy="152400"/>
           </a:xfrm>
           <a:prstGeom prst="line">
@@ -5081,7 +5081,7 @@
         </p:nvSpPr>
         <p:spPr>
           <a:xfrm>
-            <a:off x="13030200" y="4876800"/>
+            <a:off x="13792200" y="7315200"/>
             <a:ext cx="152400" cy="76200"/>
           </a:xfrm>
           <a:prstGeom prst="rect">
@@ -5134,7 +5134,7 @@
         </p:nvSpPr>
         <p:spPr>
           <a:xfrm>
-            <a:off x="12192000" y="4876800"/>
+            <a:off x="12954000" y="7315200"/>
             <a:ext cx="457200" cy="152400"/>
           </a:xfrm>
           <a:prstGeom prst="rect">
@@ -5186,7 +5186,7 @@
         </p:nvSpPr>
         <p:spPr>
           <a:xfrm rot="10800000">
-            <a:off x="13258800" y="5257800"/>
+            <a:off x="14020800" y="7696200"/>
             <a:ext cx="228600" cy="152400"/>
           </a:xfrm>
           <a:prstGeom prst="homePlate">
@@ -5240,7 +5240,7 @@
         </p:nvCxnSpPr>
         <p:spPr>
           <a:xfrm flipH="1">
-            <a:off x="9144000" y="5334000"/>
+            <a:off x="9906000" y="7772400"/>
             <a:ext cx="4114800" cy="0"/>
           </a:xfrm>
           <a:prstGeom prst="line">
@@ -5277,7 +5277,7 @@
         </p:nvCxnSpPr>
         <p:spPr>
           <a:xfrm flipV="1">
-            <a:off x="13030200" y="5257800"/>
+            <a:off x="13792200" y="7696200"/>
             <a:ext cx="152400" cy="152400"/>
           </a:xfrm>
           <a:prstGeom prst="line">
@@ -5314,7 +5314,7 @@
         </p:nvSpPr>
         <p:spPr>
           <a:xfrm>
-            <a:off x="13030200" y="5181600"/>
+            <a:off x="13792200" y="7620000"/>
             <a:ext cx="152400" cy="76200"/>
           </a:xfrm>
           <a:prstGeom prst="rect">
@@ -5367,7 +5367,7 @@
         </p:nvSpPr>
         <p:spPr>
           <a:xfrm>
-            <a:off x="12192000" y="5181600"/>
+            <a:off x="12954000" y="7620000"/>
             <a:ext cx="457200" cy="152400"/>
           </a:xfrm>
           <a:prstGeom prst="rect">
@@ -5419,7 +5419,7 @@
         </p:nvSpPr>
         <p:spPr>
           <a:xfrm>
-            <a:off x="7772400" y="5791200"/>
+            <a:off x="8534400" y="8229600"/>
             <a:ext cx="457200" cy="152400"/>
           </a:xfrm>
           <a:prstGeom prst="rect">
@@ -5471,7 +5471,7 @@
         </p:nvCxnSpPr>
         <p:spPr>
           <a:xfrm flipH="1" flipV="1">
-            <a:off x="7772400" y="5867400"/>
+            <a:off x="8534400" y="8305800"/>
             <a:ext cx="76200" cy="76200"/>
           </a:xfrm>
           <a:prstGeom prst="line">
@@ -5508,7 +5508,7 @@
         </p:nvCxnSpPr>
         <p:spPr>
           <a:xfrm flipH="1">
-            <a:off x="7772400" y="5943600"/>
+            <a:off x="8534400" y="8382000"/>
             <a:ext cx="76200" cy="76200"/>
           </a:xfrm>
           <a:prstGeom prst="line">
@@ -5545,7 +5545,7 @@
         </p:nvSpPr>
         <p:spPr>
           <a:xfrm>
-            <a:off x="7772400" y="5562600"/>
+            <a:off x="8534400" y="8001000"/>
             <a:ext cx="457200" cy="152400"/>
           </a:xfrm>
           <a:prstGeom prst="rect">
@@ -5597,7 +5597,7 @@
         </p:nvSpPr>
         <p:spPr>
           <a:xfrm>
-            <a:off x="7772400" y="6400800"/>
+            <a:off x="8534400" y="8839200"/>
             <a:ext cx="457200" cy="152400"/>
           </a:xfrm>
           <a:prstGeom prst="rect">
@@ -5649,7 +5649,7 @@
         </p:nvCxnSpPr>
         <p:spPr>
           <a:xfrm flipH="1" flipV="1">
-            <a:off x="7772400" y="6477000"/>
+            <a:off x="8534400" y="8915400"/>
             <a:ext cx="76200" cy="76200"/>
           </a:xfrm>
           <a:prstGeom prst="line">
@@ -5686,7 +5686,7 @@
         </p:nvCxnSpPr>
         <p:spPr>
           <a:xfrm flipH="1">
-            <a:off x="7772400" y="6553200"/>
+            <a:off x="8534400" y="8991600"/>
             <a:ext cx="76200" cy="76200"/>
           </a:xfrm>
           <a:prstGeom prst="line">
@@ -5723,7 +5723,7 @@
         </p:nvSpPr>
         <p:spPr>
           <a:xfrm>
-            <a:off x="7772400" y="6172200"/>
+            <a:off x="8534400" y="8610600"/>
             <a:ext cx="457200" cy="152400"/>
           </a:xfrm>
           <a:prstGeom prst="rect">
@@ -5775,7 +5775,7 @@
         </p:nvSpPr>
         <p:spPr>
           <a:xfrm>
-            <a:off x="3200400" y="4953000"/>
+            <a:off x="3352800" y="7391400"/>
             <a:ext cx="457200" cy="152400"/>
           </a:xfrm>
           <a:prstGeom prst="rect">
@@ -5828,7 +5828,7 @@
         </p:nvSpPr>
         <p:spPr>
           <a:xfrm>
-            <a:off x="3200400" y="5257800"/>
+            <a:off x="3352800" y="7696200"/>
             <a:ext cx="457200" cy="152400"/>
           </a:xfrm>
           <a:prstGeom prst="rect">
@@ -5884,8 +5884,8 @@
         </p:nvCxnSpPr>
         <p:spPr>
           <a:xfrm>
-            <a:off x="3657600" y="5029200"/>
-            <a:ext cx="4114800" cy="0"/>
+            <a:off x="3810000" y="7467600"/>
+            <a:ext cx="4724400" cy="0"/>
           </a:xfrm>
           <a:prstGeom prst="line">
             <a:avLst/>
@@ -5921,7 +5921,7 @@
         </p:nvSpPr>
         <p:spPr>
           <a:xfrm>
-            <a:off x="3200400" y="5562600"/>
+            <a:off x="3352800" y="8001000"/>
             <a:ext cx="457200" cy="152400"/>
           </a:xfrm>
           <a:prstGeom prst="rect">
@@ -5977,8 +5977,8 @@
         </p:nvCxnSpPr>
         <p:spPr>
           <a:xfrm>
-            <a:off x="3657600" y="5638800"/>
-            <a:ext cx="4114800" cy="0"/>
+            <a:off x="3810000" y="8077200"/>
+            <a:ext cx="4724400" cy="0"/>
           </a:xfrm>
           <a:prstGeom prst="line">
             <a:avLst/>
@@ -6014,7 +6014,7 @@
         </p:nvCxnSpPr>
         <p:spPr>
           <a:xfrm flipH="1">
-            <a:off x="6553200" y="5943600"/>
+            <a:off x="7315200" y="8382000"/>
             <a:ext cx="1219200" cy="0"/>
           </a:xfrm>
           <a:prstGeom prst="line">
@@ -6053,8 +6053,8 @@
         </p:nvCxnSpPr>
         <p:spPr>
           <a:xfrm>
-            <a:off x="4876800" y="6248400"/>
-            <a:ext cx="2895600" cy="0"/>
+            <a:off x="5029200" y="8686800"/>
+            <a:ext cx="3505200" cy="0"/>
           </a:xfrm>
           <a:prstGeom prst="line">
             <a:avLst/>
@@ -6090,7 +6090,7 @@
         </p:nvCxnSpPr>
         <p:spPr>
           <a:xfrm flipV="1">
-            <a:off x="6553200" y="5943600"/>
+            <a:off x="7315200" y="8382000"/>
             <a:ext cx="0" cy="1219200"/>
           </a:xfrm>
           <a:prstGeom prst="line">
@@ -6127,7 +6127,7 @@
         </p:nvSpPr>
         <p:spPr>
           <a:xfrm>
-            <a:off x="3962400" y="4876800"/>
+            <a:off x="4114800" y="7315200"/>
             <a:ext cx="457200" cy="152400"/>
           </a:xfrm>
           <a:prstGeom prst="rect">
@@ -6186,7 +6186,7 @@
         </p:nvSpPr>
         <p:spPr>
           <a:xfrm>
-            <a:off x="3962400" y="5486400"/>
+            <a:off x="4114800" y="7924800"/>
             <a:ext cx="457200" cy="152400"/>
           </a:xfrm>
           <a:prstGeom prst="rect">
@@ -6245,7 +6245,7 @@
         </p:nvSpPr>
         <p:spPr>
           <a:xfrm>
-            <a:off x="3962400" y="5181600"/>
+            <a:off x="4114800" y="7620000"/>
             <a:ext cx="457200" cy="152400"/>
           </a:xfrm>
           <a:prstGeom prst="rect">
@@ -6304,7 +6304,7 @@
         </p:nvSpPr>
         <p:spPr>
           <a:xfrm>
-            <a:off x="3962400" y="7010400"/>
+            <a:off x="4114800" y="9448800"/>
             <a:ext cx="457200" cy="152400"/>
           </a:xfrm>
           <a:prstGeom prst="rect">
@@ -6363,7 +6363,7 @@
         </p:nvSpPr>
         <p:spPr>
           <a:xfrm>
-            <a:off x="5486400" y="1066800"/>
+            <a:off x="6248400" y="3505200"/>
             <a:ext cx="1371600" cy="3124200"/>
           </a:xfrm>
           <a:prstGeom prst="rect">
@@ -6424,7 +6424,7 @@
         </p:nvSpPr>
         <p:spPr>
           <a:xfrm>
-            <a:off x="5486400" y="914400"/>
+            <a:off x="6248400" y="3352800"/>
             <a:ext cx="457200" cy="152400"/>
           </a:xfrm>
           <a:prstGeom prst="rect">
@@ -6483,7 +6483,7 @@
         </p:nvSpPr>
         <p:spPr>
           <a:xfrm>
-            <a:off x="6400800" y="3810000"/>
+            <a:off x="7162800" y="6248400"/>
             <a:ext cx="457200" cy="152400"/>
           </a:xfrm>
           <a:prstGeom prst="rect">
@@ -6536,7 +6536,7 @@
         </p:nvSpPr>
         <p:spPr>
           <a:xfrm>
-            <a:off x="6400800" y="2362200"/>
+            <a:off x="7162800" y="4800600"/>
             <a:ext cx="457200" cy="152400"/>
           </a:xfrm>
           <a:prstGeom prst="rect">
@@ -6569,7 +6569,7 @@
           <a:p>
             <a:pPr algn="r"/>
             <a:r>
-              <a:rPr lang="en-US" sz="900" dirty="0" smtClean="0">
+              <a:rPr lang="en-US" sz="900" dirty="0">
                 <a:solidFill>
                   <a:srgbClr val="000000"/>
                 </a:solidFill>
@@ -6596,7 +6596,7 @@
         </p:nvSpPr>
         <p:spPr>
           <a:xfrm>
-            <a:off x="5486400" y="3810000"/>
+            <a:off x="6248400" y="6248400"/>
             <a:ext cx="457200" cy="152400"/>
           </a:xfrm>
           <a:prstGeom prst="rect">
@@ -6648,7 +6648,7 @@
         </p:nvCxnSpPr>
         <p:spPr>
           <a:xfrm flipH="1" flipV="1">
-            <a:off x="5486400" y="3886200"/>
+            <a:off x="6248400" y="6324600"/>
             <a:ext cx="76200" cy="76200"/>
           </a:xfrm>
           <a:prstGeom prst="line">
@@ -6685,7 +6685,7 @@
         </p:nvCxnSpPr>
         <p:spPr>
           <a:xfrm flipH="1">
-            <a:off x="5486400" y="3962400"/>
+            <a:off x="6248400" y="6400800"/>
             <a:ext cx="76200" cy="76200"/>
           </a:xfrm>
           <a:prstGeom prst="line">
@@ -6722,7 +6722,7 @@
         </p:nvSpPr>
         <p:spPr>
           <a:xfrm>
-            <a:off x="5486400" y="3581400"/>
+            <a:off x="6248400" y="6019800"/>
             <a:ext cx="457200" cy="152400"/>
           </a:xfrm>
           <a:prstGeom prst="rect">
@@ -6774,7 +6774,7 @@
         </p:nvSpPr>
         <p:spPr>
           <a:xfrm>
-            <a:off x="5486400" y="1447800"/>
+            <a:off x="6248400" y="3886200"/>
             <a:ext cx="457200" cy="152400"/>
           </a:xfrm>
           <a:prstGeom prst="rect">
@@ -6826,7 +6826,7 @@
         </p:nvSpPr>
         <p:spPr>
           <a:xfrm>
-            <a:off x="5486400" y="1752600"/>
+            <a:off x="6248400" y="4191000"/>
             <a:ext cx="457200" cy="152400"/>
           </a:xfrm>
           <a:prstGeom prst="rect">
@@ -6878,7 +6878,7 @@
         </p:nvSpPr>
         <p:spPr>
           <a:xfrm>
-            <a:off x="5486400" y="2057400"/>
+            <a:off x="6248400" y="4495800"/>
             <a:ext cx="457200" cy="152400"/>
           </a:xfrm>
           <a:prstGeom prst="rect">
@@ -6930,7 +6930,7 @@
         </p:nvSpPr>
         <p:spPr>
           <a:xfrm>
-            <a:off x="457200" y="1447800"/>
+            <a:off x="609600" y="3886200"/>
             <a:ext cx="228600" cy="152400"/>
           </a:xfrm>
           <a:prstGeom prst="homePlate">
@@ -6981,7 +6981,7 @@
         </p:nvCxnSpPr>
         <p:spPr>
           <a:xfrm flipV="1">
-            <a:off x="762000" y="1447800"/>
+            <a:off x="914400" y="3886200"/>
             <a:ext cx="152400" cy="152400"/>
           </a:xfrm>
           <a:prstGeom prst="line">
@@ -7018,7 +7018,7 @@
         </p:nvSpPr>
         <p:spPr>
           <a:xfrm>
-            <a:off x="762000" y="1371600"/>
+            <a:off x="914400" y="3810000"/>
             <a:ext cx="152400" cy="76200"/>
           </a:xfrm>
           <a:prstGeom prst="rect">
@@ -7074,8 +7074,8 @@
         </p:nvCxnSpPr>
         <p:spPr>
           <a:xfrm>
-            <a:off x="685800" y="1524000"/>
-            <a:ext cx="4800600" cy="0"/>
+            <a:off x="838200" y="3962400"/>
+            <a:ext cx="5410200" cy="0"/>
           </a:xfrm>
           <a:prstGeom prst="line">
             <a:avLst/>
@@ -7111,7 +7111,7 @@
         </p:nvSpPr>
         <p:spPr>
           <a:xfrm>
-            <a:off x="1066800" y="1371600"/>
+            <a:off x="1219200" y="3810000"/>
             <a:ext cx="457200" cy="152400"/>
           </a:xfrm>
           <a:prstGeom prst="rect">
@@ -7163,7 +7163,7 @@
         </p:nvSpPr>
         <p:spPr>
           <a:xfrm>
-            <a:off x="457200" y="1752600"/>
+            <a:off x="609600" y="4191000"/>
             <a:ext cx="228600" cy="152400"/>
           </a:xfrm>
           <a:prstGeom prst="homePlate">
@@ -7214,7 +7214,7 @@
         </p:nvCxnSpPr>
         <p:spPr>
           <a:xfrm flipV="1">
-            <a:off x="762000" y="1752600"/>
+            <a:off x="914400" y="4191000"/>
             <a:ext cx="152400" cy="152400"/>
           </a:xfrm>
           <a:prstGeom prst="line">
@@ -7251,7 +7251,7 @@
         </p:nvSpPr>
         <p:spPr>
           <a:xfrm>
-            <a:off x="762000" y="1676400"/>
+            <a:off x="914400" y="4114800"/>
             <a:ext cx="152400" cy="76200"/>
           </a:xfrm>
           <a:prstGeom prst="rect">
@@ -7307,8 +7307,8 @@
         </p:nvCxnSpPr>
         <p:spPr>
           <a:xfrm>
-            <a:off x="685800" y="1828800"/>
-            <a:ext cx="4800600" cy="0"/>
+            <a:off x="838200" y="4267200"/>
+            <a:ext cx="5410200" cy="0"/>
           </a:xfrm>
           <a:prstGeom prst="line">
             <a:avLst/>
@@ -7344,7 +7344,7 @@
         </p:nvSpPr>
         <p:spPr>
           <a:xfrm>
-            <a:off x="1066800" y="1676400"/>
+            <a:off x="1219200" y="4114800"/>
             <a:ext cx="457200" cy="152400"/>
           </a:xfrm>
           <a:prstGeom prst="rect">
@@ -7396,7 +7396,7 @@
         </p:nvSpPr>
         <p:spPr>
           <a:xfrm>
-            <a:off x="457200" y="2057400"/>
+            <a:off x="609600" y="4495800"/>
             <a:ext cx="228600" cy="152400"/>
           </a:xfrm>
           <a:prstGeom prst="homePlate">
@@ -7447,7 +7447,7 @@
         </p:nvCxnSpPr>
         <p:spPr>
           <a:xfrm flipV="1">
-            <a:off x="762000" y="2057400"/>
+            <a:off x="914400" y="4495800"/>
             <a:ext cx="152400" cy="152400"/>
           </a:xfrm>
           <a:prstGeom prst="line">
@@ -7484,7 +7484,7 @@
         </p:nvSpPr>
         <p:spPr>
           <a:xfrm>
-            <a:off x="762000" y="1981200"/>
+            <a:off x="914400" y="4419600"/>
             <a:ext cx="152400" cy="76200"/>
           </a:xfrm>
           <a:prstGeom prst="rect">
@@ -7540,8 +7540,8 @@
         </p:nvCxnSpPr>
         <p:spPr>
           <a:xfrm>
-            <a:off x="685800" y="2133600"/>
-            <a:ext cx="4800600" cy="0"/>
+            <a:off x="838200" y="4572000"/>
+            <a:ext cx="5410200" cy="0"/>
           </a:xfrm>
           <a:prstGeom prst="line">
             <a:avLst/>
@@ -7577,7 +7577,7 @@
         </p:nvSpPr>
         <p:spPr>
           <a:xfrm>
-            <a:off x="1066800" y="1981200"/>
+            <a:off x="1219200" y="4419600"/>
             <a:ext cx="457200" cy="152400"/>
           </a:xfrm>
           <a:prstGeom prst="rect">
@@ -7629,7 +7629,7 @@
         </p:nvSpPr>
         <p:spPr>
           <a:xfrm>
-            <a:off x="5486400" y="3276600"/>
+            <a:off x="6248400" y="5715000"/>
             <a:ext cx="457200" cy="152400"/>
           </a:xfrm>
           <a:prstGeom prst="rect">
@@ -7684,8 +7684,8 @@
         </p:nvCxnSpPr>
         <p:spPr>
           <a:xfrm flipH="1">
-            <a:off x="3657600" y="3352800"/>
-            <a:ext cx="1828800" cy="0"/>
+            <a:off x="3810000" y="5791200"/>
+            <a:ext cx="2438400" cy="0"/>
           </a:xfrm>
           <a:prstGeom prst="line">
             <a:avLst/>
@@ -7721,7 +7721,7 @@
         </p:nvSpPr>
         <p:spPr>
           <a:xfrm>
-            <a:off x="3200400" y="3276600"/>
+            <a:off x="3352800" y="5715000"/>
             <a:ext cx="457200" cy="152400"/>
           </a:xfrm>
           <a:prstGeom prst="rect">
@@ -7774,7 +7774,7 @@
         </p:nvSpPr>
         <p:spPr>
           <a:xfrm>
-            <a:off x="5486400" y="2971800"/>
+            <a:off x="6248400" y="5410200"/>
             <a:ext cx="457200" cy="152400"/>
           </a:xfrm>
           <a:prstGeom prst="rect">
@@ -7806,7 +7806,7 @@
           <a:lstStyle/>
           <a:p>
             <a:r>
-              <a:rPr lang="en-US" sz="900" dirty="0" smtClean="0">
+              <a:rPr lang="en-US" sz="900" dirty="0">
                 <a:solidFill>
                   <a:srgbClr val="000000"/>
                 </a:solidFill>
@@ -7836,8 +7836,8 @@
         </p:nvCxnSpPr>
         <p:spPr>
           <a:xfrm flipH="1">
-            <a:off x="3657600" y="3048000"/>
-            <a:ext cx="1828800" cy="0"/>
+            <a:off x="3810000" y="5486400"/>
+            <a:ext cx="2438400" cy="0"/>
           </a:xfrm>
           <a:prstGeom prst="line">
             <a:avLst/>
@@ -7873,7 +7873,7 @@
         </p:nvSpPr>
         <p:spPr>
           <a:xfrm>
-            <a:off x="3200400" y="2971800"/>
+            <a:off x="3352800" y="5410200"/>
             <a:ext cx="457200" cy="152400"/>
           </a:xfrm>
           <a:prstGeom prst="rect">
@@ -7926,7 +7926,7 @@
         </p:nvSpPr>
         <p:spPr>
           <a:xfrm>
-            <a:off x="7772400" y="3810000"/>
+            <a:off x="8534400" y="6248400"/>
             <a:ext cx="457200" cy="152400"/>
           </a:xfrm>
           <a:prstGeom prst="rect">
@@ -7981,7 +7981,7 @@
         </p:nvCxnSpPr>
         <p:spPr>
           <a:xfrm>
-            <a:off x="6858000" y="3886200"/>
+            <a:off x="7620000" y="6324600"/>
             <a:ext cx="914400" cy="0"/>
           </a:xfrm>
           <a:prstGeom prst="line">
@@ -8018,8 +8018,8 @@
         </p:nvCxnSpPr>
         <p:spPr>
           <a:xfrm>
-            <a:off x="4876800" y="3657600"/>
-            <a:ext cx="609600" cy="0"/>
+            <a:off x="5029200" y="6096000"/>
+            <a:ext cx="1219200" cy="0"/>
           </a:xfrm>
           <a:prstGeom prst="line">
             <a:avLst/>
@@ -8028,7 +8028,7 @@
             <a:solidFill>
               <a:srgbClr val="000000"/>
             </a:solidFill>
-            <a:headEnd type="none" w="med" len="med"/>
+            <a:headEnd type="oval" w="med" len="med"/>
             <a:tailEnd type="triangle" w="med" len="med"/>
           </a:ln>
         </p:spPr>
@@ -8055,8 +8055,8 @@
         </p:nvCxnSpPr>
         <p:spPr>
           <a:xfrm flipH="1">
-            <a:off x="3657600" y="5334000"/>
-            <a:ext cx="4114800" cy="0"/>
+            <a:off x="3810000" y="7772400"/>
+            <a:ext cx="4724400" cy="0"/>
           </a:xfrm>
           <a:prstGeom prst="line">
             <a:avLst/>
@@ -8092,8 +8092,8 @@
         </p:nvCxnSpPr>
         <p:spPr>
           <a:xfrm flipV="1">
-            <a:off x="4876800" y="3657600"/>
-            <a:ext cx="0" cy="3810000"/>
+            <a:off x="5029200" y="2590800"/>
+            <a:ext cx="0" cy="7315200"/>
           </a:xfrm>
           <a:prstGeom prst="line">
             <a:avLst/>
@@ -8128,46 +8128,9 @@
           <p:nvPr/>
         </p:nvCxnSpPr>
         <p:spPr>
-          <a:xfrm flipH="1">
-            <a:off x="5181600" y="3962400"/>
-            <a:ext cx="304800" cy="0"/>
-          </a:xfrm>
-          <a:prstGeom prst="line">
-            <a:avLst/>
-          </a:prstGeom>
-          <a:ln w="12700">
-            <a:solidFill>
-              <a:srgbClr val="000000"/>
-            </a:solidFill>
-            <a:headEnd type="none" w="med" len="med"/>
-            <a:tailEnd type="none" w="med" len="med"/>
-          </a:ln>
-        </p:spPr>
-        <p:style>
-          <a:lnRef idx="1">
-            <a:schemeClr val="accent1"/>
-          </a:lnRef>
-          <a:fillRef idx="0">
-            <a:schemeClr val="accent1"/>
-          </a:fillRef>
-          <a:effectRef idx="0">
-            <a:schemeClr val="accent1"/>
-          </a:effectRef>
-          <a:fontRef idx="minor">
-            <a:schemeClr val="tx1"/>
-          </a:fontRef>
-        </p:style>
-      </p:cxnSp>
-      <p:cxnSp>
-        <p:nvCxnSpPr>
-          <p:cNvPr id="260" name="Straight Connector 259"/>
-          <p:cNvCxnSpPr/>
-          <p:nvPr/>
-        </p:nvCxnSpPr>
-        <p:spPr>
-          <a:xfrm flipV="1">
-            <a:off x="5181600" y="3962400"/>
-            <a:ext cx="0" cy="4114800"/>
+          <a:xfrm>
+            <a:off x="5334000" y="6400800"/>
+            <a:ext cx="914400" cy="0"/>
           </a:xfrm>
           <a:prstGeom prst="line">
             <a:avLst/>
@@ -8195,6 +8158,43 @@
           </a:fontRef>
         </p:style>
       </p:cxnSp>
+      <p:cxnSp>
+        <p:nvCxnSpPr>
+          <p:cNvPr id="260" name="Straight Connector 259"/>
+          <p:cNvCxnSpPr/>
+          <p:nvPr/>
+        </p:nvCxnSpPr>
+        <p:spPr>
+          <a:xfrm flipV="1">
+            <a:off x="5334000" y="2895600"/>
+            <a:ext cx="0" cy="7620000"/>
+          </a:xfrm>
+          <a:prstGeom prst="line">
+            <a:avLst/>
+          </a:prstGeom>
+          <a:ln w="12700">
+            <a:solidFill>
+              <a:srgbClr val="000000"/>
+            </a:solidFill>
+            <a:headEnd type="oval" w="med" len="med"/>
+            <a:tailEnd type="none" w="med" len="med"/>
+          </a:ln>
+        </p:spPr>
+        <p:style>
+          <a:lnRef idx="1">
+            <a:schemeClr val="accent1"/>
+          </a:lnRef>
+          <a:fillRef idx="0">
+            <a:schemeClr val="accent1"/>
+          </a:fillRef>
+          <a:effectRef idx="0">
+            <a:schemeClr val="accent1"/>
+          </a:effectRef>
+          <a:fontRef idx="minor">
+            <a:schemeClr val="tx1"/>
+          </a:fontRef>
+        </p:style>
+      </p:cxnSp>
       <p:sp>
         <p:nvSpPr>
           <p:cNvPr id="264" name="Rectangle 263"/>
@@ -8203,7 +8203,7 @@
         </p:nvSpPr>
         <p:spPr>
           <a:xfrm>
-            <a:off x="3962400" y="2895600"/>
+            <a:off x="4114800" y="5334000"/>
             <a:ext cx="457200" cy="152400"/>
           </a:xfrm>
           <a:prstGeom prst="rect">
@@ -8262,7 +8262,7 @@
         </p:nvSpPr>
         <p:spPr>
           <a:xfrm>
-            <a:off x="3962400" y="3200400"/>
+            <a:off x="4114800" y="5638800"/>
             <a:ext cx="457200" cy="152400"/>
           </a:xfrm>
           <a:prstGeom prst="rect">
@@ -8321,7 +8321,7 @@
         </p:nvSpPr>
         <p:spPr>
           <a:xfrm>
-            <a:off x="10515600" y="1828800"/>
+            <a:off x="11277600" y="4267200"/>
             <a:ext cx="1371600" cy="2590800"/>
           </a:xfrm>
           <a:prstGeom prst="rect">
@@ -8375,7 +8375,7 @@
         </p:nvSpPr>
         <p:spPr>
           <a:xfrm>
-            <a:off x="10515600" y="1676400"/>
+            <a:off x="11277600" y="4114800"/>
             <a:ext cx="457200" cy="152400"/>
           </a:xfrm>
           <a:prstGeom prst="rect">
@@ -8427,7 +8427,7 @@
         </p:nvSpPr>
         <p:spPr>
           <a:xfrm>
-            <a:off x="10515600" y="2362200"/>
+            <a:off x="11277600" y="4800600"/>
             <a:ext cx="457200" cy="152400"/>
           </a:xfrm>
           <a:prstGeom prst="rect">
@@ -8482,7 +8482,7 @@
         </p:nvCxnSpPr>
         <p:spPr>
           <a:xfrm>
-            <a:off x="6858000" y="2438400"/>
+            <a:off x="7620000" y="4876800"/>
             <a:ext cx="3657600" cy="0"/>
           </a:xfrm>
           <a:prstGeom prst="line">
@@ -8519,7 +8519,7 @@
         </p:nvSpPr>
         <p:spPr>
           <a:xfrm>
-            <a:off x="10515600" y="2667000"/>
+            <a:off x="11277600" y="5105400"/>
             <a:ext cx="457200" cy="152400"/>
           </a:xfrm>
           <a:prstGeom prst="rect">
@@ -8571,7 +8571,7 @@
         </p:nvCxnSpPr>
         <p:spPr>
           <a:xfrm flipV="1">
-            <a:off x="4876800" y="2743200"/>
+            <a:off x="5638800" y="5181600"/>
             <a:ext cx="0" cy="304800"/>
           </a:xfrm>
           <a:prstGeom prst="line">
@@ -8608,7 +8608,7 @@
         </p:nvCxnSpPr>
         <p:spPr>
           <a:xfrm>
-            <a:off x="4876800" y="2743200"/>
+            <a:off x="5638800" y="5181600"/>
             <a:ext cx="304800" cy="0"/>
           </a:xfrm>
           <a:prstGeom prst="line">
@@ -8645,7 +8645,7 @@
         </p:nvCxnSpPr>
         <p:spPr>
           <a:xfrm flipH="1">
-            <a:off x="5181600" y="2743200"/>
+            <a:off x="5943600" y="5181600"/>
             <a:ext cx="1981200" cy="0"/>
           </a:xfrm>
           <a:prstGeom prst="line">
@@ -8685,7 +8685,7 @@
         </p:nvCxnSpPr>
         <p:spPr>
           <a:xfrm>
-            <a:off x="7162800" y="2743200"/>
+            <a:off x="7924800" y="5181600"/>
             <a:ext cx="3352800" cy="0"/>
           </a:xfrm>
           <a:prstGeom prst="line">
@@ -8722,7 +8722,7 @@
         </p:nvSpPr>
         <p:spPr>
           <a:xfrm>
-            <a:off x="10515600" y="3276600"/>
+            <a:off x="11277600" y="5715000"/>
             <a:ext cx="457200" cy="152400"/>
           </a:xfrm>
           <a:prstGeom prst="rect">
@@ -8774,7 +8774,7 @@
         </p:nvSpPr>
         <p:spPr>
           <a:xfrm>
-            <a:off x="10515600" y="3581400"/>
+            <a:off x="11277600" y="6019800"/>
             <a:ext cx="457200" cy="152400"/>
           </a:xfrm>
           <a:prstGeom prst="rect">
@@ -8826,7 +8826,7 @@
         </p:nvSpPr>
         <p:spPr>
           <a:xfrm>
-            <a:off x="8686800" y="3276600"/>
+            <a:off x="9448800" y="5715000"/>
             <a:ext cx="457200" cy="152400"/>
           </a:xfrm>
           <a:prstGeom prst="rect">
@@ -8879,7 +8879,7 @@
         </p:nvSpPr>
         <p:spPr>
           <a:xfrm>
-            <a:off x="8686800" y="3581400"/>
+            <a:off x="9448800" y="6019800"/>
             <a:ext cx="457200" cy="152400"/>
           </a:xfrm>
           <a:prstGeom prst="rect">
@@ -8935,7 +8935,7 @@
         </p:nvCxnSpPr>
         <p:spPr>
           <a:xfrm>
-            <a:off x="9144000" y="3352800"/>
+            <a:off x="9906000" y="5791200"/>
             <a:ext cx="1371600" cy="0"/>
           </a:xfrm>
           <a:prstGeom prst="line">
@@ -8975,7 +8975,7 @@
         </p:nvCxnSpPr>
         <p:spPr>
           <a:xfrm>
-            <a:off x="9144000" y="3657600"/>
+            <a:off x="9906000" y="6096000"/>
             <a:ext cx="1371600" cy="0"/>
           </a:xfrm>
           <a:prstGeom prst="line">
@@ -9012,7 +9012,7 @@
         </p:nvSpPr>
         <p:spPr>
           <a:xfrm>
-            <a:off x="10515600" y="4114800"/>
+            <a:off x="11277600" y="6553200"/>
             <a:ext cx="457200" cy="152400"/>
           </a:xfrm>
           <a:prstGeom prst="rect">
@@ -9064,7 +9064,7 @@
         </p:nvCxnSpPr>
         <p:spPr>
           <a:xfrm flipH="1" flipV="1">
-            <a:off x="10515600" y="4191000"/>
+            <a:off x="11277600" y="6629400"/>
             <a:ext cx="76200" cy="76200"/>
           </a:xfrm>
           <a:prstGeom prst="line">
@@ -9101,7 +9101,7 @@
         </p:nvCxnSpPr>
         <p:spPr>
           <a:xfrm flipH="1">
-            <a:off x="10515600" y="4267200"/>
+            <a:off x="11277600" y="6705600"/>
             <a:ext cx="76200" cy="76200"/>
           </a:xfrm>
           <a:prstGeom prst="line">
@@ -9138,7 +9138,7 @@
         </p:nvSpPr>
         <p:spPr>
           <a:xfrm>
-            <a:off x="10515600" y="3886200"/>
+            <a:off x="11277600" y="6324600"/>
             <a:ext cx="457200" cy="152400"/>
           </a:xfrm>
           <a:prstGeom prst="rect">
@@ -9190,7 +9190,7 @@
         </p:nvCxnSpPr>
         <p:spPr>
           <a:xfrm flipV="1">
-            <a:off x="6858000" y="6553200"/>
+            <a:off x="7620000" y="8991600"/>
             <a:ext cx="0" cy="1524000"/>
           </a:xfrm>
           <a:prstGeom prst="line">
@@ -9227,7 +9227,7 @@
         </p:nvCxnSpPr>
         <p:spPr>
           <a:xfrm flipH="1">
-            <a:off x="10210800" y="4267200"/>
+            <a:off x="10972800" y="6705600"/>
             <a:ext cx="304800" cy="0"/>
           </a:xfrm>
           <a:prstGeom prst="line">
@@ -9264,7 +9264,7 @@
         </p:nvCxnSpPr>
         <p:spPr>
           <a:xfrm>
-            <a:off x="10210800" y="4267200"/>
+            <a:off x="10972800" y="6705600"/>
             <a:ext cx="0" cy="3810000"/>
           </a:xfrm>
           <a:prstGeom prst="line">
@@ -9303,8 +9303,8 @@
         </p:nvCxnSpPr>
         <p:spPr>
           <a:xfrm flipH="1">
-            <a:off x="3657600" y="7467600"/>
-            <a:ext cx="6248400" cy="0"/>
+            <a:off x="3810000" y="9906000"/>
+            <a:ext cx="6858000" cy="0"/>
           </a:xfrm>
           <a:prstGeom prst="line">
             <a:avLst/>
@@ -9340,7 +9340,7 @@
         </p:nvCxnSpPr>
         <p:spPr>
           <a:xfrm flipH="1">
-            <a:off x="9906000" y="3962400"/>
+            <a:off x="10668000" y="6400800"/>
             <a:ext cx="609600" cy="0"/>
           </a:xfrm>
           <a:prstGeom prst="line">
@@ -9377,7 +9377,7 @@
         </p:nvCxnSpPr>
         <p:spPr>
           <a:xfrm>
-            <a:off x="9906000" y="3962400"/>
+            <a:off x="10668000" y="6400800"/>
             <a:ext cx="0" cy="3505200"/>
           </a:xfrm>
           <a:prstGeom prst="line">
@@ -9414,7 +9414,7 @@
         </p:nvSpPr>
         <p:spPr>
           <a:xfrm>
-            <a:off x="13258800" y="2971800"/>
+            <a:off x="14020800" y="5410200"/>
             <a:ext cx="228600" cy="152400"/>
           </a:xfrm>
           <a:prstGeom prst="homePlate">
@@ -9465,7 +9465,7 @@
         </p:nvSpPr>
         <p:spPr>
           <a:xfrm>
-            <a:off x="11430000" y="2971800"/>
+            <a:off x="12192000" y="5410200"/>
             <a:ext cx="457200" cy="152400"/>
           </a:xfrm>
           <a:prstGeom prst="rect">
@@ -9518,7 +9518,7 @@
         </p:nvSpPr>
         <p:spPr>
           <a:xfrm>
-            <a:off x="11430000" y="3276600"/>
+            <a:off x="12192000" y="5715000"/>
             <a:ext cx="457200" cy="152400"/>
           </a:xfrm>
           <a:prstGeom prst="rect">
@@ -9574,7 +9574,7 @@
         </p:nvCxnSpPr>
         <p:spPr>
           <a:xfrm flipH="1">
-            <a:off x="11887200" y="3048000"/>
+            <a:off x="12649200" y="5486400"/>
             <a:ext cx="1371600" cy="0"/>
           </a:xfrm>
           <a:prstGeom prst="line">
@@ -9611,7 +9611,7 @@
         </p:nvSpPr>
         <p:spPr>
           <a:xfrm>
-            <a:off x="13258800" y="3276600"/>
+            <a:off x="14020800" y="5715000"/>
             <a:ext cx="228600" cy="152400"/>
           </a:xfrm>
           <a:prstGeom prst="homePlate">
@@ -9665,7 +9665,7 @@
         </p:nvCxnSpPr>
         <p:spPr>
           <a:xfrm flipH="1">
-            <a:off x="11887200" y="3352800"/>
+            <a:off x="12649200" y="5791200"/>
             <a:ext cx="1371600" cy="0"/>
           </a:xfrm>
           <a:prstGeom prst="line">
@@ -9702,7 +9702,7 @@
         </p:nvCxnSpPr>
         <p:spPr>
           <a:xfrm flipV="1">
-            <a:off x="13030200" y="3276600"/>
+            <a:off x="13792200" y="5715000"/>
             <a:ext cx="152400" cy="152400"/>
           </a:xfrm>
           <a:prstGeom prst="line">
@@ -9739,7 +9739,7 @@
         </p:nvSpPr>
         <p:spPr>
           <a:xfrm>
-            <a:off x="13030200" y="3200400"/>
+            <a:off x="13792200" y="5638800"/>
             <a:ext cx="152400" cy="76200"/>
           </a:xfrm>
           <a:prstGeom prst="rect">
@@ -9792,7 +9792,7 @@
         </p:nvCxnSpPr>
         <p:spPr>
           <a:xfrm flipV="1">
-            <a:off x="13030200" y="2971800"/>
+            <a:off x="13792200" y="5410200"/>
             <a:ext cx="152400" cy="152400"/>
           </a:xfrm>
           <a:prstGeom prst="line">
@@ -9829,7 +9829,7 @@
         </p:nvSpPr>
         <p:spPr>
           <a:xfrm>
-            <a:off x="13030200" y="2895600"/>
+            <a:off x="13792200" y="5334000"/>
             <a:ext cx="152400" cy="76200"/>
           </a:xfrm>
           <a:prstGeom prst="rect">
@@ -9882,7 +9882,7 @@
         </p:nvSpPr>
         <p:spPr>
           <a:xfrm>
-            <a:off x="12192000" y="2895600"/>
+            <a:off x="12954000" y="5334000"/>
             <a:ext cx="457200" cy="152400"/>
           </a:xfrm>
           <a:prstGeom prst="rect">
@@ -9934,7 +9934,7 @@
         </p:nvSpPr>
         <p:spPr>
           <a:xfrm>
-            <a:off x="12192000" y="3200400"/>
+            <a:off x="12954000" y="5638800"/>
             <a:ext cx="457200" cy="152400"/>
           </a:xfrm>
           <a:prstGeom prst="rect">
@@ -9986,7 +9986,7 @@
         </p:nvCxnSpPr>
         <p:spPr>
           <a:xfrm flipV="1">
-            <a:off x="5257800" y="2971800"/>
+            <a:off x="6019800" y="5410200"/>
             <a:ext cx="152400" cy="152400"/>
           </a:xfrm>
           <a:prstGeom prst="line">
@@ -10023,7 +10023,7 @@
         </p:nvSpPr>
         <p:spPr>
           <a:xfrm>
-            <a:off x="5257800" y="2895600"/>
+            <a:off x="6019800" y="5334000"/>
             <a:ext cx="152400" cy="76200"/>
           </a:xfrm>
           <a:prstGeom prst="rect">
@@ -10076,7 +10076,7 @@
         </p:nvCxnSpPr>
         <p:spPr>
           <a:xfrm flipV="1">
-            <a:off x="6934200" y="2362200"/>
+            <a:off x="7696200" y="4800600"/>
             <a:ext cx="152400" cy="152400"/>
           </a:xfrm>
           <a:prstGeom prst="line">
@@ -10113,7 +10113,7 @@
         </p:nvSpPr>
         <p:spPr>
           <a:xfrm>
-            <a:off x="6934200" y="2286000"/>
+            <a:off x="7696200" y="4724400"/>
             <a:ext cx="152400" cy="76200"/>
           </a:xfrm>
           <a:prstGeom prst="rect">
@@ -10166,7 +10166,7 @@
         </p:nvSpPr>
         <p:spPr>
           <a:xfrm>
-            <a:off x="7162800" y="2286000"/>
+            <a:off x="8534400" y="4724400"/>
             <a:ext cx="457200" cy="152400"/>
           </a:xfrm>
           <a:prstGeom prst="rect">
@@ -10198,7 +10198,7 @@
           <a:lstStyle/>
           <a:p>
             <a:r>
-              <a:rPr lang="en-US" sz="900" dirty="0" err="1" smtClean="0">
+              <a:rPr lang="en-US" sz="900" dirty="0" err="1">
                 <a:solidFill>
                   <a:srgbClr val="000000"/>
                 </a:solidFill>
@@ -10225,7 +10225,7 @@
         </p:nvCxnSpPr>
         <p:spPr>
           <a:xfrm flipV="1">
-            <a:off x="9220200" y="3276600"/>
+            <a:off x="9982200" y="5715000"/>
             <a:ext cx="152400" cy="152400"/>
           </a:xfrm>
           <a:prstGeom prst="line">
@@ -10262,7 +10262,7 @@
         </p:nvSpPr>
         <p:spPr>
           <a:xfrm>
-            <a:off x="9220200" y="3200400"/>
+            <a:off x="9982200" y="5638800"/>
             <a:ext cx="152400" cy="76200"/>
           </a:xfrm>
           <a:prstGeom prst="rect">
@@ -10295,7 +10295,7 @@
           <a:p>
             <a:pPr algn="ctr"/>
             <a:r>
-              <a:rPr lang="en-US" sz="900" dirty="0" smtClean="0">
+              <a:rPr lang="en-US" sz="900" dirty="0">
                 <a:solidFill>
                   <a:srgbClr val="000000"/>
                 </a:solidFill>
@@ -10322,7 +10322,7 @@
         </p:nvSpPr>
         <p:spPr>
           <a:xfrm>
-            <a:off x="9448800" y="3200400"/>
+            <a:off x="10210800" y="5638800"/>
             <a:ext cx="457200" cy="152400"/>
           </a:xfrm>
           <a:prstGeom prst="rect">
@@ -10354,7 +10354,7 @@
           <a:lstStyle/>
           <a:p>
             <a:r>
-              <a:rPr lang="en-US" sz="900" dirty="0" err="1" smtClean="0">
+              <a:rPr lang="en-US" sz="900" dirty="0" err="1">
                 <a:solidFill>
                   <a:srgbClr val="000000"/>
                 </a:solidFill>
@@ -10381,7 +10381,7 @@
         </p:nvCxnSpPr>
         <p:spPr>
           <a:xfrm flipV="1">
-            <a:off x="9220200" y="3581400"/>
+            <a:off x="9982200" y="6019800"/>
             <a:ext cx="152400" cy="152400"/>
           </a:xfrm>
           <a:prstGeom prst="line">
@@ -10418,7 +10418,7 @@
         </p:nvSpPr>
         <p:spPr>
           <a:xfrm>
-            <a:off x="9220200" y="3505200"/>
+            <a:off x="9982200" y="5943600"/>
             <a:ext cx="152400" cy="76200"/>
           </a:xfrm>
           <a:prstGeom prst="rect">
@@ -10451,7 +10451,7 @@
           <a:p>
             <a:pPr algn="ctr"/>
             <a:r>
-              <a:rPr lang="en-US" sz="900" dirty="0" smtClean="0">
+              <a:rPr lang="en-US" sz="900" dirty="0">
                 <a:solidFill>
                   <a:srgbClr val="000000"/>
                 </a:solidFill>
@@ -10478,7 +10478,7 @@
         </p:nvSpPr>
         <p:spPr>
           <a:xfrm>
-            <a:off x="9448800" y="3505200"/>
+            <a:off x="10210800" y="5943600"/>
             <a:ext cx="457200" cy="152400"/>
           </a:xfrm>
           <a:prstGeom prst="rect">
@@ -10510,7 +10510,7 @@
           <a:lstStyle/>
           <a:p>
             <a:r>
-              <a:rPr lang="en-US" sz="900" dirty="0" err="1" smtClean="0">
+              <a:rPr lang="en-US" sz="900" dirty="0" err="1">
                 <a:solidFill>
                   <a:srgbClr val="000000"/>
                 </a:solidFill>
@@ -10537,7 +10537,7 @@
         </p:nvCxnSpPr>
         <p:spPr>
           <a:xfrm flipV="1">
-            <a:off x="6934200" y="3810000"/>
+            <a:off x="7696200" y="6248400"/>
             <a:ext cx="152400" cy="152400"/>
           </a:xfrm>
           <a:prstGeom prst="line">
@@ -10574,7 +10574,7 @@
         </p:nvSpPr>
         <p:spPr>
           <a:xfrm>
-            <a:off x="6934200" y="3733800"/>
+            <a:off x="7696200" y="6172200"/>
             <a:ext cx="152400" cy="76200"/>
           </a:xfrm>
           <a:prstGeom prst="rect">
@@ -10607,7 +10607,7 @@
           <a:p>
             <a:pPr algn="ctr"/>
             <a:r>
-              <a:rPr lang="en-US" sz="900" dirty="0" smtClean="0">
+              <a:rPr lang="en-US" sz="900" dirty="0">
                 <a:solidFill>
                   <a:srgbClr val="000000"/>
                 </a:solidFill>
@@ -10634,7 +10634,7 @@
         </p:nvSpPr>
         <p:spPr>
           <a:xfrm>
-            <a:off x="7162800" y="3733800"/>
+            <a:off x="7924800" y="6172200"/>
             <a:ext cx="457200" cy="152400"/>
           </a:xfrm>
           <a:prstGeom prst="rect">
@@ -10666,7 +10666,7 @@
           <a:lstStyle/>
           <a:p>
             <a:r>
-              <a:rPr lang="en-US" sz="900" dirty="0" err="1" smtClean="0">
+              <a:rPr lang="en-US" sz="900" dirty="0" err="1">
                 <a:solidFill>
                   <a:srgbClr val="000000"/>
                 </a:solidFill>
@@ -10674,6 +10674,6122 @@
                 <a:cs typeface="Courier New" panose="02070309020205020404" pitchFamily="49" charset="0"/>
               </a:rPr>
               <a:t>clr_seq</a:t>
+            </a:r>
+            <a:endParaRPr lang="en-US" sz="900" dirty="0">
+              <a:solidFill>
+                <a:srgbClr val="000000"/>
+              </a:solidFill>
+              <a:latin typeface="Courier New" panose="02070309020205020404" pitchFamily="49" charset="0"/>
+              <a:cs typeface="Courier New" panose="02070309020205020404" pitchFamily="49" charset="0"/>
+            </a:endParaRPr>
+          </a:p>
+        </p:txBody>
+      </p:sp>
+      <p:sp>
+        <p:nvSpPr>
+          <p:cNvPr id="186" name="Rectangle 185"/>
+          <p:cNvSpPr/>
+          <p:nvPr/>
+        </p:nvSpPr>
+        <p:spPr>
+          <a:xfrm>
+            <a:off x="6096000" y="457200"/>
+            <a:ext cx="1981200" cy="1524000"/>
+          </a:xfrm>
+          <a:prstGeom prst="rect">
+            <a:avLst/>
+          </a:prstGeom>
+          <a:noFill/>
+          <a:ln>
+            <a:noFill/>
+          </a:ln>
+        </p:spPr>
+        <p:style>
+          <a:lnRef idx="2">
+            <a:schemeClr val="accent1">
+              <a:shade val="50000"/>
+            </a:schemeClr>
+          </a:lnRef>
+          <a:fillRef idx="1">
+            <a:schemeClr val="accent1"/>
+          </a:fillRef>
+          <a:effectRef idx="0">
+            <a:schemeClr val="accent1"/>
+          </a:effectRef>
+          <a:fontRef idx="minor">
+            <a:schemeClr val="lt1"/>
+          </a:fontRef>
+        </p:style>
+        <p:txBody>
+          <a:bodyPr wrap="none" lIns="45720" rIns="45720" rtlCol="0" anchor="ctr"/>
+          <a:lstStyle/>
+          <a:p>
+            <a:r>
+              <a:rPr lang="en-US" sz="900" dirty="0">
+                <a:solidFill>
+                  <a:srgbClr val="000000"/>
+                </a:solidFill>
+                <a:latin typeface="Courier New" panose="02070309020205020404" pitchFamily="49" charset="0"/>
+                <a:cs typeface="Courier New" panose="02070309020205020404" pitchFamily="49" charset="0"/>
+              </a:rPr>
+              <a:t>*_ctrl[13:12] -&gt; *_TEST</a:t>
+            </a:r>
+          </a:p>
+          <a:p>
+            <a:r>
+              <a:rPr lang="en-US" sz="900" dirty="0">
+                <a:solidFill>
+                  <a:srgbClr val="000000"/>
+                </a:solidFill>
+                <a:latin typeface="Courier New" panose="02070309020205020404" pitchFamily="49" charset="0"/>
+                <a:cs typeface="Courier New" panose="02070309020205020404" pitchFamily="49" charset="0"/>
+              </a:rPr>
+              <a:t>*_ctrl[   11] -&gt; *_PUDPOL_RX</a:t>
+            </a:r>
+          </a:p>
+          <a:p>
+            <a:r>
+              <a:rPr lang="en-US" sz="900" dirty="0">
+                <a:solidFill>
+                  <a:srgbClr val="000000"/>
+                </a:solidFill>
+                <a:latin typeface="Courier New" panose="02070309020205020404" pitchFamily="49" charset="0"/>
+                <a:cs typeface="Courier New" panose="02070309020205020404" pitchFamily="49" charset="0"/>
+              </a:rPr>
+              <a:t>*_ctrl[   10] -&gt; *_PUDPOL_TX</a:t>
+            </a:r>
+          </a:p>
+          <a:p>
+            <a:r>
+              <a:rPr lang="en-US" sz="900" dirty="0">
+                <a:solidFill>
+                  <a:srgbClr val="000000"/>
+                </a:solidFill>
+                <a:latin typeface="Courier New" panose="02070309020205020404" pitchFamily="49" charset="0"/>
+                <a:cs typeface="Courier New" panose="02070309020205020404" pitchFamily="49" charset="0"/>
+              </a:rPr>
+              <a:t>*_ctrl[    9] -&gt; *_PUDEN_RX</a:t>
+            </a:r>
+          </a:p>
+          <a:p>
+            <a:r>
+              <a:rPr lang="en-US" sz="900" dirty="0">
+                <a:solidFill>
+                  <a:srgbClr val="000000"/>
+                </a:solidFill>
+                <a:latin typeface="Courier New" panose="02070309020205020404" pitchFamily="49" charset="0"/>
+                <a:cs typeface="Courier New" panose="02070309020205020404" pitchFamily="49" charset="0"/>
+              </a:rPr>
+              <a:t>*_ctrl[    8] -&gt; *_PUDEN_TX</a:t>
+            </a:r>
+          </a:p>
+          <a:p>
+            <a:r>
+              <a:rPr lang="en-US" sz="900" dirty="0">
+                <a:solidFill>
+                  <a:srgbClr val="000000"/>
+                </a:solidFill>
+                <a:latin typeface="Courier New" panose="02070309020205020404" pitchFamily="49" charset="0"/>
+                <a:cs typeface="Courier New" panose="02070309020205020404" pitchFamily="49" charset="0"/>
+              </a:rPr>
+              <a:t>*_ctrl[    7] -&gt; *_PD_BIAS</a:t>
+            </a:r>
+          </a:p>
+          <a:p>
+            <a:r>
+              <a:rPr lang="en-US" sz="900" dirty="0">
+                <a:solidFill>
+                  <a:srgbClr val="000000"/>
+                </a:solidFill>
+                <a:latin typeface="Courier New" panose="02070309020205020404" pitchFamily="49" charset="0"/>
+                <a:cs typeface="Courier New" panose="02070309020205020404" pitchFamily="49" charset="0"/>
+              </a:rPr>
+              <a:t>*_ctrl[    6] -&gt; *_HYST</a:t>
+            </a:r>
+          </a:p>
+          <a:p>
+            <a:r>
+              <a:rPr lang="en-US" sz="900" dirty="0">
+                <a:solidFill>
+                  <a:srgbClr val="000000"/>
+                </a:solidFill>
+                <a:latin typeface="Courier New" panose="02070309020205020404" pitchFamily="49" charset="0"/>
+                <a:cs typeface="Courier New" panose="02070309020205020404" pitchFamily="49" charset="0"/>
+              </a:rPr>
+              <a:t>*_ctrl[    5] -&gt; *_SEL_RX</a:t>
+            </a:r>
+          </a:p>
+          <a:p>
+            <a:r>
+              <a:rPr lang="en-US" sz="900" dirty="0">
+                <a:solidFill>
+                  <a:srgbClr val="000000"/>
+                </a:solidFill>
+                <a:latin typeface="Courier New" panose="02070309020205020404" pitchFamily="49" charset="0"/>
+                <a:cs typeface="Courier New" panose="02070309020205020404" pitchFamily="49" charset="0"/>
+              </a:rPr>
+              <a:t>*_ctrl[    4] -&gt; *_SEL_TX</a:t>
+            </a:r>
+          </a:p>
+          <a:p>
+            <a:r>
+              <a:rPr lang="en-US" sz="900" dirty="0">
+                <a:solidFill>
+                  <a:srgbClr val="000000"/>
+                </a:solidFill>
+                <a:latin typeface="Courier New" panose="02070309020205020404" pitchFamily="49" charset="0"/>
+                <a:cs typeface="Courier New" panose="02070309020205020404" pitchFamily="49" charset="0"/>
+              </a:rPr>
+              <a:t>*_ctrl[ 3: 2] -&gt; *_IDSET</a:t>
+            </a:r>
+          </a:p>
+          <a:p>
+            <a:r>
+              <a:rPr lang="en-US" sz="900" dirty="0">
+                <a:solidFill>
+                  <a:srgbClr val="000000"/>
+                </a:solidFill>
+                <a:latin typeface="Courier New" panose="02070309020205020404" pitchFamily="49" charset="0"/>
+                <a:cs typeface="Courier New" panose="02070309020205020404" pitchFamily="49" charset="0"/>
+              </a:rPr>
+              <a:t>*_ctrl[ 1: 0] -&gt; *_DRVSTR</a:t>
+            </a:r>
+          </a:p>
+        </p:txBody>
+      </p:sp>
+      <p:sp>
+        <p:nvSpPr>
+          <p:cNvPr id="187" name="Rectangle 186"/>
+          <p:cNvSpPr/>
+          <p:nvPr/>
+        </p:nvSpPr>
+        <p:spPr>
+          <a:xfrm>
+            <a:off x="8534400" y="457200"/>
+            <a:ext cx="1371600" cy="3733800"/>
+          </a:xfrm>
+          <a:prstGeom prst="rect">
+            <a:avLst/>
+          </a:prstGeom>
+          <a:noFill/>
+          <a:ln w="12700">
+            <a:solidFill>
+              <a:srgbClr val="000000"/>
+            </a:solidFill>
+          </a:ln>
+        </p:spPr>
+        <p:style>
+          <a:lnRef idx="2">
+            <a:schemeClr val="accent1">
+              <a:shade val="50000"/>
+            </a:schemeClr>
+          </a:lnRef>
+          <a:fillRef idx="1">
+            <a:schemeClr val="accent1"/>
+          </a:fillRef>
+          <a:effectRef idx="0">
+            <a:schemeClr val="accent1"/>
+          </a:effectRef>
+          <a:fontRef idx="minor">
+            <a:schemeClr val="lt1"/>
+          </a:fontRef>
+        </p:style>
+        <p:txBody>
+          <a:bodyPr lIns="45720" rIns="45720" rtlCol="0" anchor="t"/>
+          <a:lstStyle/>
+          <a:p>
+            <a:r>
+              <a:rPr lang="en-US" sz="900" dirty="0">
+                <a:solidFill>
+                  <a:schemeClr val="tx1"/>
+                </a:solidFill>
+                <a:latin typeface="Courier New" panose="02070309020205020404" pitchFamily="49" charset="0"/>
+                <a:cs typeface="Courier New" panose="02070309020205020404" pitchFamily="49" charset="0"/>
+              </a:rPr>
+              <a:t>stimulus</a:t>
+            </a:r>
+            <a:endParaRPr lang="en-US" sz="900" dirty="0">
+              <a:solidFill>
+                <a:schemeClr val="tx1"/>
+              </a:solidFill>
+              <a:latin typeface="Courier New" panose="02070309020205020404" pitchFamily="49" charset="0"/>
+              <a:cs typeface="Courier New" panose="02070309020205020404" pitchFamily="49" charset="0"/>
+            </a:endParaRPr>
+          </a:p>
+        </p:txBody>
+      </p:sp>
+      <p:sp>
+        <p:nvSpPr>
+          <p:cNvPr id="190" name="Rectangle 189"/>
+          <p:cNvSpPr/>
+          <p:nvPr/>
+        </p:nvSpPr>
+        <p:spPr>
+          <a:xfrm>
+            <a:off x="8534400" y="304800"/>
+            <a:ext cx="457200" cy="152400"/>
+          </a:xfrm>
+          <a:prstGeom prst="rect">
+            <a:avLst/>
+          </a:prstGeom>
+          <a:noFill/>
+          <a:ln>
+            <a:noFill/>
+          </a:ln>
+        </p:spPr>
+        <p:style>
+          <a:lnRef idx="2">
+            <a:schemeClr val="accent1">
+              <a:shade val="50000"/>
+            </a:schemeClr>
+          </a:lnRef>
+          <a:fillRef idx="1">
+            <a:schemeClr val="accent1"/>
+          </a:fillRef>
+          <a:effectRef idx="0">
+            <a:schemeClr val="accent1"/>
+          </a:effectRef>
+          <a:fontRef idx="minor">
+            <a:schemeClr val="lt1"/>
+          </a:fontRef>
+        </p:style>
+        <p:txBody>
+          <a:bodyPr wrap="none" lIns="45720" rIns="45720" rtlCol="0" anchor="ctr"/>
+          <a:lstStyle/>
+          <a:p>
+            <a:r>
+              <a:rPr lang="en-US" sz="900" dirty="0" err="1">
+                <a:solidFill>
+                  <a:srgbClr val="000000"/>
+                </a:solidFill>
+                <a:latin typeface="Courier New" panose="02070309020205020404" pitchFamily="49" charset="0"/>
+                <a:cs typeface="Courier New" panose="02070309020205020404" pitchFamily="49" charset="0"/>
+              </a:rPr>
+              <a:t>i_stimuls</a:t>
+            </a:r>
+            <a:endParaRPr lang="en-US" sz="900" dirty="0">
+              <a:solidFill>
+                <a:srgbClr val="000000"/>
+              </a:solidFill>
+              <a:latin typeface="Courier New" panose="02070309020205020404" pitchFamily="49" charset="0"/>
+              <a:cs typeface="Courier New" panose="02070309020205020404" pitchFamily="49" charset="0"/>
+            </a:endParaRPr>
+          </a:p>
+        </p:txBody>
+      </p:sp>
+      <p:sp>
+        <p:nvSpPr>
+          <p:cNvPr id="192" name="Rectangle 191"/>
+          <p:cNvSpPr/>
+          <p:nvPr/>
+        </p:nvSpPr>
+        <p:spPr>
+          <a:xfrm>
+            <a:off x="8534400" y="2743200"/>
+            <a:ext cx="457200" cy="152400"/>
+          </a:xfrm>
+          <a:prstGeom prst="rect">
+            <a:avLst/>
+          </a:prstGeom>
+          <a:noFill/>
+          <a:ln>
+            <a:noFill/>
+          </a:ln>
+        </p:spPr>
+        <p:style>
+          <a:lnRef idx="2">
+            <a:schemeClr val="accent1">
+              <a:shade val="50000"/>
+            </a:schemeClr>
+          </a:lnRef>
+          <a:fillRef idx="1">
+            <a:schemeClr val="accent1"/>
+          </a:fillRef>
+          <a:effectRef idx="0">
+            <a:schemeClr val="accent1"/>
+          </a:effectRef>
+          <a:fontRef idx="minor">
+            <a:schemeClr val="lt1"/>
+          </a:fontRef>
+        </p:style>
+        <p:txBody>
+          <a:bodyPr wrap="none" lIns="45720" rIns="45720" rtlCol="0" anchor="ctr"/>
+          <a:lstStyle/>
+          <a:p>
+            <a:r>
+              <a:rPr lang="en-US" sz="900" dirty="0">
+                <a:solidFill>
+                  <a:srgbClr val="000000"/>
+                </a:solidFill>
+                <a:latin typeface="Courier New" panose="02070309020205020404" pitchFamily="49" charset="0"/>
+                <a:cs typeface="Courier New" panose="02070309020205020404" pitchFamily="49" charset="0"/>
+              </a:rPr>
+              <a:t>CLK</a:t>
+            </a:r>
+          </a:p>
+        </p:txBody>
+      </p:sp>
+      <p:cxnSp>
+        <p:nvCxnSpPr>
+          <p:cNvPr id="193" name="Straight Connector 192"/>
+          <p:cNvCxnSpPr/>
+          <p:nvPr/>
+        </p:nvCxnSpPr>
+        <p:spPr>
+          <a:xfrm flipH="1" flipV="1">
+            <a:off x="8534400" y="2819400"/>
+            <a:ext cx="76200" cy="76200"/>
+          </a:xfrm>
+          <a:prstGeom prst="line">
+            <a:avLst/>
+          </a:prstGeom>
+          <a:ln w="12700">
+            <a:solidFill>
+              <a:srgbClr val="000000"/>
+            </a:solidFill>
+            <a:headEnd type="none" w="med" len="med"/>
+            <a:tailEnd type="none" w="med" len="med"/>
+          </a:ln>
+        </p:spPr>
+        <p:style>
+          <a:lnRef idx="1">
+            <a:schemeClr val="accent1"/>
+          </a:lnRef>
+          <a:fillRef idx="0">
+            <a:schemeClr val="accent1"/>
+          </a:fillRef>
+          <a:effectRef idx="0">
+            <a:schemeClr val="accent1"/>
+          </a:effectRef>
+          <a:fontRef idx="minor">
+            <a:schemeClr val="tx1"/>
+          </a:fontRef>
+        </p:style>
+      </p:cxnSp>
+      <p:cxnSp>
+        <p:nvCxnSpPr>
+          <p:cNvPr id="194" name="Straight Connector 193"/>
+          <p:cNvCxnSpPr/>
+          <p:nvPr/>
+        </p:nvCxnSpPr>
+        <p:spPr>
+          <a:xfrm flipH="1">
+            <a:off x="8534400" y="2895600"/>
+            <a:ext cx="76200" cy="76200"/>
+          </a:xfrm>
+          <a:prstGeom prst="line">
+            <a:avLst/>
+          </a:prstGeom>
+          <a:ln w="12700">
+            <a:solidFill>
+              <a:srgbClr val="000000"/>
+            </a:solidFill>
+            <a:headEnd type="none" w="med" len="med"/>
+            <a:tailEnd type="none" w="med" len="med"/>
+          </a:ln>
+        </p:spPr>
+        <p:style>
+          <a:lnRef idx="1">
+            <a:schemeClr val="accent1"/>
+          </a:lnRef>
+          <a:fillRef idx="0">
+            <a:schemeClr val="accent1"/>
+          </a:fillRef>
+          <a:effectRef idx="0">
+            <a:schemeClr val="accent1"/>
+          </a:effectRef>
+          <a:fontRef idx="minor">
+            <a:schemeClr val="tx1"/>
+          </a:fontRef>
+        </p:style>
+      </p:cxnSp>
+      <p:sp>
+        <p:nvSpPr>
+          <p:cNvPr id="195" name="Rectangle 194"/>
+          <p:cNvSpPr/>
+          <p:nvPr/>
+        </p:nvSpPr>
+        <p:spPr>
+          <a:xfrm>
+            <a:off x="8534400" y="2514600"/>
+            <a:ext cx="457200" cy="152400"/>
+          </a:xfrm>
+          <a:prstGeom prst="rect">
+            <a:avLst/>
+          </a:prstGeom>
+          <a:noFill/>
+          <a:ln>
+            <a:noFill/>
+          </a:ln>
+        </p:spPr>
+        <p:style>
+          <a:lnRef idx="2">
+            <a:schemeClr val="accent1">
+              <a:shade val="50000"/>
+            </a:schemeClr>
+          </a:lnRef>
+          <a:fillRef idx="1">
+            <a:schemeClr val="accent1"/>
+          </a:fillRef>
+          <a:effectRef idx="0">
+            <a:schemeClr val="accent1"/>
+          </a:effectRef>
+          <a:fontRef idx="minor">
+            <a:schemeClr val="lt1"/>
+          </a:fontRef>
+        </p:style>
+        <p:txBody>
+          <a:bodyPr wrap="none" lIns="45720" rIns="45720" rtlCol="0" anchor="ctr"/>
+          <a:lstStyle/>
+          <a:p>
+            <a:r>
+              <a:rPr lang="en-US" sz="900" dirty="0">
+                <a:solidFill>
+                  <a:srgbClr val="000000"/>
+                </a:solidFill>
+                <a:latin typeface="Courier New" panose="02070309020205020404" pitchFamily="49" charset="0"/>
+                <a:cs typeface="Courier New" panose="02070309020205020404" pitchFamily="49" charset="0"/>
+              </a:rPr>
+              <a:t>RSTX</a:t>
+            </a:r>
+          </a:p>
+        </p:txBody>
+      </p:sp>
+      <p:cxnSp>
+        <p:nvCxnSpPr>
+          <p:cNvPr id="197" name="Straight Connector 196"/>
+          <p:cNvCxnSpPr/>
+          <p:nvPr/>
+        </p:nvCxnSpPr>
+        <p:spPr>
+          <a:xfrm>
+            <a:off x="5029200" y="2590800"/>
+            <a:ext cx="3505200" cy="0"/>
+          </a:xfrm>
+          <a:prstGeom prst="line">
+            <a:avLst/>
+          </a:prstGeom>
+          <a:ln w="12700">
+            <a:solidFill>
+              <a:srgbClr val="000000"/>
+            </a:solidFill>
+            <a:headEnd type="none" w="med" len="med"/>
+            <a:tailEnd type="triangle" w="med" len="med"/>
+          </a:ln>
+        </p:spPr>
+        <p:style>
+          <a:lnRef idx="1">
+            <a:schemeClr val="accent1"/>
+          </a:lnRef>
+          <a:fillRef idx="0">
+            <a:schemeClr val="accent1"/>
+          </a:fillRef>
+          <a:effectRef idx="0">
+            <a:schemeClr val="accent1"/>
+          </a:effectRef>
+          <a:fontRef idx="minor">
+            <a:schemeClr val="tx1"/>
+          </a:fontRef>
+        </p:style>
+      </p:cxnSp>
+      <p:cxnSp>
+        <p:nvCxnSpPr>
+          <p:cNvPr id="221" name="Straight Connector 220"/>
+          <p:cNvCxnSpPr/>
+          <p:nvPr/>
+        </p:nvCxnSpPr>
+        <p:spPr>
+          <a:xfrm flipH="1">
+            <a:off x="5334000" y="2895600"/>
+            <a:ext cx="3200400" cy="0"/>
+          </a:xfrm>
+          <a:prstGeom prst="line">
+            <a:avLst/>
+          </a:prstGeom>
+          <a:ln w="12700">
+            <a:solidFill>
+              <a:srgbClr val="000000"/>
+            </a:solidFill>
+            <a:headEnd type="none" w="med" len="med"/>
+            <a:tailEnd type="none" w="med" len="med"/>
+          </a:ln>
+        </p:spPr>
+        <p:style>
+          <a:lnRef idx="1">
+            <a:schemeClr val="accent1"/>
+          </a:lnRef>
+          <a:fillRef idx="0">
+            <a:schemeClr val="accent1"/>
+          </a:fillRef>
+          <a:effectRef idx="0">
+            <a:schemeClr val="accent1"/>
+          </a:effectRef>
+          <a:fontRef idx="minor">
+            <a:schemeClr val="tx1"/>
+          </a:fontRef>
+        </p:style>
+      </p:cxnSp>
+      <p:sp>
+        <p:nvSpPr>
+          <p:cNvPr id="224" name="Rectangle 223"/>
+          <p:cNvSpPr/>
+          <p:nvPr/>
+        </p:nvSpPr>
+        <p:spPr>
+          <a:xfrm>
+            <a:off x="8534400" y="3429000"/>
+            <a:ext cx="457200" cy="152400"/>
+          </a:xfrm>
+          <a:prstGeom prst="rect">
+            <a:avLst/>
+          </a:prstGeom>
+          <a:noFill/>
+          <a:ln>
+            <a:noFill/>
+          </a:ln>
+        </p:spPr>
+        <p:style>
+          <a:lnRef idx="2">
+            <a:schemeClr val="accent1">
+              <a:shade val="50000"/>
+            </a:schemeClr>
+          </a:lnRef>
+          <a:fillRef idx="1">
+            <a:schemeClr val="accent1"/>
+          </a:fillRef>
+          <a:effectRef idx="0">
+            <a:schemeClr val="accent1"/>
+          </a:effectRef>
+          <a:fontRef idx="minor">
+            <a:schemeClr val="lt1"/>
+          </a:fontRef>
+        </p:style>
+        <p:txBody>
+          <a:bodyPr wrap="none" lIns="45720" rIns="45720" rtlCol="0" anchor="ctr"/>
+          <a:lstStyle/>
+          <a:p>
+            <a:r>
+              <a:rPr lang="en-US" sz="900" dirty="0">
+                <a:solidFill>
+                  <a:srgbClr val="000000"/>
+                </a:solidFill>
+                <a:latin typeface="Courier New" panose="02070309020205020404" pitchFamily="49" charset="0"/>
+                <a:cs typeface="Courier New" panose="02070309020205020404" pitchFamily="49" charset="0"/>
+              </a:rPr>
+              <a:t>MAIN_MODE</a:t>
+            </a:r>
+          </a:p>
+        </p:txBody>
+      </p:sp>
+      <p:sp>
+        <p:nvSpPr>
+          <p:cNvPr id="225" name="Rectangle 224"/>
+          <p:cNvSpPr/>
+          <p:nvPr/>
+        </p:nvSpPr>
+        <p:spPr>
+          <a:xfrm>
+            <a:off x="8534400" y="3733800"/>
+            <a:ext cx="457200" cy="152400"/>
+          </a:xfrm>
+          <a:prstGeom prst="rect">
+            <a:avLst/>
+          </a:prstGeom>
+          <a:noFill/>
+          <a:ln>
+            <a:noFill/>
+          </a:ln>
+        </p:spPr>
+        <p:style>
+          <a:lnRef idx="2">
+            <a:schemeClr val="accent1">
+              <a:shade val="50000"/>
+            </a:schemeClr>
+          </a:lnRef>
+          <a:fillRef idx="1">
+            <a:schemeClr val="accent1"/>
+          </a:fillRef>
+          <a:effectRef idx="0">
+            <a:schemeClr val="accent1"/>
+          </a:effectRef>
+          <a:fontRef idx="minor">
+            <a:schemeClr val="lt1"/>
+          </a:fontRef>
+        </p:style>
+        <p:txBody>
+          <a:bodyPr wrap="none" lIns="45720" rIns="45720" rtlCol="0" anchor="ctr"/>
+          <a:lstStyle/>
+          <a:p>
+            <a:r>
+              <a:rPr lang="en-US" sz="900" dirty="0">
+                <a:solidFill>
+                  <a:srgbClr val="000000"/>
+                </a:solidFill>
+                <a:latin typeface="Courier New" panose="02070309020205020404" pitchFamily="49" charset="0"/>
+                <a:cs typeface="Courier New" panose="02070309020205020404" pitchFamily="49" charset="0"/>
+              </a:rPr>
+              <a:t>SUB_MODE</a:t>
+            </a:r>
+          </a:p>
+        </p:txBody>
+      </p:sp>
+      <p:sp>
+        <p:nvSpPr>
+          <p:cNvPr id="226" name="Rectangle 225"/>
+          <p:cNvSpPr/>
+          <p:nvPr/>
+        </p:nvSpPr>
+        <p:spPr>
+          <a:xfrm>
+            <a:off x="9448800" y="990600"/>
+            <a:ext cx="457200" cy="152400"/>
+          </a:xfrm>
+          <a:prstGeom prst="rect">
+            <a:avLst/>
+          </a:prstGeom>
+          <a:noFill/>
+          <a:ln>
+            <a:noFill/>
+          </a:ln>
+        </p:spPr>
+        <p:style>
+          <a:lnRef idx="2">
+            <a:schemeClr val="accent1">
+              <a:shade val="50000"/>
+            </a:schemeClr>
+          </a:lnRef>
+          <a:fillRef idx="1">
+            <a:schemeClr val="accent1"/>
+          </a:fillRef>
+          <a:effectRef idx="0">
+            <a:schemeClr val="accent1"/>
+          </a:effectRef>
+          <a:fontRef idx="minor">
+            <a:schemeClr val="lt1"/>
+          </a:fontRef>
+        </p:style>
+        <p:txBody>
+          <a:bodyPr wrap="none" lIns="45720" rIns="45720" rtlCol="0" anchor="ctr"/>
+          <a:lstStyle/>
+          <a:p>
+            <a:pPr algn="r"/>
+            <a:r>
+              <a:rPr lang="en-US" sz="900" dirty="0">
+                <a:solidFill>
+                  <a:srgbClr val="000000"/>
+                </a:solidFill>
+                <a:latin typeface="Courier New" panose="02070309020205020404" pitchFamily="49" charset="0"/>
+                <a:cs typeface="Courier New" panose="02070309020205020404" pitchFamily="49" charset="0"/>
+              </a:rPr>
+              <a:t>NTA_CTRL</a:t>
+            </a:r>
+            <a:endParaRPr lang="en-US" sz="900" dirty="0">
+              <a:solidFill>
+                <a:srgbClr val="000000"/>
+              </a:solidFill>
+              <a:latin typeface="Courier New" panose="02070309020205020404" pitchFamily="49" charset="0"/>
+              <a:cs typeface="Courier New" panose="02070309020205020404" pitchFamily="49" charset="0"/>
+            </a:endParaRPr>
+          </a:p>
+        </p:txBody>
+      </p:sp>
+      <p:sp>
+        <p:nvSpPr>
+          <p:cNvPr id="228" name="Rectangle 227"/>
+          <p:cNvSpPr/>
+          <p:nvPr/>
+        </p:nvSpPr>
+        <p:spPr>
+          <a:xfrm>
+            <a:off x="9448800" y="1219200"/>
+            <a:ext cx="457200" cy="152400"/>
+          </a:xfrm>
+          <a:prstGeom prst="rect">
+            <a:avLst/>
+          </a:prstGeom>
+          <a:noFill/>
+          <a:ln>
+            <a:noFill/>
+          </a:ln>
+        </p:spPr>
+        <p:style>
+          <a:lnRef idx="2">
+            <a:schemeClr val="accent1">
+              <a:shade val="50000"/>
+            </a:schemeClr>
+          </a:lnRef>
+          <a:fillRef idx="1">
+            <a:schemeClr val="accent1"/>
+          </a:fillRef>
+          <a:effectRef idx="0">
+            <a:schemeClr val="accent1"/>
+          </a:effectRef>
+          <a:fontRef idx="minor">
+            <a:schemeClr val="lt1"/>
+          </a:fontRef>
+        </p:style>
+        <p:txBody>
+          <a:bodyPr wrap="none" lIns="45720" rIns="45720" rtlCol="0" anchor="ctr"/>
+          <a:lstStyle/>
+          <a:p>
+            <a:pPr algn="r"/>
+            <a:r>
+              <a:rPr lang="en-US" sz="900" dirty="0">
+                <a:solidFill>
+                  <a:srgbClr val="000000"/>
+                </a:solidFill>
+                <a:latin typeface="Courier New" panose="02070309020205020404" pitchFamily="49" charset="0"/>
+                <a:cs typeface="Courier New" panose="02070309020205020404" pitchFamily="49" charset="0"/>
+              </a:rPr>
+              <a:t>NTB_CTRL</a:t>
+            </a:r>
+            <a:endParaRPr lang="en-US" sz="900" dirty="0">
+              <a:solidFill>
+                <a:srgbClr val="000000"/>
+              </a:solidFill>
+              <a:latin typeface="Courier New" panose="02070309020205020404" pitchFamily="49" charset="0"/>
+              <a:cs typeface="Courier New" panose="02070309020205020404" pitchFamily="49" charset="0"/>
+            </a:endParaRPr>
+          </a:p>
+        </p:txBody>
+      </p:sp>
+      <p:sp>
+        <p:nvSpPr>
+          <p:cNvPr id="231" name="Rectangle 230"/>
+          <p:cNvSpPr/>
+          <p:nvPr/>
+        </p:nvSpPr>
+        <p:spPr>
+          <a:xfrm>
+            <a:off x="9448800" y="1828800"/>
+            <a:ext cx="457200" cy="152400"/>
+          </a:xfrm>
+          <a:prstGeom prst="rect">
+            <a:avLst/>
+          </a:prstGeom>
+          <a:noFill/>
+          <a:ln>
+            <a:noFill/>
+          </a:ln>
+        </p:spPr>
+        <p:style>
+          <a:lnRef idx="2">
+            <a:schemeClr val="accent1">
+              <a:shade val="50000"/>
+            </a:schemeClr>
+          </a:lnRef>
+          <a:fillRef idx="1">
+            <a:schemeClr val="accent1"/>
+          </a:fillRef>
+          <a:effectRef idx="0">
+            <a:schemeClr val="accent1"/>
+          </a:effectRef>
+          <a:fontRef idx="minor">
+            <a:schemeClr val="lt1"/>
+          </a:fontRef>
+        </p:style>
+        <p:txBody>
+          <a:bodyPr wrap="none" lIns="45720" rIns="45720" rtlCol="0" anchor="ctr"/>
+          <a:lstStyle/>
+          <a:p>
+            <a:pPr algn="r"/>
+            <a:r>
+              <a:rPr lang="en-US" sz="900" dirty="0">
+                <a:solidFill>
+                  <a:srgbClr val="000000"/>
+                </a:solidFill>
+                <a:latin typeface="Courier New" panose="02070309020205020404" pitchFamily="49" charset="0"/>
+                <a:cs typeface="Courier New" panose="02070309020205020404" pitchFamily="49" charset="0"/>
+              </a:rPr>
+              <a:t>ETA_CTRL</a:t>
+            </a:r>
+            <a:endParaRPr lang="en-US" sz="900" dirty="0">
+              <a:solidFill>
+                <a:srgbClr val="000000"/>
+              </a:solidFill>
+              <a:latin typeface="Courier New" panose="02070309020205020404" pitchFamily="49" charset="0"/>
+              <a:cs typeface="Courier New" panose="02070309020205020404" pitchFamily="49" charset="0"/>
+            </a:endParaRPr>
+          </a:p>
+        </p:txBody>
+      </p:sp>
+      <p:sp>
+        <p:nvSpPr>
+          <p:cNvPr id="233" name="Rectangle 232"/>
+          <p:cNvSpPr/>
+          <p:nvPr/>
+        </p:nvSpPr>
+        <p:spPr>
+          <a:xfrm>
+            <a:off x="9448800" y="2057400"/>
+            <a:ext cx="457200" cy="152400"/>
+          </a:xfrm>
+          <a:prstGeom prst="rect">
+            <a:avLst/>
+          </a:prstGeom>
+          <a:noFill/>
+          <a:ln>
+            <a:noFill/>
+          </a:ln>
+        </p:spPr>
+        <p:style>
+          <a:lnRef idx="2">
+            <a:schemeClr val="accent1">
+              <a:shade val="50000"/>
+            </a:schemeClr>
+          </a:lnRef>
+          <a:fillRef idx="1">
+            <a:schemeClr val="accent1"/>
+          </a:fillRef>
+          <a:effectRef idx="0">
+            <a:schemeClr val="accent1"/>
+          </a:effectRef>
+          <a:fontRef idx="minor">
+            <a:schemeClr val="lt1"/>
+          </a:fontRef>
+        </p:style>
+        <p:txBody>
+          <a:bodyPr wrap="none" lIns="45720" rIns="45720" rtlCol="0" anchor="ctr"/>
+          <a:lstStyle/>
+          <a:p>
+            <a:pPr algn="r"/>
+            <a:r>
+              <a:rPr lang="en-US" sz="900" dirty="0">
+                <a:solidFill>
+                  <a:srgbClr val="000000"/>
+                </a:solidFill>
+                <a:latin typeface="Courier New" panose="02070309020205020404" pitchFamily="49" charset="0"/>
+                <a:cs typeface="Courier New" panose="02070309020205020404" pitchFamily="49" charset="0"/>
+              </a:rPr>
+              <a:t>ETB_CTRL</a:t>
+            </a:r>
+            <a:endParaRPr lang="en-US" sz="900" dirty="0">
+              <a:solidFill>
+                <a:srgbClr val="000000"/>
+              </a:solidFill>
+              <a:latin typeface="Courier New" panose="02070309020205020404" pitchFamily="49" charset="0"/>
+              <a:cs typeface="Courier New" panose="02070309020205020404" pitchFamily="49" charset="0"/>
+            </a:endParaRPr>
+          </a:p>
+        </p:txBody>
+      </p:sp>
+      <p:sp>
+        <p:nvSpPr>
+          <p:cNvPr id="234" name="Rectangle 233"/>
+          <p:cNvSpPr/>
+          <p:nvPr/>
+        </p:nvSpPr>
+        <p:spPr>
+          <a:xfrm>
+            <a:off x="9448800" y="2667000"/>
+            <a:ext cx="457200" cy="152400"/>
+          </a:xfrm>
+          <a:prstGeom prst="rect">
+            <a:avLst/>
+          </a:prstGeom>
+          <a:noFill/>
+          <a:ln>
+            <a:noFill/>
+          </a:ln>
+        </p:spPr>
+        <p:style>
+          <a:lnRef idx="2">
+            <a:schemeClr val="accent1">
+              <a:shade val="50000"/>
+            </a:schemeClr>
+          </a:lnRef>
+          <a:fillRef idx="1">
+            <a:schemeClr val="accent1"/>
+          </a:fillRef>
+          <a:effectRef idx="0">
+            <a:schemeClr val="accent1"/>
+          </a:effectRef>
+          <a:fontRef idx="minor">
+            <a:schemeClr val="lt1"/>
+          </a:fontRef>
+        </p:style>
+        <p:txBody>
+          <a:bodyPr wrap="none" lIns="45720" rIns="45720" rtlCol="0" anchor="ctr"/>
+          <a:lstStyle/>
+          <a:p>
+            <a:pPr algn="r"/>
+            <a:r>
+              <a:rPr lang="en-US" sz="900" dirty="0">
+                <a:solidFill>
+                  <a:srgbClr val="000000"/>
+                </a:solidFill>
+                <a:latin typeface="Courier New" panose="02070309020205020404" pitchFamily="49" charset="0"/>
+                <a:cs typeface="Courier New" panose="02070309020205020404" pitchFamily="49" charset="0"/>
+              </a:rPr>
+              <a:t>STA_CTRL</a:t>
+            </a:r>
+            <a:endParaRPr lang="en-US" sz="900" dirty="0">
+              <a:solidFill>
+                <a:srgbClr val="000000"/>
+              </a:solidFill>
+              <a:latin typeface="Courier New" panose="02070309020205020404" pitchFamily="49" charset="0"/>
+              <a:cs typeface="Courier New" panose="02070309020205020404" pitchFamily="49" charset="0"/>
+            </a:endParaRPr>
+          </a:p>
+        </p:txBody>
+      </p:sp>
+      <p:sp>
+        <p:nvSpPr>
+          <p:cNvPr id="235" name="Rectangle 234"/>
+          <p:cNvSpPr/>
+          <p:nvPr/>
+        </p:nvSpPr>
+        <p:spPr>
+          <a:xfrm>
+            <a:off x="9448800" y="2895600"/>
+            <a:ext cx="457200" cy="152400"/>
+          </a:xfrm>
+          <a:prstGeom prst="rect">
+            <a:avLst/>
+          </a:prstGeom>
+          <a:noFill/>
+          <a:ln>
+            <a:noFill/>
+          </a:ln>
+        </p:spPr>
+        <p:style>
+          <a:lnRef idx="2">
+            <a:schemeClr val="accent1">
+              <a:shade val="50000"/>
+            </a:schemeClr>
+          </a:lnRef>
+          <a:fillRef idx="1">
+            <a:schemeClr val="accent1"/>
+          </a:fillRef>
+          <a:effectRef idx="0">
+            <a:schemeClr val="accent1"/>
+          </a:effectRef>
+          <a:fontRef idx="minor">
+            <a:schemeClr val="lt1"/>
+          </a:fontRef>
+        </p:style>
+        <p:txBody>
+          <a:bodyPr wrap="none" lIns="45720" rIns="45720" rtlCol="0" anchor="ctr"/>
+          <a:lstStyle/>
+          <a:p>
+            <a:pPr algn="r"/>
+            <a:r>
+              <a:rPr lang="en-US" sz="900" dirty="0">
+                <a:solidFill>
+                  <a:srgbClr val="000000"/>
+                </a:solidFill>
+                <a:latin typeface="Courier New" panose="02070309020205020404" pitchFamily="49" charset="0"/>
+                <a:cs typeface="Courier New" panose="02070309020205020404" pitchFamily="49" charset="0"/>
+              </a:rPr>
+              <a:t>STB_CTRL</a:t>
+            </a:r>
+            <a:endParaRPr lang="en-US" sz="900" dirty="0">
+              <a:solidFill>
+                <a:srgbClr val="000000"/>
+              </a:solidFill>
+              <a:latin typeface="Courier New" panose="02070309020205020404" pitchFamily="49" charset="0"/>
+              <a:cs typeface="Courier New" panose="02070309020205020404" pitchFamily="49" charset="0"/>
+            </a:endParaRPr>
+          </a:p>
+        </p:txBody>
+      </p:sp>
+      <p:sp>
+        <p:nvSpPr>
+          <p:cNvPr id="237" name="Rectangle 236"/>
+          <p:cNvSpPr/>
+          <p:nvPr/>
+        </p:nvSpPr>
+        <p:spPr>
+          <a:xfrm>
+            <a:off x="9448800" y="3505200"/>
+            <a:ext cx="457200" cy="152400"/>
+          </a:xfrm>
+          <a:prstGeom prst="rect">
+            <a:avLst/>
+          </a:prstGeom>
+          <a:noFill/>
+          <a:ln>
+            <a:noFill/>
+          </a:ln>
+        </p:spPr>
+        <p:style>
+          <a:lnRef idx="2">
+            <a:schemeClr val="accent1">
+              <a:shade val="50000"/>
+            </a:schemeClr>
+          </a:lnRef>
+          <a:fillRef idx="1">
+            <a:schemeClr val="accent1"/>
+          </a:fillRef>
+          <a:effectRef idx="0">
+            <a:schemeClr val="accent1"/>
+          </a:effectRef>
+          <a:fontRef idx="minor">
+            <a:schemeClr val="lt1"/>
+          </a:fontRef>
+        </p:style>
+        <p:txBody>
+          <a:bodyPr wrap="none" lIns="45720" rIns="45720" rtlCol="0" anchor="ctr"/>
+          <a:lstStyle/>
+          <a:p>
+            <a:pPr algn="r"/>
+            <a:r>
+              <a:rPr lang="en-US" sz="900" dirty="0">
+                <a:solidFill>
+                  <a:srgbClr val="000000"/>
+                </a:solidFill>
+                <a:latin typeface="Courier New" panose="02070309020205020404" pitchFamily="49" charset="0"/>
+                <a:cs typeface="Courier New" panose="02070309020205020404" pitchFamily="49" charset="0"/>
+              </a:rPr>
+              <a:t>SCA_CTRL</a:t>
+            </a:r>
+            <a:endParaRPr lang="en-US" sz="900" dirty="0">
+              <a:solidFill>
+                <a:srgbClr val="000000"/>
+              </a:solidFill>
+              <a:latin typeface="Courier New" panose="02070309020205020404" pitchFamily="49" charset="0"/>
+              <a:cs typeface="Courier New" panose="02070309020205020404" pitchFamily="49" charset="0"/>
+            </a:endParaRPr>
+          </a:p>
+        </p:txBody>
+      </p:sp>
+      <p:sp>
+        <p:nvSpPr>
+          <p:cNvPr id="238" name="Rectangle 237"/>
+          <p:cNvSpPr/>
+          <p:nvPr/>
+        </p:nvSpPr>
+        <p:spPr>
+          <a:xfrm>
+            <a:off x="9448800" y="3733800"/>
+            <a:ext cx="457200" cy="152400"/>
+          </a:xfrm>
+          <a:prstGeom prst="rect">
+            <a:avLst/>
+          </a:prstGeom>
+          <a:noFill/>
+          <a:ln>
+            <a:noFill/>
+          </a:ln>
+        </p:spPr>
+        <p:style>
+          <a:lnRef idx="2">
+            <a:schemeClr val="accent1">
+              <a:shade val="50000"/>
+            </a:schemeClr>
+          </a:lnRef>
+          <a:fillRef idx="1">
+            <a:schemeClr val="accent1"/>
+          </a:fillRef>
+          <a:effectRef idx="0">
+            <a:schemeClr val="accent1"/>
+          </a:effectRef>
+          <a:fontRef idx="minor">
+            <a:schemeClr val="lt1"/>
+          </a:fontRef>
+        </p:style>
+        <p:txBody>
+          <a:bodyPr wrap="none" lIns="45720" rIns="45720" rtlCol="0" anchor="ctr"/>
+          <a:lstStyle/>
+          <a:p>
+            <a:pPr algn="r"/>
+            <a:r>
+              <a:rPr lang="en-US" sz="900" dirty="0">
+                <a:solidFill>
+                  <a:srgbClr val="000000"/>
+                </a:solidFill>
+                <a:latin typeface="Courier New" panose="02070309020205020404" pitchFamily="49" charset="0"/>
+                <a:cs typeface="Courier New" panose="02070309020205020404" pitchFamily="49" charset="0"/>
+              </a:rPr>
+              <a:t>SCB_CTRL</a:t>
+            </a:r>
+            <a:endParaRPr lang="en-US" sz="900" dirty="0">
+              <a:solidFill>
+                <a:srgbClr val="000000"/>
+              </a:solidFill>
+              <a:latin typeface="Courier New" panose="02070309020205020404" pitchFamily="49" charset="0"/>
+              <a:cs typeface="Courier New" panose="02070309020205020404" pitchFamily="49" charset="0"/>
+            </a:endParaRPr>
+          </a:p>
+        </p:txBody>
+      </p:sp>
+      <p:sp>
+        <p:nvSpPr>
+          <p:cNvPr id="239" name="Pentagon 238"/>
+          <p:cNvSpPr/>
+          <p:nvPr/>
+        </p:nvSpPr>
+        <p:spPr>
+          <a:xfrm>
+            <a:off x="14020800" y="990600"/>
+            <a:ext cx="228600" cy="152400"/>
+          </a:xfrm>
+          <a:prstGeom prst="homePlate">
+            <a:avLst/>
+          </a:prstGeom>
+          <a:noFill/>
+          <a:ln w="12700">
+            <a:solidFill>
+              <a:schemeClr val="tx1"/>
+            </a:solidFill>
+          </a:ln>
+        </p:spPr>
+        <p:style>
+          <a:lnRef idx="2">
+            <a:schemeClr val="accent1">
+              <a:shade val="50000"/>
+            </a:schemeClr>
+          </a:lnRef>
+          <a:fillRef idx="1">
+            <a:schemeClr val="accent1"/>
+          </a:fillRef>
+          <a:effectRef idx="0">
+            <a:schemeClr val="accent1"/>
+          </a:effectRef>
+          <a:fontRef idx="minor">
+            <a:schemeClr val="lt1"/>
+          </a:fontRef>
+        </p:style>
+        <p:txBody>
+          <a:bodyPr rot="0" spcFirstLastPara="0" vertOverflow="overflow" horzOverflow="overflow" vert="horz" wrap="square" lIns="91440" tIns="45720" rIns="91440" bIns="45720" numCol="1" spcCol="0" rtlCol="0" fromWordArt="0" anchor="ctr" anchorCtr="0" forceAA="0" compatLnSpc="1">
+            <a:prstTxWarp prst="textNoShape">
+              <a:avLst/>
+            </a:prstTxWarp>
+            <a:noAutofit/>
+          </a:bodyPr>
+          <a:lstStyle/>
+          <a:p>
+            <a:pPr algn="ctr"/>
+            <a:endParaRPr lang="en-US" sz="3730"/>
+          </a:p>
+        </p:txBody>
+      </p:sp>
+      <p:cxnSp>
+        <p:nvCxnSpPr>
+          <p:cNvPr id="242" name="Straight Connector 241"/>
+          <p:cNvCxnSpPr>
+            <a:stCxn id="239" idx="1"/>
+            <a:endCxn id="226" idx="3"/>
+          </p:cNvCxnSpPr>
+          <p:nvPr/>
+        </p:nvCxnSpPr>
+        <p:spPr>
+          <a:xfrm flipH="1">
+            <a:off x="9906000" y="1066800"/>
+            <a:ext cx="4114800" cy="0"/>
+          </a:xfrm>
+          <a:prstGeom prst="line">
+            <a:avLst/>
+          </a:prstGeom>
+          <a:ln w="12700">
+            <a:solidFill>
+              <a:srgbClr val="000000"/>
+            </a:solidFill>
+            <a:headEnd type="none" w="med" len="med"/>
+            <a:tailEnd type="none" w="med" len="med"/>
+          </a:ln>
+        </p:spPr>
+        <p:style>
+          <a:lnRef idx="1">
+            <a:schemeClr val="accent1"/>
+          </a:lnRef>
+          <a:fillRef idx="0">
+            <a:schemeClr val="accent1"/>
+          </a:fillRef>
+          <a:effectRef idx="0">
+            <a:schemeClr val="accent1"/>
+          </a:effectRef>
+          <a:fontRef idx="minor">
+            <a:schemeClr val="tx1"/>
+          </a:fontRef>
+        </p:style>
+      </p:cxnSp>
+      <p:cxnSp>
+        <p:nvCxnSpPr>
+          <p:cNvPr id="243" name="Straight Connector 242"/>
+          <p:cNvCxnSpPr/>
+          <p:nvPr/>
+        </p:nvCxnSpPr>
+        <p:spPr>
+          <a:xfrm flipV="1">
+            <a:off x="9982200" y="990600"/>
+            <a:ext cx="152400" cy="152400"/>
+          </a:xfrm>
+          <a:prstGeom prst="line">
+            <a:avLst/>
+          </a:prstGeom>
+          <a:ln w="12700">
+            <a:solidFill>
+              <a:srgbClr val="000000"/>
+            </a:solidFill>
+            <a:headEnd type="none" w="med" len="med"/>
+            <a:tailEnd type="none" w="med" len="med"/>
+          </a:ln>
+        </p:spPr>
+        <p:style>
+          <a:lnRef idx="1">
+            <a:schemeClr val="accent1"/>
+          </a:lnRef>
+          <a:fillRef idx="0">
+            <a:schemeClr val="accent1"/>
+          </a:fillRef>
+          <a:effectRef idx="0">
+            <a:schemeClr val="accent1"/>
+          </a:effectRef>
+          <a:fontRef idx="minor">
+            <a:schemeClr val="tx1"/>
+          </a:fontRef>
+        </p:style>
+      </p:cxnSp>
+      <p:sp>
+        <p:nvSpPr>
+          <p:cNvPr id="244" name="Rectangle 243"/>
+          <p:cNvSpPr/>
+          <p:nvPr/>
+        </p:nvSpPr>
+        <p:spPr>
+          <a:xfrm>
+            <a:off x="9982200" y="914400"/>
+            <a:ext cx="152400" cy="76200"/>
+          </a:xfrm>
+          <a:prstGeom prst="rect">
+            <a:avLst/>
+          </a:prstGeom>
+          <a:noFill/>
+          <a:ln>
+            <a:noFill/>
+          </a:ln>
+        </p:spPr>
+        <p:style>
+          <a:lnRef idx="2">
+            <a:schemeClr val="accent1">
+              <a:shade val="50000"/>
+            </a:schemeClr>
+          </a:lnRef>
+          <a:fillRef idx="1">
+            <a:schemeClr val="accent1"/>
+          </a:fillRef>
+          <a:effectRef idx="0">
+            <a:schemeClr val="accent1"/>
+          </a:effectRef>
+          <a:fontRef idx="minor">
+            <a:schemeClr val="lt1"/>
+          </a:fontRef>
+        </p:style>
+        <p:txBody>
+          <a:bodyPr wrap="none" lIns="45720" rIns="45720" rtlCol="0" anchor="ctr"/>
+          <a:lstStyle/>
+          <a:p>
+            <a:pPr algn="ctr"/>
+            <a:r>
+              <a:rPr lang="en-US" sz="900" dirty="0">
+                <a:solidFill>
+                  <a:srgbClr val="000000"/>
+                </a:solidFill>
+                <a:latin typeface="Courier New" panose="02070309020205020404" pitchFamily="49" charset="0"/>
+                <a:cs typeface="Courier New" panose="02070309020205020404" pitchFamily="49" charset="0"/>
+              </a:rPr>
+              <a:t>14</a:t>
+            </a:r>
+            <a:endParaRPr lang="en-US" sz="900" dirty="0">
+              <a:solidFill>
+                <a:srgbClr val="000000"/>
+              </a:solidFill>
+              <a:latin typeface="Courier New" panose="02070309020205020404" pitchFamily="49" charset="0"/>
+              <a:cs typeface="Courier New" panose="02070309020205020404" pitchFamily="49" charset="0"/>
+            </a:endParaRPr>
+          </a:p>
+        </p:txBody>
+      </p:sp>
+      <p:sp>
+        <p:nvSpPr>
+          <p:cNvPr id="245" name="Rectangle 244"/>
+          <p:cNvSpPr/>
+          <p:nvPr/>
+        </p:nvSpPr>
+        <p:spPr>
+          <a:xfrm>
+            <a:off x="10210800" y="914400"/>
+            <a:ext cx="457200" cy="152400"/>
+          </a:xfrm>
+          <a:prstGeom prst="rect">
+            <a:avLst/>
+          </a:prstGeom>
+          <a:noFill/>
+          <a:ln>
+            <a:noFill/>
+          </a:ln>
+        </p:spPr>
+        <p:style>
+          <a:lnRef idx="2">
+            <a:schemeClr val="accent1">
+              <a:shade val="50000"/>
+            </a:schemeClr>
+          </a:lnRef>
+          <a:fillRef idx="1">
+            <a:schemeClr val="accent1"/>
+          </a:fillRef>
+          <a:effectRef idx="0">
+            <a:schemeClr val="accent1"/>
+          </a:effectRef>
+          <a:fontRef idx="minor">
+            <a:schemeClr val="lt1"/>
+          </a:fontRef>
+        </p:style>
+        <p:txBody>
+          <a:bodyPr wrap="none" lIns="45720" rIns="45720" rtlCol="0" anchor="ctr"/>
+          <a:lstStyle/>
+          <a:p>
+            <a:r>
+              <a:rPr lang="en-US" sz="900" dirty="0" err="1">
+                <a:solidFill>
+                  <a:srgbClr val="000000"/>
+                </a:solidFill>
+                <a:latin typeface="Courier New" panose="02070309020205020404" pitchFamily="49" charset="0"/>
+                <a:cs typeface="Courier New" panose="02070309020205020404" pitchFamily="49" charset="0"/>
+              </a:rPr>
+              <a:t>nta_ctrl</a:t>
+            </a:r>
+            <a:endParaRPr lang="en-US" sz="900" dirty="0">
+              <a:solidFill>
+                <a:srgbClr val="000000"/>
+              </a:solidFill>
+              <a:latin typeface="Courier New" panose="02070309020205020404" pitchFamily="49" charset="0"/>
+              <a:cs typeface="Courier New" panose="02070309020205020404" pitchFamily="49" charset="0"/>
+            </a:endParaRPr>
+          </a:p>
+        </p:txBody>
+      </p:sp>
+      <p:sp>
+        <p:nvSpPr>
+          <p:cNvPr id="246" name="Rectangle 245"/>
+          <p:cNvSpPr/>
+          <p:nvPr/>
+        </p:nvSpPr>
+        <p:spPr>
+          <a:xfrm>
+            <a:off x="12877800" y="914400"/>
+            <a:ext cx="457200" cy="152400"/>
+          </a:xfrm>
+          <a:prstGeom prst="rect">
+            <a:avLst/>
+          </a:prstGeom>
+          <a:noFill/>
+          <a:ln>
+            <a:noFill/>
+          </a:ln>
+        </p:spPr>
+        <p:style>
+          <a:lnRef idx="2">
+            <a:schemeClr val="accent1">
+              <a:shade val="50000"/>
+            </a:schemeClr>
+          </a:lnRef>
+          <a:fillRef idx="1">
+            <a:schemeClr val="accent1"/>
+          </a:fillRef>
+          <a:effectRef idx="0">
+            <a:schemeClr val="accent1"/>
+          </a:effectRef>
+          <a:fontRef idx="minor">
+            <a:schemeClr val="lt1"/>
+          </a:fontRef>
+        </p:style>
+        <p:txBody>
+          <a:bodyPr wrap="none" lIns="45720" rIns="45720" rtlCol="0" anchor="ctr"/>
+          <a:lstStyle/>
+          <a:p>
+            <a:r>
+              <a:rPr lang="en-US" sz="900" dirty="0">
+                <a:solidFill>
+                  <a:srgbClr val="000000"/>
+                </a:solidFill>
+                <a:latin typeface="Courier New" panose="02070309020205020404" pitchFamily="49" charset="0"/>
+                <a:cs typeface="Courier New" panose="02070309020205020404" pitchFamily="49" charset="0"/>
+              </a:rPr>
+              <a:t>NTA_*</a:t>
+            </a:r>
+            <a:endParaRPr lang="en-US" sz="900" dirty="0">
+              <a:solidFill>
+                <a:srgbClr val="000000"/>
+              </a:solidFill>
+              <a:latin typeface="Courier New" panose="02070309020205020404" pitchFamily="49" charset="0"/>
+              <a:cs typeface="Courier New" panose="02070309020205020404" pitchFamily="49" charset="0"/>
+            </a:endParaRPr>
+          </a:p>
+        </p:txBody>
+      </p:sp>
+      <p:sp>
+        <p:nvSpPr>
+          <p:cNvPr id="247" name="Pentagon 246"/>
+          <p:cNvSpPr/>
+          <p:nvPr/>
+        </p:nvSpPr>
+        <p:spPr>
+          <a:xfrm>
+            <a:off x="14020800" y="1219200"/>
+            <a:ext cx="228600" cy="152400"/>
+          </a:xfrm>
+          <a:prstGeom prst="homePlate">
+            <a:avLst/>
+          </a:prstGeom>
+          <a:noFill/>
+          <a:ln w="12700">
+            <a:solidFill>
+              <a:schemeClr val="tx1"/>
+            </a:solidFill>
+          </a:ln>
+        </p:spPr>
+        <p:style>
+          <a:lnRef idx="2">
+            <a:schemeClr val="accent1">
+              <a:shade val="50000"/>
+            </a:schemeClr>
+          </a:lnRef>
+          <a:fillRef idx="1">
+            <a:schemeClr val="accent1"/>
+          </a:fillRef>
+          <a:effectRef idx="0">
+            <a:schemeClr val="accent1"/>
+          </a:effectRef>
+          <a:fontRef idx="minor">
+            <a:schemeClr val="lt1"/>
+          </a:fontRef>
+        </p:style>
+        <p:txBody>
+          <a:bodyPr rot="0" spcFirstLastPara="0" vertOverflow="overflow" horzOverflow="overflow" vert="horz" wrap="square" lIns="91440" tIns="45720" rIns="91440" bIns="45720" numCol="1" spcCol="0" rtlCol="0" fromWordArt="0" anchor="ctr" anchorCtr="0" forceAA="0" compatLnSpc="1">
+            <a:prstTxWarp prst="textNoShape">
+              <a:avLst/>
+            </a:prstTxWarp>
+            <a:noAutofit/>
+          </a:bodyPr>
+          <a:lstStyle/>
+          <a:p>
+            <a:pPr algn="ctr"/>
+            <a:endParaRPr lang="en-US" sz="3730"/>
+          </a:p>
+        </p:txBody>
+      </p:sp>
+      <p:cxnSp>
+        <p:nvCxnSpPr>
+          <p:cNvPr id="248" name="Straight Connector 247"/>
+          <p:cNvCxnSpPr>
+            <a:stCxn id="247" idx="1"/>
+            <a:endCxn id="228" idx="3"/>
+          </p:cNvCxnSpPr>
+          <p:nvPr/>
+        </p:nvCxnSpPr>
+        <p:spPr>
+          <a:xfrm flipH="1">
+            <a:off x="9906000" y="1295400"/>
+            <a:ext cx="4114800" cy="0"/>
+          </a:xfrm>
+          <a:prstGeom prst="line">
+            <a:avLst/>
+          </a:prstGeom>
+          <a:ln w="12700">
+            <a:solidFill>
+              <a:srgbClr val="000000"/>
+            </a:solidFill>
+            <a:headEnd type="none" w="med" len="med"/>
+            <a:tailEnd type="none" w="med" len="med"/>
+          </a:ln>
+        </p:spPr>
+        <p:style>
+          <a:lnRef idx="1">
+            <a:schemeClr val="accent1"/>
+          </a:lnRef>
+          <a:fillRef idx="0">
+            <a:schemeClr val="accent1"/>
+          </a:fillRef>
+          <a:effectRef idx="0">
+            <a:schemeClr val="accent1"/>
+          </a:effectRef>
+          <a:fontRef idx="minor">
+            <a:schemeClr val="tx1"/>
+          </a:fontRef>
+        </p:style>
+      </p:cxnSp>
+      <p:cxnSp>
+        <p:nvCxnSpPr>
+          <p:cNvPr id="249" name="Straight Connector 248"/>
+          <p:cNvCxnSpPr/>
+          <p:nvPr/>
+        </p:nvCxnSpPr>
+        <p:spPr>
+          <a:xfrm flipV="1">
+            <a:off x="9982200" y="1219200"/>
+            <a:ext cx="152400" cy="152400"/>
+          </a:xfrm>
+          <a:prstGeom prst="line">
+            <a:avLst/>
+          </a:prstGeom>
+          <a:ln w="12700">
+            <a:solidFill>
+              <a:srgbClr val="000000"/>
+            </a:solidFill>
+            <a:headEnd type="none" w="med" len="med"/>
+            <a:tailEnd type="none" w="med" len="med"/>
+          </a:ln>
+        </p:spPr>
+        <p:style>
+          <a:lnRef idx="1">
+            <a:schemeClr val="accent1"/>
+          </a:lnRef>
+          <a:fillRef idx="0">
+            <a:schemeClr val="accent1"/>
+          </a:fillRef>
+          <a:effectRef idx="0">
+            <a:schemeClr val="accent1"/>
+          </a:effectRef>
+          <a:fontRef idx="minor">
+            <a:schemeClr val="tx1"/>
+          </a:fontRef>
+        </p:style>
+      </p:cxnSp>
+      <p:sp>
+        <p:nvSpPr>
+          <p:cNvPr id="250" name="Rectangle 249"/>
+          <p:cNvSpPr/>
+          <p:nvPr/>
+        </p:nvSpPr>
+        <p:spPr>
+          <a:xfrm>
+            <a:off x="9982200" y="1143000"/>
+            <a:ext cx="152400" cy="76200"/>
+          </a:xfrm>
+          <a:prstGeom prst="rect">
+            <a:avLst/>
+          </a:prstGeom>
+          <a:noFill/>
+          <a:ln>
+            <a:noFill/>
+          </a:ln>
+        </p:spPr>
+        <p:style>
+          <a:lnRef idx="2">
+            <a:schemeClr val="accent1">
+              <a:shade val="50000"/>
+            </a:schemeClr>
+          </a:lnRef>
+          <a:fillRef idx="1">
+            <a:schemeClr val="accent1"/>
+          </a:fillRef>
+          <a:effectRef idx="0">
+            <a:schemeClr val="accent1"/>
+          </a:effectRef>
+          <a:fontRef idx="minor">
+            <a:schemeClr val="lt1"/>
+          </a:fontRef>
+        </p:style>
+        <p:txBody>
+          <a:bodyPr wrap="none" lIns="45720" rIns="45720" rtlCol="0" anchor="ctr"/>
+          <a:lstStyle/>
+          <a:p>
+            <a:pPr algn="ctr"/>
+            <a:r>
+              <a:rPr lang="en-US" sz="900" dirty="0">
+                <a:solidFill>
+                  <a:srgbClr val="000000"/>
+                </a:solidFill>
+                <a:latin typeface="Courier New" panose="02070309020205020404" pitchFamily="49" charset="0"/>
+                <a:cs typeface="Courier New" panose="02070309020205020404" pitchFamily="49" charset="0"/>
+              </a:rPr>
+              <a:t>14</a:t>
+            </a:r>
+            <a:endParaRPr lang="en-US" sz="900" dirty="0">
+              <a:solidFill>
+                <a:srgbClr val="000000"/>
+              </a:solidFill>
+              <a:latin typeface="Courier New" panose="02070309020205020404" pitchFamily="49" charset="0"/>
+              <a:cs typeface="Courier New" panose="02070309020205020404" pitchFamily="49" charset="0"/>
+            </a:endParaRPr>
+          </a:p>
+        </p:txBody>
+      </p:sp>
+      <p:sp>
+        <p:nvSpPr>
+          <p:cNvPr id="251" name="Rectangle 250"/>
+          <p:cNvSpPr/>
+          <p:nvPr/>
+        </p:nvSpPr>
+        <p:spPr>
+          <a:xfrm>
+            <a:off x="10210800" y="1143000"/>
+            <a:ext cx="457200" cy="152400"/>
+          </a:xfrm>
+          <a:prstGeom prst="rect">
+            <a:avLst/>
+          </a:prstGeom>
+          <a:noFill/>
+          <a:ln>
+            <a:noFill/>
+          </a:ln>
+        </p:spPr>
+        <p:style>
+          <a:lnRef idx="2">
+            <a:schemeClr val="accent1">
+              <a:shade val="50000"/>
+            </a:schemeClr>
+          </a:lnRef>
+          <a:fillRef idx="1">
+            <a:schemeClr val="accent1"/>
+          </a:fillRef>
+          <a:effectRef idx="0">
+            <a:schemeClr val="accent1"/>
+          </a:effectRef>
+          <a:fontRef idx="minor">
+            <a:schemeClr val="lt1"/>
+          </a:fontRef>
+        </p:style>
+        <p:txBody>
+          <a:bodyPr wrap="none" lIns="45720" rIns="45720" rtlCol="0" anchor="ctr"/>
+          <a:lstStyle/>
+          <a:p>
+            <a:r>
+              <a:rPr lang="en-US" sz="900" dirty="0" err="1">
+                <a:solidFill>
+                  <a:srgbClr val="000000"/>
+                </a:solidFill>
+                <a:latin typeface="Courier New" panose="02070309020205020404" pitchFamily="49" charset="0"/>
+                <a:cs typeface="Courier New" panose="02070309020205020404" pitchFamily="49" charset="0"/>
+              </a:rPr>
+              <a:t>ntb_ctrl</a:t>
+            </a:r>
+            <a:endParaRPr lang="en-US" sz="900" dirty="0">
+              <a:solidFill>
+                <a:srgbClr val="000000"/>
+              </a:solidFill>
+              <a:latin typeface="Courier New" panose="02070309020205020404" pitchFamily="49" charset="0"/>
+              <a:cs typeface="Courier New" panose="02070309020205020404" pitchFamily="49" charset="0"/>
+            </a:endParaRPr>
+          </a:p>
+        </p:txBody>
+      </p:sp>
+      <p:sp>
+        <p:nvSpPr>
+          <p:cNvPr id="252" name="Rectangle 251"/>
+          <p:cNvSpPr/>
+          <p:nvPr/>
+        </p:nvSpPr>
+        <p:spPr>
+          <a:xfrm>
+            <a:off x="12877800" y="1143000"/>
+            <a:ext cx="457200" cy="152400"/>
+          </a:xfrm>
+          <a:prstGeom prst="rect">
+            <a:avLst/>
+          </a:prstGeom>
+          <a:noFill/>
+          <a:ln>
+            <a:noFill/>
+          </a:ln>
+        </p:spPr>
+        <p:style>
+          <a:lnRef idx="2">
+            <a:schemeClr val="accent1">
+              <a:shade val="50000"/>
+            </a:schemeClr>
+          </a:lnRef>
+          <a:fillRef idx="1">
+            <a:schemeClr val="accent1"/>
+          </a:fillRef>
+          <a:effectRef idx="0">
+            <a:schemeClr val="accent1"/>
+          </a:effectRef>
+          <a:fontRef idx="minor">
+            <a:schemeClr val="lt1"/>
+          </a:fontRef>
+        </p:style>
+        <p:txBody>
+          <a:bodyPr wrap="none" lIns="45720" rIns="45720" rtlCol="0" anchor="ctr"/>
+          <a:lstStyle/>
+          <a:p>
+            <a:r>
+              <a:rPr lang="en-US" sz="900" dirty="0">
+                <a:solidFill>
+                  <a:srgbClr val="000000"/>
+                </a:solidFill>
+                <a:latin typeface="Courier New" panose="02070309020205020404" pitchFamily="49" charset="0"/>
+                <a:cs typeface="Courier New" panose="02070309020205020404" pitchFamily="49" charset="0"/>
+              </a:rPr>
+              <a:t>NTB_*</a:t>
+            </a:r>
+            <a:endParaRPr lang="en-US" sz="900" dirty="0">
+              <a:solidFill>
+                <a:srgbClr val="000000"/>
+              </a:solidFill>
+              <a:latin typeface="Courier New" panose="02070309020205020404" pitchFamily="49" charset="0"/>
+              <a:cs typeface="Courier New" panose="02070309020205020404" pitchFamily="49" charset="0"/>
+            </a:endParaRPr>
+          </a:p>
+        </p:txBody>
+      </p:sp>
+      <p:sp>
+        <p:nvSpPr>
+          <p:cNvPr id="253" name="Pentagon 252"/>
+          <p:cNvSpPr/>
+          <p:nvPr/>
+        </p:nvSpPr>
+        <p:spPr>
+          <a:xfrm>
+            <a:off x="14020800" y="1828800"/>
+            <a:ext cx="228600" cy="152400"/>
+          </a:xfrm>
+          <a:prstGeom prst="homePlate">
+            <a:avLst/>
+          </a:prstGeom>
+          <a:noFill/>
+          <a:ln w="12700">
+            <a:solidFill>
+              <a:schemeClr val="tx1"/>
+            </a:solidFill>
+          </a:ln>
+        </p:spPr>
+        <p:style>
+          <a:lnRef idx="2">
+            <a:schemeClr val="accent1">
+              <a:shade val="50000"/>
+            </a:schemeClr>
+          </a:lnRef>
+          <a:fillRef idx="1">
+            <a:schemeClr val="accent1"/>
+          </a:fillRef>
+          <a:effectRef idx="0">
+            <a:schemeClr val="accent1"/>
+          </a:effectRef>
+          <a:fontRef idx="minor">
+            <a:schemeClr val="lt1"/>
+          </a:fontRef>
+        </p:style>
+        <p:txBody>
+          <a:bodyPr rot="0" spcFirstLastPara="0" vertOverflow="overflow" horzOverflow="overflow" vert="horz" wrap="square" lIns="91440" tIns="45720" rIns="91440" bIns="45720" numCol="1" spcCol="0" rtlCol="0" fromWordArt="0" anchor="ctr" anchorCtr="0" forceAA="0" compatLnSpc="1">
+            <a:prstTxWarp prst="textNoShape">
+              <a:avLst/>
+            </a:prstTxWarp>
+            <a:noAutofit/>
+          </a:bodyPr>
+          <a:lstStyle/>
+          <a:p>
+            <a:pPr algn="ctr"/>
+            <a:endParaRPr lang="en-US" sz="3730"/>
+          </a:p>
+        </p:txBody>
+      </p:sp>
+      <p:cxnSp>
+        <p:nvCxnSpPr>
+          <p:cNvPr id="255" name="Straight Connector 254"/>
+          <p:cNvCxnSpPr>
+            <a:stCxn id="253" idx="1"/>
+            <a:endCxn id="231" idx="3"/>
+          </p:cNvCxnSpPr>
+          <p:nvPr/>
+        </p:nvCxnSpPr>
+        <p:spPr>
+          <a:xfrm flipH="1">
+            <a:off x="9906000" y="1905000"/>
+            <a:ext cx="4114800" cy="0"/>
+          </a:xfrm>
+          <a:prstGeom prst="line">
+            <a:avLst/>
+          </a:prstGeom>
+          <a:ln w="12700">
+            <a:solidFill>
+              <a:srgbClr val="000000"/>
+            </a:solidFill>
+            <a:headEnd type="none" w="med" len="med"/>
+            <a:tailEnd type="none" w="med" len="med"/>
+          </a:ln>
+        </p:spPr>
+        <p:style>
+          <a:lnRef idx="1">
+            <a:schemeClr val="accent1"/>
+          </a:lnRef>
+          <a:fillRef idx="0">
+            <a:schemeClr val="accent1"/>
+          </a:fillRef>
+          <a:effectRef idx="0">
+            <a:schemeClr val="accent1"/>
+          </a:effectRef>
+          <a:fontRef idx="minor">
+            <a:schemeClr val="tx1"/>
+          </a:fontRef>
+        </p:style>
+      </p:cxnSp>
+      <p:cxnSp>
+        <p:nvCxnSpPr>
+          <p:cNvPr id="258" name="Straight Connector 257"/>
+          <p:cNvCxnSpPr/>
+          <p:nvPr/>
+        </p:nvCxnSpPr>
+        <p:spPr>
+          <a:xfrm flipV="1">
+            <a:off x="9982200" y="1828800"/>
+            <a:ext cx="152400" cy="152400"/>
+          </a:xfrm>
+          <a:prstGeom prst="line">
+            <a:avLst/>
+          </a:prstGeom>
+          <a:ln w="12700">
+            <a:solidFill>
+              <a:srgbClr val="000000"/>
+            </a:solidFill>
+            <a:headEnd type="none" w="med" len="med"/>
+            <a:tailEnd type="none" w="med" len="med"/>
+          </a:ln>
+        </p:spPr>
+        <p:style>
+          <a:lnRef idx="1">
+            <a:schemeClr val="accent1"/>
+          </a:lnRef>
+          <a:fillRef idx="0">
+            <a:schemeClr val="accent1"/>
+          </a:fillRef>
+          <a:effectRef idx="0">
+            <a:schemeClr val="accent1"/>
+          </a:effectRef>
+          <a:fontRef idx="minor">
+            <a:schemeClr val="tx1"/>
+          </a:fontRef>
+        </p:style>
+      </p:cxnSp>
+      <p:sp>
+        <p:nvSpPr>
+          <p:cNvPr id="261" name="Rectangle 260"/>
+          <p:cNvSpPr/>
+          <p:nvPr/>
+        </p:nvSpPr>
+        <p:spPr>
+          <a:xfrm>
+            <a:off x="9982200" y="1752600"/>
+            <a:ext cx="152400" cy="76200"/>
+          </a:xfrm>
+          <a:prstGeom prst="rect">
+            <a:avLst/>
+          </a:prstGeom>
+          <a:noFill/>
+          <a:ln>
+            <a:noFill/>
+          </a:ln>
+        </p:spPr>
+        <p:style>
+          <a:lnRef idx="2">
+            <a:schemeClr val="accent1">
+              <a:shade val="50000"/>
+            </a:schemeClr>
+          </a:lnRef>
+          <a:fillRef idx="1">
+            <a:schemeClr val="accent1"/>
+          </a:fillRef>
+          <a:effectRef idx="0">
+            <a:schemeClr val="accent1"/>
+          </a:effectRef>
+          <a:fontRef idx="minor">
+            <a:schemeClr val="lt1"/>
+          </a:fontRef>
+        </p:style>
+        <p:txBody>
+          <a:bodyPr wrap="none" lIns="45720" rIns="45720" rtlCol="0" anchor="ctr"/>
+          <a:lstStyle/>
+          <a:p>
+            <a:pPr algn="ctr"/>
+            <a:r>
+              <a:rPr lang="en-US" sz="900" dirty="0">
+                <a:solidFill>
+                  <a:srgbClr val="000000"/>
+                </a:solidFill>
+                <a:latin typeface="Courier New" panose="02070309020205020404" pitchFamily="49" charset="0"/>
+                <a:cs typeface="Courier New" panose="02070309020205020404" pitchFamily="49" charset="0"/>
+              </a:rPr>
+              <a:t>14</a:t>
+            </a:r>
+            <a:endParaRPr lang="en-US" sz="900" dirty="0">
+              <a:solidFill>
+                <a:srgbClr val="000000"/>
+              </a:solidFill>
+              <a:latin typeface="Courier New" panose="02070309020205020404" pitchFamily="49" charset="0"/>
+              <a:cs typeface="Courier New" panose="02070309020205020404" pitchFamily="49" charset="0"/>
+            </a:endParaRPr>
+          </a:p>
+        </p:txBody>
+      </p:sp>
+      <p:sp>
+        <p:nvSpPr>
+          <p:cNvPr id="262" name="Rectangle 261"/>
+          <p:cNvSpPr/>
+          <p:nvPr/>
+        </p:nvSpPr>
+        <p:spPr>
+          <a:xfrm>
+            <a:off x="10210800" y="1752600"/>
+            <a:ext cx="457200" cy="152400"/>
+          </a:xfrm>
+          <a:prstGeom prst="rect">
+            <a:avLst/>
+          </a:prstGeom>
+          <a:noFill/>
+          <a:ln>
+            <a:noFill/>
+          </a:ln>
+        </p:spPr>
+        <p:style>
+          <a:lnRef idx="2">
+            <a:schemeClr val="accent1">
+              <a:shade val="50000"/>
+            </a:schemeClr>
+          </a:lnRef>
+          <a:fillRef idx="1">
+            <a:schemeClr val="accent1"/>
+          </a:fillRef>
+          <a:effectRef idx="0">
+            <a:schemeClr val="accent1"/>
+          </a:effectRef>
+          <a:fontRef idx="minor">
+            <a:schemeClr val="lt1"/>
+          </a:fontRef>
+        </p:style>
+        <p:txBody>
+          <a:bodyPr wrap="none" lIns="45720" rIns="45720" rtlCol="0" anchor="ctr"/>
+          <a:lstStyle/>
+          <a:p>
+            <a:r>
+              <a:rPr lang="en-US" sz="900" dirty="0" err="1">
+                <a:solidFill>
+                  <a:srgbClr val="000000"/>
+                </a:solidFill>
+                <a:latin typeface="Courier New" panose="02070309020205020404" pitchFamily="49" charset="0"/>
+                <a:cs typeface="Courier New" panose="02070309020205020404" pitchFamily="49" charset="0"/>
+              </a:rPr>
+              <a:t>eta_ctrl</a:t>
+            </a:r>
+            <a:endParaRPr lang="en-US" sz="900" dirty="0">
+              <a:solidFill>
+                <a:srgbClr val="000000"/>
+              </a:solidFill>
+              <a:latin typeface="Courier New" panose="02070309020205020404" pitchFamily="49" charset="0"/>
+              <a:cs typeface="Courier New" panose="02070309020205020404" pitchFamily="49" charset="0"/>
+            </a:endParaRPr>
+          </a:p>
+        </p:txBody>
+      </p:sp>
+      <p:sp>
+        <p:nvSpPr>
+          <p:cNvPr id="263" name="Rectangle 262"/>
+          <p:cNvSpPr/>
+          <p:nvPr/>
+        </p:nvSpPr>
+        <p:spPr>
+          <a:xfrm>
+            <a:off x="12877800" y="1752600"/>
+            <a:ext cx="457200" cy="152400"/>
+          </a:xfrm>
+          <a:prstGeom prst="rect">
+            <a:avLst/>
+          </a:prstGeom>
+          <a:noFill/>
+          <a:ln>
+            <a:noFill/>
+          </a:ln>
+        </p:spPr>
+        <p:style>
+          <a:lnRef idx="2">
+            <a:schemeClr val="accent1">
+              <a:shade val="50000"/>
+            </a:schemeClr>
+          </a:lnRef>
+          <a:fillRef idx="1">
+            <a:schemeClr val="accent1"/>
+          </a:fillRef>
+          <a:effectRef idx="0">
+            <a:schemeClr val="accent1"/>
+          </a:effectRef>
+          <a:fontRef idx="minor">
+            <a:schemeClr val="lt1"/>
+          </a:fontRef>
+        </p:style>
+        <p:txBody>
+          <a:bodyPr wrap="none" lIns="45720" rIns="45720" rtlCol="0" anchor="ctr"/>
+          <a:lstStyle/>
+          <a:p>
+            <a:r>
+              <a:rPr lang="en-US" sz="900" dirty="0">
+                <a:solidFill>
+                  <a:srgbClr val="000000"/>
+                </a:solidFill>
+                <a:latin typeface="Courier New" panose="02070309020205020404" pitchFamily="49" charset="0"/>
+                <a:cs typeface="Courier New" panose="02070309020205020404" pitchFamily="49" charset="0"/>
+              </a:rPr>
+              <a:t>ETA_*</a:t>
+            </a:r>
+            <a:endParaRPr lang="en-US" sz="900" dirty="0">
+              <a:solidFill>
+                <a:srgbClr val="000000"/>
+              </a:solidFill>
+              <a:latin typeface="Courier New" panose="02070309020205020404" pitchFamily="49" charset="0"/>
+              <a:cs typeface="Courier New" panose="02070309020205020404" pitchFamily="49" charset="0"/>
+            </a:endParaRPr>
+          </a:p>
+        </p:txBody>
+      </p:sp>
+      <p:sp>
+        <p:nvSpPr>
+          <p:cNvPr id="270" name="Pentagon 269"/>
+          <p:cNvSpPr/>
+          <p:nvPr/>
+        </p:nvSpPr>
+        <p:spPr>
+          <a:xfrm>
+            <a:off x="14020800" y="2057400"/>
+            <a:ext cx="228600" cy="152400"/>
+          </a:xfrm>
+          <a:prstGeom prst="homePlate">
+            <a:avLst/>
+          </a:prstGeom>
+          <a:noFill/>
+          <a:ln w="12700">
+            <a:solidFill>
+              <a:schemeClr val="tx1"/>
+            </a:solidFill>
+          </a:ln>
+        </p:spPr>
+        <p:style>
+          <a:lnRef idx="2">
+            <a:schemeClr val="accent1">
+              <a:shade val="50000"/>
+            </a:schemeClr>
+          </a:lnRef>
+          <a:fillRef idx="1">
+            <a:schemeClr val="accent1"/>
+          </a:fillRef>
+          <a:effectRef idx="0">
+            <a:schemeClr val="accent1"/>
+          </a:effectRef>
+          <a:fontRef idx="minor">
+            <a:schemeClr val="lt1"/>
+          </a:fontRef>
+        </p:style>
+        <p:txBody>
+          <a:bodyPr rot="0" spcFirstLastPara="0" vertOverflow="overflow" horzOverflow="overflow" vert="horz" wrap="square" lIns="91440" tIns="45720" rIns="91440" bIns="45720" numCol="1" spcCol="0" rtlCol="0" fromWordArt="0" anchor="ctr" anchorCtr="0" forceAA="0" compatLnSpc="1">
+            <a:prstTxWarp prst="textNoShape">
+              <a:avLst/>
+            </a:prstTxWarp>
+            <a:noAutofit/>
+          </a:bodyPr>
+          <a:lstStyle/>
+          <a:p>
+            <a:pPr algn="ctr"/>
+            <a:endParaRPr lang="en-US" sz="3730"/>
+          </a:p>
+        </p:txBody>
+      </p:sp>
+      <p:cxnSp>
+        <p:nvCxnSpPr>
+          <p:cNvPr id="271" name="Straight Connector 270"/>
+          <p:cNvCxnSpPr>
+            <a:stCxn id="270" idx="1"/>
+            <a:endCxn id="233" idx="3"/>
+          </p:cNvCxnSpPr>
+          <p:nvPr/>
+        </p:nvCxnSpPr>
+        <p:spPr>
+          <a:xfrm flipH="1">
+            <a:off x="9906000" y="2133600"/>
+            <a:ext cx="4114800" cy="0"/>
+          </a:xfrm>
+          <a:prstGeom prst="line">
+            <a:avLst/>
+          </a:prstGeom>
+          <a:ln w="12700">
+            <a:solidFill>
+              <a:srgbClr val="000000"/>
+            </a:solidFill>
+            <a:headEnd type="none" w="med" len="med"/>
+            <a:tailEnd type="none" w="med" len="med"/>
+          </a:ln>
+        </p:spPr>
+        <p:style>
+          <a:lnRef idx="1">
+            <a:schemeClr val="accent1"/>
+          </a:lnRef>
+          <a:fillRef idx="0">
+            <a:schemeClr val="accent1"/>
+          </a:fillRef>
+          <a:effectRef idx="0">
+            <a:schemeClr val="accent1"/>
+          </a:effectRef>
+          <a:fontRef idx="minor">
+            <a:schemeClr val="tx1"/>
+          </a:fontRef>
+        </p:style>
+      </p:cxnSp>
+      <p:cxnSp>
+        <p:nvCxnSpPr>
+          <p:cNvPr id="274" name="Straight Connector 273"/>
+          <p:cNvCxnSpPr/>
+          <p:nvPr/>
+        </p:nvCxnSpPr>
+        <p:spPr>
+          <a:xfrm flipV="1">
+            <a:off x="9982200" y="2057400"/>
+            <a:ext cx="152400" cy="152400"/>
+          </a:xfrm>
+          <a:prstGeom prst="line">
+            <a:avLst/>
+          </a:prstGeom>
+          <a:ln w="12700">
+            <a:solidFill>
+              <a:srgbClr val="000000"/>
+            </a:solidFill>
+            <a:headEnd type="none" w="med" len="med"/>
+            <a:tailEnd type="none" w="med" len="med"/>
+          </a:ln>
+        </p:spPr>
+        <p:style>
+          <a:lnRef idx="1">
+            <a:schemeClr val="accent1"/>
+          </a:lnRef>
+          <a:fillRef idx="0">
+            <a:schemeClr val="accent1"/>
+          </a:fillRef>
+          <a:effectRef idx="0">
+            <a:schemeClr val="accent1"/>
+          </a:effectRef>
+          <a:fontRef idx="minor">
+            <a:schemeClr val="tx1"/>
+          </a:fontRef>
+        </p:style>
+      </p:cxnSp>
+      <p:sp>
+        <p:nvSpPr>
+          <p:cNvPr id="276" name="Rectangle 275"/>
+          <p:cNvSpPr/>
+          <p:nvPr/>
+        </p:nvSpPr>
+        <p:spPr>
+          <a:xfrm>
+            <a:off x="9982200" y="1981200"/>
+            <a:ext cx="152400" cy="76200"/>
+          </a:xfrm>
+          <a:prstGeom prst="rect">
+            <a:avLst/>
+          </a:prstGeom>
+          <a:noFill/>
+          <a:ln>
+            <a:noFill/>
+          </a:ln>
+        </p:spPr>
+        <p:style>
+          <a:lnRef idx="2">
+            <a:schemeClr val="accent1">
+              <a:shade val="50000"/>
+            </a:schemeClr>
+          </a:lnRef>
+          <a:fillRef idx="1">
+            <a:schemeClr val="accent1"/>
+          </a:fillRef>
+          <a:effectRef idx="0">
+            <a:schemeClr val="accent1"/>
+          </a:effectRef>
+          <a:fontRef idx="minor">
+            <a:schemeClr val="lt1"/>
+          </a:fontRef>
+        </p:style>
+        <p:txBody>
+          <a:bodyPr wrap="none" lIns="45720" rIns="45720" rtlCol="0" anchor="ctr"/>
+          <a:lstStyle/>
+          <a:p>
+            <a:pPr algn="ctr"/>
+            <a:r>
+              <a:rPr lang="en-US" sz="900" dirty="0">
+                <a:solidFill>
+                  <a:srgbClr val="000000"/>
+                </a:solidFill>
+                <a:latin typeface="Courier New" panose="02070309020205020404" pitchFamily="49" charset="0"/>
+                <a:cs typeface="Courier New" panose="02070309020205020404" pitchFamily="49" charset="0"/>
+              </a:rPr>
+              <a:t>14</a:t>
+            </a:r>
+            <a:endParaRPr lang="en-US" sz="900" dirty="0">
+              <a:solidFill>
+                <a:srgbClr val="000000"/>
+              </a:solidFill>
+              <a:latin typeface="Courier New" panose="02070309020205020404" pitchFamily="49" charset="0"/>
+              <a:cs typeface="Courier New" panose="02070309020205020404" pitchFamily="49" charset="0"/>
+            </a:endParaRPr>
+          </a:p>
+        </p:txBody>
+      </p:sp>
+      <p:sp>
+        <p:nvSpPr>
+          <p:cNvPr id="278" name="Rectangle 277"/>
+          <p:cNvSpPr/>
+          <p:nvPr/>
+        </p:nvSpPr>
+        <p:spPr>
+          <a:xfrm>
+            <a:off x="10210800" y="1981200"/>
+            <a:ext cx="457200" cy="152400"/>
+          </a:xfrm>
+          <a:prstGeom prst="rect">
+            <a:avLst/>
+          </a:prstGeom>
+          <a:noFill/>
+          <a:ln>
+            <a:noFill/>
+          </a:ln>
+        </p:spPr>
+        <p:style>
+          <a:lnRef idx="2">
+            <a:schemeClr val="accent1">
+              <a:shade val="50000"/>
+            </a:schemeClr>
+          </a:lnRef>
+          <a:fillRef idx="1">
+            <a:schemeClr val="accent1"/>
+          </a:fillRef>
+          <a:effectRef idx="0">
+            <a:schemeClr val="accent1"/>
+          </a:effectRef>
+          <a:fontRef idx="minor">
+            <a:schemeClr val="lt1"/>
+          </a:fontRef>
+        </p:style>
+        <p:txBody>
+          <a:bodyPr wrap="none" lIns="45720" rIns="45720" rtlCol="0" anchor="ctr"/>
+          <a:lstStyle/>
+          <a:p>
+            <a:r>
+              <a:rPr lang="en-US" sz="900" dirty="0" err="1">
+                <a:solidFill>
+                  <a:srgbClr val="000000"/>
+                </a:solidFill>
+                <a:latin typeface="Courier New" panose="02070309020205020404" pitchFamily="49" charset="0"/>
+                <a:cs typeface="Courier New" panose="02070309020205020404" pitchFamily="49" charset="0"/>
+              </a:rPr>
+              <a:t>etb_ctrl</a:t>
+            </a:r>
+            <a:endParaRPr lang="en-US" sz="900" dirty="0">
+              <a:solidFill>
+                <a:srgbClr val="000000"/>
+              </a:solidFill>
+              <a:latin typeface="Courier New" panose="02070309020205020404" pitchFamily="49" charset="0"/>
+              <a:cs typeface="Courier New" panose="02070309020205020404" pitchFamily="49" charset="0"/>
+            </a:endParaRPr>
+          </a:p>
+        </p:txBody>
+      </p:sp>
+      <p:sp>
+        <p:nvSpPr>
+          <p:cNvPr id="279" name="Rectangle 278"/>
+          <p:cNvSpPr/>
+          <p:nvPr/>
+        </p:nvSpPr>
+        <p:spPr>
+          <a:xfrm>
+            <a:off x="12877800" y="1981200"/>
+            <a:ext cx="457200" cy="152400"/>
+          </a:xfrm>
+          <a:prstGeom prst="rect">
+            <a:avLst/>
+          </a:prstGeom>
+          <a:noFill/>
+          <a:ln>
+            <a:noFill/>
+          </a:ln>
+        </p:spPr>
+        <p:style>
+          <a:lnRef idx="2">
+            <a:schemeClr val="accent1">
+              <a:shade val="50000"/>
+            </a:schemeClr>
+          </a:lnRef>
+          <a:fillRef idx="1">
+            <a:schemeClr val="accent1"/>
+          </a:fillRef>
+          <a:effectRef idx="0">
+            <a:schemeClr val="accent1"/>
+          </a:effectRef>
+          <a:fontRef idx="minor">
+            <a:schemeClr val="lt1"/>
+          </a:fontRef>
+        </p:style>
+        <p:txBody>
+          <a:bodyPr wrap="none" lIns="45720" rIns="45720" rtlCol="0" anchor="ctr"/>
+          <a:lstStyle/>
+          <a:p>
+            <a:r>
+              <a:rPr lang="en-US" sz="900" dirty="0">
+                <a:solidFill>
+                  <a:srgbClr val="000000"/>
+                </a:solidFill>
+                <a:latin typeface="Courier New" panose="02070309020205020404" pitchFamily="49" charset="0"/>
+                <a:cs typeface="Courier New" panose="02070309020205020404" pitchFamily="49" charset="0"/>
+              </a:rPr>
+              <a:t>ETB_*</a:t>
+            </a:r>
+            <a:endParaRPr lang="en-US" sz="900" dirty="0">
+              <a:solidFill>
+                <a:srgbClr val="000000"/>
+              </a:solidFill>
+              <a:latin typeface="Courier New" panose="02070309020205020404" pitchFamily="49" charset="0"/>
+              <a:cs typeface="Courier New" panose="02070309020205020404" pitchFamily="49" charset="0"/>
+            </a:endParaRPr>
+          </a:p>
+        </p:txBody>
+      </p:sp>
+      <p:sp>
+        <p:nvSpPr>
+          <p:cNvPr id="280" name="Pentagon 279"/>
+          <p:cNvSpPr/>
+          <p:nvPr/>
+        </p:nvSpPr>
+        <p:spPr>
+          <a:xfrm>
+            <a:off x="14020800" y="2667000"/>
+            <a:ext cx="228600" cy="152400"/>
+          </a:xfrm>
+          <a:prstGeom prst="homePlate">
+            <a:avLst/>
+          </a:prstGeom>
+          <a:noFill/>
+          <a:ln w="12700">
+            <a:solidFill>
+              <a:schemeClr val="tx1"/>
+            </a:solidFill>
+          </a:ln>
+        </p:spPr>
+        <p:style>
+          <a:lnRef idx="2">
+            <a:schemeClr val="accent1">
+              <a:shade val="50000"/>
+            </a:schemeClr>
+          </a:lnRef>
+          <a:fillRef idx="1">
+            <a:schemeClr val="accent1"/>
+          </a:fillRef>
+          <a:effectRef idx="0">
+            <a:schemeClr val="accent1"/>
+          </a:effectRef>
+          <a:fontRef idx="minor">
+            <a:schemeClr val="lt1"/>
+          </a:fontRef>
+        </p:style>
+        <p:txBody>
+          <a:bodyPr rot="0" spcFirstLastPara="0" vertOverflow="overflow" horzOverflow="overflow" vert="horz" wrap="square" lIns="91440" tIns="45720" rIns="91440" bIns="45720" numCol="1" spcCol="0" rtlCol="0" fromWordArt="0" anchor="ctr" anchorCtr="0" forceAA="0" compatLnSpc="1">
+            <a:prstTxWarp prst="textNoShape">
+              <a:avLst/>
+            </a:prstTxWarp>
+            <a:noAutofit/>
+          </a:bodyPr>
+          <a:lstStyle/>
+          <a:p>
+            <a:pPr algn="ctr"/>
+            <a:endParaRPr lang="en-US" sz="3730"/>
+          </a:p>
+        </p:txBody>
+      </p:sp>
+      <p:cxnSp>
+        <p:nvCxnSpPr>
+          <p:cNvPr id="281" name="Straight Connector 280"/>
+          <p:cNvCxnSpPr>
+            <a:stCxn id="280" idx="1"/>
+            <a:endCxn id="234" idx="3"/>
+          </p:cNvCxnSpPr>
+          <p:nvPr/>
+        </p:nvCxnSpPr>
+        <p:spPr>
+          <a:xfrm flipH="1">
+            <a:off x="9906000" y="2743200"/>
+            <a:ext cx="4114800" cy="0"/>
+          </a:xfrm>
+          <a:prstGeom prst="line">
+            <a:avLst/>
+          </a:prstGeom>
+          <a:ln w="12700">
+            <a:solidFill>
+              <a:srgbClr val="000000"/>
+            </a:solidFill>
+            <a:headEnd type="none" w="med" len="med"/>
+            <a:tailEnd type="none" w="med" len="med"/>
+          </a:ln>
+        </p:spPr>
+        <p:style>
+          <a:lnRef idx="1">
+            <a:schemeClr val="accent1"/>
+          </a:lnRef>
+          <a:fillRef idx="0">
+            <a:schemeClr val="accent1"/>
+          </a:fillRef>
+          <a:effectRef idx="0">
+            <a:schemeClr val="accent1"/>
+          </a:effectRef>
+          <a:fontRef idx="minor">
+            <a:schemeClr val="tx1"/>
+          </a:fontRef>
+        </p:style>
+      </p:cxnSp>
+      <p:cxnSp>
+        <p:nvCxnSpPr>
+          <p:cNvPr id="283" name="Straight Connector 282"/>
+          <p:cNvCxnSpPr/>
+          <p:nvPr/>
+        </p:nvCxnSpPr>
+        <p:spPr>
+          <a:xfrm flipV="1">
+            <a:off x="9982200" y="2667000"/>
+            <a:ext cx="152400" cy="152400"/>
+          </a:xfrm>
+          <a:prstGeom prst="line">
+            <a:avLst/>
+          </a:prstGeom>
+          <a:ln w="12700">
+            <a:solidFill>
+              <a:srgbClr val="000000"/>
+            </a:solidFill>
+            <a:headEnd type="none" w="med" len="med"/>
+            <a:tailEnd type="none" w="med" len="med"/>
+          </a:ln>
+        </p:spPr>
+        <p:style>
+          <a:lnRef idx="1">
+            <a:schemeClr val="accent1"/>
+          </a:lnRef>
+          <a:fillRef idx="0">
+            <a:schemeClr val="accent1"/>
+          </a:fillRef>
+          <a:effectRef idx="0">
+            <a:schemeClr val="accent1"/>
+          </a:effectRef>
+          <a:fontRef idx="minor">
+            <a:schemeClr val="tx1"/>
+          </a:fontRef>
+        </p:style>
+      </p:cxnSp>
+      <p:sp>
+        <p:nvSpPr>
+          <p:cNvPr id="284" name="Rectangle 283"/>
+          <p:cNvSpPr/>
+          <p:nvPr/>
+        </p:nvSpPr>
+        <p:spPr>
+          <a:xfrm>
+            <a:off x="9982200" y="2590800"/>
+            <a:ext cx="152400" cy="76200"/>
+          </a:xfrm>
+          <a:prstGeom prst="rect">
+            <a:avLst/>
+          </a:prstGeom>
+          <a:noFill/>
+          <a:ln>
+            <a:noFill/>
+          </a:ln>
+        </p:spPr>
+        <p:style>
+          <a:lnRef idx="2">
+            <a:schemeClr val="accent1">
+              <a:shade val="50000"/>
+            </a:schemeClr>
+          </a:lnRef>
+          <a:fillRef idx="1">
+            <a:schemeClr val="accent1"/>
+          </a:fillRef>
+          <a:effectRef idx="0">
+            <a:schemeClr val="accent1"/>
+          </a:effectRef>
+          <a:fontRef idx="minor">
+            <a:schemeClr val="lt1"/>
+          </a:fontRef>
+        </p:style>
+        <p:txBody>
+          <a:bodyPr wrap="none" lIns="45720" rIns="45720" rtlCol="0" anchor="ctr"/>
+          <a:lstStyle/>
+          <a:p>
+            <a:pPr algn="ctr"/>
+            <a:r>
+              <a:rPr lang="en-US" sz="900" dirty="0">
+                <a:solidFill>
+                  <a:srgbClr val="000000"/>
+                </a:solidFill>
+                <a:latin typeface="Courier New" panose="02070309020205020404" pitchFamily="49" charset="0"/>
+                <a:cs typeface="Courier New" panose="02070309020205020404" pitchFamily="49" charset="0"/>
+              </a:rPr>
+              <a:t>14</a:t>
+            </a:r>
+            <a:endParaRPr lang="en-US" sz="900" dirty="0">
+              <a:solidFill>
+                <a:srgbClr val="000000"/>
+              </a:solidFill>
+              <a:latin typeface="Courier New" panose="02070309020205020404" pitchFamily="49" charset="0"/>
+              <a:cs typeface="Courier New" panose="02070309020205020404" pitchFamily="49" charset="0"/>
+            </a:endParaRPr>
+          </a:p>
+        </p:txBody>
+      </p:sp>
+      <p:sp>
+        <p:nvSpPr>
+          <p:cNvPr id="285" name="Rectangle 284"/>
+          <p:cNvSpPr/>
+          <p:nvPr/>
+        </p:nvSpPr>
+        <p:spPr>
+          <a:xfrm>
+            <a:off x="10210800" y="2590800"/>
+            <a:ext cx="457200" cy="152400"/>
+          </a:xfrm>
+          <a:prstGeom prst="rect">
+            <a:avLst/>
+          </a:prstGeom>
+          <a:noFill/>
+          <a:ln>
+            <a:noFill/>
+          </a:ln>
+        </p:spPr>
+        <p:style>
+          <a:lnRef idx="2">
+            <a:schemeClr val="accent1">
+              <a:shade val="50000"/>
+            </a:schemeClr>
+          </a:lnRef>
+          <a:fillRef idx="1">
+            <a:schemeClr val="accent1"/>
+          </a:fillRef>
+          <a:effectRef idx="0">
+            <a:schemeClr val="accent1"/>
+          </a:effectRef>
+          <a:fontRef idx="minor">
+            <a:schemeClr val="lt1"/>
+          </a:fontRef>
+        </p:style>
+        <p:txBody>
+          <a:bodyPr wrap="none" lIns="45720" rIns="45720" rtlCol="0" anchor="ctr"/>
+          <a:lstStyle/>
+          <a:p>
+            <a:r>
+              <a:rPr lang="en-US" sz="900" dirty="0" err="1">
+                <a:solidFill>
+                  <a:srgbClr val="000000"/>
+                </a:solidFill>
+                <a:latin typeface="Courier New" panose="02070309020205020404" pitchFamily="49" charset="0"/>
+                <a:cs typeface="Courier New" panose="02070309020205020404" pitchFamily="49" charset="0"/>
+              </a:rPr>
+              <a:t>sta_ctrl</a:t>
+            </a:r>
+            <a:endParaRPr lang="en-US" sz="900" dirty="0">
+              <a:solidFill>
+                <a:srgbClr val="000000"/>
+              </a:solidFill>
+              <a:latin typeface="Courier New" panose="02070309020205020404" pitchFamily="49" charset="0"/>
+              <a:cs typeface="Courier New" panose="02070309020205020404" pitchFamily="49" charset="0"/>
+            </a:endParaRPr>
+          </a:p>
+        </p:txBody>
+      </p:sp>
+      <p:sp>
+        <p:nvSpPr>
+          <p:cNvPr id="286" name="Rectangle 285"/>
+          <p:cNvSpPr/>
+          <p:nvPr/>
+        </p:nvSpPr>
+        <p:spPr>
+          <a:xfrm>
+            <a:off x="12877800" y="2590800"/>
+            <a:ext cx="457200" cy="152400"/>
+          </a:xfrm>
+          <a:prstGeom prst="rect">
+            <a:avLst/>
+          </a:prstGeom>
+          <a:noFill/>
+          <a:ln>
+            <a:noFill/>
+          </a:ln>
+        </p:spPr>
+        <p:style>
+          <a:lnRef idx="2">
+            <a:schemeClr val="accent1">
+              <a:shade val="50000"/>
+            </a:schemeClr>
+          </a:lnRef>
+          <a:fillRef idx="1">
+            <a:schemeClr val="accent1"/>
+          </a:fillRef>
+          <a:effectRef idx="0">
+            <a:schemeClr val="accent1"/>
+          </a:effectRef>
+          <a:fontRef idx="minor">
+            <a:schemeClr val="lt1"/>
+          </a:fontRef>
+        </p:style>
+        <p:txBody>
+          <a:bodyPr wrap="none" lIns="45720" rIns="45720" rtlCol="0" anchor="ctr"/>
+          <a:lstStyle/>
+          <a:p>
+            <a:r>
+              <a:rPr lang="en-US" sz="900" dirty="0">
+                <a:solidFill>
+                  <a:srgbClr val="000000"/>
+                </a:solidFill>
+                <a:latin typeface="Courier New" panose="02070309020205020404" pitchFamily="49" charset="0"/>
+                <a:cs typeface="Courier New" panose="02070309020205020404" pitchFamily="49" charset="0"/>
+              </a:rPr>
+              <a:t>STA_*</a:t>
+            </a:r>
+            <a:endParaRPr lang="en-US" sz="900" dirty="0">
+              <a:solidFill>
+                <a:srgbClr val="000000"/>
+              </a:solidFill>
+              <a:latin typeface="Courier New" panose="02070309020205020404" pitchFamily="49" charset="0"/>
+              <a:cs typeface="Courier New" panose="02070309020205020404" pitchFamily="49" charset="0"/>
+            </a:endParaRPr>
+          </a:p>
+        </p:txBody>
+      </p:sp>
+      <p:sp>
+        <p:nvSpPr>
+          <p:cNvPr id="287" name="Pentagon 286"/>
+          <p:cNvSpPr/>
+          <p:nvPr/>
+        </p:nvSpPr>
+        <p:spPr>
+          <a:xfrm>
+            <a:off x="14020800" y="2895600"/>
+            <a:ext cx="228600" cy="152400"/>
+          </a:xfrm>
+          <a:prstGeom prst="homePlate">
+            <a:avLst/>
+          </a:prstGeom>
+          <a:noFill/>
+          <a:ln w="12700">
+            <a:solidFill>
+              <a:schemeClr val="tx1"/>
+            </a:solidFill>
+          </a:ln>
+        </p:spPr>
+        <p:style>
+          <a:lnRef idx="2">
+            <a:schemeClr val="accent1">
+              <a:shade val="50000"/>
+            </a:schemeClr>
+          </a:lnRef>
+          <a:fillRef idx="1">
+            <a:schemeClr val="accent1"/>
+          </a:fillRef>
+          <a:effectRef idx="0">
+            <a:schemeClr val="accent1"/>
+          </a:effectRef>
+          <a:fontRef idx="minor">
+            <a:schemeClr val="lt1"/>
+          </a:fontRef>
+        </p:style>
+        <p:txBody>
+          <a:bodyPr rot="0" spcFirstLastPara="0" vertOverflow="overflow" horzOverflow="overflow" vert="horz" wrap="square" lIns="91440" tIns="45720" rIns="91440" bIns="45720" numCol="1" spcCol="0" rtlCol="0" fromWordArt="0" anchor="ctr" anchorCtr="0" forceAA="0" compatLnSpc="1">
+            <a:prstTxWarp prst="textNoShape">
+              <a:avLst/>
+            </a:prstTxWarp>
+            <a:noAutofit/>
+          </a:bodyPr>
+          <a:lstStyle/>
+          <a:p>
+            <a:pPr algn="ctr"/>
+            <a:endParaRPr lang="en-US" sz="3730"/>
+          </a:p>
+        </p:txBody>
+      </p:sp>
+      <p:cxnSp>
+        <p:nvCxnSpPr>
+          <p:cNvPr id="290" name="Straight Connector 289"/>
+          <p:cNvCxnSpPr>
+            <a:stCxn id="287" idx="1"/>
+            <a:endCxn id="235" idx="3"/>
+          </p:cNvCxnSpPr>
+          <p:nvPr/>
+        </p:nvCxnSpPr>
+        <p:spPr>
+          <a:xfrm flipH="1">
+            <a:off x="9906000" y="2971800"/>
+            <a:ext cx="4114800" cy="0"/>
+          </a:xfrm>
+          <a:prstGeom prst="line">
+            <a:avLst/>
+          </a:prstGeom>
+          <a:ln w="12700">
+            <a:solidFill>
+              <a:srgbClr val="000000"/>
+            </a:solidFill>
+            <a:headEnd type="none" w="med" len="med"/>
+            <a:tailEnd type="none" w="med" len="med"/>
+          </a:ln>
+        </p:spPr>
+        <p:style>
+          <a:lnRef idx="1">
+            <a:schemeClr val="accent1"/>
+          </a:lnRef>
+          <a:fillRef idx="0">
+            <a:schemeClr val="accent1"/>
+          </a:fillRef>
+          <a:effectRef idx="0">
+            <a:schemeClr val="accent1"/>
+          </a:effectRef>
+          <a:fontRef idx="minor">
+            <a:schemeClr val="tx1"/>
+          </a:fontRef>
+        </p:style>
+      </p:cxnSp>
+      <p:cxnSp>
+        <p:nvCxnSpPr>
+          <p:cNvPr id="291" name="Straight Connector 290"/>
+          <p:cNvCxnSpPr/>
+          <p:nvPr/>
+        </p:nvCxnSpPr>
+        <p:spPr>
+          <a:xfrm flipV="1">
+            <a:off x="9982200" y="2895600"/>
+            <a:ext cx="152400" cy="152400"/>
+          </a:xfrm>
+          <a:prstGeom prst="line">
+            <a:avLst/>
+          </a:prstGeom>
+          <a:ln w="12700">
+            <a:solidFill>
+              <a:srgbClr val="000000"/>
+            </a:solidFill>
+            <a:headEnd type="none" w="med" len="med"/>
+            <a:tailEnd type="none" w="med" len="med"/>
+          </a:ln>
+        </p:spPr>
+        <p:style>
+          <a:lnRef idx="1">
+            <a:schemeClr val="accent1"/>
+          </a:lnRef>
+          <a:fillRef idx="0">
+            <a:schemeClr val="accent1"/>
+          </a:fillRef>
+          <a:effectRef idx="0">
+            <a:schemeClr val="accent1"/>
+          </a:effectRef>
+          <a:fontRef idx="minor">
+            <a:schemeClr val="tx1"/>
+          </a:fontRef>
+        </p:style>
+      </p:cxnSp>
+      <p:sp>
+        <p:nvSpPr>
+          <p:cNvPr id="294" name="Rectangle 293"/>
+          <p:cNvSpPr/>
+          <p:nvPr/>
+        </p:nvSpPr>
+        <p:spPr>
+          <a:xfrm>
+            <a:off x="9982200" y="2819400"/>
+            <a:ext cx="152400" cy="76200"/>
+          </a:xfrm>
+          <a:prstGeom prst="rect">
+            <a:avLst/>
+          </a:prstGeom>
+          <a:noFill/>
+          <a:ln>
+            <a:noFill/>
+          </a:ln>
+        </p:spPr>
+        <p:style>
+          <a:lnRef idx="2">
+            <a:schemeClr val="accent1">
+              <a:shade val="50000"/>
+            </a:schemeClr>
+          </a:lnRef>
+          <a:fillRef idx="1">
+            <a:schemeClr val="accent1"/>
+          </a:fillRef>
+          <a:effectRef idx="0">
+            <a:schemeClr val="accent1"/>
+          </a:effectRef>
+          <a:fontRef idx="minor">
+            <a:schemeClr val="lt1"/>
+          </a:fontRef>
+        </p:style>
+        <p:txBody>
+          <a:bodyPr wrap="none" lIns="45720" rIns="45720" rtlCol="0" anchor="ctr"/>
+          <a:lstStyle/>
+          <a:p>
+            <a:pPr algn="ctr"/>
+            <a:r>
+              <a:rPr lang="en-US" sz="900" dirty="0">
+                <a:solidFill>
+                  <a:srgbClr val="000000"/>
+                </a:solidFill>
+                <a:latin typeface="Courier New" panose="02070309020205020404" pitchFamily="49" charset="0"/>
+                <a:cs typeface="Courier New" panose="02070309020205020404" pitchFamily="49" charset="0"/>
+              </a:rPr>
+              <a:t>14</a:t>
+            </a:r>
+            <a:endParaRPr lang="en-US" sz="900" dirty="0">
+              <a:solidFill>
+                <a:srgbClr val="000000"/>
+              </a:solidFill>
+              <a:latin typeface="Courier New" panose="02070309020205020404" pitchFamily="49" charset="0"/>
+              <a:cs typeface="Courier New" panose="02070309020205020404" pitchFamily="49" charset="0"/>
+            </a:endParaRPr>
+          </a:p>
+        </p:txBody>
+      </p:sp>
+      <p:sp>
+        <p:nvSpPr>
+          <p:cNvPr id="296" name="Rectangle 295"/>
+          <p:cNvSpPr/>
+          <p:nvPr/>
+        </p:nvSpPr>
+        <p:spPr>
+          <a:xfrm>
+            <a:off x="10210800" y="2819400"/>
+            <a:ext cx="457200" cy="152400"/>
+          </a:xfrm>
+          <a:prstGeom prst="rect">
+            <a:avLst/>
+          </a:prstGeom>
+          <a:noFill/>
+          <a:ln>
+            <a:noFill/>
+          </a:ln>
+        </p:spPr>
+        <p:style>
+          <a:lnRef idx="2">
+            <a:schemeClr val="accent1">
+              <a:shade val="50000"/>
+            </a:schemeClr>
+          </a:lnRef>
+          <a:fillRef idx="1">
+            <a:schemeClr val="accent1"/>
+          </a:fillRef>
+          <a:effectRef idx="0">
+            <a:schemeClr val="accent1"/>
+          </a:effectRef>
+          <a:fontRef idx="minor">
+            <a:schemeClr val="lt1"/>
+          </a:fontRef>
+        </p:style>
+        <p:txBody>
+          <a:bodyPr wrap="none" lIns="45720" rIns="45720" rtlCol="0" anchor="ctr"/>
+          <a:lstStyle/>
+          <a:p>
+            <a:r>
+              <a:rPr lang="en-US" sz="900" dirty="0" err="1">
+                <a:solidFill>
+                  <a:srgbClr val="000000"/>
+                </a:solidFill>
+                <a:latin typeface="Courier New" panose="02070309020205020404" pitchFamily="49" charset="0"/>
+                <a:cs typeface="Courier New" panose="02070309020205020404" pitchFamily="49" charset="0"/>
+              </a:rPr>
+              <a:t>stb_ctrl</a:t>
+            </a:r>
+            <a:endParaRPr lang="en-US" sz="900" dirty="0">
+              <a:solidFill>
+                <a:srgbClr val="000000"/>
+              </a:solidFill>
+              <a:latin typeface="Courier New" panose="02070309020205020404" pitchFamily="49" charset="0"/>
+              <a:cs typeface="Courier New" panose="02070309020205020404" pitchFamily="49" charset="0"/>
+            </a:endParaRPr>
+          </a:p>
+        </p:txBody>
+      </p:sp>
+      <p:sp>
+        <p:nvSpPr>
+          <p:cNvPr id="297" name="Rectangle 296"/>
+          <p:cNvSpPr/>
+          <p:nvPr/>
+        </p:nvSpPr>
+        <p:spPr>
+          <a:xfrm>
+            <a:off x="12877800" y="2819400"/>
+            <a:ext cx="457200" cy="152400"/>
+          </a:xfrm>
+          <a:prstGeom prst="rect">
+            <a:avLst/>
+          </a:prstGeom>
+          <a:noFill/>
+          <a:ln>
+            <a:noFill/>
+          </a:ln>
+        </p:spPr>
+        <p:style>
+          <a:lnRef idx="2">
+            <a:schemeClr val="accent1">
+              <a:shade val="50000"/>
+            </a:schemeClr>
+          </a:lnRef>
+          <a:fillRef idx="1">
+            <a:schemeClr val="accent1"/>
+          </a:fillRef>
+          <a:effectRef idx="0">
+            <a:schemeClr val="accent1"/>
+          </a:effectRef>
+          <a:fontRef idx="minor">
+            <a:schemeClr val="lt1"/>
+          </a:fontRef>
+        </p:style>
+        <p:txBody>
+          <a:bodyPr wrap="none" lIns="45720" rIns="45720" rtlCol="0" anchor="ctr"/>
+          <a:lstStyle/>
+          <a:p>
+            <a:r>
+              <a:rPr lang="en-US" sz="900" dirty="0">
+                <a:solidFill>
+                  <a:srgbClr val="000000"/>
+                </a:solidFill>
+                <a:latin typeface="Courier New" panose="02070309020205020404" pitchFamily="49" charset="0"/>
+                <a:cs typeface="Courier New" panose="02070309020205020404" pitchFamily="49" charset="0"/>
+              </a:rPr>
+              <a:t>STB_*</a:t>
+            </a:r>
+            <a:endParaRPr lang="en-US" sz="900" dirty="0">
+              <a:solidFill>
+                <a:srgbClr val="000000"/>
+              </a:solidFill>
+              <a:latin typeface="Courier New" panose="02070309020205020404" pitchFamily="49" charset="0"/>
+              <a:cs typeface="Courier New" panose="02070309020205020404" pitchFamily="49" charset="0"/>
+            </a:endParaRPr>
+          </a:p>
+        </p:txBody>
+      </p:sp>
+      <p:sp>
+        <p:nvSpPr>
+          <p:cNvPr id="299" name="Pentagon 298"/>
+          <p:cNvSpPr/>
+          <p:nvPr/>
+        </p:nvSpPr>
+        <p:spPr>
+          <a:xfrm>
+            <a:off x="14020800" y="3505200"/>
+            <a:ext cx="228600" cy="152400"/>
+          </a:xfrm>
+          <a:prstGeom prst="homePlate">
+            <a:avLst/>
+          </a:prstGeom>
+          <a:noFill/>
+          <a:ln w="12700">
+            <a:solidFill>
+              <a:schemeClr val="tx1"/>
+            </a:solidFill>
+          </a:ln>
+        </p:spPr>
+        <p:style>
+          <a:lnRef idx="2">
+            <a:schemeClr val="accent1">
+              <a:shade val="50000"/>
+            </a:schemeClr>
+          </a:lnRef>
+          <a:fillRef idx="1">
+            <a:schemeClr val="accent1"/>
+          </a:fillRef>
+          <a:effectRef idx="0">
+            <a:schemeClr val="accent1"/>
+          </a:effectRef>
+          <a:fontRef idx="minor">
+            <a:schemeClr val="lt1"/>
+          </a:fontRef>
+        </p:style>
+        <p:txBody>
+          <a:bodyPr rot="0" spcFirstLastPara="0" vertOverflow="overflow" horzOverflow="overflow" vert="horz" wrap="square" lIns="91440" tIns="45720" rIns="91440" bIns="45720" numCol="1" spcCol="0" rtlCol="0" fromWordArt="0" anchor="ctr" anchorCtr="0" forceAA="0" compatLnSpc="1">
+            <a:prstTxWarp prst="textNoShape">
+              <a:avLst/>
+            </a:prstTxWarp>
+            <a:noAutofit/>
+          </a:bodyPr>
+          <a:lstStyle/>
+          <a:p>
+            <a:pPr algn="ctr"/>
+            <a:endParaRPr lang="en-US" sz="3730"/>
+          </a:p>
+        </p:txBody>
+      </p:sp>
+      <p:cxnSp>
+        <p:nvCxnSpPr>
+          <p:cNvPr id="300" name="Straight Connector 299"/>
+          <p:cNvCxnSpPr>
+            <a:stCxn id="299" idx="1"/>
+            <a:endCxn id="237" idx="3"/>
+          </p:cNvCxnSpPr>
+          <p:nvPr/>
+        </p:nvCxnSpPr>
+        <p:spPr>
+          <a:xfrm flipH="1">
+            <a:off x="9906000" y="3581400"/>
+            <a:ext cx="4114800" cy="0"/>
+          </a:xfrm>
+          <a:prstGeom prst="line">
+            <a:avLst/>
+          </a:prstGeom>
+          <a:ln w="12700">
+            <a:solidFill>
+              <a:srgbClr val="000000"/>
+            </a:solidFill>
+            <a:headEnd type="none" w="med" len="med"/>
+            <a:tailEnd type="none" w="med" len="med"/>
+          </a:ln>
+        </p:spPr>
+        <p:style>
+          <a:lnRef idx="1">
+            <a:schemeClr val="accent1"/>
+          </a:lnRef>
+          <a:fillRef idx="0">
+            <a:schemeClr val="accent1"/>
+          </a:fillRef>
+          <a:effectRef idx="0">
+            <a:schemeClr val="accent1"/>
+          </a:effectRef>
+          <a:fontRef idx="minor">
+            <a:schemeClr val="tx1"/>
+          </a:fontRef>
+        </p:style>
+      </p:cxnSp>
+      <p:cxnSp>
+        <p:nvCxnSpPr>
+          <p:cNvPr id="305" name="Straight Connector 304"/>
+          <p:cNvCxnSpPr/>
+          <p:nvPr/>
+        </p:nvCxnSpPr>
+        <p:spPr>
+          <a:xfrm flipV="1">
+            <a:off x="9982200" y="3505200"/>
+            <a:ext cx="152400" cy="152400"/>
+          </a:xfrm>
+          <a:prstGeom prst="line">
+            <a:avLst/>
+          </a:prstGeom>
+          <a:ln w="12700">
+            <a:solidFill>
+              <a:srgbClr val="000000"/>
+            </a:solidFill>
+            <a:headEnd type="none" w="med" len="med"/>
+            <a:tailEnd type="none" w="med" len="med"/>
+          </a:ln>
+        </p:spPr>
+        <p:style>
+          <a:lnRef idx="1">
+            <a:schemeClr val="accent1"/>
+          </a:lnRef>
+          <a:fillRef idx="0">
+            <a:schemeClr val="accent1"/>
+          </a:fillRef>
+          <a:effectRef idx="0">
+            <a:schemeClr val="accent1"/>
+          </a:effectRef>
+          <a:fontRef idx="minor">
+            <a:schemeClr val="tx1"/>
+          </a:fontRef>
+        </p:style>
+      </p:cxnSp>
+      <p:sp>
+        <p:nvSpPr>
+          <p:cNvPr id="306" name="Rectangle 305"/>
+          <p:cNvSpPr/>
+          <p:nvPr/>
+        </p:nvSpPr>
+        <p:spPr>
+          <a:xfrm>
+            <a:off x="9982200" y="3429000"/>
+            <a:ext cx="152400" cy="76200"/>
+          </a:xfrm>
+          <a:prstGeom prst="rect">
+            <a:avLst/>
+          </a:prstGeom>
+          <a:noFill/>
+          <a:ln>
+            <a:noFill/>
+          </a:ln>
+        </p:spPr>
+        <p:style>
+          <a:lnRef idx="2">
+            <a:schemeClr val="accent1">
+              <a:shade val="50000"/>
+            </a:schemeClr>
+          </a:lnRef>
+          <a:fillRef idx="1">
+            <a:schemeClr val="accent1"/>
+          </a:fillRef>
+          <a:effectRef idx="0">
+            <a:schemeClr val="accent1"/>
+          </a:effectRef>
+          <a:fontRef idx="minor">
+            <a:schemeClr val="lt1"/>
+          </a:fontRef>
+        </p:style>
+        <p:txBody>
+          <a:bodyPr wrap="none" lIns="45720" rIns="45720" rtlCol="0" anchor="ctr"/>
+          <a:lstStyle/>
+          <a:p>
+            <a:pPr algn="ctr"/>
+            <a:r>
+              <a:rPr lang="en-US" sz="900" dirty="0">
+                <a:solidFill>
+                  <a:srgbClr val="000000"/>
+                </a:solidFill>
+                <a:latin typeface="Courier New" panose="02070309020205020404" pitchFamily="49" charset="0"/>
+                <a:cs typeface="Courier New" panose="02070309020205020404" pitchFamily="49" charset="0"/>
+              </a:rPr>
+              <a:t>14</a:t>
+            </a:r>
+            <a:endParaRPr lang="en-US" sz="900" dirty="0">
+              <a:solidFill>
+                <a:srgbClr val="000000"/>
+              </a:solidFill>
+              <a:latin typeface="Courier New" panose="02070309020205020404" pitchFamily="49" charset="0"/>
+              <a:cs typeface="Courier New" panose="02070309020205020404" pitchFamily="49" charset="0"/>
+            </a:endParaRPr>
+          </a:p>
+        </p:txBody>
+      </p:sp>
+      <p:sp>
+        <p:nvSpPr>
+          <p:cNvPr id="307" name="Rectangle 306"/>
+          <p:cNvSpPr/>
+          <p:nvPr/>
+        </p:nvSpPr>
+        <p:spPr>
+          <a:xfrm>
+            <a:off x="10210800" y="3429000"/>
+            <a:ext cx="457200" cy="152400"/>
+          </a:xfrm>
+          <a:prstGeom prst="rect">
+            <a:avLst/>
+          </a:prstGeom>
+          <a:noFill/>
+          <a:ln>
+            <a:noFill/>
+          </a:ln>
+        </p:spPr>
+        <p:style>
+          <a:lnRef idx="2">
+            <a:schemeClr val="accent1">
+              <a:shade val="50000"/>
+            </a:schemeClr>
+          </a:lnRef>
+          <a:fillRef idx="1">
+            <a:schemeClr val="accent1"/>
+          </a:fillRef>
+          <a:effectRef idx="0">
+            <a:schemeClr val="accent1"/>
+          </a:effectRef>
+          <a:fontRef idx="minor">
+            <a:schemeClr val="lt1"/>
+          </a:fontRef>
+        </p:style>
+        <p:txBody>
+          <a:bodyPr wrap="none" lIns="45720" rIns="45720" rtlCol="0" anchor="ctr"/>
+          <a:lstStyle/>
+          <a:p>
+            <a:r>
+              <a:rPr lang="en-US" sz="900" dirty="0" err="1">
+                <a:solidFill>
+                  <a:srgbClr val="000000"/>
+                </a:solidFill>
+                <a:latin typeface="Courier New" panose="02070309020205020404" pitchFamily="49" charset="0"/>
+                <a:cs typeface="Courier New" panose="02070309020205020404" pitchFamily="49" charset="0"/>
+              </a:rPr>
+              <a:t>sca_ctrl</a:t>
+            </a:r>
+            <a:endParaRPr lang="en-US" sz="900" dirty="0">
+              <a:solidFill>
+                <a:srgbClr val="000000"/>
+              </a:solidFill>
+              <a:latin typeface="Courier New" panose="02070309020205020404" pitchFamily="49" charset="0"/>
+              <a:cs typeface="Courier New" panose="02070309020205020404" pitchFamily="49" charset="0"/>
+            </a:endParaRPr>
+          </a:p>
+        </p:txBody>
+      </p:sp>
+      <p:sp>
+        <p:nvSpPr>
+          <p:cNvPr id="308" name="Rectangle 307"/>
+          <p:cNvSpPr/>
+          <p:nvPr/>
+        </p:nvSpPr>
+        <p:spPr>
+          <a:xfrm>
+            <a:off x="12877800" y="3429000"/>
+            <a:ext cx="457200" cy="152400"/>
+          </a:xfrm>
+          <a:prstGeom prst="rect">
+            <a:avLst/>
+          </a:prstGeom>
+          <a:noFill/>
+          <a:ln>
+            <a:noFill/>
+          </a:ln>
+        </p:spPr>
+        <p:style>
+          <a:lnRef idx="2">
+            <a:schemeClr val="accent1">
+              <a:shade val="50000"/>
+            </a:schemeClr>
+          </a:lnRef>
+          <a:fillRef idx="1">
+            <a:schemeClr val="accent1"/>
+          </a:fillRef>
+          <a:effectRef idx="0">
+            <a:schemeClr val="accent1"/>
+          </a:effectRef>
+          <a:fontRef idx="minor">
+            <a:schemeClr val="lt1"/>
+          </a:fontRef>
+        </p:style>
+        <p:txBody>
+          <a:bodyPr wrap="none" lIns="45720" rIns="45720" rtlCol="0" anchor="ctr"/>
+          <a:lstStyle/>
+          <a:p>
+            <a:r>
+              <a:rPr lang="en-US" sz="900" dirty="0">
+                <a:solidFill>
+                  <a:srgbClr val="000000"/>
+                </a:solidFill>
+                <a:latin typeface="Courier New" panose="02070309020205020404" pitchFamily="49" charset="0"/>
+                <a:cs typeface="Courier New" panose="02070309020205020404" pitchFamily="49" charset="0"/>
+              </a:rPr>
+              <a:t>SCA_*</a:t>
+            </a:r>
+            <a:endParaRPr lang="en-US" sz="900" dirty="0">
+              <a:solidFill>
+                <a:srgbClr val="000000"/>
+              </a:solidFill>
+              <a:latin typeface="Courier New" panose="02070309020205020404" pitchFamily="49" charset="0"/>
+              <a:cs typeface="Courier New" panose="02070309020205020404" pitchFamily="49" charset="0"/>
+            </a:endParaRPr>
+          </a:p>
+        </p:txBody>
+      </p:sp>
+      <p:sp>
+        <p:nvSpPr>
+          <p:cNvPr id="309" name="Pentagon 308"/>
+          <p:cNvSpPr/>
+          <p:nvPr/>
+        </p:nvSpPr>
+        <p:spPr>
+          <a:xfrm>
+            <a:off x="14020800" y="3733800"/>
+            <a:ext cx="228600" cy="152400"/>
+          </a:xfrm>
+          <a:prstGeom prst="homePlate">
+            <a:avLst/>
+          </a:prstGeom>
+          <a:noFill/>
+          <a:ln w="12700">
+            <a:solidFill>
+              <a:schemeClr val="tx1"/>
+            </a:solidFill>
+          </a:ln>
+        </p:spPr>
+        <p:style>
+          <a:lnRef idx="2">
+            <a:schemeClr val="accent1">
+              <a:shade val="50000"/>
+            </a:schemeClr>
+          </a:lnRef>
+          <a:fillRef idx="1">
+            <a:schemeClr val="accent1"/>
+          </a:fillRef>
+          <a:effectRef idx="0">
+            <a:schemeClr val="accent1"/>
+          </a:effectRef>
+          <a:fontRef idx="minor">
+            <a:schemeClr val="lt1"/>
+          </a:fontRef>
+        </p:style>
+        <p:txBody>
+          <a:bodyPr rot="0" spcFirstLastPara="0" vertOverflow="overflow" horzOverflow="overflow" vert="horz" wrap="square" lIns="91440" tIns="45720" rIns="91440" bIns="45720" numCol="1" spcCol="0" rtlCol="0" fromWordArt="0" anchor="ctr" anchorCtr="0" forceAA="0" compatLnSpc="1">
+            <a:prstTxWarp prst="textNoShape">
+              <a:avLst/>
+            </a:prstTxWarp>
+            <a:noAutofit/>
+          </a:bodyPr>
+          <a:lstStyle/>
+          <a:p>
+            <a:pPr algn="ctr"/>
+            <a:endParaRPr lang="en-US" sz="3730"/>
+          </a:p>
+        </p:txBody>
+      </p:sp>
+      <p:cxnSp>
+        <p:nvCxnSpPr>
+          <p:cNvPr id="310" name="Straight Connector 309"/>
+          <p:cNvCxnSpPr>
+            <a:stCxn id="309" idx="1"/>
+            <a:endCxn id="238" idx="3"/>
+          </p:cNvCxnSpPr>
+          <p:nvPr/>
+        </p:nvCxnSpPr>
+        <p:spPr>
+          <a:xfrm flipH="1">
+            <a:off x="9906000" y="3810000"/>
+            <a:ext cx="4114800" cy="0"/>
+          </a:xfrm>
+          <a:prstGeom prst="line">
+            <a:avLst/>
+          </a:prstGeom>
+          <a:ln w="12700">
+            <a:solidFill>
+              <a:srgbClr val="000000"/>
+            </a:solidFill>
+            <a:headEnd type="none" w="med" len="med"/>
+            <a:tailEnd type="none" w="med" len="med"/>
+          </a:ln>
+        </p:spPr>
+        <p:style>
+          <a:lnRef idx="1">
+            <a:schemeClr val="accent1"/>
+          </a:lnRef>
+          <a:fillRef idx="0">
+            <a:schemeClr val="accent1"/>
+          </a:fillRef>
+          <a:effectRef idx="0">
+            <a:schemeClr val="accent1"/>
+          </a:effectRef>
+          <a:fontRef idx="minor">
+            <a:schemeClr val="tx1"/>
+          </a:fontRef>
+        </p:style>
+      </p:cxnSp>
+      <p:cxnSp>
+        <p:nvCxnSpPr>
+          <p:cNvPr id="312" name="Straight Connector 311"/>
+          <p:cNvCxnSpPr/>
+          <p:nvPr/>
+        </p:nvCxnSpPr>
+        <p:spPr>
+          <a:xfrm flipV="1">
+            <a:off x="9982200" y="3733800"/>
+            <a:ext cx="152400" cy="152400"/>
+          </a:xfrm>
+          <a:prstGeom prst="line">
+            <a:avLst/>
+          </a:prstGeom>
+          <a:ln w="12700">
+            <a:solidFill>
+              <a:srgbClr val="000000"/>
+            </a:solidFill>
+            <a:headEnd type="none" w="med" len="med"/>
+            <a:tailEnd type="none" w="med" len="med"/>
+          </a:ln>
+        </p:spPr>
+        <p:style>
+          <a:lnRef idx="1">
+            <a:schemeClr val="accent1"/>
+          </a:lnRef>
+          <a:fillRef idx="0">
+            <a:schemeClr val="accent1"/>
+          </a:fillRef>
+          <a:effectRef idx="0">
+            <a:schemeClr val="accent1"/>
+          </a:effectRef>
+          <a:fontRef idx="minor">
+            <a:schemeClr val="tx1"/>
+          </a:fontRef>
+        </p:style>
+      </p:cxnSp>
+      <p:sp>
+        <p:nvSpPr>
+          <p:cNvPr id="313" name="Rectangle 312"/>
+          <p:cNvSpPr/>
+          <p:nvPr/>
+        </p:nvSpPr>
+        <p:spPr>
+          <a:xfrm>
+            <a:off x="9982200" y="3657600"/>
+            <a:ext cx="152400" cy="76200"/>
+          </a:xfrm>
+          <a:prstGeom prst="rect">
+            <a:avLst/>
+          </a:prstGeom>
+          <a:noFill/>
+          <a:ln>
+            <a:noFill/>
+          </a:ln>
+        </p:spPr>
+        <p:style>
+          <a:lnRef idx="2">
+            <a:schemeClr val="accent1">
+              <a:shade val="50000"/>
+            </a:schemeClr>
+          </a:lnRef>
+          <a:fillRef idx="1">
+            <a:schemeClr val="accent1"/>
+          </a:fillRef>
+          <a:effectRef idx="0">
+            <a:schemeClr val="accent1"/>
+          </a:effectRef>
+          <a:fontRef idx="minor">
+            <a:schemeClr val="lt1"/>
+          </a:fontRef>
+        </p:style>
+        <p:txBody>
+          <a:bodyPr wrap="none" lIns="45720" rIns="45720" rtlCol="0" anchor="ctr"/>
+          <a:lstStyle/>
+          <a:p>
+            <a:pPr algn="ctr"/>
+            <a:r>
+              <a:rPr lang="en-US" sz="900" dirty="0">
+                <a:solidFill>
+                  <a:srgbClr val="000000"/>
+                </a:solidFill>
+                <a:latin typeface="Courier New" panose="02070309020205020404" pitchFamily="49" charset="0"/>
+                <a:cs typeface="Courier New" panose="02070309020205020404" pitchFamily="49" charset="0"/>
+              </a:rPr>
+              <a:t>14</a:t>
+            </a:r>
+            <a:endParaRPr lang="en-US" sz="900" dirty="0">
+              <a:solidFill>
+                <a:srgbClr val="000000"/>
+              </a:solidFill>
+              <a:latin typeface="Courier New" panose="02070309020205020404" pitchFamily="49" charset="0"/>
+              <a:cs typeface="Courier New" panose="02070309020205020404" pitchFamily="49" charset="0"/>
+            </a:endParaRPr>
+          </a:p>
+        </p:txBody>
+      </p:sp>
+      <p:sp>
+        <p:nvSpPr>
+          <p:cNvPr id="315" name="Rectangle 314"/>
+          <p:cNvSpPr/>
+          <p:nvPr/>
+        </p:nvSpPr>
+        <p:spPr>
+          <a:xfrm>
+            <a:off x="10210800" y="3657600"/>
+            <a:ext cx="457200" cy="152400"/>
+          </a:xfrm>
+          <a:prstGeom prst="rect">
+            <a:avLst/>
+          </a:prstGeom>
+          <a:noFill/>
+          <a:ln>
+            <a:noFill/>
+          </a:ln>
+        </p:spPr>
+        <p:style>
+          <a:lnRef idx="2">
+            <a:schemeClr val="accent1">
+              <a:shade val="50000"/>
+            </a:schemeClr>
+          </a:lnRef>
+          <a:fillRef idx="1">
+            <a:schemeClr val="accent1"/>
+          </a:fillRef>
+          <a:effectRef idx="0">
+            <a:schemeClr val="accent1"/>
+          </a:effectRef>
+          <a:fontRef idx="minor">
+            <a:schemeClr val="lt1"/>
+          </a:fontRef>
+        </p:style>
+        <p:txBody>
+          <a:bodyPr wrap="none" lIns="45720" rIns="45720" rtlCol="0" anchor="ctr"/>
+          <a:lstStyle/>
+          <a:p>
+            <a:r>
+              <a:rPr lang="en-US" sz="900" dirty="0" err="1">
+                <a:solidFill>
+                  <a:srgbClr val="000000"/>
+                </a:solidFill>
+                <a:latin typeface="Courier New" panose="02070309020205020404" pitchFamily="49" charset="0"/>
+                <a:cs typeface="Courier New" panose="02070309020205020404" pitchFamily="49" charset="0"/>
+              </a:rPr>
+              <a:t>scb_ctrl</a:t>
+            </a:r>
+            <a:endParaRPr lang="en-US" sz="900" dirty="0">
+              <a:solidFill>
+                <a:srgbClr val="000000"/>
+              </a:solidFill>
+              <a:latin typeface="Courier New" panose="02070309020205020404" pitchFamily="49" charset="0"/>
+              <a:cs typeface="Courier New" panose="02070309020205020404" pitchFamily="49" charset="0"/>
+            </a:endParaRPr>
+          </a:p>
+        </p:txBody>
+      </p:sp>
+      <p:sp>
+        <p:nvSpPr>
+          <p:cNvPr id="317" name="Rectangle 316"/>
+          <p:cNvSpPr/>
+          <p:nvPr/>
+        </p:nvSpPr>
+        <p:spPr>
+          <a:xfrm>
+            <a:off x="12877800" y="3657600"/>
+            <a:ext cx="457200" cy="152400"/>
+          </a:xfrm>
+          <a:prstGeom prst="rect">
+            <a:avLst/>
+          </a:prstGeom>
+          <a:noFill/>
+          <a:ln>
+            <a:noFill/>
+          </a:ln>
+        </p:spPr>
+        <p:style>
+          <a:lnRef idx="2">
+            <a:schemeClr val="accent1">
+              <a:shade val="50000"/>
+            </a:schemeClr>
+          </a:lnRef>
+          <a:fillRef idx="1">
+            <a:schemeClr val="accent1"/>
+          </a:fillRef>
+          <a:effectRef idx="0">
+            <a:schemeClr val="accent1"/>
+          </a:effectRef>
+          <a:fontRef idx="minor">
+            <a:schemeClr val="lt1"/>
+          </a:fontRef>
+        </p:style>
+        <p:txBody>
+          <a:bodyPr wrap="none" lIns="45720" rIns="45720" rtlCol="0" anchor="ctr"/>
+          <a:lstStyle/>
+          <a:p>
+            <a:r>
+              <a:rPr lang="en-US" sz="900" dirty="0">
+                <a:solidFill>
+                  <a:srgbClr val="000000"/>
+                </a:solidFill>
+                <a:latin typeface="Courier New" panose="02070309020205020404" pitchFamily="49" charset="0"/>
+                <a:cs typeface="Courier New" panose="02070309020205020404" pitchFamily="49" charset="0"/>
+              </a:rPr>
+              <a:t>SCB_*</a:t>
+            </a:r>
+            <a:endParaRPr lang="en-US" sz="900" dirty="0">
+              <a:solidFill>
+                <a:srgbClr val="000000"/>
+              </a:solidFill>
+              <a:latin typeface="Courier New" panose="02070309020205020404" pitchFamily="49" charset="0"/>
+              <a:cs typeface="Courier New" panose="02070309020205020404" pitchFamily="49" charset="0"/>
+            </a:endParaRPr>
+          </a:p>
+        </p:txBody>
+      </p:sp>
+      <p:cxnSp>
+        <p:nvCxnSpPr>
+          <p:cNvPr id="318" name="Straight Connector 317"/>
+          <p:cNvCxnSpPr/>
+          <p:nvPr/>
+        </p:nvCxnSpPr>
+        <p:spPr>
+          <a:xfrm>
+            <a:off x="8001000" y="3505200"/>
+            <a:ext cx="533400" cy="0"/>
+          </a:xfrm>
+          <a:prstGeom prst="line">
+            <a:avLst/>
+          </a:prstGeom>
+          <a:ln w="12700">
+            <a:solidFill>
+              <a:srgbClr val="000000"/>
+            </a:solidFill>
+            <a:headEnd type="none" w="med" len="med"/>
+            <a:tailEnd type="triangle" w="med" len="med"/>
+          </a:ln>
+        </p:spPr>
+        <p:style>
+          <a:lnRef idx="1">
+            <a:schemeClr val="accent1"/>
+          </a:lnRef>
+          <a:fillRef idx="0">
+            <a:schemeClr val="accent1"/>
+          </a:fillRef>
+          <a:effectRef idx="0">
+            <a:schemeClr val="accent1"/>
+          </a:effectRef>
+          <a:fontRef idx="minor">
+            <a:schemeClr val="tx1"/>
+          </a:fontRef>
+        </p:style>
+      </p:cxnSp>
+      <p:cxnSp>
+        <p:nvCxnSpPr>
+          <p:cNvPr id="319" name="Straight Connector 318"/>
+          <p:cNvCxnSpPr/>
+          <p:nvPr/>
+        </p:nvCxnSpPr>
+        <p:spPr>
+          <a:xfrm flipV="1">
+            <a:off x="8001000" y="3505200"/>
+            <a:ext cx="0" cy="1371600"/>
+          </a:xfrm>
+          <a:prstGeom prst="line">
+            <a:avLst/>
+          </a:prstGeom>
+          <a:ln w="12700">
+            <a:solidFill>
+              <a:srgbClr val="000000"/>
+            </a:solidFill>
+            <a:headEnd type="oval" w="med" len="med"/>
+            <a:tailEnd type="none" w="med" len="med"/>
+          </a:ln>
+        </p:spPr>
+        <p:style>
+          <a:lnRef idx="1">
+            <a:schemeClr val="accent1"/>
+          </a:lnRef>
+          <a:fillRef idx="0">
+            <a:schemeClr val="accent1"/>
+          </a:fillRef>
+          <a:effectRef idx="0">
+            <a:schemeClr val="accent1"/>
+          </a:effectRef>
+          <a:fontRef idx="minor">
+            <a:schemeClr val="tx1"/>
+          </a:fontRef>
+        </p:style>
+      </p:cxnSp>
+      <p:cxnSp>
+        <p:nvCxnSpPr>
+          <p:cNvPr id="320" name="Straight Connector 319"/>
+          <p:cNvCxnSpPr/>
+          <p:nvPr/>
+        </p:nvCxnSpPr>
+        <p:spPr>
+          <a:xfrm flipV="1">
+            <a:off x="8229600" y="3810000"/>
+            <a:ext cx="0" cy="1371600"/>
+          </a:xfrm>
+          <a:prstGeom prst="line">
+            <a:avLst/>
+          </a:prstGeom>
+          <a:ln w="12700">
+            <a:solidFill>
+              <a:srgbClr val="000000"/>
+            </a:solidFill>
+            <a:headEnd type="oval" w="med" len="med"/>
+            <a:tailEnd type="none" w="med" len="med"/>
+          </a:ln>
+        </p:spPr>
+        <p:style>
+          <a:lnRef idx="1">
+            <a:schemeClr val="accent1"/>
+          </a:lnRef>
+          <a:fillRef idx="0">
+            <a:schemeClr val="accent1"/>
+          </a:fillRef>
+          <a:effectRef idx="0">
+            <a:schemeClr val="accent1"/>
+          </a:effectRef>
+          <a:fontRef idx="minor">
+            <a:schemeClr val="tx1"/>
+          </a:fontRef>
+        </p:style>
+      </p:cxnSp>
+      <p:cxnSp>
+        <p:nvCxnSpPr>
+          <p:cNvPr id="321" name="Straight Connector 320"/>
+          <p:cNvCxnSpPr/>
+          <p:nvPr/>
+        </p:nvCxnSpPr>
+        <p:spPr>
+          <a:xfrm>
+            <a:off x="8229600" y="3810000"/>
+            <a:ext cx="304800" cy="0"/>
+          </a:xfrm>
+          <a:prstGeom prst="line">
+            <a:avLst/>
+          </a:prstGeom>
+          <a:ln w="12700">
+            <a:solidFill>
+              <a:srgbClr val="000000"/>
+            </a:solidFill>
+            <a:headEnd type="none" w="med" len="med"/>
+            <a:tailEnd type="triangle" w="med" len="med"/>
+          </a:ln>
+        </p:spPr>
+        <p:style>
+          <a:lnRef idx="1">
+            <a:schemeClr val="accent1"/>
+          </a:lnRef>
+          <a:fillRef idx="0">
+            <a:schemeClr val="accent1"/>
+          </a:fillRef>
+          <a:effectRef idx="0">
+            <a:schemeClr val="accent1"/>
+          </a:effectRef>
+          <a:fontRef idx="minor">
+            <a:schemeClr val="tx1"/>
+          </a:fontRef>
+        </p:style>
+      </p:cxnSp>
+      <p:sp>
+        <p:nvSpPr>
+          <p:cNvPr id="322" name="Rectangle 321"/>
+          <p:cNvSpPr/>
+          <p:nvPr/>
+        </p:nvSpPr>
+        <p:spPr>
+          <a:xfrm>
+            <a:off x="9448800" y="3276600"/>
+            <a:ext cx="457200" cy="152400"/>
+          </a:xfrm>
+          <a:prstGeom prst="rect">
+            <a:avLst/>
+          </a:prstGeom>
+          <a:noFill/>
+          <a:ln>
+            <a:noFill/>
+          </a:ln>
+        </p:spPr>
+        <p:style>
+          <a:lnRef idx="2">
+            <a:schemeClr val="accent1">
+              <a:shade val="50000"/>
+            </a:schemeClr>
+          </a:lnRef>
+          <a:fillRef idx="1">
+            <a:schemeClr val="accent1"/>
+          </a:fillRef>
+          <a:effectRef idx="0">
+            <a:schemeClr val="accent1"/>
+          </a:effectRef>
+          <a:fontRef idx="minor">
+            <a:schemeClr val="lt1"/>
+          </a:fontRef>
+        </p:style>
+        <p:txBody>
+          <a:bodyPr wrap="none" lIns="45720" rIns="45720" rtlCol="0" anchor="ctr"/>
+          <a:lstStyle/>
+          <a:p>
+            <a:pPr algn="r"/>
+            <a:r>
+              <a:rPr lang="en-US" sz="900" dirty="0">
+                <a:solidFill>
+                  <a:srgbClr val="000000"/>
+                </a:solidFill>
+                <a:latin typeface="Courier New" panose="02070309020205020404" pitchFamily="49" charset="0"/>
+                <a:cs typeface="Courier New" panose="02070309020205020404" pitchFamily="49" charset="0"/>
+              </a:rPr>
+              <a:t>SC_POR</a:t>
+            </a:r>
+            <a:endParaRPr lang="en-US" sz="900" dirty="0">
+              <a:solidFill>
+                <a:srgbClr val="000000"/>
+              </a:solidFill>
+              <a:latin typeface="Courier New" panose="02070309020205020404" pitchFamily="49" charset="0"/>
+              <a:cs typeface="Courier New" panose="02070309020205020404" pitchFamily="49" charset="0"/>
+            </a:endParaRPr>
+          </a:p>
+        </p:txBody>
+      </p:sp>
+      <p:sp>
+        <p:nvSpPr>
+          <p:cNvPr id="323" name="Pentagon 322"/>
+          <p:cNvSpPr/>
+          <p:nvPr/>
+        </p:nvSpPr>
+        <p:spPr>
+          <a:xfrm>
+            <a:off x="14020800" y="3276600"/>
+            <a:ext cx="228600" cy="152400"/>
+          </a:xfrm>
+          <a:prstGeom prst="homePlate">
+            <a:avLst/>
+          </a:prstGeom>
+          <a:noFill/>
+          <a:ln w="12700">
+            <a:solidFill>
+              <a:schemeClr val="tx1"/>
+            </a:solidFill>
+          </a:ln>
+        </p:spPr>
+        <p:style>
+          <a:lnRef idx="2">
+            <a:schemeClr val="accent1">
+              <a:shade val="50000"/>
+            </a:schemeClr>
+          </a:lnRef>
+          <a:fillRef idx="1">
+            <a:schemeClr val="accent1"/>
+          </a:fillRef>
+          <a:effectRef idx="0">
+            <a:schemeClr val="accent1"/>
+          </a:effectRef>
+          <a:fontRef idx="minor">
+            <a:schemeClr val="lt1"/>
+          </a:fontRef>
+        </p:style>
+        <p:txBody>
+          <a:bodyPr rot="0" spcFirstLastPara="0" vertOverflow="overflow" horzOverflow="overflow" vert="horz" wrap="square" lIns="91440" tIns="45720" rIns="91440" bIns="45720" numCol="1" spcCol="0" rtlCol="0" fromWordArt="0" anchor="ctr" anchorCtr="0" forceAA="0" compatLnSpc="1">
+            <a:prstTxWarp prst="textNoShape">
+              <a:avLst/>
+            </a:prstTxWarp>
+            <a:noAutofit/>
+          </a:bodyPr>
+          <a:lstStyle/>
+          <a:p>
+            <a:pPr algn="ctr"/>
+            <a:endParaRPr lang="en-US" sz="3730"/>
+          </a:p>
+        </p:txBody>
+      </p:sp>
+      <p:cxnSp>
+        <p:nvCxnSpPr>
+          <p:cNvPr id="325" name="Straight Connector 324"/>
+          <p:cNvCxnSpPr>
+            <a:stCxn id="323" idx="1"/>
+            <a:endCxn id="322" idx="3"/>
+          </p:cNvCxnSpPr>
+          <p:nvPr/>
+        </p:nvCxnSpPr>
+        <p:spPr>
+          <a:xfrm flipH="1">
+            <a:off x="9906000" y="3352800"/>
+            <a:ext cx="4114800" cy="0"/>
+          </a:xfrm>
+          <a:prstGeom prst="line">
+            <a:avLst/>
+          </a:prstGeom>
+          <a:ln w="12700">
+            <a:solidFill>
+              <a:srgbClr val="000000"/>
+            </a:solidFill>
+            <a:headEnd type="none" w="med" len="med"/>
+            <a:tailEnd type="none" w="med" len="med"/>
+          </a:ln>
+        </p:spPr>
+        <p:style>
+          <a:lnRef idx="1">
+            <a:schemeClr val="accent1"/>
+          </a:lnRef>
+          <a:fillRef idx="0">
+            <a:schemeClr val="accent1"/>
+          </a:fillRef>
+          <a:effectRef idx="0">
+            <a:schemeClr val="accent1"/>
+          </a:effectRef>
+          <a:fontRef idx="minor">
+            <a:schemeClr val="tx1"/>
+          </a:fontRef>
+        </p:style>
+      </p:cxnSp>
+      <p:cxnSp>
+        <p:nvCxnSpPr>
+          <p:cNvPr id="326" name="Straight Connector 325"/>
+          <p:cNvCxnSpPr/>
+          <p:nvPr/>
+        </p:nvCxnSpPr>
+        <p:spPr>
+          <a:xfrm flipV="1">
+            <a:off x="9982200" y="3276600"/>
+            <a:ext cx="152400" cy="152400"/>
+          </a:xfrm>
+          <a:prstGeom prst="line">
+            <a:avLst/>
+          </a:prstGeom>
+          <a:ln w="12700">
+            <a:solidFill>
+              <a:srgbClr val="000000"/>
+            </a:solidFill>
+            <a:headEnd type="none" w="med" len="med"/>
+            <a:tailEnd type="none" w="med" len="med"/>
+          </a:ln>
+        </p:spPr>
+        <p:style>
+          <a:lnRef idx="1">
+            <a:schemeClr val="accent1"/>
+          </a:lnRef>
+          <a:fillRef idx="0">
+            <a:schemeClr val="accent1"/>
+          </a:fillRef>
+          <a:effectRef idx="0">
+            <a:schemeClr val="accent1"/>
+          </a:effectRef>
+          <a:fontRef idx="minor">
+            <a:schemeClr val="tx1"/>
+          </a:fontRef>
+        </p:style>
+      </p:cxnSp>
+      <p:sp>
+        <p:nvSpPr>
+          <p:cNvPr id="328" name="Rectangle 327"/>
+          <p:cNvSpPr/>
+          <p:nvPr/>
+        </p:nvSpPr>
+        <p:spPr>
+          <a:xfrm>
+            <a:off x="9982200" y="3200400"/>
+            <a:ext cx="152400" cy="76200"/>
+          </a:xfrm>
+          <a:prstGeom prst="rect">
+            <a:avLst/>
+          </a:prstGeom>
+          <a:noFill/>
+          <a:ln>
+            <a:noFill/>
+          </a:ln>
+        </p:spPr>
+        <p:style>
+          <a:lnRef idx="2">
+            <a:schemeClr val="accent1">
+              <a:shade val="50000"/>
+            </a:schemeClr>
+          </a:lnRef>
+          <a:fillRef idx="1">
+            <a:schemeClr val="accent1"/>
+          </a:fillRef>
+          <a:effectRef idx="0">
+            <a:schemeClr val="accent1"/>
+          </a:effectRef>
+          <a:fontRef idx="minor">
+            <a:schemeClr val="lt1"/>
+          </a:fontRef>
+        </p:style>
+        <p:txBody>
+          <a:bodyPr wrap="none" lIns="45720" rIns="45720" rtlCol="0" anchor="ctr"/>
+          <a:lstStyle/>
+          <a:p>
+            <a:pPr algn="ctr"/>
+            <a:r>
+              <a:rPr lang="en-US" sz="900" dirty="0">
+                <a:solidFill>
+                  <a:srgbClr val="000000"/>
+                </a:solidFill>
+                <a:latin typeface="Courier New" panose="02070309020205020404" pitchFamily="49" charset="0"/>
+                <a:cs typeface="Courier New" panose="02070309020205020404" pitchFamily="49" charset="0"/>
+              </a:rPr>
+              <a:t>1</a:t>
+            </a:r>
+            <a:endParaRPr lang="en-US" sz="900" dirty="0">
+              <a:solidFill>
+                <a:srgbClr val="000000"/>
+              </a:solidFill>
+              <a:latin typeface="Courier New" panose="02070309020205020404" pitchFamily="49" charset="0"/>
+              <a:cs typeface="Courier New" panose="02070309020205020404" pitchFamily="49" charset="0"/>
+            </a:endParaRPr>
+          </a:p>
+        </p:txBody>
+      </p:sp>
+      <p:sp>
+        <p:nvSpPr>
+          <p:cNvPr id="335" name="Rectangle 334"/>
+          <p:cNvSpPr/>
+          <p:nvPr/>
+        </p:nvSpPr>
+        <p:spPr>
+          <a:xfrm>
+            <a:off x="12877800" y="3200400"/>
+            <a:ext cx="457200" cy="152400"/>
+          </a:xfrm>
+          <a:prstGeom prst="rect">
+            <a:avLst/>
+          </a:prstGeom>
+          <a:noFill/>
+          <a:ln>
+            <a:noFill/>
+          </a:ln>
+        </p:spPr>
+        <p:style>
+          <a:lnRef idx="2">
+            <a:schemeClr val="accent1">
+              <a:shade val="50000"/>
+            </a:schemeClr>
+          </a:lnRef>
+          <a:fillRef idx="1">
+            <a:schemeClr val="accent1"/>
+          </a:fillRef>
+          <a:effectRef idx="0">
+            <a:schemeClr val="accent1"/>
+          </a:effectRef>
+          <a:fontRef idx="minor">
+            <a:schemeClr val="lt1"/>
+          </a:fontRef>
+        </p:style>
+        <p:txBody>
+          <a:bodyPr wrap="none" lIns="45720" rIns="45720" rtlCol="0" anchor="ctr"/>
+          <a:lstStyle/>
+          <a:p>
+            <a:r>
+              <a:rPr lang="en-US" sz="900" dirty="0">
+                <a:solidFill>
+                  <a:srgbClr val="000000"/>
+                </a:solidFill>
+                <a:latin typeface="Courier New" panose="02070309020205020404" pitchFamily="49" charset="0"/>
+                <a:cs typeface="Courier New" panose="02070309020205020404" pitchFamily="49" charset="0"/>
+              </a:rPr>
+              <a:t>SC_POR</a:t>
+            </a:r>
+            <a:endParaRPr lang="en-US" sz="900" dirty="0">
+              <a:solidFill>
+                <a:srgbClr val="000000"/>
+              </a:solidFill>
+              <a:latin typeface="Courier New" panose="02070309020205020404" pitchFamily="49" charset="0"/>
+              <a:cs typeface="Courier New" panose="02070309020205020404" pitchFamily="49" charset="0"/>
+            </a:endParaRPr>
+          </a:p>
+        </p:txBody>
+      </p:sp>
+      <p:sp>
+        <p:nvSpPr>
+          <p:cNvPr id="336" name="Rectangle 335"/>
+          <p:cNvSpPr/>
+          <p:nvPr/>
+        </p:nvSpPr>
+        <p:spPr>
+          <a:xfrm>
+            <a:off x="9448800" y="2438400"/>
+            <a:ext cx="457200" cy="152400"/>
+          </a:xfrm>
+          <a:prstGeom prst="rect">
+            <a:avLst/>
+          </a:prstGeom>
+          <a:noFill/>
+          <a:ln>
+            <a:noFill/>
+          </a:ln>
+        </p:spPr>
+        <p:style>
+          <a:lnRef idx="2">
+            <a:schemeClr val="accent1">
+              <a:shade val="50000"/>
+            </a:schemeClr>
+          </a:lnRef>
+          <a:fillRef idx="1">
+            <a:schemeClr val="accent1"/>
+          </a:fillRef>
+          <a:effectRef idx="0">
+            <a:schemeClr val="accent1"/>
+          </a:effectRef>
+          <a:fontRef idx="minor">
+            <a:schemeClr val="lt1"/>
+          </a:fontRef>
+        </p:style>
+        <p:txBody>
+          <a:bodyPr wrap="none" lIns="45720" rIns="45720" rtlCol="0" anchor="ctr"/>
+          <a:lstStyle/>
+          <a:p>
+            <a:pPr algn="r"/>
+            <a:r>
+              <a:rPr lang="en-US" sz="900" dirty="0">
+                <a:solidFill>
+                  <a:srgbClr val="000000"/>
+                </a:solidFill>
+                <a:latin typeface="Courier New" panose="02070309020205020404" pitchFamily="49" charset="0"/>
+                <a:cs typeface="Courier New" panose="02070309020205020404" pitchFamily="49" charset="0"/>
+              </a:rPr>
+              <a:t>ST_POR</a:t>
+            </a:r>
+            <a:endParaRPr lang="en-US" sz="900" dirty="0">
+              <a:solidFill>
+                <a:srgbClr val="000000"/>
+              </a:solidFill>
+              <a:latin typeface="Courier New" panose="02070309020205020404" pitchFamily="49" charset="0"/>
+              <a:cs typeface="Courier New" panose="02070309020205020404" pitchFamily="49" charset="0"/>
+            </a:endParaRPr>
+          </a:p>
+        </p:txBody>
+      </p:sp>
+      <p:sp>
+        <p:nvSpPr>
+          <p:cNvPr id="337" name="Pentagon 336"/>
+          <p:cNvSpPr/>
+          <p:nvPr/>
+        </p:nvSpPr>
+        <p:spPr>
+          <a:xfrm>
+            <a:off x="14020800" y="2438400"/>
+            <a:ext cx="228600" cy="152400"/>
+          </a:xfrm>
+          <a:prstGeom prst="homePlate">
+            <a:avLst/>
+          </a:prstGeom>
+          <a:noFill/>
+          <a:ln w="12700">
+            <a:solidFill>
+              <a:schemeClr val="tx1"/>
+            </a:solidFill>
+          </a:ln>
+        </p:spPr>
+        <p:style>
+          <a:lnRef idx="2">
+            <a:schemeClr val="accent1">
+              <a:shade val="50000"/>
+            </a:schemeClr>
+          </a:lnRef>
+          <a:fillRef idx="1">
+            <a:schemeClr val="accent1"/>
+          </a:fillRef>
+          <a:effectRef idx="0">
+            <a:schemeClr val="accent1"/>
+          </a:effectRef>
+          <a:fontRef idx="minor">
+            <a:schemeClr val="lt1"/>
+          </a:fontRef>
+        </p:style>
+        <p:txBody>
+          <a:bodyPr rot="0" spcFirstLastPara="0" vertOverflow="overflow" horzOverflow="overflow" vert="horz" wrap="square" lIns="91440" tIns="45720" rIns="91440" bIns="45720" numCol="1" spcCol="0" rtlCol="0" fromWordArt="0" anchor="ctr" anchorCtr="0" forceAA="0" compatLnSpc="1">
+            <a:prstTxWarp prst="textNoShape">
+              <a:avLst/>
+            </a:prstTxWarp>
+            <a:noAutofit/>
+          </a:bodyPr>
+          <a:lstStyle/>
+          <a:p>
+            <a:pPr algn="ctr"/>
+            <a:endParaRPr lang="en-US" sz="3730"/>
+          </a:p>
+        </p:txBody>
+      </p:sp>
+      <p:cxnSp>
+        <p:nvCxnSpPr>
+          <p:cNvPr id="340" name="Straight Connector 339"/>
+          <p:cNvCxnSpPr>
+            <a:stCxn id="337" idx="1"/>
+            <a:endCxn id="336" idx="3"/>
+          </p:cNvCxnSpPr>
+          <p:nvPr/>
+        </p:nvCxnSpPr>
+        <p:spPr>
+          <a:xfrm flipH="1">
+            <a:off x="9906000" y="2514600"/>
+            <a:ext cx="4114800" cy="0"/>
+          </a:xfrm>
+          <a:prstGeom prst="line">
+            <a:avLst/>
+          </a:prstGeom>
+          <a:ln w="12700">
+            <a:solidFill>
+              <a:srgbClr val="000000"/>
+            </a:solidFill>
+            <a:headEnd type="none" w="med" len="med"/>
+            <a:tailEnd type="none" w="med" len="med"/>
+          </a:ln>
+        </p:spPr>
+        <p:style>
+          <a:lnRef idx="1">
+            <a:schemeClr val="accent1"/>
+          </a:lnRef>
+          <a:fillRef idx="0">
+            <a:schemeClr val="accent1"/>
+          </a:fillRef>
+          <a:effectRef idx="0">
+            <a:schemeClr val="accent1"/>
+          </a:effectRef>
+          <a:fontRef idx="minor">
+            <a:schemeClr val="tx1"/>
+          </a:fontRef>
+        </p:style>
+      </p:cxnSp>
+      <p:cxnSp>
+        <p:nvCxnSpPr>
+          <p:cNvPr id="347" name="Straight Connector 346"/>
+          <p:cNvCxnSpPr/>
+          <p:nvPr/>
+        </p:nvCxnSpPr>
+        <p:spPr>
+          <a:xfrm flipV="1">
+            <a:off x="9982200" y="2438400"/>
+            <a:ext cx="152400" cy="152400"/>
+          </a:xfrm>
+          <a:prstGeom prst="line">
+            <a:avLst/>
+          </a:prstGeom>
+          <a:ln w="12700">
+            <a:solidFill>
+              <a:srgbClr val="000000"/>
+            </a:solidFill>
+            <a:headEnd type="none" w="med" len="med"/>
+            <a:tailEnd type="none" w="med" len="med"/>
+          </a:ln>
+        </p:spPr>
+        <p:style>
+          <a:lnRef idx="1">
+            <a:schemeClr val="accent1"/>
+          </a:lnRef>
+          <a:fillRef idx="0">
+            <a:schemeClr val="accent1"/>
+          </a:fillRef>
+          <a:effectRef idx="0">
+            <a:schemeClr val="accent1"/>
+          </a:effectRef>
+          <a:fontRef idx="minor">
+            <a:schemeClr val="tx1"/>
+          </a:fontRef>
+        </p:style>
+      </p:cxnSp>
+      <p:sp>
+        <p:nvSpPr>
+          <p:cNvPr id="348" name="Rectangle 347"/>
+          <p:cNvSpPr/>
+          <p:nvPr/>
+        </p:nvSpPr>
+        <p:spPr>
+          <a:xfrm>
+            <a:off x="9982200" y="2362200"/>
+            <a:ext cx="152400" cy="76200"/>
+          </a:xfrm>
+          <a:prstGeom prst="rect">
+            <a:avLst/>
+          </a:prstGeom>
+          <a:noFill/>
+          <a:ln>
+            <a:noFill/>
+          </a:ln>
+        </p:spPr>
+        <p:style>
+          <a:lnRef idx="2">
+            <a:schemeClr val="accent1">
+              <a:shade val="50000"/>
+            </a:schemeClr>
+          </a:lnRef>
+          <a:fillRef idx="1">
+            <a:schemeClr val="accent1"/>
+          </a:fillRef>
+          <a:effectRef idx="0">
+            <a:schemeClr val="accent1"/>
+          </a:effectRef>
+          <a:fontRef idx="minor">
+            <a:schemeClr val="lt1"/>
+          </a:fontRef>
+        </p:style>
+        <p:txBody>
+          <a:bodyPr wrap="none" lIns="45720" rIns="45720" rtlCol="0" anchor="ctr"/>
+          <a:lstStyle/>
+          <a:p>
+            <a:pPr algn="ctr"/>
+            <a:r>
+              <a:rPr lang="en-US" sz="900" dirty="0">
+                <a:solidFill>
+                  <a:srgbClr val="000000"/>
+                </a:solidFill>
+                <a:latin typeface="Courier New" panose="02070309020205020404" pitchFamily="49" charset="0"/>
+                <a:cs typeface="Courier New" panose="02070309020205020404" pitchFamily="49" charset="0"/>
+              </a:rPr>
+              <a:t>1</a:t>
+            </a:r>
+            <a:endParaRPr lang="en-US" sz="900" dirty="0">
+              <a:solidFill>
+                <a:srgbClr val="000000"/>
+              </a:solidFill>
+              <a:latin typeface="Courier New" panose="02070309020205020404" pitchFamily="49" charset="0"/>
+              <a:cs typeface="Courier New" panose="02070309020205020404" pitchFamily="49" charset="0"/>
+            </a:endParaRPr>
+          </a:p>
+        </p:txBody>
+      </p:sp>
+      <p:sp>
+        <p:nvSpPr>
+          <p:cNvPr id="349" name="Rectangle 348"/>
+          <p:cNvSpPr/>
+          <p:nvPr/>
+        </p:nvSpPr>
+        <p:spPr>
+          <a:xfrm>
+            <a:off x="12877800" y="2362200"/>
+            <a:ext cx="457200" cy="152400"/>
+          </a:xfrm>
+          <a:prstGeom prst="rect">
+            <a:avLst/>
+          </a:prstGeom>
+          <a:noFill/>
+          <a:ln>
+            <a:noFill/>
+          </a:ln>
+        </p:spPr>
+        <p:style>
+          <a:lnRef idx="2">
+            <a:schemeClr val="accent1">
+              <a:shade val="50000"/>
+            </a:schemeClr>
+          </a:lnRef>
+          <a:fillRef idx="1">
+            <a:schemeClr val="accent1"/>
+          </a:fillRef>
+          <a:effectRef idx="0">
+            <a:schemeClr val="accent1"/>
+          </a:effectRef>
+          <a:fontRef idx="minor">
+            <a:schemeClr val="lt1"/>
+          </a:fontRef>
+        </p:style>
+        <p:txBody>
+          <a:bodyPr wrap="none" lIns="45720" rIns="45720" rtlCol="0" anchor="ctr"/>
+          <a:lstStyle/>
+          <a:p>
+            <a:r>
+              <a:rPr lang="en-US" sz="900" dirty="0">
+                <a:solidFill>
+                  <a:srgbClr val="000000"/>
+                </a:solidFill>
+                <a:latin typeface="Courier New" panose="02070309020205020404" pitchFamily="49" charset="0"/>
+                <a:cs typeface="Courier New" panose="02070309020205020404" pitchFamily="49" charset="0"/>
+              </a:rPr>
+              <a:t>ST_POR</a:t>
+            </a:r>
+            <a:endParaRPr lang="en-US" sz="900" dirty="0">
+              <a:solidFill>
+                <a:srgbClr val="000000"/>
+              </a:solidFill>
+              <a:latin typeface="Courier New" panose="02070309020205020404" pitchFamily="49" charset="0"/>
+              <a:cs typeface="Courier New" panose="02070309020205020404" pitchFamily="49" charset="0"/>
+            </a:endParaRPr>
+          </a:p>
+        </p:txBody>
+      </p:sp>
+      <p:sp>
+        <p:nvSpPr>
+          <p:cNvPr id="350" name="Rectangle 349"/>
+          <p:cNvSpPr/>
+          <p:nvPr/>
+        </p:nvSpPr>
+        <p:spPr>
+          <a:xfrm>
+            <a:off x="9448800" y="1600200"/>
+            <a:ext cx="457200" cy="152400"/>
+          </a:xfrm>
+          <a:prstGeom prst="rect">
+            <a:avLst/>
+          </a:prstGeom>
+          <a:noFill/>
+          <a:ln>
+            <a:noFill/>
+          </a:ln>
+        </p:spPr>
+        <p:style>
+          <a:lnRef idx="2">
+            <a:schemeClr val="accent1">
+              <a:shade val="50000"/>
+            </a:schemeClr>
+          </a:lnRef>
+          <a:fillRef idx="1">
+            <a:schemeClr val="accent1"/>
+          </a:fillRef>
+          <a:effectRef idx="0">
+            <a:schemeClr val="accent1"/>
+          </a:effectRef>
+          <a:fontRef idx="minor">
+            <a:schemeClr val="lt1"/>
+          </a:fontRef>
+        </p:style>
+        <p:txBody>
+          <a:bodyPr wrap="none" lIns="45720" rIns="45720" rtlCol="0" anchor="ctr"/>
+          <a:lstStyle/>
+          <a:p>
+            <a:pPr algn="r"/>
+            <a:r>
+              <a:rPr lang="en-US" sz="900" dirty="0">
+                <a:solidFill>
+                  <a:srgbClr val="000000"/>
+                </a:solidFill>
+                <a:latin typeface="Courier New" panose="02070309020205020404" pitchFamily="49" charset="0"/>
+                <a:cs typeface="Courier New" panose="02070309020205020404" pitchFamily="49" charset="0"/>
+              </a:rPr>
+              <a:t>ET_POR</a:t>
+            </a:r>
+            <a:endParaRPr lang="en-US" sz="900" dirty="0">
+              <a:solidFill>
+                <a:srgbClr val="000000"/>
+              </a:solidFill>
+              <a:latin typeface="Courier New" panose="02070309020205020404" pitchFamily="49" charset="0"/>
+              <a:cs typeface="Courier New" panose="02070309020205020404" pitchFamily="49" charset="0"/>
+            </a:endParaRPr>
+          </a:p>
+        </p:txBody>
+      </p:sp>
+      <p:sp>
+        <p:nvSpPr>
+          <p:cNvPr id="351" name="Pentagon 350"/>
+          <p:cNvSpPr/>
+          <p:nvPr/>
+        </p:nvSpPr>
+        <p:spPr>
+          <a:xfrm>
+            <a:off x="14020800" y="1600200"/>
+            <a:ext cx="228600" cy="152400"/>
+          </a:xfrm>
+          <a:prstGeom prst="homePlate">
+            <a:avLst/>
+          </a:prstGeom>
+          <a:noFill/>
+          <a:ln w="12700">
+            <a:solidFill>
+              <a:schemeClr val="tx1"/>
+            </a:solidFill>
+          </a:ln>
+        </p:spPr>
+        <p:style>
+          <a:lnRef idx="2">
+            <a:schemeClr val="accent1">
+              <a:shade val="50000"/>
+            </a:schemeClr>
+          </a:lnRef>
+          <a:fillRef idx="1">
+            <a:schemeClr val="accent1"/>
+          </a:fillRef>
+          <a:effectRef idx="0">
+            <a:schemeClr val="accent1"/>
+          </a:effectRef>
+          <a:fontRef idx="minor">
+            <a:schemeClr val="lt1"/>
+          </a:fontRef>
+        </p:style>
+        <p:txBody>
+          <a:bodyPr rot="0" spcFirstLastPara="0" vertOverflow="overflow" horzOverflow="overflow" vert="horz" wrap="square" lIns="91440" tIns="45720" rIns="91440" bIns="45720" numCol="1" spcCol="0" rtlCol="0" fromWordArt="0" anchor="ctr" anchorCtr="0" forceAA="0" compatLnSpc="1">
+            <a:prstTxWarp prst="textNoShape">
+              <a:avLst/>
+            </a:prstTxWarp>
+            <a:noAutofit/>
+          </a:bodyPr>
+          <a:lstStyle/>
+          <a:p>
+            <a:pPr algn="ctr"/>
+            <a:endParaRPr lang="en-US" sz="3730"/>
+          </a:p>
+        </p:txBody>
+      </p:sp>
+      <p:cxnSp>
+        <p:nvCxnSpPr>
+          <p:cNvPr id="352" name="Straight Connector 351"/>
+          <p:cNvCxnSpPr>
+            <a:stCxn id="351" idx="1"/>
+            <a:endCxn id="350" idx="3"/>
+          </p:cNvCxnSpPr>
+          <p:nvPr/>
+        </p:nvCxnSpPr>
+        <p:spPr>
+          <a:xfrm flipH="1">
+            <a:off x="9906000" y="1676400"/>
+            <a:ext cx="4114800" cy="0"/>
+          </a:xfrm>
+          <a:prstGeom prst="line">
+            <a:avLst/>
+          </a:prstGeom>
+          <a:ln w="12700">
+            <a:solidFill>
+              <a:srgbClr val="000000"/>
+            </a:solidFill>
+            <a:headEnd type="none" w="med" len="med"/>
+            <a:tailEnd type="none" w="med" len="med"/>
+          </a:ln>
+        </p:spPr>
+        <p:style>
+          <a:lnRef idx="1">
+            <a:schemeClr val="accent1"/>
+          </a:lnRef>
+          <a:fillRef idx="0">
+            <a:schemeClr val="accent1"/>
+          </a:fillRef>
+          <a:effectRef idx="0">
+            <a:schemeClr val="accent1"/>
+          </a:effectRef>
+          <a:fontRef idx="minor">
+            <a:schemeClr val="tx1"/>
+          </a:fontRef>
+        </p:style>
+      </p:cxnSp>
+      <p:cxnSp>
+        <p:nvCxnSpPr>
+          <p:cNvPr id="353" name="Straight Connector 352"/>
+          <p:cNvCxnSpPr/>
+          <p:nvPr/>
+        </p:nvCxnSpPr>
+        <p:spPr>
+          <a:xfrm flipV="1">
+            <a:off x="9982200" y="1600200"/>
+            <a:ext cx="152400" cy="152400"/>
+          </a:xfrm>
+          <a:prstGeom prst="line">
+            <a:avLst/>
+          </a:prstGeom>
+          <a:ln w="12700">
+            <a:solidFill>
+              <a:srgbClr val="000000"/>
+            </a:solidFill>
+            <a:headEnd type="none" w="med" len="med"/>
+            <a:tailEnd type="none" w="med" len="med"/>
+          </a:ln>
+        </p:spPr>
+        <p:style>
+          <a:lnRef idx="1">
+            <a:schemeClr val="accent1"/>
+          </a:lnRef>
+          <a:fillRef idx="0">
+            <a:schemeClr val="accent1"/>
+          </a:fillRef>
+          <a:effectRef idx="0">
+            <a:schemeClr val="accent1"/>
+          </a:effectRef>
+          <a:fontRef idx="minor">
+            <a:schemeClr val="tx1"/>
+          </a:fontRef>
+        </p:style>
+      </p:cxnSp>
+      <p:sp>
+        <p:nvSpPr>
+          <p:cNvPr id="354" name="Rectangle 353"/>
+          <p:cNvSpPr/>
+          <p:nvPr/>
+        </p:nvSpPr>
+        <p:spPr>
+          <a:xfrm>
+            <a:off x="9982200" y="1524000"/>
+            <a:ext cx="152400" cy="76200"/>
+          </a:xfrm>
+          <a:prstGeom prst="rect">
+            <a:avLst/>
+          </a:prstGeom>
+          <a:noFill/>
+          <a:ln>
+            <a:noFill/>
+          </a:ln>
+        </p:spPr>
+        <p:style>
+          <a:lnRef idx="2">
+            <a:schemeClr val="accent1">
+              <a:shade val="50000"/>
+            </a:schemeClr>
+          </a:lnRef>
+          <a:fillRef idx="1">
+            <a:schemeClr val="accent1"/>
+          </a:fillRef>
+          <a:effectRef idx="0">
+            <a:schemeClr val="accent1"/>
+          </a:effectRef>
+          <a:fontRef idx="minor">
+            <a:schemeClr val="lt1"/>
+          </a:fontRef>
+        </p:style>
+        <p:txBody>
+          <a:bodyPr wrap="none" lIns="45720" rIns="45720" rtlCol="0" anchor="ctr"/>
+          <a:lstStyle/>
+          <a:p>
+            <a:pPr algn="ctr"/>
+            <a:r>
+              <a:rPr lang="en-US" sz="900" dirty="0">
+                <a:solidFill>
+                  <a:srgbClr val="000000"/>
+                </a:solidFill>
+                <a:latin typeface="Courier New" panose="02070309020205020404" pitchFamily="49" charset="0"/>
+                <a:cs typeface="Courier New" panose="02070309020205020404" pitchFamily="49" charset="0"/>
+              </a:rPr>
+              <a:t>1</a:t>
+            </a:r>
+            <a:endParaRPr lang="en-US" sz="900" dirty="0">
+              <a:solidFill>
+                <a:srgbClr val="000000"/>
+              </a:solidFill>
+              <a:latin typeface="Courier New" panose="02070309020205020404" pitchFamily="49" charset="0"/>
+              <a:cs typeface="Courier New" panose="02070309020205020404" pitchFamily="49" charset="0"/>
+            </a:endParaRPr>
+          </a:p>
+        </p:txBody>
+      </p:sp>
+      <p:sp>
+        <p:nvSpPr>
+          <p:cNvPr id="355" name="Rectangle 354"/>
+          <p:cNvSpPr/>
+          <p:nvPr/>
+        </p:nvSpPr>
+        <p:spPr>
+          <a:xfrm>
+            <a:off x="12877800" y="1524000"/>
+            <a:ext cx="457200" cy="152400"/>
+          </a:xfrm>
+          <a:prstGeom prst="rect">
+            <a:avLst/>
+          </a:prstGeom>
+          <a:noFill/>
+          <a:ln>
+            <a:noFill/>
+          </a:ln>
+        </p:spPr>
+        <p:style>
+          <a:lnRef idx="2">
+            <a:schemeClr val="accent1">
+              <a:shade val="50000"/>
+            </a:schemeClr>
+          </a:lnRef>
+          <a:fillRef idx="1">
+            <a:schemeClr val="accent1"/>
+          </a:fillRef>
+          <a:effectRef idx="0">
+            <a:schemeClr val="accent1"/>
+          </a:effectRef>
+          <a:fontRef idx="minor">
+            <a:schemeClr val="lt1"/>
+          </a:fontRef>
+        </p:style>
+        <p:txBody>
+          <a:bodyPr wrap="none" lIns="45720" rIns="45720" rtlCol="0" anchor="ctr"/>
+          <a:lstStyle/>
+          <a:p>
+            <a:r>
+              <a:rPr lang="en-US" sz="900" dirty="0">
+                <a:solidFill>
+                  <a:srgbClr val="000000"/>
+                </a:solidFill>
+                <a:latin typeface="Courier New" panose="02070309020205020404" pitchFamily="49" charset="0"/>
+                <a:cs typeface="Courier New" panose="02070309020205020404" pitchFamily="49" charset="0"/>
+              </a:rPr>
+              <a:t>ET_POR</a:t>
+            </a:r>
+            <a:endParaRPr lang="en-US" sz="900" dirty="0">
+              <a:solidFill>
+                <a:srgbClr val="000000"/>
+              </a:solidFill>
+              <a:latin typeface="Courier New" panose="02070309020205020404" pitchFamily="49" charset="0"/>
+              <a:cs typeface="Courier New" panose="02070309020205020404" pitchFamily="49" charset="0"/>
+            </a:endParaRPr>
+          </a:p>
+        </p:txBody>
+      </p:sp>
+      <p:sp>
+        <p:nvSpPr>
+          <p:cNvPr id="356" name="Rectangle 355"/>
+          <p:cNvSpPr/>
+          <p:nvPr/>
+        </p:nvSpPr>
+        <p:spPr>
+          <a:xfrm>
+            <a:off x="9448800" y="762000"/>
+            <a:ext cx="457200" cy="152400"/>
+          </a:xfrm>
+          <a:prstGeom prst="rect">
+            <a:avLst/>
+          </a:prstGeom>
+          <a:noFill/>
+          <a:ln>
+            <a:noFill/>
+          </a:ln>
+        </p:spPr>
+        <p:style>
+          <a:lnRef idx="2">
+            <a:schemeClr val="accent1">
+              <a:shade val="50000"/>
+            </a:schemeClr>
+          </a:lnRef>
+          <a:fillRef idx="1">
+            <a:schemeClr val="accent1"/>
+          </a:fillRef>
+          <a:effectRef idx="0">
+            <a:schemeClr val="accent1"/>
+          </a:effectRef>
+          <a:fontRef idx="minor">
+            <a:schemeClr val="lt1"/>
+          </a:fontRef>
+        </p:style>
+        <p:txBody>
+          <a:bodyPr wrap="none" lIns="45720" rIns="45720" rtlCol="0" anchor="ctr"/>
+          <a:lstStyle/>
+          <a:p>
+            <a:pPr algn="r"/>
+            <a:r>
+              <a:rPr lang="en-US" sz="900" dirty="0">
+                <a:solidFill>
+                  <a:srgbClr val="000000"/>
+                </a:solidFill>
+                <a:latin typeface="Courier New" panose="02070309020205020404" pitchFamily="49" charset="0"/>
+                <a:cs typeface="Courier New" panose="02070309020205020404" pitchFamily="49" charset="0"/>
+              </a:rPr>
+              <a:t>NT_POR</a:t>
+            </a:r>
+            <a:endParaRPr lang="en-US" sz="900" dirty="0">
+              <a:solidFill>
+                <a:srgbClr val="000000"/>
+              </a:solidFill>
+              <a:latin typeface="Courier New" panose="02070309020205020404" pitchFamily="49" charset="0"/>
+              <a:cs typeface="Courier New" panose="02070309020205020404" pitchFamily="49" charset="0"/>
+            </a:endParaRPr>
+          </a:p>
+        </p:txBody>
+      </p:sp>
+      <p:sp>
+        <p:nvSpPr>
+          <p:cNvPr id="357" name="Pentagon 356"/>
+          <p:cNvSpPr/>
+          <p:nvPr/>
+        </p:nvSpPr>
+        <p:spPr>
+          <a:xfrm>
+            <a:off x="14020800" y="762000"/>
+            <a:ext cx="228600" cy="152400"/>
+          </a:xfrm>
+          <a:prstGeom prst="homePlate">
+            <a:avLst/>
+          </a:prstGeom>
+          <a:noFill/>
+          <a:ln w="12700">
+            <a:solidFill>
+              <a:schemeClr val="tx1"/>
+            </a:solidFill>
+          </a:ln>
+        </p:spPr>
+        <p:style>
+          <a:lnRef idx="2">
+            <a:schemeClr val="accent1">
+              <a:shade val="50000"/>
+            </a:schemeClr>
+          </a:lnRef>
+          <a:fillRef idx="1">
+            <a:schemeClr val="accent1"/>
+          </a:fillRef>
+          <a:effectRef idx="0">
+            <a:schemeClr val="accent1"/>
+          </a:effectRef>
+          <a:fontRef idx="minor">
+            <a:schemeClr val="lt1"/>
+          </a:fontRef>
+        </p:style>
+        <p:txBody>
+          <a:bodyPr rot="0" spcFirstLastPara="0" vertOverflow="overflow" horzOverflow="overflow" vert="horz" wrap="square" lIns="91440" tIns="45720" rIns="91440" bIns="45720" numCol="1" spcCol="0" rtlCol="0" fromWordArt="0" anchor="ctr" anchorCtr="0" forceAA="0" compatLnSpc="1">
+            <a:prstTxWarp prst="textNoShape">
+              <a:avLst/>
+            </a:prstTxWarp>
+            <a:noAutofit/>
+          </a:bodyPr>
+          <a:lstStyle/>
+          <a:p>
+            <a:pPr algn="ctr"/>
+            <a:endParaRPr lang="en-US" sz="3730"/>
+          </a:p>
+        </p:txBody>
+      </p:sp>
+      <p:cxnSp>
+        <p:nvCxnSpPr>
+          <p:cNvPr id="358" name="Straight Connector 357"/>
+          <p:cNvCxnSpPr>
+            <a:stCxn id="357" idx="1"/>
+            <a:endCxn id="356" idx="3"/>
+          </p:cNvCxnSpPr>
+          <p:nvPr/>
+        </p:nvCxnSpPr>
+        <p:spPr>
+          <a:xfrm flipH="1">
+            <a:off x="9906000" y="838200"/>
+            <a:ext cx="4114800" cy="0"/>
+          </a:xfrm>
+          <a:prstGeom prst="line">
+            <a:avLst/>
+          </a:prstGeom>
+          <a:ln w="12700">
+            <a:solidFill>
+              <a:srgbClr val="000000"/>
+            </a:solidFill>
+            <a:headEnd type="none" w="med" len="med"/>
+            <a:tailEnd type="none" w="med" len="med"/>
+          </a:ln>
+        </p:spPr>
+        <p:style>
+          <a:lnRef idx="1">
+            <a:schemeClr val="accent1"/>
+          </a:lnRef>
+          <a:fillRef idx="0">
+            <a:schemeClr val="accent1"/>
+          </a:fillRef>
+          <a:effectRef idx="0">
+            <a:schemeClr val="accent1"/>
+          </a:effectRef>
+          <a:fontRef idx="minor">
+            <a:schemeClr val="tx1"/>
+          </a:fontRef>
+        </p:style>
+      </p:cxnSp>
+      <p:cxnSp>
+        <p:nvCxnSpPr>
+          <p:cNvPr id="359" name="Straight Connector 358"/>
+          <p:cNvCxnSpPr/>
+          <p:nvPr/>
+        </p:nvCxnSpPr>
+        <p:spPr>
+          <a:xfrm flipV="1">
+            <a:off x="9982200" y="762000"/>
+            <a:ext cx="152400" cy="152400"/>
+          </a:xfrm>
+          <a:prstGeom prst="line">
+            <a:avLst/>
+          </a:prstGeom>
+          <a:ln w="12700">
+            <a:solidFill>
+              <a:srgbClr val="000000"/>
+            </a:solidFill>
+            <a:headEnd type="none" w="med" len="med"/>
+            <a:tailEnd type="none" w="med" len="med"/>
+          </a:ln>
+        </p:spPr>
+        <p:style>
+          <a:lnRef idx="1">
+            <a:schemeClr val="accent1"/>
+          </a:lnRef>
+          <a:fillRef idx="0">
+            <a:schemeClr val="accent1"/>
+          </a:fillRef>
+          <a:effectRef idx="0">
+            <a:schemeClr val="accent1"/>
+          </a:effectRef>
+          <a:fontRef idx="minor">
+            <a:schemeClr val="tx1"/>
+          </a:fontRef>
+        </p:style>
+      </p:cxnSp>
+      <p:sp>
+        <p:nvSpPr>
+          <p:cNvPr id="360" name="Rectangle 359"/>
+          <p:cNvSpPr/>
+          <p:nvPr/>
+        </p:nvSpPr>
+        <p:spPr>
+          <a:xfrm>
+            <a:off x="9982200" y="685800"/>
+            <a:ext cx="152400" cy="76200"/>
+          </a:xfrm>
+          <a:prstGeom prst="rect">
+            <a:avLst/>
+          </a:prstGeom>
+          <a:noFill/>
+          <a:ln>
+            <a:noFill/>
+          </a:ln>
+        </p:spPr>
+        <p:style>
+          <a:lnRef idx="2">
+            <a:schemeClr val="accent1">
+              <a:shade val="50000"/>
+            </a:schemeClr>
+          </a:lnRef>
+          <a:fillRef idx="1">
+            <a:schemeClr val="accent1"/>
+          </a:fillRef>
+          <a:effectRef idx="0">
+            <a:schemeClr val="accent1"/>
+          </a:effectRef>
+          <a:fontRef idx="minor">
+            <a:schemeClr val="lt1"/>
+          </a:fontRef>
+        </p:style>
+        <p:txBody>
+          <a:bodyPr wrap="none" lIns="45720" rIns="45720" rtlCol="0" anchor="ctr"/>
+          <a:lstStyle/>
+          <a:p>
+            <a:pPr algn="ctr"/>
+            <a:r>
+              <a:rPr lang="en-US" sz="900" dirty="0">
+                <a:solidFill>
+                  <a:srgbClr val="000000"/>
+                </a:solidFill>
+                <a:latin typeface="Courier New" panose="02070309020205020404" pitchFamily="49" charset="0"/>
+                <a:cs typeface="Courier New" panose="02070309020205020404" pitchFamily="49" charset="0"/>
+              </a:rPr>
+              <a:t>1</a:t>
+            </a:r>
+            <a:endParaRPr lang="en-US" sz="900" dirty="0">
+              <a:solidFill>
+                <a:srgbClr val="000000"/>
+              </a:solidFill>
+              <a:latin typeface="Courier New" panose="02070309020205020404" pitchFamily="49" charset="0"/>
+              <a:cs typeface="Courier New" panose="02070309020205020404" pitchFamily="49" charset="0"/>
+            </a:endParaRPr>
+          </a:p>
+        </p:txBody>
+      </p:sp>
+      <p:sp>
+        <p:nvSpPr>
+          <p:cNvPr id="361" name="Rectangle 360"/>
+          <p:cNvSpPr/>
+          <p:nvPr/>
+        </p:nvSpPr>
+        <p:spPr>
+          <a:xfrm>
+            <a:off x="12877800" y="685800"/>
+            <a:ext cx="457200" cy="152400"/>
+          </a:xfrm>
+          <a:prstGeom prst="rect">
+            <a:avLst/>
+          </a:prstGeom>
+          <a:noFill/>
+          <a:ln>
+            <a:noFill/>
+          </a:ln>
+        </p:spPr>
+        <p:style>
+          <a:lnRef idx="2">
+            <a:schemeClr val="accent1">
+              <a:shade val="50000"/>
+            </a:schemeClr>
+          </a:lnRef>
+          <a:fillRef idx="1">
+            <a:schemeClr val="accent1"/>
+          </a:fillRef>
+          <a:effectRef idx="0">
+            <a:schemeClr val="accent1"/>
+          </a:effectRef>
+          <a:fontRef idx="minor">
+            <a:schemeClr val="lt1"/>
+          </a:fontRef>
+        </p:style>
+        <p:txBody>
+          <a:bodyPr wrap="none" lIns="45720" rIns="45720" rtlCol="0" anchor="ctr"/>
+          <a:lstStyle/>
+          <a:p>
+            <a:r>
+              <a:rPr lang="en-US" sz="900" dirty="0">
+                <a:solidFill>
+                  <a:srgbClr val="000000"/>
+                </a:solidFill>
+                <a:latin typeface="Courier New" panose="02070309020205020404" pitchFamily="49" charset="0"/>
+                <a:cs typeface="Courier New" panose="02070309020205020404" pitchFamily="49" charset="0"/>
+              </a:rPr>
+              <a:t>NT_POR</a:t>
+            </a:r>
+            <a:endParaRPr lang="en-US" sz="900" dirty="0">
+              <a:solidFill>
+                <a:srgbClr val="000000"/>
+              </a:solidFill>
+              <a:latin typeface="Courier New" panose="02070309020205020404" pitchFamily="49" charset="0"/>
+              <a:cs typeface="Courier New" panose="02070309020205020404" pitchFamily="49" charset="0"/>
+            </a:endParaRPr>
+          </a:p>
+        </p:txBody>
+      </p:sp>
+      <p:cxnSp>
+        <p:nvCxnSpPr>
+          <p:cNvPr id="362" name="Straight Connector 361"/>
+          <p:cNvCxnSpPr/>
+          <p:nvPr/>
+        </p:nvCxnSpPr>
+        <p:spPr>
+          <a:xfrm flipV="1">
+            <a:off x="13792200" y="990600"/>
+            <a:ext cx="152400" cy="152400"/>
+          </a:xfrm>
+          <a:prstGeom prst="line">
+            <a:avLst/>
+          </a:prstGeom>
+          <a:ln w="12700">
+            <a:solidFill>
+              <a:srgbClr val="000000"/>
+            </a:solidFill>
+            <a:headEnd type="none" w="med" len="med"/>
+            <a:tailEnd type="none" w="med" len="med"/>
+          </a:ln>
+        </p:spPr>
+        <p:style>
+          <a:lnRef idx="1">
+            <a:schemeClr val="accent1"/>
+          </a:lnRef>
+          <a:fillRef idx="0">
+            <a:schemeClr val="accent1"/>
+          </a:fillRef>
+          <a:effectRef idx="0">
+            <a:schemeClr val="accent1"/>
+          </a:effectRef>
+          <a:fontRef idx="minor">
+            <a:schemeClr val="tx1"/>
+          </a:fontRef>
+        </p:style>
+      </p:cxnSp>
+      <p:sp>
+        <p:nvSpPr>
+          <p:cNvPr id="363" name="Rectangle 362"/>
+          <p:cNvSpPr/>
+          <p:nvPr/>
+        </p:nvSpPr>
+        <p:spPr>
+          <a:xfrm>
+            <a:off x="13792200" y="914400"/>
+            <a:ext cx="152400" cy="76200"/>
+          </a:xfrm>
+          <a:prstGeom prst="rect">
+            <a:avLst/>
+          </a:prstGeom>
+          <a:noFill/>
+          <a:ln>
+            <a:noFill/>
+          </a:ln>
+        </p:spPr>
+        <p:style>
+          <a:lnRef idx="2">
+            <a:schemeClr val="accent1">
+              <a:shade val="50000"/>
+            </a:schemeClr>
+          </a:lnRef>
+          <a:fillRef idx="1">
+            <a:schemeClr val="accent1"/>
+          </a:fillRef>
+          <a:effectRef idx="0">
+            <a:schemeClr val="accent1"/>
+          </a:effectRef>
+          <a:fontRef idx="minor">
+            <a:schemeClr val="lt1"/>
+          </a:fontRef>
+        </p:style>
+        <p:txBody>
+          <a:bodyPr wrap="none" lIns="45720" rIns="45720" rtlCol="0" anchor="ctr"/>
+          <a:lstStyle/>
+          <a:p>
+            <a:pPr algn="ctr"/>
+            <a:r>
+              <a:rPr lang="en-US" sz="900" dirty="0">
+                <a:solidFill>
+                  <a:srgbClr val="000000"/>
+                </a:solidFill>
+                <a:latin typeface="Courier New" panose="02070309020205020404" pitchFamily="49" charset="0"/>
+                <a:cs typeface="Courier New" panose="02070309020205020404" pitchFamily="49" charset="0"/>
+              </a:rPr>
+              <a:t>14</a:t>
+            </a:r>
+            <a:endParaRPr lang="en-US" sz="900" dirty="0">
+              <a:solidFill>
+                <a:srgbClr val="000000"/>
+              </a:solidFill>
+              <a:latin typeface="Courier New" panose="02070309020205020404" pitchFamily="49" charset="0"/>
+              <a:cs typeface="Courier New" panose="02070309020205020404" pitchFamily="49" charset="0"/>
+            </a:endParaRPr>
+          </a:p>
+        </p:txBody>
+      </p:sp>
+      <p:cxnSp>
+        <p:nvCxnSpPr>
+          <p:cNvPr id="364" name="Straight Connector 363"/>
+          <p:cNvCxnSpPr/>
+          <p:nvPr/>
+        </p:nvCxnSpPr>
+        <p:spPr>
+          <a:xfrm flipV="1">
+            <a:off x="13792200" y="1219200"/>
+            <a:ext cx="152400" cy="152400"/>
+          </a:xfrm>
+          <a:prstGeom prst="line">
+            <a:avLst/>
+          </a:prstGeom>
+          <a:ln w="12700">
+            <a:solidFill>
+              <a:srgbClr val="000000"/>
+            </a:solidFill>
+            <a:headEnd type="none" w="med" len="med"/>
+            <a:tailEnd type="none" w="med" len="med"/>
+          </a:ln>
+        </p:spPr>
+        <p:style>
+          <a:lnRef idx="1">
+            <a:schemeClr val="accent1"/>
+          </a:lnRef>
+          <a:fillRef idx="0">
+            <a:schemeClr val="accent1"/>
+          </a:fillRef>
+          <a:effectRef idx="0">
+            <a:schemeClr val="accent1"/>
+          </a:effectRef>
+          <a:fontRef idx="minor">
+            <a:schemeClr val="tx1"/>
+          </a:fontRef>
+        </p:style>
+      </p:cxnSp>
+      <p:sp>
+        <p:nvSpPr>
+          <p:cNvPr id="365" name="Rectangle 364"/>
+          <p:cNvSpPr/>
+          <p:nvPr/>
+        </p:nvSpPr>
+        <p:spPr>
+          <a:xfrm>
+            <a:off x="13792200" y="1143000"/>
+            <a:ext cx="152400" cy="76200"/>
+          </a:xfrm>
+          <a:prstGeom prst="rect">
+            <a:avLst/>
+          </a:prstGeom>
+          <a:noFill/>
+          <a:ln>
+            <a:noFill/>
+          </a:ln>
+        </p:spPr>
+        <p:style>
+          <a:lnRef idx="2">
+            <a:schemeClr val="accent1">
+              <a:shade val="50000"/>
+            </a:schemeClr>
+          </a:lnRef>
+          <a:fillRef idx="1">
+            <a:schemeClr val="accent1"/>
+          </a:fillRef>
+          <a:effectRef idx="0">
+            <a:schemeClr val="accent1"/>
+          </a:effectRef>
+          <a:fontRef idx="minor">
+            <a:schemeClr val="lt1"/>
+          </a:fontRef>
+        </p:style>
+        <p:txBody>
+          <a:bodyPr wrap="none" lIns="45720" rIns="45720" rtlCol="0" anchor="ctr"/>
+          <a:lstStyle/>
+          <a:p>
+            <a:pPr algn="ctr"/>
+            <a:r>
+              <a:rPr lang="en-US" sz="900" dirty="0">
+                <a:solidFill>
+                  <a:srgbClr val="000000"/>
+                </a:solidFill>
+                <a:latin typeface="Courier New" panose="02070309020205020404" pitchFamily="49" charset="0"/>
+                <a:cs typeface="Courier New" panose="02070309020205020404" pitchFamily="49" charset="0"/>
+              </a:rPr>
+              <a:t>14</a:t>
+            </a:r>
+            <a:endParaRPr lang="en-US" sz="900" dirty="0">
+              <a:solidFill>
+                <a:srgbClr val="000000"/>
+              </a:solidFill>
+              <a:latin typeface="Courier New" panose="02070309020205020404" pitchFamily="49" charset="0"/>
+              <a:cs typeface="Courier New" panose="02070309020205020404" pitchFamily="49" charset="0"/>
+            </a:endParaRPr>
+          </a:p>
+        </p:txBody>
+      </p:sp>
+      <p:cxnSp>
+        <p:nvCxnSpPr>
+          <p:cNvPr id="366" name="Straight Connector 365"/>
+          <p:cNvCxnSpPr/>
+          <p:nvPr/>
+        </p:nvCxnSpPr>
+        <p:spPr>
+          <a:xfrm flipV="1">
+            <a:off x="13792200" y="762000"/>
+            <a:ext cx="152400" cy="152400"/>
+          </a:xfrm>
+          <a:prstGeom prst="line">
+            <a:avLst/>
+          </a:prstGeom>
+          <a:ln w="12700">
+            <a:solidFill>
+              <a:srgbClr val="000000"/>
+            </a:solidFill>
+            <a:headEnd type="none" w="med" len="med"/>
+            <a:tailEnd type="none" w="med" len="med"/>
+          </a:ln>
+        </p:spPr>
+        <p:style>
+          <a:lnRef idx="1">
+            <a:schemeClr val="accent1"/>
+          </a:lnRef>
+          <a:fillRef idx="0">
+            <a:schemeClr val="accent1"/>
+          </a:fillRef>
+          <a:effectRef idx="0">
+            <a:schemeClr val="accent1"/>
+          </a:effectRef>
+          <a:fontRef idx="minor">
+            <a:schemeClr val="tx1"/>
+          </a:fontRef>
+        </p:style>
+      </p:cxnSp>
+      <p:sp>
+        <p:nvSpPr>
+          <p:cNvPr id="367" name="Rectangle 366"/>
+          <p:cNvSpPr/>
+          <p:nvPr/>
+        </p:nvSpPr>
+        <p:spPr>
+          <a:xfrm>
+            <a:off x="13792200" y="685800"/>
+            <a:ext cx="152400" cy="76200"/>
+          </a:xfrm>
+          <a:prstGeom prst="rect">
+            <a:avLst/>
+          </a:prstGeom>
+          <a:noFill/>
+          <a:ln>
+            <a:noFill/>
+          </a:ln>
+        </p:spPr>
+        <p:style>
+          <a:lnRef idx="2">
+            <a:schemeClr val="accent1">
+              <a:shade val="50000"/>
+            </a:schemeClr>
+          </a:lnRef>
+          <a:fillRef idx="1">
+            <a:schemeClr val="accent1"/>
+          </a:fillRef>
+          <a:effectRef idx="0">
+            <a:schemeClr val="accent1"/>
+          </a:effectRef>
+          <a:fontRef idx="minor">
+            <a:schemeClr val="lt1"/>
+          </a:fontRef>
+        </p:style>
+        <p:txBody>
+          <a:bodyPr wrap="none" lIns="45720" rIns="45720" rtlCol="0" anchor="ctr"/>
+          <a:lstStyle/>
+          <a:p>
+            <a:pPr algn="ctr"/>
+            <a:r>
+              <a:rPr lang="en-US" sz="900" dirty="0">
+                <a:solidFill>
+                  <a:srgbClr val="000000"/>
+                </a:solidFill>
+                <a:latin typeface="Courier New" panose="02070309020205020404" pitchFamily="49" charset="0"/>
+                <a:cs typeface="Courier New" panose="02070309020205020404" pitchFamily="49" charset="0"/>
+              </a:rPr>
+              <a:t>1</a:t>
+            </a:r>
+            <a:endParaRPr lang="en-US" sz="900" dirty="0">
+              <a:solidFill>
+                <a:srgbClr val="000000"/>
+              </a:solidFill>
+              <a:latin typeface="Courier New" panose="02070309020205020404" pitchFamily="49" charset="0"/>
+              <a:cs typeface="Courier New" panose="02070309020205020404" pitchFamily="49" charset="0"/>
+            </a:endParaRPr>
+          </a:p>
+        </p:txBody>
+      </p:sp>
+      <p:cxnSp>
+        <p:nvCxnSpPr>
+          <p:cNvPr id="368" name="Straight Connector 367"/>
+          <p:cNvCxnSpPr/>
+          <p:nvPr/>
+        </p:nvCxnSpPr>
+        <p:spPr>
+          <a:xfrm flipV="1">
+            <a:off x="13792200" y="1828800"/>
+            <a:ext cx="152400" cy="152400"/>
+          </a:xfrm>
+          <a:prstGeom prst="line">
+            <a:avLst/>
+          </a:prstGeom>
+          <a:ln w="12700">
+            <a:solidFill>
+              <a:srgbClr val="000000"/>
+            </a:solidFill>
+            <a:headEnd type="none" w="med" len="med"/>
+            <a:tailEnd type="none" w="med" len="med"/>
+          </a:ln>
+        </p:spPr>
+        <p:style>
+          <a:lnRef idx="1">
+            <a:schemeClr val="accent1"/>
+          </a:lnRef>
+          <a:fillRef idx="0">
+            <a:schemeClr val="accent1"/>
+          </a:fillRef>
+          <a:effectRef idx="0">
+            <a:schemeClr val="accent1"/>
+          </a:effectRef>
+          <a:fontRef idx="minor">
+            <a:schemeClr val="tx1"/>
+          </a:fontRef>
+        </p:style>
+      </p:cxnSp>
+      <p:sp>
+        <p:nvSpPr>
+          <p:cNvPr id="369" name="Rectangle 368"/>
+          <p:cNvSpPr/>
+          <p:nvPr/>
+        </p:nvSpPr>
+        <p:spPr>
+          <a:xfrm>
+            <a:off x="13792200" y="1752600"/>
+            <a:ext cx="152400" cy="76200"/>
+          </a:xfrm>
+          <a:prstGeom prst="rect">
+            <a:avLst/>
+          </a:prstGeom>
+          <a:noFill/>
+          <a:ln>
+            <a:noFill/>
+          </a:ln>
+        </p:spPr>
+        <p:style>
+          <a:lnRef idx="2">
+            <a:schemeClr val="accent1">
+              <a:shade val="50000"/>
+            </a:schemeClr>
+          </a:lnRef>
+          <a:fillRef idx="1">
+            <a:schemeClr val="accent1"/>
+          </a:fillRef>
+          <a:effectRef idx="0">
+            <a:schemeClr val="accent1"/>
+          </a:effectRef>
+          <a:fontRef idx="minor">
+            <a:schemeClr val="lt1"/>
+          </a:fontRef>
+        </p:style>
+        <p:txBody>
+          <a:bodyPr wrap="none" lIns="45720" rIns="45720" rtlCol="0" anchor="ctr"/>
+          <a:lstStyle/>
+          <a:p>
+            <a:pPr algn="ctr"/>
+            <a:r>
+              <a:rPr lang="en-US" sz="900" dirty="0">
+                <a:solidFill>
+                  <a:srgbClr val="000000"/>
+                </a:solidFill>
+                <a:latin typeface="Courier New" panose="02070309020205020404" pitchFamily="49" charset="0"/>
+                <a:cs typeface="Courier New" panose="02070309020205020404" pitchFamily="49" charset="0"/>
+              </a:rPr>
+              <a:t>14</a:t>
+            </a:r>
+            <a:endParaRPr lang="en-US" sz="900" dirty="0">
+              <a:solidFill>
+                <a:srgbClr val="000000"/>
+              </a:solidFill>
+              <a:latin typeface="Courier New" panose="02070309020205020404" pitchFamily="49" charset="0"/>
+              <a:cs typeface="Courier New" panose="02070309020205020404" pitchFamily="49" charset="0"/>
+            </a:endParaRPr>
+          </a:p>
+        </p:txBody>
+      </p:sp>
+      <p:cxnSp>
+        <p:nvCxnSpPr>
+          <p:cNvPr id="370" name="Straight Connector 369"/>
+          <p:cNvCxnSpPr/>
+          <p:nvPr/>
+        </p:nvCxnSpPr>
+        <p:spPr>
+          <a:xfrm flipV="1">
+            <a:off x="13792200" y="2057400"/>
+            <a:ext cx="152400" cy="152400"/>
+          </a:xfrm>
+          <a:prstGeom prst="line">
+            <a:avLst/>
+          </a:prstGeom>
+          <a:ln w="12700">
+            <a:solidFill>
+              <a:srgbClr val="000000"/>
+            </a:solidFill>
+            <a:headEnd type="none" w="med" len="med"/>
+            <a:tailEnd type="none" w="med" len="med"/>
+          </a:ln>
+        </p:spPr>
+        <p:style>
+          <a:lnRef idx="1">
+            <a:schemeClr val="accent1"/>
+          </a:lnRef>
+          <a:fillRef idx="0">
+            <a:schemeClr val="accent1"/>
+          </a:fillRef>
+          <a:effectRef idx="0">
+            <a:schemeClr val="accent1"/>
+          </a:effectRef>
+          <a:fontRef idx="minor">
+            <a:schemeClr val="tx1"/>
+          </a:fontRef>
+        </p:style>
+      </p:cxnSp>
+      <p:sp>
+        <p:nvSpPr>
+          <p:cNvPr id="371" name="Rectangle 370"/>
+          <p:cNvSpPr/>
+          <p:nvPr/>
+        </p:nvSpPr>
+        <p:spPr>
+          <a:xfrm>
+            <a:off x="13792200" y="1981200"/>
+            <a:ext cx="152400" cy="76200"/>
+          </a:xfrm>
+          <a:prstGeom prst="rect">
+            <a:avLst/>
+          </a:prstGeom>
+          <a:noFill/>
+          <a:ln>
+            <a:noFill/>
+          </a:ln>
+        </p:spPr>
+        <p:style>
+          <a:lnRef idx="2">
+            <a:schemeClr val="accent1">
+              <a:shade val="50000"/>
+            </a:schemeClr>
+          </a:lnRef>
+          <a:fillRef idx="1">
+            <a:schemeClr val="accent1"/>
+          </a:fillRef>
+          <a:effectRef idx="0">
+            <a:schemeClr val="accent1"/>
+          </a:effectRef>
+          <a:fontRef idx="minor">
+            <a:schemeClr val="lt1"/>
+          </a:fontRef>
+        </p:style>
+        <p:txBody>
+          <a:bodyPr wrap="none" lIns="45720" rIns="45720" rtlCol="0" anchor="ctr"/>
+          <a:lstStyle/>
+          <a:p>
+            <a:pPr algn="ctr"/>
+            <a:r>
+              <a:rPr lang="en-US" sz="900" dirty="0">
+                <a:solidFill>
+                  <a:srgbClr val="000000"/>
+                </a:solidFill>
+                <a:latin typeface="Courier New" panose="02070309020205020404" pitchFamily="49" charset="0"/>
+                <a:cs typeface="Courier New" panose="02070309020205020404" pitchFamily="49" charset="0"/>
+              </a:rPr>
+              <a:t>14</a:t>
+            </a:r>
+            <a:endParaRPr lang="en-US" sz="900" dirty="0">
+              <a:solidFill>
+                <a:srgbClr val="000000"/>
+              </a:solidFill>
+              <a:latin typeface="Courier New" panose="02070309020205020404" pitchFamily="49" charset="0"/>
+              <a:cs typeface="Courier New" panose="02070309020205020404" pitchFamily="49" charset="0"/>
+            </a:endParaRPr>
+          </a:p>
+        </p:txBody>
+      </p:sp>
+      <p:cxnSp>
+        <p:nvCxnSpPr>
+          <p:cNvPr id="372" name="Straight Connector 371"/>
+          <p:cNvCxnSpPr/>
+          <p:nvPr/>
+        </p:nvCxnSpPr>
+        <p:spPr>
+          <a:xfrm flipV="1">
+            <a:off x="13792200" y="1600200"/>
+            <a:ext cx="152400" cy="152400"/>
+          </a:xfrm>
+          <a:prstGeom prst="line">
+            <a:avLst/>
+          </a:prstGeom>
+          <a:ln w="12700">
+            <a:solidFill>
+              <a:srgbClr val="000000"/>
+            </a:solidFill>
+            <a:headEnd type="none" w="med" len="med"/>
+            <a:tailEnd type="none" w="med" len="med"/>
+          </a:ln>
+        </p:spPr>
+        <p:style>
+          <a:lnRef idx="1">
+            <a:schemeClr val="accent1"/>
+          </a:lnRef>
+          <a:fillRef idx="0">
+            <a:schemeClr val="accent1"/>
+          </a:fillRef>
+          <a:effectRef idx="0">
+            <a:schemeClr val="accent1"/>
+          </a:effectRef>
+          <a:fontRef idx="minor">
+            <a:schemeClr val="tx1"/>
+          </a:fontRef>
+        </p:style>
+      </p:cxnSp>
+      <p:sp>
+        <p:nvSpPr>
+          <p:cNvPr id="373" name="Rectangle 372"/>
+          <p:cNvSpPr/>
+          <p:nvPr/>
+        </p:nvSpPr>
+        <p:spPr>
+          <a:xfrm>
+            <a:off x="13792200" y="1524000"/>
+            <a:ext cx="152400" cy="76200"/>
+          </a:xfrm>
+          <a:prstGeom prst="rect">
+            <a:avLst/>
+          </a:prstGeom>
+          <a:noFill/>
+          <a:ln>
+            <a:noFill/>
+          </a:ln>
+        </p:spPr>
+        <p:style>
+          <a:lnRef idx="2">
+            <a:schemeClr val="accent1">
+              <a:shade val="50000"/>
+            </a:schemeClr>
+          </a:lnRef>
+          <a:fillRef idx="1">
+            <a:schemeClr val="accent1"/>
+          </a:fillRef>
+          <a:effectRef idx="0">
+            <a:schemeClr val="accent1"/>
+          </a:effectRef>
+          <a:fontRef idx="minor">
+            <a:schemeClr val="lt1"/>
+          </a:fontRef>
+        </p:style>
+        <p:txBody>
+          <a:bodyPr wrap="none" lIns="45720" rIns="45720" rtlCol="0" anchor="ctr"/>
+          <a:lstStyle/>
+          <a:p>
+            <a:pPr algn="ctr"/>
+            <a:r>
+              <a:rPr lang="en-US" sz="900" dirty="0">
+                <a:solidFill>
+                  <a:srgbClr val="000000"/>
+                </a:solidFill>
+                <a:latin typeface="Courier New" panose="02070309020205020404" pitchFamily="49" charset="0"/>
+                <a:cs typeface="Courier New" panose="02070309020205020404" pitchFamily="49" charset="0"/>
+              </a:rPr>
+              <a:t>1</a:t>
+            </a:r>
+            <a:endParaRPr lang="en-US" sz="900" dirty="0">
+              <a:solidFill>
+                <a:srgbClr val="000000"/>
+              </a:solidFill>
+              <a:latin typeface="Courier New" panose="02070309020205020404" pitchFamily="49" charset="0"/>
+              <a:cs typeface="Courier New" panose="02070309020205020404" pitchFamily="49" charset="0"/>
+            </a:endParaRPr>
+          </a:p>
+        </p:txBody>
+      </p:sp>
+      <p:cxnSp>
+        <p:nvCxnSpPr>
+          <p:cNvPr id="374" name="Straight Connector 373"/>
+          <p:cNvCxnSpPr/>
+          <p:nvPr/>
+        </p:nvCxnSpPr>
+        <p:spPr>
+          <a:xfrm flipV="1">
+            <a:off x="13792200" y="2667000"/>
+            <a:ext cx="152400" cy="152400"/>
+          </a:xfrm>
+          <a:prstGeom prst="line">
+            <a:avLst/>
+          </a:prstGeom>
+          <a:ln w="12700">
+            <a:solidFill>
+              <a:srgbClr val="000000"/>
+            </a:solidFill>
+            <a:headEnd type="none" w="med" len="med"/>
+            <a:tailEnd type="none" w="med" len="med"/>
+          </a:ln>
+        </p:spPr>
+        <p:style>
+          <a:lnRef idx="1">
+            <a:schemeClr val="accent1"/>
+          </a:lnRef>
+          <a:fillRef idx="0">
+            <a:schemeClr val="accent1"/>
+          </a:fillRef>
+          <a:effectRef idx="0">
+            <a:schemeClr val="accent1"/>
+          </a:effectRef>
+          <a:fontRef idx="minor">
+            <a:schemeClr val="tx1"/>
+          </a:fontRef>
+        </p:style>
+      </p:cxnSp>
+      <p:sp>
+        <p:nvSpPr>
+          <p:cNvPr id="375" name="Rectangle 374"/>
+          <p:cNvSpPr/>
+          <p:nvPr/>
+        </p:nvSpPr>
+        <p:spPr>
+          <a:xfrm>
+            <a:off x="13792200" y="2590800"/>
+            <a:ext cx="152400" cy="76200"/>
+          </a:xfrm>
+          <a:prstGeom prst="rect">
+            <a:avLst/>
+          </a:prstGeom>
+          <a:noFill/>
+          <a:ln>
+            <a:noFill/>
+          </a:ln>
+        </p:spPr>
+        <p:style>
+          <a:lnRef idx="2">
+            <a:schemeClr val="accent1">
+              <a:shade val="50000"/>
+            </a:schemeClr>
+          </a:lnRef>
+          <a:fillRef idx="1">
+            <a:schemeClr val="accent1"/>
+          </a:fillRef>
+          <a:effectRef idx="0">
+            <a:schemeClr val="accent1"/>
+          </a:effectRef>
+          <a:fontRef idx="minor">
+            <a:schemeClr val="lt1"/>
+          </a:fontRef>
+        </p:style>
+        <p:txBody>
+          <a:bodyPr wrap="none" lIns="45720" rIns="45720" rtlCol="0" anchor="ctr"/>
+          <a:lstStyle/>
+          <a:p>
+            <a:pPr algn="ctr"/>
+            <a:r>
+              <a:rPr lang="en-US" sz="900" dirty="0">
+                <a:solidFill>
+                  <a:srgbClr val="000000"/>
+                </a:solidFill>
+                <a:latin typeface="Courier New" panose="02070309020205020404" pitchFamily="49" charset="0"/>
+                <a:cs typeface="Courier New" panose="02070309020205020404" pitchFamily="49" charset="0"/>
+              </a:rPr>
+              <a:t>14</a:t>
+            </a:r>
+            <a:endParaRPr lang="en-US" sz="900" dirty="0">
+              <a:solidFill>
+                <a:srgbClr val="000000"/>
+              </a:solidFill>
+              <a:latin typeface="Courier New" panose="02070309020205020404" pitchFamily="49" charset="0"/>
+              <a:cs typeface="Courier New" panose="02070309020205020404" pitchFamily="49" charset="0"/>
+            </a:endParaRPr>
+          </a:p>
+        </p:txBody>
+      </p:sp>
+      <p:cxnSp>
+        <p:nvCxnSpPr>
+          <p:cNvPr id="376" name="Straight Connector 375"/>
+          <p:cNvCxnSpPr/>
+          <p:nvPr/>
+        </p:nvCxnSpPr>
+        <p:spPr>
+          <a:xfrm flipV="1">
+            <a:off x="13792200" y="2895600"/>
+            <a:ext cx="152400" cy="152400"/>
+          </a:xfrm>
+          <a:prstGeom prst="line">
+            <a:avLst/>
+          </a:prstGeom>
+          <a:ln w="12700">
+            <a:solidFill>
+              <a:srgbClr val="000000"/>
+            </a:solidFill>
+            <a:headEnd type="none" w="med" len="med"/>
+            <a:tailEnd type="none" w="med" len="med"/>
+          </a:ln>
+        </p:spPr>
+        <p:style>
+          <a:lnRef idx="1">
+            <a:schemeClr val="accent1"/>
+          </a:lnRef>
+          <a:fillRef idx="0">
+            <a:schemeClr val="accent1"/>
+          </a:fillRef>
+          <a:effectRef idx="0">
+            <a:schemeClr val="accent1"/>
+          </a:effectRef>
+          <a:fontRef idx="minor">
+            <a:schemeClr val="tx1"/>
+          </a:fontRef>
+        </p:style>
+      </p:cxnSp>
+      <p:sp>
+        <p:nvSpPr>
+          <p:cNvPr id="377" name="Rectangle 376"/>
+          <p:cNvSpPr/>
+          <p:nvPr/>
+        </p:nvSpPr>
+        <p:spPr>
+          <a:xfrm>
+            <a:off x="13792200" y="2819400"/>
+            <a:ext cx="152400" cy="76200"/>
+          </a:xfrm>
+          <a:prstGeom prst="rect">
+            <a:avLst/>
+          </a:prstGeom>
+          <a:noFill/>
+          <a:ln>
+            <a:noFill/>
+          </a:ln>
+        </p:spPr>
+        <p:style>
+          <a:lnRef idx="2">
+            <a:schemeClr val="accent1">
+              <a:shade val="50000"/>
+            </a:schemeClr>
+          </a:lnRef>
+          <a:fillRef idx="1">
+            <a:schemeClr val="accent1"/>
+          </a:fillRef>
+          <a:effectRef idx="0">
+            <a:schemeClr val="accent1"/>
+          </a:effectRef>
+          <a:fontRef idx="minor">
+            <a:schemeClr val="lt1"/>
+          </a:fontRef>
+        </p:style>
+        <p:txBody>
+          <a:bodyPr wrap="none" lIns="45720" rIns="45720" rtlCol="0" anchor="ctr"/>
+          <a:lstStyle/>
+          <a:p>
+            <a:pPr algn="ctr"/>
+            <a:r>
+              <a:rPr lang="en-US" sz="900" dirty="0">
+                <a:solidFill>
+                  <a:srgbClr val="000000"/>
+                </a:solidFill>
+                <a:latin typeface="Courier New" panose="02070309020205020404" pitchFamily="49" charset="0"/>
+                <a:cs typeface="Courier New" panose="02070309020205020404" pitchFamily="49" charset="0"/>
+              </a:rPr>
+              <a:t>14</a:t>
+            </a:r>
+            <a:endParaRPr lang="en-US" sz="900" dirty="0">
+              <a:solidFill>
+                <a:srgbClr val="000000"/>
+              </a:solidFill>
+              <a:latin typeface="Courier New" panose="02070309020205020404" pitchFamily="49" charset="0"/>
+              <a:cs typeface="Courier New" panose="02070309020205020404" pitchFamily="49" charset="0"/>
+            </a:endParaRPr>
+          </a:p>
+        </p:txBody>
+      </p:sp>
+      <p:cxnSp>
+        <p:nvCxnSpPr>
+          <p:cNvPr id="378" name="Straight Connector 377"/>
+          <p:cNvCxnSpPr/>
+          <p:nvPr/>
+        </p:nvCxnSpPr>
+        <p:spPr>
+          <a:xfrm flipV="1">
+            <a:off x="13792200" y="2438400"/>
+            <a:ext cx="152400" cy="152400"/>
+          </a:xfrm>
+          <a:prstGeom prst="line">
+            <a:avLst/>
+          </a:prstGeom>
+          <a:ln w="12700">
+            <a:solidFill>
+              <a:srgbClr val="000000"/>
+            </a:solidFill>
+            <a:headEnd type="none" w="med" len="med"/>
+            <a:tailEnd type="none" w="med" len="med"/>
+          </a:ln>
+        </p:spPr>
+        <p:style>
+          <a:lnRef idx="1">
+            <a:schemeClr val="accent1"/>
+          </a:lnRef>
+          <a:fillRef idx="0">
+            <a:schemeClr val="accent1"/>
+          </a:fillRef>
+          <a:effectRef idx="0">
+            <a:schemeClr val="accent1"/>
+          </a:effectRef>
+          <a:fontRef idx="minor">
+            <a:schemeClr val="tx1"/>
+          </a:fontRef>
+        </p:style>
+      </p:cxnSp>
+      <p:sp>
+        <p:nvSpPr>
+          <p:cNvPr id="379" name="Rectangle 378"/>
+          <p:cNvSpPr/>
+          <p:nvPr/>
+        </p:nvSpPr>
+        <p:spPr>
+          <a:xfrm>
+            <a:off x="13792200" y="2362200"/>
+            <a:ext cx="152400" cy="76200"/>
+          </a:xfrm>
+          <a:prstGeom prst="rect">
+            <a:avLst/>
+          </a:prstGeom>
+          <a:noFill/>
+          <a:ln>
+            <a:noFill/>
+          </a:ln>
+        </p:spPr>
+        <p:style>
+          <a:lnRef idx="2">
+            <a:schemeClr val="accent1">
+              <a:shade val="50000"/>
+            </a:schemeClr>
+          </a:lnRef>
+          <a:fillRef idx="1">
+            <a:schemeClr val="accent1"/>
+          </a:fillRef>
+          <a:effectRef idx="0">
+            <a:schemeClr val="accent1"/>
+          </a:effectRef>
+          <a:fontRef idx="minor">
+            <a:schemeClr val="lt1"/>
+          </a:fontRef>
+        </p:style>
+        <p:txBody>
+          <a:bodyPr wrap="none" lIns="45720" rIns="45720" rtlCol="0" anchor="ctr"/>
+          <a:lstStyle/>
+          <a:p>
+            <a:pPr algn="ctr"/>
+            <a:r>
+              <a:rPr lang="en-US" sz="900" dirty="0">
+                <a:solidFill>
+                  <a:srgbClr val="000000"/>
+                </a:solidFill>
+                <a:latin typeface="Courier New" panose="02070309020205020404" pitchFamily="49" charset="0"/>
+                <a:cs typeface="Courier New" panose="02070309020205020404" pitchFamily="49" charset="0"/>
+              </a:rPr>
+              <a:t>1</a:t>
+            </a:r>
+            <a:endParaRPr lang="en-US" sz="900" dirty="0">
+              <a:solidFill>
+                <a:srgbClr val="000000"/>
+              </a:solidFill>
+              <a:latin typeface="Courier New" panose="02070309020205020404" pitchFamily="49" charset="0"/>
+              <a:cs typeface="Courier New" panose="02070309020205020404" pitchFamily="49" charset="0"/>
+            </a:endParaRPr>
+          </a:p>
+        </p:txBody>
+      </p:sp>
+      <p:cxnSp>
+        <p:nvCxnSpPr>
+          <p:cNvPr id="380" name="Straight Connector 379"/>
+          <p:cNvCxnSpPr/>
+          <p:nvPr/>
+        </p:nvCxnSpPr>
+        <p:spPr>
+          <a:xfrm flipV="1">
+            <a:off x="13792200" y="3505200"/>
+            <a:ext cx="152400" cy="152400"/>
+          </a:xfrm>
+          <a:prstGeom prst="line">
+            <a:avLst/>
+          </a:prstGeom>
+          <a:ln w="12700">
+            <a:solidFill>
+              <a:srgbClr val="000000"/>
+            </a:solidFill>
+            <a:headEnd type="none" w="med" len="med"/>
+            <a:tailEnd type="none" w="med" len="med"/>
+          </a:ln>
+        </p:spPr>
+        <p:style>
+          <a:lnRef idx="1">
+            <a:schemeClr val="accent1"/>
+          </a:lnRef>
+          <a:fillRef idx="0">
+            <a:schemeClr val="accent1"/>
+          </a:fillRef>
+          <a:effectRef idx="0">
+            <a:schemeClr val="accent1"/>
+          </a:effectRef>
+          <a:fontRef idx="minor">
+            <a:schemeClr val="tx1"/>
+          </a:fontRef>
+        </p:style>
+      </p:cxnSp>
+      <p:sp>
+        <p:nvSpPr>
+          <p:cNvPr id="381" name="Rectangle 380"/>
+          <p:cNvSpPr/>
+          <p:nvPr/>
+        </p:nvSpPr>
+        <p:spPr>
+          <a:xfrm>
+            <a:off x="13792200" y="3429000"/>
+            <a:ext cx="152400" cy="76200"/>
+          </a:xfrm>
+          <a:prstGeom prst="rect">
+            <a:avLst/>
+          </a:prstGeom>
+          <a:noFill/>
+          <a:ln>
+            <a:noFill/>
+          </a:ln>
+        </p:spPr>
+        <p:style>
+          <a:lnRef idx="2">
+            <a:schemeClr val="accent1">
+              <a:shade val="50000"/>
+            </a:schemeClr>
+          </a:lnRef>
+          <a:fillRef idx="1">
+            <a:schemeClr val="accent1"/>
+          </a:fillRef>
+          <a:effectRef idx="0">
+            <a:schemeClr val="accent1"/>
+          </a:effectRef>
+          <a:fontRef idx="minor">
+            <a:schemeClr val="lt1"/>
+          </a:fontRef>
+        </p:style>
+        <p:txBody>
+          <a:bodyPr wrap="none" lIns="45720" rIns="45720" rtlCol="0" anchor="ctr"/>
+          <a:lstStyle/>
+          <a:p>
+            <a:pPr algn="ctr"/>
+            <a:r>
+              <a:rPr lang="en-US" sz="900" dirty="0">
+                <a:solidFill>
+                  <a:srgbClr val="000000"/>
+                </a:solidFill>
+                <a:latin typeface="Courier New" panose="02070309020205020404" pitchFamily="49" charset="0"/>
+                <a:cs typeface="Courier New" panose="02070309020205020404" pitchFamily="49" charset="0"/>
+              </a:rPr>
+              <a:t>14</a:t>
+            </a:r>
+            <a:endParaRPr lang="en-US" sz="900" dirty="0">
+              <a:solidFill>
+                <a:srgbClr val="000000"/>
+              </a:solidFill>
+              <a:latin typeface="Courier New" panose="02070309020205020404" pitchFamily="49" charset="0"/>
+              <a:cs typeface="Courier New" panose="02070309020205020404" pitchFamily="49" charset="0"/>
+            </a:endParaRPr>
+          </a:p>
+        </p:txBody>
+      </p:sp>
+      <p:cxnSp>
+        <p:nvCxnSpPr>
+          <p:cNvPr id="382" name="Straight Connector 381"/>
+          <p:cNvCxnSpPr/>
+          <p:nvPr/>
+        </p:nvCxnSpPr>
+        <p:spPr>
+          <a:xfrm flipV="1">
+            <a:off x="13792200" y="3733800"/>
+            <a:ext cx="152400" cy="152400"/>
+          </a:xfrm>
+          <a:prstGeom prst="line">
+            <a:avLst/>
+          </a:prstGeom>
+          <a:ln w="12700">
+            <a:solidFill>
+              <a:srgbClr val="000000"/>
+            </a:solidFill>
+            <a:headEnd type="none" w="med" len="med"/>
+            <a:tailEnd type="none" w="med" len="med"/>
+          </a:ln>
+        </p:spPr>
+        <p:style>
+          <a:lnRef idx="1">
+            <a:schemeClr val="accent1"/>
+          </a:lnRef>
+          <a:fillRef idx="0">
+            <a:schemeClr val="accent1"/>
+          </a:fillRef>
+          <a:effectRef idx="0">
+            <a:schemeClr val="accent1"/>
+          </a:effectRef>
+          <a:fontRef idx="minor">
+            <a:schemeClr val="tx1"/>
+          </a:fontRef>
+        </p:style>
+      </p:cxnSp>
+      <p:sp>
+        <p:nvSpPr>
+          <p:cNvPr id="383" name="Rectangle 382"/>
+          <p:cNvSpPr/>
+          <p:nvPr/>
+        </p:nvSpPr>
+        <p:spPr>
+          <a:xfrm>
+            <a:off x="13792200" y="3657600"/>
+            <a:ext cx="152400" cy="76200"/>
+          </a:xfrm>
+          <a:prstGeom prst="rect">
+            <a:avLst/>
+          </a:prstGeom>
+          <a:noFill/>
+          <a:ln>
+            <a:noFill/>
+          </a:ln>
+        </p:spPr>
+        <p:style>
+          <a:lnRef idx="2">
+            <a:schemeClr val="accent1">
+              <a:shade val="50000"/>
+            </a:schemeClr>
+          </a:lnRef>
+          <a:fillRef idx="1">
+            <a:schemeClr val="accent1"/>
+          </a:fillRef>
+          <a:effectRef idx="0">
+            <a:schemeClr val="accent1"/>
+          </a:effectRef>
+          <a:fontRef idx="minor">
+            <a:schemeClr val="lt1"/>
+          </a:fontRef>
+        </p:style>
+        <p:txBody>
+          <a:bodyPr wrap="none" lIns="45720" rIns="45720" rtlCol="0" anchor="ctr"/>
+          <a:lstStyle/>
+          <a:p>
+            <a:pPr algn="ctr"/>
+            <a:r>
+              <a:rPr lang="en-US" sz="900" dirty="0">
+                <a:solidFill>
+                  <a:srgbClr val="000000"/>
+                </a:solidFill>
+                <a:latin typeface="Courier New" panose="02070309020205020404" pitchFamily="49" charset="0"/>
+                <a:cs typeface="Courier New" panose="02070309020205020404" pitchFamily="49" charset="0"/>
+              </a:rPr>
+              <a:t>14</a:t>
+            </a:r>
+            <a:endParaRPr lang="en-US" sz="900" dirty="0">
+              <a:solidFill>
+                <a:srgbClr val="000000"/>
+              </a:solidFill>
+              <a:latin typeface="Courier New" panose="02070309020205020404" pitchFamily="49" charset="0"/>
+              <a:cs typeface="Courier New" panose="02070309020205020404" pitchFamily="49" charset="0"/>
+            </a:endParaRPr>
+          </a:p>
+        </p:txBody>
+      </p:sp>
+      <p:cxnSp>
+        <p:nvCxnSpPr>
+          <p:cNvPr id="384" name="Straight Connector 383"/>
+          <p:cNvCxnSpPr/>
+          <p:nvPr/>
+        </p:nvCxnSpPr>
+        <p:spPr>
+          <a:xfrm flipV="1">
+            <a:off x="13792200" y="3276600"/>
+            <a:ext cx="152400" cy="152400"/>
+          </a:xfrm>
+          <a:prstGeom prst="line">
+            <a:avLst/>
+          </a:prstGeom>
+          <a:ln w="12700">
+            <a:solidFill>
+              <a:srgbClr val="000000"/>
+            </a:solidFill>
+            <a:headEnd type="none" w="med" len="med"/>
+            <a:tailEnd type="none" w="med" len="med"/>
+          </a:ln>
+        </p:spPr>
+        <p:style>
+          <a:lnRef idx="1">
+            <a:schemeClr val="accent1"/>
+          </a:lnRef>
+          <a:fillRef idx="0">
+            <a:schemeClr val="accent1"/>
+          </a:fillRef>
+          <a:effectRef idx="0">
+            <a:schemeClr val="accent1"/>
+          </a:effectRef>
+          <a:fontRef idx="minor">
+            <a:schemeClr val="tx1"/>
+          </a:fontRef>
+        </p:style>
+      </p:cxnSp>
+      <p:sp>
+        <p:nvSpPr>
+          <p:cNvPr id="385" name="Rectangle 384"/>
+          <p:cNvSpPr/>
+          <p:nvPr/>
+        </p:nvSpPr>
+        <p:spPr>
+          <a:xfrm>
+            <a:off x="13792200" y="3200400"/>
+            <a:ext cx="152400" cy="76200"/>
+          </a:xfrm>
+          <a:prstGeom prst="rect">
+            <a:avLst/>
+          </a:prstGeom>
+          <a:noFill/>
+          <a:ln>
+            <a:noFill/>
+          </a:ln>
+        </p:spPr>
+        <p:style>
+          <a:lnRef idx="2">
+            <a:schemeClr val="accent1">
+              <a:shade val="50000"/>
+            </a:schemeClr>
+          </a:lnRef>
+          <a:fillRef idx="1">
+            <a:schemeClr val="accent1"/>
+          </a:fillRef>
+          <a:effectRef idx="0">
+            <a:schemeClr val="accent1"/>
+          </a:effectRef>
+          <a:fontRef idx="minor">
+            <a:schemeClr val="lt1"/>
+          </a:fontRef>
+        </p:style>
+        <p:txBody>
+          <a:bodyPr wrap="none" lIns="45720" rIns="45720" rtlCol="0" anchor="ctr"/>
+          <a:lstStyle/>
+          <a:p>
+            <a:pPr algn="ctr"/>
+            <a:r>
+              <a:rPr lang="en-US" sz="900" dirty="0">
+                <a:solidFill>
+                  <a:srgbClr val="000000"/>
+                </a:solidFill>
+                <a:latin typeface="Courier New" panose="02070309020205020404" pitchFamily="49" charset="0"/>
+                <a:cs typeface="Courier New" panose="02070309020205020404" pitchFamily="49" charset="0"/>
+              </a:rPr>
+              <a:t>1</a:t>
             </a:r>
             <a:endParaRPr lang="en-US" sz="900" dirty="0">
               <a:solidFill>

--- a/0090_ber/rtl/schematic/lvds_test.pptx
+++ b/0090_ber/rtl/schematic/lvds_test.pptx
@@ -197,7 +197,7 @@
           <a:p>
             <a:fld id="{B9E5BF02-4A65-43B2-AA51-912306618617}" type="datetimeFigureOut">
               <a:rPr lang="en-US" smtClean="0"/>
-              <a:t>10/23/2017</a:t>
+              <a:t>10/24/2017</a:t>
             </a:fld>
             <a:endParaRPr lang="en-US"/>
           </a:p>
@@ -685,7 +685,7 @@
           <a:p>
             <a:fld id="{F8F920B2-3E99-4C9D-9450-62A3DEC5476B}" type="datetimeFigureOut">
               <a:rPr lang="en-US" smtClean="0"/>
-              <a:t>10/23/2017</a:t>
+              <a:t>10/24/2017</a:t>
             </a:fld>
             <a:endParaRPr lang="en-US"/>
           </a:p>
@@ -855,7 +855,7 @@
           <a:p>
             <a:fld id="{F8F920B2-3E99-4C9D-9450-62A3DEC5476B}" type="datetimeFigureOut">
               <a:rPr lang="en-US" smtClean="0"/>
-              <a:t>10/23/2017</a:t>
+              <a:t>10/24/2017</a:t>
             </a:fld>
             <a:endParaRPr lang="en-US"/>
           </a:p>
@@ -1035,7 +1035,7 @@
           <a:p>
             <a:fld id="{F8F920B2-3E99-4C9D-9450-62A3DEC5476B}" type="datetimeFigureOut">
               <a:rPr lang="en-US" smtClean="0"/>
-              <a:t>10/23/2017</a:t>
+              <a:t>10/24/2017</a:t>
             </a:fld>
             <a:endParaRPr lang="en-US"/>
           </a:p>
@@ -1205,7 +1205,7 @@
           <a:p>
             <a:fld id="{F8F920B2-3E99-4C9D-9450-62A3DEC5476B}" type="datetimeFigureOut">
               <a:rPr lang="en-US" smtClean="0"/>
-              <a:t>10/23/2017</a:t>
+              <a:t>10/24/2017</a:t>
             </a:fld>
             <a:endParaRPr lang="en-US"/>
           </a:p>
@@ -1449,7 +1449,7 @@
           <a:p>
             <a:fld id="{F8F920B2-3E99-4C9D-9450-62A3DEC5476B}" type="datetimeFigureOut">
               <a:rPr lang="en-US" smtClean="0"/>
-              <a:t>10/23/2017</a:t>
+              <a:t>10/24/2017</a:t>
             </a:fld>
             <a:endParaRPr lang="en-US"/>
           </a:p>
@@ -1681,7 +1681,7 @@
           <a:p>
             <a:fld id="{F8F920B2-3E99-4C9D-9450-62A3DEC5476B}" type="datetimeFigureOut">
               <a:rPr lang="en-US" smtClean="0"/>
-              <a:t>10/23/2017</a:t>
+              <a:t>10/24/2017</a:t>
             </a:fld>
             <a:endParaRPr lang="en-US"/>
           </a:p>
@@ -2048,7 +2048,7 @@
           <a:p>
             <a:fld id="{F8F920B2-3E99-4C9D-9450-62A3DEC5476B}" type="datetimeFigureOut">
               <a:rPr lang="en-US" smtClean="0"/>
-              <a:t>10/23/2017</a:t>
+              <a:t>10/24/2017</a:t>
             </a:fld>
             <a:endParaRPr lang="en-US"/>
           </a:p>
@@ -2166,7 +2166,7 @@
           <a:p>
             <a:fld id="{F8F920B2-3E99-4C9D-9450-62A3DEC5476B}" type="datetimeFigureOut">
               <a:rPr lang="en-US" smtClean="0"/>
-              <a:t>10/23/2017</a:t>
+              <a:t>10/24/2017</a:t>
             </a:fld>
             <a:endParaRPr lang="en-US"/>
           </a:p>
@@ -2261,7 +2261,7 @@
           <a:p>
             <a:fld id="{F8F920B2-3E99-4C9D-9450-62A3DEC5476B}" type="datetimeFigureOut">
               <a:rPr lang="en-US" smtClean="0"/>
-              <a:t>10/23/2017</a:t>
+              <a:t>10/24/2017</a:t>
             </a:fld>
             <a:endParaRPr lang="en-US"/>
           </a:p>
@@ -2538,7 +2538,7 @@
           <a:p>
             <a:fld id="{F8F920B2-3E99-4C9D-9450-62A3DEC5476B}" type="datetimeFigureOut">
               <a:rPr lang="en-US" smtClean="0"/>
-              <a:t>10/23/2017</a:t>
+              <a:t>10/24/2017</a:t>
             </a:fld>
             <a:endParaRPr lang="en-US"/>
           </a:p>
@@ -2795,7 +2795,7 @@
           <a:p>
             <a:fld id="{F8F920B2-3E99-4C9D-9450-62A3DEC5476B}" type="datetimeFigureOut">
               <a:rPr lang="en-US" smtClean="0"/>
-              <a:t>10/23/2017</a:t>
+              <a:t>10/24/2017</a:t>
             </a:fld>
             <a:endParaRPr lang="en-US"/>
           </a:p>
@@ -3008,7 +3008,7 @@
           <a:p>
             <a:fld id="{F8F920B2-3E99-4C9D-9450-62A3DEC5476B}" type="datetimeFigureOut">
               <a:rPr lang="en-US" smtClean="0"/>
-              <a:t>10/23/2017</a:t>
+              <a:t>10/24/2017</a:t>
             </a:fld>
             <a:endParaRPr lang="en-US"/>
           </a:p>
@@ -6578,13 +6578,6 @@
               </a:rPr>
               <a:t>CNT1</a:t>
             </a:r>
-            <a:endParaRPr lang="en-US" sz="900" dirty="0">
-              <a:solidFill>
-                <a:srgbClr val="000000"/>
-              </a:solidFill>
-              <a:latin typeface="Courier New" panose="02070309020205020404" pitchFamily="49" charset="0"/>
-              <a:cs typeface="Courier New" panose="02070309020205020404" pitchFamily="49" charset="0"/>
-            </a:endParaRPr>
           </a:p>
         </p:txBody>
       </p:sp>
@@ -7815,13 +7808,6 @@
               </a:rPr>
               <a:t>CNT2</a:t>
             </a:r>
-            <a:endParaRPr lang="en-US" sz="900" dirty="0">
-              <a:solidFill>
-                <a:srgbClr val="000000"/>
-              </a:solidFill>
-              <a:latin typeface="Courier New" panose="02070309020205020404" pitchFamily="49" charset="0"/>
-              <a:cs typeface="Courier New" panose="02070309020205020404" pitchFamily="49" charset="0"/>
-            </a:endParaRPr>
           </a:p>
         </p:txBody>
       </p:sp>
@@ -10304,6 +10290,58 @@
               </a:rPr>
               <a:t>58</a:t>
             </a:r>
+          </a:p>
+        </p:txBody>
+      </p:sp>
+      <p:sp>
+        <p:nvSpPr>
+          <p:cNvPr id="160" name="Rectangle 159"/>
+          <p:cNvSpPr/>
+          <p:nvPr/>
+        </p:nvSpPr>
+        <p:spPr>
+          <a:xfrm>
+            <a:off x="10210800" y="5638800"/>
+            <a:ext cx="457200" cy="152400"/>
+          </a:xfrm>
+          <a:prstGeom prst="rect">
+            <a:avLst/>
+          </a:prstGeom>
+          <a:noFill/>
+          <a:ln>
+            <a:noFill/>
+          </a:ln>
+        </p:spPr>
+        <p:style>
+          <a:lnRef idx="2">
+            <a:schemeClr val="accent1">
+              <a:shade val="50000"/>
+            </a:schemeClr>
+          </a:lnRef>
+          <a:fillRef idx="1">
+            <a:schemeClr val="accent1"/>
+          </a:fillRef>
+          <a:effectRef idx="0">
+            <a:schemeClr val="accent1"/>
+          </a:effectRef>
+          <a:fontRef idx="minor">
+            <a:schemeClr val="lt1"/>
+          </a:fontRef>
+        </p:style>
+        <p:txBody>
+          <a:bodyPr wrap="none" lIns="45720" rIns="45720" rtlCol="0" anchor="ctr"/>
+          <a:lstStyle/>
+          <a:p>
+            <a:r>
+              <a:rPr lang="en-US" sz="900" dirty="0" err="1">
+                <a:solidFill>
+                  <a:srgbClr val="000000"/>
+                </a:solidFill>
+                <a:latin typeface="Courier New" panose="02070309020205020404" pitchFamily="49" charset="0"/>
+                <a:cs typeface="Courier New" panose="02070309020205020404" pitchFamily="49" charset="0"/>
+              </a:rPr>
+              <a:t>recv_cnt</a:t>
+            </a:r>
             <a:endParaRPr lang="en-US" sz="900" dirty="0">
               <a:solidFill>
                 <a:srgbClr val="000000"/>
@@ -10314,16 +10352,53 @@
           </a:p>
         </p:txBody>
       </p:sp>
-      <p:sp>
-        <p:nvSpPr>
-          <p:cNvPr id="160" name="Rectangle 159"/>
+      <p:cxnSp>
+        <p:nvCxnSpPr>
+          <p:cNvPr id="161" name="Straight Connector 160"/>
+          <p:cNvCxnSpPr/>
+          <p:nvPr/>
+        </p:nvCxnSpPr>
+        <p:spPr>
+          <a:xfrm flipV="1">
+            <a:off x="9982200" y="6019800"/>
+            <a:ext cx="152400" cy="152400"/>
+          </a:xfrm>
+          <a:prstGeom prst="line">
+            <a:avLst/>
+          </a:prstGeom>
+          <a:ln w="12700">
+            <a:solidFill>
+              <a:srgbClr val="000000"/>
+            </a:solidFill>
+            <a:headEnd type="none" w="med" len="med"/>
+            <a:tailEnd type="none" w="med" len="med"/>
+          </a:ln>
+        </p:spPr>
+        <p:style>
+          <a:lnRef idx="1">
+            <a:schemeClr val="accent1"/>
+          </a:lnRef>
+          <a:fillRef idx="0">
+            <a:schemeClr val="accent1"/>
+          </a:fillRef>
+          <a:effectRef idx="0">
+            <a:schemeClr val="accent1"/>
+          </a:effectRef>
+          <a:fontRef idx="minor">
+            <a:schemeClr val="tx1"/>
+          </a:fontRef>
+        </p:style>
+      </p:cxnSp>
+      <p:sp>
+        <p:nvSpPr>
+          <p:cNvPr id="162" name="Rectangle 161"/>
           <p:cNvSpPr/>
           <p:nvPr/>
         </p:nvSpPr>
         <p:spPr>
           <a:xfrm>
-            <a:off x="10210800" y="5638800"/>
-            <a:ext cx="457200" cy="152400"/>
+            <a:off x="9982200" y="5943600"/>
+            <a:ext cx="152400" cy="76200"/>
           </a:xfrm>
           <a:prstGeom prst="rect">
             <a:avLst/>
@@ -10353,6 +10428,59 @@
           <a:bodyPr wrap="none" lIns="45720" rIns="45720" rtlCol="0" anchor="ctr"/>
           <a:lstStyle/>
           <a:p>
+            <a:pPr algn="ctr"/>
+            <a:r>
+              <a:rPr lang="en-US" sz="900" dirty="0">
+                <a:solidFill>
+                  <a:srgbClr val="000000"/>
+                </a:solidFill>
+                <a:latin typeface="Courier New" panose="02070309020205020404" pitchFamily="49" charset="0"/>
+                <a:cs typeface="Courier New" panose="02070309020205020404" pitchFamily="49" charset="0"/>
+              </a:rPr>
+              <a:t>64</a:t>
+            </a:r>
+          </a:p>
+        </p:txBody>
+      </p:sp>
+      <p:sp>
+        <p:nvSpPr>
+          <p:cNvPr id="176" name="Rectangle 175"/>
+          <p:cNvSpPr/>
+          <p:nvPr/>
+        </p:nvSpPr>
+        <p:spPr>
+          <a:xfrm>
+            <a:off x="10210800" y="5943600"/>
+            <a:ext cx="457200" cy="152400"/>
+          </a:xfrm>
+          <a:prstGeom prst="rect">
+            <a:avLst/>
+          </a:prstGeom>
+          <a:noFill/>
+          <a:ln>
+            <a:noFill/>
+          </a:ln>
+        </p:spPr>
+        <p:style>
+          <a:lnRef idx="2">
+            <a:schemeClr val="accent1">
+              <a:shade val="50000"/>
+            </a:schemeClr>
+          </a:lnRef>
+          <a:fillRef idx="1">
+            <a:schemeClr val="accent1"/>
+          </a:fillRef>
+          <a:effectRef idx="0">
+            <a:schemeClr val="accent1"/>
+          </a:effectRef>
+          <a:fontRef idx="minor">
+            <a:schemeClr val="lt1"/>
+          </a:fontRef>
+        </p:style>
+        <p:txBody>
+          <a:bodyPr wrap="none" lIns="45720" rIns="45720" rtlCol="0" anchor="ctr"/>
+          <a:lstStyle/>
+          <a:p>
             <a:r>
               <a:rPr lang="en-US" sz="900" dirty="0" err="1">
                 <a:solidFill>
@@ -10361,7 +10489,7 @@
                 <a:latin typeface="Courier New" panose="02070309020205020404" pitchFamily="49" charset="0"/>
                 <a:cs typeface="Courier New" panose="02070309020205020404" pitchFamily="49" charset="0"/>
               </a:rPr>
-              <a:t>recv_cnt</a:t>
+              <a:t>err_cnt</a:t>
             </a:r>
             <a:endParaRPr lang="en-US" sz="900" dirty="0">
               <a:solidFill>
@@ -10375,13 +10503,13 @@
       </p:sp>
       <p:cxnSp>
         <p:nvCxnSpPr>
-          <p:cNvPr id="161" name="Straight Connector 160"/>
+          <p:cNvPr id="182" name="Straight Connector 181"/>
           <p:cNvCxnSpPr/>
           <p:nvPr/>
         </p:nvCxnSpPr>
         <p:spPr>
           <a:xfrm flipV="1">
-            <a:off x="9982200" y="6019800"/>
+            <a:off x="7696200" y="6248400"/>
             <a:ext cx="152400" cy="152400"/>
           </a:xfrm>
           <a:prstGeom prst="line">
@@ -10412,13 +10540,13 @@
       </p:cxnSp>
       <p:sp>
         <p:nvSpPr>
-          <p:cNvPr id="162" name="Rectangle 161"/>
+          <p:cNvPr id="183" name="Rectangle 182"/>
           <p:cNvSpPr/>
           <p:nvPr/>
         </p:nvSpPr>
         <p:spPr>
           <a:xfrm>
-            <a:off x="9982200" y="5943600"/>
+            <a:off x="7696200" y="6172200"/>
             <a:ext cx="152400" cy="76200"/>
           </a:xfrm>
           <a:prstGeom prst="rect">
@@ -10458,7 +10586,59 @@
                 <a:latin typeface="Courier New" panose="02070309020205020404" pitchFamily="49" charset="0"/>
                 <a:cs typeface="Courier New" panose="02070309020205020404" pitchFamily="49" charset="0"/>
               </a:rPr>
-              <a:t>64</a:t>
+              <a:t>1</a:t>
+            </a:r>
+          </a:p>
+        </p:txBody>
+      </p:sp>
+      <p:sp>
+        <p:nvSpPr>
+          <p:cNvPr id="185" name="Rectangle 184"/>
+          <p:cNvSpPr/>
+          <p:nvPr/>
+        </p:nvSpPr>
+        <p:spPr>
+          <a:xfrm>
+            <a:off x="7924800" y="6172200"/>
+            <a:ext cx="457200" cy="152400"/>
+          </a:xfrm>
+          <a:prstGeom prst="rect">
+            <a:avLst/>
+          </a:prstGeom>
+          <a:noFill/>
+          <a:ln>
+            <a:noFill/>
+          </a:ln>
+        </p:spPr>
+        <p:style>
+          <a:lnRef idx="2">
+            <a:schemeClr val="accent1">
+              <a:shade val="50000"/>
+            </a:schemeClr>
+          </a:lnRef>
+          <a:fillRef idx="1">
+            <a:schemeClr val="accent1"/>
+          </a:fillRef>
+          <a:effectRef idx="0">
+            <a:schemeClr val="accent1"/>
+          </a:effectRef>
+          <a:fontRef idx="minor">
+            <a:schemeClr val="lt1"/>
+          </a:fontRef>
+        </p:style>
+        <p:txBody>
+          <a:bodyPr wrap="none" lIns="45720" rIns="45720" rtlCol="0" anchor="ctr"/>
+          <a:lstStyle/>
+          <a:p>
+            <a:r>
+              <a:rPr lang="en-US" sz="900" dirty="0" err="1">
+                <a:solidFill>
+                  <a:srgbClr val="000000"/>
+                </a:solidFill>
+                <a:latin typeface="Courier New" panose="02070309020205020404" pitchFamily="49" charset="0"/>
+                <a:cs typeface="Courier New" panose="02070309020205020404" pitchFamily="49" charset="0"/>
+              </a:rPr>
+              <a:t>clr_seq</a:t>
             </a:r>
             <a:endParaRPr lang="en-US" sz="900" dirty="0">
               <a:solidFill>
@@ -10472,14 +10652,14 @@
       </p:sp>
       <p:sp>
         <p:nvSpPr>
-          <p:cNvPr id="176" name="Rectangle 175"/>
+          <p:cNvPr id="186" name="Rectangle 185"/>
           <p:cNvSpPr/>
           <p:nvPr/>
         </p:nvSpPr>
         <p:spPr>
           <a:xfrm>
-            <a:off x="10210800" y="5943600"/>
-            <a:ext cx="457200" cy="152400"/>
+            <a:off x="2743200" y="304800"/>
+            <a:ext cx="2286000" cy="3505200"/>
           </a:xfrm>
           <a:prstGeom prst="rect">
             <a:avLst/>
@@ -10510,14 +10690,44 @@
           <a:lstStyle/>
           <a:p>
             <a:r>
-              <a:rPr lang="en-US" sz="900" dirty="0" err="1">
-                <a:solidFill>
-                  <a:srgbClr val="000000"/>
-                </a:solidFill>
-                <a:latin typeface="Courier New" panose="02070309020205020404" pitchFamily="49" charset="0"/>
-                <a:cs typeface="Courier New" panose="02070309020205020404" pitchFamily="49" charset="0"/>
-              </a:rPr>
-              <a:t>err_cnt</a:t>
+              <a:rPr lang="en-US" sz="900" dirty="0">
+                <a:solidFill>
+                  <a:srgbClr val="000000"/>
+                </a:solidFill>
+                <a:latin typeface="Courier New" panose="02070309020205020404" pitchFamily="49" charset="0"/>
+                <a:cs typeface="Courier New" panose="02070309020205020404" pitchFamily="49" charset="0"/>
+              </a:rPr>
+              <a:t>*_ctrl[   </a:t>
+            </a:r>
+            <a:r>
+              <a:rPr lang="en-US" sz="900" dirty="0" smtClean="0">
+                <a:solidFill>
+                  <a:srgbClr val="000000"/>
+                </a:solidFill>
+                <a:latin typeface="Courier New" panose="02070309020205020404" pitchFamily="49" charset="0"/>
+                <a:cs typeface="Courier New" panose="02070309020205020404" pitchFamily="49" charset="0"/>
+              </a:rPr>
+              <a:t>30] </a:t>
+            </a:r>
+            <a:r>
+              <a:rPr lang="en-US" sz="900" dirty="0">
+                <a:solidFill>
+                  <a:srgbClr val="000000"/>
+                </a:solidFill>
+                <a:latin typeface="Courier New" panose="02070309020205020404" pitchFamily="49" charset="0"/>
+                <a:cs typeface="Courier New" panose="02070309020205020404" pitchFamily="49" charset="0"/>
+              </a:rPr>
+              <a:t>-&gt; *_</a:t>
+            </a:r>
+            <a:r>
+              <a:rPr lang="en-US" sz="900" dirty="0" smtClean="0">
+                <a:solidFill>
+                  <a:srgbClr val="000000"/>
+                </a:solidFill>
+                <a:latin typeface="Courier New" panose="02070309020205020404" pitchFamily="49" charset="0"/>
+                <a:cs typeface="Courier New" panose="02070309020205020404" pitchFamily="49" charset="0"/>
+              </a:rPr>
+              <a:t>SEL_RX_A</a:t>
             </a:r>
             <a:endParaRPr lang="en-US" sz="900" dirty="0">
               <a:solidFill>
@@ -10527,85 +10737,7 @@
               <a:cs typeface="Courier New" panose="02070309020205020404" pitchFamily="49" charset="0"/>
             </a:endParaRPr>
           </a:p>
-        </p:txBody>
-      </p:sp>
-      <p:cxnSp>
-        <p:nvCxnSpPr>
-          <p:cNvPr id="182" name="Straight Connector 181"/>
-          <p:cNvCxnSpPr/>
-          <p:nvPr/>
-        </p:nvCxnSpPr>
-        <p:spPr>
-          <a:xfrm flipV="1">
-            <a:off x="7696200" y="6248400"/>
-            <a:ext cx="152400" cy="152400"/>
-          </a:xfrm>
-          <a:prstGeom prst="line">
-            <a:avLst/>
-          </a:prstGeom>
-          <a:ln w="12700">
-            <a:solidFill>
-              <a:srgbClr val="000000"/>
-            </a:solidFill>
-            <a:headEnd type="none" w="med" len="med"/>
-            <a:tailEnd type="none" w="med" len="med"/>
-          </a:ln>
-        </p:spPr>
-        <p:style>
-          <a:lnRef idx="1">
-            <a:schemeClr val="accent1"/>
-          </a:lnRef>
-          <a:fillRef idx="0">
-            <a:schemeClr val="accent1"/>
-          </a:fillRef>
-          <a:effectRef idx="0">
-            <a:schemeClr val="accent1"/>
-          </a:effectRef>
-          <a:fontRef idx="minor">
-            <a:schemeClr val="tx1"/>
-          </a:fontRef>
-        </p:style>
-      </p:cxnSp>
-      <p:sp>
-        <p:nvSpPr>
-          <p:cNvPr id="183" name="Rectangle 182"/>
-          <p:cNvSpPr/>
-          <p:nvPr/>
-        </p:nvSpPr>
-        <p:spPr>
-          <a:xfrm>
-            <a:off x="7696200" y="6172200"/>
-            <a:ext cx="152400" cy="76200"/>
-          </a:xfrm>
-          <a:prstGeom prst="rect">
-            <a:avLst/>
-          </a:prstGeom>
-          <a:noFill/>
-          <a:ln>
-            <a:noFill/>
-          </a:ln>
-        </p:spPr>
-        <p:style>
-          <a:lnRef idx="2">
-            <a:schemeClr val="accent1">
-              <a:shade val="50000"/>
-            </a:schemeClr>
-          </a:lnRef>
-          <a:fillRef idx="1">
-            <a:schemeClr val="accent1"/>
-          </a:fillRef>
-          <a:effectRef idx="0">
-            <a:schemeClr val="accent1"/>
-          </a:effectRef>
-          <a:fontRef idx="minor">
-            <a:schemeClr val="lt1"/>
-          </a:fontRef>
-        </p:style>
-        <p:txBody>
-          <a:bodyPr wrap="none" lIns="45720" rIns="45720" rtlCol="0" anchor="ctr"/>
-          <a:lstStyle/>
-          <a:p>
-            <a:pPr algn="ctr"/>
+          <a:p>
             <a:r>
               <a:rPr lang="en-US" sz="900" dirty="0">
                 <a:solidFill>
@@ -10614,7 +10746,37 @@
                 <a:latin typeface="Courier New" panose="02070309020205020404" pitchFamily="49" charset="0"/>
                 <a:cs typeface="Courier New" panose="02070309020205020404" pitchFamily="49" charset="0"/>
               </a:rPr>
-              <a:t>1</a:t>
+              <a:t>*_ctrl[   </a:t>
+            </a:r>
+            <a:r>
+              <a:rPr lang="en-US" sz="900" dirty="0" smtClean="0">
+                <a:solidFill>
+                  <a:srgbClr val="000000"/>
+                </a:solidFill>
+                <a:latin typeface="Courier New" panose="02070309020205020404" pitchFamily="49" charset="0"/>
+                <a:cs typeface="Courier New" panose="02070309020205020404" pitchFamily="49" charset="0"/>
+              </a:rPr>
+              <a:t>29] </a:t>
+            </a:r>
+            <a:r>
+              <a:rPr lang="en-US" sz="900" dirty="0">
+                <a:solidFill>
+                  <a:srgbClr val="000000"/>
+                </a:solidFill>
+                <a:latin typeface="Courier New" panose="02070309020205020404" pitchFamily="49" charset="0"/>
+                <a:cs typeface="Courier New" panose="02070309020205020404" pitchFamily="49" charset="0"/>
+              </a:rPr>
+              <a:t>-&gt; *_</a:t>
+            </a:r>
+            <a:r>
+              <a:rPr lang="en-US" sz="900" dirty="0" smtClean="0">
+                <a:solidFill>
+                  <a:srgbClr val="000000"/>
+                </a:solidFill>
+                <a:latin typeface="Courier New" panose="02070309020205020404" pitchFamily="49" charset="0"/>
+                <a:cs typeface="Courier New" panose="02070309020205020404" pitchFamily="49" charset="0"/>
+              </a:rPr>
+              <a:t>SEL_RX_B</a:t>
             </a:r>
             <a:endParaRPr lang="en-US" sz="900" dirty="0">
               <a:solidFill>
@@ -10624,56 +10786,56 @@
               <a:cs typeface="Courier New" panose="02070309020205020404" pitchFamily="49" charset="0"/>
             </a:endParaRPr>
           </a:p>
-        </p:txBody>
-      </p:sp>
-      <p:sp>
-        <p:nvSpPr>
-          <p:cNvPr id="185" name="Rectangle 184"/>
-          <p:cNvSpPr/>
-          <p:nvPr/>
-        </p:nvSpPr>
-        <p:spPr>
-          <a:xfrm>
-            <a:off x="7924800" y="6172200"/>
-            <a:ext cx="457200" cy="152400"/>
-          </a:xfrm>
-          <a:prstGeom prst="rect">
-            <a:avLst/>
-          </a:prstGeom>
-          <a:noFill/>
-          <a:ln>
-            <a:noFill/>
-          </a:ln>
-        </p:spPr>
-        <p:style>
-          <a:lnRef idx="2">
-            <a:schemeClr val="accent1">
-              <a:shade val="50000"/>
-            </a:schemeClr>
-          </a:lnRef>
-          <a:fillRef idx="1">
-            <a:schemeClr val="accent1"/>
-          </a:fillRef>
-          <a:effectRef idx="0">
-            <a:schemeClr val="accent1"/>
-          </a:effectRef>
-          <a:fontRef idx="minor">
-            <a:schemeClr val="lt1"/>
-          </a:fontRef>
-        </p:style>
-        <p:txBody>
-          <a:bodyPr wrap="none" lIns="45720" rIns="45720" rtlCol="0" anchor="ctr"/>
-          <a:lstStyle/>
-          <a:p>
-            <a:r>
-              <a:rPr lang="en-US" sz="900" dirty="0" err="1">
-                <a:solidFill>
-                  <a:srgbClr val="000000"/>
-                </a:solidFill>
-                <a:latin typeface="Courier New" panose="02070309020205020404" pitchFamily="49" charset="0"/>
-                <a:cs typeface="Courier New" panose="02070309020205020404" pitchFamily="49" charset="0"/>
-              </a:rPr>
-              <a:t>clr_seq</a:t>
+          <a:p>
+            <a:r>
+              <a:rPr lang="en-US" sz="900" dirty="0" smtClean="0">
+                <a:solidFill>
+                  <a:srgbClr val="000000"/>
+                </a:solidFill>
+                <a:latin typeface="Courier New" panose="02070309020205020404" pitchFamily="49" charset="0"/>
+                <a:cs typeface="Courier New" panose="02070309020205020404" pitchFamily="49" charset="0"/>
+              </a:rPr>
+              <a:t>*_</a:t>
+            </a:r>
+            <a:r>
+              <a:rPr lang="en-US" sz="900" dirty="0">
+                <a:solidFill>
+                  <a:srgbClr val="000000"/>
+                </a:solidFill>
+                <a:latin typeface="Courier New" panose="02070309020205020404" pitchFamily="49" charset="0"/>
+                <a:cs typeface="Courier New" panose="02070309020205020404" pitchFamily="49" charset="0"/>
+              </a:rPr>
+              <a:t>ctrl[   </a:t>
+            </a:r>
+            <a:r>
+              <a:rPr lang="en-US" sz="900" dirty="0" smtClean="0">
+                <a:solidFill>
+                  <a:srgbClr val="000000"/>
+                </a:solidFill>
+                <a:latin typeface="Courier New" panose="02070309020205020404" pitchFamily="49" charset="0"/>
+                <a:cs typeface="Courier New" panose="02070309020205020404" pitchFamily="49" charset="0"/>
+              </a:rPr>
+              <a:t>28] </a:t>
+            </a:r>
+            <a:r>
+              <a:rPr lang="en-US" sz="900" dirty="0">
+                <a:solidFill>
+                  <a:srgbClr val="000000"/>
+                </a:solidFill>
+                <a:latin typeface="Courier New" panose="02070309020205020404" pitchFamily="49" charset="0"/>
+                <a:cs typeface="Courier New" panose="02070309020205020404" pitchFamily="49" charset="0"/>
+              </a:rPr>
+              <a:t>-&gt; *_</a:t>
+            </a:r>
+            <a:r>
+              <a:rPr lang="en-US" sz="900" dirty="0" smtClean="0">
+                <a:solidFill>
+                  <a:srgbClr val="000000"/>
+                </a:solidFill>
+                <a:latin typeface="Courier New" panose="02070309020205020404" pitchFamily="49" charset="0"/>
+                <a:cs typeface="Courier New" panose="02070309020205020404" pitchFamily="49" charset="0"/>
+              </a:rPr>
+              <a:t>SEL_TX_A</a:t>
             </a:r>
             <a:endParaRPr lang="en-US" sz="900" dirty="0">
               <a:solidFill>
@@ -10683,47 +10845,17 @@
               <a:cs typeface="Courier New" panose="02070309020205020404" pitchFamily="49" charset="0"/>
             </a:endParaRPr>
           </a:p>
-        </p:txBody>
-      </p:sp>
-      <p:sp>
-        <p:nvSpPr>
-          <p:cNvPr id="186" name="Rectangle 185"/>
-          <p:cNvSpPr/>
-          <p:nvPr/>
-        </p:nvSpPr>
-        <p:spPr>
-          <a:xfrm>
-            <a:off x="6096000" y="457200"/>
-            <a:ext cx="1981200" cy="1524000"/>
-          </a:xfrm>
-          <a:prstGeom prst="rect">
-            <a:avLst/>
-          </a:prstGeom>
-          <a:noFill/>
-          <a:ln>
-            <a:noFill/>
-          </a:ln>
-        </p:spPr>
-        <p:style>
-          <a:lnRef idx="2">
-            <a:schemeClr val="accent1">
-              <a:shade val="50000"/>
-            </a:schemeClr>
-          </a:lnRef>
-          <a:fillRef idx="1">
-            <a:schemeClr val="accent1"/>
-          </a:fillRef>
-          <a:effectRef idx="0">
-            <a:schemeClr val="accent1"/>
-          </a:effectRef>
-          <a:fontRef idx="minor">
-            <a:schemeClr val="lt1"/>
-          </a:fontRef>
-        </p:style>
-        <p:txBody>
-          <a:bodyPr wrap="none" lIns="45720" rIns="45720" rtlCol="0" anchor="ctr"/>
-          <a:lstStyle/>
-          <a:p>
+          <a:p>
+            <a:r>
+              <a:rPr lang="en-US" sz="900" dirty="0" smtClean="0">
+                <a:solidFill>
+                  <a:srgbClr val="000000"/>
+                </a:solidFill>
+                <a:latin typeface="Courier New" panose="02070309020205020404" pitchFamily="49" charset="0"/>
+                <a:cs typeface="Courier New" panose="02070309020205020404" pitchFamily="49" charset="0"/>
+              </a:rPr>
+              <a:t>*_</a:t>
+            </a:r>
             <a:r>
               <a:rPr lang="en-US" sz="900" dirty="0">
                 <a:solidFill>
@@ -10732,10 +10864,18 @@
                 <a:latin typeface="Courier New" panose="02070309020205020404" pitchFamily="49" charset="0"/>
                 <a:cs typeface="Courier New" panose="02070309020205020404" pitchFamily="49" charset="0"/>
               </a:rPr>
-              <a:t>*_ctrl[13:12] -&gt; *_TEST</a:t>
-            </a:r>
-          </a:p>
-          <a:p>
+              <a:t>ctrl[   </a:t>
+            </a:r>
+            <a:r>
+              <a:rPr lang="en-US" sz="900" dirty="0" smtClean="0">
+                <a:solidFill>
+                  <a:srgbClr val="000000"/>
+                </a:solidFill>
+                <a:latin typeface="Courier New" panose="02070309020205020404" pitchFamily="49" charset="0"/>
+                <a:cs typeface="Courier New" panose="02070309020205020404" pitchFamily="49" charset="0"/>
+              </a:rPr>
+              <a:t>27] </a:t>
+            </a:r>
             <a:r>
               <a:rPr lang="en-US" sz="900" dirty="0">
                 <a:solidFill>
@@ -10744,228 +10884,17 @@
                 <a:latin typeface="Courier New" panose="02070309020205020404" pitchFamily="49" charset="0"/>
                 <a:cs typeface="Courier New" panose="02070309020205020404" pitchFamily="49" charset="0"/>
               </a:rPr>
-              <a:t>*_ctrl[   11] -&gt; *_PUDPOL_RX</a:t>
-            </a:r>
-          </a:p>
-          <a:p>
-            <a:r>
-              <a:rPr lang="en-US" sz="900" dirty="0">
-                <a:solidFill>
-                  <a:srgbClr val="000000"/>
-                </a:solidFill>
-                <a:latin typeface="Courier New" panose="02070309020205020404" pitchFamily="49" charset="0"/>
-                <a:cs typeface="Courier New" panose="02070309020205020404" pitchFamily="49" charset="0"/>
-              </a:rPr>
-              <a:t>*_ctrl[   10] -&gt; *_PUDPOL_TX</a:t>
-            </a:r>
-          </a:p>
-          <a:p>
-            <a:r>
-              <a:rPr lang="en-US" sz="900" dirty="0">
-                <a:solidFill>
-                  <a:srgbClr val="000000"/>
-                </a:solidFill>
-                <a:latin typeface="Courier New" panose="02070309020205020404" pitchFamily="49" charset="0"/>
-                <a:cs typeface="Courier New" panose="02070309020205020404" pitchFamily="49" charset="0"/>
-              </a:rPr>
-              <a:t>*_ctrl[    9] -&gt; *_PUDEN_RX</a:t>
-            </a:r>
-          </a:p>
-          <a:p>
-            <a:r>
-              <a:rPr lang="en-US" sz="900" dirty="0">
-                <a:solidFill>
-                  <a:srgbClr val="000000"/>
-                </a:solidFill>
-                <a:latin typeface="Courier New" panose="02070309020205020404" pitchFamily="49" charset="0"/>
-                <a:cs typeface="Courier New" panose="02070309020205020404" pitchFamily="49" charset="0"/>
-              </a:rPr>
-              <a:t>*_ctrl[    8] -&gt; *_PUDEN_TX</a:t>
-            </a:r>
-          </a:p>
-          <a:p>
-            <a:r>
-              <a:rPr lang="en-US" sz="900" dirty="0">
-                <a:solidFill>
-                  <a:srgbClr val="000000"/>
-                </a:solidFill>
-                <a:latin typeface="Courier New" panose="02070309020205020404" pitchFamily="49" charset="0"/>
-                <a:cs typeface="Courier New" panose="02070309020205020404" pitchFamily="49" charset="0"/>
-              </a:rPr>
-              <a:t>*_ctrl[    7] -&gt; *_PD_BIAS</a:t>
-            </a:r>
-          </a:p>
-          <a:p>
-            <a:r>
-              <a:rPr lang="en-US" sz="900" dirty="0">
-                <a:solidFill>
-                  <a:srgbClr val="000000"/>
-                </a:solidFill>
-                <a:latin typeface="Courier New" panose="02070309020205020404" pitchFamily="49" charset="0"/>
-                <a:cs typeface="Courier New" panose="02070309020205020404" pitchFamily="49" charset="0"/>
-              </a:rPr>
-              <a:t>*_ctrl[    6] -&gt; *_HYST</a:t>
-            </a:r>
-          </a:p>
-          <a:p>
-            <a:r>
-              <a:rPr lang="en-US" sz="900" dirty="0">
-                <a:solidFill>
-                  <a:srgbClr val="000000"/>
-                </a:solidFill>
-                <a:latin typeface="Courier New" panose="02070309020205020404" pitchFamily="49" charset="0"/>
-                <a:cs typeface="Courier New" panose="02070309020205020404" pitchFamily="49" charset="0"/>
-              </a:rPr>
-              <a:t>*_ctrl[    5] -&gt; *_SEL_RX</a:t>
-            </a:r>
-          </a:p>
-          <a:p>
-            <a:r>
-              <a:rPr lang="en-US" sz="900" dirty="0">
-                <a:solidFill>
-                  <a:srgbClr val="000000"/>
-                </a:solidFill>
-                <a:latin typeface="Courier New" panose="02070309020205020404" pitchFamily="49" charset="0"/>
-                <a:cs typeface="Courier New" panose="02070309020205020404" pitchFamily="49" charset="0"/>
-              </a:rPr>
-              <a:t>*_ctrl[    4] -&gt; *_SEL_TX</a:t>
-            </a:r>
-          </a:p>
-          <a:p>
-            <a:r>
-              <a:rPr lang="en-US" sz="900" dirty="0">
-                <a:solidFill>
-                  <a:srgbClr val="000000"/>
-                </a:solidFill>
-                <a:latin typeface="Courier New" panose="02070309020205020404" pitchFamily="49" charset="0"/>
-                <a:cs typeface="Courier New" panose="02070309020205020404" pitchFamily="49" charset="0"/>
-              </a:rPr>
-              <a:t>*_ctrl[ 3: 2] -&gt; *_IDSET</a:t>
-            </a:r>
-          </a:p>
-          <a:p>
-            <a:r>
-              <a:rPr lang="en-US" sz="900" dirty="0">
-                <a:solidFill>
-                  <a:srgbClr val="000000"/>
-                </a:solidFill>
-                <a:latin typeface="Courier New" panose="02070309020205020404" pitchFamily="49" charset="0"/>
-                <a:cs typeface="Courier New" panose="02070309020205020404" pitchFamily="49" charset="0"/>
-              </a:rPr>
-              <a:t>*_ctrl[ 1: 0] -&gt; *_DRVSTR</a:t>
-            </a:r>
-          </a:p>
-        </p:txBody>
-      </p:sp>
-      <p:sp>
-        <p:nvSpPr>
-          <p:cNvPr id="187" name="Rectangle 186"/>
-          <p:cNvSpPr/>
-          <p:nvPr/>
-        </p:nvSpPr>
-        <p:spPr>
-          <a:xfrm>
-            <a:off x="8534400" y="457200"/>
-            <a:ext cx="1371600" cy="3733800"/>
-          </a:xfrm>
-          <a:prstGeom prst="rect">
-            <a:avLst/>
-          </a:prstGeom>
-          <a:noFill/>
-          <a:ln w="12700">
-            <a:solidFill>
-              <a:srgbClr val="000000"/>
-            </a:solidFill>
-          </a:ln>
-        </p:spPr>
-        <p:style>
-          <a:lnRef idx="2">
-            <a:schemeClr val="accent1">
-              <a:shade val="50000"/>
-            </a:schemeClr>
-          </a:lnRef>
-          <a:fillRef idx="1">
-            <a:schemeClr val="accent1"/>
-          </a:fillRef>
-          <a:effectRef idx="0">
-            <a:schemeClr val="accent1"/>
-          </a:effectRef>
-          <a:fontRef idx="minor">
-            <a:schemeClr val="lt1"/>
-          </a:fontRef>
-        </p:style>
-        <p:txBody>
-          <a:bodyPr lIns="45720" rIns="45720" rtlCol="0" anchor="t"/>
-          <a:lstStyle/>
-          <a:p>
-            <a:r>
-              <a:rPr lang="en-US" sz="900" dirty="0">
-                <a:solidFill>
-                  <a:schemeClr val="tx1"/>
-                </a:solidFill>
-                <a:latin typeface="Courier New" panose="02070309020205020404" pitchFamily="49" charset="0"/>
-                <a:cs typeface="Courier New" panose="02070309020205020404" pitchFamily="49" charset="0"/>
-              </a:rPr>
-              <a:t>stimulus</a:t>
-            </a:r>
-            <a:endParaRPr lang="en-US" sz="900" dirty="0">
-              <a:solidFill>
-                <a:schemeClr val="tx1"/>
-              </a:solidFill>
-              <a:latin typeface="Courier New" panose="02070309020205020404" pitchFamily="49" charset="0"/>
-              <a:cs typeface="Courier New" panose="02070309020205020404" pitchFamily="49" charset="0"/>
-            </a:endParaRPr>
-          </a:p>
-        </p:txBody>
-      </p:sp>
-      <p:sp>
-        <p:nvSpPr>
-          <p:cNvPr id="190" name="Rectangle 189"/>
-          <p:cNvSpPr/>
-          <p:nvPr/>
-        </p:nvSpPr>
-        <p:spPr>
-          <a:xfrm>
-            <a:off x="8534400" y="304800"/>
-            <a:ext cx="457200" cy="152400"/>
-          </a:xfrm>
-          <a:prstGeom prst="rect">
-            <a:avLst/>
-          </a:prstGeom>
-          <a:noFill/>
-          <a:ln>
-            <a:noFill/>
-          </a:ln>
-        </p:spPr>
-        <p:style>
-          <a:lnRef idx="2">
-            <a:schemeClr val="accent1">
-              <a:shade val="50000"/>
-            </a:schemeClr>
-          </a:lnRef>
-          <a:fillRef idx="1">
-            <a:schemeClr val="accent1"/>
-          </a:fillRef>
-          <a:effectRef idx="0">
-            <a:schemeClr val="accent1"/>
-          </a:effectRef>
-          <a:fontRef idx="minor">
-            <a:schemeClr val="lt1"/>
-          </a:fontRef>
-        </p:style>
-        <p:txBody>
-          <a:bodyPr wrap="none" lIns="45720" rIns="45720" rtlCol="0" anchor="ctr"/>
-          <a:lstStyle/>
-          <a:p>
-            <a:r>
-              <a:rPr lang="en-US" sz="900" dirty="0" err="1">
-                <a:solidFill>
-                  <a:srgbClr val="000000"/>
-                </a:solidFill>
-                <a:latin typeface="Courier New" panose="02070309020205020404" pitchFamily="49" charset="0"/>
-                <a:cs typeface="Courier New" panose="02070309020205020404" pitchFamily="49" charset="0"/>
-              </a:rPr>
-              <a:t>i_stimuls</a:t>
+              <a:t>-&gt; </a:t>
+            </a:r>
+            <a:r>
+              <a:rPr lang="en-US" sz="900" dirty="0" smtClean="0">
+                <a:solidFill>
+                  <a:srgbClr val="000000"/>
+                </a:solidFill>
+                <a:latin typeface="Courier New" panose="02070309020205020404" pitchFamily="49" charset="0"/>
+                <a:cs typeface="Courier New" panose="02070309020205020404" pitchFamily="49" charset="0"/>
+              </a:rPr>
+              <a:t>*_SEL_TX_B</a:t>
             </a:r>
             <a:endParaRPr lang="en-US" sz="900" dirty="0">
               <a:solidFill>
@@ -10975,47 +10904,17 @@
               <a:cs typeface="Courier New" panose="02070309020205020404" pitchFamily="49" charset="0"/>
             </a:endParaRPr>
           </a:p>
-        </p:txBody>
-      </p:sp>
-      <p:sp>
-        <p:nvSpPr>
-          <p:cNvPr id="192" name="Rectangle 191"/>
-          <p:cNvSpPr/>
-          <p:nvPr/>
-        </p:nvSpPr>
-        <p:spPr>
-          <a:xfrm>
-            <a:off x="8534400" y="2743200"/>
-            <a:ext cx="457200" cy="152400"/>
-          </a:xfrm>
-          <a:prstGeom prst="rect">
-            <a:avLst/>
-          </a:prstGeom>
-          <a:noFill/>
-          <a:ln>
-            <a:noFill/>
-          </a:ln>
-        </p:spPr>
-        <p:style>
-          <a:lnRef idx="2">
-            <a:schemeClr val="accent1">
-              <a:shade val="50000"/>
-            </a:schemeClr>
-          </a:lnRef>
-          <a:fillRef idx="1">
-            <a:schemeClr val="accent1"/>
-          </a:fillRef>
-          <a:effectRef idx="0">
-            <a:schemeClr val="accent1"/>
-          </a:effectRef>
-          <a:fontRef idx="minor">
-            <a:schemeClr val="lt1"/>
-          </a:fontRef>
-        </p:style>
-        <p:txBody>
-          <a:bodyPr wrap="none" lIns="45720" rIns="45720" rtlCol="0" anchor="ctr"/>
-          <a:lstStyle/>
-          <a:p>
+          <a:p>
+            <a:r>
+              <a:rPr lang="en-US" sz="900" dirty="0" smtClean="0">
+                <a:solidFill>
+                  <a:srgbClr val="000000"/>
+                </a:solidFill>
+                <a:latin typeface="Courier New" panose="02070309020205020404" pitchFamily="49" charset="0"/>
+                <a:cs typeface="Courier New" panose="02070309020205020404" pitchFamily="49" charset="0"/>
+              </a:rPr>
+              <a:t>*_</a:t>
+            </a:r>
             <a:r>
               <a:rPr lang="en-US" sz="900" dirty="0">
                 <a:solidFill>
@@ -11024,124 +10923,18 @@
                 <a:latin typeface="Courier New" panose="02070309020205020404" pitchFamily="49" charset="0"/>
                 <a:cs typeface="Courier New" panose="02070309020205020404" pitchFamily="49" charset="0"/>
               </a:rPr>
-              <a:t>CLK</a:t>
-            </a:r>
-          </a:p>
-        </p:txBody>
-      </p:sp>
-      <p:cxnSp>
-        <p:nvCxnSpPr>
-          <p:cNvPr id="193" name="Straight Connector 192"/>
-          <p:cNvCxnSpPr/>
-          <p:nvPr/>
-        </p:nvCxnSpPr>
-        <p:spPr>
-          <a:xfrm flipH="1" flipV="1">
-            <a:off x="8534400" y="2819400"/>
-            <a:ext cx="76200" cy="76200"/>
-          </a:xfrm>
-          <a:prstGeom prst="line">
-            <a:avLst/>
-          </a:prstGeom>
-          <a:ln w="12700">
-            <a:solidFill>
-              <a:srgbClr val="000000"/>
-            </a:solidFill>
-            <a:headEnd type="none" w="med" len="med"/>
-            <a:tailEnd type="none" w="med" len="med"/>
-          </a:ln>
-        </p:spPr>
-        <p:style>
-          <a:lnRef idx="1">
-            <a:schemeClr val="accent1"/>
-          </a:lnRef>
-          <a:fillRef idx="0">
-            <a:schemeClr val="accent1"/>
-          </a:fillRef>
-          <a:effectRef idx="0">
-            <a:schemeClr val="accent1"/>
-          </a:effectRef>
-          <a:fontRef idx="minor">
-            <a:schemeClr val="tx1"/>
-          </a:fontRef>
-        </p:style>
-      </p:cxnSp>
-      <p:cxnSp>
-        <p:nvCxnSpPr>
-          <p:cNvPr id="194" name="Straight Connector 193"/>
-          <p:cNvCxnSpPr/>
-          <p:nvPr/>
-        </p:nvCxnSpPr>
-        <p:spPr>
-          <a:xfrm flipH="1">
-            <a:off x="8534400" y="2895600"/>
-            <a:ext cx="76200" cy="76200"/>
-          </a:xfrm>
-          <a:prstGeom prst="line">
-            <a:avLst/>
-          </a:prstGeom>
-          <a:ln w="12700">
-            <a:solidFill>
-              <a:srgbClr val="000000"/>
-            </a:solidFill>
-            <a:headEnd type="none" w="med" len="med"/>
-            <a:tailEnd type="none" w="med" len="med"/>
-          </a:ln>
-        </p:spPr>
-        <p:style>
-          <a:lnRef idx="1">
-            <a:schemeClr val="accent1"/>
-          </a:lnRef>
-          <a:fillRef idx="0">
-            <a:schemeClr val="accent1"/>
-          </a:fillRef>
-          <a:effectRef idx="0">
-            <a:schemeClr val="accent1"/>
-          </a:effectRef>
-          <a:fontRef idx="minor">
-            <a:schemeClr val="tx1"/>
-          </a:fontRef>
-        </p:style>
-      </p:cxnSp>
-      <p:sp>
-        <p:nvSpPr>
-          <p:cNvPr id="195" name="Rectangle 194"/>
-          <p:cNvSpPr/>
-          <p:nvPr/>
-        </p:nvSpPr>
-        <p:spPr>
-          <a:xfrm>
-            <a:off x="8534400" y="2514600"/>
-            <a:ext cx="457200" cy="152400"/>
-          </a:xfrm>
-          <a:prstGeom prst="rect">
-            <a:avLst/>
-          </a:prstGeom>
-          <a:noFill/>
-          <a:ln>
-            <a:noFill/>
-          </a:ln>
-        </p:spPr>
-        <p:style>
-          <a:lnRef idx="2">
-            <a:schemeClr val="accent1">
-              <a:shade val="50000"/>
-            </a:schemeClr>
-          </a:lnRef>
-          <a:fillRef idx="1">
-            <a:schemeClr val="accent1"/>
-          </a:fillRef>
-          <a:effectRef idx="0">
-            <a:schemeClr val="accent1"/>
-          </a:effectRef>
-          <a:fontRef idx="minor">
-            <a:schemeClr val="lt1"/>
-          </a:fontRef>
-        </p:style>
-        <p:txBody>
-          <a:bodyPr wrap="none" lIns="45720" rIns="45720" rtlCol="0" anchor="ctr"/>
-          <a:lstStyle/>
-          <a:p>
+              <a:t>ctrl[   </a:t>
+            </a:r>
+            <a:r>
+              <a:rPr lang="en-US" sz="900" dirty="0" smtClean="0">
+                <a:solidFill>
+                  <a:srgbClr val="000000"/>
+                </a:solidFill>
+                <a:latin typeface="Courier New" panose="02070309020205020404" pitchFamily="49" charset="0"/>
+                <a:cs typeface="Courier New" panose="02070309020205020404" pitchFamily="49" charset="0"/>
+              </a:rPr>
+              <a:t>26] </a:t>
+            </a:r>
             <a:r>
               <a:rPr lang="en-US" sz="900" dirty="0">
                 <a:solidFill>
@@ -11150,238 +10943,17 @@
                 <a:latin typeface="Courier New" panose="02070309020205020404" pitchFamily="49" charset="0"/>
                 <a:cs typeface="Courier New" panose="02070309020205020404" pitchFamily="49" charset="0"/>
               </a:rPr>
-              <a:t>RSTX</a:t>
-            </a:r>
-          </a:p>
-        </p:txBody>
-      </p:sp>
-      <p:cxnSp>
-        <p:nvCxnSpPr>
-          <p:cNvPr id="197" name="Straight Connector 196"/>
-          <p:cNvCxnSpPr/>
-          <p:nvPr/>
-        </p:nvCxnSpPr>
-        <p:spPr>
-          <a:xfrm>
-            <a:off x="5029200" y="2590800"/>
-            <a:ext cx="3505200" cy="0"/>
-          </a:xfrm>
-          <a:prstGeom prst="line">
-            <a:avLst/>
-          </a:prstGeom>
-          <a:ln w="12700">
-            <a:solidFill>
-              <a:srgbClr val="000000"/>
-            </a:solidFill>
-            <a:headEnd type="none" w="med" len="med"/>
-            <a:tailEnd type="triangle" w="med" len="med"/>
-          </a:ln>
-        </p:spPr>
-        <p:style>
-          <a:lnRef idx="1">
-            <a:schemeClr val="accent1"/>
-          </a:lnRef>
-          <a:fillRef idx="0">
-            <a:schemeClr val="accent1"/>
-          </a:fillRef>
-          <a:effectRef idx="0">
-            <a:schemeClr val="accent1"/>
-          </a:effectRef>
-          <a:fontRef idx="minor">
-            <a:schemeClr val="tx1"/>
-          </a:fontRef>
-        </p:style>
-      </p:cxnSp>
-      <p:cxnSp>
-        <p:nvCxnSpPr>
-          <p:cNvPr id="221" name="Straight Connector 220"/>
-          <p:cNvCxnSpPr/>
-          <p:nvPr/>
-        </p:nvCxnSpPr>
-        <p:spPr>
-          <a:xfrm flipH="1">
-            <a:off x="5334000" y="2895600"/>
-            <a:ext cx="3200400" cy="0"/>
-          </a:xfrm>
-          <a:prstGeom prst="line">
-            <a:avLst/>
-          </a:prstGeom>
-          <a:ln w="12700">
-            <a:solidFill>
-              <a:srgbClr val="000000"/>
-            </a:solidFill>
-            <a:headEnd type="none" w="med" len="med"/>
-            <a:tailEnd type="none" w="med" len="med"/>
-          </a:ln>
-        </p:spPr>
-        <p:style>
-          <a:lnRef idx="1">
-            <a:schemeClr val="accent1"/>
-          </a:lnRef>
-          <a:fillRef idx="0">
-            <a:schemeClr val="accent1"/>
-          </a:fillRef>
-          <a:effectRef idx="0">
-            <a:schemeClr val="accent1"/>
-          </a:effectRef>
-          <a:fontRef idx="minor">
-            <a:schemeClr val="tx1"/>
-          </a:fontRef>
-        </p:style>
-      </p:cxnSp>
-      <p:sp>
-        <p:nvSpPr>
-          <p:cNvPr id="224" name="Rectangle 223"/>
-          <p:cNvSpPr/>
-          <p:nvPr/>
-        </p:nvSpPr>
-        <p:spPr>
-          <a:xfrm>
-            <a:off x="8534400" y="3429000"/>
-            <a:ext cx="457200" cy="152400"/>
-          </a:xfrm>
-          <a:prstGeom prst="rect">
-            <a:avLst/>
-          </a:prstGeom>
-          <a:noFill/>
-          <a:ln>
-            <a:noFill/>
-          </a:ln>
-        </p:spPr>
-        <p:style>
-          <a:lnRef idx="2">
-            <a:schemeClr val="accent1">
-              <a:shade val="50000"/>
-            </a:schemeClr>
-          </a:lnRef>
-          <a:fillRef idx="1">
-            <a:schemeClr val="accent1"/>
-          </a:fillRef>
-          <a:effectRef idx="0">
-            <a:schemeClr val="accent1"/>
-          </a:effectRef>
-          <a:fontRef idx="minor">
-            <a:schemeClr val="lt1"/>
-          </a:fontRef>
-        </p:style>
-        <p:txBody>
-          <a:bodyPr wrap="none" lIns="45720" rIns="45720" rtlCol="0" anchor="ctr"/>
-          <a:lstStyle/>
-          <a:p>
-            <a:r>
-              <a:rPr lang="en-US" sz="900" dirty="0">
-                <a:solidFill>
-                  <a:srgbClr val="000000"/>
-                </a:solidFill>
-                <a:latin typeface="Courier New" panose="02070309020205020404" pitchFamily="49" charset="0"/>
-                <a:cs typeface="Courier New" panose="02070309020205020404" pitchFamily="49" charset="0"/>
-              </a:rPr>
-              <a:t>MAIN_MODE</a:t>
-            </a:r>
-          </a:p>
-        </p:txBody>
-      </p:sp>
-      <p:sp>
-        <p:nvSpPr>
-          <p:cNvPr id="225" name="Rectangle 224"/>
-          <p:cNvSpPr/>
-          <p:nvPr/>
-        </p:nvSpPr>
-        <p:spPr>
-          <a:xfrm>
-            <a:off x="8534400" y="3733800"/>
-            <a:ext cx="457200" cy="152400"/>
-          </a:xfrm>
-          <a:prstGeom prst="rect">
-            <a:avLst/>
-          </a:prstGeom>
-          <a:noFill/>
-          <a:ln>
-            <a:noFill/>
-          </a:ln>
-        </p:spPr>
-        <p:style>
-          <a:lnRef idx="2">
-            <a:schemeClr val="accent1">
-              <a:shade val="50000"/>
-            </a:schemeClr>
-          </a:lnRef>
-          <a:fillRef idx="1">
-            <a:schemeClr val="accent1"/>
-          </a:fillRef>
-          <a:effectRef idx="0">
-            <a:schemeClr val="accent1"/>
-          </a:effectRef>
-          <a:fontRef idx="minor">
-            <a:schemeClr val="lt1"/>
-          </a:fontRef>
-        </p:style>
-        <p:txBody>
-          <a:bodyPr wrap="none" lIns="45720" rIns="45720" rtlCol="0" anchor="ctr"/>
-          <a:lstStyle/>
-          <a:p>
-            <a:r>
-              <a:rPr lang="en-US" sz="900" dirty="0">
-                <a:solidFill>
-                  <a:srgbClr val="000000"/>
-                </a:solidFill>
-                <a:latin typeface="Courier New" panose="02070309020205020404" pitchFamily="49" charset="0"/>
-                <a:cs typeface="Courier New" panose="02070309020205020404" pitchFamily="49" charset="0"/>
-              </a:rPr>
-              <a:t>SUB_MODE</a:t>
-            </a:r>
-          </a:p>
-        </p:txBody>
-      </p:sp>
-      <p:sp>
-        <p:nvSpPr>
-          <p:cNvPr id="226" name="Rectangle 225"/>
-          <p:cNvSpPr/>
-          <p:nvPr/>
-        </p:nvSpPr>
-        <p:spPr>
-          <a:xfrm>
-            <a:off x="9448800" y="990600"/>
-            <a:ext cx="457200" cy="152400"/>
-          </a:xfrm>
-          <a:prstGeom prst="rect">
-            <a:avLst/>
-          </a:prstGeom>
-          <a:noFill/>
-          <a:ln>
-            <a:noFill/>
-          </a:ln>
-        </p:spPr>
-        <p:style>
-          <a:lnRef idx="2">
-            <a:schemeClr val="accent1">
-              <a:shade val="50000"/>
-            </a:schemeClr>
-          </a:lnRef>
-          <a:fillRef idx="1">
-            <a:schemeClr val="accent1"/>
-          </a:fillRef>
-          <a:effectRef idx="0">
-            <a:schemeClr val="accent1"/>
-          </a:effectRef>
-          <a:fontRef idx="minor">
-            <a:schemeClr val="lt1"/>
-          </a:fontRef>
-        </p:style>
-        <p:txBody>
-          <a:bodyPr wrap="none" lIns="45720" rIns="45720" rtlCol="0" anchor="ctr"/>
-          <a:lstStyle/>
-          <a:p>
-            <a:pPr algn="r"/>
-            <a:r>
-              <a:rPr lang="en-US" sz="900" dirty="0">
-                <a:solidFill>
-                  <a:srgbClr val="000000"/>
-                </a:solidFill>
-                <a:latin typeface="Courier New" panose="02070309020205020404" pitchFamily="49" charset="0"/>
-                <a:cs typeface="Courier New" panose="02070309020205020404" pitchFamily="49" charset="0"/>
-              </a:rPr>
-              <a:t>NTA_CTRL</a:t>
+              <a:t>-&gt; *_</a:t>
+            </a:r>
+            <a:r>
+              <a:rPr lang="en-US" sz="900" dirty="0" smtClean="0">
+                <a:solidFill>
+                  <a:srgbClr val="000000"/>
+                </a:solidFill>
+                <a:latin typeface="Courier New" panose="02070309020205020404" pitchFamily="49" charset="0"/>
+                <a:cs typeface="Courier New" panose="02070309020205020404" pitchFamily="49" charset="0"/>
+              </a:rPr>
+              <a:t>PD_BIAS_A</a:t>
             </a:r>
             <a:endParaRPr lang="en-US" sz="900" dirty="0">
               <a:solidFill>
@@ -11391,48 +10963,17 @@
               <a:cs typeface="Courier New" panose="02070309020205020404" pitchFamily="49" charset="0"/>
             </a:endParaRPr>
           </a:p>
-        </p:txBody>
-      </p:sp>
-      <p:sp>
-        <p:nvSpPr>
-          <p:cNvPr id="228" name="Rectangle 227"/>
-          <p:cNvSpPr/>
-          <p:nvPr/>
-        </p:nvSpPr>
-        <p:spPr>
-          <a:xfrm>
-            <a:off x="9448800" y="1219200"/>
-            <a:ext cx="457200" cy="152400"/>
-          </a:xfrm>
-          <a:prstGeom prst="rect">
-            <a:avLst/>
-          </a:prstGeom>
-          <a:noFill/>
-          <a:ln>
-            <a:noFill/>
-          </a:ln>
-        </p:spPr>
-        <p:style>
-          <a:lnRef idx="2">
-            <a:schemeClr val="accent1">
-              <a:shade val="50000"/>
-            </a:schemeClr>
-          </a:lnRef>
-          <a:fillRef idx="1">
-            <a:schemeClr val="accent1"/>
-          </a:fillRef>
-          <a:effectRef idx="0">
-            <a:schemeClr val="accent1"/>
-          </a:effectRef>
-          <a:fontRef idx="minor">
-            <a:schemeClr val="lt1"/>
-          </a:fontRef>
-        </p:style>
-        <p:txBody>
-          <a:bodyPr wrap="none" lIns="45720" rIns="45720" rtlCol="0" anchor="ctr"/>
-          <a:lstStyle/>
-          <a:p>
-            <a:pPr algn="r"/>
+          <a:p>
+            <a:r>
+              <a:rPr lang="en-US" sz="900" dirty="0" smtClean="0">
+                <a:solidFill>
+                  <a:srgbClr val="000000"/>
+                </a:solidFill>
+                <a:latin typeface="Courier New" panose="02070309020205020404" pitchFamily="49" charset="0"/>
+                <a:cs typeface="Courier New" panose="02070309020205020404" pitchFamily="49" charset="0"/>
+              </a:rPr>
+              <a:t>*_</a:t>
+            </a:r>
             <a:r>
               <a:rPr lang="en-US" sz="900" dirty="0">
                 <a:solidFill>
@@ -11441,7 +10982,37 @@
                 <a:latin typeface="Courier New" panose="02070309020205020404" pitchFamily="49" charset="0"/>
                 <a:cs typeface="Courier New" panose="02070309020205020404" pitchFamily="49" charset="0"/>
               </a:rPr>
-              <a:t>NTB_CTRL</a:t>
+              <a:t>ctrl[   </a:t>
+            </a:r>
+            <a:r>
+              <a:rPr lang="en-US" sz="900" dirty="0" smtClean="0">
+                <a:solidFill>
+                  <a:srgbClr val="000000"/>
+                </a:solidFill>
+                <a:latin typeface="Courier New" panose="02070309020205020404" pitchFamily="49" charset="0"/>
+                <a:cs typeface="Courier New" panose="02070309020205020404" pitchFamily="49" charset="0"/>
+              </a:rPr>
+              <a:t>25] </a:t>
+            </a:r>
+            <a:r>
+              <a:rPr lang="en-US" sz="900" dirty="0">
+                <a:solidFill>
+                  <a:srgbClr val="000000"/>
+                </a:solidFill>
+                <a:latin typeface="Courier New" panose="02070309020205020404" pitchFamily="49" charset="0"/>
+                <a:cs typeface="Courier New" panose="02070309020205020404" pitchFamily="49" charset="0"/>
+              </a:rPr>
+              <a:t>-&gt; </a:t>
+            </a:r>
+            <a:r>
+              <a:rPr lang="en-US" sz="900" dirty="0" smtClean="0">
+                <a:solidFill>
+                  <a:srgbClr val="000000"/>
+                </a:solidFill>
+                <a:latin typeface="Courier New" panose="02070309020205020404" pitchFamily="49" charset="0"/>
+                <a:cs typeface="Courier New" panose="02070309020205020404" pitchFamily="49" charset="0"/>
+              </a:rPr>
+              <a:t>*_PD_BIAS_B</a:t>
             </a:r>
             <a:endParaRPr lang="en-US" sz="900" dirty="0">
               <a:solidFill>
@@ -11451,48 +11022,17 @@
               <a:cs typeface="Courier New" panose="02070309020205020404" pitchFamily="49" charset="0"/>
             </a:endParaRPr>
           </a:p>
-        </p:txBody>
-      </p:sp>
-      <p:sp>
-        <p:nvSpPr>
-          <p:cNvPr id="231" name="Rectangle 230"/>
-          <p:cNvSpPr/>
-          <p:nvPr/>
-        </p:nvSpPr>
-        <p:spPr>
-          <a:xfrm>
-            <a:off x="9448800" y="1828800"/>
-            <a:ext cx="457200" cy="152400"/>
-          </a:xfrm>
-          <a:prstGeom prst="rect">
-            <a:avLst/>
-          </a:prstGeom>
-          <a:noFill/>
-          <a:ln>
-            <a:noFill/>
-          </a:ln>
-        </p:spPr>
-        <p:style>
-          <a:lnRef idx="2">
-            <a:schemeClr val="accent1">
-              <a:shade val="50000"/>
-            </a:schemeClr>
-          </a:lnRef>
-          <a:fillRef idx="1">
-            <a:schemeClr val="accent1"/>
-          </a:fillRef>
-          <a:effectRef idx="0">
-            <a:schemeClr val="accent1"/>
-          </a:effectRef>
-          <a:fontRef idx="minor">
-            <a:schemeClr val="lt1"/>
-          </a:fontRef>
-        </p:style>
-        <p:txBody>
-          <a:bodyPr wrap="none" lIns="45720" rIns="45720" rtlCol="0" anchor="ctr"/>
-          <a:lstStyle/>
-          <a:p>
-            <a:pPr algn="r"/>
+          <a:p>
+            <a:r>
+              <a:rPr lang="en-US" sz="900" dirty="0" smtClean="0">
+                <a:solidFill>
+                  <a:srgbClr val="000000"/>
+                </a:solidFill>
+                <a:latin typeface="Courier New" panose="02070309020205020404" pitchFamily="49" charset="0"/>
+                <a:cs typeface="Courier New" panose="02070309020205020404" pitchFamily="49" charset="0"/>
+              </a:rPr>
+              <a:t>*_ctrl[24:23] </a:t>
+            </a:r>
             <a:r>
               <a:rPr lang="en-US" sz="900" dirty="0">
                 <a:solidFill>
@@ -11501,7 +11041,17 @@
                 <a:latin typeface="Courier New" panose="02070309020205020404" pitchFamily="49" charset="0"/>
                 <a:cs typeface="Courier New" panose="02070309020205020404" pitchFamily="49" charset="0"/>
               </a:rPr>
-              <a:t>ETA_CTRL</a:t>
+              <a:t>-&gt; *_</a:t>
+            </a:r>
+            <a:r>
+              <a:rPr lang="en-US" sz="900" dirty="0" smtClean="0">
+                <a:solidFill>
+                  <a:srgbClr val="000000"/>
+                </a:solidFill>
+                <a:latin typeface="Courier New" panose="02070309020205020404" pitchFamily="49" charset="0"/>
+                <a:cs typeface="Courier New" panose="02070309020205020404" pitchFamily="49" charset="0"/>
+              </a:rPr>
+              <a:t>IDSET_A</a:t>
             </a:r>
             <a:endParaRPr lang="en-US" sz="900" dirty="0">
               <a:solidFill>
@@ -11511,48 +11061,17 @@
               <a:cs typeface="Courier New" panose="02070309020205020404" pitchFamily="49" charset="0"/>
             </a:endParaRPr>
           </a:p>
-        </p:txBody>
-      </p:sp>
-      <p:sp>
-        <p:nvSpPr>
-          <p:cNvPr id="233" name="Rectangle 232"/>
-          <p:cNvSpPr/>
-          <p:nvPr/>
-        </p:nvSpPr>
-        <p:spPr>
-          <a:xfrm>
-            <a:off x="9448800" y="2057400"/>
-            <a:ext cx="457200" cy="152400"/>
-          </a:xfrm>
-          <a:prstGeom prst="rect">
-            <a:avLst/>
-          </a:prstGeom>
-          <a:noFill/>
-          <a:ln>
-            <a:noFill/>
-          </a:ln>
-        </p:spPr>
-        <p:style>
-          <a:lnRef idx="2">
-            <a:schemeClr val="accent1">
-              <a:shade val="50000"/>
-            </a:schemeClr>
-          </a:lnRef>
-          <a:fillRef idx="1">
-            <a:schemeClr val="accent1"/>
-          </a:fillRef>
-          <a:effectRef idx="0">
-            <a:schemeClr val="accent1"/>
-          </a:effectRef>
-          <a:fontRef idx="minor">
-            <a:schemeClr val="lt1"/>
-          </a:fontRef>
-        </p:style>
-        <p:txBody>
-          <a:bodyPr wrap="none" lIns="45720" rIns="45720" rtlCol="0" anchor="ctr"/>
-          <a:lstStyle/>
-          <a:p>
-            <a:pPr algn="r"/>
+          <a:p>
+            <a:r>
+              <a:rPr lang="en-US" sz="900" dirty="0" smtClean="0">
+                <a:solidFill>
+                  <a:srgbClr val="000000"/>
+                </a:solidFill>
+                <a:latin typeface="Courier New" panose="02070309020205020404" pitchFamily="49" charset="0"/>
+                <a:cs typeface="Courier New" panose="02070309020205020404" pitchFamily="49" charset="0"/>
+              </a:rPr>
+              <a:t>*_ctrl[22:21] </a:t>
+            </a:r>
             <a:r>
               <a:rPr lang="en-US" sz="900" dirty="0">
                 <a:solidFill>
@@ -11561,7 +11080,17 @@
                 <a:latin typeface="Courier New" panose="02070309020205020404" pitchFamily="49" charset="0"/>
                 <a:cs typeface="Courier New" panose="02070309020205020404" pitchFamily="49" charset="0"/>
               </a:rPr>
-              <a:t>ETB_CTRL</a:t>
+              <a:t>-&gt; </a:t>
+            </a:r>
+            <a:r>
+              <a:rPr lang="en-US" sz="900" dirty="0" smtClean="0">
+                <a:solidFill>
+                  <a:srgbClr val="000000"/>
+                </a:solidFill>
+                <a:latin typeface="Courier New" panose="02070309020205020404" pitchFamily="49" charset="0"/>
+                <a:cs typeface="Courier New" panose="02070309020205020404" pitchFamily="49" charset="0"/>
+              </a:rPr>
+              <a:t>*_IDSET_B</a:t>
             </a:r>
             <a:endParaRPr lang="en-US" sz="900" dirty="0">
               <a:solidFill>
@@ -11571,48 +11100,17 @@
               <a:cs typeface="Courier New" panose="02070309020205020404" pitchFamily="49" charset="0"/>
             </a:endParaRPr>
           </a:p>
-        </p:txBody>
-      </p:sp>
-      <p:sp>
-        <p:nvSpPr>
-          <p:cNvPr id="234" name="Rectangle 233"/>
-          <p:cNvSpPr/>
-          <p:nvPr/>
-        </p:nvSpPr>
-        <p:spPr>
-          <a:xfrm>
-            <a:off x="9448800" y="2667000"/>
-            <a:ext cx="457200" cy="152400"/>
-          </a:xfrm>
-          <a:prstGeom prst="rect">
-            <a:avLst/>
-          </a:prstGeom>
-          <a:noFill/>
-          <a:ln>
-            <a:noFill/>
-          </a:ln>
-        </p:spPr>
-        <p:style>
-          <a:lnRef idx="2">
-            <a:schemeClr val="accent1">
-              <a:shade val="50000"/>
-            </a:schemeClr>
-          </a:lnRef>
-          <a:fillRef idx="1">
-            <a:schemeClr val="accent1"/>
-          </a:fillRef>
-          <a:effectRef idx="0">
-            <a:schemeClr val="accent1"/>
-          </a:effectRef>
-          <a:fontRef idx="minor">
-            <a:schemeClr val="lt1"/>
-          </a:fontRef>
-        </p:style>
-        <p:txBody>
-          <a:bodyPr wrap="none" lIns="45720" rIns="45720" rtlCol="0" anchor="ctr"/>
-          <a:lstStyle/>
-          <a:p>
-            <a:pPr algn="r"/>
+          <a:p>
+            <a:r>
+              <a:rPr lang="en-US" sz="900" dirty="0" smtClean="0">
+                <a:solidFill>
+                  <a:srgbClr val="000000"/>
+                </a:solidFill>
+                <a:latin typeface="Courier New" panose="02070309020205020404" pitchFamily="49" charset="0"/>
+                <a:cs typeface="Courier New" panose="02070309020205020404" pitchFamily="49" charset="0"/>
+              </a:rPr>
+              <a:t>*_</a:t>
+            </a:r>
             <a:r>
               <a:rPr lang="en-US" sz="900" dirty="0">
                 <a:solidFill>
@@ -11621,7 +11119,37 @@
                 <a:latin typeface="Courier New" panose="02070309020205020404" pitchFamily="49" charset="0"/>
                 <a:cs typeface="Courier New" panose="02070309020205020404" pitchFamily="49" charset="0"/>
               </a:rPr>
-              <a:t>STA_CTRL</a:t>
+              <a:t>ctrl[   </a:t>
+            </a:r>
+            <a:r>
+              <a:rPr lang="en-US" sz="900" dirty="0" smtClean="0">
+                <a:solidFill>
+                  <a:srgbClr val="000000"/>
+                </a:solidFill>
+                <a:latin typeface="Courier New" panose="02070309020205020404" pitchFamily="49" charset="0"/>
+                <a:cs typeface="Courier New" panose="02070309020205020404" pitchFamily="49" charset="0"/>
+              </a:rPr>
+              <a:t>20] </a:t>
+            </a:r>
+            <a:r>
+              <a:rPr lang="en-US" sz="900" dirty="0">
+                <a:solidFill>
+                  <a:srgbClr val="000000"/>
+                </a:solidFill>
+                <a:latin typeface="Courier New" panose="02070309020205020404" pitchFamily="49" charset="0"/>
+                <a:cs typeface="Courier New" panose="02070309020205020404" pitchFamily="49" charset="0"/>
+              </a:rPr>
+              <a:t>-&gt; *_</a:t>
+            </a:r>
+            <a:r>
+              <a:rPr lang="en-US" sz="900" dirty="0" smtClean="0">
+                <a:solidFill>
+                  <a:srgbClr val="000000"/>
+                </a:solidFill>
+                <a:latin typeface="Courier New" panose="02070309020205020404" pitchFamily="49" charset="0"/>
+                <a:cs typeface="Courier New" panose="02070309020205020404" pitchFamily="49" charset="0"/>
+              </a:rPr>
+              <a:t>HYST_A</a:t>
             </a:r>
             <a:endParaRPr lang="en-US" sz="900" dirty="0">
               <a:solidFill>
@@ -11631,48 +11159,17 @@
               <a:cs typeface="Courier New" panose="02070309020205020404" pitchFamily="49" charset="0"/>
             </a:endParaRPr>
           </a:p>
-        </p:txBody>
-      </p:sp>
-      <p:sp>
-        <p:nvSpPr>
-          <p:cNvPr id="235" name="Rectangle 234"/>
-          <p:cNvSpPr/>
-          <p:nvPr/>
-        </p:nvSpPr>
-        <p:spPr>
-          <a:xfrm>
-            <a:off x="9448800" y="2895600"/>
-            <a:ext cx="457200" cy="152400"/>
-          </a:xfrm>
-          <a:prstGeom prst="rect">
-            <a:avLst/>
-          </a:prstGeom>
-          <a:noFill/>
-          <a:ln>
-            <a:noFill/>
-          </a:ln>
-        </p:spPr>
-        <p:style>
-          <a:lnRef idx="2">
-            <a:schemeClr val="accent1">
-              <a:shade val="50000"/>
-            </a:schemeClr>
-          </a:lnRef>
-          <a:fillRef idx="1">
-            <a:schemeClr val="accent1"/>
-          </a:fillRef>
-          <a:effectRef idx="0">
-            <a:schemeClr val="accent1"/>
-          </a:effectRef>
-          <a:fontRef idx="minor">
-            <a:schemeClr val="lt1"/>
-          </a:fontRef>
-        </p:style>
-        <p:txBody>
-          <a:bodyPr wrap="none" lIns="45720" rIns="45720" rtlCol="0" anchor="ctr"/>
-          <a:lstStyle/>
-          <a:p>
-            <a:pPr algn="r"/>
+          <a:p>
+            <a:r>
+              <a:rPr lang="en-US" sz="900" dirty="0" smtClean="0">
+                <a:solidFill>
+                  <a:srgbClr val="000000"/>
+                </a:solidFill>
+                <a:latin typeface="Courier New" panose="02070309020205020404" pitchFamily="49" charset="0"/>
+                <a:cs typeface="Courier New" panose="02070309020205020404" pitchFamily="49" charset="0"/>
+              </a:rPr>
+              <a:t>*_</a:t>
+            </a:r>
             <a:r>
               <a:rPr lang="en-US" sz="900" dirty="0">
                 <a:solidFill>
@@ -11681,7 +11178,37 @@
                 <a:latin typeface="Courier New" panose="02070309020205020404" pitchFamily="49" charset="0"/>
                 <a:cs typeface="Courier New" panose="02070309020205020404" pitchFamily="49" charset="0"/>
               </a:rPr>
-              <a:t>STB_CTRL</a:t>
+              <a:t>ctrl[   </a:t>
+            </a:r>
+            <a:r>
+              <a:rPr lang="en-US" sz="900" dirty="0" smtClean="0">
+                <a:solidFill>
+                  <a:srgbClr val="000000"/>
+                </a:solidFill>
+                <a:latin typeface="Courier New" panose="02070309020205020404" pitchFamily="49" charset="0"/>
+                <a:cs typeface="Courier New" panose="02070309020205020404" pitchFamily="49" charset="0"/>
+              </a:rPr>
+              <a:t>19] </a:t>
+            </a:r>
+            <a:r>
+              <a:rPr lang="en-US" sz="900" dirty="0">
+                <a:solidFill>
+                  <a:srgbClr val="000000"/>
+                </a:solidFill>
+                <a:latin typeface="Courier New" panose="02070309020205020404" pitchFamily="49" charset="0"/>
+                <a:cs typeface="Courier New" panose="02070309020205020404" pitchFamily="49" charset="0"/>
+              </a:rPr>
+              <a:t>-&gt; </a:t>
+            </a:r>
+            <a:r>
+              <a:rPr lang="en-US" sz="900" dirty="0" smtClean="0">
+                <a:solidFill>
+                  <a:srgbClr val="000000"/>
+                </a:solidFill>
+                <a:latin typeface="Courier New" panose="02070309020205020404" pitchFamily="49" charset="0"/>
+                <a:cs typeface="Courier New" panose="02070309020205020404" pitchFamily="49" charset="0"/>
+              </a:rPr>
+              <a:t>*_HYST_B</a:t>
             </a:r>
             <a:endParaRPr lang="en-US" sz="900" dirty="0">
               <a:solidFill>
@@ -11691,48 +11218,17 @@
               <a:cs typeface="Courier New" panose="02070309020205020404" pitchFamily="49" charset="0"/>
             </a:endParaRPr>
           </a:p>
-        </p:txBody>
-      </p:sp>
-      <p:sp>
-        <p:nvSpPr>
-          <p:cNvPr id="237" name="Rectangle 236"/>
-          <p:cNvSpPr/>
-          <p:nvPr/>
-        </p:nvSpPr>
-        <p:spPr>
-          <a:xfrm>
-            <a:off x="9448800" y="3505200"/>
-            <a:ext cx="457200" cy="152400"/>
-          </a:xfrm>
-          <a:prstGeom prst="rect">
-            <a:avLst/>
-          </a:prstGeom>
-          <a:noFill/>
-          <a:ln>
-            <a:noFill/>
-          </a:ln>
-        </p:spPr>
-        <p:style>
-          <a:lnRef idx="2">
-            <a:schemeClr val="accent1">
-              <a:shade val="50000"/>
-            </a:schemeClr>
-          </a:lnRef>
-          <a:fillRef idx="1">
-            <a:schemeClr val="accent1"/>
-          </a:fillRef>
-          <a:effectRef idx="0">
-            <a:schemeClr val="accent1"/>
-          </a:effectRef>
-          <a:fontRef idx="minor">
-            <a:schemeClr val="lt1"/>
-          </a:fontRef>
-        </p:style>
-        <p:txBody>
-          <a:bodyPr wrap="none" lIns="45720" rIns="45720" rtlCol="0" anchor="ctr"/>
-          <a:lstStyle/>
-          <a:p>
-            <a:pPr algn="r"/>
+          <a:p>
+            <a:r>
+              <a:rPr lang="en-US" sz="900" dirty="0" smtClean="0">
+                <a:solidFill>
+                  <a:srgbClr val="000000"/>
+                </a:solidFill>
+                <a:latin typeface="Courier New" panose="02070309020205020404" pitchFamily="49" charset="0"/>
+                <a:cs typeface="Courier New" panose="02070309020205020404" pitchFamily="49" charset="0"/>
+              </a:rPr>
+              <a:t>*_ctrl[18:17] </a:t>
+            </a:r>
             <a:r>
               <a:rPr lang="en-US" sz="900" dirty="0">
                 <a:solidFill>
@@ -11741,7 +11237,17 @@
                 <a:latin typeface="Courier New" panose="02070309020205020404" pitchFamily="49" charset="0"/>
                 <a:cs typeface="Courier New" panose="02070309020205020404" pitchFamily="49" charset="0"/>
               </a:rPr>
-              <a:t>SCA_CTRL</a:t>
+              <a:t>-&gt; *_</a:t>
+            </a:r>
+            <a:r>
+              <a:rPr lang="en-US" sz="900" dirty="0" smtClean="0">
+                <a:solidFill>
+                  <a:srgbClr val="000000"/>
+                </a:solidFill>
+                <a:latin typeface="Courier New" panose="02070309020205020404" pitchFamily="49" charset="0"/>
+                <a:cs typeface="Courier New" panose="02070309020205020404" pitchFamily="49" charset="0"/>
+              </a:rPr>
+              <a:t>DRV_STR_A</a:t>
             </a:r>
             <a:endParaRPr lang="en-US" sz="900" dirty="0">
               <a:solidFill>
@@ -11751,48 +11257,41 @@
               <a:cs typeface="Courier New" panose="02070309020205020404" pitchFamily="49" charset="0"/>
             </a:endParaRPr>
           </a:p>
-        </p:txBody>
-      </p:sp>
-      <p:sp>
-        <p:nvSpPr>
-          <p:cNvPr id="238" name="Rectangle 237"/>
-          <p:cNvSpPr/>
-          <p:nvPr/>
-        </p:nvSpPr>
-        <p:spPr>
-          <a:xfrm>
-            <a:off x="9448800" y="3733800"/>
-            <a:ext cx="457200" cy="152400"/>
-          </a:xfrm>
-          <a:prstGeom prst="rect">
-            <a:avLst/>
-          </a:prstGeom>
-          <a:noFill/>
-          <a:ln>
-            <a:noFill/>
-          </a:ln>
-        </p:spPr>
-        <p:style>
-          <a:lnRef idx="2">
-            <a:schemeClr val="accent1">
-              <a:shade val="50000"/>
-            </a:schemeClr>
-          </a:lnRef>
-          <a:fillRef idx="1">
-            <a:schemeClr val="accent1"/>
-          </a:fillRef>
-          <a:effectRef idx="0">
-            <a:schemeClr val="accent1"/>
-          </a:effectRef>
-          <a:fontRef idx="minor">
-            <a:schemeClr val="lt1"/>
-          </a:fontRef>
-        </p:style>
-        <p:txBody>
-          <a:bodyPr wrap="none" lIns="45720" rIns="45720" rtlCol="0" anchor="ctr"/>
-          <a:lstStyle/>
-          <a:p>
-            <a:pPr algn="r"/>
+          <a:p>
+            <a:r>
+              <a:rPr lang="en-US" sz="900" dirty="0" smtClean="0">
+                <a:solidFill>
+                  <a:srgbClr val="000000"/>
+                </a:solidFill>
+                <a:latin typeface="Courier New" panose="02070309020205020404" pitchFamily="49" charset="0"/>
+                <a:cs typeface="Courier New" panose="02070309020205020404" pitchFamily="49" charset="0"/>
+              </a:rPr>
+              <a:t>*_ctrl[16:15] -&gt; *_DRV_STR_B</a:t>
+            </a:r>
+          </a:p>
+          <a:p>
+            <a:r>
+              <a:rPr lang="en-US" sz="900" dirty="0" smtClean="0">
+                <a:solidFill>
+                  <a:srgbClr val="000000"/>
+                </a:solidFill>
+                <a:latin typeface="Courier New" panose="02070309020205020404" pitchFamily="49" charset="0"/>
+                <a:cs typeface="Courier New" panose="02070309020205020404" pitchFamily="49" charset="0"/>
+              </a:rPr>
+              <a:t>*_ctrl[   14] -&gt; *_SR_A</a:t>
+            </a:r>
+          </a:p>
+          <a:p>
+            <a:r>
+              <a:rPr lang="en-US" sz="900" dirty="0" smtClean="0">
+                <a:solidFill>
+                  <a:srgbClr val="000000"/>
+                </a:solidFill>
+                <a:latin typeface="Courier New" panose="02070309020205020404" pitchFamily="49" charset="0"/>
+                <a:cs typeface="Courier New" panose="02070309020205020404" pitchFamily="49" charset="0"/>
+              </a:rPr>
+              <a:t>*_ctrl[   13] </a:t>
+            </a:r>
             <a:r>
               <a:rPr lang="en-US" sz="900" dirty="0">
                 <a:solidFill>
@@ -11801,7 +11300,27 @@
                 <a:latin typeface="Courier New" panose="02070309020205020404" pitchFamily="49" charset="0"/>
                 <a:cs typeface="Courier New" panose="02070309020205020404" pitchFamily="49" charset="0"/>
               </a:rPr>
-              <a:t>SCB_CTRL</a:t>
+              <a:t>-&gt; </a:t>
+            </a:r>
+            <a:r>
+              <a:rPr lang="en-US" sz="900" dirty="0" smtClean="0">
+                <a:solidFill>
+                  <a:srgbClr val="000000"/>
+                </a:solidFill>
+                <a:latin typeface="Courier New" panose="02070309020205020404" pitchFamily="49" charset="0"/>
+                <a:cs typeface="Courier New" panose="02070309020205020404" pitchFamily="49" charset="0"/>
+              </a:rPr>
+              <a:t>*_</a:t>
+            </a:r>
+            <a:r>
+              <a:rPr lang="en-US" sz="900" dirty="0" smtClean="0">
+                <a:solidFill>
+                  <a:srgbClr val="000000"/>
+                </a:solidFill>
+                <a:latin typeface="Courier New" panose="02070309020205020404" pitchFamily="49" charset="0"/>
+                <a:cs typeface="Courier New" panose="02070309020205020404" pitchFamily="49" charset="0"/>
+              </a:rPr>
+              <a:t>SR_B</a:t>
             </a:r>
             <a:endParaRPr lang="en-US" sz="900" dirty="0">
               <a:solidFill>
@@ -11811,176 +11330,7 @@
               <a:cs typeface="Courier New" panose="02070309020205020404" pitchFamily="49" charset="0"/>
             </a:endParaRPr>
           </a:p>
-        </p:txBody>
-      </p:sp>
-      <p:sp>
-        <p:nvSpPr>
-          <p:cNvPr id="239" name="Pentagon 238"/>
-          <p:cNvSpPr/>
-          <p:nvPr/>
-        </p:nvSpPr>
-        <p:spPr>
-          <a:xfrm>
-            <a:off x="14020800" y="990600"/>
-            <a:ext cx="228600" cy="152400"/>
-          </a:xfrm>
-          <a:prstGeom prst="homePlate">
-            <a:avLst/>
-          </a:prstGeom>
-          <a:noFill/>
-          <a:ln w="12700">
-            <a:solidFill>
-              <a:schemeClr val="tx1"/>
-            </a:solidFill>
-          </a:ln>
-        </p:spPr>
-        <p:style>
-          <a:lnRef idx="2">
-            <a:schemeClr val="accent1">
-              <a:shade val="50000"/>
-            </a:schemeClr>
-          </a:lnRef>
-          <a:fillRef idx="1">
-            <a:schemeClr val="accent1"/>
-          </a:fillRef>
-          <a:effectRef idx="0">
-            <a:schemeClr val="accent1"/>
-          </a:effectRef>
-          <a:fontRef idx="minor">
-            <a:schemeClr val="lt1"/>
-          </a:fontRef>
-        </p:style>
-        <p:txBody>
-          <a:bodyPr rot="0" spcFirstLastPara="0" vertOverflow="overflow" horzOverflow="overflow" vert="horz" wrap="square" lIns="91440" tIns="45720" rIns="91440" bIns="45720" numCol="1" spcCol="0" rtlCol="0" fromWordArt="0" anchor="ctr" anchorCtr="0" forceAA="0" compatLnSpc="1">
-            <a:prstTxWarp prst="textNoShape">
-              <a:avLst/>
-            </a:prstTxWarp>
-            <a:noAutofit/>
-          </a:bodyPr>
-          <a:lstStyle/>
-          <a:p>
-            <a:pPr algn="ctr"/>
-            <a:endParaRPr lang="en-US" sz="3730"/>
-          </a:p>
-        </p:txBody>
-      </p:sp>
-      <p:cxnSp>
-        <p:nvCxnSpPr>
-          <p:cNvPr id="242" name="Straight Connector 241"/>
-          <p:cNvCxnSpPr>
-            <a:stCxn id="239" idx="1"/>
-            <a:endCxn id="226" idx="3"/>
-          </p:cNvCxnSpPr>
-          <p:nvPr/>
-        </p:nvCxnSpPr>
-        <p:spPr>
-          <a:xfrm flipH="1">
-            <a:off x="9906000" y="1066800"/>
-            <a:ext cx="4114800" cy="0"/>
-          </a:xfrm>
-          <a:prstGeom prst="line">
-            <a:avLst/>
-          </a:prstGeom>
-          <a:ln w="12700">
-            <a:solidFill>
-              <a:srgbClr val="000000"/>
-            </a:solidFill>
-            <a:headEnd type="none" w="med" len="med"/>
-            <a:tailEnd type="none" w="med" len="med"/>
-          </a:ln>
-        </p:spPr>
-        <p:style>
-          <a:lnRef idx="1">
-            <a:schemeClr val="accent1"/>
-          </a:lnRef>
-          <a:fillRef idx="0">
-            <a:schemeClr val="accent1"/>
-          </a:fillRef>
-          <a:effectRef idx="0">
-            <a:schemeClr val="accent1"/>
-          </a:effectRef>
-          <a:fontRef idx="minor">
-            <a:schemeClr val="tx1"/>
-          </a:fontRef>
-        </p:style>
-      </p:cxnSp>
-      <p:cxnSp>
-        <p:nvCxnSpPr>
-          <p:cNvPr id="243" name="Straight Connector 242"/>
-          <p:cNvCxnSpPr/>
-          <p:nvPr/>
-        </p:nvCxnSpPr>
-        <p:spPr>
-          <a:xfrm flipV="1">
-            <a:off x="9982200" y="990600"/>
-            <a:ext cx="152400" cy="152400"/>
-          </a:xfrm>
-          <a:prstGeom prst="line">
-            <a:avLst/>
-          </a:prstGeom>
-          <a:ln w="12700">
-            <a:solidFill>
-              <a:srgbClr val="000000"/>
-            </a:solidFill>
-            <a:headEnd type="none" w="med" len="med"/>
-            <a:tailEnd type="none" w="med" len="med"/>
-          </a:ln>
-        </p:spPr>
-        <p:style>
-          <a:lnRef idx="1">
-            <a:schemeClr val="accent1"/>
-          </a:lnRef>
-          <a:fillRef idx="0">
-            <a:schemeClr val="accent1"/>
-          </a:fillRef>
-          <a:effectRef idx="0">
-            <a:schemeClr val="accent1"/>
-          </a:effectRef>
-          <a:fontRef idx="minor">
-            <a:schemeClr val="tx1"/>
-          </a:fontRef>
-        </p:style>
-      </p:cxnSp>
-      <p:sp>
-        <p:nvSpPr>
-          <p:cNvPr id="244" name="Rectangle 243"/>
-          <p:cNvSpPr/>
-          <p:nvPr/>
-        </p:nvSpPr>
-        <p:spPr>
-          <a:xfrm>
-            <a:off x="9982200" y="914400"/>
-            <a:ext cx="152400" cy="76200"/>
-          </a:xfrm>
-          <a:prstGeom prst="rect">
-            <a:avLst/>
-          </a:prstGeom>
-          <a:noFill/>
-          <a:ln>
-            <a:noFill/>
-          </a:ln>
-        </p:spPr>
-        <p:style>
-          <a:lnRef idx="2">
-            <a:schemeClr val="accent1">
-              <a:shade val="50000"/>
-            </a:schemeClr>
-          </a:lnRef>
-          <a:fillRef idx="1">
-            <a:schemeClr val="accent1"/>
-          </a:fillRef>
-          <a:effectRef idx="0">
-            <a:schemeClr val="accent1"/>
-          </a:effectRef>
-          <a:fontRef idx="minor">
-            <a:schemeClr val="lt1"/>
-          </a:fontRef>
-        </p:style>
-        <p:txBody>
-          <a:bodyPr wrap="none" lIns="45720" rIns="45720" rtlCol="0" anchor="ctr"/>
-          <a:lstStyle/>
-          <a:p>
-            <a:pPr algn="ctr"/>
+          <a:p>
             <a:r>
               <a:rPr lang="en-US" sz="900" dirty="0">
                 <a:solidFill>
@@ -11989,7 +11339,37 @@
                 <a:latin typeface="Courier New" panose="02070309020205020404" pitchFamily="49" charset="0"/>
                 <a:cs typeface="Courier New" panose="02070309020205020404" pitchFamily="49" charset="0"/>
               </a:rPr>
-              <a:t>14</a:t>
+              <a:t>*_ctrl[   </a:t>
+            </a:r>
+            <a:r>
+              <a:rPr lang="en-US" sz="900" dirty="0" smtClean="0">
+                <a:solidFill>
+                  <a:srgbClr val="000000"/>
+                </a:solidFill>
+                <a:latin typeface="Courier New" panose="02070309020205020404" pitchFamily="49" charset="0"/>
+                <a:cs typeface="Courier New" panose="02070309020205020404" pitchFamily="49" charset="0"/>
+              </a:rPr>
+              <a:t>12] </a:t>
+            </a:r>
+            <a:r>
+              <a:rPr lang="en-US" sz="900" dirty="0">
+                <a:solidFill>
+                  <a:srgbClr val="000000"/>
+                </a:solidFill>
+                <a:latin typeface="Courier New" panose="02070309020205020404" pitchFamily="49" charset="0"/>
+                <a:cs typeface="Courier New" panose="02070309020205020404" pitchFamily="49" charset="0"/>
+              </a:rPr>
+              <a:t>-&gt; *_</a:t>
+            </a:r>
+            <a:r>
+              <a:rPr lang="en-US" sz="900" dirty="0" smtClean="0">
+                <a:solidFill>
+                  <a:srgbClr val="000000"/>
+                </a:solidFill>
+                <a:latin typeface="Courier New" panose="02070309020205020404" pitchFamily="49" charset="0"/>
+                <a:cs typeface="Courier New" panose="02070309020205020404" pitchFamily="49" charset="0"/>
+              </a:rPr>
+              <a:t>PUDEN_TX_A</a:t>
             </a:r>
             <a:endParaRPr lang="en-US" sz="900" dirty="0">
               <a:solidFill>
@@ -11999,56 +11379,56 @@
               <a:cs typeface="Courier New" panose="02070309020205020404" pitchFamily="49" charset="0"/>
             </a:endParaRPr>
           </a:p>
-        </p:txBody>
-      </p:sp>
-      <p:sp>
-        <p:nvSpPr>
-          <p:cNvPr id="245" name="Rectangle 244"/>
-          <p:cNvSpPr/>
-          <p:nvPr/>
-        </p:nvSpPr>
-        <p:spPr>
-          <a:xfrm>
-            <a:off x="10210800" y="914400"/>
-            <a:ext cx="457200" cy="152400"/>
-          </a:xfrm>
-          <a:prstGeom prst="rect">
-            <a:avLst/>
-          </a:prstGeom>
-          <a:noFill/>
-          <a:ln>
-            <a:noFill/>
-          </a:ln>
-        </p:spPr>
-        <p:style>
-          <a:lnRef idx="2">
-            <a:schemeClr val="accent1">
-              <a:shade val="50000"/>
-            </a:schemeClr>
-          </a:lnRef>
-          <a:fillRef idx="1">
-            <a:schemeClr val="accent1"/>
-          </a:fillRef>
-          <a:effectRef idx="0">
-            <a:schemeClr val="accent1"/>
-          </a:effectRef>
-          <a:fontRef idx="minor">
-            <a:schemeClr val="lt1"/>
-          </a:fontRef>
-        </p:style>
-        <p:txBody>
-          <a:bodyPr wrap="none" lIns="45720" rIns="45720" rtlCol="0" anchor="ctr"/>
-          <a:lstStyle/>
-          <a:p>
-            <a:r>
-              <a:rPr lang="en-US" sz="900" dirty="0" err="1">
-                <a:solidFill>
-                  <a:srgbClr val="000000"/>
-                </a:solidFill>
-                <a:latin typeface="Courier New" panose="02070309020205020404" pitchFamily="49" charset="0"/>
-                <a:cs typeface="Courier New" panose="02070309020205020404" pitchFamily="49" charset="0"/>
-              </a:rPr>
-              <a:t>nta_ctrl</a:t>
+          <a:p>
+            <a:r>
+              <a:rPr lang="en-US" sz="900" dirty="0">
+                <a:solidFill>
+                  <a:srgbClr val="000000"/>
+                </a:solidFill>
+                <a:latin typeface="Courier New" panose="02070309020205020404" pitchFamily="49" charset="0"/>
+                <a:cs typeface="Courier New" panose="02070309020205020404" pitchFamily="49" charset="0"/>
+              </a:rPr>
+              <a:t>*_ctrl[   </a:t>
+            </a:r>
+            <a:r>
+              <a:rPr lang="en-US" sz="900" dirty="0" smtClean="0">
+                <a:solidFill>
+                  <a:srgbClr val="000000"/>
+                </a:solidFill>
+                <a:latin typeface="Courier New" panose="02070309020205020404" pitchFamily="49" charset="0"/>
+                <a:cs typeface="Courier New" panose="02070309020205020404" pitchFamily="49" charset="0"/>
+              </a:rPr>
+              <a:t>11] </a:t>
+            </a:r>
+            <a:r>
+              <a:rPr lang="en-US" sz="900" dirty="0">
+                <a:solidFill>
+                  <a:srgbClr val="000000"/>
+                </a:solidFill>
+                <a:latin typeface="Courier New" panose="02070309020205020404" pitchFamily="49" charset="0"/>
+                <a:cs typeface="Courier New" panose="02070309020205020404" pitchFamily="49" charset="0"/>
+              </a:rPr>
+              <a:t>-&gt; </a:t>
+            </a:r>
+            <a:r>
+              <a:rPr lang="en-US" sz="900" dirty="0" smtClean="0">
+                <a:solidFill>
+                  <a:srgbClr val="000000"/>
+                </a:solidFill>
+                <a:latin typeface="Courier New" panose="02070309020205020404" pitchFamily="49" charset="0"/>
+                <a:cs typeface="Courier New" panose="02070309020205020404" pitchFamily="49" charset="0"/>
+              </a:rPr>
+              <a:t>*_</a:t>
+            </a:r>
+            <a:r>
+              <a:rPr lang="en-US" sz="900" dirty="0" smtClean="0">
+                <a:solidFill>
+                  <a:srgbClr val="000000"/>
+                </a:solidFill>
+                <a:latin typeface="Courier New" panose="02070309020205020404" pitchFamily="49" charset="0"/>
+                <a:cs typeface="Courier New" panose="02070309020205020404" pitchFamily="49" charset="0"/>
+              </a:rPr>
+              <a:t>PUDEN_TX_B</a:t>
             </a:r>
             <a:endParaRPr lang="en-US" sz="900" dirty="0">
               <a:solidFill>
@@ -12058,46 +11438,6 @@
               <a:cs typeface="Courier New" panose="02070309020205020404" pitchFamily="49" charset="0"/>
             </a:endParaRPr>
           </a:p>
-        </p:txBody>
-      </p:sp>
-      <p:sp>
-        <p:nvSpPr>
-          <p:cNvPr id="246" name="Rectangle 245"/>
-          <p:cNvSpPr/>
-          <p:nvPr/>
-        </p:nvSpPr>
-        <p:spPr>
-          <a:xfrm>
-            <a:off x="12877800" y="914400"/>
-            <a:ext cx="457200" cy="152400"/>
-          </a:xfrm>
-          <a:prstGeom prst="rect">
-            <a:avLst/>
-          </a:prstGeom>
-          <a:noFill/>
-          <a:ln>
-            <a:noFill/>
-          </a:ln>
-        </p:spPr>
-        <p:style>
-          <a:lnRef idx="2">
-            <a:schemeClr val="accent1">
-              <a:shade val="50000"/>
-            </a:schemeClr>
-          </a:lnRef>
-          <a:fillRef idx="1">
-            <a:schemeClr val="accent1"/>
-          </a:fillRef>
-          <a:effectRef idx="0">
-            <a:schemeClr val="accent1"/>
-          </a:effectRef>
-          <a:fontRef idx="minor">
-            <a:schemeClr val="lt1"/>
-          </a:fontRef>
-        </p:style>
-        <p:txBody>
-          <a:bodyPr wrap="none" lIns="45720" rIns="45720" rtlCol="0" anchor="ctr"/>
-          <a:lstStyle/>
           <a:p>
             <a:r>
               <a:rPr lang="en-US" sz="900" dirty="0">
@@ -12107,7 +11447,37 @@
                 <a:latin typeface="Courier New" panose="02070309020205020404" pitchFamily="49" charset="0"/>
                 <a:cs typeface="Courier New" panose="02070309020205020404" pitchFamily="49" charset="0"/>
               </a:rPr>
-              <a:t>NTA_*</a:t>
+              <a:t>*_ctrl[   </a:t>
+            </a:r>
+            <a:r>
+              <a:rPr lang="en-US" sz="900" dirty="0" smtClean="0">
+                <a:solidFill>
+                  <a:srgbClr val="000000"/>
+                </a:solidFill>
+                <a:latin typeface="Courier New" panose="02070309020205020404" pitchFamily="49" charset="0"/>
+                <a:cs typeface="Courier New" panose="02070309020205020404" pitchFamily="49" charset="0"/>
+              </a:rPr>
+              <a:t>10] </a:t>
+            </a:r>
+            <a:r>
+              <a:rPr lang="en-US" sz="900" dirty="0">
+                <a:solidFill>
+                  <a:srgbClr val="000000"/>
+                </a:solidFill>
+                <a:latin typeface="Courier New" panose="02070309020205020404" pitchFamily="49" charset="0"/>
+                <a:cs typeface="Courier New" panose="02070309020205020404" pitchFamily="49" charset="0"/>
+              </a:rPr>
+              <a:t>-&gt; *_</a:t>
+            </a:r>
+            <a:r>
+              <a:rPr lang="en-US" sz="900" dirty="0" smtClean="0">
+                <a:solidFill>
+                  <a:srgbClr val="000000"/>
+                </a:solidFill>
+                <a:latin typeface="Courier New" panose="02070309020205020404" pitchFamily="49" charset="0"/>
+                <a:cs typeface="Courier New" panose="02070309020205020404" pitchFamily="49" charset="0"/>
+              </a:rPr>
+              <a:t>PUDEN_RX_A</a:t>
             </a:r>
             <a:endParaRPr lang="en-US" sz="900" dirty="0">
               <a:solidFill>
@@ -12117,6 +11487,1140 @@
               <a:cs typeface="Courier New" panose="02070309020205020404" pitchFamily="49" charset="0"/>
             </a:endParaRPr>
           </a:p>
+          <a:p>
+            <a:r>
+              <a:rPr lang="en-US" sz="900" dirty="0">
+                <a:solidFill>
+                  <a:srgbClr val="000000"/>
+                </a:solidFill>
+                <a:latin typeface="Courier New" panose="02070309020205020404" pitchFamily="49" charset="0"/>
+                <a:cs typeface="Courier New" panose="02070309020205020404" pitchFamily="49" charset="0"/>
+              </a:rPr>
+              <a:t>*_ctrl[    </a:t>
+            </a:r>
+            <a:r>
+              <a:rPr lang="en-US" sz="900" dirty="0" smtClean="0">
+                <a:solidFill>
+                  <a:srgbClr val="000000"/>
+                </a:solidFill>
+                <a:latin typeface="Courier New" panose="02070309020205020404" pitchFamily="49" charset="0"/>
+                <a:cs typeface="Courier New" panose="02070309020205020404" pitchFamily="49" charset="0"/>
+              </a:rPr>
+              <a:t>9] </a:t>
+            </a:r>
+            <a:r>
+              <a:rPr lang="en-US" sz="900" dirty="0">
+                <a:solidFill>
+                  <a:srgbClr val="000000"/>
+                </a:solidFill>
+                <a:latin typeface="Courier New" panose="02070309020205020404" pitchFamily="49" charset="0"/>
+                <a:cs typeface="Courier New" panose="02070309020205020404" pitchFamily="49" charset="0"/>
+              </a:rPr>
+              <a:t>-&gt; </a:t>
+            </a:r>
+            <a:r>
+              <a:rPr lang="en-US" sz="900" dirty="0" smtClean="0">
+                <a:solidFill>
+                  <a:srgbClr val="000000"/>
+                </a:solidFill>
+                <a:latin typeface="Courier New" panose="02070309020205020404" pitchFamily="49" charset="0"/>
+                <a:cs typeface="Courier New" panose="02070309020205020404" pitchFamily="49" charset="0"/>
+              </a:rPr>
+              <a:t>*_</a:t>
+            </a:r>
+            <a:r>
+              <a:rPr lang="en-US" sz="900" dirty="0" smtClean="0">
+                <a:solidFill>
+                  <a:srgbClr val="000000"/>
+                </a:solidFill>
+                <a:latin typeface="Courier New" panose="02070309020205020404" pitchFamily="49" charset="0"/>
+                <a:cs typeface="Courier New" panose="02070309020205020404" pitchFamily="49" charset="0"/>
+              </a:rPr>
+              <a:t>PUDEN_RX_B</a:t>
+            </a:r>
+            <a:endParaRPr lang="en-US" sz="900" dirty="0">
+              <a:solidFill>
+                <a:srgbClr val="000000"/>
+              </a:solidFill>
+              <a:latin typeface="Courier New" panose="02070309020205020404" pitchFamily="49" charset="0"/>
+              <a:cs typeface="Courier New" panose="02070309020205020404" pitchFamily="49" charset="0"/>
+            </a:endParaRPr>
+          </a:p>
+          <a:p>
+            <a:r>
+              <a:rPr lang="en-US" sz="900" dirty="0">
+                <a:solidFill>
+                  <a:srgbClr val="000000"/>
+                </a:solidFill>
+                <a:latin typeface="Courier New" panose="02070309020205020404" pitchFamily="49" charset="0"/>
+                <a:cs typeface="Courier New" panose="02070309020205020404" pitchFamily="49" charset="0"/>
+              </a:rPr>
+              <a:t>*_ctrl[    </a:t>
+            </a:r>
+            <a:r>
+              <a:rPr lang="en-US" sz="900" dirty="0" smtClean="0">
+                <a:solidFill>
+                  <a:srgbClr val="000000"/>
+                </a:solidFill>
+                <a:latin typeface="Courier New" panose="02070309020205020404" pitchFamily="49" charset="0"/>
+                <a:cs typeface="Courier New" panose="02070309020205020404" pitchFamily="49" charset="0"/>
+              </a:rPr>
+              <a:t>8] </a:t>
+            </a:r>
+            <a:r>
+              <a:rPr lang="en-US" sz="900" dirty="0">
+                <a:solidFill>
+                  <a:srgbClr val="000000"/>
+                </a:solidFill>
+                <a:latin typeface="Courier New" panose="02070309020205020404" pitchFamily="49" charset="0"/>
+                <a:cs typeface="Courier New" panose="02070309020205020404" pitchFamily="49" charset="0"/>
+              </a:rPr>
+              <a:t>-&gt; </a:t>
+            </a:r>
+            <a:r>
+              <a:rPr lang="en-US" sz="900" dirty="0" smtClean="0">
+                <a:solidFill>
+                  <a:srgbClr val="000000"/>
+                </a:solidFill>
+                <a:latin typeface="Courier New" panose="02070309020205020404" pitchFamily="49" charset="0"/>
+                <a:cs typeface="Courier New" panose="02070309020205020404" pitchFamily="49" charset="0"/>
+              </a:rPr>
+              <a:t>*_</a:t>
+            </a:r>
+            <a:r>
+              <a:rPr lang="en-US" sz="900" dirty="0" smtClean="0">
+                <a:solidFill>
+                  <a:srgbClr val="000000"/>
+                </a:solidFill>
+                <a:latin typeface="Courier New" panose="02070309020205020404" pitchFamily="49" charset="0"/>
+                <a:cs typeface="Courier New" panose="02070309020205020404" pitchFamily="49" charset="0"/>
+              </a:rPr>
+              <a:t>PUDPOL_TX_A</a:t>
+            </a:r>
+            <a:endParaRPr lang="en-US" sz="900" dirty="0">
+              <a:solidFill>
+                <a:srgbClr val="000000"/>
+              </a:solidFill>
+              <a:latin typeface="Courier New" panose="02070309020205020404" pitchFamily="49" charset="0"/>
+              <a:cs typeface="Courier New" panose="02070309020205020404" pitchFamily="49" charset="0"/>
+            </a:endParaRPr>
+          </a:p>
+          <a:p>
+            <a:r>
+              <a:rPr lang="en-US" sz="900" dirty="0">
+                <a:solidFill>
+                  <a:srgbClr val="000000"/>
+                </a:solidFill>
+                <a:latin typeface="Courier New" panose="02070309020205020404" pitchFamily="49" charset="0"/>
+                <a:cs typeface="Courier New" panose="02070309020205020404" pitchFamily="49" charset="0"/>
+              </a:rPr>
+              <a:t>*_ctrl[    </a:t>
+            </a:r>
+            <a:r>
+              <a:rPr lang="en-US" sz="900" dirty="0" smtClean="0">
+                <a:solidFill>
+                  <a:srgbClr val="000000"/>
+                </a:solidFill>
+                <a:latin typeface="Courier New" panose="02070309020205020404" pitchFamily="49" charset="0"/>
+                <a:cs typeface="Courier New" panose="02070309020205020404" pitchFamily="49" charset="0"/>
+              </a:rPr>
+              <a:t>7] </a:t>
+            </a:r>
+            <a:r>
+              <a:rPr lang="en-US" sz="900" dirty="0">
+                <a:solidFill>
+                  <a:srgbClr val="000000"/>
+                </a:solidFill>
+                <a:latin typeface="Courier New" panose="02070309020205020404" pitchFamily="49" charset="0"/>
+                <a:cs typeface="Courier New" panose="02070309020205020404" pitchFamily="49" charset="0"/>
+              </a:rPr>
+              <a:t>-&gt; </a:t>
+            </a:r>
+            <a:r>
+              <a:rPr lang="en-US" sz="900" dirty="0" smtClean="0">
+                <a:solidFill>
+                  <a:srgbClr val="000000"/>
+                </a:solidFill>
+                <a:latin typeface="Courier New" panose="02070309020205020404" pitchFamily="49" charset="0"/>
+                <a:cs typeface="Courier New" panose="02070309020205020404" pitchFamily="49" charset="0"/>
+              </a:rPr>
+              <a:t>*_</a:t>
+            </a:r>
+            <a:r>
+              <a:rPr lang="en-US" sz="900" dirty="0" smtClean="0">
+                <a:solidFill>
+                  <a:srgbClr val="000000"/>
+                </a:solidFill>
+                <a:latin typeface="Courier New" panose="02070309020205020404" pitchFamily="49" charset="0"/>
+                <a:cs typeface="Courier New" panose="02070309020205020404" pitchFamily="49" charset="0"/>
+              </a:rPr>
+              <a:t>PUDPOL_TX_B</a:t>
+            </a:r>
+            <a:endParaRPr lang="en-US" sz="900" dirty="0">
+              <a:solidFill>
+                <a:srgbClr val="000000"/>
+              </a:solidFill>
+              <a:latin typeface="Courier New" panose="02070309020205020404" pitchFamily="49" charset="0"/>
+              <a:cs typeface="Courier New" panose="02070309020205020404" pitchFamily="49" charset="0"/>
+            </a:endParaRPr>
+          </a:p>
+          <a:p>
+            <a:r>
+              <a:rPr lang="en-US" sz="900" dirty="0">
+                <a:solidFill>
+                  <a:srgbClr val="000000"/>
+                </a:solidFill>
+                <a:latin typeface="Courier New" panose="02070309020205020404" pitchFamily="49" charset="0"/>
+                <a:cs typeface="Courier New" panose="02070309020205020404" pitchFamily="49" charset="0"/>
+              </a:rPr>
+              <a:t>*_ctrl[    </a:t>
+            </a:r>
+            <a:r>
+              <a:rPr lang="en-US" sz="900" dirty="0" smtClean="0">
+                <a:solidFill>
+                  <a:srgbClr val="000000"/>
+                </a:solidFill>
+                <a:latin typeface="Courier New" panose="02070309020205020404" pitchFamily="49" charset="0"/>
+                <a:cs typeface="Courier New" panose="02070309020205020404" pitchFamily="49" charset="0"/>
+              </a:rPr>
+              <a:t>6] </a:t>
+            </a:r>
+            <a:r>
+              <a:rPr lang="en-US" sz="900" dirty="0">
+                <a:solidFill>
+                  <a:srgbClr val="000000"/>
+                </a:solidFill>
+                <a:latin typeface="Courier New" panose="02070309020205020404" pitchFamily="49" charset="0"/>
+                <a:cs typeface="Courier New" panose="02070309020205020404" pitchFamily="49" charset="0"/>
+              </a:rPr>
+              <a:t>-&gt; </a:t>
+            </a:r>
+            <a:r>
+              <a:rPr lang="en-US" sz="900" dirty="0" smtClean="0">
+                <a:solidFill>
+                  <a:srgbClr val="000000"/>
+                </a:solidFill>
+                <a:latin typeface="Courier New" panose="02070309020205020404" pitchFamily="49" charset="0"/>
+                <a:cs typeface="Courier New" panose="02070309020205020404" pitchFamily="49" charset="0"/>
+              </a:rPr>
+              <a:t>*_</a:t>
+            </a:r>
+            <a:r>
+              <a:rPr lang="en-US" sz="900" dirty="0" smtClean="0">
+                <a:solidFill>
+                  <a:srgbClr val="000000"/>
+                </a:solidFill>
+                <a:latin typeface="Courier New" panose="02070309020205020404" pitchFamily="49" charset="0"/>
+                <a:cs typeface="Courier New" panose="02070309020205020404" pitchFamily="49" charset="0"/>
+              </a:rPr>
+              <a:t>PUDPOL_RX_A</a:t>
+            </a:r>
+            <a:endParaRPr lang="en-US" sz="900" dirty="0">
+              <a:solidFill>
+                <a:srgbClr val="000000"/>
+              </a:solidFill>
+              <a:latin typeface="Courier New" panose="02070309020205020404" pitchFamily="49" charset="0"/>
+              <a:cs typeface="Courier New" panose="02070309020205020404" pitchFamily="49" charset="0"/>
+            </a:endParaRPr>
+          </a:p>
+          <a:p>
+            <a:r>
+              <a:rPr lang="en-US" sz="900" dirty="0">
+                <a:solidFill>
+                  <a:srgbClr val="000000"/>
+                </a:solidFill>
+                <a:latin typeface="Courier New" panose="02070309020205020404" pitchFamily="49" charset="0"/>
+                <a:cs typeface="Courier New" panose="02070309020205020404" pitchFamily="49" charset="0"/>
+              </a:rPr>
+              <a:t>*_ctrl[    </a:t>
+            </a:r>
+            <a:r>
+              <a:rPr lang="en-US" sz="900" dirty="0" smtClean="0">
+                <a:solidFill>
+                  <a:srgbClr val="000000"/>
+                </a:solidFill>
+                <a:latin typeface="Courier New" panose="02070309020205020404" pitchFamily="49" charset="0"/>
+                <a:cs typeface="Courier New" panose="02070309020205020404" pitchFamily="49" charset="0"/>
+              </a:rPr>
+              <a:t>5] </a:t>
+            </a:r>
+            <a:r>
+              <a:rPr lang="en-US" sz="900" dirty="0">
+                <a:solidFill>
+                  <a:srgbClr val="000000"/>
+                </a:solidFill>
+                <a:latin typeface="Courier New" panose="02070309020205020404" pitchFamily="49" charset="0"/>
+                <a:cs typeface="Courier New" panose="02070309020205020404" pitchFamily="49" charset="0"/>
+              </a:rPr>
+              <a:t>-&gt; </a:t>
+            </a:r>
+            <a:r>
+              <a:rPr lang="en-US" sz="900" dirty="0" smtClean="0">
+                <a:solidFill>
+                  <a:srgbClr val="000000"/>
+                </a:solidFill>
+                <a:latin typeface="Courier New" panose="02070309020205020404" pitchFamily="49" charset="0"/>
+                <a:cs typeface="Courier New" panose="02070309020205020404" pitchFamily="49" charset="0"/>
+              </a:rPr>
+              <a:t>*_PUDPOL_RX_B</a:t>
+            </a:r>
+            <a:endParaRPr lang="en-US" sz="900" dirty="0">
+              <a:solidFill>
+                <a:srgbClr val="000000"/>
+              </a:solidFill>
+              <a:latin typeface="Courier New" panose="02070309020205020404" pitchFamily="49" charset="0"/>
+              <a:cs typeface="Courier New" panose="02070309020205020404" pitchFamily="49" charset="0"/>
+            </a:endParaRPr>
+          </a:p>
+          <a:p>
+            <a:r>
+              <a:rPr lang="en-US" sz="900" dirty="0">
+                <a:solidFill>
+                  <a:srgbClr val="000000"/>
+                </a:solidFill>
+                <a:latin typeface="Courier New" panose="02070309020205020404" pitchFamily="49" charset="0"/>
+                <a:cs typeface="Courier New" panose="02070309020205020404" pitchFamily="49" charset="0"/>
+              </a:rPr>
+              <a:t>*_ctrl[ </a:t>
+            </a:r>
+            <a:r>
+              <a:rPr lang="en-US" sz="900" dirty="0" smtClean="0">
+                <a:solidFill>
+                  <a:srgbClr val="000000"/>
+                </a:solidFill>
+                <a:latin typeface="Courier New" panose="02070309020205020404" pitchFamily="49" charset="0"/>
+                <a:cs typeface="Courier New" panose="02070309020205020404" pitchFamily="49" charset="0"/>
+              </a:rPr>
+              <a:t>4: </a:t>
+            </a:r>
+            <a:r>
+              <a:rPr lang="en-US" sz="900" dirty="0">
+                <a:solidFill>
+                  <a:srgbClr val="000000"/>
+                </a:solidFill>
+                <a:latin typeface="Courier New" panose="02070309020205020404" pitchFamily="49" charset="0"/>
+                <a:cs typeface="Courier New" panose="02070309020205020404" pitchFamily="49" charset="0"/>
+              </a:rPr>
+              <a:t>3</a:t>
+            </a:r>
+            <a:r>
+              <a:rPr lang="en-US" sz="900" dirty="0" smtClean="0">
+                <a:solidFill>
+                  <a:srgbClr val="000000"/>
+                </a:solidFill>
+                <a:latin typeface="Courier New" panose="02070309020205020404" pitchFamily="49" charset="0"/>
+                <a:cs typeface="Courier New" panose="02070309020205020404" pitchFamily="49" charset="0"/>
+              </a:rPr>
+              <a:t>] </a:t>
+            </a:r>
+            <a:r>
+              <a:rPr lang="en-US" sz="900" dirty="0">
+                <a:solidFill>
+                  <a:srgbClr val="000000"/>
+                </a:solidFill>
+                <a:latin typeface="Courier New" panose="02070309020205020404" pitchFamily="49" charset="0"/>
+                <a:cs typeface="Courier New" panose="02070309020205020404" pitchFamily="49" charset="0"/>
+              </a:rPr>
+              <a:t>-&gt; </a:t>
+            </a:r>
+            <a:r>
+              <a:rPr lang="en-US" sz="900" dirty="0" smtClean="0">
+                <a:solidFill>
+                  <a:srgbClr val="000000"/>
+                </a:solidFill>
+                <a:latin typeface="Courier New" panose="02070309020205020404" pitchFamily="49" charset="0"/>
+                <a:cs typeface="Courier New" panose="02070309020205020404" pitchFamily="49" charset="0"/>
+              </a:rPr>
+              <a:t>*_</a:t>
+            </a:r>
+            <a:r>
+              <a:rPr lang="en-US" sz="900" dirty="0" smtClean="0">
+                <a:solidFill>
+                  <a:srgbClr val="000000"/>
+                </a:solidFill>
+                <a:latin typeface="Courier New" panose="02070309020205020404" pitchFamily="49" charset="0"/>
+                <a:cs typeface="Courier New" panose="02070309020205020404" pitchFamily="49" charset="0"/>
+              </a:rPr>
+              <a:t>TEST_A</a:t>
+            </a:r>
+            <a:endParaRPr lang="en-US" sz="900" dirty="0">
+              <a:solidFill>
+                <a:srgbClr val="000000"/>
+              </a:solidFill>
+              <a:latin typeface="Courier New" panose="02070309020205020404" pitchFamily="49" charset="0"/>
+              <a:cs typeface="Courier New" panose="02070309020205020404" pitchFamily="49" charset="0"/>
+            </a:endParaRPr>
+          </a:p>
+          <a:p>
+            <a:r>
+              <a:rPr lang="en-US" sz="900" dirty="0">
+                <a:solidFill>
+                  <a:srgbClr val="000000"/>
+                </a:solidFill>
+                <a:latin typeface="Courier New" panose="02070309020205020404" pitchFamily="49" charset="0"/>
+                <a:cs typeface="Courier New" panose="02070309020205020404" pitchFamily="49" charset="0"/>
+              </a:rPr>
+              <a:t>*_ctrl[ </a:t>
+            </a:r>
+            <a:r>
+              <a:rPr lang="en-US" sz="900" dirty="0" smtClean="0">
+                <a:solidFill>
+                  <a:srgbClr val="000000"/>
+                </a:solidFill>
+                <a:latin typeface="Courier New" panose="02070309020205020404" pitchFamily="49" charset="0"/>
+                <a:cs typeface="Courier New" panose="02070309020205020404" pitchFamily="49" charset="0"/>
+              </a:rPr>
+              <a:t>2: 1] </a:t>
+            </a:r>
+            <a:r>
+              <a:rPr lang="en-US" sz="900" dirty="0">
+                <a:solidFill>
+                  <a:srgbClr val="000000"/>
+                </a:solidFill>
+                <a:latin typeface="Courier New" panose="02070309020205020404" pitchFamily="49" charset="0"/>
+                <a:cs typeface="Courier New" panose="02070309020205020404" pitchFamily="49" charset="0"/>
+              </a:rPr>
+              <a:t>-&gt; </a:t>
+            </a:r>
+            <a:r>
+              <a:rPr lang="en-US" sz="900" dirty="0" smtClean="0">
+                <a:solidFill>
+                  <a:srgbClr val="000000"/>
+                </a:solidFill>
+                <a:latin typeface="Courier New" panose="02070309020205020404" pitchFamily="49" charset="0"/>
+                <a:cs typeface="Courier New" panose="02070309020205020404" pitchFamily="49" charset="0"/>
+              </a:rPr>
+              <a:t>*_TEST_B</a:t>
+            </a:r>
+          </a:p>
+          <a:p>
+            <a:r>
+              <a:rPr lang="en-US" sz="900" dirty="0" smtClean="0">
+                <a:solidFill>
+                  <a:srgbClr val="000000"/>
+                </a:solidFill>
+                <a:latin typeface="Courier New" panose="02070309020205020404" pitchFamily="49" charset="0"/>
+                <a:cs typeface="Courier New" panose="02070309020205020404" pitchFamily="49" charset="0"/>
+              </a:rPr>
+              <a:t>*_ctrl[    0] -&gt; *_POR</a:t>
+            </a:r>
+            <a:endParaRPr lang="en-US" sz="900" dirty="0">
+              <a:solidFill>
+                <a:srgbClr val="000000"/>
+              </a:solidFill>
+              <a:latin typeface="Courier New" panose="02070309020205020404" pitchFamily="49" charset="0"/>
+              <a:cs typeface="Courier New" panose="02070309020205020404" pitchFamily="49" charset="0"/>
+            </a:endParaRPr>
+          </a:p>
+        </p:txBody>
+      </p:sp>
+      <p:sp>
+        <p:nvSpPr>
+          <p:cNvPr id="187" name="Rectangle 186"/>
+          <p:cNvSpPr/>
+          <p:nvPr/>
+        </p:nvSpPr>
+        <p:spPr>
+          <a:xfrm>
+            <a:off x="8534400" y="457200"/>
+            <a:ext cx="1371600" cy="3733800"/>
+          </a:xfrm>
+          <a:prstGeom prst="rect">
+            <a:avLst/>
+          </a:prstGeom>
+          <a:noFill/>
+          <a:ln w="12700">
+            <a:solidFill>
+              <a:srgbClr val="000000"/>
+            </a:solidFill>
+          </a:ln>
+        </p:spPr>
+        <p:style>
+          <a:lnRef idx="2">
+            <a:schemeClr val="accent1">
+              <a:shade val="50000"/>
+            </a:schemeClr>
+          </a:lnRef>
+          <a:fillRef idx="1">
+            <a:schemeClr val="accent1"/>
+          </a:fillRef>
+          <a:effectRef idx="0">
+            <a:schemeClr val="accent1"/>
+          </a:effectRef>
+          <a:fontRef idx="minor">
+            <a:schemeClr val="lt1"/>
+          </a:fontRef>
+        </p:style>
+        <p:txBody>
+          <a:bodyPr lIns="45720" rIns="45720" rtlCol="0" anchor="t"/>
+          <a:lstStyle/>
+          <a:p>
+            <a:r>
+              <a:rPr lang="en-US" sz="900" dirty="0">
+                <a:solidFill>
+                  <a:schemeClr val="tx1"/>
+                </a:solidFill>
+                <a:latin typeface="Courier New" panose="02070309020205020404" pitchFamily="49" charset="0"/>
+                <a:cs typeface="Courier New" panose="02070309020205020404" pitchFamily="49" charset="0"/>
+              </a:rPr>
+              <a:t>stimulus</a:t>
+            </a:r>
+          </a:p>
+        </p:txBody>
+      </p:sp>
+      <p:sp>
+        <p:nvSpPr>
+          <p:cNvPr id="190" name="Rectangle 189"/>
+          <p:cNvSpPr/>
+          <p:nvPr/>
+        </p:nvSpPr>
+        <p:spPr>
+          <a:xfrm>
+            <a:off x="8534400" y="304800"/>
+            <a:ext cx="457200" cy="152400"/>
+          </a:xfrm>
+          <a:prstGeom prst="rect">
+            <a:avLst/>
+          </a:prstGeom>
+          <a:noFill/>
+          <a:ln>
+            <a:noFill/>
+          </a:ln>
+        </p:spPr>
+        <p:style>
+          <a:lnRef idx="2">
+            <a:schemeClr val="accent1">
+              <a:shade val="50000"/>
+            </a:schemeClr>
+          </a:lnRef>
+          <a:fillRef idx="1">
+            <a:schemeClr val="accent1"/>
+          </a:fillRef>
+          <a:effectRef idx="0">
+            <a:schemeClr val="accent1"/>
+          </a:effectRef>
+          <a:fontRef idx="minor">
+            <a:schemeClr val="lt1"/>
+          </a:fontRef>
+        </p:style>
+        <p:txBody>
+          <a:bodyPr wrap="none" lIns="45720" rIns="45720" rtlCol="0" anchor="ctr"/>
+          <a:lstStyle/>
+          <a:p>
+            <a:r>
+              <a:rPr lang="en-US" sz="900" dirty="0" err="1" smtClean="0">
+                <a:solidFill>
+                  <a:srgbClr val="000000"/>
+                </a:solidFill>
+                <a:latin typeface="Courier New" panose="02070309020205020404" pitchFamily="49" charset="0"/>
+                <a:cs typeface="Courier New" panose="02070309020205020404" pitchFamily="49" charset="0"/>
+              </a:rPr>
+              <a:t>i_stimulus</a:t>
+            </a:r>
+            <a:endParaRPr lang="en-US" sz="900" dirty="0">
+              <a:solidFill>
+                <a:srgbClr val="000000"/>
+              </a:solidFill>
+              <a:latin typeface="Courier New" panose="02070309020205020404" pitchFamily="49" charset="0"/>
+              <a:cs typeface="Courier New" panose="02070309020205020404" pitchFamily="49" charset="0"/>
+            </a:endParaRPr>
+          </a:p>
+        </p:txBody>
+      </p:sp>
+      <p:sp>
+        <p:nvSpPr>
+          <p:cNvPr id="192" name="Rectangle 191"/>
+          <p:cNvSpPr/>
+          <p:nvPr/>
+        </p:nvSpPr>
+        <p:spPr>
+          <a:xfrm>
+            <a:off x="8534400" y="2743200"/>
+            <a:ext cx="457200" cy="152400"/>
+          </a:xfrm>
+          <a:prstGeom prst="rect">
+            <a:avLst/>
+          </a:prstGeom>
+          <a:noFill/>
+          <a:ln>
+            <a:noFill/>
+          </a:ln>
+        </p:spPr>
+        <p:style>
+          <a:lnRef idx="2">
+            <a:schemeClr val="accent1">
+              <a:shade val="50000"/>
+            </a:schemeClr>
+          </a:lnRef>
+          <a:fillRef idx="1">
+            <a:schemeClr val="accent1"/>
+          </a:fillRef>
+          <a:effectRef idx="0">
+            <a:schemeClr val="accent1"/>
+          </a:effectRef>
+          <a:fontRef idx="minor">
+            <a:schemeClr val="lt1"/>
+          </a:fontRef>
+        </p:style>
+        <p:txBody>
+          <a:bodyPr wrap="none" lIns="45720" rIns="45720" rtlCol="0" anchor="ctr"/>
+          <a:lstStyle/>
+          <a:p>
+            <a:r>
+              <a:rPr lang="en-US" sz="900" dirty="0">
+                <a:solidFill>
+                  <a:srgbClr val="000000"/>
+                </a:solidFill>
+                <a:latin typeface="Courier New" panose="02070309020205020404" pitchFamily="49" charset="0"/>
+                <a:cs typeface="Courier New" panose="02070309020205020404" pitchFamily="49" charset="0"/>
+              </a:rPr>
+              <a:t>CLK</a:t>
+            </a:r>
+          </a:p>
+        </p:txBody>
+      </p:sp>
+      <p:cxnSp>
+        <p:nvCxnSpPr>
+          <p:cNvPr id="193" name="Straight Connector 192"/>
+          <p:cNvCxnSpPr/>
+          <p:nvPr/>
+        </p:nvCxnSpPr>
+        <p:spPr>
+          <a:xfrm flipH="1" flipV="1">
+            <a:off x="8534400" y="2819400"/>
+            <a:ext cx="76200" cy="76200"/>
+          </a:xfrm>
+          <a:prstGeom prst="line">
+            <a:avLst/>
+          </a:prstGeom>
+          <a:ln w="12700">
+            <a:solidFill>
+              <a:srgbClr val="000000"/>
+            </a:solidFill>
+            <a:headEnd type="none" w="med" len="med"/>
+            <a:tailEnd type="none" w="med" len="med"/>
+          </a:ln>
+        </p:spPr>
+        <p:style>
+          <a:lnRef idx="1">
+            <a:schemeClr val="accent1"/>
+          </a:lnRef>
+          <a:fillRef idx="0">
+            <a:schemeClr val="accent1"/>
+          </a:fillRef>
+          <a:effectRef idx="0">
+            <a:schemeClr val="accent1"/>
+          </a:effectRef>
+          <a:fontRef idx="minor">
+            <a:schemeClr val="tx1"/>
+          </a:fontRef>
+        </p:style>
+      </p:cxnSp>
+      <p:cxnSp>
+        <p:nvCxnSpPr>
+          <p:cNvPr id="194" name="Straight Connector 193"/>
+          <p:cNvCxnSpPr/>
+          <p:nvPr/>
+        </p:nvCxnSpPr>
+        <p:spPr>
+          <a:xfrm flipH="1">
+            <a:off x="8534400" y="2895600"/>
+            <a:ext cx="76200" cy="76200"/>
+          </a:xfrm>
+          <a:prstGeom prst="line">
+            <a:avLst/>
+          </a:prstGeom>
+          <a:ln w="12700">
+            <a:solidFill>
+              <a:srgbClr val="000000"/>
+            </a:solidFill>
+            <a:headEnd type="none" w="med" len="med"/>
+            <a:tailEnd type="none" w="med" len="med"/>
+          </a:ln>
+        </p:spPr>
+        <p:style>
+          <a:lnRef idx="1">
+            <a:schemeClr val="accent1"/>
+          </a:lnRef>
+          <a:fillRef idx="0">
+            <a:schemeClr val="accent1"/>
+          </a:fillRef>
+          <a:effectRef idx="0">
+            <a:schemeClr val="accent1"/>
+          </a:effectRef>
+          <a:fontRef idx="minor">
+            <a:schemeClr val="tx1"/>
+          </a:fontRef>
+        </p:style>
+      </p:cxnSp>
+      <p:sp>
+        <p:nvSpPr>
+          <p:cNvPr id="195" name="Rectangle 194"/>
+          <p:cNvSpPr/>
+          <p:nvPr/>
+        </p:nvSpPr>
+        <p:spPr>
+          <a:xfrm>
+            <a:off x="8534400" y="2514600"/>
+            <a:ext cx="457200" cy="152400"/>
+          </a:xfrm>
+          <a:prstGeom prst="rect">
+            <a:avLst/>
+          </a:prstGeom>
+          <a:noFill/>
+          <a:ln>
+            <a:noFill/>
+          </a:ln>
+        </p:spPr>
+        <p:style>
+          <a:lnRef idx="2">
+            <a:schemeClr val="accent1">
+              <a:shade val="50000"/>
+            </a:schemeClr>
+          </a:lnRef>
+          <a:fillRef idx="1">
+            <a:schemeClr val="accent1"/>
+          </a:fillRef>
+          <a:effectRef idx="0">
+            <a:schemeClr val="accent1"/>
+          </a:effectRef>
+          <a:fontRef idx="minor">
+            <a:schemeClr val="lt1"/>
+          </a:fontRef>
+        </p:style>
+        <p:txBody>
+          <a:bodyPr wrap="none" lIns="45720" rIns="45720" rtlCol="0" anchor="ctr"/>
+          <a:lstStyle/>
+          <a:p>
+            <a:r>
+              <a:rPr lang="en-US" sz="900" dirty="0">
+                <a:solidFill>
+                  <a:srgbClr val="000000"/>
+                </a:solidFill>
+                <a:latin typeface="Courier New" panose="02070309020205020404" pitchFamily="49" charset="0"/>
+                <a:cs typeface="Courier New" panose="02070309020205020404" pitchFamily="49" charset="0"/>
+              </a:rPr>
+              <a:t>RSTX</a:t>
+            </a:r>
+          </a:p>
+        </p:txBody>
+      </p:sp>
+      <p:cxnSp>
+        <p:nvCxnSpPr>
+          <p:cNvPr id="197" name="Straight Connector 196"/>
+          <p:cNvCxnSpPr/>
+          <p:nvPr/>
+        </p:nvCxnSpPr>
+        <p:spPr>
+          <a:xfrm>
+            <a:off x="5029200" y="2590800"/>
+            <a:ext cx="3505200" cy="0"/>
+          </a:xfrm>
+          <a:prstGeom prst="line">
+            <a:avLst/>
+          </a:prstGeom>
+          <a:ln w="12700">
+            <a:solidFill>
+              <a:srgbClr val="000000"/>
+            </a:solidFill>
+            <a:headEnd type="none" w="med" len="med"/>
+            <a:tailEnd type="triangle" w="med" len="med"/>
+          </a:ln>
+        </p:spPr>
+        <p:style>
+          <a:lnRef idx="1">
+            <a:schemeClr val="accent1"/>
+          </a:lnRef>
+          <a:fillRef idx="0">
+            <a:schemeClr val="accent1"/>
+          </a:fillRef>
+          <a:effectRef idx="0">
+            <a:schemeClr val="accent1"/>
+          </a:effectRef>
+          <a:fontRef idx="minor">
+            <a:schemeClr val="tx1"/>
+          </a:fontRef>
+        </p:style>
+      </p:cxnSp>
+      <p:cxnSp>
+        <p:nvCxnSpPr>
+          <p:cNvPr id="221" name="Straight Connector 220"/>
+          <p:cNvCxnSpPr/>
+          <p:nvPr/>
+        </p:nvCxnSpPr>
+        <p:spPr>
+          <a:xfrm flipH="1">
+            <a:off x="5334000" y="2895600"/>
+            <a:ext cx="3200400" cy="0"/>
+          </a:xfrm>
+          <a:prstGeom prst="line">
+            <a:avLst/>
+          </a:prstGeom>
+          <a:ln w="12700">
+            <a:solidFill>
+              <a:srgbClr val="000000"/>
+            </a:solidFill>
+            <a:headEnd type="none" w="med" len="med"/>
+            <a:tailEnd type="none" w="med" len="med"/>
+          </a:ln>
+        </p:spPr>
+        <p:style>
+          <a:lnRef idx="1">
+            <a:schemeClr val="accent1"/>
+          </a:lnRef>
+          <a:fillRef idx="0">
+            <a:schemeClr val="accent1"/>
+          </a:fillRef>
+          <a:effectRef idx="0">
+            <a:schemeClr val="accent1"/>
+          </a:effectRef>
+          <a:fontRef idx="minor">
+            <a:schemeClr val="tx1"/>
+          </a:fontRef>
+        </p:style>
+      </p:cxnSp>
+      <p:sp>
+        <p:nvSpPr>
+          <p:cNvPr id="224" name="Rectangle 223"/>
+          <p:cNvSpPr/>
+          <p:nvPr/>
+        </p:nvSpPr>
+        <p:spPr>
+          <a:xfrm>
+            <a:off x="8534400" y="3429000"/>
+            <a:ext cx="457200" cy="152400"/>
+          </a:xfrm>
+          <a:prstGeom prst="rect">
+            <a:avLst/>
+          </a:prstGeom>
+          <a:noFill/>
+          <a:ln>
+            <a:noFill/>
+          </a:ln>
+        </p:spPr>
+        <p:style>
+          <a:lnRef idx="2">
+            <a:schemeClr val="accent1">
+              <a:shade val="50000"/>
+            </a:schemeClr>
+          </a:lnRef>
+          <a:fillRef idx="1">
+            <a:schemeClr val="accent1"/>
+          </a:fillRef>
+          <a:effectRef idx="0">
+            <a:schemeClr val="accent1"/>
+          </a:effectRef>
+          <a:fontRef idx="minor">
+            <a:schemeClr val="lt1"/>
+          </a:fontRef>
+        </p:style>
+        <p:txBody>
+          <a:bodyPr wrap="none" lIns="45720" rIns="45720" rtlCol="0" anchor="ctr"/>
+          <a:lstStyle/>
+          <a:p>
+            <a:r>
+              <a:rPr lang="en-US" sz="900" dirty="0">
+                <a:solidFill>
+                  <a:srgbClr val="000000"/>
+                </a:solidFill>
+                <a:latin typeface="Courier New" panose="02070309020205020404" pitchFamily="49" charset="0"/>
+                <a:cs typeface="Courier New" panose="02070309020205020404" pitchFamily="49" charset="0"/>
+              </a:rPr>
+              <a:t>MAIN_MODE</a:t>
+            </a:r>
+          </a:p>
+        </p:txBody>
+      </p:sp>
+      <p:sp>
+        <p:nvSpPr>
+          <p:cNvPr id="225" name="Rectangle 224"/>
+          <p:cNvSpPr/>
+          <p:nvPr/>
+        </p:nvSpPr>
+        <p:spPr>
+          <a:xfrm>
+            <a:off x="8534400" y="3733800"/>
+            <a:ext cx="457200" cy="152400"/>
+          </a:xfrm>
+          <a:prstGeom prst="rect">
+            <a:avLst/>
+          </a:prstGeom>
+          <a:noFill/>
+          <a:ln>
+            <a:noFill/>
+          </a:ln>
+        </p:spPr>
+        <p:style>
+          <a:lnRef idx="2">
+            <a:schemeClr val="accent1">
+              <a:shade val="50000"/>
+            </a:schemeClr>
+          </a:lnRef>
+          <a:fillRef idx="1">
+            <a:schemeClr val="accent1"/>
+          </a:fillRef>
+          <a:effectRef idx="0">
+            <a:schemeClr val="accent1"/>
+          </a:effectRef>
+          <a:fontRef idx="minor">
+            <a:schemeClr val="lt1"/>
+          </a:fontRef>
+        </p:style>
+        <p:txBody>
+          <a:bodyPr wrap="none" lIns="45720" rIns="45720" rtlCol="0" anchor="ctr"/>
+          <a:lstStyle/>
+          <a:p>
+            <a:r>
+              <a:rPr lang="en-US" sz="900" dirty="0">
+                <a:solidFill>
+                  <a:srgbClr val="000000"/>
+                </a:solidFill>
+                <a:latin typeface="Courier New" panose="02070309020205020404" pitchFamily="49" charset="0"/>
+                <a:cs typeface="Courier New" panose="02070309020205020404" pitchFamily="49" charset="0"/>
+              </a:rPr>
+              <a:t>SUB_MODE</a:t>
+            </a:r>
+          </a:p>
+        </p:txBody>
+      </p:sp>
+      <p:sp>
+        <p:nvSpPr>
+          <p:cNvPr id="228" name="Rectangle 227"/>
+          <p:cNvSpPr/>
+          <p:nvPr/>
+        </p:nvSpPr>
+        <p:spPr>
+          <a:xfrm>
+            <a:off x="9448800" y="1219200"/>
+            <a:ext cx="457200" cy="152400"/>
+          </a:xfrm>
+          <a:prstGeom prst="rect">
+            <a:avLst/>
+          </a:prstGeom>
+          <a:noFill/>
+          <a:ln>
+            <a:noFill/>
+          </a:ln>
+        </p:spPr>
+        <p:style>
+          <a:lnRef idx="2">
+            <a:schemeClr val="accent1">
+              <a:shade val="50000"/>
+            </a:schemeClr>
+          </a:lnRef>
+          <a:fillRef idx="1">
+            <a:schemeClr val="accent1"/>
+          </a:fillRef>
+          <a:effectRef idx="0">
+            <a:schemeClr val="accent1"/>
+          </a:effectRef>
+          <a:fontRef idx="minor">
+            <a:schemeClr val="lt1"/>
+          </a:fontRef>
+        </p:style>
+        <p:txBody>
+          <a:bodyPr wrap="none" lIns="45720" rIns="45720" rtlCol="0" anchor="ctr"/>
+          <a:lstStyle/>
+          <a:p>
+            <a:pPr algn="r"/>
+            <a:r>
+              <a:rPr lang="en-US" sz="900" dirty="0" smtClean="0">
+                <a:solidFill>
+                  <a:srgbClr val="000000"/>
+                </a:solidFill>
+                <a:latin typeface="Courier New" panose="02070309020205020404" pitchFamily="49" charset="0"/>
+                <a:cs typeface="Courier New" panose="02070309020205020404" pitchFamily="49" charset="0"/>
+              </a:rPr>
+              <a:t>NT_CTRL</a:t>
+            </a:r>
+            <a:endParaRPr lang="en-US" sz="900" dirty="0">
+              <a:solidFill>
+                <a:srgbClr val="000000"/>
+              </a:solidFill>
+              <a:latin typeface="Courier New" panose="02070309020205020404" pitchFamily="49" charset="0"/>
+              <a:cs typeface="Courier New" panose="02070309020205020404" pitchFamily="49" charset="0"/>
+            </a:endParaRPr>
+          </a:p>
+        </p:txBody>
+      </p:sp>
+      <p:sp>
+        <p:nvSpPr>
+          <p:cNvPr id="233" name="Rectangle 232"/>
+          <p:cNvSpPr/>
+          <p:nvPr/>
+        </p:nvSpPr>
+        <p:spPr>
+          <a:xfrm>
+            <a:off x="9448800" y="2057400"/>
+            <a:ext cx="457200" cy="152400"/>
+          </a:xfrm>
+          <a:prstGeom prst="rect">
+            <a:avLst/>
+          </a:prstGeom>
+          <a:noFill/>
+          <a:ln>
+            <a:noFill/>
+          </a:ln>
+        </p:spPr>
+        <p:style>
+          <a:lnRef idx="2">
+            <a:schemeClr val="accent1">
+              <a:shade val="50000"/>
+            </a:schemeClr>
+          </a:lnRef>
+          <a:fillRef idx="1">
+            <a:schemeClr val="accent1"/>
+          </a:fillRef>
+          <a:effectRef idx="0">
+            <a:schemeClr val="accent1"/>
+          </a:effectRef>
+          <a:fontRef idx="minor">
+            <a:schemeClr val="lt1"/>
+          </a:fontRef>
+        </p:style>
+        <p:txBody>
+          <a:bodyPr wrap="none" lIns="45720" rIns="45720" rtlCol="0" anchor="ctr"/>
+          <a:lstStyle/>
+          <a:p>
+            <a:pPr algn="r"/>
+            <a:r>
+              <a:rPr lang="en-US" sz="900" dirty="0" smtClean="0">
+                <a:solidFill>
+                  <a:srgbClr val="000000"/>
+                </a:solidFill>
+                <a:latin typeface="Courier New" panose="02070309020205020404" pitchFamily="49" charset="0"/>
+                <a:cs typeface="Courier New" panose="02070309020205020404" pitchFamily="49" charset="0"/>
+              </a:rPr>
+              <a:t>ET_CTRL</a:t>
+            </a:r>
+            <a:endParaRPr lang="en-US" sz="900" dirty="0">
+              <a:solidFill>
+                <a:srgbClr val="000000"/>
+              </a:solidFill>
+              <a:latin typeface="Courier New" panose="02070309020205020404" pitchFamily="49" charset="0"/>
+              <a:cs typeface="Courier New" panose="02070309020205020404" pitchFamily="49" charset="0"/>
+            </a:endParaRPr>
+          </a:p>
+        </p:txBody>
+      </p:sp>
+      <p:sp>
+        <p:nvSpPr>
+          <p:cNvPr id="235" name="Rectangle 234"/>
+          <p:cNvSpPr/>
+          <p:nvPr/>
+        </p:nvSpPr>
+        <p:spPr>
+          <a:xfrm>
+            <a:off x="9448800" y="2895600"/>
+            <a:ext cx="457200" cy="152400"/>
+          </a:xfrm>
+          <a:prstGeom prst="rect">
+            <a:avLst/>
+          </a:prstGeom>
+          <a:noFill/>
+          <a:ln>
+            <a:noFill/>
+          </a:ln>
+        </p:spPr>
+        <p:style>
+          <a:lnRef idx="2">
+            <a:schemeClr val="accent1">
+              <a:shade val="50000"/>
+            </a:schemeClr>
+          </a:lnRef>
+          <a:fillRef idx="1">
+            <a:schemeClr val="accent1"/>
+          </a:fillRef>
+          <a:effectRef idx="0">
+            <a:schemeClr val="accent1"/>
+          </a:effectRef>
+          <a:fontRef idx="minor">
+            <a:schemeClr val="lt1"/>
+          </a:fontRef>
+        </p:style>
+        <p:txBody>
+          <a:bodyPr wrap="none" lIns="45720" rIns="45720" rtlCol="0" anchor="ctr"/>
+          <a:lstStyle/>
+          <a:p>
+            <a:pPr algn="r"/>
+            <a:r>
+              <a:rPr lang="en-US" sz="900" dirty="0" smtClean="0">
+                <a:solidFill>
+                  <a:srgbClr val="000000"/>
+                </a:solidFill>
+                <a:latin typeface="Courier New" panose="02070309020205020404" pitchFamily="49" charset="0"/>
+                <a:cs typeface="Courier New" panose="02070309020205020404" pitchFamily="49" charset="0"/>
+              </a:rPr>
+              <a:t>ST_CTRL</a:t>
+            </a:r>
+            <a:endParaRPr lang="en-US" sz="900" dirty="0">
+              <a:solidFill>
+                <a:srgbClr val="000000"/>
+              </a:solidFill>
+              <a:latin typeface="Courier New" panose="02070309020205020404" pitchFamily="49" charset="0"/>
+              <a:cs typeface="Courier New" panose="02070309020205020404" pitchFamily="49" charset="0"/>
+            </a:endParaRPr>
+          </a:p>
+        </p:txBody>
+      </p:sp>
+      <p:sp>
+        <p:nvSpPr>
+          <p:cNvPr id="238" name="Rectangle 237"/>
+          <p:cNvSpPr/>
+          <p:nvPr/>
+        </p:nvSpPr>
+        <p:spPr>
+          <a:xfrm>
+            <a:off x="9448800" y="3733800"/>
+            <a:ext cx="457200" cy="152400"/>
+          </a:xfrm>
+          <a:prstGeom prst="rect">
+            <a:avLst/>
+          </a:prstGeom>
+          <a:noFill/>
+          <a:ln>
+            <a:noFill/>
+          </a:ln>
+        </p:spPr>
+        <p:style>
+          <a:lnRef idx="2">
+            <a:schemeClr val="accent1">
+              <a:shade val="50000"/>
+            </a:schemeClr>
+          </a:lnRef>
+          <a:fillRef idx="1">
+            <a:schemeClr val="accent1"/>
+          </a:fillRef>
+          <a:effectRef idx="0">
+            <a:schemeClr val="accent1"/>
+          </a:effectRef>
+          <a:fontRef idx="minor">
+            <a:schemeClr val="lt1"/>
+          </a:fontRef>
+        </p:style>
+        <p:txBody>
+          <a:bodyPr wrap="none" lIns="45720" rIns="45720" rtlCol="0" anchor="ctr"/>
+          <a:lstStyle/>
+          <a:p>
+            <a:pPr algn="r"/>
+            <a:r>
+              <a:rPr lang="en-US" sz="900" dirty="0" smtClean="0">
+                <a:solidFill>
+                  <a:srgbClr val="000000"/>
+                </a:solidFill>
+                <a:latin typeface="Courier New" panose="02070309020205020404" pitchFamily="49" charset="0"/>
+                <a:cs typeface="Courier New" panose="02070309020205020404" pitchFamily="49" charset="0"/>
+              </a:rPr>
+              <a:t>SC_CTRL</a:t>
+            </a:r>
+            <a:endParaRPr lang="en-US" sz="900" dirty="0">
+              <a:solidFill>
+                <a:srgbClr val="000000"/>
+              </a:solidFill>
+              <a:latin typeface="Courier New" panose="02070309020205020404" pitchFamily="49" charset="0"/>
+              <a:cs typeface="Courier New" panose="02070309020205020404" pitchFamily="49" charset="0"/>
+            </a:endParaRPr>
+          </a:p>
         </p:txBody>
       </p:sp>
       <p:sp>
@@ -12288,14 +12792,14 @@
           <a:p>
             <a:pPr algn="ctr"/>
             <a:r>
-              <a:rPr lang="en-US" sz="900" dirty="0">
-                <a:solidFill>
-                  <a:srgbClr val="000000"/>
-                </a:solidFill>
-                <a:latin typeface="Courier New" panose="02070309020205020404" pitchFamily="49" charset="0"/>
-                <a:cs typeface="Courier New" panose="02070309020205020404" pitchFamily="49" charset="0"/>
-              </a:rPr>
-              <a:t>14</a:t>
+              <a:rPr lang="en-US" sz="900" dirty="0" smtClean="0">
+                <a:solidFill>
+                  <a:srgbClr val="000000"/>
+                </a:solidFill>
+                <a:latin typeface="Courier New" panose="02070309020205020404" pitchFamily="49" charset="0"/>
+                <a:cs typeface="Courier New" panose="02070309020205020404" pitchFamily="49" charset="0"/>
+              </a:rPr>
+              <a:t>31</a:t>
             </a:r>
             <a:endParaRPr lang="en-US" sz="900" dirty="0">
               <a:solidFill>
@@ -12347,14 +12851,14 @@
           <a:lstStyle/>
           <a:p>
             <a:r>
-              <a:rPr lang="en-US" sz="900" dirty="0" err="1">
-                <a:solidFill>
-                  <a:srgbClr val="000000"/>
-                </a:solidFill>
-                <a:latin typeface="Courier New" panose="02070309020205020404" pitchFamily="49" charset="0"/>
-                <a:cs typeface="Courier New" panose="02070309020205020404" pitchFamily="49" charset="0"/>
-              </a:rPr>
-              <a:t>ntb_ctrl</a:t>
+              <a:rPr lang="en-US" sz="900" dirty="0" err="1" smtClean="0">
+                <a:solidFill>
+                  <a:srgbClr val="000000"/>
+                </a:solidFill>
+                <a:latin typeface="Courier New" panose="02070309020205020404" pitchFamily="49" charset="0"/>
+                <a:cs typeface="Courier New" panose="02070309020205020404" pitchFamily="49" charset="0"/>
+              </a:rPr>
+              <a:t>nt_ctrl</a:t>
             </a:r>
             <a:endParaRPr lang="en-US" sz="900" dirty="0">
               <a:solidFill>
@@ -12406,14 +12910,14 @@
           <a:lstStyle/>
           <a:p>
             <a:r>
-              <a:rPr lang="en-US" sz="900" dirty="0">
-                <a:solidFill>
-                  <a:srgbClr val="000000"/>
-                </a:solidFill>
-                <a:latin typeface="Courier New" panose="02070309020205020404" pitchFamily="49" charset="0"/>
-                <a:cs typeface="Courier New" panose="02070309020205020404" pitchFamily="49" charset="0"/>
-              </a:rPr>
-              <a:t>NTB_*</a:t>
+              <a:rPr lang="en-US" sz="900" dirty="0" smtClean="0">
+                <a:solidFill>
+                  <a:srgbClr val="000000"/>
+                </a:solidFill>
+                <a:latin typeface="Courier New" panose="02070309020205020404" pitchFamily="49" charset="0"/>
+                <a:cs typeface="Courier New" panose="02070309020205020404" pitchFamily="49" charset="0"/>
+              </a:rPr>
+              <a:t>NT_*</a:t>
             </a:r>
             <a:endParaRPr lang="en-US" sz="900" dirty="0">
               <a:solidFill>
@@ -12427,13 +12931,13 @@
       </p:sp>
       <p:sp>
         <p:nvSpPr>
-          <p:cNvPr id="253" name="Pentagon 252"/>
+          <p:cNvPr id="270" name="Pentagon 269"/>
           <p:cNvSpPr/>
           <p:nvPr/>
         </p:nvSpPr>
         <p:spPr>
           <a:xfrm>
-            <a:off x="14020800" y="1828800"/>
+            <a:off x="14020800" y="2057400"/>
             <a:ext cx="228600" cy="152400"/>
           </a:xfrm>
           <a:prstGeom prst="homePlate">
@@ -12478,16 +12982,16 @@
       </p:sp>
       <p:cxnSp>
         <p:nvCxnSpPr>
-          <p:cNvPr id="255" name="Straight Connector 254"/>
+          <p:cNvPr id="271" name="Straight Connector 270"/>
           <p:cNvCxnSpPr>
-            <a:stCxn id="253" idx="1"/>
-            <a:endCxn id="231" idx="3"/>
+            <a:stCxn id="270" idx="1"/>
+            <a:endCxn id="233" idx="3"/>
           </p:cNvCxnSpPr>
           <p:nvPr/>
         </p:nvCxnSpPr>
         <p:spPr>
           <a:xfrm flipH="1">
-            <a:off x="9906000" y="1905000"/>
+            <a:off x="9906000" y="2133600"/>
             <a:ext cx="4114800" cy="0"/>
           </a:xfrm>
           <a:prstGeom prst="line">
@@ -12518,13 +13022,13 @@
       </p:cxnSp>
       <p:cxnSp>
         <p:nvCxnSpPr>
-          <p:cNvPr id="258" name="Straight Connector 257"/>
+          <p:cNvPr id="274" name="Straight Connector 273"/>
           <p:cNvCxnSpPr/>
           <p:nvPr/>
         </p:nvCxnSpPr>
         <p:spPr>
           <a:xfrm flipV="1">
-            <a:off x="9982200" y="1828800"/>
+            <a:off x="9982200" y="2057400"/>
             <a:ext cx="152400" cy="152400"/>
           </a:xfrm>
           <a:prstGeom prst="line">
@@ -12555,13 +13059,13 @@
       </p:cxnSp>
       <p:sp>
         <p:nvSpPr>
-          <p:cNvPr id="261" name="Rectangle 260"/>
+          <p:cNvPr id="276" name="Rectangle 275"/>
           <p:cNvSpPr/>
           <p:nvPr/>
         </p:nvSpPr>
         <p:spPr>
           <a:xfrm>
-            <a:off x="9982200" y="1752600"/>
+            <a:off x="9982200" y="1981200"/>
             <a:ext cx="152400" cy="76200"/>
           </a:xfrm>
           <a:prstGeom prst="rect">
@@ -12594,14 +13098,14 @@
           <a:p>
             <a:pPr algn="ctr"/>
             <a:r>
-              <a:rPr lang="en-US" sz="900" dirty="0">
-                <a:solidFill>
-                  <a:srgbClr val="000000"/>
-                </a:solidFill>
-                <a:latin typeface="Courier New" panose="02070309020205020404" pitchFamily="49" charset="0"/>
-                <a:cs typeface="Courier New" panose="02070309020205020404" pitchFamily="49" charset="0"/>
-              </a:rPr>
-              <a:t>14</a:t>
+              <a:rPr lang="en-US" sz="900" dirty="0" smtClean="0">
+                <a:solidFill>
+                  <a:srgbClr val="000000"/>
+                </a:solidFill>
+                <a:latin typeface="Courier New" panose="02070309020205020404" pitchFamily="49" charset="0"/>
+                <a:cs typeface="Courier New" panose="02070309020205020404" pitchFamily="49" charset="0"/>
+              </a:rPr>
+              <a:t>31</a:t>
             </a:r>
             <a:endParaRPr lang="en-US" sz="900" dirty="0">
               <a:solidFill>
@@ -12615,13 +13119,13 @@
       </p:sp>
       <p:sp>
         <p:nvSpPr>
-          <p:cNvPr id="262" name="Rectangle 261"/>
+          <p:cNvPr id="278" name="Rectangle 277"/>
           <p:cNvSpPr/>
           <p:nvPr/>
         </p:nvSpPr>
         <p:spPr>
           <a:xfrm>
-            <a:off x="10210800" y="1752600"/>
+            <a:off x="10210800" y="1981200"/>
             <a:ext cx="457200" cy="152400"/>
           </a:xfrm>
           <a:prstGeom prst="rect">
@@ -12653,14 +13157,14 @@
           <a:lstStyle/>
           <a:p>
             <a:r>
-              <a:rPr lang="en-US" sz="900" dirty="0" err="1">
-                <a:solidFill>
-                  <a:srgbClr val="000000"/>
-                </a:solidFill>
-                <a:latin typeface="Courier New" panose="02070309020205020404" pitchFamily="49" charset="0"/>
-                <a:cs typeface="Courier New" panose="02070309020205020404" pitchFamily="49" charset="0"/>
-              </a:rPr>
-              <a:t>eta_ctrl</a:t>
+              <a:rPr lang="en-US" sz="900" dirty="0" err="1" smtClean="0">
+                <a:solidFill>
+                  <a:srgbClr val="000000"/>
+                </a:solidFill>
+                <a:latin typeface="Courier New" panose="02070309020205020404" pitchFamily="49" charset="0"/>
+                <a:cs typeface="Courier New" panose="02070309020205020404" pitchFamily="49" charset="0"/>
+              </a:rPr>
+              <a:t>et_ctrl</a:t>
             </a:r>
             <a:endParaRPr lang="en-US" sz="900" dirty="0">
               <a:solidFill>
@@ -12674,13 +13178,13 @@
       </p:sp>
       <p:sp>
         <p:nvSpPr>
-          <p:cNvPr id="263" name="Rectangle 262"/>
+          <p:cNvPr id="279" name="Rectangle 278"/>
           <p:cNvSpPr/>
           <p:nvPr/>
         </p:nvSpPr>
         <p:spPr>
           <a:xfrm>
-            <a:off x="12877800" y="1752600"/>
+            <a:off x="12877800" y="1981200"/>
             <a:ext cx="457200" cy="152400"/>
           </a:xfrm>
           <a:prstGeom prst="rect">
@@ -12712,14 +13216,14 @@
           <a:lstStyle/>
           <a:p>
             <a:r>
-              <a:rPr lang="en-US" sz="900" dirty="0">
-                <a:solidFill>
-                  <a:srgbClr val="000000"/>
-                </a:solidFill>
-                <a:latin typeface="Courier New" panose="02070309020205020404" pitchFamily="49" charset="0"/>
-                <a:cs typeface="Courier New" panose="02070309020205020404" pitchFamily="49" charset="0"/>
-              </a:rPr>
-              <a:t>ETA_*</a:t>
+              <a:rPr lang="en-US" sz="900" dirty="0" smtClean="0">
+                <a:solidFill>
+                  <a:srgbClr val="000000"/>
+                </a:solidFill>
+                <a:latin typeface="Courier New" panose="02070309020205020404" pitchFamily="49" charset="0"/>
+                <a:cs typeface="Courier New" panose="02070309020205020404" pitchFamily="49" charset="0"/>
+              </a:rPr>
+              <a:t>ET_*</a:t>
             </a:r>
             <a:endParaRPr lang="en-US" sz="900" dirty="0">
               <a:solidFill>
@@ -12733,13 +13237,13 @@
       </p:sp>
       <p:sp>
         <p:nvSpPr>
-          <p:cNvPr id="270" name="Pentagon 269"/>
+          <p:cNvPr id="287" name="Pentagon 286"/>
           <p:cNvSpPr/>
           <p:nvPr/>
         </p:nvSpPr>
         <p:spPr>
           <a:xfrm>
-            <a:off x="14020800" y="2057400"/>
+            <a:off x="14020800" y="2895600"/>
             <a:ext cx="228600" cy="152400"/>
           </a:xfrm>
           <a:prstGeom prst="homePlate">
@@ -12784,16 +13288,16 @@
       </p:sp>
       <p:cxnSp>
         <p:nvCxnSpPr>
-          <p:cNvPr id="271" name="Straight Connector 270"/>
+          <p:cNvPr id="290" name="Straight Connector 289"/>
           <p:cNvCxnSpPr>
-            <a:stCxn id="270" idx="1"/>
-            <a:endCxn id="233" idx="3"/>
+            <a:stCxn id="287" idx="1"/>
+            <a:endCxn id="235" idx="3"/>
           </p:cNvCxnSpPr>
           <p:nvPr/>
         </p:nvCxnSpPr>
         <p:spPr>
           <a:xfrm flipH="1">
-            <a:off x="9906000" y="2133600"/>
+            <a:off x="9906000" y="2971800"/>
             <a:ext cx="4114800" cy="0"/>
           </a:xfrm>
           <a:prstGeom prst="line">
@@ -12824,13 +13328,13 @@
       </p:cxnSp>
       <p:cxnSp>
         <p:nvCxnSpPr>
-          <p:cNvPr id="274" name="Straight Connector 273"/>
+          <p:cNvPr id="291" name="Straight Connector 290"/>
           <p:cNvCxnSpPr/>
           <p:nvPr/>
         </p:nvCxnSpPr>
         <p:spPr>
           <a:xfrm flipV="1">
-            <a:off x="9982200" y="2057400"/>
+            <a:off x="9982200" y="2895600"/>
             <a:ext cx="152400" cy="152400"/>
           </a:xfrm>
           <a:prstGeom prst="line">
@@ -12861,13 +13365,13 @@
       </p:cxnSp>
       <p:sp>
         <p:nvSpPr>
-          <p:cNvPr id="276" name="Rectangle 275"/>
+          <p:cNvPr id="294" name="Rectangle 293"/>
           <p:cNvSpPr/>
           <p:nvPr/>
         </p:nvSpPr>
         <p:spPr>
           <a:xfrm>
-            <a:off x="9982200" y="1981200"/>
+            <a:off x="9982200" y="2819400"/>
             <a:ext cx="152400" cy="76200"/>
           </a:xfrm>
           <a:prstGeom prst="rect">
@@ -12900,14 +13404,14 @@
           <a:p>
             <a:pPr algn="ctr"/>
             <a:r>
-              <a:rPr lang="en-US" sz="900" dirty="0">
-                <a:solidFill>
-                  <a:srgbClr val="000000"/>
-                </a:solidFill>
-                <a:latin typeface="Courier New" panose="02070309020205020404" pitchFamily="49" charset="0"/>
-                <a:cs typeface="Courier New" panose="02070309020205020404" pitchFamily="49" charset="0"/>
-              </a:rPr>
-              <a:t>14</a:t>
+              <a:rPr lang="en-US" sz="900" dirty="0" smtClean="0">
+                <a:solidFill>
+                  <a:srgbClr val="000000"/>
+                </a:solidFill>
+                <a:latin typeface="Courier New" panose="02070309020205020404" pitchFamily="49" charset="0"/>
+                <a:cs typeface="Courier New" panose="02070309020205020404" pitchFamily="49" charset="0"/>
+              </a:rPr>
+              <a:t>31</a:t>
             </a:r>
             <a:endParaRPr lang="en-US" sz="900" dirty="0">
               <a:solidFill>
@@ -12921,13 +13425,13 @@
       </p:sp>
       <p:sp>
         <p:nvSpPr>
-          <p:cNvPr id="278" name="Rectangle 277"/>
+          <p:cNvPr id="296" name="Rectangle 295"/>
           <p:cNvSpPr/>
           <p:nvPr/>
         </p:nvSpPr>
         <p:spPr>
           <a:xfrm>
-            <a:off x="10210800" y="1981200"/>
+            <a:off x="10210800" y="2819400"/>
             <a:ext cx="457200" cy="152400"/>
           </a:xfrm>
           <a:prstGeom prst="rect">
@@ -12959,14 +13463,14 @@
           <a:lstStyle/>
           <a:p>
             <a:r>
-              <a:rPr lang="en-US" sz="900" dirty="0" err="1">
-                <a:solidFill>
-                  <a:srgbClr val="000000"/>
-                </a:solidFill>
-                <a:latin typeface="Courier New" panose="02070309020205020404" pitchFamily="49" charset="0"/>
-                <a:cs typeface="Courier New" panose="02070309020205020404" pitchFamily="49" charset="0"/>
-              </a:rPr>
-              <a:t>etb_ctrl</a:t>
+              <a:rPr lang="en-US" sz="900" dirty="0" err="1" smtClean="0">
+                <a:solidFill>
+                  <a:srgbClr val="000000"/>
+                </a:solidFill>
+                <a:latin typeface="Courier New" panose="02070309020205020404" pitchFamily="49" charset="0"/>
+                <a:cs typeface="Courier New" panose="02070309020205020404" pitchFamily="49" charset="0"/>
+              </a:rPr>
+              <a:t>st_ctrl</a:t>
             </a:r>
             <a:endParaRPr lang="en-US" sz="900" dirty="0">
               <a:solidFill>
@@ -12980,13 +13484,13 @@
       </p:sp>
       <p:sp>
         <p:nvSpPr>
-          <p:cNvPr id="279" name="Rectangle 278"/>
+          <p:cNvPr id="297" name="Rectangle 296"/>
           <p:cNvSpPr/>
           <p:nvPr/>
         </p:nvSpPr>
         <p:spPr>
           <a:xfrm>
-            <a:off x="12877800" y="1981200"/>
+            <a:off x="12877800" y="2819400"/>
             <a:ext cx="457200" cy="152400"/>
           </a:xfrm>
           <a:prstGeom prst="rect">
@@ -13018,14 +13522,14 @@
           <a:lstStyle/>
           <a:p>
             <a:r>
-              <a:rPr lang="en-US" sz="900" dirty="0">
-                <a:solidFill>
-                  <a:srgbClr val="000000"/>
-                </a:solidFill>
-                <a:latin typeface="Courier New" panose="02070309020205020404" pitchFamily="49" charset="0"/>
-                <a:cs typeface="Courier New" panose="02070309020205020404" pitchFamily="49" charset="0"/>
-              </a:rPr>
-              <a:t>ETB_*</a:t>
+              <a:rPr lang="en-US" sz="900" dirty="0" smtClean="0">
+                <a:solidFill>
+                  <a:srgbClr val="000000"/>
+                </a:solidFill>
+                <a:latin typeface="Courier New" panose="02070309020205020404" pitchFamily="49" charset="0"/>
+                <a:cs typeface="Courier New" panose="02070309020205020404" pitchFamily="49" charset="0"/>
+              </a:rPr>
+              <a:t>ST_*</a:t>
             </a:r>
             <a:endParaRPr lang="en-US" sz="900" dirty="0">
               <a:solidFill>
@@ -13039,13 +13543,13 @@
       </p:sp>
       <p:sp>
         <p:nvSpPr>
-          <p:cNvPr id="280" name="Pentagon 279"/>
+          <p:cNvPr id="309" name="Pentagon 308"/>
           <p:cNvSpPr/>
           <p:nvPr/>
         </p:nvSpPr>
         <p:spPr>
           <a:xfrm>
-            <a:off x="14020800" y="2667000"/>
+            <a:off x="14020800" y="3733800"/>
             <a:ext cx="228600" cy="152400"/>
           </a:xfrm>
           <a:prstGeom prst="homePlate">
@@ -13090,16 +13594,16 @@
       </p:sp>
       <p:cxnSp>
         <p:nvCxnSpPr>
-          <p:cNvPr id="281" name="Straight Connector 280"/>
+          <p:cNvPr id="310" name="Straight Connector 309"/>
           <p:cNvCxnSpPr>
-            <a:stCxn id="280" idx="1"/>
-            <a:endCxn id="234" idx="3"/>
+            <a:stCxn id="309" idx="1"/>
+            <a:endCxn id="238" idx="3"/>
           </p:cNvCxnSpPr>
           <p:nvPr/>
         </p:nvCxnSpPr>
         <p:spPr>
           <a:xfrm flipH="1">
-            <a:off x="9906000" y="2743200"/>
+            <a:off x="9906000" y="3810000"/>
             <a:ext cx="4114800" cy="0"/>
           </a:xfrm>
           <a:prstGeom prst="line">
@@ -13130,13 +13634,13 @@
       </p:cxnSp>
       <p:cxnSp>
         <p:nvCxnSpPr>
-          <p:cNvPr id="283" name="Straight Connector 282"/>
+          <p:cNvPr id="312" name="Straight Connector 311"/>
           <p:cNvCxnSpPr/>
           <p:nvPr/>
         </p:nvCxnSpPr>
         <p:spPr>
           <a:xfrm flipV="1">
-            <a:off x="9982200" y="2667000"/>
+            <a:off x="9982200" y="3733800"/>
             <a:ext cx="152400" cy="152400"/>
           </a:xfrm>
           <a:prstGeom prst="line">
@@ -13167,13 +13671,13 @@
       </p:cxnSp>
       <p:sp>
         <p:nvSpPr>
-          <p:cNvPr id="284" name="Rectangle 283"/>
+          <p:cNvPr id="313" name="Rectangle 312"/>
           <p:cNvSpPr/>
           <p:nvPr/>
         </p:nvSpPr>
         <p:spPr>
           <a:xfrm>
-            <a:off x="9982200" y="2590800"/>
+            <a:off x="9982200" y="3657600"/>
             <a:ext cx="152400" cy="76200"/>
           </a:xfrm>
           <a:prstGeom prst="rect">
@@ -13206,14 +13710,14 @@
           <a:p>
             <a:pPr algn="ctr"/>
             <a:r>
-              <a:rPr lang="en-US" sz="900" dirty="0">
-                <a:solidFill>
-                  <a:srgbClr val="000000"/>
-                </a:solidFill>
-                <a:latin typeface="Courier New" panose="02070309020205020404" pitchFamily="49" charset="0"/>
-                <a:cs typeface="Courier New" panose="02070309020205020404" pitchFamily="49" charset="0"/>
-              </a:rPr>
-              <a:t>14</a:t>
+              <a:rPr lang="en-US" sz="900" dirty="0" smtClean="0">
+                <a:solidFill>
+                  <a:srgbClr val="000000"/>
+                </a:solidFill>
+                <a:latin typeface="Courier New" panose="02070309020205020404" pitchFamily="49" charset="0"/>
+                <a:cs typeface="Courier New" panose="02070309020205020404" pitchFamily="49" charset="0"/>
+              </a:rPr>
+              <a:t>31</a:t>
             </a:r>
             <a:endParaRPr lang="en-US" sz="900" dirty="0">
               <a:solidFill>
@@ -13227,13 +13731,13 @@
       </p:sp>
       <p:sp>
         <p:nvSpPr>
-          <p:cNvPr id="285" name="Rectangle 284"/>
+          <p:cNvPr id="315" name="Rectangle 314"/>
           <p:cNvSpPr/>
           <p:nvPr/>
         </p:nvSpPr>
         <p:spPr>
           <a:xfrm>
-            <a:off x="10210800" y="2590800"/>
+            <a:off x="10210800" y="3657600"/>
             <a:ext cx="457200" cy="152400"/>
           </a:xfrm>
           <a:prstGeom prst="rect">
@@ -13265,14 +13769,14 @@
           <a:lstStyle/>
           <a:p>
             <a:r>
-              <a:rPr lang="en-US" sz="900" dirty="0" err="1">
-                <a:solidFill>
-                  <a:srgbClr val="000000"/>
-                </a:solidFill>
-                <a:latin typeface="Courier New" panose="02070309020205020404" pitchFamily="49" charset="0"/>
-                <a:cs typeface="Courier New" panose="02070309020205020404" pitchFamily="49" charset="0"/>
-              </a:rPr>
-              <a:t>sta_ctrl</a:t>
+              <a:rPr lang="en-US" sz="900" dirty="0" err="1" smtClean="0">
+                <a:solidFill>
+                  <a:srgbClr val="000000"/>
+                </a:solidFill>
+                <a:latin typeface="Courier New" panose="02070309020205020404" pitchFamily="49" charset="0"/>
+                <a:cs typeface="Courier New" panose="02070309020205020404" pitchFamily="49" charset="0"/>
+              </a:rPr>
+              <a:t>sc_ctrl</a:t>
             </a:r>
             <a:endParaRPr lang="en-US" sz="900" dirty="0">
               <a:solidFill>
@@ -13286,13 +13790,13 @@
       </p:sp>
       <p:sp>
         <p:nvSpPr>
-          <p:cNvPr id="286" name="Rectangle 285"/>
+          <p:cNvPr id="317" name="Rectangle 316"/>
           <p:cNvSpPr/>
           <p:nvPr/>
         </p:nvSpPr>
         <p:spPr>
           <a:xfrm>
-            <a:off x="12877800" y="2590800"/>
+            <a:off x="12877800" y="3657600"/>
             <a:ext cx="457200" cy="152400"/>
           </a:xfrm>
           <a:prstGeom prst="rect">
@@ -13324,14 +13828,14 @@
           <a:lstStyle/>
           <a:p>
             <a:r>
-              <a:rPr lang="en-US" sz="900" dirty="0">
-                <a:solidFill>
-                  <a:srgbClr val="000000"/>
-                </a:solidFill>
-                <a:latin typeface="Courier New" panose="02070309020205020404" pitchFamily="49" charset="0"/>
-                <a:cs typeface="Courier New" panose="02070309020205020404" pitchFamily="49" charset="0"/>
-              </a:rPr>
-              <a:t>STA_*</a:t>
+              <a:rPr lang="en-US" sz="900" dirty="0" smtClean="0">
+                <a:solidFill>
+                  <a:srgbClr val="000000"/>
+                </a:solidFill>
+                <a:latin typeface="Courier New" panose="02070309020205020404" pitchFamily="49" charset="0"/>
+                <a:cs typeface="Courier New" panose="02070309020205020404" pitchFamily="49" charset="0"/>
+              </a:rPr>
+              <a:t>SC_*</a:t>
             </a:r>
             <a:endParaRPr lang="en-US" sz="900" dirty="0">
               <a:solidFill>
@@ -13343,70 +13847,164 @@
           </a:p>
         </p:txBody>
       </p:sp>
-      <p:sp>
-        <p:nvSpPr>
-          <p:cNvPr id="287" name="Pentagon 286"/>
-          <p:cNvSpPr/>
-          <p:nvPr/>
-        </p:nvSpPr>
-        <p:spPr>
-          <a:xfrm>
-            <a:off x="14020800" y="2895600"/>
-            <a:ext cx="228600" cy="152400"/>
-          </a:xfrm>
-          <a:prstGeom prst="homePlate">
-            <a:avLst/>
-          </a:prstGeom>
-          <a:noFill/>
+      <p:cxnSp>
+        <p:nvCxnSpPr>
+          <p:cNvPr id="318" name="Straight Connector 317"/>
+          <p:cNvCxnSpPr/>
+          <p:nvPr/>
+        </p:nvCxnSpPr>
+        <p:spPr>
+          <a:xfrm>
+            <a:off x="8001000" y="3505200"/>
+            <a:ext cx="533400" cy="0"/>
+          </a:xfrm>
+          <a:prstGeom prst="line">
+            <a:avLst/>
+          </a:prstGeom>
           <a:ln w="12700">
             <a:solidFill>
-              <a:schemeClr val="tx1"/>
+              <a:srgbClr val="000000"/>
             </a:solidFill>
-          </a:ln>
-        </p:spPr>
-        <p:style>
-          <a:lnRef idx="2">
-            <a:schemeClr val="accent1">
-              <a:shade val="50000"/>
-            </a:schemeClr>
-          </a:lnRef>
-          <a:fillRef idx="1">
-            <a:schemeClr val="accent1"/>
-          </a:fillRef>
-          <a:effectRef idx="0">
-            <a:schemeClr val="accent1"/>
-          </a:effectRef>
-          <a:fontRef idx="minor">
-            <a:schemeClr val="lt1"/>
-          </a:fontRef>
-        </p:style>
-        <p:txBody>
-          <a:bodyPr rot="0" spcFirstLastPara="0" vertOverflow="overflow" horzOverflow="overflow" vert="horz" wrap="square" lIns="91440" tIns="45720" rIns="91440" bIns="45720" numCol="1" spcCol="0" rtlCol="0" fromWordArt="0" anchor="ctr" anchorCtr="0" forceAA="0" compatLnSpc="1">
-            <a:prstTxWarp prst="textNoShape">
-              <a:avLst/>
-            </a:prstTxWarp>
-            <a:noAutofit/>
-          </a:bodyPr>
-          <a:lstStyle/>
-          <a:p>
-            <a:pPr algn="ctr"/>
-            <a:endParaRPr lang="en-US" sz="3730"/>
-          </a:p>
-        </p:txBody>
-      </p:sp>
+            <a:headEnd type="none" w="med" len="med"/>
+            <a:tailEnd type="triangle" w="med" len="med"/>
+          </a:ln>
+        </p:spPr>
+        <p:style>
+          <a:lnRef idx="1">
+            <a:schemeClr val="accent1"/>
+          </a:lnRef>
+          <a:fillRef idx="0">
+            <a:schemeClr val="accent1"/>
+          </a:fillRef>
+          <a:effectRef idx="0">
+            <a:schemeClr val="accent1"/>
+          </a:effectRef>
+          <a:fontRef idx="minor">
+            <a:schemeClr val="tx1"/>
+          </a:fontRef>
+        </p:style>
+      </p:cxnSp>
       <p:cxnSp>
         <p:nvCxnSpPr>
-          <p:cNvPr id="290" name="Straight Connector 289"/>
-          <p:cNvCxnSpPr>
-            <a:stCxn id="287" idx="1"/>
-            <a:endCxn id="235" idx="3"/>
-          </p:cNvCxnSpPr>
+          <p:cNvPr id="319" name="Straight Connector 318"/>
+          <p:cNvCxnSpPr/>
           <p:nvPr/>
         </p:nvCxnSpPr>
         <p:spPr>
-          <a:xfrm flipH="1">
-            <a:off x="9906000" y="2971800"/>
-            <a:ext cx="4114800" cy="0"/>
+          <a:xfrm flipV="1">
+            <a:off x="8001000" y="3505200"/>
+            <a:ext cx="0" cy="1371600"/>
+          </a:xfrm>
+          <a:prstGeom prst="line">
+            <a:avLst/>
+          </a:prstGeom>
+          <a:ln w="12700">
+            <a:solidFill>
+              <a:srgbClr val="000000"/>
+            </a:solidFill>
+            <a:headEnd type="oval" w="med" len="med"/>
+            <a:tailEnd type="none" w="med" len="med"/>
+          </a:ln>
+        </p:spPr>
+        <p:style>
+          <a:lnRef idx="1">
+            <a:schemeClr val="accent1"/>
+          </a:lnRef>
+          <a:fillRef idx="0">
+            <a:schemeClr val="accent1"/>
+          </a:fillRef>
+          <a:effectRef idx="0">
+            <a:schemeClr val="accent1"/>
+          </a:effectRef>
+          <a:fontRef idx="minor">
+            <a:schemeClr val="tx1"/>
+          </a:fontRef>
+        </p:style>
+      </p:cxnSp>
+      <p:cxnSp>
+        <p:nvCxnSpPr>
+          <p:cNvPr id="320" name="Straight Connector 319"/>
+          <p:cNvCxnSpPr/>
+          <p:nvPr/>
+        </p:nvCxnSpPr>
+        <p:spPr>
+          <a:xfrm flipV="1">
+            <a:off x="8229600" y="3810000"/>
+            <a:ext cx="0" cy="1371600"/>
+          </a:xfrm>
+          <a:prstGeom prst="line">
+            <a:avLst/>
+          </a:prstGeom>
+          <a:ln w="12700">
+            <a:solidFill>
+              <a:srgbClr val="000000"/>
+            </a:solidFill>
+            <a:headEnd type="oval" w="med" len="med"/>
+            <a:tailEnd type="none" w="med" len="med"/>
+          </a:ln>
+        </p:spPr>
+        <p:style>
+          <a:lnRef idx="1">
+            <a:schemeClr val="accent1"/>
+          </a:lnRef>
+          <a:fillRef idx="0">
+            <a:schemeClr val="accent1"/>
+          </a:fillRef>
+          <a:effectRef idx="0">
+            <a:schemeClr val="accent1"/>
+          </a:effectRef>
+          <a:fontRef idx="minor">
+            <a:schemeClr val="tx1"/>
+          </a:fontRef>
+        </p:style>
+      </p:cxnSp>
+      <p:cxnSp>
+        <p:nvCxnSpPr>
+          <p:cNvPr id="321" name="Straight Connector 320"/>
+          <p:cNvCxnSpPr/>
+          <p:nvPr/>
+        </p:nvCxnSpPr>
+        <p:spPr>
+          <a:xfrm>
+            <a:off x="8229600" y="3810000"/>
+            <a:ext cx="304800" cy="0"/>
+          </a:xfrm>
+          <a:prstGeom prst="line">
+            <a:avLst/>
+          </a:prstGeom>
+          <a:ln w="12700">
+            <a:solidFill>
+              <a:srgbClr val="000000"/>
+            </a:solidFill>
+            <a:headEnd type="none" w="med" len="med"/>
+            <a:tailEnd type="triangle" w="med" len="med"/>
+          </a:ln>
+        </p:spPr>
+        <p:style>
+          <a:lnRef idx="1">
+            <a:schemeClr val="accent1"/>
+          </a:lnRef>
+          <a:fillRef idx="0">
+            <a:schemeClr val="accent1"/>
+          </a:fillRef>
+          <a:effectRef idx="0">
+            <a:schemeClr val="accent1"/>
+          </a:effectRef>
+          <a:fontRef idx="minor">
+            <a:schemeClr val="tx1"/>
+          </a:fontRef>
+        </p:style>
+      </p:cxnSp>
+      <p:cxnSp>
+        <p:nvCxnSpPr>
+          <p:cNvPr id="364" name="Straight Connector 363"/>
+          <p:cNvCxnSpPr/>
+          <p:nvPr/>
+        </p:nvCxnSpPr>
+        <p:spPr>
+          <a:xfrm flipV="1">
+            <a:off x="13792200" y="1219200"/>
+            <a:ext cx="152400" cy="152400"/>
           </a:xfrm>
           <a:prstGeom prst="line">
             <a:avLst/>
@@ -13434,52 +14032,15 @@
           </a:fontRef>
         </p:style>
       </p:cxnSp>
-      <p:cxnSp>
-        <p:nvCxnSpPr>
-          <p:cNvPr id="291" name="Straight Connector 290"/>
-          <p:cNvCxnSpPr/>
-          <p:nvPr/>
-        </p:nvCxnSpPr>
-        <p:spPr>
-          <a:xfrm flipV="1">
-            <a:off x="9982200" y="2895600"/>
-            <a:ext cx="152400" cy="152400"/>
-          </a:xfrm>
-          <a:prstGeom prst="line">
-            <a:avLst/>
-          </a:prstGeom>
-          <a:ln w="12700">
-            <a:solidFill>
-              <a:srgbClr val="000000"/>
-            </a:solidFill>
-            <a:headEnd type="none" w="med" len="med"/>
-            <a:tailEnd type="none" w="med" len="med"/>
-          </a:ln>
-        </p:spPr>
-        <p:style>
-          <a:lnRef idx="1">
-            <a:schemeClr val="accent1"/>
-          </a:lnRef>
-          <a:fillRef idx="0">
-            <a:schemeClr val="accent1"/>
-          </a:fillRef>
-          <a:effectRef idx="0">
-            <a:schemeClr val="accent1"/>
-          </a:effectRef>
-          <a:fontRef idx="minor">
-            <a:schemeClr val="tx1"/>
-          </a:fontRef>
-        </p:style>
-      </p:cxnSp>
-      <p:sp>
-        <p:nvSpPr>
-          <p:cNvPr id="294" name="Rectangle 293"/>
+      <p:sp>
+        <p:nvSpPr>
+          <p:cNvPr id="365" name="Rectangle 364"/>
           <p:cNvSpPr/>
           <p:nvPr/>
         </p:nvSpPr>
         <p:spPr>
           <a:xfrm>
-            <a:off x="9982200" y="2819400"/>
+            <a:off x="13792200" y="1143000"/>
             <a:ext cx="152400" cy="76200"/>
           </a:xfrm>
           <a:prstGeom prst="rect">
@@ -13512,14 +14073,14 @@
           <a:p>
             <a:pPr algn="ctr"/>
             <a:r>
-              <a:rPr lang="en-US" sz="900" dirty="0">
-                <a:solidFill>
-                  <a:srgbClr val="000000"/>
-                </a:solidFill>
-                <a:latin typeface="Courier New" panose="02070309020205020404" pitchFamily="49" charset="0"/>
-                <a:cs typeface="Courier New" panose="02070309020205020404" pitchFamily="49" charset="0"/>
-              </a:rPr>
-              <a:t>14</a:t>
+              <a:rPr lang="en-US" sz="900" dirty="0" smtClean="0">
+                <a:solidFill>
+                  <a:srgbClr val="000000"/>
+                </a:solidFill>
+                <a:latin typeface="Courier New" panose="02070309020205020404" pitchFamily="49" charset="0"/>
+                <a:cs typeface="Courier New" panose="02070309020205020404" pitchFamily="49" charset="0"/>
+              </a:rPr>
+              <a:t>31</a:t>
             </a:r>
             <a:endParaRPr lang="en-US" sz="900" dirty="0">
               <a:solidFill>
@@ -13531,16 +14092,53 @@
           </a:p>
         </p:txBody>
       </p:sp>
-      <p:sp>
-        <p:nvSpPr>
-          <p:cNvPr id="296" name="Rectangle 295"/>
+      <p:cxnSp>
+        <p:nvCxnSpPr>
+          <p:cNvPr id="370" name="Straight Connector 369"/>
+          <p:cNvCxnSpPr/>
+          <p:nvPr/>
+        </p:nvCxnSpPr>
+        <p:spPr>
+          <a:xfrm flipV="1">
+            <a:off x="13792200" y="2057400"/>
+            <a:ext cx="152400" cy="152400"/>
+          </a:xfrm>
+          <a:prstGeom prst="line">
+            <a:avLst/>
+          </a:prstGeom>
+          <a:ln w="12700">
+            <a:solidFill>
+              <a:srgbClr val="000000"/>
+            </a:solidFill>
+            <a:headEnd type="none" w="med" len="med"/>
+            <a:tailEnd type="none" w="med" len="med"/>
+          </a:ln>
+        </p:spPr>
+        <p:style>
+          <a:lnRef idx="1">
+            <a:schemeClr val="accent1"/>
+          </a:lnRef>
+          <a:fillRef idx="0">
+            <a:schemeClr val="accent1"/>
+          </a:fillRef>
+          <a:effectRef idx="0">
+            <a:schemeClr val="accent1"/>
+          </a:effectRef>
+          <a:fontRef idx="minor">
+            <a:schemeClr val="tx1"/>
+          </a:fontRef>
+        </p:style>
+      </p:cxnSp>
+      <p:sp>
+        <p:nvSpPr>
+          <p:cNvPr id="371" name="Rectangle 370"/>
           <p:cNvSpPr/>
           <p:nvPr/>
         </p:nvSpPr>
         <p:spPr>
           <a:xfrm>
-            <a:off x="10210800" y="2819400"/>
-            <a:ext cx="457200" cy="152400"/>
+            <a:off x="13792200" y="1981200"/>
+            <a:ext cx="152400" cy="76200"/>
           </a:xfrm>
           <a:prstGeom prst="rect">
             <a:avLst/>
@@ -13570,15 +14168,16 @@
           <a:bodyPr wrap="none" lIns="45720" rIns="45720" rtlCol="0" anchor="ctr"/>
           <a:lstStyle/>
           <a:p>
-            <a:r>
-              <a:rPr lang="en-US" sz="900" dirty="0" err="1">
-                <a:solidFill>
-                  <a:srgbClr val="000000"/>
-                </a:solidFill>
-                <a:latin typeface="Courier New" panose="02070309020205020404" pitchFamily="49" charset="0"/>
-                <a:cs typeface="Courier New" panose="02070309020205020404" pitchFamily="49" charset="0"/>
-              </a:rPr>
-              <a:t>stb_ctrl</a:t>
+            <a:pPr algn="ctr"/>
+            <a:r>
+              <a:rPr lang="en-US" sz="900" dirty="0" smtClean="0">
+                <a:solidFill>
+                  <a:srgbClr val="000000"/>
+                </a:solidFill>
+                <a:latin typeface="Courier New" panose="02070309020205020404" pitchFamily="49" charset="0"/>
+                <a:cs typeface="Courier New" panose="02070309020205020404" pitchFamily="49" charset="0"/>
+              </a:rPr>
+              <a:t>31</a:t>
             </a:r>
             <a:endParaRPr lang="en-US" sz="900" dirty="0">
               <a:solidFill>
@@ -13590,16 +14189,53 @@
           </a:p>
         </p:txBody>
       </p:sp>
-      <p:sp>
-        <p:nvSpPr>
-          <p:cNvPr id="297" name="Rectangle 296"/>
+      <p:cxnSp>
+        <p:nvCxnSpPr>
+          <p:cNvPr id="376" name="Straight Connector 375"/>
+          <p:cNvCxnSpPr/>
+          <p:nvPr/>
+        </p:nvCxnSpPr>
+        <p:spPr>
+          <a:xfrm flipV="1">
+            <a:off x="13792200" y="2895600"/>
+            <a:ext cx="152400" cy="152400"/>
+          </a:xfrm>
+          <a:prstGeom prst="line">
+            <a:avLst/>
+          </a:prstGeom>
+          <a:ln w="12700">
+            <a:solidFill>
+              <a:srgbClr val="000000"/>
+            </a:solidFill>
+            <a:headEnd type="none" w="med" len="med"/>
+            <a:tailEnd type="none" w="med" len="med"/>
+          </a:ln>
+        </p:spPr>
+        <p:style>
+          <a:lnRef idx="1">
+            <a:schemeClr val="accent1"/>
+          </a:lnRef>
+          <a:fillRef idx="0">
+            <a:schemeClr val="accent1"/>
+          </a:fillRef>
+          <a:effectRef idx="0">
+            <a:schemeClr val="accent1"/>
+          </a:effectRef>
+          <a:fontRef idx="minor">
+            <a:schemeClr val="tx1"/>
+          </a:fontRef>
+        </p:style>
+      </p:cxnSp>
+      <p:sp>
+        <p:nvSpPr>
+          <p:cNvPr id="377" name="Rectangle 376"/>
           <p:cNvSpPr/>
           <p:nvPr/>
         </p:nvSpPr>
         <p:spPr>
           <a:xfrm>
-            <a:off x="12877800" y="2819400"/>
-            <a:ext cx="457200" cy="152400"/>
+            <a:off x="13792200" y="2819400"/>
+            <a:ext cx="152400" cy="76200"/>
           </a:xfrm>
           <a:prstGeom prst="rect">
             <a:avLst/>
@@ -13629,15 +14265,16 @@
           <a:bodyPr wrap="none" lIns="45720" rIns="45720" rtlCol="0" anchor="ctr"/>
           <a:lstStyle/>
           <a:p>
-            <a:r>
-              <a:rPr lang="en-US" sz="900" dirty="0">
-                <a:solidFill>
-                  <a:srgbClr val="000000"/>
-                </a:solidFill>
-                <a:latin typeface="Courier New" panose="02070309020205020404" pitchFamily="49" charset="0"/>
-                <a:cs typeface="Courier New" panose="02070309020205020404" pitchFamily="49" charset="0"/>
-              </a:rPr>
-              <a:t>STB_*</a:t>
+            <a:pPr algn="ctr"/>
+            <a:r>
+              <a:rPr lang="en-US" sz="900" dirty="0" smtClean="0">
+                <a:solidFill>
+                  <a:srgbClr val="000000"/>
+                </a:solidFill>
+                <a:latin typeface="Courier New" panose="02070309020205020404" pitchFamily="49" charset="0"/>
+                <a:cs typeface="Courier New" panose="02070309020205020404" pitchFamily="49" charset="0"/>
+              </a:rPr>
+              <a:t>31</a:t>
             </a:r>
             <a:endParaRPr lang="en-US" sz="900" dirty="0">
               <a:solidFill>
@@ -13649,70 +14286,16 @@
           </a:p>
         </p:txBody>
       </p:sp>
-      <p:sp>
-        <p:nvSpPr>
-          <p:cNvPr id="299" name="Pentagon 298"/>
-          <p:cNvSpPr/>
-          <p:nvPr/>
-        </p:nvSpPr>
-        <p:spPr>
-          <a:xfrm>
-            <a:off x="14020800" y="3505200"/>
-            <a:ext cx="228600" cy="152400"/>
-          </a:xfrm>
-          <a:prstGeom prst="homePlate">
-            <a:avLst/>
-          </a:prstGeom>
-          <a:noFill/>
-          <a:ln w="12700">
-            <a:solidFill>
-              <a:schemeClr val="tx1"/>
-            </a:solidFill>
-          </a:ln>
-        </p:spPr>
-        <p:style>
-          <a:lnRef idx="2">
-            <a:schemeClr val="accent1">
-              <a:shade val="50000"/>
-            </a:schemeClr>
-          </a:lnRef>
-          <a:fillRef idx="1">
-            <a:schemeClr val="accent1"/>
-          </a:fillRef>
-          <a:effectRef idx="0">
-            <a:schemeClr val="accent1"/>
-          </a:effectRef>
-          <a:fontRef idx="minor">
-            <a:schemeClr val="lt1"/>
-          </a:fontRef>
-        </p:style>
-        <p:txBody>
-          <a:bodyPr rot="0" spcFirstLastPara="0" vertOverflow="overflow" horzOverflow="overflow" vert="horz" wrap="square" lIns="91440" tIns="45720" rIns="91440" bIns="45720" numCol="1" spcCol="0" rtlCol="0" fromWordArt="0" anchor="ctr" anchorCtr="0" forceAA="0" compatLnSpc="1">
-            <a:prstTxWarp prst="textNoShape">
-              <a:avLst/>
-            </a:prstTxWarp>
-            <a:noAutofit/>
-          </a:bodyPr>
-          <a:lstStyle/>
-          <a:p>
-            <a:pPr algn="ctr"/>
-            <a:endParaRPr lang="en-US" sz="3730"/>
-          </a:p>
-        </p:txBody>
-      </p:sp>
       <p:cxnSp>
         <p:nvCxnSpPr>
-          <p:cNvPr id="300" name="Straight Connector 299"/>
-          <p:cNvCxnSpPr>
-            <a:stCxn id="299" idx="1"/>
-            <a:endCxn id="237" idx="3"/>
-          </p:cNvCxnSpPr>
+          <p:cNvPr id="382" name="Straight Connector 381"/>
+          <p:cNvCxnSpPr/>
           <p:nvPr/>
         </p:nvCxnSpPr>
         <p:spPr>
-          <a:xfrm flipH="1">
-            <a:off x="9906000" y="3581400"/>
-            <a:ext cx="4114800" cy="0"/>
+          <a:xfrm flipV="1">
+            <a:off x="13792200" y="3733800"/>
+            <a:ext cx="152400" cy="152400"/>
           </a:xfrm>
           <a:prstGeom prst="line">
             <a:avLst/>
@@ -13740,52 +14323,15 @@
           </a:fontRef>
         </p:style>
       </p:cxnSp>
-      <p:cxnSp>
-        <p:nvCxnSpPr>
-          <p:cNvPr id="305" name="Straight Connector 304"/>
-          <p:cNvCxnSpPr/>
-          <p:nvPr/>
-        </p:nvCxnSpPr>
-        <p:spPr>
-          <a:xfrm flipV="1">
-            <a:off x="9982200" y="3505200"/>
-            <a:ext cx="152400" cy="152400"/>
-          </a:xfrm>
-          <a:prstGeom prst="line">
-            <a:avLst/>
-          </a:prstGeom>
-          <a:ln w="12700">
-            <a:solidFill>
-              <a:srgbClr val="000000"/>
-            </a:solidFill>
-            <a:headEnd type="none" w="med" len="med"/>
-            <a:tailEnd type="none" w="med" len="med"/>
-          </a:ln>
-        </p:spPr>
-        <p:style>
-          <a:lnRef idx="1">
-            <a:schemeClr val="accent1"/>
-          </a:lnRef>
-          <a:fillRef idx="0">
-            <a:schemeClr val="accent1"/>
-          </a:fillRef>
-          <a:effectRef idx="0">
-            <a:schemeClr val="accent1"/>
-          </a:effectRef>
-          <a:fontRef idx="minor">
-            <a:schemeClr val="tx1"/>
-          </a:fontRef>
-        </p:style>
-      </p:cxnSp>
-      <p:sp>
-        <p:nvSpPr>
-          <p:cNvPr id="306" name="Rectangle 305"/>
+      <p:sp>
+        <p:nvSpPr>
+          <p:cNvPr id="383" name="Rectangle 382"/>
           <p:cNvSpPr/>
           <p:nvPr/>
         </p:nvSpPr>
         <p:spPr>
           <a:xfrm>
-            <a:off x="9982200" y="3429000"/>
+            <a:off x="13792200" y="3657600"/>
             <a:ext cx="152400" cy="76200"/>
           </a:xfrm>
           <a:prstGeom prst="rect">
@@ -13818,2978 +14364,14 @@
           <a:p>
             <a:pPr algn="ctr"/>
             <a:r>
-              <a:rPr lang="en-US" sz="900" dirty="0">
-                <a:solidFill>
-                  <a:srgbClr val="000000"/>
-                </a:solidFill>
-                <a:latin typeface="Courier New" panose="02070309020205020404" pitchFamily="49" charset="0"/>
-                <a:cs typeface="Courier New" panose="02070309020205020404" pitchFamily="49" charset="0"/>
-              </a:rPr>
-              <a:t>14</a:t>
-            </a:r>
-            <a:endParaRPr lang="en-US" sz="900" dirty="0">
-              <a:solidFill>
-                <a:srgbClr val="000000"/>
-              </a:solidFill>
-              <a:latin typeface="Courier New" panose="02070309020205020404" pitchFamily="49" charset="0"/>
-              <a:cs typeface="Courier New" panose="02070309020205020404" pitchFamily="49" charset="0"/>
-            </a:endParaRPr>
-          </a:p>
-        </p:txBody>
-      </p:sp>
-      <p:sp>
-        <p:nvSpPr>
-          <p:cNvPr id="307" name="Rectangle 306"/>
-          <p:cNvSpPr/>
-          <p:nvPr/>
-        </p:nvSpPr>
-        <p:spPr>
-          <a:xfrm>
-            <a:off x="10210800" y="3429000"/>
-            <a:ext cx="457200" cy="152400"/>
-          </a:xfrm>
-          <a:prstGeom prst="rect">
-            <a:avLst/>
-          </a:prstGeom>
-          <a:noFill/>
-          <a:ln>
-            <a:noFill/>
-          </a:ln>
-        </p:spPr>
-        <p:style>
-          <a:lnRef idx="2">
-            <a:schemeClr val="accent1">
-              <a:shade val="50000"/>
-            </a:schemeClr>
-          </a:lnRef>
-          <a:fillRef idx="1">
-            <a:schemeClr val="accent1"/>
-          </a:fillRef>
-          <a:effectRef idx="0">
-            <a:schemeClr val="accent1"/>
-          </a:effectRef>
-          <a:fontRef idx="minor">
-            <a:schemeClr val="lt1"/>
-          </a:fontRef>
-        </p:style>
-        <p:txBody>
-          <a:bodyPr wrap="none" lIns="45720" rIns="45720" rtlCol="0" anchor="ctr"/>
-          <a:lstStyle/>
-          <a:p>
-            <a:r>
-              <a:rPr lang="en-US" sz="900" dirty="0" err="1">
-                <a:solidFill>
-                  <a:srgbClr val="000000"/>
-                </a:solidFill>
-                <a:latin typeface="Courier New" panose="02070309020205020404" pitchFamily="49" charset="0"/>
-                <a:cs typeface="Courier New" panose="02070309020205020404" pitchFamily="49" charset="0"/>
-              </a:rPr>
-              <a:t>sca_ctrl</a:t>
-            </a:r>
-            <a:endParaRPr lang="en-US" sz="900" dirty="0">
-              <a:solidFill>
-                <a:srgbClr val="000000"/>
-              </a:solidFill>
-              <a:latin typeface="Courier New" panose="02070309020205020404" pitchFamily="49" charset="0"/>
-              <a:cs typeface="Courier New" panose="02070309020205020404" pitchFamily="49" charset="0"/>
-            </a:endParaRPr>
-          </a:p>
-        </p:txBody>
-      </p:sp>
-      <p:sp>
-        <p:nvSpPr>
-          <p:cNvPr id="308" name="Rectangle 307"/>
-          <p:cNvSpPr/>
-          <p:nvPr/>
-        </p:nvSpPr>
-        <p:spPr>
-          <a:xfrm>
-            <a:off x="12877800" y="3429000"/>
-            <a:ext cx="457200" cy="152400"/>
-          </a:xfrm>
-          <a:prstGeom prst="rect">
-            <a:avLst/>
-          </a:prstGeom>
-          <a:noFill/>
-          <a:ln>
-            <a:noFill/>
-          </a:ln>
-        </p:spPr>
-        <p:style>
-          <a:lnRef idx="2">
-            <a:schemeClr val="accent1">
-              <a:shade val="50000"/>
-            </a:schemeClr>
-          </a:lnRef>
-          <a:fillRef idx="1">
-            <a:schemeClr val="accent1"/>
-          </a:fillRef>
-          <a:effectRef idx="0">
-            <a:schemeClr val="accent1"/>
-          </a:effectRef>
-          <a:fontRef idx="minor">
-            <a:schemeClr val="lt1"/>
-          </a:fontRef>
-        </p:style>
-        <p:txBody>
-          <a:bodyPr wrap="none" lIns="45720" rIns="45720" rtlCol="0" anchor="ctr"/>
-          <a:lstStyle/>
-          <a:p>
-            <a:r>
-              <a:rPr lang="en-US" sz="900" dirty="0">
-                <a:solidFill>
-                  <a:srgbClr val="000000"/>
-                </a:solidFill>
-                <a:latin typeface="Courier New" panose="02070309020205020404" pitchFamily="49" charset="0"/>
-                <a:cs typeface="Courier New" panose="02070309020205020404" pitchFamily="49" charset="0"/>
-              </a:rPr>
-              <a:t>SCA_*</a:t>
-            </a:r>
-            <a:endParaRPr lang="en-US" sz="900" dirty="0">
-              <a:solidFill>
-                <a:srgbClr val="000000"/>
-              </a:solidFill>
-              <a:latin typeface="Courier New" panose="02070309020205020404" pitchFamily="49" charset="0"/>
-              <a:cs typeface="Courier New" panose="02070309020205020404" pitchFamily="49" charset="0"/>
-            </a:endParaRPr>
-          </a:p>
-        </p:txBody>
-      </p:sp>
-      <p:sp>
-        <p:nvSpPr>
-          <p:cNvPr id="309" name="Pentagon 308"/>
-          <p:cNvSpPr/>
-          <p:nvPr/>
-        </p:nvSpPr>
-        <p:spPr>
-          <a:xfrm>
-            <a:off x="14020800" y="3733800"/>
-            <a:ext cx="228600" cy="152400"/>
-          </a:xfrm>
-          <a:prstGeom prst="homePlate">
-            <a:avLst/>
-          </a:prstGeom>
-          <a:noFill/>
-          <a:ln w="12700">
-            <a:solidFill>
-              <a:schemeClr val="tx1"/>
-            </a:solidFill>
-          </a:ln>
-        </p:spPr>
-        <p:style>
-          <a:lnRef idx="2">
-            <a:schemeClr val="accent1">
-              <a:shade val="50000"/>
-            </a:schemeClr>
-          </a:lnRef>
-          <a:fillRef idx="1">
-            <a:schemeClr val="accent1"/>
-          </a:fillRef>
-          <a:effectRef idx="0">
-            <a:schemeClr val="accent1"/>
-          </a:effectRef>
-          <a:fontRef idx="minor">
-            <a:schemeClr val="lt1"/>
-          </a:fontRef>
-        </p:style>
-        <p:txBody>
-          <a:bodyPr rot="0" spcFirstLastPara="0" vertOverflow="overflow" horzOverflow="overflow" vert="horz" wrap="square" lIns="91440" tIns="45720" rIns="91440" bIns="45720" numCol="1" spcCol="0" rtlCol="0" fromWordArt="0" anchor="ctr" anchorCtr="0" forceAA="0" compatLnSpc="1">
-            <a:prstTxWarp prst="textNoShape">
-              <a:avLst/>
-            </a:prstTxWarp>
-            <a:noAutofit/>
-          </a:bodyPr>
-          <a:lstStyle/>
-          <a:p>
-            <a:pPr algn="ctr"/>
-            <a:endParaRPr lang="en-US" sz="3730"/>
-          </a:p>
-        </p:txBody>
-      </p:sp>
-      <p:cxnSp>
-        <p:nvCxnSpPr>
-          <p:cNvPr id="310" name="Straight Connector 309"/>
-          <p:cNvCxnSpPr>
-            <a:stCxn id="309" idx="1"/>
-            <a:endCxn id="238" idx="3"/>
-          </p:cNvCxnSpPr>
-          <p:nvPr/>
-        </p:nvCxnSpPr>
-        <p:spPr>
-          <a:xfrm flipH="1">
-            <a:off x="9906000" y="3810000"/>
-            <a:ext cx="4114800" cy="0"/>
-          </a:xfrm>
-          <a:prstGeom prst="line">
-            <a:avLst/>
-          </a:prstGeom>
-          <a:ln w="12700">
-            <a:solidFill>
-              <a:srgbClr val="000000"/>
-            </a:solidFill>
-            <a:headEnd type="none" w="med" len="med"/>
-            <a:tailEnd type="none" w="med" len="med"/>
-          </a:ln>
-        </p:spPr>
-        <p:style>
-          <a:lnRef idx="1">
-            <a:schemeClr val="accent1"/>
-          </a:lnRef>
-          <a:fillRef idx="0">
-            <a:schemeClr val="accent1"/>
-          </a:fillRef>
-          <a:effectRef idx="0">
-            <a:schemeClr val="accent1"/>
-          </a:effectRef>
-          <a:fontRef idx="minor">
-            <a:schemeClr val="tx1"/>
-          </a:fontRef>
-        </p:style>
-      </p:cxnSp>
-      <p:cxnSp>
-        <p:nvCxnSpPr>
-          <p:cNvPr id="312" name="Straight Connector 311"/>
-          <p:cNvCxnSpPr/>
-          <p:nvPr/>
-        </p:nvCxnSpPr>
-        <p:spPr>
-          <a:xfrm flipV="1">
-            <a:off x="9982200" y="3733800"/>
-            <a:ext cx="152400" cy="152400"/>
-          </a:xfrm>
-          <a:prstGeom prst="line">
-            <a:avLst/>
-          </a:prstGeom>
-          <a:ln w="12700">
-            <a:solidFill>
-              <a:srgbClr val="000000"/>
-            </a:solidFill>
-            <a:headEnd type="none" w="med" len="med"/>
-            <a:tailEnd type="none" w="med" len="med"/>
-          </a:ln>
-        </p:spPr>
-        <p:style>
-          <a:lnRef idx="1">
-            <a:schemeClr val="accent1"/>
-          </a:lnRef>
-          <a:fillRef idx="0">
-            <a:schemeClr val="accent1"/>
-          </a:fillRef>
-          <a:effectRef idx="0">
-            <a:schemeClr val="accent1"/>
-          </a:effectRef>
-          <a:fontRef idx="minor">
-            <a:schemeClr val="tx1"/>
-          </a:fontRef>
-        </p:style>
-      </p:cxnSp>
-      <p:sp>
-        <p:nvSpPr>
-          <p:cNvPr id="313" name="Rectangle 312"/>
-          <p:cNvSpPr/>
-          <p:nvPr/>
-        </p:nvSpPr>
-        <p:spPr>
-          <a:xfrm>
-            <a:off x="9982200" y="3657600"/>
-            <a:ext cx="152400" cy="76200"/>
-          </a:xfrm>
-          <a:prstGeom prst="rect">
-            <a:avLst/>
-          </a:prstGeom>
-          <a:noFill/>
-          <a:ln>
-            <a:noFill/>
-          </a:ln>
-        </p:spPr>
-        <p:style>
-          <a:lnRef idx="2">
-            <a:schemeClr val="accent1">
-              <a:shade val="50000"/>
-            </a:schemeClr>
-          </a:lnRef>
-          <a:fillRef idx="1">
-            <a:schemeClr val="accent1"/>
-          </a:fillRef>
-          <a:effectRef idx="0">
-            <a:schemeClr val="accent1"/>
-          </a:effectRef>
-          <a:fontRef idx="minor">
-            <a:schemeClr val="lt1"/>
-          </a:fontRef>
-        </p:style>
-        <p:txBody>
-          <a:bodyPr wrap="none" lIns="45720" rIns="45720" rtlCol="0" anchor="ctr"/>
-          <a:lstStyle/>
-          <a:p>
-            <a:pPr algn="ctr"/>
-            <a:r>
-              <a:rPr lang="en-US" sz="900" dirty="0">
-                <a:solidFill>
-                  <a:srgbClr val="000000"/>
-                </a:solidFill>
-                <a:latin typeface="Courier New" panose="02070309020205020404" pitchFamily="49" charset="0"/>
-                <a:cs typeface="Courier New" panose="02070309020205020404" pitchFamily="49" charset="0"/>
-              </a:rPr>
-              <a:t>14</a:t>
-            </a:r>
-            <a:endParaRPr lang="en-US" sz="900" dirty="0">
-              <a:solidFill>
-                <a:srgbClr val="000000"/>
-              </a:solidFill>
-              <a:latin typeface="Courier New" panose="02070309020205020404" pitchFamily="49" charset="0"/>
-              <a:cs typeface="Courier New" panose="02070309020205020404" pitchFamily="49" charset="0"/>
-            </a:endParaRPr>
-          </a:p>
-        </p:txBody>
-      </p:sp>
-      <p:sp>
-        <p:nvSpPr>
-          <p:cNvPr id="315" name="Rectangle 314"/>
-          <p:cNvSpPr/>
-          <p:nvPr/>
-        </p:nvSpPr>
-        <p:spPr>
-          <a:xfrm>
-            <a:off x="10210800" y="3657600"/>
-            <a:ext cx="457200" cy="152400"/>
-          </a:xfrm>
-          <a:prstGeom prst="rect">
-            <a:avLst/>
-          </a:prstGeom>
-          <a:noFill/>
-          <a:ln>
-            <a:noFill/>
-          </a:ln>
-        </p:spPr>
-        <p:style>
-          <a:lnRef idx="2">
-            <a:schemeClr val="accent1">
-              <a:shade val="50000"/>
-            </a:schemeClr>
-          </a:lnRef>
-          <a:fillRef idx="1">
-            <a:schemeClr val="accent1"/>
-          </a:fillRef>
-          <a:effectRef idx="0">
-            <a:schemeClr val="accent1"/>
-          </a:effectRef>
-          <a:fontRef idx="minor">
-            <a:schemeClr val="lt1"/>
-          </a:fontRef>
-        </p:style>
-        <p:txBody>
-          <a:bodyPr wrap="none" lIns="45720" rIns="45720" rtlCol="0" anchor="ctr"/>
-          <a:lstStyle/>
-          <a:p>
-            <a:r>
-              <a:rPr lang="en-US" sz="900" dirty="0" err="1">
-                <a:solidFill>
-                  <a:srgbClr val="000000"/>
-                </a:solidFill>
-                <a:latin typeface="Courier New" panose="02070309020205020404" pitchFamily="49" charset="0"/>
-                <a:cs typeface="Courier New" panose="02070309020205020404" pitchFamily="49" charset="0"/>
-              </a:rPr>
-              <a:t>scb_ctrl</a:t>
-            </a:r>
-            <a:endParaRPr lang="en-US" sz="900" dirty="0">
-              <a:solidFill>
-                <a:srgbClr val="000000"/>
-              </a:solidFill>
-              <a:latin typeface="Courier New" panose="02070309020205020404" pitchFamily="49" charset="0"/>
-              <a:cs typeface="Courier New" panose="02070309020205020404" pitchFamily="49" charset="0"/>
-            </a:endParaRPr>
-          </a:p>
-        </p:txBody>
-      </p:sp>
-      <p:sp>
-        <p:nvSpPr>
-          <p:cNvPr id="317" name="Rectangle 316"/>
-          <p:cNvSpPr/>
-          <p:nvPr/>
-        </p:nvSpPr>
-        <p:spPr>
-          <a:xfrm>
-            <a:off x="12877800" y="3657600"/>
-            <a:ext cx="457200" cy="152400"/>
-          </a:xfrm>
-          <a:prstGeom prst="rect">
-            <a:avLst/>
-          </a:prstGeom>
-          <a:noFill/>
-          <a:ln>
-            <a:noFill/>
-          </a:ln>
-        </p:spPr>
-        <p:style>
-          <a:lnRef idx="2">
-            <a:schemeClr val="accent1">
-              <a:shade val="50000"/>
-            </a:schemeClr>
-          </a:lnRef>
-          <a:fillRef idx="1">
-            <a:schemeClr val="accent1"/>
-          </a:fillRef>
-          <a:effectRef idx="0">
-            <a:schemeClr val="accent1"/>
-          </a:effectRef>
-          <a:fontRef idx="minor">
-            <a:schemeClr val="lt1"/>
-          </a:fontRef>
-        </p:style>
-        <p:txBody>
-          <a:bodyPr wrap="none" lIns="45720" rIns="45720" rtlCol="0" anchor="ctr"/>
-          <a:lstStyle/>
-          <a:p>
-            <a:r>
-              <a:rPr lang="en-US" sz="900" dirty="0">
-                <a:solidFill>
-                  <a:srgbClr val="000000"/>
-                </a:solidFill>
-                <a:latin typeface="Courier New" panose="02070309020205020404" pitchFamily="49" charset="0"/>
-                <a:cs typeface="Courier New" panose="02070309020205020404" pitchFamily="49" charset="0"/>
-              </a:rPr>
-              <a:t>SCB_*</a:t>
-            </a:r>
-            <a:endParaRPr lang="en-US" sz="900" dirty="0">
-              <a:solidFill>
-                <a:srgbClr val="000000"/>
-              </a:solidFill>
-              <a:latin typeface="Courier New" panose="02070309020205020404" pitchFamily="49" charset="0"/>
-              <a:cs typeface="Courier New" panose="02070309020205020404" pitchFamily="49" charset="0"/>
-            </a:endParaRPr>
-          </a:p>
-        </p:txBody>
-      </p:sp>
-      <p:cxnSp>
-        <p:nvCxnSpPr>
-          <p:cNvPr id="318" name="Straight Connector 317"/>
-          <p:cNvCxnSpPr/>
-          <p:nvPr/>
-        </p:nvCxnSpPr>
-        <p:spPr>
-          <a:xfrm>
-            <a:off x="8001000" y="3505200"/>
-            <a:ext cx="533400" cy="0"/>
-          </a:xfrm>
-          <a:prstGeom prst="line">
-            <a:avLst/>
-          </a:prstGeom>
-          <a:ln w="12700">
-            <a:solidFill>
-              <a:srgbClr val="000000"/>
-            </a:solidFill>
-            <a:headEnd type="none" w="med" len="med"/>
-            <a:tailEnd type="triangle" w="med" len="med"/>
-          </a:ln>
-        </p:spPr>
-        <p:style>
-          <a:lnRef idx="1">
-            <a:schemeClr val="accent1"/>
-          </a:lnRef>
-          <a:fillRef idx="0">
-            <a:schemeClr val="accent1"/>
-          </a:fillRef>
-          <a:effectRef idx="0">
-            <a:schemeClr val="accent1"/>
-          </a:effectRef>
-          <a:fontRef idx="minor">
-            <a:schemeClr val="tx1"/>
-          </a:fontRef>
-        </p:style>
-      </p:cxnSp>
-      <p:cxnSp>
-        <p:nvCxnSpPr>
-          <p:cNvPr id="319" name="Straight Connector 318"/>
-          <p:cNvCxnSpPr/>
-          <p:nvPr/>
-        </p:nvCxnSpPr>
-        <p:spPr>
-          <a:xfrm flipV="1">
-            <a:off x="8001000" y="3505200"/>
-            <a:ext cx="0" cy="1371600"/>
-          </a:xfrm>
-          <a:prstGeom prst="line">
-            <a:avLst/>
-          </a:prstGeom>
-          <a:ln w="12700">
-            <a:solidFill>
-              <a:srgbClr val="000000"/>
-            </a:solidFill>
-            <a:headEnd type="oval" w="med" len="med"/>
-            <a:tailEnd type="none" w="med" len="med"/>
-          </a:ln>
-        </p:spPr>
-        <p:style>
-          <a:lnRef idx="1">
-            <a:schemeClr val="accent1"/>
-          </a:lnRef>
-          <a:fillRef idx="0">
-            <a:schemeClr val="accent1"/>
-          </a:fillRef>
-          <a:effectRef idx="0">
-            <a:schemeClr val="accent1"/>
-          </a:effectRef>
-          <a:fontRef idx="minor">
-            <a:schemeClr val="tx1"/>
-          </a:fontRef>
-        </p:style>
-      </p:cxnSp>
-      <p:cxnSp>
-        <p:nvCxnSpPr>
-          <p:cNvPr id="320" name="Straight Connector 319"/>
-          <p:cNvCxnSpPr/>
-          <p:nvPr/>
-        </p:nvCxnSpPr>
-        <p:spPr>
-          <a:xfrm flipV="1">
-            <a:off x="8229600" y="3810000"/>
-            <a:ext cx="0" cy="1371600"/>
-          </a:xfrm>
-          <a:prstGeom prst="line">
-            <a:avLst/>
-          </a:prstGeom>
-          <a:ln w="12700">
-            <a:solidFill>
-              <a:srgbClr val="000000"/>
-            </a:solidFill>
-            <a:headEnd type="oval" w="med" len="med"/>
-            <a:tailEnd type="none" w="med" len="med"/>
-          </a:ln>
-        </p:spPr>
-        <p:style>
-          <a:lnRef idx="1">
-            <a:schemeClr val="accent1"/>
-          </a:lnRef>
-          <a:fillRef idx="0">
-            <a:schemeClr val="accent1"/>
-          </a:fillRef>
-          <a:effectRef idx="0">
-            <a:schemeClr val="accent1"/>
-          </a:effectRef>
-          <a:fontRef idx="minor">
-            <a:schemeClr val="tx1"/>
-          </a:fontRef>
-        </p:style>
-      </p:cxnSp>
-      <p:cxnSp>
-        <p:nvCxnSpPr>
-          <p:cNvPr id="321" name="Straight Connector 320"/>
-          <p:cNvCxnSpPr/>
-          <p:nvPr/>
-        </p:nvCxnSpPr>
-        <p:spPr>
-          <a:xfrm>
-            <a:off x="8229600" y="3810000"/>
-            <a:ext cx="304800" cy="0"/>
-          </a:xfrm>
-          <a:prstGeom prst="line">
-            <a:avLst/>
-          </a:prstGeom>
-          <a:ln w="12700">
-            <a:solidFill>
-              <a:srgbClr val="000000"/>
-            </a:solidFill>
-            <a:headEnd type="none" w="med" len="med"/>
-            <a:tailEnd type="triangle" w="med" len="med"/>
-          </a:ln>
-        </p:spPr>
-        <p:style>
-          <a:lnRef idx="1">
-            <a:schemeClr val="accent1"/>
-          </a:lnRef>
-          <a:fillRef idx="0">
-            <a:schemeClr val="accent1"/>
-          </a:fillRef>
-          <a:effectRef idx="0">
-            <a:schemeClr val="accent1"/>
-          </a:effectRef>
-          <a:fontRef idx="minor">
-            <a:schemeClr val="tx1"/>
-          </a:fontRef>
-        </p:style>
-      </p:cxnSp>
-      <p:sp>
-        <p:nvSpPr>
-          <p:cNvPr id="322" name="Rectangle 321"/>
-          <p:cNvSpPr/>
-          <p:nvPr/>
-        </p:nvSpPr>
-        <p:spPr>
-          <a:xfrm>
-            <a:off x="9448800" y="3276600"/>
-            <a:ext cx="457200" cy="152400"/>
-          </a:xfrm>
-          <a:prstGeom prst="rect">
-            <a:avLst/>
-          </a:prstGeom>
-          <a:noFill/>
-          <a:ln>
-            <a:noFill/>
-          </a:ln>
-        </p:spPr>
-        <p:style>
-          <a:lnRef idx="2">
-            <a:schemeClr val="accent1">
-              <a:shade val="50000"/>
-            </a:schemeClr>
-          </a:lnRef>
-          <a:fillRef idx="1">
-            <a:schemeClr val="accent1"/>
-          </a:fillRef>
-          <a:effectRef idx="0">
-            <a:schemeClr val="accent1"/>
-          </a:effectRef>
-          <a:fontRef idx="minor">
-            <a:schemeClr val="lt1"/>
-          </a:fontRef>
-        </p:style>
-        <p:txBody>
-          <a:bodyPr wrap="none" lIns="45720" rIns="45720" rtlCol="0" anchor="ctr"/>
-          <a:lstStyle/>
-          <a:p>
-            <a:pPr algn="r"/>
-            <a:r>
-              <a:rPr lang="en-US" sz="900" dirty="0">
-                <a:solidFill>
-                  <a:srgbClr val="000000"/>
-                </a:solidFill>
-                <a:latin typeface="Courier New" panose="02070309020205020404" pitchFamily="49" charset="0"/>
-                <a:cs typeface="Courier New" panose="02070309020205020404" pitchFamily="49" charset="0"/>
-              </a:rPr>
-              <a:t>SC_POR</a:t>
-            </a:r>
-            <a:endParaRPr lang="en-US" sz="900" dirty="0">
-              <a:solidFill>
-                <a:srgbClr val="000000"/>
-              </a:solidFill>
-              <a:latin typeface="Courier New" panose="02070309020205020404" pitchFamily="49" charset="0"/>
-              <a:cs typeface="Courier New" panose="02070309020205020404" pitchFamily="49" charset="0"/>
-            </a:endParaRPr>
-          </a:p>
-        </p:txBody>
-      </p:sp>
-      <p:sp>
-        <p:nvSpPr>
-          <p:cNvPr id="323" name="Pentagon 322"/>
-          <p:cNvSpPr/>
-          <p:nvPr/>
-        </p:nvSpPr>
-        <p:spPr>
-          <a:xfrm>
-            <a:off x="14020800" y="3276600"/>
-            <a:ext cx="228600" cy="152400"/>
-          </a:xfrm>
-          <a:prstGeom prst="homePlate">
-            <a:avLst/>
-          </a:prstGeom>
-          <a:noFill/>
-          <a:ln w="12700">
-            <a:solidFill>
-              <a:schemeClr val="tx1"/>
-            </a:solidFill>
-          </a:ln>
-        </p:spPr>
-        <p:style>
-          <a:lnRef idx="2">
-            <a:schemeClr val="accent1">
-              <a:shade val="50000"/>
-            </a:schemeClr>
-          </a:lnRef>
-          <a:fillRef idx="1">
-            <a:schemeClr val="accent1"/>
-          </a:fillRef>
-          <a:effectRef idx="0">
-            <a:schemeClr val="accent1"/>
-          </a:effectRef>
-          <a:fontRef idx="minor">
-            <a:schemeClr val="lt1"/>
-          </a:fontRef>
-        </p:style>
-        <p:txBody>
-          <a:bodyPr rot="0" spcFirstLastPara="0" vertOverflow="overflow" horzOverflow="overflow" vert="horz" wrap="square" lIns="91440" tIns="45720" rIns="91440" bIns="45720" numCol="1" spcCol="0" rtlCol="0" fromWordArt="0" anchor="ctr" anchorCtr="0" forceAA="0" compatLnSpc="1">
-            <a:prstTxWarp prst="textNoShape">
-              <a:avLst/>
-            </a:prstTxWarp>
-            <a:noAutofit/>
-          </a:bodyPr>
-          <a:lstStyle/>
-          <a:p>
-            <a:pPr algn="ctr"/>
-            <a:endParaRPr lang="en-US" sz="3730"/>
-          </a:p>
-        </p:txBody>
-      </p:sp>
-      <p:cxnSp>
-        <p:nvCxnSpPr>
-          <p:cNvPr id="325" name="Straight Connector 324"/>
-          <p:cNvCxnSpPr>
-            <a:stCxn id="323" idx="1"/>
-            <a:endCxn id="322" idx="3"/>
-          </p:cNvCxnSpPr>
-          <p:nvPr/>
-        </p:nvCxnSpPr>
-        <p:spPr>
-          <a:xfrm flipH="1">
-            <a:off x="9906000" y="3352800"/>
-            <a:ext cx="4114800" cy="0"/>
-          </a:xfrm>
-          <a:prstGeom prst="line">
-            <a:avLst/>
-          </a:prstGeom>
-          <a:ln w="12700">
-            <a:solidFill>
-              <a:srgbClr val="000000"/>
-            </a:solidFill>
-            <a:headEnd type="none" w="med" len="med"/>
-            <a:tailEnd type="none" w="med" len="med"/>
-          </a:ln>
-        </p:spPr>
-        <p:style>
-          <a:lnRef idx="1">
-            <a:schemeClr val="accent1"/>
-          </a:lnRef>
-          <a:fillRef idx="0">
-            <a:schemeClr val="accent1"/>
-          </a:fillRef>
-          <a:effectRef idx="0">
-            <a:schemeClr val="accent1"/>
-          </a:effectRef>
-          <a:fontRef idx="minor">
-            <a:schemeClr val="tx1"/>
-          </a:fontRef>
-        </p:style>
-      </p:cxnSp>
-      <p:cxnSp>
-        <p:nvCxnSpPr>
-          <p:cNvPr id="326" name="Straight Connector 325"/>
-          <p:cNvCxnSpPr/>
-          <p:nvPr/>
-        </p:nvCxnSpPr>
-        <p:spPr>
-          <a:xfrm flipV="1">
-            <a:off x="9982200" y="3276600"/>
-            <a:ext cx="152400" cy="152400"/>
-          </a:xfrm>
-          <a:prstGeom prst="line">
-            <a:avLst/>
-          </a:prstGeom>
-          <a:ln w="12700">
-            <a:solidFill>
-              <a:srgbClr val="000000"/>
-            </a:solidFill>
-            <a:headEnd type="none" w="med" len="med"/>
-            <a:tailEnd type="none" w="med" len="med"/>
-          </a:ln>
-        </p:spPr>
-        <p:style>
-          <a:lnRef idx="1">
-            <a:schemeClr val="accent1"/>
-          </a:lnRef>
-          <a:fillRef idx="0">
-            <a:schemeClr val="accent1"/>
-          </a:fillRef>
-          <a:effectRef idx="0">
-            <a:schemeClr val="accent1"/>
-          </a:effectRef>
-          <a:fontRef idx="minor">
-            <a:schemeClr val="tx1"/>
-          </a:fontRef>
-        </p:style>
-      </p:cxnSp>
-      <p:sp>
-        <p:nvSpPr>
-          <p:cNvPr id="328" name="Rectangle 327"/>
-          <p:cNvSpPr/>
-          <p:nvPr/>
-        </p:nvSpPr>
-        <p:spPr>
-          <a:xfrm>
-            <a:off x="9982200" y="3200400"/>
-            <a:ext cx="152400" cy="76200"/>
-          </a:xfrm>
-          <a:prstGeom prst="rect">
-            <a:avLst/>
-          </a:prstGeom>
-          <a:noFill/>
-          <a:ln>
-            <a:noFill/>
-          </a:ln>
-        </p:spPr>
-        <p:style>
-          <a:lnRef idx="2">
-            <a:schemeClr val="accent1">
-              <a:shade val="50000"/>
-            </a:schemeClr>
-          </a:lnRef>
-          <a:fillRef idx="1">
-            <a:schemeClr val="accent1"/>
-          </a:fillRef>
-          <a:effectRef idx="0">
-            <a:schemeClr val="accent1"/>
-          </a:effectRef>
-          <a:fontRef idx="minor">
-            <a:schemeClr val="lt1"/>
-          </a:fontRef>
-        </p:style>
-        <p:txBody>
-          <a:bodyPr wrap="none" lIns="45720" rIns="45720" rtlCol="0" anchor="ctr"/>
-          <a:lstStyle/>
-          <a:p>
-            <a:pPr algn="ctr"/>
-            <a:r>
-              <a:rPr lang="en-US" sz="900" dirty="0">
-                <a:solidFill>
-                  <a:srgbClr val="000000"/>
-                </a:solidFill>
-                <a:latin typeface="Courier New" panose="02070309020205020404" pitchFamily="49" charset="0"/>
-                <a:cs typeface="Courier New" panose="02070309020205020404" pitchFamily="49" charset="0"/>
-              </a:rPr>
-              <a:t>1</a:t>
-            </a:r>
-            <a:endParaRPr lang="en-US" sz="900" dirty="0">
-              <a:solidFill>
-                <a:srgbClr val="000000"/>
-              </a:solidFill>
-              <a:latin typeface="Courier New" panose="02070309020205020404" pitchFamily="49" charset="0"/>
-              <a:cs typeface="Courier New" panose="02070309020205020404" pitchFamily="49" charset="0"/>
-            </a:endParaRPr>
-          </a:p>
-        </p:txBody>
-      </p:sp>
-      <p:sp>
-        <p:nvSpPr>
-          <p:cNvPr id="335" name="Rectangle 334"/>
-          <p:cNvSpPr/>
-          <p:nvPr/>
-        </p:nvSpPr>
-        <p:spPr>
-          <a:xfrm>
-            <a:off x="12877800" y="3200400"/>
-            <a:ext cx="457200" cy="152400"/>
-          </a:xfrm>
-          <a:prstGeom prst="rect">
-            <a:avLst/>
-          </a:prstGeom>
-          <a:noFill/>
-          <a:ln>
-            <a:noFill/>
-          </a:ln>
-        </p:spPr>
-        <p:style>
-          <a:lnRef idx="2">
-            <a:schemeClr val="accent1">
-              <a:shade val="50000"/>
-            </a:schemeClr>
-          </a:lnRef>
-          <a:fillRef idx="1">
-            <a:schemeClr val="accent1"/>
-          </a:fillRef>
-          <a:effectRef idx="0">
-            <a:schemeClr val="accent1"/>
-          </a:effectRef>
-          <a:fontRef idx="minor">
-            <a:schemeClr val="lt1"/>
-          </a:fontRef>
-        </p:style>
-        <p:txBody>
-          <a:bodyPr wrap="none" lIns="45720" rIns="45720" rtlCol="0" anchor="ctr"/>
-          <a:lstStyle/>
-          <a:p>
-            <a:r>
-              <a:rPr lang="en-US" sz="900" dirty="0">
-                <a:solidFill>
-                  <a:srgbClr val="000000"/>
-                </a:solidFill>
-                <a:latin typeface="Courier New" panose="02070309020205020404" pitchFamily="49" charset="0"/>
-                <a:cs typeface="Courier New" panose="02070309020205020404" pitchFamily="49" charset="0"/>
-              </a:rPr>
-              <a:t>SC_POR</a:t>
-            </a:r>
-            <a:endParaRPr lang="en-US" sz="900" dirty="0">
-              <a:solidFill>
-                <a:srgbClr val="000000"/>
-              </a:solidFill>
-              <a:latin typeface="Courier New" panose="02070309020205020404" pitchFamily="49" charset="0"/>
-              <a:cs typeface="Courier New" panose="02070309020205020404" pitchFamily="49" charset="0"/>
-            </a:endParaRPr>
-          </a:p>
-        </p:txBody>
-      </p:sp>
-      <p:sp>
-        <p:nvSpPr>
-          <p:cNvPr id="336" name="Rectangle 335"/>
-          <p:cNvSpPr/>
-          <p:nvPr/>
-        </p:nvSpPr>
-        <p:spPr>
-          <a:xfrm>
-            <a:off x="9448800" y="2438400"/>
-            <a:ext cx="457200" cy="152400"/>
-          </a:xfrm>
-          <a:prstGeom prst="rect">
-            <a:avLst/>
-          </a:prstGeom>
-          <a:noFill/>
-          <a:ln>
-            <a:noFill/>
-          </a:ln>
-        </p:spPr>
-        <p:style>
-          <a:lnRef idx="2">
-            <a:schemeClr val="accent1">
-              <a:shade val="50000"/>
-            </a:schemeClr>
-          </a:lnRef>
-          <a:fillRef idx="1">
-            <a:schemeClr val="accent1"/>
-          </a:fillRef>
-          <a:effectRef idx="0">
-            <a:schemeClr val="accent1"/>
-          </a:effectRef>
-          <a:fontRef idx="minor">
-            <a:schemeClr val="lt1"/>
-          </a:fontRef>
-        </p:style>
-        <p:txBody>
-          <a:bodyPr wrap="none" lIns="45720" rIns="45720" rtlCol="0" anchor="ctr"/>
-          <a:lstStyle/>
-          <a:p>
-            <a:pPr algn="r"/>
-            <a:r>
-              <a:rPr lang="en-US" sz="900" dirty="0">
-                <a:solidFill>
-                  <a:srgbClr val="000000"/>
-                </a:solidFill>
-                <a:latin typeface="Courier New" panose="02070309020205020404" pitchFamily="49" charset="0"/>
-                <a:cs typeface="Courier New" panose="02070309020205020404" pitchFamily="49" charset="0"/>
-              </a:rPr>
-              <a:t>ST_POR</a:t>
-            </a:r>
-            <a:endParaRPr lang="en-US" sz="900" dirty="0">
-              <a:solidFill>
-                <a:srgbClr val="000000"/>
-              </a:solidFill>
-              <a:latin typeface="Courier New" panose="02070309020205020404" pitchFamily="49" charset="0"/>
-              <a:cs typeface="Courier New" panose="02070309020205020404" pitchFamily="49" charset="0"/>
-            </a:endParaRPr>
-          </a:p>
-        </p:txBody>
-      </p:sp>
-      <p:sp>
-        <p:nvSpPr>
-          <p:cNvPr id="337" name="Pentagon 336"/>
-          <p:cNvSpPr/>
-          <p:nvPr/>
-        </p:nvSpPr>
-        <p:spPr>
-          <a:xfrm>
-            <a:off x="14020800" y="2438400"/>
-            <a:ext cx="228600" cy="152400"/>
-          </a:xfrm>
-          <a:prstGeom prst="homePlate">
-            <a:avLst/>
-          </a:prstGeom>
-          <a:noFill/>
-          <a:ln w="12700">
-            <a:solidFill>
-              <a:schemeClr val="tx1"/>
-            </a:solidFill>
-          </a:ln>
-        </p:spPr>
-        <p:style>
-          <a:lnRef idx="2">
-            <a:schemeClr val="accent1">
-              <a:shade val="50000"/>
-            </a:schemeClr>
-          </a:lnRef>
-          <a:fillRef idx="1">
-            <a:schemeClr val="accent1"/>
-          </a:fillRef>
-          <a:effectRef idx="0">
-            <a:schemeClr val="accent1"/>
-          </a:effectRef>
-          <a:fontRef idx="minor">
-            <a:schemeClr val="lt1"/>
-          </a:fontRef>
-        </p:style>
-        <p:txBody>
-          <a:bodyPr rot="0" spcFirstLastPara="0" vertOverflow="overflow" horzOverflow="overflow" vert="horz" wrap="square" lIns="91440" tIns="45720" rIns="91440" bIns="45720" numCol="1" spcCol="0" rtlCol="0" fromWordArt="0" anchor="ctr" anchorCtr="0" forceAA="0" compatLnSpc="1">
-            <a:prstTxWarp prst="textNoShape">
-              <a:avLst/>
-            </a:prstTxWarp>
-            <a:noAutofit/>
-          </a:bodyPr>
-          <a:lstStyle/>
-          <a:p>
-            <a:pPr algn="ctr"/>
-            <a:endParaRPr lang="en-US" sz="3730"/>
-          </a:p>
-        </p:txBody>
-      </p:sp>
-      <p:cxnSp>
-        <p:nvCxnSpPr>
-          <p:cNvPr id="340" name="Straight Connector 339"/>
-          <p:cNvCxnSpPr>
-            <a:stCxn id="337" idx="1"/>
-            <a:endCxn id="336" idx="3"/>
-          </p:cNvCxnSpPr>
-          <p:nvPr/>
-        </p:nvCxnSpPr>
-        <p:spPr>
-          <a:xfrm flipH="1">
-            <a:off x="9906000" y="2514600"/>
-            <a:ext cx="4114800" cy="0"/>
-          </a:xfrm>
-          <a:prstGeom prst="line">
-            <a:avLst/>
-          </a:prstGeom>
-          <a:ln w="12700">
-            <a:solidFill>
-              <a:srgbClr val="000000"/>
-            </a:solidFill>
-            <a:headEnd type="none" w="med" len="med"/>
-            <a:tailEnd type="none" w="med" len="med"/>
-          </a:ln>
-        </p:spPr>
-        <p:style>
-          <a:lnRef idx="1">
-            <a:schemeClr val="accent1"/>
-          </a:lnRef>
-          <a:fillRef idx="0">
-            <a:schemeClr val="accent1"/>
-          </a:fillRef>
-          <a:effectRef idx="0">
-            <a:schemeClr val="accent1"/>
-          </a:effectRef>
-          <a:fontRef idx="minor">
-            <a:schemeClr val="tx1"/>
-          </a:fontRef>
-        </p:style>
-      </p:cxnSp>
-      <p:cxnSp>
-        <p:nvCxnSpPr>
-          <p:cNvPr id="347" name="Straight Connector 346"/>
-          <p:cNvCxnSpPr/>
-          <p:nvPr/>
-        </p:nvCxnSpPr>
-        <p:spPr>
-          <a:xfrm flipV="1">
-            <a:off x="9982200" y="2438400"/>
-            <a:ext cx="152400" cy="152400"/>
-          </a:xfrm>
-          <a:prstGeom prst="line">
-            <a:avLst/>
-          </a:prstGeom>
-          <a:ln w="12700">
-            <a:solidFill>
-              <a:srgbClr val="000000"/>
-            </a:solidFill>
-            <a:headEnd type="none" w="med" len="med"/>
-            <a:tailEnd type="none" w="med" len="med"/>
-          </a:ln>
-        </p:spPr>
-        <p:style>
-          <a:lnRef idx="1">
-            <a:schemeClr val="accent1"/>
-          </a:lnRef>
-          <a:fillRef idx="0">
-            <a:schemeClr val="accent1"/>
-          </a:fillRef>
-          <a:effectRef idx="0">
-            <a:schemeClr val="accent1"/>
-          </a:effectRef>
-          <a:fontRef idx="minor">
-            <a:schemeClr val="tx1"/>
-          </a:fontRef>
-        </p:style>
-      </p:cxnSp>
-      <p:sp>
-        <p:nvSpPr>
-          <p:cNvPr id="348" name="Rectangle 347"/>
-          <p:cNvSpPr/>
-          <p:nvPr/>
-        </p:nvSpPr>
-        <p:spPr>
-          <a:xfrm>
-            <a:off x="9982200" y="2362200"/>
-            <a:ext cx="152400" cy="76200"/>
-          </a:xfrm>
-          <a:prstGeom prst="rect">
-            <a:avLst/>
-          </a:prstGeom>
-          <a:noFill/>
-          <a:ln>
-            <a:noFill/>
-          </a:ln>
-        </p:spPr>
-        <p:style>
-          <a:lnRef idx="2">
-            <a:schemeClr val="accent1">
-              <a:shade val="50000"/>
-            </a:schemeClr>
-          </a:lnRef>
-          <a:fillRef idx="1">
-            <a:schemeClr val="accent1"/>
-          </a:fillRef>
-          <a:effectRef idx="0">
-            <a:schemeClr val="accent1"/>
-          </a:effectRef>
-          <a:fontRef idx="minor">
-            <a:schemeClr val="lt1"/>
-          </a:fontRef>
-        </p:style>
-        <p:txBody>
-          <a:bodyPr wrap="none" lIns="45720" rIns="45720" rtlCol="0" anchor="ctr"/>
-          <a:lstStyle/>
-          <a:p>
-            <a:pPr algn="ctr"/>
-            <a:r>
-              <a:rPr lang="en-US" sz="900" dirty="0">
-                <a:solidFill>
-                  <a:srgbClr val="000000"/>
-                </a:solidFill>
-                <a:latin typeface="Courier New" panose="02070309020205020404" pitchFamily="49" charset="0"/>
-                <a:cs typeface="Courier New" panose="02070309020205020404" pitchFamily="49" charset="0"/>
-              </a:rPr>
-              <a:t>1</a:t>
-            </a:r>
-            <a:endParaRPr lang="en-US" sz="900" dirty="0">
-              <a:solidFill>
-                <a:srgbClr val="000000"/>
-              </a:solidFill>
-              <a:latin typeface="Courier New" panose="02070309020205020404" pitchFamily="49" charset="0"/>
-              <a:cs typeface="Courier New" panose="02070309020205020404" pitchFamily="49" charset="0"/>
-            </a:endParaRPr>
-          </a:p>
-        </p:txBody>
-      </p:sp>
-      <p:sp>
-        <p:nvSpPr>
-          <p:cNvPr id="349" name="Rectangle 348"/>
-          <p:cNvSpPr/>
-          <p:nvPr/>
-        </p:nvSpPr>
-        <p:spPr>
-          <a:xfrm>
-            <a:off x="12877800" y="2362200"/>
-            <a:ext cx="457200" cy="152400"/>
-          </a:xfrm>
-          <a:prstGeom prst="rect">
-            <a:avLst/>
-          </a:prstGeom>
-          <a:noFill/>
-          <a:ln>
-            <a:noFill/>
-          </a:ln>
-        </p:spPr>
-        <p:style>
-          <a:lnRef idx="2">
-            <a:schemeClr val="accent1">
-              <a:shade val="50000"/>
-            </a:schemeClr>
-          </a:lnRef>
-          <a:fillRef idx="1">
-            <a:schemeClr val="accent1"/>
-          </a:fillRef>
-          <a:effectRef idx="0">
-            <a:schemeClr val="accent1"/>
-          </a:effectRef>
-          <a:fontRef idx="minor">
-            <a:schemeClr val="lt1"/>
-          </a:fontRef>
-        </p:style>
-        <p:txBody>
-          <a:bodyPr wrap="none" lIns="45720" rIns="45720" rtlCol="0" anchor="ctr"/>
-          <a:lstStyle/>
-          <a:p>
-            <a:r>
-              <a:rPr lang="en-US" sz="900" dirty="0">
-                <a:solidFill>
-                  <a:srgbClr val="000000"/>
-                </a:solidFill>
-                <a:latin typeface="Courier New" panose="02070309020205020404" pitchFamily="49" charset="0"/>
-                <a:cs typeface="Courier New" panose="02070309020205020404" pitchFamily="49" charset="0"/>
-              </a:rPr>
-              <a:t>ST_POR</a:t>
-            </a:r>
-            <a:endParaRPr lang="en-US" sz="900" dirty="0">
-              <a:solidFill>
-                <a:srgbClr val="000000"/>
-              </a:solidFill>
-              <a:latin typeface="Courier New" panose="02070309020205020404" pitchFamily="49" charset="0"/>
-              <a:cs typeface="Courier New" panose="02070309020205020404" pitchFamily="49" charset="0"/>
-            </a:endParaRPr>
-          </a:p>
-        </p:txBody>
-      </p:sp>
-      <p:sp>
-        <p:nvSpPr>
-          <p:cNvPr id="350" name="Rectangle 349"/>
-          <p:cNvSpPr/>
-          <p:nvPr/>
-        </p:nvSpPr>
-        <p:spPr>
-          <a:xfrm>
-            <a:off x="9448800" y="1600200"/>
-            <a:ext cx="457200" cy="152400"/>
-          </a:xfrm>
-          <a:prstGeom prst="rect">
-            <a:avLst/>
-          </a:prstGeom>
-          <a:noFill/>
-          <a:ln>
-            <a:noFill/>
-          </a:ln>
-        </p:spPr>
-        <p:style>
-          <a:lnRef idx="2">
-            <a:schemeClr val="accent1">
-              <a:shade val="50000"/>
-            </a:schemeClr>
-          </a:lnRef>
-          <a:fillRef idx="1">
-            <a:schemeClr val="accent1"/>
-          </a:fillRef>
-          <a:effectRef idx="0">
-            <a:schemeClr val="accent1"/>
-          </a:effectRef>
-          <a:fontRef idx="minor">
-            <a:schemeClr val="lt1"/>
-          </a:fontRef>
-        </p:style>
-        <p:txBody>
-          <a:bodyPr wrap="none" lIns="45720" rIns="45720" rtlCol="0" anchor="ctr"/>
-          <a:lstStyle/>
-          <a:p>
-            <a:pPr algn="r"/>
-            <a:r>
-              <a:rPr lang="en-US" sz="900" dirty="0">
-                <a:solidFill>
-                  <a:srgbClr val="000000"/>
-                </a:solidFill>
-                <a:latin typeface="Courier New" panose="02070309020205020404" pitchFamily="49" charset="0"/>
-                <a:cs typeface="Courier New" panose="02070309020205020404" pitchFamily="49" charset="0"/>
-              </a:rPr>
-              <a:t>ET_POR</a:t>
-            </a:r>
-            <a:endParaRPr lang="en-US" sz="900" dirty="0">
-              <a:solidFill>
-                <a:srgbClr val="000000"/>
-              </a:solidFill>
-              <a:latin typeface="Courier New" panose="02070309020205020404" pitchFamily="49" charset="0"/>
-              <a:cs typeface="Courier New" panose="02070309020205020404" pitchFamily="49" charset="0"/>
-            </a:endParaRPr>
-          </a:p>
-        </p:txBody>
-      </p:sp>
-      <p:sp>
-        <p:nvSpPr>
-          <p:cNvPr id="351" name="Pentagon 350"/>
-          <p:cNvSpPr/>
-          <p:nvPr/>
-        </p:nvSpPr>
-        <p:spPr>
-          <a:xfrm>
-            <a:off x="14020800" y="1600200"/>
-            <a:ext cx="228600" cy="152400"/>
-          </a:xfrm>
-          <a:prstGeom prst="homePlate">
-            <a:avLst/>
-          </a:prstGeom>
-          <a:noFill/>
-          <a:ln w="12700">
-            <a:solidFill>
-              <a:schemeClr val="tx1"/>
-            </a:solidFill>
-          </a:ln>
-        </p:spPr>
-        <p:style>
-          <a:lnRef idx="2">
-            <a:schemeClr val="accent1">
-              <a:shade val="50000"/>
-            </a:schemeClr>
-          </a:lnRef>
-          <a:fillRef idx="1">
-            <a:schemeClr val="accent1"/>
-          </a:fillRef>
-          <a:effectRef idx="0">
-            <a:schemeClr val="accent1"/>
-          </a:effectRef>
-          <a:fontRef idx="minor">
-            <a:schemeClr val="lt1"/>
-          </a:fontRef>
-        </p:style>
-        <p:txBody>
-          <a:bodyPr rot="0" spcFirstLastPara="0" vertOverflow="overflow" horzOverflow="overflow" vert="horz" wrap="square" lIns="91440" tIns="45720" rIns="91440" bIns="45720" numCol="1" spcCol="0" rtlCol="0" fromWordArt="0" anchor="ctr" anchorCtr="0" forceAA="0" compatLnSpc="1">
-            <a:prstTxWarp prst="textNoShape">
-              <a:avLst/>
-            </a:prstTxWarp>
-            <a:noAutofit/>
-          </a:bodyPr>
-          <a:lstStyle/>
-          <a:p>
-            <a:pPr algn="ctr"/>
-            <a:endParaRPr lang="en-US" sz="3730"/>
-          </a:p>
-        </p:txBody>
-      </p:sp>
-      <p:cxnSp>
-        <p:nvCxnSpPr>
-          <p:cNvPr id="352" name="Straight Connector 351"/>
-          <p:cNvCxnSpPr>
-            <a:stCxn id="351" idx="1"/>
-            <a:endCxn id="350" idx="3"/>
-          </p:cNvCxnSpPr>
-          <p:nvPr/>
-        </p:nvCxnSpPr>
-        <p:spPr>
-          <a:xfrm flipH="1">
-            <a:off x="9906000" y="1676400"/>
-            <a:ext cx="4114800" cy="0"/>
-          </a:xfrm>
-          <a:prstGeom prst="line">
-            <a:avLst/>
-          </a:prstGeom>
-          <a:ln w="12700">
-            <a:solidFill>
-              <a:srgbClr val="000000"/>
-            </a:solidFill>
-            <a:headEnd type="none" w="med" len="med"/>
-            <a:tailEnd type="none" w="med" len="med"/>
-          </a:ln>
-        </p:spPr>
-        <p:style>
-          <a:lnRef idx="1">
-            <a:schemeClr val="accent1"/>
-          </a:lnRef>
-          <a:fillRef idx="0">
-            <a:schemeClr val="accent1"/>
-          </a:fillRef>
-          <a:effectRef idx="0">
-            <a:schemeClr val="accent1"/>
-          </a:effectRef>
-          <a:fontRef idx="minor">
-            <a:schemeClr val="tx1"/>
-          </a:fontRef>
-        </p:style>
-      </p:cxnSp>
-      <p:cxnSp>
-        <p:nvCxnSpPr>
-          <p:cNvPr id="353" name="Straight Connector 352"/>
-          <p:cNvCxnSpPr/>
-          <p:nvPr/>
-        </p:nvCxnSpPr>
-        <p:spPr>
-          <a:xfrm flipV="1">
-            <a:off x="9982200" y="1600200"/>
-            <a:ext cx="152400" cy="152400"/>
-          </a:xfrm>
-          <a:prstGeom prst="line">
-            <a:avLst/>
-          </a:prstGeom>
-          <a:ln w="12700">
-            <a:solidFill>
-              <a:srgbClr val="000000"/>
-            </a:solidFill>
-            <a:headEnd type="none" w="med" len="med"/>
-            <a:tailEnd type="none" w="med" len="med"/>
-          </a:ln>
-        </p:spPr>
-        <p:style>
-          <a:lnRef idx="1">
-            <a:schemeClr val="accent1"/>
-          </a:lnRef>
-          <a:fillRef idx="0">
-            <a:schemeClr val="accent1"/>
-          </a:fillRef>
-          <a:effectRef idx="0">
-            <a:schemeClr val="accent1"/>
-          </a:effectRef>
-          <a:fontRef idx="minor">
-            <a:schemeClr val="tx1"/>
-          </a:fontRef>
-        </p:style>
-      </p:cxnSp>
-      <p:sp>
-        <p:nvSpPr>
-          <p:cNvPr id="354" name="Rectangle 353"/>
-          <p:cNvSpPr/>
-          <p:nvPr/>
-        </p:nvSpPr>
-        <p:spPr>
-          <a:xfrm>
-            <a:off x="9982200" y="1524000"/>
-            <a:ext cx="152400" cy="76200"/>
-          </a:xfrm>
-          <a:prstGeom prst="rect">
-            <a:avLst/>
-          </a:prstGeom>
-          <a:noFill/>
-          <a:ln>
-            <a:noFill/>
-          </a:ln>
-        </p:spPr>
-        <p:style>
-          <a:lnRef idx="2">
-            <a:schemeClr val="accent1">
-              <a:shade val="50000"/>
-            </a:schemeClr>
-          </a:lnRef>
-          <a:fillRef idx="1">
-            <a:schemeClr val="accent1"/>
-          </a:fillRef>
-          <a:effectRef idx="0">
-            <a:schemeClr val="accent1"/>
-          </a:effectRef>
-          <a:fontRef idx="minor">
-            <a:schemeClr val="lt1"/>
-          </a:fontRef>
-        </p:style>
-        <p:txBody>
-          <a:bodyPr wrap="none" lIns="45720" rIns="45720" rtlCol="0" anchor="ctr"/>
-          <a:lstStyle/>
-          <a:p>
-            <a:pPr algn="ctr"/>
-            <a:r>
-              <a:rPr lang="en-US" sz="900" dirty="0">
-                <a:solidFill>
-                  <a:srgbClr val="000000"/>
-                </a:solidFill>
-                <a:latin typeface="Courier New" panose="02070309020205020404" pitchFamily="49" charset="0"/>
-                <a:cs typeface="Courier New" panose="02070309020205020404" pitchFamily="49" charset="0"/>
-              </a:rPr>
-              <a:t>1</a:t>
-            </a:r>
-            <a:endParaRPr lang="en-US" sz="900" dirty="0">
-              <a:solidFill>
-                <a:srgbClr val="000000"/>
-              </a:solidFill>
-              <a:latin typeface="Courier New" panose="02070309020205020404" pitchFamily="49" charset="0"/>
-              <a:cs typeface="Courier New" panose="02070309020205020404" pitchFamily="49" charset="0"/>
-            </a:endParaRPr>
-          </a:p>
-        </p:txBody>
-      </p:sp>
-      <p:sp>
-        <p:nvSpPr>
-          <p:cNvPr id="355" name="Rectangle 354"/>
-          <p:cNvSpPr/>
-          <p:nvPr/>
-        </p:nvSpPr>
-        <p:spPr>
-          <a:xfrm>
-            <a:off x="12877800" y="1524000"/>
-            <a:ext cx="457200" cy="152400"/>
-          </a:xfrm>
-          <a:prstGeom prst="rect">
-            <a:avLst/>
-          </a:prstGeom>
-          <a:noFill/>
-          <a:ln>
-            <a:noFill/>
-          </a:ln>
-        </p:spPr>
-        <p:style>
-          <a:lnRef idx="2">
-            <a:schemeClr val="accent1">
-              <a:shade val="50000"/>
-            </a:schemeClr>
-          </a:lnRef>
-          <a:fillRef idx="1">
-            <a:schemeClr val="accent1"/>
-          </a:fillRef>
-          <a:effectRef idx="0">
-            <a:schemeClr val="accent1"/>
-          </a:effectRef>
-          <a:fontRef idx="minor">
-            <a:schemeClr val="lt1"/>
-          </a:fontRef>
-        </p:style>
-        <p:txBody>
-          <a:bodyPr wrap="none" lIns="45720" rIns="45720" rtlCol="0" anchor="ctr"/>
-          <a:lstStyle/>
-          <a:p>
-            <a:r>
-              <a:rPr lang="en-US" sz="900" dirty="0">
-                <a:solidFill>
-                  <a:srgbClr val="000000"/>
-                </a:solidFill>
-                <a:latin typeface="Courier New" panose="02070309020205020404" pitchFamily="49" charset="0"/>
-                <a:cs typeface="Courier New" panose="02070309020205020404" pitchFamily="49" charset="0"/>
-              </a:rPr>
-              <a:t>ET_POR</a:t>
-            </a:r>
-            <a:endParaRPr lang="en-US" sz="900" dirty="0">
-              <a:solidFill>
-                <a:srgbClr val="000000"/>
-              </a:solidFill>
-              <a:latin typeface="Courier New" panose="02070309020205020404" pitchFamily="49" charset="0"/>
-              <a:cs typeface="Courier New" panose="02070309020205020404" pitchFamily="49" charset="0"/>
-            </a:endParaRPr>
-          </a:p>
-        </p:txBody>
-      </p:sp>
-      <p:sp>
-        <p:nvSpPr>
-          <p:cNvPr id="356" name="Rectangle 355"/>
-          <p:cNvSpPr/>
-          <p:nvPr/>
-        </p:nvSpPr>
-        <p:spPr>
-          <a:xfrm>
-            <a:off x="9448800" y="762000"/>
-            <a:ext cx="457200" cy="152400"/>
-          </a:xfrm>
-          <a:prstGeom prst="rect">
-            <a:avLst/>
-          </a:prstGeom>
-          <a:noFill/>
-          <a:ln>
-            <a:noFill/>
-          </a:ln>
-        </p:spPr>
-        <p:style>
-          <a:lnRef idx="2">
-            <a:schemeClr val="accent1">
-              <a:shade val="50000"/>
-            </a:schemeClr>
-          </a:lnRef>
-          <a:fillRef idx="1">
-            <a:schemeClr val="accent1"/>
-          </a:fillRef>
-          <a:effectRef idx="0">
-            <a:schemeClr val="accent1"/>
-          </a:effectRef>
-          <a:fontRef idx="minor">
-            <a:schemeClr val="lt1"/>
-          </a:fontRef>
-        </p:style>
-        <p:txBody>
-          <a:bodyPr wrap="none" lIns="45720" rIns="45720" rtlCol="0" anchor="ctr"/>
-          <a:lstStyle/>
-          <a:p>
-            <a:pPr algn="r"/>
-            <a:r>
-              <a:rPr lang="en-US" sz="900" dirty="0">
-                <a:solidFill>
-                  <a:srgbClr val="000000"/>
-                </a:solidFill>
-                <a:latin typeface="Courier New" panose="02070309020205020404" pitchFamily="49" charset="0"/>
-                <a:cs typeface="Courier New" panose="02070309020205020404" pitchFamily="49" charset="0"/>
-              </a:rPr>
-              <a:t>NT_POR</a:t>
-            </a:r>
-            <a:endParaRPr lang="en-US" sz="900" dirty="0">
-              <a:solidFill>
-                <a:srgbClr val="000000"/>
-              </a:solidFill>
-              <a:latin typeface="Courier New" panose="02070309020205020404" pitchFamily="49" charset="0"/>
-              <a:cs typeface="Courier New" panose="02070309020205020404" pitchFamily="49" charset="0"/>
-            </a:endParaRPr>
-          </a:p>
-        </p:txBody>
-      </p:sp>
-      <p:sp>
-        <p:nvSpPr>
-          <p:cNvPr id="357" name="Pentagon 356"/>
-          <p:cNvSpPr/>
-          <p:nvPr/>
-        </p:nvSpPr>
-        <p:spPr>
-          <a:xfrm>
-            <a:off x="14020800" y="762000"/>
-            <a:ext cx="228600" cy="152400"/>
-          </a:xfrm>
-          <a:prstGeom prst="homePlate">
-            <a:avLst/>
-          </a:prstGeom>
-          <a:noFill/>
-          <a:ln w="12700">
-            <a:solidFill>
-              <a:schemeClr val="tx1"/>
-            </a:solidFill>
-          </a:ln>
-        </p:spPr>
-        <p:style>
-          <a:lnRef idx="2">
-            <a:schemeClr val="accent1">
-              <a:shade val="50000"/>
-            </a:schemeClr>
-          </a:lnRef>
-          <a:fillRef idx="1">
-            <a:schemeClr val="accent1"/>
-          </a:fillRef>
-          <a:effectRef idx="0">
-            <a:schemeClr val="accent1"/>
-          </a:effectRef>
-          <a:fontRef idx="minor">
-            <a:schemeClr val="lt1"/>
-          </a:fontRef>
-        </p:style>
-        <p:txBody>
-          <a:bodyPr rot="0" spcFirstLastPara="0" vertOverflow="overflow" horzOverflow="overflow" vert="horz" wrap="square" lIns="91440" tIns="45720" rIns="91440" bIns="45720" numCol="1" spcCol="0" rtlCol="0" fromWordArt="0" anchor="ctr" anchorCtr="0" forceAA="0" compatLnSpc="1">
-            <a:prstTxWarp prst="textNoShape">
-              <a:avLst/>
-            </a:prstTxWarp>
-            <a:noAutofit/>
-          </a:bodyPr>
-          <a:lstStyle/>
-          <a:p>
-            <a:pPr algn="ctr"/>
-            <a:endParaRPr lang="en-US" sz="3730"/>
-          </a:p>
-        </p:txBody>
-      </p:sp>
-      <p:cxnSp>
-        <p:nvCxnSpPr>
-          <p:cNvPr id="358" name="Straight Connector 357"/>
-          <p:cNvCxnSpPr>
-            <a:stCxn id="357" idx="1"/>
-            <a:endCxn id="356" idx="3"/>
-          </p:cNvCxnSpPr>
-          <p:nvPr/>
-        </p:nvCxnSpPr>
-        <p:spPr>
-          <a:xfrm flipH="1">
-            <a:off x="9906000" y="838200"/>
-            <a:ext cx="4114800" cy="0"/>
-          </a:xfrm>
-          <a:prstGeom prst="line">
-            <a:avLst/>
-          </a:prstGeom>
-          <a:ln w="12700">
-            <a:solidFill>
-              <a:srgbClr val="000000"/>
-            </a:solidFill>
-            <a:headEnd type="none" w="med" len="med"/>
-            <a:tailEnd type="none" w="med" len="med"/>
-          </a:ln>
-        </p:spPr>
-        <p:style>
-          <a:lnRef idx="1">
-            <a:schemeClr val="accent1"/>
-          </a:lnRef>
-          <a:fillRef idx="0">
-            <a:schemeClr val="accent1"/>
-          </a:fillRef>
-          <a:effectRef idx="0">
-            <a:schemeClr val="accent1"/>
-          </a:effectRef>
-          <a:fontRef idx="minor">
-            <a:schemeClr val="tx1"/>
-          </a:fontRef>
-        </p:style>
-      </p:cxnSp>
-      <p:cxnSp>
-        <p:nvCxnSpPr>
-          <p:cNvPr id="359" name="Straight Connector 358"/>
-          <p:cNvCxnSpPr/>
-          <p:nvPr/>
-        </p:nvCxnSpPr>
-        <p:spPr>
-          <a:xfrm flipV="1">
-            <a:off x="9982200" y="762000"/>
-            <a:ext cx="152400" cy="152400"/>
-          </a:xfrm>
-          <a:prstGeom prst="line">
-            <a:avLst/>
-          </a:prstGeom>
-          <a:ln w="12700">
-            <a:solidFill>
-              <a:srgbClr val="000000"/>
-            </a:solidFill>
-            <a:headEnd type="none" w="med" len="med"/>
-            <a:tailEnd type="none" w="med" len="med"/>
-          </a:ln>
-        </p:spPr>
-        <p:style>
-          <a:lnRef idx="1">
-            <a:schemeClr val="accent1"/>
-          </a:lnRef>
-          <a:fillRef idx="0">
-            <a:schemeClr val="accent1"/>
-          </a:fillRef>
-          <a:effectRef idx="0">
-            <a:schemeClr val="accent1"/>
-          </a:effectRef>
-          <a:fontRef idx="minor">
-            <a:schemeClr val="tx1"/>
-          </a:fontRef>
-        </p:style>
-      </p:cxnSp>
-      <p:sp>
-        <p:nvSpPr>
-          <p:cNvPr id="360" name="Rectangle 359"/>
-          <p:cNvSpPr/>
-          <p:nvPr/>
-        </p:nvSpPr>
-        <p:spPr>
-          <a:xfrm>
-            <a:off x="9982200" y="685800"/>
-            <a:ext cx="152400" cy="76200"/>
-          </a:xfrm>
-          <a:prstGeom prst="rect">
-            <a:avLst/>
-          </a:prstGeom>
-          <a:noFill/>
-          <a:ln>
-            <a:noFill/>
-          </a:ln>
-        </p:spPr>
-        <p:style>
-          <a:lnRef idx="2">
-            <a:schemeClr val="accent1">
-              <a:shade val="50000"/>
-            </a:schemeClr>
-          </a:lnRef>
-          <a:fillRef idx="1">
-            <a:schemeClr val="accent1"/>
-          </a:fillRef>
-          <a:effectRef idx="0">
-            <a:schemeClr val="accent1"/>
-          </a:effectRef>
-          <a:fontRef idx="minor">
-            <a:schemeClr val="lt1"/>
-          </a:fontRef>
-        </p:style>
-        <p:txBody>
-          <a:bodyPr wrap="none" lIns="45720" rIns="45720" rtlCol="0" anchor="ctr"/>
-          <a:lstStyle/>
-          <a:p>
-            <a:pPr algn="ctr"/>
-            <a:r>
-              <a:rPr lang="en-US" sz="900" dirty="0">
-                <a:solidFill>
-                  <a:srgbClr val="000000"/>
-                </a:solidFill>
-                <a:latin typeface="Courier New" panose="02070309020205020404" pitchFamily="49" charset="0"/>
-                <a:cs typeface="Courier New" panose="02070309020205020404" pitchFamily="49" charset="0"/>
-              </a:rPr>
-              <a:t>1</a:t>
-            </a:r>
-            <a:endParaRPr lang="en-US" sz="900" dirty="0">
-              <a:solidFill>
-                <a:srgbClr val="000000"/>
-              </a:solidFill>
-              <a:latin typeface="Courier New" panose="02070309020205020404" pitchFamily="49" charset="0"/>
-              <a:cs typeface="Courier New" panose="02070309020205020404" pitchFamily="49" charset="0"/>
-            </a:endParaRPr>
-          </a:p>
-        </p:txBody>
-      </p:sp>
-      <p:sp>
-        <p:nvSpPr>
-          <p:cNvPr id="361" name="Rectangle 360"/>
-          <p:cNvSpPr/>
-          <p:nvPr/>
-        </p:nvSpPr>
-        <p:spPr>
-          <a:xfrm>
-            <a:off x="12877800" y="685800"/>
-            <a:ext cx="457200" cy="152400"/>
-          </a:xfrm>
-          <a:prstGeom prst="rect">
-            <a:avLst/>
-          </a:prstGeom>
-          <a:noFill/>
-          <a:ln>
-            <a:noFill/>
-          </a:ln>
-        </p:spPr>
-        <p:style>
-          <a:lnRef idx="2">
-            <a:schemeClr val="accent1">
-              <a:shade val="50000"/>
-            </a:schemeClr>
-          </a:lnRef>
-          <a:fillRef idx="1">
-            <a:schemeClr val="accent1"/>
-          </a:fillRef>
-          <a:effectRef idx="0">
-            <a:schemeClr val="accent1"/>
-          </a:effectRef>
-          <a:fontRef idx="minor">
-            <a:schemeClr val="lt1"/>
-          </a:fontRef>
-        </p:style>
-        <p:txBody>
-          <a:bodyPr wrap="none" lIns="45720" rIns="45720" rtlCol="0" anchor="ctr"/>
-          <a:lstStyle/>
-          <a:p>
-            <a:r>
-              <a:rPr lang="en-US" sz="900" dirty="0">
-                <a:solidFill>
-                  <a:srgbClr val="000000"/>
-                </a:solidFill>
-                <a:latin typeface="Courier New" panose="02070309020205020404" pitchFamily="49" charset="0"/>
-                <a:cs typeface="Courier New" panose="02070309020205020404" pitchFamily="49" charset="0"/>
-              </a:rPr>
-              <a:t>NT_POR</a:t>
-            </a:r>
-            <a:endParaRPr lang="en-US" sz="900" dirty="0">
-              <a:solidFill>
-                <a:srgbClr val="000000"/>
-              </a:solidFill>
-              <a:latin typeface="Courier New" panose="02070309020205020404" pitchFamily="49" charset="0"/>
-              <a:cs typeface="Courier New" panose="02070309020205020404" pitchFamily="49" charset="0"/>
-            </a:endParaRPr>
-          </a:p>
-        </p:txBody>
-      </p:sp>
-      <p:cxnSp>
-        <p:nvCxnSpPr>
-          <p:cNvPr id="362" name="Straight Connector 361"/>
-          <p:cNvCxnSpPr/>
-          <p:nvPr/>
-        </p:nvCxnSpPr>
-        <p:spPr>
-          <a:xfrm flipV="1">
-            <a:off x="13792200" y="990600"/>
-            <a:ext cx="152400" cy="152400"/>
-          </a:xfrm>
-          <a:prstGeom prst="line">
-            <a:avLst/>
-          </a:prstGeom>
-          <a:ln w="12700">
-            <a:solidFill>
-              <a:srgbClr val="000000"/>
-            </a:solidFill>
-            <a:headEnd type="none" w="med" len="med"/>
-            <a:tailEnd type="none" w="med" len="med"/>
-          </a:ln>
-        </p:spPr>
-        <p:style>
-          <a:lnRef idx="1">
-            <a:schemeClr val="accent1"/>
-          </a:lnRef>
-          <a:fillRef idx="0">
-            <a:schemeClr val="accent1"/>
-          </a:fillRef>
-          <a:effectRef idx="0">
-            <a:schemeClr val="accent1"/>
-          </a:effectRef>
-          <a:fontRef idx="minor">
-            <a:schemeClr val="tx1"/>
-          </a:fontRef>
-        </p:style>
-      </p:cxnSp>
-      <p:sp>
-        <p:nvSpPr>
-          <p:cNvPr id="363" name="Rectangle 362"/>
-          <p:cNvSpPr/>
-          <p:nvPr/>
-        </p:nvSpPr>
-        <p:spPr>
-          <a:xfrm>
-            <a:off x="13792200" y="914400"/>
-            <a:ext cx="152400" cy="76200"/>
-          </a:xfrm>
-          <a:prstGeom prst="rect">
-            <a:avLst/>
-          </a:prstGeom>
-          <a:noFill/>
-          <a:ln>
-            <a:noFill/>
-          </a:ln>
-        </p:spPr>
-        <p:style>
-          <a:lnRef idx="2">
-            <a:schemeClr val="accent1">
-              <a:shade val="50000"/>
-            </a:schemeClr>
-          </a:lnRef>
-          <a:fillRef idx="1">
-            <a:schemeClr val="accent1"/>
-          </a:fillRef>
-          <a:effectRef idx="0">
-            <a:schemeClr val="accent1"/>
-          </a:effectRef>
-          <a:fontRef idx="minor">
-            <a:schemeClr val="lt1"/>
-          </a:fontRef>
-        </p:style>
-        <p:txBody>
-          <a:bodyPr wrap="none" lIns="45720" rIns="45720" rtlCol="0" anchor="ctr"/>
-          <a:lstStyle/>
-          <a:p>
-            <a:pPr algn="ctr"/>
-            <a:r>
-              <a:rPr lang="en-US" sz="900" dirty="0">
-                <a:solidFill>
-                  <a:srgbClr val="000000"/>
-                </a:solidFill>
-                <a:latin typeface="Courier New" panose="02070309020205020404" pitchFamily="49" charset="0"/>
-                <a:cs typeface="Courier New" panose="02070309020205020404" pitchFamily="49" charset="0"/>
-              </a:rPr>
-              <a:t>14</a:t>
-            </a:r>
-            <a:endParaRPr lang="en-US" sz="900" dirty="0">
-              <a:solidFill>
-                <a:srgbClr val="000000"/>
-              </a:solidFill>
-              <a:latin typeface="Courier New" panose="02070309020205020404" pitchFamily="49" charset="0"/>
-              <a:cs typeface="Courier New" panose="02070309020205020404" pitchFamily="49" charset="0"/>
-            </a:endParaRPr>
-          </a:p>
-        </p:txBody>
-      </p:sp>
-      <p:cxnSp>
-        <p:nvCxnSpPr>
-          <p:cNvPr id="364" name="Straight Connector 363"/>
-          <p:cNvCxnSpPr/>
-          <p:nvPr/>
-        </p:nvCxnSpPr>
-        <p:spPr>
-          <a:xfrm flipV="1">
-            <a:off x="13792200" y="1219200"/>
-            <a:ext cx="152400" cy="152400"/>
-          </a:xfrm>
-          <a:prstGeom prst="line">
-            <a:avLst/>
-          </a:prstGeom>
-          <a:ln w="12700">
-            <a:solidFill>
-              <a:srgbClr val="000000"/>
-            </a:solidFill>
-            <a:headEnd type="none" w="med" len="med"/>
-            <a:tailEnd type="none" w="med" len="med"/>
-          </a:ln>
-        </p:spPr>
-        <p:style>
-          <a:lnRef idx="1">
-            <a:schemeClr val="accent1"/>
-          </a:lnRef>
-          <a:fillRef idx="0">
-            <a:schemeClr val="accent1"/>
-          </a:fillRef>
-          <a:effectRef idx="0">
-            <a:schemeClr val="accent1"/>
-          </a:effectRef>
-          <a:fontRef idx="minor">
-            <a:schemeClr val="tx1"/>
-          </a:fontRef>
-        </p:style>
-      </p:cxnSp>
-      <p:sp>
-        <p:nvSpPr>
-          <p:cNvPr id="365" name="Rectangle 364"/>
-          <p:cNvSpPr/>
-          <p:nvPr/>
-        </p:nvSpPr>
-        <p:spPr>
-          <a:xfrm>
-            <a:off x="13792200" y="1143000"/>
-            <a:ext cx="152400" cy="76200"/>
-          </a:xfrm>
-          <a:prstGeom prst="rect">
-            <a:avLst/>
-          </a:prstGeom>
-          <a:noFill/>
-          <a:ln>
-            <a:noFill/>
-          </a:ln>
-        </p:spPr>
-        <p:style>
-          <a:lnRef idx="2">
-            <a:schemeClr val="accent1">
-              <a:shade val="50000"/>
-            </a:schemeClr>
-          </a:lnRef>
-          <a:fillRef idx="1">
-            <a:schemeClr val="accent1"/>
-          </a:fillRef>
-          <a:effectRef idx="0">
-            <a:schemeClr val="accent1"/>
-          </a:effectRef>
-          <a:fontRef idx="minor">
-            <a:schemeClr val="lt1"/>
-          </a:fontRef>
-        </p:style>
-        <p:txBody>
-          <a:bodyPr wrap="none" lIns="45720" rIns="45720" rtlCol="0" anchor="ctr"/>
-          <a:lstStyle/>
-          <a:p>
-            <a:pPr algn="ctr"/>
-            <a:r>
-              <a:rPr lang="en-US" sz="900" dirty="0">
-                <a:solidFill>
-                  <a:srgbClr val="000000"/>
-                </a:solidFill>
-                <a:latin typeface="Courier New" panose="02070309020205020404" pitchFamily="49" charset="0"/>
-                <a:cs typeface="Courier New" panose="02070309020205020404" pitchFamily="49" charset="0"/>
-              </a:rPr>
-              <a:t>14</a:t>
-            </a:r>
-            <a:endParaRPr lang="en-US" sz="900" dirty="0">
-              <a:solidFill>
-                <a:srgbClr val="000000"/>
-              </a:solidFill>
-              <a:latin typeface="Courier New" panose="02070309020205020404" pitchFamily="49" charset="0"/>
-              <a:cs typeface="Courier New" panose="02070309020205020404" pitchFamily="49" charset="0"/>
-            </a:endParaRPr>
-          </a:p>
-        </p:txBody>
-      </p:sp>
-      <p:cxnSp>
-        <p:nvCxnSpPr>
-          <p:cNvPr id="366" name="Straight Connector 365"/>
-          <p:cNvCxnSpPr/>
-          <p:nvPr/>
-        </p:nvCxnSpPr>
-        <p:spPr>
-          <a:xfrm flipV="1">
-            <a:off x="13792200" y="762000"/>
-            <a:ext cx="152400" cy="152400"/>
-          </a:xfrm>
-          <a:prstGeom prst="line">
-            <a:avLst/>
-          </a:prstGeom>
-          <a:ln w="12700">
-            <a:solidFill>
-              <a:srgbClr val="000000"/>
-            </a:solidFill>
-            <a:headEnd type="none" w="med" len="med"/>
-            <a:tailEnd type="none" w="med" len="med"/>
-          </a:ln>
-        </p:spPr>
-        <p:style>
-          <a:lnRef idx="1">
-            <a:schemeClr val="accent1"/>
-          </a:lnRef>
-          <a:fillRef idx="0">
-            <a:schemeClr val="accent1"/>
-          </a:fillRef>
-          <a:effectRef idx="0">
-            <a:schemeClr val="accent1"/>
-          </a:effectRef>
-          <a:fontRef idx="minor">
-            <a:schemeClr val="tx1"/>
-          </a:fontRef>
-        </p:style>
-      </p:cxnSp>
-      <p:sp>
-        <p:nvSpPr>
-          <p:cNvPr id="367" name="Rectangle 366"/>
-          <p:cNvSpPr/>
-          <p:nvPr/>
-        </p:nvSpPr>
-        <p:spPr>
-          <a:xfrm>
-            <a:off x="13792200" y="685800"/>
-            <a:ext cx="152400" cy="76200"/>
-          </a:xfrm>
-          <a:prstGeom prst="rect">
-            <a:avLst/>
-          </a:prstGeom>
-          <a:noFill/>
-          <a:ln>
-            <a:noFill/>
-          </a:ln>
-        </p:spPr>
-        <p:style>
-          <a:lnRef idx="2">
-            <a:schemeClr val="accent1">
-              <a:shade val="50000"/>
-            </a:schemeClr>
-          </a:lnRef>
-          <a:fillRef idx="1">
-            <a:schemeClr val="accent1"/>
-          </a:fillRef>
-          <a:effectRef idx="0">
-            <a:schemeClr val="accent1"/>
-          </a:effectRef>
-          <a:fontRef idx="minor">
-            <a:schemeClr val="lt1"/>
-          </a:fontRef>
-        </p:style>
-        <p:txBody>
-          <a:bodyPr wrap="none" lIns="45720" rIns="45720" rtlCol="0" anchor="ctr"/>
-          <a:lstStyle/>
-          <a:p>
-            <a:pPr algn="ctr"/>
-            <a:r>
-              <a:rPr lang="en-US" sz="900" dirty="0">
-                <a:solidFill>
-                  <a:srgbClr val="000000"/>
-                </a:solidFill>
-                <a:latin typeface="Courier New" panose="02070309020205020404" pitchFamily="49" charset="0"/>
-                <a:cs typeface="Courier New" panose="02070309020205020404" pitchFamily="49" charset="0"/>
-              </a:rPr>
-              <a:t>1</a:t>
-            </a:r>
-            <a:endParaRPr lang="en-US" sz="900" dirty="0">
-              <a:solidFill>
-                <a:srgbClr val="000000"/>
-              </a:solidFill>
-              <a:latin typeface="Courier New" panose="02070309020205020404" pitchFamily="49" charset="0"/>
-              <a:cs typeface="Courier New" panose="02070309020205020404" pitchFamily="49" charset="0"/>
-            </a:endParaRPr>
-          </a:p>
-        </p:txBody>
-      </p:sp>
-      <p:cxnSp>
-        <p:nvCxnSpPr>
-          <p:cNvPr id="368" name="Straight Connector 367"/>
-          <p:cNvCxnSpPr/>
-          <p:nvPr/>
-        </p:nvCxnSpPr>
-        <p:spPr>
-          <a:xfrm flipV="1">
-            <a:off x="13792200" y="1828800"/>
-            <a:ext cx="152400" cy="152400"/>
-          </a:xfrm>
-          <a:prstGeom prst="line">
-            <a:avLst/>
-          </a:prstGeom>
-          <a:ln w="12700">
-            <a:solidFill>
-              <a:srgbClr val="000000"/>
-            </a:solidFill>
-            <a:headEnd type="none" w="med" len="med"/>
-            <a:tailEnd type="none" w="med" len="med"/>
-          </a:ln>
-        </p:spPr>
-        <p:style>
-          <a:lnRef idx="1">
-            <a:schemeClr val="accent1"/>
-          </a:lnRef>
-          <a:fillRef idx="0">
-            <a:schemeClr val="accent1"/>
-          </a:fillRef>
-          <a:effectRef idx="0">
-            <a:schemeClr val="accent1"/>
-          </a:effectRef>
-          <a:fontRef idx="minor">
-            <a:schemeClr val="tx1"/>
-          </a:fontRef>
-        </p:style>
-      </p:cxnSp>
-      <p:sp>
-        <p:nvSpPr>
-          <p:cNvPr id="369" name="Rectangle 368"/>
-          <p:cNvSpPr/>
-          <p:nvPr/>
-        </p:nvSpPr>
-        <p:spPr>
-          <a:xfrm>
-            <a:off x="13792200" y="1752600"/>
-            <a:ext cx="152400" cy="76200"/>
-          </a:xfrm>
-          <a:prstGeom prst="rect">
-            <a:avLst/>
-          </a:prstGeom>
-          <a:noFill/>
-          <a:ln>
-            <a:noFill/>
-          </a:ln>
-        </p:spPr>
-        <p:style>
-          <a:lnRef idx="2">
-            <a:schemeClr val="accent1">
-              <a:shade val="50000"/>
-            </a:schemeClr>
-          </a:lnRef>
-          <a:fillRef idx="1">
-            <a:schemeClr val="accent1"/>
-          </a:fillRef>
-          <a:effectRef idx="0">
-            <a:schemeClr val="accent1"/>
-          </a:effectRef>
-          <a:fontRef idx="minor">
-            <a:schemeClr val="lt1"/>
-          </a:fontRef>
-        </p:style>
-        <p:txBody>
-          <a:bodyPr wrap="none" lIns="45720" rIns="45720" rtlCol="0" anchor="ctr"/>
-          <a:lstStyle/>
-          <a:p>
-            <a:pPr algn="ctr"/>
-            <a:r>
-              <a:rPr lang="en-US" sz="900" dirty="0">
-                <a:solidFill>
-                  <a:srgbClr val="000000"/>
-                </a:solidFill>
-                <a:latin typeface="Courier New" panose="02070309020205020404" pitchFamily="49" charset="0"/>
-                <a:cs typeface="Courier New" panose="02070309020205020404" pitchFamily="49" charset="0"/>
-              </a:rPr>
-              <a:t>14</a:t>
-            </a:r>
-            <a:endParaRPr lang="en-US" sz="900" dirty="0">
-              <a:solidFill>
-                <a:srgbClr val="000000"/>
-              </a:solidFill>
-              <a:latin typeface="Courier New" panose="02070309020205020404" pitchFamily="49" charset="0"/>
-              <a:cs typeface="Courier New" panose="02070309020205020404" pitchFamily="49" charset="0"/>
-            </a:endParaRPr>
-          </a:p>
-        </p:txBody>
-      </p:sp>
-      <p:cxnSp>
-        <p:nvCxnSpPr>
-          <p:cNvPr id="370" name="Straight Connector 369"/>
-          <p:cNvCxnSpPr/>
-          <p:nvPr/>
-        </p:nvCxnSpPr>
-        <p:spPr>
-          <a:xfrm flipV="1">
-            <a:off x="13792200" y="2057400"/>
-            <a:ext cx="152400" cy="152400"/>
-          </a:xfrm>
-          <a:prstGeom prst="line">
-            <a:avLst/>
-          </a:prstGeom>
-          <a:ln w="12700">
-            <a:solidFill>
-              <a:srgbClr val="000000"/>
-            </a:solidFill>
-            <a:headEnd type="none" w="med" len="med"/>
-            <a:tailEnd type="none" w="med" len="med"/>
-          </a:ln>
-        </p:spPr>
-        <p:style>
-          <a:lnRef idx="1">
-            <a:schemeClr val="accent1"/>
-          </a:lnRef>
-          <a:fillRef idx="0">
-            <a:schemeClr val="accent1"/>
-          </a:fillRef>
-          <a:effectRef idx="0">
-            <a:schemeClr val="accent1"/>
-          </a:effectRef>
-          <a:fontRef idx="minor">
-            <a:schemeClr val="tx1"/>
-          </a:fontRef>
-        </p:style>
-      </p:cxnSp>
-      <p:sp>
-        <p:nvSpPr>
-          <p:cNvPr id="371" name="Rectangle 370"/>
-          <p:cNvSpPr/>
-          <p:nvPr/>
-        </p:nvSpPr>
-        <p:spPr>
-          <a:xfrm>
-            <a:off x="13792200" y="1981200"/>
-            <a:ext cx="152400" cy="76200"/>
-          </a:xfrm>
-          <a:prstGeom prst="rect">
-            <a:avLst/>
-          </a:prstGeom>
-          <a:noFill/>
-          <a:ln>
-            <a:noFill/>
-          </a:ln>
-        </p:spPr>
-        <p:style>
-          <a:lnRef idx="2">
-            <a:schemeClr val="accent1">
-              <a:shade val="50000"/>
-            </a:schemeClr>
-          </a:lnRef>
-          <a:fillRef idx="1">
-            <a:schemeClr val="accent1"/>
-          </a:fillRef>
-          <a:effectRef idx="0">
-            <a:schemeClr val="accent1"/>
-          </a:effectRef>
-          <a:fontRef idx="minor">
-            <a:schemeClr val="lt1"/>
-          </a:fontRef>
-        </p:style>
-        <p:txBody>
-          <a:bodyPr wrap="none" lIns="45720" rIns="45720" rtlCol="0" anchor="ctr"/>
-          <a:lstStyle/>
-          <a:p>
-            <a:pPr algn="ctr"/>
-            <a:r>
-              <a:rPr lang="en-US" sz="900" dirty="0">
-                <a:solidFill>
-                  <a:srgbClr val="000000"/>
-                </a:solidFill>
-                <a:latin typeface="Courier New" panose="02070309020205020404" pitchFamily="49" charset="0"/>
-                <a:cs typeface="Courier New" panose="02070309020205020404" pitchFamily="49" charset="0"/>
-              </a:rPr>
-              <a:t>14</a:t>
-            </a:r>
-            <a:endParaRPr lang="en-US" sz="900" dirty="0">
-              <a:solidFill>
-                <a:srgbClr val="000000"/>
-              </a:solidFill>
-              <a:latin typeface="Courier New" panose="02070309020205020404" pitchFamily="49" charset="0"/>
-              <a:cs typeface="Courier New" panose="02070309020205020404" pitchFamily="49" charset="0"/>
-            </a:endParaRPr>
-          </a:p>
-        </p:txBody>
-      </p:sp>
-      <p:cxnSp>
-        <p:nvCxnSpPr>
-          <p:cNvPr id="372" name="Straight Connector 371"/>
-          <p:cNvCxnSpPr/>
-          <p:nvPr/>
-        </p:nvCxnSpPr>
-        <p:spPr>
-          <a:xfrm flipV="1">
-            <a:off x="13792200" y="1600200"/>
-            <a:ext cx="152400" cy="152400"/>
-          </a:xfrm>
-          <a:prstGeom prst="line">
-            <a:avLst/>
-          </a:prstGeom>
-          <a:ln w="12700">
-            <a:solidFill>
-              <a:srgbClr val="000000"/>
-            </a:solidFill>
-            <a:headEnd type="none" w="med" len="med"/>
-            <a:tailEnd type="none" w="med" len="med"/>
-          </a:ln>
-        </p:spPr>
-        <p:style>
-          <a:lnRef idx="1">
-            <a:schemeClr val="accent1"/>
-          </a:lnRef>
-          <a:fillRef idx="0">
-            <a:schemeClr val="accent1"/>
-          </a:fillRef>
-          <a:effectRef idx="0">
-            <a:schemeClr val="accent1"/>
-          </a:effectRef>
-          <a:fontRef idx="minor">
-            <a:schemeClr val="tx1"/>
-          </a:fontRef>
-        </p:style>
-      </p:cxnSp>
-      <p:sp>
-        <p:nvSpPr>
-          <p:cNvPr id="373" name="Rectangle 372"/>
-          <p:cNvSpPr/>
-          <p:nvPr/>
-        </p:nvSpPr>
-        <p:spPr>
-          <a:xfrm>
-            <a:off x="13792200" y="1524000"/>
-            <a:ext cx="152400" cy="76200"/>
-          </a:xfrm>
-          <a:prstGeom prst="rect">
-            <a:avLst/>
-          </a:prstGeom>
-          <a:noFill/>
-          <a:ln>
-            <a:noFill/>
-          </a:ln>
-        </p:spPr>
-        <p:style>
-          <a:lnRef idx="2">
-            <a:schemeClr val="accent1">
-              <a:shade val="50000"/>
-            </a:schemeClr>
-          </a:lnRef>
-          <a:fillRef idx="1">
-            <a:schemeClr val="accent1"/>
-          </a:fillRef>
-          <a:effectRef idx="0">
-            <a:schemeClr val="accent1"/>
-          </a:effectRef>
-          <a:fontRef idx="minor">
-            <a:schemeClr val="lt1"/>
-          </a:fontRef>
-        </p:style>
-        <p:txBody>
-          <a:bodyPr wrap="none" lIns="45720" rIns="45720" rtlCol="0" anchor="ctr"/>
-          <a:lstStyle/>
-          <a:p>
-            <a:pPr algn="ctr"/>
-            <a:r>
-              <a:rPr lang="en-US" sz="900" dirty="0">
-                <a:solidFill>
-                  <a:srgbClr val="000000"/>
-                </a:solidFill>
-                <a:latin typeface="Courier New" panose="02070309020205020404" pitchFamily="49" charset="0"/>
-                <a:cs typeface="Courier New" panose="02070309020205020404" pitchFamily="49" charset="0"/>
-              </a:rPr>
-              <a:t>1</a:t>
-            </a:r>
-            <a:endParaRPr lang="en-US" sz="900" dirty="0">
-              <a:solidFill>
-                <a:srgbClr val="000000"/>
-              </a:solidFill>
-              <a:latin typeface="Courier New" panose="02070309020205020404" pitchFamily="49" charset="0"/>
-              <a:cs typeface="Courier New" panose="02070309020205020404" pitchFamily="49" charset="0"/>
-            </a:endParaRPr>
-          </a:p>
-        </p:txBody>
-      </p:sp>
-      <p:cxnSp>
-        <p:nvCxnSpPr>
-          <p:cNvPr id="374" name="Straight Connector 373"/>
-          <p:cNvCxnSpPr/>
-          <p:nvPr/>
-        </p:nvCxnSpPr>
-        <p:spPr>
-          <a:xfrm flipV="1">
-            <a:off x="13792200" y="2667000"/>
-            <a:ext cx="152400" cy="152400"/>
-          </a:xfrm>
-          <a:prstGeom prst="line">
-            <a:avLst/>
-          </a:prstGeom>
-          <a:ln w="12700">
-            <a:solidFill>
-              <a:srgbClr val="000000"/>
-            </a:solidFill>
-            <a:headEnd type="none" w="med" len="med"/>
-            <a:tailEnd type="none" w="med" len="med"/>
-          </a:ln>
-        </p:spPr>
-        <p:style>
-          <a:lnRef idx="1">
-            <a:schemeClr val="accent1"/>
-          </a:lnRef>
-          <a:fillRef idx="0">
-            <a:schemeClr val="accent1"/>
-          </a:fillRef>
-          <a:effectRef idx="0">
-            <a:schemeClr val="accent1"/>
-          </a:effectRef>
-          <a:fontRef idx="minor">
-            <a:schemeClr val="tx1"/>
-          </a:fontRef>
-        </p:style>
-      </p:cxnSp>
-      <p:sp>
-        <p:nvSpPr>
-          <p:cNvPr id="375" name="Rectangle 374"/>
-          <p:cNvSpPr/>
-          <p:nvPr/>
-        </p:nvSpPr>
-        <p:spPr>
-          <a:xfrm>
-            <a:off x="13792200" y="2590800"/>
-            <a:ext cx="152400" cy="76200"/>
-          </a:xfrm>
-          <a:prstGeom prst="rect">
-            <a:avLst/>
-          </a:prstGeom>
-          <a:noFill/>
-          <a:ln>
-            <a:noFill/>
-          </a:ln>
-        </p:spPr>
-        <p:style>
-          <a:lnRef idx="2">
-            <a:schemeClr val="accent1">
-              <a:shade val="50000"/>
-            </a:schemeClr>
-          </a:lnRef>
-          <a:fillRef idx="1">
-            <a:schemeClr val="accent1"/>
-          </a:fillRef>
-          <a:effectRef idx="0">
-            <a:schemeClr val="accent1"/>
-          </a:effectRef>
-          <a:fontRef idx="minor">
-            <a:schemeClr val="lt1"/>
-          </a:fontRef>
-        </p:style>
-        <p:txBody>
-          <a:bodyPr wrap="none" lIns="45720" rIns="45720" rtlCol="0" anchor="ctr"/>
-          <a:lstStyle/>
-          <a:p>
-            <a:pPr algn="ctr"/>
-            <a:r>
-              <a:rPr lang="en-US" sz="900" dirty="0">
-                <a:solidFill>
-                  <a:srgbClr val="000000"/>
-                </a:solidFill>
-                <a:latin typeface="Courier New" panose="02070309020205020404" pitchFamily="49" charset="0"/>
-                <a:cs typeface="Courier New" panose="02070309020205020404" pitchFamily="49" charset="0"/>
-              </a:rPr>
-              <a:t>14</a:t>
-            </a:r>
-            <a:endParaRPr lang="en-US" sz="900" dirty="0">
-              <a:solidFill>
-                <a:srgbClr val="000000"/>
-              </a:solidFill>
-              <a:latin typeface="Courier New" panose="02070309020205020404" pitchFamily="49" charset="0"/>
-              <a:cs typeface="Courier New" panose="02070309020205020404" pitchFamily="49" charset="0"/>
-            </a:endParaRPr>
-          </a:p>
-        </p:txBody>
-      </p:sp>
-      <p:cxnSp>
-        <p:nvCxnSpPr>
-          <p:cNvPr id="376" name="Straight Connector 375"/>
-          <p:cNvCxnSpPr/>
-          <p:nvPr/>
-        </p:nvCxnSpPr>
-        <p:spPr>
-          <a:xfrm flipV="1">
-            <a:off x="13792200" y="2895600"/>
-            <a:ext cx="152400" cy="152400"/>
-          </a:xfrm>
-          <a:prstGeom prst="line">
-            <a:avLst/>
-          </a:prstGeom>
-          <a:ln w="12700">
-            <a:solidFill>
-              <a:srgbClr val="000000"/>
-            </a:solidFill>
-            <a:headEnd type="none" w="med" len="med"/>
-            <a:tailEnd type="none" w="med" len="med"/>
-          </a:ln>
-        </p:spPr>
-        <p:style>
-          <a:lnRef idx="1">
-            <a:schemeClr val="accent1"/>
-          </a:lnRef>
-          <a:fillRef idx="0">
-            <a:schemeClr val="accent1"/>
-          </a:fillRef>
-          <a:effectRef idx="0">
-            <a:schemeClr val="accent1"/>
-          </a:effectRef>
-          <a:fontRef idx="minor">
-            <a:schemeClr val="tx1"/>
-          </a:fontRef>
-        </p:style>
-      </p:cxnSp>
-      <p:sp>
-        <p:nvSpPr>
-          <p:cNvPr id="377" name="Rectangle 376"/>
-          <p:cNvSpPr/>
-          <p:nvPr/>
-        </p:nvSpPr>
-        <p:spPr>
-          <a:xfrm>
-            <a:off x="13792200" y="2819400"/>
-            <a:ext cx="152400" cy="76200"/>
-          </a:xfrm>
-          <a:prstGeom prst="rect">
-            <a:avLst/>
-          </a:prstGeom>
-          <a:noFill/>
-          <a:ln>
-            <a:noFill/>
-          </a:ln>
-        </p:spPr>
-        <p:style>
-          <a:lnRef idx="2">
-            <a:schemeClr val="accent1">
-              <a:shade val="50000"/>
-            </a:schemeClr>
-          </a:lnRef>
-          <a:fillRef idx="1">
-            <a:schemeClr val="accent1"/>
-          </a:fillRef>
-          <a:effectRef idx="0">
-            <a:schemeClr val="accent1"/>
-          </a:effectRef>
-          <a:fontRef idx="minor">
-            <a:schemeClr val="lt1"/>
-          </a:fontRef>
-        </p:style>
-        <p:txBody>
-          <a:bodyPr wrap="none" lIns="45720" rIns="45720" rtlCol="0" anchor="ctr"/>
-          <a:lstStyle/>
-          <a:p>
-            <a:pPr algn="ctr"/>
-            <a:r>
-              <a:rPr lang="en-US" sz="900" dirty="0">
-                <a:solidFill>
-                  <a:srgbClr val="000000"/>
-                </a:solidFill>
-                <a:latin typeface="Courier New" panose="02070309020205020404" pitchFamily="49" charset="0"/>
-                <a:cs typeface="Courier New" panose="02070309020205020404" pitchFamily="49" charset="0"/>
-              </a:rPr>
-              <a:t>14</a:t>
-            </a:r>
-            <a:endParaRPr lang="en-US" sz="900" dirty="0">
-              <a:solidFill>
-                <a:srgbClr val="000000"/>
-              </a:solidFill>
-              <a:latin typeface="Courier New" panose="02070309020205020404" pitchFamily="49" charset="0"/>
-              <a:cs typeface="Courier New" panose="02070309020205020404" pitchFamily="49" charset="0"/>
-            </a:endParaRPr>
-          </a:p>
-        </p:txBody>
-      </p:sp>
-      <p:cxnSp>
-        <p:nvCxnSpPr>
-          <p:cNvPr id="378" name="Straight Connector 377"/>
-          <p:cNvCxnSpPr/>
-          <p:nvPr/>
-        </p:nvCxnSpPr>
-        <p:spPr>
-          <a:xfrm flipV="1">
-            <a:off x="13792200" y="2438400"/>
-            <a:ext cx="152400" cy="152400"/>
-          </a:xfrm>
-          <a:prstGeom prst="line">
-            <a:avLst/>
-          </a:prstGeom>
-          <a:ln w="12700">
-            <a:solidFill>
-              <a:srgbClr val="000000"/>
-            </a:solidFill>
-            <a:headEnd type="none" w="med" len="med"/>
-            <a:tailEnd type="none" w="med" len="med"/>
-          </a:ln>
-        </p:spPr>
-        <p:style>
-          <a:lnRef idx="1">
-            <a:schemeClr val="accent1"/>
-          </a:lnRef>
-          <a:fillRef idx="0">
-            <a:schemeClr val="accent1"/>
-          </a:fillRef>
-          <a:effectRef idx="0">
-            <a:schemeClr val="accent1"/>
-          </a:effectRef>
-          <a:fontRef idx="minor">
-            <a:schemeClr val="tx1"/>
-          </a:fontRef>
-        </p:style>
-      </p:cxnSp>
-      <p:sp>
-        <p:nvSpPr>
-          <p:cNvPr id="379" name="Rectangle 378"/>
-          <p:cNvSpPr/>
-          <p:nvPr/>
-        </p:nvSpPr>
-        <p:spPr>
-          <a:xfrm>
-            <a:off x="13792200" y="2362200"/>
-            <a:ext cx="152400" cy="76200"/>
-          </a:xfrm>
-          <a:prstGeom prst="rect">
-            <a:avLst/>
-          </a:prstGeom>
-          <a:noFill/>
-          <a:ln>
-            <a:noFill/>
-          </a:ln>
-        </p:spPr>
-        <p:style>
-          <a:lnRef idx="2">
-            <a:schemeClr val="accent1">
-              <a:shade val="50000"/>
-            </a:schemeClr>
-          </a:lnRef>
-          <a:fillRef idx="1">
-            <a:schemeClr val="accent1"/>
-          </a:fillRef>
-          <a:effectRef idx="0">
-            <a:schemeClr val="accent1"/>
-          </a:effectRef>
-          <a:fontRef idx="minor">
-            <a:schemeClr val="lt1"/>
-          </a:fontRef>
-        </p:style>
-        <p:txBody>
-          <a:bodyPr wrap="none" lIns="45720" rIns="45720" rtlCol="0" anchor="ctr"/>
-          <a:lstStyle/>
-          <a:p>
-            <a:pPr algn="ctr"/>
-            <a:r>
-              <a:rPr lang="en-US" sz="900" dirty="0">
-                <a:solidFill>
-                  <a:srgbClr val="000000"/>
-                </a:solidFill>
-                <a:latin typeface="Courier New" panose="02070309020205020404" pitchFamily="49" charset="0"/>
-                <a:cs typeface="Courier New" panose="02070309020205020404" pitchFamily="49" charset="0"/>
-              </a:rPr>
-              <a:t>1</a:t>
-            </a:r>
-            <a:endParaRPr lang="en-US" sz="900" dirty="0">
-              <a:solidFill>
-                <a:srgbClr val="000000"/>
-              </a:solidFill>
-              <a:latin typeface="Courier New" panose="02070309020205020404" pitchFamily="49" charset="0"/>
-              <a:cs typeface="Courier New" panose="02070309020205020404" pitchFamily="49" charset="0"/>
-            </a:endParaRPr>
-          </a:p>
-        </p:txBody>
-      </p:sp>
-      <p:cxnSp>
-        <p:nvCxnSpPr>
-          <p:cNvPr id="380" name="Straight Connector 379"/>
-          <p:cNvCxnSpPr/>
-          <p:nvPr/>
-        </p:nvCxnSpPr>
-        <p:spPr>
-          <a:xfrm flipV="1">
-            <a:off x="13792200" y="3505200"/>
-            <a:ext cx="152400" cy="152400"/>
-          </a:xfrm>
-          <a:prstGeom prst="line">
-            <a:avLst/>
-          </a:prstGeom>
-          <a:ln w="12700">
-            <a:solidFill>
-              <a:srgbClr val="000000"/>
-            </a:solidFill>
-            <a:headEnd type="none" w="med" len="med"/>
-            <a:tailEnd type="none" w="med" len="med"/>
-          </a:ln>
-        </p:spPr>
-        <p:style>
-          <a:lnRef idx="1">
-            <a:schemeClr val="accent1"/>
-          </a:lnRef>
-          <a:fillRef idx="0">
-            <a:schemeClr val="accent1"/>
-          </a:fillRef>
-          <a:effectRef idx="0">
-            <a:schemeClr val="accent1"/>
-          </a:effectRef>
-          <a:fontRef idx="minor">
-            <a:schemeClr val="tx1"/>
-          </a:fontRef>
-        </p:style>
-      </p:cxnSp>
-      <p:sp>
-        <p:nvSpPr>
-          <p:cNvPr id="381" name="Rectangle 380"/>
-          <p:cNvSpPr/>
-          <p:nvPr/>
-        </p:nvSpPr>
-        <p:spPr>
-          <a:xfrm>
-            <a:off x="13792200" y="3429000"/>
-            <a:ext cx="152400" cy="76200"/>
-          </a:xfrm>
-          <a:prstGeom prst="rect">
-            <a:avLst/>
-          </a:prstGeom>
-          <a:noFill/>
-          <a:ln>
-            <a:noFill/>
-          </a:ln>
-        </p:spPr>
-        <p:style>
-          <a:lnRef idx="2">
-            <a:schemeClr val="accent1">
-              <a:shade val="50000"/>
-            </a:schemeClr>
-          </a:lnRef>
-          <a:fillRef idx="1">
-            <a:schemeClr val="accent1"/>
-          </a:fillRef>
-          <a:effectRef idx="0">
-            <a:schemeClr val="accent1"/>
-          </a:effectRef>
-          <a:fontRef idx="minor">
-            <a:schemeClr val="lt1"/>
-          </a:fontRef>
-        </p:style>
-        <p:txBody>
-          <a:bodyPr wrap="none" lIns="45720" rIns="45720" rtlCol="0" anchor="ctr"/>
-          <a:lstStyle/>
-          <a:p>
-            <a:pPr algn="ctr"/>
-            <a:r>
-              <a:rPr lang="en-US" sz="900" dirty="0">
-                <a:solidFill>
-                  <a:srgbClr val="000000"/>
-                </a:solidFill>
-                <a:latin typeface="Courier New" panose="02070309020205020404" pitchFamily="49" charset="0"/>
-                <a:cs typeface="Courier New" panose="02070309020205020404" pitchFamily="49" charset="0"/>
-              </a:rPr>
-              <a:t>14</a:t>
-            </a:r>
-            <a:endParaRPr lang="en-US" sz="900" dirty="0">
-              <a:solidFill>
-                <a:srgbClr val="000000"/>
-              </a:solidFill>
-              <a:latin typeface="Courier New" panose="02070309020205020404" pitchFamily="49" charset="0"/>
-              <a:cs typeface="Courier New" panose="02070309020205020404" pitchFamily="49" charset="0"/>
-            </a:endParaRPr>
-          </a:p>
-        </p:txBody>
-      </p:sp>
-      <p:cxnSp>
-        <p:nvCxnSpPr>
-          <p:cNvPr id="382" name="Straight Connector 381"/>
-          <p:cNvCxnSpPr/>
-          <p:nvPr/>
-        </p:nvCxnSpPr>
-        <p:spPr>
-          <a:xfrm flipV="1">
-            <a:off x="13792200" y="3733800"/>
-            <a:ext cx="152400" cy="152400"/>
-          </a:xfrm>
-          <a:prstGeom prst="line">
-            <a:avLst/>
-          </a:prstGeom>
-          <a:ln w="12700">
-            <a:solidFill>
-              <a:srgbClr val="000000"/>
-            </a:solidFill>
-            <a:headEnd type="none" w="med" len="med"/>
-            <a:tailEnd type="none" w="med" len="med"/>
-          </a:ln>
-        </p:spPr>
-        <p:style>
-          <a:lnRef idx="1">
-            <a:schemeClr val="accent1"/>
-          </a:lnRef>
-          <a:fillRef idx="0">
-            <a:schemeClr val="accent1"/>
-          </a:fillRef>
-          <a:effectRef idx="0">
-            <a:schemeClr val="accent1"/>
-          </a:effectRef>
-          <a:fontRef idx="minor">
-            <a:schemeClr val="tx1"/>
-          </a:fontRef>
-        </p:style>
-      </p:cxnSp>
-      <p:sp>
-        <p:nvSpPr>
-          <p:cNvPr id="383" name="Rectangle 382"/>
-          <p:cNvSpPr/>
-          <p:nvPr/>
-        </p:nvSpPr>
-        <p:spPr>
-          <a:xfrm>
-            <a:off x="13792200" y="3657600"/>
-            <a:ext cx="152400" cy="76200"/>
-          </a:xfrm>
-          <a:prstGeom prst="rect">
-            <a:avLst/>
-          </a:prstGeom>
-          <a:noFill/>
-          <a:ln>
-            <a:noFill/>
-          </a:ln>
-        </p:spPr>
-        <p:style>
-          <a:lnRef idx="2">
-            <a:schemeClr val="accent1">
-              <a:shade val="50000"/>
-            </a:schemeClr>
-          </a:lnRef>
-          <a:fillRef idx="1">
-            <a:schemeClr val="accent1"/>
-          </a:fillRef>
-          <a:effectRef idx="0">
-            <a:schemeClr val="accent1"/>
-          </a:effectRef>
-          <a:fontRef idx="minor">
-            <a:schemeClr val="lt1"/>
-          </a:fontRef>
-        </p:style>
-        <p:txBody>
-          <a:bodyPr wrap="none" lIns="45720" rIns="45720" rtlCol="0" anchor="ctr"/>
-          <a:lstStyle/>
-          <a:p>
-            <a:pPr algn="ctr"/>
-            <a:r>
-              <a:rPr lang="en-US" sz="900" dirty="0">
-                <a:solidFill>
-                  <a:srgbClr val="000000"/>
-                </a:solidFill>
-                <a:latin typeface="Courier New" panose="02070309020205020404" pitchFamily="49" charset="0"/>
-                <a:cs typeface="Courier New" panose="02070309020205020404" pitchFamily="49" charset="0"/>
-              </a:rPr>
-              <a:t>14</a:t>
-            </a:r>
-            <a:endParaRPr lang="en-US" sz="900" dirty="0">
-              <a:solidFill>
-                <a:srgbClr val="000000"/>
-              </a:solidFill>
-              <a:latin typeface="Courier New" panose="02070309020205020404" pitchFamily="49" charset="0"/>
-              <a:cs typeface="Courier New" panose="02070309020205020404" pitchFamily="49" charset="0"/>
-            </a:endParaRPr>
-          </a:p>
-        </p:txBody>
-      </p:sp>
-      <p:cxnSp>
-        <p:nvCxnSpPr>
-          <p:cNvPr id="384" name="Straight Connector 383"/>
-          <p:cNvCxnSpPr/>
-          <p:nvPr/>
-        </p:nvCxnSpPr>
-        <p:spPr>
-          <a:xfrm flipV="1">
-            <a:off x="13792200" y="3276600"/>
-            <a:ext cx="152400" cy="152400"/>
-          </a:xfrm>
-          <a:prstGeom prst="line">
-            <a:avLst/>
-          </a:prstGeom>
-          <a:ln w="12700">
-            <a:solidFill>
-              <a:srgbClr val="000000"/>
-            </a:solidFill>
-            <a:headEnd type="none" w="med" len="med"/>
-            <a:tailEnd type="none" w="med" len="med"/>
-          </a:ln>
-        </p:spPr>
-        <p:style>
-          <a:lnRef idx="1">
-            <a:schemeClr val="accent1"/>
-          </a:lnRef>
-          <a:fillRef idx="0">
-            <a:schemeClr val="accent1"/>
-          </a:fillRef>
-          <a:effectRef idx="0">
-            <a:schemeClr val="accent1"/>
-          </a:effectRef>
-          <a:fontRef idx="minor">
-            <a:schemeClr val="tx1"/>
-          </a:fontRef>
-        </p:style>
-      </p:cxnSp>
-      <p:sp>
-        <p:nvSpPr>
-          <p:cNvPr id="385" name="Rectangle 384"/>
-          <p:cNvSpPr/>
-          <p:nvPr/>
-        </p:nvSpPr>
-        <p:spPr>
-          <a:xfrm>
-            <a:off x="13792200" y="3200400"/>
-            <a:ext cx="152400" cy="76200"/>
-          </a:xfrm>
-          <a:prstGeom prst="rect">
-            <a:avLst/>
-          </a:prstGeom>
-          <a:noFill/>
-          <a:ln>
-            <a:noFill/>
-          </a:ln>
-        </p:spPr>
-        <p:style>
-          <a:lnRef idx="2">
-            <a:schemeClr val="accent1">
-              <a:shade val="50000"/>
-            </a:schemeClr>
-          </a:lnRef>
-          <a:fillRef idx="1">
-            <a:schemeClr val="accent1"/>
-          </a:fillRef>
-          <a:effectRef idx="0">
-            <a:schemeClr val="accent1"/>
-          </a:effectRef>
-          <a:fontRef idx="minor">
-            <a:schemeClr val="lt1"/>
-          </a:fontRef>
-        </p:style>
-        <p:txBody>
-          <a:bodyPr wrap="none" lIns="45720" rIns="45720" rtlCol="0" anchor="ctr"/>
-          <a:lstStyle/>
-          <a:p>
-            <a:pPr algn="ctr"/>
-            <a:r>
-              <a:rPr lang="en-US" sz="900" dirty="0">
-                <a:solidFill>
-                  <a:srgbClr val="000000"/>
-                </a:solidFill>
-                <a:latin typeface="Courier New" panose="02070309020205020404" pitchFamily="49" charset="0"/>
-                <a:cs typeface="Courier New" panose="02070309020205020404" pitchFamily="49" charset="0"/>
-              </a:rPr>
-              <a:t>1</a:t>
+              <a:rPr lang="en-US" sz="900" dirty="0" smtClean="0">
+                <a:solidFill>
+                  <a:srgbClr val="000000"/>
+                </a:solidFill>
+                <a:latin typeface="Courier New" panose="02070309020205020404" pitchFamily="49" charset="0"/>
+                <a:cs typeface="Courier New" panose="02070309020205020404" pitchFamily="49" charset="0"/>
+              </a:rPr>
+              <a:t>31</a:t>
             </a:r>
             <a:endParaRPr lang="en-US" sz="900" dirty="0">
               <a:solidFill>

--- a/0090_ber/rtl/schematic/lvds_test.pptx
+++ b/0090_ber/rtl/schematic/lvds_test.pptx
@@ -197,7 +197,7 @@
           <a:p>
             <a:fld id="{B9E5BF02-4A65-43B2-AA51-912306618617}" type="datetimeFigureOut">
               <a:rPr lang="en-US" smtClean="0"/>
-              <a:t>10/24/2017</a:t>
+              <a:t>10/25/2017</a:t>
             </a:fld>
             <a:endParaRPr lang="en-US"/>
           </a:p>
@@ -685,7 +685,7 @@
           <a:p>
             <a:fld id="{F8F920B2-3E99-4C9D-9450-62A3DEC5476B}" type="datetimeFigureOut">
               <a:rPr lang="en-US" smtClean="0"/>
-              <a:t>10/24/2017</a:t>
+              <a:t>10/25/2017</a:t>
             </a:fld>
             <a:endParaRPr lang="en-US"/>
           </a:p>
@@ -855,7 +855,7 @@
           <a:p>
             <a:fld id="{F8F920B2-3E99-4C9D-9450-62A3DEC5476B}" type="datetimeFigureOut">
               <a:rPr lang="en-US" smtClean="0"/>
-              <a:t>10/24/2017</a:t>
+              <a:t>10/25/2017</a:t>
             </a:fld>
             <a:endParaRPr lang="en-US"/>
           </a:p>
@@ -1035,7 +1035,7 @@
           <a:p>
             <a:fld id="{F8F920B2-3E99-4C9D-9450-62A3DEC5476B}" type="datetimeFigureOut">
               <a:rPr lang="en-US" smtClean="0"/>
-              <a:t>10/24/2017</a:t>
+              <a:t>10/25/2017</a:t>
             </a:fld>
             <a:endParaRPr lang="en-US"/>
           </a:p>
@@ -1205,7 +1205,7 @@
           <a:p>
             <a:fld id="{F8F920B2-3E99-4C9D-9450-62A3DEC5476B}" type="datetimeFigureOut">
               <a:rPr lang="en-US" smtClean="0"/>
-              <a:t>10/24/2017</a:t>
+              <a:t>10/25/2017</a:t>
             </a:fld>
             <a:endParaRPr lang="en-US"/>
           </a:p>
@@ -1449,7 +1449,7 @@
           <a:p>
             <a:fld id="{F8F920B2-3E99-4C9D-9450-62A3DEC5476B}" type="datetimeFigureOut">
               <a:rPr lang="en-US" smtClean="0"/>
-              <a:t>10/24/2017</a:t>
+              <a:t>10/25/2017</a:t>
             </a:fld>
             <a:endParaRPr lang="en-US"/>
           </a:p>
@@ -1681,7 +1681,7 @@
           <a:p>
             <a:fld id="{F8F920B2-3E99-4C9D-9450-62A3DEC5476B}" type="datetimeFigureOut">
               <a:rPr lang="en-US" smtClean="0"/>
-              <a:t>10/24/2017</a:t>
+              <a:t>10/25/2017</a:t>
             </a:fld>
             <a:endParaRPr lang="en-US"/>
           </a:p>
@@ -2048,7 +2048,7 @@
           <a:p>
             <a:fld id="{F8F920B2-3E99-4C9D-9450-62A3DEC5476B}" type="datetimeFigureOut">
               <a:rPr lang="en-US" smtClean="0"/>
-              <a:t>10/24/2017</a:t>
+              <a:t>10/25/2017</a:t>
             </a:fld>
             <a:endParaRPr lang="en-US"/>
           </a:p>
@@ -2166,7 +2166,7 @@
           <a:p>
             <a:fld id="{F8F920B2-3E99-4C9D-9450-62A3DEC5476B}" type="datetimeFigureOut">
               <a:rPr lang="en-US" smtClean="0"/>
-              <a:t>10/24/2017</a:t>
+              <a:t>10/25/2017</a:t>
             </a:fld>
             <a:endParaRPr lang="en-US"/>
           </a:p>
@@ -2261,7 +2261,7 @@
           <a:p>
             <a:fld id="{F8F920B2-3E99-4C9D-9450-62A3DEC5476B}" type="datetimeFigureOut">
               <a:rPr lang="en-US" smtClean="0"/>
-              <a:t>10/24/2017</a:t>
+              <a:t>10/25/2017</a:t>
             </a:fld>
             <a:endParaRPr lang="en-US"/>
           </a:p>
@@ -2538,7 +2538,7 @@
           <a:p>
             <a:fld id="{F8F920B2-3E99-4C9D-9450-62A3DEC5476B}" type="datetimeFigureOut">
               <a:rPr lang="en-US" smtClean="0"/>
-              <a:t>10/24/2017</a:t>
+              <a:t>10/25/2017</a:t>
             </a:fld>
             <a:endParaRPr lang="en-US"/>
           </a:p>
@@ -2795,7 +2795,7 @@
           <a:p>
             <a:fld id="{F8F920B2-3E99-4C9D-9450-62A3DEC5476B}" type="datetimeFigureOut">
               <a:rPr lang="en-US" smtClean="0"/>
-              <a:t>10/24/2017</a:t>
+              <a:t>10/25/2017</a:t>
             </a:fld>
             <a:endParaRPr lang="en-US"/>
           </a:p>
@@ -3008,7 +3008,7 @@
           <a:p>
             <a:fld id="{F8F920B2-3E99-4C9D-9450-62A3DEC5476B}" type="datetimeFigureOut">
               <a:rPr lang="en-US" smtClean="0"/>
-              <a:t>10/24/2017</a:t>
+              <a:t>10/25/2017</a:t>
             </a:fld>
             <a:endParaRPr lang="en-US"/>
           </a:p>
@@ -7799,15 +7799,22 @@
           <a:lstStyle/>
           <a:p>
             <a:r>
-              <a:rPr lang="en-US" sz="900" dirty="0">
-                <a:solidFill>
-                  <a:srgbClr val="000000"/>
-                </a:solidFill>
-                <a:latin typeface="Courier New" panose="02070309020205020404" pitchFamily="49" charset="0"/>
-                <a:cs typeface="Courier New" panose="02070309020205020404" pitchFamily="49" charset="0"/>
-              </a:rPr>
-              <a:t>CNT2</a:t>
-            </a:r>
+              <a:rPr lang="en-US" sz="900" dirty="0" smtClean="0">
+                <a:solidFill>
+                  <a:srgbClr val="000000"/>
+                </a:solidFill>
+                <a:latin typeface="Courier New" panose="02070309020205020404" pitchFamily="49" charset="0"/>
+                <a:cs typeface="Courier New" panose="02070309020205020404" pitchFamily="49" charset="0"/>
+              </a:rPr>
+              <a:t>PLL_ADDR</a:t>
+            </a:r>
+            <a:endParaRPr lang="en-US" sz="900" dirty="0">
+              <a:solidFill>
+                <a:srgbClr val="000000"/>
+              </a:solidFill>
+              <a:latin typeface="Courier New" panose="02070309020205020404" pitchFamily="49" charset="0"/>
+              <a:cs typeface="Courier New" panose="02070309020205020404" pitchFamily="49" charset="0"/>
+            </a:endParaRPr>
           </a:p>
         </p:txBody>
       </p:sp>
@@ -8551,128 +8558,17 @@
       </p:sp>
       <p:cxnSp>
         <p:nvCxnSpPr>
-          <p:cNvPr id="273" name="Straight Connector 272"/>
-          <p:cNvCxnSpPr/>
-          <p:nvPr/>
-        </p:nvCxnSpPr>
-        <p:spPr>
-          <a:xfrm flipV="1">
-            <a:off x="5638800" y="5181600"/>
-            <a:ext cx="0" cy="304800"/>
-          </a:xfrm>
-          <a:prstGeom prst="line">
-            <a:avLst/>
-          </a:prstGeom>
-          <a:ln w="12700">
-            <a:solidFill>
-              <a:srgbClr val="000000"/>
-            </a:solidFill>
-            <a:headEnd type="oval" w="med" len="med"/>
-            <a:tailEnd type="none" w="med" len="med"/>
-          </a:ln>
-        </p:spPr>
-        <p:style>
-          <a:lnRef idx="1">
-            <a:schemeClr val="accent1"/>
-          </a:lnRef>
-          <a:fillRef idx="0">
-            <a:schemeClr val="accent1"/>
-          </a:fillRef>
-          <a:effectRef idx="0">
-            <a:schemeClr val="accent1"/>
-          </a:effectRef>
-          <a:fontRef idx="minor">
-            <a:schemeClr val="tx1"/>
-          </a:fontRef>
-        </p:style>
-      </p:cxnSp>
-      <p:cxnSp>
-        <p:nvCxnSpPr>
-          <p:cNvPr id="275" name="Straight Connector 274"/>
-          <p:cNvCxnSpPr/>
-          <p:nvPr/>
-        </p:nvCxnSpPr>
-        <p:spPr>
-          <a:xfrm>
-            <a:off x="5638800" y="5181600"/>
-            <a:ext cx="304800" cy="0"/>
-          </a:xfrm>
-          <a:prstGeom prst="line">
-            <a:avLst/>
-          </a:prstGeom>
-          <a:ln w="12700">
-            <a:solidFill>
-              <a:srgbClr val="000000"/>
-            </a:solidFill>
-            <a:headEnd type="none" w="med" len="med"/>
-            <a:tailEnd type="triangle" w="med" len="med"/>
-          </a:ln>
-        </p:spPr>
-        <p:style>
-          <a:lnRef idx="1">
-            <a:schemeClr val="accent1"/>
-          </a:lnRef>
-          <a:fillRef idx="0">
-            <a:schemeClr val="accent1"/>
-          </a:fillRef>
-          <a:effectRef idx="0">
-            <a:schemeClr val="accent1"/>
-          </a:effectRef>
-          <a:fontRef idx="minor">
-            <a:schemeClr val="tx1"/>
-          </a:fontRef>
-        </p:style>
-      </p:cxnSp>
-      <p:cxnSp>
-        <p:nvCxnSpPr>
-          <p:cNvPr id="277" name="Straight Connector 276"/>
-          <p:cNvCxnSpPr/>
-          <p:nvPr/>
-        </p:nvCxnSpPr>
-        <p:spPr>
-          <a:xfrm flipH="1">
-            <a:off x="5943600" y="5181600"/>
-            <a:ext cx="1981200" cy="0"/>
-          </a:xfrm>
-          <a:prstGeom prst="line">
-            <a:avLst/>
-          </a:prstGeom>
-          <a:ln w="12700">
-            <a:solidFill>
-              <a:srgbClr val="000000"/>
-            </a:solidFill>
-            <a:prstDash val="dash"/>
-            <a:headEnd type="none" w="med" len="med"/>
-            <a:tailEnd type="none" w="med" len="med"/>
-          </a:ln>
-        </p:spPr>
-        <p:style>
-          <a:lnRef idx="1">
-            <a:schemeClr val="accent1"/>
-          </a:lnRef>
-          <a:fillRef idx="0">
-            <a:schemeClr val="accent1"/>
-          </a:fillRef>
-          <a:effectRef idx="0">
-            <a:schemeClr val="accent1"/>
-          </a:effectRef>
-          <a:fontRef idx="minor">
-            <a:schemeClr val="tx1"/>
-          </a:fontRef>
-        </p:style>
-      </p:cxnSp>
-      <p:cxnSp>
-        <p:nvCxnSpPr>
           <p:cNvPr id="282" name="Straight Connector 281"/>
           <p:cNvCxnSpPr>
+            <a:stCxn id="226" idx="3"/>
             <a:endCxn id="272" idx="1"/>
           </p:cNvCxnSpPr>
           <p:nvPr/>
         </p:nvCxnSpPr>
         <p:spPr>
           <a:xfrm>
-            <a:off x="7924800" y="5181600"/>
-            <a:ext cx="3352800" cy="0"/>
+            <a:off x="7620000" y="5181600"/>
+            <a:ext cx="3657600" cy="0"/>
           </a:xfrm>
           <a:prstGeom prst="line">
             <a:avLst/>
@@ -10184,14 +10080,24 @@
           <a:lstStyle/>
           <a:p>
             <a:r>
-              <a:rPr lang="en-US" sz="900" dirty="0" err="1">
-                <a:solidFill>
-                  <a:srgbClr val="000000"/>
-                </a:solidFill>
-                <a:latin typeface="Courier New" panose="02070309020205020404" pitchFamily="49" charset="0"/>
-                <a:cs typeface="Courier New" panose="02070309020205020404" pitchFamily="49" charset="0"/>
-              </a:rPr>
-              <a:t>main_mode</a:t>
+              <a:rPr lang="en-US" sz="900" dirty="0" err="1" smtClean="0">
+                <a:solidFill>
+                  <a:srgbClr val="000000"/>
+                </a:solidFill>
+                <a:latin typeface="Courier New" panose="02070309020205020404" pitchFamily="49" charset="0"/>
+                <a:cs typeface="Courier New" panose="02070309020205020404" pitchFamily="49" charset="0"/>
+              </a:rPr>
+              <a:t>sub</a:t>
+            </a:r>
+            <a:r>
+              <a:rPr lang="en-US" sz="900" dirty="0" err="1" smtClean="0">
+                <a:solidFill>
+                  <a:srgbClr val="000000"/>
+                </a:solidFill>
+                <a:latin typeface="Courier New" panose="02070309020205020404" pitchFamily="49" charset="0"/>
+                <a:cs typeface="Courier New" panose="02070309020205020404" pitchFamily="49" charset="0"/>
+              </a:rPr>
+              <a:t>_mode</a:t>
             </a:r>
             <a:endParaRPr lang="en-US" sz="900" dirty="0">
               <a:solidFill>
@@ -11310,17 +11216,7 @@
                 <a:latin typeface="Courier New" panose="02070309020205020404" pitchFamily="49" charset="0"/>
                 <a:cs typeface="Courier New" panose="02070309020205020404" pitchFamily="49" charset="0"/>
               </a:rPr>
-              <a:t>*_</a:t>
-            </a:r>
-            <a:r>
-              <a:rPr lang="en-US" sz="900" dirty="0" smtClean="0">
-                <a:solidFill>
-                  <a:srgbClr val="000000"/>
-                </a:solidFill>
-                <a:latin typeface="Courier New" panose="02070309020205020404" pitchFamily="49" charset="0"/>
-                <a:cs typeface="Courier New" panose="02070309020205020404" pitchFamily="49" charset="0"/>
-              </a:rPr>
-              <a:t>SR_B</a:t>
+              <a:t>*_SR_B</a:t>
             </a:r>
             <a:endParaRPr lang="en-US" sz="900" dirty="0">
               <a:solidFill>
@@ -11418,17 +11314,7 @@
                 <a:latin typeface="Courier New" panose="02070309020205020404" pitchFamily="49" charset="0"/>
                 <a:cs typeface="Courier New" panose="02070309020205020404" pitchFamily="49" charset="0"/>
               </a:rPr>
-              <a:t>*_</a:t>
-            </a:r>
-            <a:r>
-              <a:rPr lang="en-US" sz="900" dirty="0" smtClean="0">
-                <a:solidFill>
-                  <a:srgbClr val="000000"/>
-                </a:solidFill>
-                <a:latin typeface="Courier New" panose="02070309020205020404" pitchFamily="49" charset="0"/>
-                <a:cs typeface="Courier New" panose="02070309020205020404" pitchFamily="49" charset="0"/>
-              </a:rPr>
-              <a:t>PUDEN_TX_B</a:t>
+              <a:t>*_PUDEN_TX_B</a:t>
             </a:r>
             <a:endParaRPr lang="en-US" sz="900" dirty="0">
               <a:solidFill>
@@ -11526,17 +11412,7 @@
                 <a:latin typeface="Courier New" panose="02070309020205020404" pitchFamily="49" charset="0"/>
                 <a:cs typeface="Courier New" panose="02070309020205020404" pitchFamily="49" charset="0"/>
               </a:rPr>
-              <a:t>*_</a:t>
-            </a:r>
-            <a:r>
-              <a:rPr lang="en-US" sz="900" dirty="0" smtClean="0">
-                <a:solidFill>
-                  <a:srgbClr val="000000"/>
-                </a:solidFill>
-                <a:latin typeface="Courier New" panose="02070309020205020404" pitchFamily="49" charset="0"/>
-                <a:cs typeface="Courier New" panose="02070309020205020404" pitchFamily="49" charset="0"/>
-              </a:rPr>
-              <a:t>PUDEN_RX_B</a:t>
+              <a:t>*_PUDEN_RX_B</a:t>
             </a:r>
             <a:endParaRPr lang="en-US" sz="900" dirty="0">
               <a:solidFill>
@@ -11585,17 +11461,7 @@
                 <a:latin typeface="Courier New" panose="02070309020205020404" pitchFamily="49" charset="0"/>
                 <a:cs typeface="Courier New" panose="02070309020205020404" pitchFamily="49" charset="0"/>
               </a:rPr>
-              <a:t>*_</a:t>
-            </a:r>
-            <a:r>
-              <a:rPr lang="en-US" sz="900" dirty="0" smtClean="0">
-                <a:solidFill>
-                  <a:srgbClr val="000000"/>
-                </a:solidFill>
-                <a:latin typeface="Courier New" panose="02070309020205020404" pitchFamily="49" charset="0"/>
-                <a:cs typeface="Courier New" panose="02070309020205020404" pitchFamily="49" charset="0"/>
-              </a:rPr>
-              <a:t>PUDPOL_TX_A</a:t>
+              <a:t>*_PUDPOL_TX_A</a:t>
             </a:r>
             <a:endParaRPr lang="en-US" sz="900" dirty="0">
               <a:solidFill>
@@ -11644,17 +11510,7 @@
                 <a:latin typeface="Courier New" panose="02070309020205020404" pitchFamily="49" charset="0"/>
                 <a:cs typeface="Courier New" panose="02070309020205020404" pitchFamily="49" charset="0"/>
               </a:rPr>
-              <a:t>*_</a:t>
-            </a:r>
-            <a:r>
-              <a:rPr lang="en-US" sz="900" dirty="0" smtClean="0">
-                <a:solidFill>
-                  <a:srgbClr val="000000"/>
-                </a:solidFill>
-                <a:latin typeface="Courier New" panose="02070309020205020404" pitchFamily="49" charset="0"/>
-                <a:cs typeface="Courier New" panose="02070309020205020404" pitchFamily="49" charset="0"/>
-              </a:rPr>
-              <a:t>PUDPOL_TX_B</a:t>
+              <a:t>*_PUDPOL_TX_B</a:t>
             </a:r>
             <a:endParaRPr lang="en-US" sz="900" dirty="0">
               <a:solidFill>
@@ -11703,17 +11559,7 @@
                 <a:latin typeface="Courier New" panose="02070309020205020404" pitchFamily="49" charset="0"/>
                 <a:cs typeface="Courier New" panose="02070309020205020404" pitchFamily="49" charset="0"/>
               </a:rPr>
-              <a:t>*_</a:t>
-            </a:r>
-            <a:r>
-              <a:rPr lang="en-US" sz="900" dirty="0" smtClean="0">
-                <a:solidFill>
-                  <a:srgbClr val="000000"/>
-                </a:solidFill>
-                <a:latin typeface="Courier New" panose="02070309020205020404" pitchFamily="49" charset="0"/>
-                <a:cs typeface="Courier New" panose="02070309020205020404" pitchFamily="49" charset="0"/>
-              </a:rPr>
-              <a:t>PUDPOL_RX_A</a:t>
+              <a:t>*_PUDPOL_RX_A</a:t>
             </a:r>
             <a:endParaRPr lang="en-US" sz="900" dirty="0">
               <a:solidFill>
@@ -11831,17 +11677,7 @@
                 <a:latin typeface="Courier New" panose="02070309020205020404" pitchFamily="49" charset="0"/>
                 <a:cs typeface="Courier New" panose="02070309020205020404" pitchFamily="49" charset="0"/>
               </a:rPr>
-              <a:t>*_</a:t>
-            </a:r>
-            <a:r>
-              <a:rPr lang="en-US" sz="900" dirty="0" smtClean="0">
-                <a:solidFill>
-                  <a:srgbClr val="000000"/>
-                </a:solidFill>
-                <a:latin typeface="Courier New" panose="02070309020205020404" pitchFamily="49" charset="0"/>
-                <a:cs typeface="Courier New" panose="02070309020205020404" pitchFamily="49" charset="0"/>
-              </a:rPr>
-              <a:t>TEST_A</a:t>
+              <a:t>*_TEST_A</a:t>
             </a:r>
             <a:endParaRPr lang="en-US" sz="900" dirty="0">
               <a:solidFill>
@@ -14380,6 +14216,156 @@
               <a:latin typeface="Courier New" panose="02070309020205020404" pitchFamily="49" charset="0"/>
               <a:cs typeface="Courier New" panose="02070309020205020404" pitchFamily="49" charset="0"/>
             </a:endParaRPr>
+          </a:p>
+        </p:txBody>
+      </p:sp>
+      <p:sp>
+        <p:nvSpPr>
+          <p:cNvPr id="226" name="Rectangle 225"/>
+          <p:cNvSpPr/>
+          <p:nvPr/>
+        </p:nvSpPr>
+        <p:spPr>
+          <a:xfrm>
+            <a:off x="7162800" y="5105400"/>
+            <a:ext cx="457200" cy="152400"/>
+          </a:xfrm>
+          <a:prstGeom prst="rect">
+            <a:avLst/>
+          </a:prstGeom>
+          <a:noFill/>
+          <a:ln>
+            <a:noFill/>
+          </a:ln>
+        </p:spPr>
+        <p:style>
+          <a:lnRef idx="2">
+            <a:schemeClr val="accent1">
+              <a:shade val="50000"/>
+            </a:schemeClr>
+          </a:lnRef>
+          <a:fillRef idx="1">
+            <a:schemeClr val="accent1"/>
+          </a:fillRef>
+          <a:effectRef idx="0">
+            <a:schemeClr val="accent1"/>
+          </a:effectRef>
+          <a:fontRef idx="minor">
+            <a:schemeClr val="lt1"/>
+          </a:fontRef>
+        </p:style>
+        <p:txBody>
+          <a:bodyPr wrap="none" lIns="45720" rIns="45720" rtlCol="0" anchor="ctr"/>
+          <a:lstStyle/>
+          <a:p>
+            <a:pPr algn="r"/>
+            <a:r>
+              <a:rPr lang="en-US" sz="900" dirty="0" smtClean="0">
+                <a:solidFill>
+                  <a:srgbClr val="000000"/>
+                </a:solidFill>
+                <a:latin typeface="Courier New" panose="02070309020205020404" pitchFamily="49" charset="0"/>
+                <a:cs typeface="Courier New" panose="02070309020205020404" pitchFamily="49" charset="0"/>
+              </a:rPr>
+              <a:t>CNT2</a:t>
+            </a:r>
+            <a:endParaRPr lang="en-US" sz="900" dirty="0">
+              <a:solidFill>
+                <a:srgbClr val="000000"/>
+              </a:solidFill>
+              <a:latin typeface="Courier New" panose="02070309020205020404" pitchFamily="49" charset="0"/>
+              <a:cs typeface="Courier New" panose="02070309020205020404" pitchFamily="49" charset="0"/>
+            </a:endParaRPr>
+          </a:p>
+        </p:txBody>
+      </p:sp>
+      <p:cxnSp>
+        <p:nvCxnSpPr>
+          <p:cNvPr id="231" name="Straight Connector 230"/>
+          <p:cNvCxnSpPr/>
+          <p:nvPr/>
+        </p:nvCxnSpPr>
+        <p:spPr>
+          <a:xfrm flipV="1">
+            <a:off x="7696200" y="5105400"/>
+            <a:ext cx="152400" cy="152400"/>
+          </a:xfrm>
+          <a:prstGeom prst="line">
+            <a:avLst/>
+          </a:prstGeom>
+          <a:ln w="12700">
+            <a:solidFill>
+              <a:srgbClr val="000000"/>
+            </a:solidFill>
+            <a:headEnd type="none" w="med" len="med"/>
+            <a:tailEnd type="none" w="med" len="med"/>
+          </a:ln>
+        </p:spPr>
+        <p:style>
+          <a:lnRef idx="1">
+            <a:schemeClr val="accent1"/>
+          </a:lnRef>
+          <a:fillRef idx="0">
+            <a:schemeClr val="accent1"/>
+          </a:fillRef>
+          <a:effectRef idx="0">
+            <a:schemeClr val="accent1"/>
+          </a:effectRef>
+          <a:fontRef idx="minor">
+            <a:schemeClr val="tx1"/>
+          </a:fontRef>
+        </p:style>
+      </p:cxnSp>
+      <p:sp>
+        <p:nvSpPr>
+          <p:cNvPr id="234" name="Rectangle 233"/>
+          <p:cNvSpPr/>
+          <p:nvPr/>
+        </p:nvSpPr>
+        <p:spPr>
+          <a:xfrm>
+            <a:off x="7696200" y="5029200"/>
+            <a:ext cx="152400" cy="76200"/>
+          </a:xfrm>
+          <a:prstGeom prst="rect">
+            <a:avLst/>
+          </a:prstGeom>
+          <a:noFill/>
+          <a:ln>
+            <a:noFill/>
+          </a:ln>
+        </p:spPr>
+        <p:style>
+          <a:lnRef idx="2">
+            <a:schemeClr val="accent1">
+              <a:shade val="50000"/>
+            </a:schemeClr>
+          </a:lnRef>
+          <a:fillRef idx="1">
+            <a:schemeClr val="accent1"/>
+          </a:fillRef>
+          <a:effectRef idx="0">
+            <a:schemeClr val="accent1"/>
+          </a:effectRef>
+          <a:fontRef idx="minor">
+            <a:schemeClr val="lt1"/>
+          </a:fontRef>
+        </p:style>
+        <p:txBody>
+          <a:bodyPr wrap="none" lIns="45720" rIns="45720" rtlCol="0" anchor="ctr"/>
+          <a:lstStyle/>
+          <a:p>
+            <a:pPr algn="ctr"/>
+            <a:r>
+              <a:rPr lang="en-US" sz="900" dirty="0">
+                <a:solidFill>
+                  <a:srgbClr val="000000"/>
+                </a:solidFill>
+                <a:latin typeface="Courier New" panose="02070309020205020404" pitchFamily="49" charset="0"/>
+                <a:cs typeface="Courier New" panose="02070309020205020404" pitchFamily="49" charset="0"/>
+              </a:rPr>
+              <a:t>8</a:t>
+            </a:r>
           </a:p>
         </p:txBody>
       </p:sp>

--- a/0090_ber/rtl/schematic/lvds_test.pptx
+++ b/0090_ber/rtl/schematic/lvds_test.pptx
@@ -3486,8 +3486,8 @@
         </p:nvSpPr>
         <p:spPr>
           <a:xfrm>
-            <a:off x="2438400" y="5029200"/>
-            <a:ext cx="1371600" cy="5029200"/>
+            <a:off x="2438400" y="2133600"/>
+            <a:ext cx="1371600" cy="7924800"/>
           </a:xfrm>
           <a:prstGeom prst="rect">
             <a:avLst/>
@@ -3673,7 +3673,7 @@
         </p:nvSpPr>
         <p:spPr>
           <a:xfrm>
-            <a:off x="2438400" y="4876800"/>
+            <a:off x="2438400" y="1981200"/>
             <a:ext cx="457200" cy="152400"/>
           </a:xfrm>
           <a:prstGeom prst="rect">
@@ -4563,8 +4563,8 @@
         </p:nvSpPr>
         <p:spPr>
           <a:xfrm>
-            <a:off x="8534400" y="5486400"/>
-            <a:ext cx="1371600" cy="3657600"/>
+            <a:off x="8534400" y="2590800"/>
+            <a:ext cx="1371600" cy="6553200"/>
           </a:xfrm>
           <a:prstGeom prst="rect">
             <a:avLst/>
@@ -4597,15 +4597,22 @@
           <a:lstStyle/>
           <a:p>
             <a:r>
-              <a:rPr lang="en-US" sz="900" dirty="0">
+              <a:rPr lang="en-US" sz="900" dirty="0" smtClean="0">
                 <a:solidFill>
                   <a:schemeClr val="tx1"/>
                 </a:solidFill>
                 <a:latin typeface="Courier New" panose="02070309020205020404" pitchFamily="49" charset="0"/>
                 <a:cs typeface="Courier New" panose="02070309020205020404" pitchFamily="49" charset="0"/>
               </a:rPr>
-              <a:t>lvds1</a:t>
-            </a:r>
+              <a:t>stimulus</a:t>
+            </a:r>
+            <a:endParaRPr lang="en-US" sz="900" dirty="0">
+              <a:solidFill>
+                <a:schemeClr val="tx1"/>
+              </a:solidFill>
+              <a:latin typeface="Courier New" panose="02070309020205020404" pitchFamily="49" charset="0"/>
+              <a:cs typeface="Courier New" panose="02070309020205020404" pitchFamily="49" charset="0"/>
+            </a:endParaRPr>
           </a:p>
         </p:txBody>
       </p:sp>
@@ -4795,7 +4802,7 @@
         </p:nvSpPr>
         <p:spPr>
           <a:xfrm>
-            <a:off x="9448800" y="7696200"/>
+            <a:off x="9448800" y="4953000"/>
             <a:ext cx="457200" cy="152400"/>
           </a:xfrm>
           <a:prstGeom prst="rect">
@@ -4828,7 +4835,17 @@
           <a:p>
             <a:pPr algn="r"/>
             <a:r>
-              <a:rPr lang="en-US" sz="900" dirty="0">
+              <a:rPr lang="en-US" sz="900" dirty="0" smtClean="0">
+                <a:solidFill>
+                  <a:srgbClr val="000000"/>
+                </a:solidFill>
+                <a:latin typeface="Courier New" panose="02070309020205020404" pitchFamily="49" charset="0"/>
+                <a:cs typeface="Courier New" panose="02070309020205020404" pitchFamily="49" charset="0"/>
+              </a:rPr>
+              <a:t>NTA_</a:t>
+            </a:r>
+            <a:r>
+              <a:rPr lang="en-US" sz="900" dirty="0" smtClean="0">
                 <a:solidFill>
                   <a:srgbClr val="000000"/>
                 </a:solidFill>
@@ -4837,6 +4854,13 @@
               </a:rPr>
               <a:t>DIN</a:t>
             </a:r>
+            <a:endParaRPr lang="en-US" sz="900" dirty="0">
+              <a:solidFill>
+                <a:srgbClr val="000000"/>
+              </a:solidFill>
+              <a:latin typeface="Courier New" panose="02070309020205020404" pitchFamily="49" charset="0"/>
+              <a:cs typeface="Courier New" panose="02070309020205020404" pitchFamily="49" charset="0"/>
+            </a:endParaRPr>
           </a:p>
         </p:txBody>
       </p:sp>
@@ -4848,7 +4872,7 @@
         </p:nvSpPr>
         <p:spPr>
           <a:xfrm>
-            <a:off x="8534400" y="5334000"/>
+            <a:off x="8534400" y="2438400"/>
             <a:ext cx="457200" cy="152400"/>
           </a:xfrm>
           <a:prstGeom prst="rect">
@@ -4880,15 +4904,22 @@
           <a:lstStyle/>
           <a:p>
             <a:r>
-              <a:rPr lang="en-US" sz="900" dirty="0">
-                <a:solidFill>
-                  <a:srgbClr val="000000"/>
-                </a:solidFill>
-                <a:latin typeface="Courier New" panose="02070309020205020404" pitchFamily="49" charset="0"/>
-                <a:cs typeface="Courier New" panose="02070309020205020404" pitchFamily="49" charset="0"/>
-              </a:rPr>
-              <a:t>i_lvds1</a:t>
-            </a:r>
+              <a:rPr lang="en-US" sz="900" dirty="0" err="1" smtClean="0">
+                <a:solidFill>
+                  <a:srgbClr val="000000"/>
+                </a:solidFill>
+                <a:latin typeface="Courier New" panose="02070309020205020404" pitchFamily="49" charset="0"/>
+                <a:cs typeface="Courier New" panose="02070309020205020404" pitchFamily="49" charset="0"/>
+              </a:rPr>
+              <a:t>i_stimulus</a:t>
+            </a:r>
+            <a:endParaRPr lang="en-US" sz="900" dirty="0">
+              <a:solidFill>
+                <a:srgbClr val="000000"/>
+              </a:solidFill>
+              <a:latin typeface="Courier New" panose="02070309020205020404" pitchFamily="49" charset="0"/>
+              <a:cs typeface="Courier New" panose="02070309020205020404" pitchFamily="49" charset="0"/>
+            </a:endParaRPr>
           </a:p>
         </p:txBody>
       </p:sp>
@@ -4900,7 +4931,7 @@
         </p:nvSpPr>
         <p:spPr>
           <a:xfrm>
-            <a:off x="9448800" y="7391400"/>
+            <a:off x="9448800" y="4724400"/>
             <a:ext cx="457200" cy="152400"/>
           </a:xfrm>
           <a:prstGeom prst="rect">
@@ -4933,15 +4964,22 @@
           <a:p>
             <a:pPr algn="r"/>
             <a:r>
-              <a:rPr lang="en-US" sz="900" dirty="0">
-                <a:solidFill>
-                  <a:srgbClr val="000000"/>
-                </a:solidFill>
-                <a:latin typeface="Courier New" panose="02070309020205020404" pitchFamily="49" charset="0"/>
-                <a:cs typeface="Courier New" panose="02070309020205020404" pitchFamily="49" charset="0"/>
-              </a:rPr>
-              <a:t>DOUT</a:t>
-            </a:r>
+              <a:rPr lang="en-US" sz="900" dirty="0" smtClean="0">
+                <a:solidFill>
+                  <a:srgbClr val="000000"/>
+                </a:solidFill>
+                <a:latin typeface="Courier New" panose="02070309020205020404" pitchFamily="49" charset="0"/>
+                <a:cs typeface="Courier New" panose="02070309020205020404" pitchFamily="49" charset="0"/>
+              </a:rPr>
+              <a:t>NTA_DOUT</a:t>
+            </a:r>
+            <a:endParaRPr lang="en-US" sz="900" dirty="0">
+              <a:solidFill>
+                <a:srgbClr val="000000"/>
+              </a:solidFill>
+              <a:latin typeface="Courier New" panose="02070309020205020404" pitchFamily="49" charset="0"/>
+              <a:cs typeface="Courier New" panose="02070309020205020404" pitchFamily="49" charset="0"/>
+            </a:endParaRPr>
           </a:p>
         </p:txBody>
       </p:sp>
@@ -4953,7 +4991,7 @@
         </p:nvSpPr>
         <p:spPr>
           <a:xfrm>
-            <a:off x="14020800" y="7391400"/>
+            <a:off x="14020800" y="4724400"/>
             <a:ext cx="228600" cy="152400"/>
           </a:xfrm>
           <a:prstGeom prst="homePlate">
@@ -5007,7 +5045,7 @@
         </p:nvCxnSpPr>
         <p:spPr>
           <a:xfrm flipH="1">
-            <a:off x="9906000" y="7467600"/>
+            <a:off x="9906000" y="4800600"/>
             <a:ext cx="4114800" cy="0"/>
           </a:xfrm>
           <a:prstGeom prst="line">
@@ -5044,7 +5082,7 @@
         </p:nvCxnSpPr>
         <p:spPr>
           <a:xfrm flipV="1">
-            <a:off x="13792200" y="7391400"/>
+            <a:off x="13792200" y="4724400"/>
             <a:ext cx="152400" cy="152400"/>
           </a:xfrm>
           <a:prstGeom prst="line">
@@ -5081,7 +5119,7 @@
         </p:nvSpPr>
         <p:spPr>
           <a:xfrm>
-            <a:off x="13792200" y="7315200"/>
+            <a:off x="13792200" y="4648200"/>
             <a:ext cx="152400" cy="76200"/>
           </a:xfrm>
           <a:prstGeom prst="rect">
@@ -5134,7 +5172,7 @@
         </p:nvSpPr>
         <p:spPr>
           <a:xfrm>
-            <a:off x="12954000" y="7315200"/>
+            <a:off x="12954000" y="4648200"/>
             <a:ext cx="457200" cy="152400"/>
           </a:xfrm>
           <a:prstGeom prst="rect">
@@ -5166,15 +5204,22 @@
           <a:lstStyle/>
           <a:p>
             <a:r>
-              <a:rPr lang="en-US" sz="900" dirty="0">
-                <a:solidFill>
-                  <a:srgbClr val="000000"/>
-                </a:solidFill>
-                <a:latin typeface="Courier New" panose="02070309020205020404" pitchFamily="49" charset="0"/>
-                <a:cs typeface="Courier New" panose="02070309020205020404" pitchFamily="49" charset="0"/>
-              </a:rPr>
-              <a:t>DOUT</a:t>
-            </a:r>
+              <a:rPr lang="en-US" sz="900" dirty="0" smtClean="0">
+                <a:solidFill>
+                  <a:srgbClr val="000000"/>
+                </a:solidFill>
+                <a:latin typeface="Courier New" panose="02070309020205020404" pitchFamily="49" charset="0"/>
+                <a:cs typeface="Courier New" panose="02070309020205020404" pitchFamily="49" charset="0"/>
+              </a:rPr>
+              <a:t>NTA_DOUT</a:t>
+            </a:r>
+            <a:endParaRPr lang="en-US" sz="900" dirty="0">
+              <a:solidFill>
+                <a:srgbClr val="000000"/>
+              </a:solidFill>
+              <a:latin typeface="Courier New" panose="02070309020205020404" pitchFamily="49" charset="0"/>
+              <a:cs typeface="Courier New" panose="02070309020205020404" pitchFamily="49" charset="0"/>
+            </a:endParaRPr>
           </a:p>
         </p:txBody>
       </p:sp>
@@ -5186,7 +5231,7 @@
         </p:nvSpPr>
         <p:spPr>
           <a:xfrm rot="10800000">
-            <a:off x="14020800" y="7696200"/>
+            <a:off x="14020800" y="4953000"/>
             <a:ext cx="228600" cy="152400"/>
           </a:xfrm>
           <a:prstGeom prst="homePlate">
@@ -5240,7 +5285,7 @@
         </p:nvCxnSpPr>
         <p:spPr>
           <a:xfrm flipH="1">
-            <a:off x="9906000" y="7772400"/>
+            <a:off x="9906000" y="5029200"/>
             <a:ext cx="4114800" cy="0"/>
           </a:xfrm>
           <a:prstGeom prst="line">
@@ -5277,7 +5322,7 @@
         </p:nvCxnSpPr>
         <p:spPr>
           <a:xfrm flipV="1">
-            <a:off x="13792200" y="7696200"/>
+            <a:off x="13792200" y="4953000"/>
             <a:ext cx="152400" cy="152400"/>
           </a:xfrm>
           <a:prstGeom prst="line">
@@ -5314,7 +5359,7 @@
         </p:nvSpPr>
         <p:spPr>
           <a:xfrm>
-            <a:off x="13792200" y="7620000"/>
+            <a:off x="13792200" y="4876800"/>
             <a:ext cx="152400" cy="76200"/>
           </a:xfrm>
           <a:prstGeom prst="rect">
@@ -5367,7 +5412,7 @@
         </p:nvSpPr>
         <p:spPr>
           <a:xfrm>
-            <a:off x="12954000" y="7620000"/>
+            <a:off x="12954000" y="4876800"/>
             <a:ext cx="457200" cy="152400"/>
           </a:xfrm>
           <a:prstGeom prst="rect">
@@ -5399,15 +5444,22 @@
           <a:lstStyle/>
           <a:p>
             <a:r>
-              <a:rPr lang="en-US" sz="900" dirty="0">
-                <a:solidFill>
-                  <a:srgbClr val="000000"/>
-                </a:solidFill>
-                <a:latin typeface="Courier New" panose="02070309020205020404" pitchFamily="49" charset="0"/>
-                <a:cs typeface="Courier New" panose="02070309020205020404" pitchFamily="49" charset="0"/>
-              </a:rPr>
-              <a:t>DIN</a:t>
-            </a:r>
+              <a:rPr lang="en-US" sz="900" dirty="0" smtClean="0">
+                <a:solidFill>
+                  <a:srgbClr val="000000"/>
+                </a:solidFill>
+                <a:latin typeface="Courier New" panose="02070309020205020404" pitchFamily="49" charset="0"/>
+                <a:cs typeface="Courier New" panose="02070309020205020404" pitchFamily="49" charset="0"/>
+              </a:rPr>
+              <a:t>NTA_DIN</a:t>
+            </a:r>
+            <a:endParaRPr lang="en-US" sz="900" dirty="0">
+              <a:solidFill>
+                <a:srgbClr val="000000"/>
+              </a:solidFill>
+              <a:latin typeface="Courier New" panose="02070309020205020404" pitchFamily="49" charset="0"/>
+              <a:cs typeface="Courier New" panose="02070309020205020404" pitchFamily="49" charset="0"/>
+            </a:endParaRPr>
           </a:p>
         </p:txBody>
       </p:sp>
@@ -6363,8 +6415,8 @@
         </p:nvSpPr>
         <p:spPr>
           <a:xfrm>
-            <a:off x="6248400" y="3505200"/>
-            <a:ext cx="1371600" cy="3124200"/>
+            <a:off x="6248400" y="609600"/>
+            <a:ext cx="1371600" cy="3048000"/>
           </a:xfrm>
           <a:prstGeom prst="rect">
             <a:avLst/>
@@ -6424,7 +6476,7 @@
         </p:nvSpPr>
         <p:spPr>
           <a:xfrm>
-            <a:off x="6248400" y="3352800"/>
+            <a:off x="6248400" y="457200"/>
             <a:ext cx="457200" cy="152400"/>
           </a:xfrm>
           <a:prstGeom prst="rect">
@@ -6483,7 +6535,7 @@
         </p:nvSpPr>
         <p:spPr>
           <a:xfrm>
-            <a:off x="7162800" y="6248400"/>
+            <a:off x="7162800" y="3352800"/>
             <a:ext cx="457200" cy="152400"/>
           </a:xfrm>
           <a:prstGeom prst="rect">
@@ -6536,7 +6588,7 @@
         </p:nvSpPr>
         <p:spPr>
           <a:xfrm>
-            <a:off x="7162800" y="4800600"/>
+            <a:off x="7162800" y="1905000"/>
             <a:ext cx="457200" cy="152400"/>
           </a:xfrm>
           <a:prstGeom prst="rect">
@@ -6589,7 +6641,7 @@
         </p:nvSpPr>
         <p:spPr>
           <a:xfrm>
-            <a:off x="6248400" y="6248400"/>
+            <a:off x="6248400" y="3352800"/>
             <a:ext cx="457200" cy="152400"/>
           </a:xfrm>
           <a:prstGeom prst="rect">
@@ -6641,7 +6693,7 @@
         </p:nvCxnSpPr>
         <p:spPr>
           <a:xfrm flipH="1" flipV="1">
-            <a:off x="6248400" y="6324600"/>
+            <a:off x="6248400" y="3429000"/>
             <a:ext cx="76200" cy="76200"/>
           </a:xfrm>
           <a:prstGeom prst="line">
@@ -6678,7 +6730,7 @@
         </p:nvCxnSpPr>
         <p:spPr>
           <a:xfrm flipH="1">
-            <a:off x="6248400" y="6400800"/>
+            <a:off x="6248400" y="3505200"/>
             <a:ext cx="76200" cy="76200"/>
           </a:xfrm>
           <a:prstGeom prst="line">
@@ -6715,7 +6767,7 @@
         </p:nvSpPr>
         <p:spPr>
           <a:xfrm>
-            <a:off x="6248400" y="6019800"/>
+            <a:off x="6248400" y="3124200"/>
             <a:ext cx="457200" cy="152400"/>
           </a:xfrm>
           <a:prstGeom prst="rect">
@@ -6767,7 +6819,7 @@
         </p:nvSpPr>
         <p:spPr>
           <a:xfrm>
-            <a:off x="6248400" y="3886200"/>
+            <a:off x="6248400" y="990600"/>
             <a:ext cx="457200" cy="152400"/>
           </a:xfrm>
           <a:prstGeom prst="rect">
@@ -6819,7 +6871,7 @@
         </p:nvSpPr>
         <p:spPr>
           <a:xfrm>
-            <a:off x="6248400" y="4191000"/>
+            <a:off x="6248400" y="1295400"/>
             <a:ext cx="457200" cy="152400"/>
           </a:xfrm>
           <a:prstGeom prst="rect">
@@ -6871,7 +6923,7 @@
         </p:nvSpPr>
         <p:spPr>
           <a:xfrm>
-            <a:off x="6248400" y="4495800"/>
+            <a:off x="6248400" y="1600200"/>
             <a:ext cx="457200" cy="152400"/>
           </a:xfrm>
           <a:prstGeom prst="rect">
@@ -6923,7 +6975,7 @@
         </p:nvSpPr>
         <p:spPr>
           <a:xfrm>
-            <a:off x="609600" y="3886200"/>
+            <a:off x="609600" y="990600"/>
             <a:ext cx="228600" cy="152400"/>
           </a:xfrm>
           <a:prstGeom prst="homePlate">
@@ -6974,7 +7026,7 @@
         </p:nvCxnSpPr>
         <p:spPr>
           <a:xfrm flipV="1">
-            <a:off x="914400" y="3886200"/>
+            <a:off x="914400" y="990600"/>
             <a:ext cx="152400" cy="152400"/>
           </a:xfrm>
           <a:prstGeom prst="line">
@@ -7011,7 +7063,7 @@
         </p:nvSpPr>
         <p:spPr>
           <a:xfrm>
-            <a:off x="914400" y="3810000"/>
+            <a:off x="914400" y="914400"/>
             <a:ext cx="152400" cy="76200"/>
           </a:xfrm>
           <a:prstGeom prst="rect">
@@ -7067,7 +7119,7 @@
         </p:nvCxnSpPr>
         <p:spPr>
           <a:xfrm>
-            <a:off x="838200" y="3962400"/>
+            <a:off x="838200" y="1066800"/>
             <a:ext cx="5410200" cy="0"/>
           </a:xfrm>
           <a:prstGeom prst="line">
@@ -7104,7 +7156,7 @@
         </p:nvSpPr>
         <p:spPr>
           <a:xfrm>
-            <a:off x="1219200" y="3810000"/>
+            <a:off x="1219200" y="914400"/>
             <a:ext cx="457200" cy="152400"/>
           </a:xfrm>
           <a:prstGeom prst="rect">
@@ -7156,7 +7208,7 @@
         </p:nvSpPr>
         <p:spPr>
           <a:xfrm>
-            <a:off x="609600" y="4191000"/>
+            <a:off x="609600" y="1295400"/>
             <a:ext cx="228600" cy="152400"/>
           </a:xfrm>
           <a:prstGeom prst="homePlate">
@@ -7207,7 +7259,7 @@
         </p:nvCxnSpPr>
         <p:spPr>
           <a:xfrm flipV="1">
-            <a:off x="914400" y="4191000"/>
+            <a:off x="914400" y="1295400"/>
             <a:ext cx="152400" cy="152400"/>
           </a:xfrm>
           <a:prstGeom prst="line">
@@ -7244,7 +7296,7 @@
         </p:nvSpPr>
         <p:spPr>
           <a:xfrm>
-            <a:off x="914400" y="4114800"/>
+            <a:off x="914400" y="1219200"/>
             <a:ext cx="152400" cy="76200"/>
           </a:xfrm>
           <a:prstGeom prst="rect">
@@ -7300,7 +7352,7 @@
         </p:nvCxnSpPr>
         <p:spPr>
           <a:xfrm>
-            <a:off x="838200" y="4267200"/>
+            <a:off x="838200" y="1371600"/>
             <a:ext cx="5410200" cy="0"/>
           </a:xfrm>
           <a:prstGeom prst="line">
@@ -7337,7 +7389,7 @@
         </p:nvSpPr>
         <p:spPr>
           <a:xfrm>
-            <a:off x="1219200" y="4114800"/>
+            <a:off x="1219200" y="1219200"/>
             <a:ext cx="457200" cy="152400"/>
           </a:xfrm>
           <a:prstGeom prst="rect">
@@ -7389,7 +7441,7 @@
         </p:nvSpPr>
         <p:spPr>
           <a:xfrm>
-            <a:off x="609600" y="4495800"/>
+            <a:off x="609600" y="1600200"/>
             <a:ext cx="228600" cy="152400"/>
           </a:xfrm>
           <a:prstGeom prst="homePlate">
@@ -7440,7 +7492,7 @@
         </p:nvCxnSpPr>
         <p:spPr>
           <a:xfrm flipV="1">
-            <a:off x="914400" y="4495800"/>
+            <a:off x="914400" y="1600200"/>
             <a:ext cx="152400" cy="152400"/>
           </a:xfrm>
           <a:prstGeom prst="line">
@@ -7477,7 +7529,7 @@
         </p:nvSpPr>
         <p:spPr>
           <a:xfrm>
-            <a:off x="914400" y="4419600"/>
+            <a:off x="914400" y="1524000"/>
             <a:ext cx="152400" cy="76200"/>
           </a:xfrm>
           <a:prstGeom prst="rect">
@@ -7533,7 +7585,7 @@
         </p:nvCxnSpPr>
         <p:spPr>
           <a:xfrm>
-            <a:off x="838200" y="4572000"/>
+            <a:off x="838200" y="1676400"/>
             <a:ext cx="5410200" cy="0"/>
           </a:xfrm>
           <a:prstGeom prst="line">
@@ -7570,7 +7622,7 @@
         </p:nvSpPr>
         <p:spPr>
           <a:xfrm>
-            <a:off x="1219200" y="4419600"/>
+            <a:off x="1219200" y="1524000"/>
             <a:ext cx="457200" cy="152400"/>
           </a:xfrm>
           <a:prstGeom prst="rect">
@@ -7622,7 +7674,7 @@
         </p:nvSpPr>
         <p:spPr>
           <a:xfrm>
-            <a:off x="6248400" y="5715000"/>
+            <a:off x="6248400" y="2819400"/>
             <a:ext cx="457200" cy="152400"/>
           </a:xfrm>
           <a:prstGeom prst="rect">
@@ -7677,7 +7729,7 @@
         </p:nvCxnSpPr>
         <p:spPr>
           <a:xfrm flipH="1">
-            <a:off x="3810000" y="5791200"/>
+            <a:off x="3810000" y="2895600"/>
             <a:ext cx="2438400" cy="0"/>
           </a:xfrm>
           <a:prstGeom prst="line">
@@ -7714,7 +7766,7 @@
         </p:nvSpPr>
         <p:spPr>
           <a:xfrm>
-            <a:off x="3352800" y="5715000"/>
+            <a:off x="3352800" y="2819400"/>
             <a:ext cx="457200" cy="152400"/>
           </a:xfrm>
           <a:prstGeom prst="rect">
@@ -7767,7 +7819,7 @@
         </p:nvSpPr>
         <p:spPr>
           <a:xfrm>
-            <a:off x="6248400" y="5410200"/>
+            <a:off x="6248400" y="2514600"/>
             <a:ext cx="457200" cy="152400"/>
           </a:xfrm>
           <a:prstGeom prst="rect">
@@ -7829,7 +7881,7 @@
         </p:nvCxnSpPr>
         <p:spPr>
           <a:xfrm flipH="1">
-            <a:off x="3810000" y="5486400"/>
+            <a:off x="3810000" y="2590800"/>
             <a:ext cx="2438400" cy="0"/>
           </a:xfrm>
           <a:prstGeom prst="line">
@@ -7866,7 +7918,7 @@
         </p:nvSpPr>
         <p:spPr>
           <a:xfrm>
-            <a:off x="3352800" y="5410200"/>
+            <a:off x="3352800" y="2514600"/>
             <a:ext cx="457200" cy="152400"/>
           </a:xfrm>
           <a:prstGeom prst="rect">
@@ -7919,7 +7971,7 @@
         </p:nvSpPr>
         <p:spPr>
           <a:xfrm>
-            <a:off x="8534400" y="6248400"/>
+            <a:off x="8534400" y="3352800"/>
             <a:ext cx="457200" cy="152400"/>
           </a:xfrm>
           <a:prstGeom prst="rect">
@@ -7974,7 +8026,7 @@
         </p:nvCxnSpPr>
         <p:spPr>
           <a:xfrm>
-            <a:off x="7620000" y="6324600"/>
+            <a:off x="7620000" y="3429000"/>
             <a:ext cx="914400" cy="0"/>
           </a:xfrm>
           <a:prstGeom prst="line">
@@ -8011,7 +8063,7 @@
         </p:nvCxnSpPr>
         <p:spPr>
           <a:xfrm>
-            <a:off x="5029200" y="6096000"/>
+            <a:off x="5029200" y="3200400"/>
             <a:ext cx="1219200" cy="0"/>
           </a:xfrm>
           <a:prstGeom prst="line">
@@ -8021,7 +8073,7 @@
             <a:solidFill>
               <a:srgbClr val="000000"/>
             </a:solidFill>
-            <a:headEnd type="oval" w="med" len="med"/>
+            <a:headEnd type="none" w="med" len="med"/>
             <a:tailEnd type="triangle" w="med" len="med"/>
           </a:ln>
         </p:spPr>
@@ -8085,8 +8137,8 @@
         </p:nvCxnSpPr>
         <p:spPr>
           <a:xfrm flipV="1">
-            <a:off x="5029200" y="2590800"/>
-            <a:ext cx="0" cy="7315200"/>
+            <a:off x="5029200" y="3200400"/>
+            <a:ext cx="0" cy="6705600"/>
           </a:xfrm>
           <a:prstGeom prst="line">
             <a:avLst/>
@@ -8122,8 +8174,45 @@
         </p:nvCxnSpPr>
         <p:spPr>
           <a:xfrm>
-            <a:off x="5334000" y="6400800"/>
+            <a:off x="5334000" y="3505200"/>
             <a:ext cx="914400" cy="0"/>
+          </a:xfrm>
+          <a:prstGeom prst="line">
+            <a:avLst/>
+          </a:prstGeom>
+          <a:ln w="12700">
+            <a:solidFill>
+              <a:srgbClr val="000000"/>
+            </a:solidFill>
+            <a:headEnd type="none" w="med" len="med"/>
+            <a:tailEnd type="none" w="med" len="med"/>
+          </a:ln>
+        </p:spPr>
+        <p:style>
+          <a:lnRef idx="1">
+            <a:schemeClr val="accent1"/>
+          </a:lnRef>
+          <a:fillRef idx="0">
+            <a:schemeClr val="accent1"/>
+          </a:fillRef>
+          <a:effectRef idx="0">
+            <a:schemeClr val="accent1"/>
+          </a:effectRef>
+          <a:fontRef idx="minor">
+            <a:schemeClr val="tx1"/>
+          </a:fontRef>
+        </p:style>
+      </p:cxnSp>
+      <p:cxnSp>
+        <p:nvCxnSpPr>
+          <p:cNvPr id="260" name="Straight Connector 259"/>
+          <p:cNvCxnSpPr/>
+          <p:nvPr/>
+        </p:nvCxnSpPr>
+        <p:spPr>
+          <a:xfrm flipV="1">
+            <a:off x="5334000" y="3505200"/>
+            <a:ext cx="0" cy="7010400"/>
           </a:xfrm>
           <a:prstGeom prst="line">
             <a:avLst/>
@@ -8151,43 +8240,6 @@
           </a:fontRef>
         </p:style>
       </p:cxnSp>
-      <p:cxnSp>
-        <p:nvCxnSpPr>
-          <p:cNvPr id="260" name="Straight Connector 259"/>
-          <p:cNvCxnSpPr/>
-          <p:nvPr/>
-        </p:nvCxnSpPr>
-        <p:spPr>
-          <a:xfrm flipV="1">
-            <a:off x="5334000" y="2895600"/>
-            <a:ext cx="0" cy="7620000"/>
-          </a:xfrm>
-          <a:prstGeom prst="line">
-            <a:avLst/>
-          </a:prstGeom>
-          <a:ln w="12700">
-            <a:solidFill>
-              <a:srgbClr val="000000"/>
-            </a:solidFill>
-            <a:headEnd type="oval" w="med" len="med"/>
-            <a:tailEnd type="none" w="med" len="med"/>
-          </a:ln>
-        </p:spPr>
-        <p:style>
-          <a:lnRef idx="1">
-            <a:schemeClr val="accent1"/>
-          </a:lnRef>
-          <a:fillRef idx="0">
-            <a:schemeClr val="accent1"/>
-          </a:fillRef>
-          <a:effectRef idx="0">
-            <a:schemeClr val="accent1"/>
-          </a:effectRef>
-          <a:fontRef idx="minor">
-            <a:schemeClr val="tx1"/>
-          </a:fontRef>
-        </p:style>
-      </p:cxnSp>
       <p:sp>
         <p:nvSpPr>
           <p:cNvPr id="264" name="Rectangle 263"/>
@@ -8196,7 +8248,7 @@
         </p:nvSpPr>
         <p:spPr>
           <a:xfrm>
-            <a:off x="4114800" y="5334000"/>
+            <a:off x="4114800" y="2438400"/>
             <a:ext cx="457200" cy="152400"/>
           </a:xfrm>
           <a:prstGeom prst="rect">
@@ -8255,7 +8307,7 @@
         </p:nvSpPr>
         <p:spPr>
           <a:xfrm>
-            <a:off x="4114800" y="5638800"/>
+            <a:off x="4114800" y="2743200"/>
             <a:ext cx="457200" cy="152400"/>
           </a:xfrm>
           <a:prstGeom prst="rect">
@@ -8314,7 +8366,7 @@
         </p:nvSpPr>
         <p:spPr>
           <a:xfrm>
-            <a:off x="11277600" y="4267200"/>
+            <a:off x="11277600" y="1371600"/>
             <a:ext cx="1371600" cy="2590800"/>
           </a:xfrm>
           <a:prstGeom prst="rect">
@@ -8368,7 +8420,7 @@
         </p:nvSpPr>
         <p:spPr>
           <a:xfrm>
-            <a:off x="11277600" y="4114800"/>
+            <a:off x="11277600" y="1219200"/>
             <a:ext cx="457200" cy="152400"/>
           </a:xfrm>
           <a:prstGeom prst="rect">
@@ -8420,7 +8472,7 @@
         </p:nvSpPr>
         <p:spPr>
           <a:xfrm>
-            <a:off x="11277600" y="4800600"/>
+            <a:off x="11277600" y="1905000"/>
             <a:ext cx="457200" cy="152400"/>
           </a:xfrm>
           <a:prstGeom prst="rect">
@@ -8475,7 +8527,7 @@
         </p:nvCxnSpPr>
         <p:spPr>
           <a:xfrm>
-            <a:off x="7620000" y="4876800"/>
+            <a:off x="7620000" y="1981200"/>
             <a:ext cx="3657600" cy="0"/>
           </a:xfrm>
           <a:prstGeom prst="line">
@@ -8512,7 +8564,7 @@
         </p:nvSpPr>
         <p:spPr>
           <a:xfrm>
-            <a:off x="11277600" y="5105400"/>
+            <a:off x="11277600" y="2209800"/>
             <a:ext cx="457200" cy="152400"/>
           </a:xfrm>
           <a:prstGeom prst="rect">
@@ -8567,7 +8619,7 @@
         </p:nvCxnSpPr>
         <p:spPr>
           <a:xfrm>
-            <a:off x="7620000" y="5181600"/>
+            <a:off x="7620000" y="2286000"/>
             <a:ext cx="3657600" cy="0"/>
           </a:xfrm>
           <a:prstGeom prst="line">
@@ -8604,7 +8656,7 @@
         </p:nvSpPr>
         <p:spPr>
           <a:xfrm>
-            <a:off x="11277600" y="5715000"/>
+            <a:off x="11277600" y="2819400"/>
             <a:ext cx="457200" cy="152400"/>
           </a:xfrm>
           <a:prstGeom prst="rect">
@@ -8656,7 +8708,7 @@
         </p:nvSpPr>
         <p:spPr>
           <a:xfrm>
-            <a:off x="11277600" y="6019800"/>
+            <a:off x="11277600" y="3124200"/>
             <a:ext cx="457200" cy="152400"/>
           </a:xfrm>
           <a:prstGeom prst="rect">
@@ -8708,7 +8760,7 @@
         </p:nvSpPr>
         <p:spPr>
           <a:xfrm>
-            <a:off x="9448800" y="5715000"/>
+            <a:off x="9448800" y="2819400"/>
             <a:ext cx="457200" cy="152400"/>
           </a:xfrm>
           <a:prstGeom prst="rect">
@@ -8761,7 +8813,7 @@
         </p:nvSpPr>
         <p:spPr>
           <a:xfrm>
-            <a:off x="9448800" y="6019800"/>
+            <a:off x="9448800" y="3124200"/>
             <a:ext cx="457200" cy="152400"/>
           </a:xfrm>
           <a:prstGeom prst="rect">
@@ -8817,7 +8869,7 @@
         </p:nvCxnSpPr>
         <p:spPr>
           <a:xfrm>
-            <a:off x="9906000" y="5791200"/>
+            <a:off x="9906000" y="2895600"/>
             <a:ext cx="1371600" cy="0"/>
           </a:xfrm>
           <a:prstGeom prst="line">
@@ -8857,7 +8909,7 @@
         </p:nvCxnSpPr>
         <p:spPr>
           <a:xfrm>
-            <a:off x="9906000" y="6096000"/>
+            <a:off x="9906000" y="3200400"/>
             <a:ext cx="1371600" cy="0"/>
           </a:xfrm>
           <a:prstGeom prst="line">
@@ -8894,7 +8946,7 @@
         </p:nvSpPr>
         <p:spPr>
           <a:xfrm>
-            <a:off x="11277600" y="6553200"/>
+            <a:off x="11277600" y="3657600"/>
             <a:ext cx="457200" cy="152400"/>
           </a:xfrm>
           <a:prstGeom prst="rect">
@@ -8946,7 +8998,7 @@
         </p:nvCxnSpPr>
         <p:spPr>
           <a:xfrm flipH="1" flipV="1">
-            <a:off x="11277600" y="6629400"/>
+            <a:off x="11277600" y="3733800"/>
             <a:ext cx="76200" cy="76200"/>
           </a:xfrm>
           <a:prstGeom prst="line">
@@ -8983,7 +9035,7 @@
         </p:nvCxnSpPr>
         <p:spPr>
           <a:xfrm flipH="1">
-            <a:off x="11277600" y="6705600"/>
+            <a:off x="11277600" y="3810000"/>
             <a:ext cx="76200" cy="76200"/>
           </a:xfrm>
           <a:prstGeom prst="line">
@@ -9020,7 +9072,7 @@
         </p:nvSpPr>
         <p:spPr>
           <a:xfrm>
-            <a:off x="11277600" y="6324600"/>
+            <a:off x="11277600" y="3429000"/>
             <a:ext cx="457200" cy="152400"/>
           </a:xfrm>
           <a:prstGeom prst="rect">
@@ -9109,7 +9161,7 @@
         </p:nvCxnSpPr>
         <p:spPr>
           <a:xfrm flipH="1">
-            <a:off x="10972800" y="6705600"/>
+            <a:off x="10972800" y="3810000"/>
             <a:ext cx="304800" cy="0"/>
           </a:xfrm>
           <a:prstGeom prst="line">
@@ -9146,8 +9198,8 @@
         </p:nvCxnSpPr>
         <p:spPr>
           <a:xfrm>
-            <a:off x="10972800" y="6705600"/>
-            <a:ext cx="0" cy="3810000"/>
+            <a:off x="10972800" y="3810000"/>
+            <a:ext cx="0" cy="6705600"/>
           </a:xfrm>
           <a:prstGeom prst="line">
             <a:avLst/>
@@ -9222,7 +9274,7 @@
         </p:nvCxnSpPr>
         <p:spPr>
           <a:xfrm flipH="1">
-            <a:off x="10668000" y="6400800"/>
+            <a:off x="10668000" y="3505200"/>
             <a:ext cx="609600" cy="0"/>
           </a:xfrm>
           <a:prstGeom prst="line">
@@ -9259,8 +9311,8 @@
         </p:nvCxnSpPr>
         <p:spPr>
           <a:xfrm>
-            <a:off x="10668000" y="6400800"/>
-            <a:ext cx="0" cy="3505200"/>
+            <a:off x="10668000" y="3505200"/>
+            <a:ext cx="0" cy="6400800"/>
           </a:xfrm>
           <a:prstGeom prst="line">
             <a:avLst/>
@@ -9296,7 +9348,7 @@
         </p:nvSpPr>
         <p:spPr>
           <a:xfrm>
-            <a:off x="14020800" y="5410200"/>
+            <a:off x="14020800" y="2514600"/>
             <a:ext cx="228600" cy="152400"/>
           </a:xfrm>
           <a:prstGeom prst="homePlate">
@@ -9347,7 +9399,7 @@
         </p:nvSpPr>
         <p:spPr>
           <a:xfrm>
-            <a:off x="12192000" y="5410200"/>
+            <a:off x="12192000" y="2514600"/>
             <a:ext cx="457200" cy="152400"/>
           </a:xfrm>
           <a:prstGeom prst="rect">
@@ -9400,7 +9452,7 @@
         </p:nvSpPr>
         <p:spPr>
           <a:xfrm>
-            <a:off x="12192000" y="5715000"/>
+            <a:off x="12192000" y="2819400"/>
             <a:ext cx="457200" cy="152400"/>
           </a:xfrm>
           <a:prstGeom prst="rect">
@@ -9456,7 +9508,7 @@
         </p:nvCxnSpPr>
         <p:spPr>
           <a:xfrm flipH="1">
-            <a:off x="12649200" y="5486400"/>
+            <a:off x="12649200" y="2590800"/>
             <a:ext cx="1371600" cy="0"/>
           </a:xfrm>
           <a:prstGeom prst="line">
@@ -9493,7 +9545,7 @@
         </p:nvSpPr>
         <p:spPr>
           <a:xfrm>
-            <a:off x="14020800" y="5715000"/>
+            <a:off x="14020800" y="2819400"/>
             <a:ext cx="228600" cy="152400"/>
           </a:xfrm>
           <a:prstGeom prst="homePlate">
@@ -9547,7 +9599,7 @@
         </p:nvCxnSpPr>
         <p:spPr>
           <a:xfrm flipH="1">
-            <a:off x="12649200" y="5791200"/>
+            <a:off x="12649200" y="2895600"/>
             <a:ext cx="1371600" cy="0"/>
           </a:xfrm>
           <a:prstGeom prst="line">
@@ -9584,7 +9636,7 @@
         </p:nvCxnSpPr>
         <p:spPr>
           <a:xfrm flipV="1">
-            <a:off x="13792200" y="5715000"/>
+            <a:off x="13792200" y="2819400"/>
             <a:ext cx="152400" cy="152400"/>
           </a:xfrm>
           <a:prstGeom prst="line">
@@ -9621,7 +9673,7 @@
         </p:nvSpPr>
         <p:spPr>
           <a:xfrm>
-            <a:off x="13792200" y="5638800"/>
+            <a:off x="13792200" y="2743200"/>
             <a:ext cx="152400" cy="76200"/>
           </a:xfrm>
           <a:prstGeom prst="rect">
@@ -9674,7 +9726,7 @@
         </p:nvCxnSpPr>
         <p:spPr>
           <a:xfrm flipV="1">
-            <a:off x="13792200" y="5410200"/>
+            <a:off x="13792200" y="2514600"/>
             <a:ext cx="152400" cy="152400"/>
           </a:xfrm>
           <a:prstGeom prst="line">
@@ -9711,7 +9763,7 @@
         </p:nvSpPr>
         <p:spPr>
           <a:xfrm>
-            <a:off x="13792200" y="5334000"/>
+            <a:off x="13792200" y="2438400"/>
             <a:ext cx="152400" cy="76200"/>
           </a:xfrm>
           <a:prstGeom prst="rect">
@@ -9764,7 +9816,7 @@
         </p:nvSpPr>
         <p:spPr>
           <a:xfrm>
-            <a:off x="12954000" y="5334000"/>
+            <a:off x="12954000" y="2438400"/>
             <a:ext cx="457200" cy="152400"/>
           </a:xfrm>
           <a:prstGeom prst="rect">
@@ -9816,7 +9868,7 @@
         </p:nvSpPr>
         <p:spPr>
           <a:xfrm>
-            <a:off x="12954000" y="5638800"/>
+            <a:off x="12954000" y="2743200"/>
             <a:ext cx="457200" cy="152400"/>
           </a:xfrm>
           <a:prstGeom prst="rect">
@@ -9868,7 +9920,7 @@
         </p:nvCxnSpPr>
         <p:spPr>
           <a:xfrm flipV="1">
-            <a:off x="6019800" y="5410200"/>
+            <a:off x="6019800" y="2514600"/>
             <a:ext cx="152400" cy="152400"/>
           </a:xfrm>
           <a:prstGeom prst="line">
@@ -9905,7 +9957,7 @@
         </p:nvSpPr>
         <p:spPr>
           <a:xfrm>
-            <a:off x="6019800" y="5334000"/>
+            <a:off x="6019800" y="2438400"/>
             <a:ext cx="152400" cy="76200"/>
           </a:xfrm>
           <a:prstGeom prst="rect">
@@ -9958,7 +10010,7 @@
         </p:nvCxnSpPr>
         <p:spPr>
           <a:xfrm flipV="1">
-            <a:off x="7696200" y="4800600"/>
+            <a:off x="7696200" y="1905000"/>
             <a:ext cx="152400" cy="152400"/>
           </a:xfrm>
           <a:prstGeom prst="line">
@@ -9995,7 +10047,7 @@
         </p:nvSpPr>
         <p:spPr>
           <a:xfrm>
-            <a:off x="7696200" y="4724400"/>
+            <a:off x="7696200" y="1828800"/>
             <a:ext cx="152400" cy="76200"/>
           </a:xfrm>
           <a:prstGeom prst="rect">
@@ -10048,7 +10100,7 @@
         </p:nvSpPr>
         <p:spPr>
           <a:xfrm>
-            <a:off x="8534400" y="4724400"/>
+            <a:off x="8534400" y="2133600"/>
             <a:ext cx="457200" cy="152400"/>
           </a:xfrm>
           <a:prstGeom prst="rect">
@@ -10087,17 +10139,7 @@
                 <a:latin typeface="Courier New" panose="02070309020205020404" pitchFamily="49" charset="0"/>
                 <a:cs typeface="Courier New" panose="02070309020205020404" pitchFamily="49" charset="0"/>
               </a:rPr>
-              <a:t>sub</a:t>
-            </a:r>
-            <a:r>
-              <a:rPr lang="en-US" sz="900" dirty="0" err="1" smtClean="0">
-                <a:solidFill>
-                  <a:srgbClr val="000000"/>
-                </a:solidFill>
-                <a:latin typeface="Courier New" panose="02070309020205020404" pitchFamily="49" charset="0"/>
-                <a:cs typeface="Courier New" panose="02070309020205020404" pitchFamily="49" charset="0"/>
-              </a:rPr>
-              <a:t>_mode</a:t>
+              <a:t>sub_mode</a:t>
             </a:r>
             <a:endParaRPr lang="en-US" sz="900" dirty="0">
               <a:solidFill>
@@ -10117,7 +10159,7 @@
         </p:nvCxnSpPr>
         <p:spPr>
           <a:xfrm flipV="1">
-            <a:off x="9982200" y="5715000"/>
+            <a:off x="9982200" y="2819400"/>
             <a:ext cx="152400" cy="152400"/>
           </a:xfrm>
           <a:prstGeom prst="line">
@@ -10154,7 +10196,7 @@
         </p:nvSpPr>
         <p:spPr>
           <a:xfrm>
-            <a:off x="9982200" y="5638800"/>
+            <a:off x="9982200" y="2743200"/>
             <a:ext cx="152400" cy="76200"/>
           </a:xfrm>
           <a:prstGeom prst="rect">
@@ -10207,7 +10249,7 @@
         </p:nvSpPr>
         <p:spPr>
           <a:xfrm>
-            <a:off x="10210800" y="5638800"/>
+            <a:off x="10210800" y="2743200"/>
             <a:ext cx="457200" cy="152400"/>
           </a:xfrm>
           <a:prstGeom prst="rect">
@@ -10266,7 +10308,7 @@
         </p:nvCxnSpPr>
         <p:spPr>
           <a:xfrm flipV="1">
-            <a:off x="9982200" y="6019800"/>
+            <a:off x="9982200" y="3124200"/>
             <a:ext cx="152400" cy="152400"/>
           </a:xfrm>
           <a:prstGeom prst="line">
@@ -10303,7 +10345,7 @@
         </p:nvSpPr>
         <p:spPr>
           <a:xfrm>
-            <a:off x="9982200" y="5943600"/>
+            <a:off x="9982200" y="3048000"/>
             <a:ext cx="152400" cy="76200"/>
           </a:xfrm>
           <a:prstGeom prst="rect">
@@ -10356,7 +10398,7 @@
         </p:nvSpPr>
         <p:spPr>
           <a:xfrm>
-            <a:off x="10210800" y="5943600"/>
+            <a:off x="10210800" y="3048000"/>
             <a:ext cx="457200" cy="152400"/>
           </a:xfrm>
           <a:prstGeom prst="rect">
@@ -10415,7 +10457,7 @@
         </p:nvCxnSpPr>
         <p:spPr>
           <a:xfrm flipV="1">
-            <a:off x="7696200" y="6248400"/>
+            <a:off x="7696200" y="3352800"/>
             <a:ext cx="152400" cy="152400"/>
           </a:xfrm>
           <a:prstGeom prst="line">
@@ -10452,7 +10494,7 @@
         </p:nvSpPr>
         <p:spPr>
           <a:xfrm>
-            <a:off x="7696200" y="6172200"/>
+            <a:off x="7696200" y="3276600"/>
             <a:ext cx="152400" cy="76200"/>
           </a:xfrm>
           <a:prstGeom prst="rect">
@@ -10505,7 +10547,7 @@
         </p:nvSpPr>
         <p:spPr>
           <a:xfrm>
-            <a:off x="7924800" y="6172200"/>
+            <a:off x="7924800" y="3276600"/>
             <a:ext cx="457200" cy="152400"/>
           </a:xfrm>
           <a:prstGeom prst="rect">
@@ -10564,7 +10606,7 @@
         </p:nvSpPr>
         <p:spPr>
           <a:xfrm>
-            <a:off x="2743200" y="304800"/>
+            <a:off x="5943600" y="3810000"/>
             <a:ext cx="2286000" cy="3505200"/>
           </a:xfrm>
           <a:prstGeom prst="rect">
@@ -11752,23 +11794,21 @@
       </p:sp>
       <p:sp>
         <p:nvSpPr>
-          <p:cNvPr id="187" name="Rectangle 186"/>
+          <p:cNvPr id="224" name="Rectangle 223"/>
           <p:cNvSpPr/>
           <p:nvPr/>
         </p:nvSpPr>
         <p:spPr>
           <a:xfrm>
-            <a:off x="8534400" y="457200"/>
-            <a:ext cx="1371600" cy="3733800"/>
+            <a:off x="8534400" y="2819400"/>
+            <a:ext cx="457200" cy="152400"/>
           </a:xfrm>
           <a:prstGeom prst="rect">
             <a:avLst/>
           </a:prstGeom>
           <a:noFill/>
-          <a:ln w="12700">
-            <a:solidFill>
-              <a:srgbClr val="000000"/>
-            </a:solidFill>
+          <a:ln>
+            <a:noFill/>
           </a:ln>
         </p:spPr>
         <p:style>
@@ -11788,31 +11828,31 @@
           </a:fontRef>
         </p:style>
         <p:txBody>
-          <a:bodyPr lIns="45720" rIns="45720" rtlCol="0" anchor="t"/>
+          <a:bodyPr wrap="none" lIns="45720" rIns="45720" rtlCol="0" anchor="ctr"/>
           <a:lstStyle/>
           <a:p>
             <a:r>
               <a:rPr lang="en-US" sz="900" dirty="0">
                 <a:solidFill>
-                  <a:schemeClr val="tx1"/>
-                </a:solidFill>
-                <a:latin typeface="Courier New" panose="02070309020205020404" pitchFamily="49" charset="0"/>
-                <a:cs typeface="Courier New" panose="02070309020205020404" pitchFamily="49" charset="0"/>
-              </a:rPr>
-              <a:t>stimulus</a:t>
-            </a:r>
-          </a:p>
-        </p:txBody>
-      </p:sp>
-      <p:sp>
-        <p:nvSpPr>
-          <p:cNvPr id="190" name="Rectangle 189"/>
+                  <a:srgbClr val="000000"/>
+                </a:solidFill>
+                <a:latin typeface="Courier New" panose="02070309020205020404" pitchFamily="49" charset="0"/>
+                <a:cs typeface="Courier New" panose="02070309020205020404" pitchFamily="49" charset="0"/>
+              </a:rPr>
+              <a:t>MAIN_MODE</a:t>
+            </a:r>
+          </a:p>
+        </p:txBody>
+      </p:sp>
+      <p:sp>
+        <p:nvSpPr>
+          <p:cNvPr id="225" name="Rectangle 224"/>
           <p:cNvSpPr/>
           <p:nvPr/>
         </p:nvSpPr>
         <p:spPr>
           <a:xfrm>
-            <a:off x="8534400" y="304800"/>
+            <a:off x="8534400" y="3124200"/>
             <a:ext cx="457200" cy="152400"/>
           </a:xfrm>
           <a:prstGeom prst="rect">
@@ -11844,14 +11884,67 @@
           <a:lstStyle/>
           <a:p>
             <a:r>
-              <a:rPr lang="en-US" sz="900" dirty="0" err="1" smtClean="0">
-                <a:solidFill>
-                  <a:srgbClr val="000000"/>
-                </a:solidFill>
-                <a:latin typeface="Courier New" panose="02070309020205020404" pitchFamily="49" charset="0"/>
-                <a:cs typeface="Courier New" panose="02070309020205020404" pitchFamily="49" charset="0"/>
-              </a:rPr>
-              <a:t>i_stimulus</a:t>
+              <a:rPr lang="en-US" sz="900" dirty="0">
+                <a:solidFill>
+                  <a:srgbClr val="000000"/>
+                </a:solidFill>
+                <a:latin typeface="Courier New" panose="02070309020205020404" pitchFamily="49" charset="0"/>
+                <a:cs typeface="Courier New" panose="02070309020205020404" pitchFamily="49" charset="0"/>
+              </a:rPr>
+              <a:t>SUB_MODE</a:t>
+            </a:r>
+          </a:p>
+        </p:txBody>
+      </p:sp>
+      <p:sp>
+        <p:nvSpPr>
+          <p:cNvPr id="228" name="Rectangle 227"/>
+          <p:cNvSpPr/>
+          <p:nvPr/>
+        </p:nvSpPr>
+        <p:spPr>
+          <a:xfrm>
+            <a:off x="9448800" y="4495800"/>
+            <a:ext cx="457200" cy="152400"/>
+          </a:xfrm>
+          <a:prstGeom prst="rect">
+            <a:avLst/>
+          </a:prstGeom>
+          <a:noFill/>
+          <a:ln>
+            <a:noFill/>
+          </a:ln>
+        </p:spPr>
+        <p:style>
+          <a:lnRef idx="2">
+            <a:schemeClr val="accent1">
+              <a:shade val="50000"/>
+            </a:schemeClr>
+          </a:lnRef>
+          <a:fillRef idx="1">
+            <a:schemeClr val="accent1"/>
+          </a:fillRef>
+          <a:effectRef idx="0">
+            <a:schemeClr val="accent1"/>
+          </a:effectRef>
+          <a:fontRef idx="minor">
+            <a:schemeClr val="lt1"/>
+          </a:fontRef>
+        </p:style>
+        <p:txBody>
+          <a:bodyPr wrap="none" lIns="45720" rIns="45720" rtlCol="0" anchor="ctr"/>
+          <a:lstStyle/>
+          <a:p>
+            <a:pPr algn="r"/>
+            <a:r>
+              <a:rPr lang="en-US" sz="900" dirty="0" smtClean="0">
+                <a:solidFill>
+                  <a:srgbClr val="000000"/>
+                </a:solidFill>
+                <a:latin typeface="Courier New" panose="02070309020205020404" pitchFamily="49" charset="0"/>
+                <a:cs typeface="Courier New" panose="02070309020205020404" pitchFamily="49" charset="0"/>
+              </a:rPr>
+              <a:t>NT_CTRL</a:t>
             </a:r>
             <a:endParaRPr lang="en-US" sz="900" dirty="0">
               <a:solidFill>
@@ -11865,21 +11958,23 @@
       </p:sp>
       <p:sp>
         <p:nvSpPr>
-          <p:cNvPr id="192" name="Rectangle 191"/>
+          <p:cNvPr id="247" name="Pentagon 246"/>
           <p:cNvSpPr/>
           <p:nvPr/>
         </p:nvSpPr>
         <p:spPr>
           <a:xfrm>
-            <a:off x="8534400" y="2743200"/>
-            <a:ext cx="457200" cy="152400"/>
-          </a:xfrm>
-          <a:prstGeom prst="rect">
+            <a:off x="14020800" y="4495800"/>
+            <a:ext cx="228600" cy="152400"/>
+          </a:xfrm>
+          <a:prstGeom prst="homePlate">
             <a:avLst/>
           </a:prstGeom>
           <a:noFill/>
-          <a:ln>
-            <a:noFill/>
+          <a:ln w="12700">
+            <a:solidFill>
+              <a:schemeClr val="tx1"/>
+            </a:solidFill>
           </a:ln>
         </p:spPr>
         <p:style>
@@ -11899,32 +11994,32 @@
           </a:fontRef>
         </p:style>
         <p:txBody>
-          <a:bodyPr wrap="none" lIns="45720" rIns="45720" rtlCol="0" anchor="ctr"/>
-          <a:lstStyle/>
-          <a:p>
-            <a:r>
-              <a:rPr lang="en-US" sz="900" dirty="0">
-                <a:solidFill>
-                  <a:srgbClr val="000000"/>
-                </a:solidFill>
-                <a:latin typeface="Courier New" panose="02070309020205020404" pitchFamily="49" charset="0"/>
-                <a:cs typeface="Courier New" panose="02070309020205020404" pitchFamily="49" charset="0"/>
-              </a:rPr>
-              <a:t>CLK</a:t>
-            </a:r>
+          <a:bodyPr rot="0" spcFirstLastPara="0" vertOverflow="overflow" horzOverflow="overflow" vert="horz" wrap="square" lIns="91440" tIns="45720" rIns="91440" bIns="45720" numCol="1" spcCol="0" rtlCol="0" fromWordArt="0" anchor="ctr" anchorCtr="0" forceAA="0" compatLnSpc="1">
+            <a:prstTxWarp prst="textNoShape">
+              <a:avLst/>
+            </a:prstTxWarp>
+            <a:noAutofit/>
+          </a:bodyPr>
+          <a:lstStyle/>
+          <a:p>
+            <a:pPr algn="ctr"/>
+            <a:endParaRPr lang="en-US" sz="3730"/>
           </a:p>
         </p:txBody>
       </p:sp>
       <p:cxnSp>
         <p:nvCxnSpPr>
-          <p:cNvPr id="193" name="Straight Connector 192"/>
-          <p:cNvCxnSpPr/>
+          <p:cNvPr id="248" name="Straight Connector 247"/>
+          <p:cNvCxnSpPr>
+            <a:stCxn id="247" idx="1"/>
+            <a:endCxn id="228" idx="3"/>
+          </p:cNvCxnSpPr>
           <p:nvPr/>
         </p:nvCxnSpPr>
         <p:spPr>
-          <a:xfrm flipH="1" flipV="1">
-            <a:off x="8534400" y="2819400"/>
-            <a:ext cx="76200" cy="76200"/>
+          <a:xfrm flipH="1">
+            <a:off x="9906000" y="4572000"/>
+            <a:ext cx="4114800" cy="0"/>
           </a:xfrm>
           <a:prstGeom prst="line">
             <a:avLst/>
@@ -11954,14 +12049,14 @@
       </p:cxnSp>
       <p:cxnSp>
         <p:nvCxnSpPr>
-          <p:cNvPr id="194" name="Straight Connector 193"/>
+          <p:cNvPr id="249" name="Straight Connector 248"/>
           <p:cNvCxnSpPr/>
           <p:nvPr/>
         </p:nvCxnSpPr>
         <p:spPr>
-          <a:xfrm flipH="1">
-            <a:off x="8534400" y="2895600"/>
-            <a:ext cx="76200" cy="76200"/>
+          <a:xfrm flipV="1">
+            <a:off x="9982200" y="4495800"/>
+            <a:ext cx="152400" cy="152400"/>
           </a:xfrm>
           <a:prstGeom prst="line">
             <a:avLst/>
@@ -11991,14 +12086,14 @@
       </p:cxnSp>
       <p:sp>
         <p:nvSpPr>
-          <p:cNvPr id="195" name="Rectangle 194"/>
+          <p:cNvPr id="250" name="Rectangle 249"/>
           <p:cNvSpPr/>
           <p:nvPr/>
         </p:nvSpPr>
         <p:spPr>
           <a:xfrm>
-            <a:off x="8534400" y="2514600"/>
-            <a:ext cx="457200" cy="152400"/>
+            <a:off x="9982200" y="4419600"/>
+            <a:ext cx="152400" cy="76200"/>
           </a:xfrm>
           <a:prstGeom prst="rect">
             <a:avLst/>
@@ -12028,237 +12123,7 @@
           <a:bodyPr wrap="none" lIns="45720" rIns="45720" rtlCol="0" anchor="ctr"/>
           <a:lstStyle/>
           <a:p>
-            <a:r>
-              <a:rPr lang="en-US" sz="900" dirty="0">
-                <a:solidFill>
-                  <a:srgbClr val="000000"/>
-                </a:solidFill>
-                <a:latin typeface="Courier New" panose="02070309020205020404" pitchFamily="49" charset="0"/>
-                <a:cs typeface="Courier New" panose="02070309020205020404" pitchFamily="49" charset="0"/>
-              </a:rPr>
-              <a:t>RSTX</a:t>
-            </a:r>
-          </a:p>
-        </p:txBody>
-      </p:sp>
-      <p:cxnSp>
-        <p:nvCxnSpPr>
-          <p:cNvPr id="197" name="Straight Connector 196"/>
-          <p:cNvCxnSpPr/>
-          <p:nvPr/>
-        </p:nvCxnSpPr>
-        <p:spPr>
-          <a:xfrm>
-            <a:off x="5029200" y="2590800"/>
-            <a:ext cx="3505200" cy="0"/>
-          </a:xfrm>
-          <a:prstGeom prst="line">
-            <a:avLst/>
-          </a:prstGeom>
-          <a:ln w="12700">
-            <a:solidFill>
-              <a:srgbClr val="000000"/>
-            </a:solidFill>
-            <a:headEnd type="none" w="med" len="med"/>
-            <a:tailEnd type="triangle" w="med" len="med"/>
-          </a:ln>
-        </p:spPr>
-        <p:style>
-          <a:lnRef idx="1">
-            <a:schemeClr val="accent1"/>
-          </a:lnRef>
-          <a:fillRef idx="0">
-            <a:schemeClr val="accent1"/>
-          </a:fillRef>
-          <a:effectRef idx="0">
-            <a:schemeClr val="accent1"/>
-          </a:effectRef>
-          <a:fontRef idx="minor">
-            <a:schemeClr val="tx1"/>
-          </a:fontRef>
-        </p:style>
-      </p:cxnSp>
-      <p:cxnSp>
-        <p:nvCxnSpPr>
-          <p:cNvPr id="221" name="Straight Connector 220"/>
-          <p:cNvCxnSpPr/>
-          <p:nvPr/>
-        </p:nvCxnSpPr>
-        <p:spPr>
-          <a:xfrm flipH="1">
-            <a:off x="5334000" y="2895600"/>
-            <a:ext cx="3200400" cy="0"/>
-          </a:xfrm>
-          <a:prstGeom prst="line">
-            <a:avLst/>
-          </a:prstGeom>
-          <a:ln w="12700">
-            <a:solidFill>
-              <a:srgbClr val="000000"/>
-            </a:solidFill>
-            <a:headEnd type="none" w="med" len="med"/>
-            <a:tailEnd type="none" w="med" len="med"/>
-          </a:ln>
-        </p:spPr>
-        <p:style>
-          <a:lnRef idx="1">
-            <a:schemeClr val="accent1"/>
-          </a:lnRef>
-          <a:fillRef idx="0">
-            <a:schemeClr val="accent1"/>
-          </a:fillRef>
-          <a:effectRef idx="0">
-            <a:schemeClr val="accent1"/>
-          </a:effectRef>
-          <a:fontRef idx="minor">
-            <a:schemeClr val="tx1"/>
-          </a:fontRef>
-        </p:style>
-      </p:cxnSp>
-      <p:sp>
-        <p:nvSpPr>
-          <p:cNvPr id="224" name="Rectangle 223"/>
-          <p:cNvSpPr/>
-          <p:nvPr/>
-        </p:nvSpPr>
-        <p:spPr>
-          <a:xfrm>
-            <a:off x="8534400" y="3429000"/>
-            <a:ext cx="457200" cy="152400"/>
-          </a:xfrm>
-          <a:prstGeom prst="rect">
-            <a:avLst/>
-          </a:prstGeom>
-          <a:noFill/>
-          <a:ln>
-            <a:noFill/>
-          </a:ln>
-        </p:spPr>
-        <p:style>
-          <a:lnRef idx="2">
-            <a:schemeClr val="accent1">
-              <a:shade val="50000"/>
-            </a:schemeClr>
-          </a:lnRef>
-          <a:fillRef idx="1">
-            <a:schemeClr val="accent1"/>
-          </a:fillRef>
-          <a:effectRef idx="0">
-            <a:schemeClr val="accent1"/>
-          </a:effectRef>
-          <a:fontRef idx="minor">
-            <a:schemeClr val="lt1"/>
-          </a:fontRef>
-        </p:style>
-        <p:txBody>
-          <a:bodyPr wrap="none" lIns="45720" rIns="45720" rtlCol="0" anchor="ctr"/>
-          <a:lstStyle/>
-          <a:p>
-            <a:r>
-              <a:rPr lang="en-US" sz="900" dirty="0">
-                <a:solidFill>
-                  <a:srgbClr val="000000"/>
-                </a:solidFill>
-                <a:latin typeface="Courier New" panose="02070309020205020404" pitchFamily="49" charset="0"/>
-                <a:cs typeface="Courier New" panose="02070309020205020404" pitchFamily="49" charset="0"/>
-              </a:rPr>
-              <a:t>MAIN_MODE</a:t>
-            </a:r>
-          </a:p>
-        </p:txBody>
-      </p:sp>
-      <p:sp>
-        <p:nvSpPr>
-          <p:cNvPr id="225" name="Rectangle 224"/>
-          <p:cNvSpPr/>
-          <p:nvPr/>
-        </p:nvSpPr>
-        <p:spPr>
-          <a:xfrm>
-            <a:off x="8534400" y="3733800"/>
-            <a:ext cx="457200" cy="152400"/>
-          </a:xfrm>
-          <a:prstGeom prst="rect">
-            <a:avLst/>
-          </a:prstGeom>
-          <a:noFill/>
-          <a:ln>
-            <a:noFill/>
-          </a:ln>
-        </p:spPr>
-        <p:style>
-          <a:lnRef idx="2">
-            <a:schemeClr val="accent1">
-              <a:shade val="50000"/>
-            </a:schemeClr>
-          </a:lnRef>
-          <a:fillRef idx="1">
-            <a:schemeClr val="accent1"/>
-          </a:fillRef>
-          <a:effectRef idx="0">
-            <a:schemeClr val="accent1"/>
-          </a:effectRef>
-          <a:fontRef idx="minor">
-            <a:schemeClr val="lt1"/>
-          </a:fontRef>
-        </p:style>
-        <p:txBody>
-          <a:bodyPr wrap="none" lIns="45720" rIns="45720" rtlCol="0" anchor="ctr"/>
-          <a:lstStyle/>
-          <a:p>
-            <a:r>
-              <a:rPr lang="en-US" sz="900" dirty="0">
-                <a:solidFill>
-                  <a:srgbClr val="000000"/>
-                </a:solidFill>
-                <a:latin typeface="Courier New" panose="02070309020205020404" pitchFamily="49" charset="0"/>
-                <a:cs typeface="Courier New" panose="02070309020205020404" pitchFamily="49" charset="0"/>
-              </a:rPr>
-              <a:t>SUB_MODE</a:t>
-            </a:r>
-          </a:p>
-        </p:txBody>
-      </p:sp>
-      <p:sp>
-        <p:nvSpPr>
-          <p:cNvPr id="228" name="Rectangle 227"/>
-          <p:cNvSpPr/>
-          <p:nvPr/>
-        </p:nvSpPr>
-        <p:spPr>
-          <a:xfrm>
-            <a:off x="9448800" y="1219200"/>
-            <a:ext cx="457200" cy="152400"/>
-          </a:xfrm>
-          <a:prstGeom prst="rect">
-            <a:avLst/>
-          </a:prstGeom>
-          <a:noFill/>
-          <a:ln>
-            <a:noFill/>
-          </a:ln>
-        </p:spPr>
-        <p:style>
-          <a:lnRef idx="2">
-            <a:schemeClr val="accent1">
-              <a:shade val="50000"/>
-            </a:schemeClr>
-          </a:lnRef>
-          <a:fillRef idx="1">
-            <a:schemeClr val="accent1"/>
-          </a:fillRef>
-          <a:effectRef idx="0">
-            <a:schemeClr val="accent1"/>
-          </a:effectRef>
-          <a:fontRef idx="minor">
-            <a:schemeClr val="lt1"/>
-          </a:fontRef>
-        </p:style>
-        <p:txBody>
-          <a:bodyPr wrap="none" lIns="45720" rIns="45720" rtlCol="0" anchor="ctr"/>
-          <a:lstStyle/>
-          <a:p>
-            <a:pPr algn="r"/>
+            <a:pPr algn="ctr"/>
             <a:r>
               <a:rPr lang="en-US" sz="900" dirty="0" smtClean="0">
                 <a:solidFill>
@@ -12267,7 +12132,7 @@
                 <a:latin typeface="Courier New" panose="02070309020205020404" pitchFamily="49" charset="0"/>
                 <a:cs typeface="Courier New" panose="02070309020205020404" pitchFamily="49" charset="0"/>
               </a:rPr>
-              <a:t>NT_CTRL</a:t>
+              <a:t>31</a:t>
             </a:r>
             <a:endParaRPr lang="en-US" sz="900" dirty="0">
               <a:solidFill>
@@ -12281,13 +12146,13 @@
       </p:sp>
       <p:sp>
         <p:nvSpPr>
-          <p:cNvPr id="233" name="Rectangle 232"/>
+          <p:cNvPr id="251" name="Rectangle 250"/>
           <p:cNvSpPr/>
           <p:nvPr/>
         </p:nvSpPr>
         <p:spPr>
           <a:xfrm>
-            <a:off x="9448800" y="2057400"/>
+            <a:off x="11125200" y="4419600"/>
             <a:ext cx="457200" cy="152400"/>
           </a:xfrm>
           <a:prstGeom prst="rect">
@@ -12318,16 +12183,15 @@
           <a:bodyPr wrap="none" lIns="45720" rIns="45720" rtlCol="0" anchor="ctr"/>
           <a:lstStyle/>
           <a:p>
-            <a:pPr algn="r"/>
-            <a:r>
-              <a:rPr lang="en-US" sz="900" dirty="0" smtClean="0">
-                <a:solidFill>
-                  <a:srgbClr val="000000"/>
-                </a:solidFill>
-                <a:latin typeface="Courier New" panose="02070309020205020404" pitchFamily="49" charset="0"/>
-                <a:cs typeface="Courier New" panose="02070309020205020404" pitchFamily="49" charset="0"/>
-              </a:rPr>
-              <a:t>ET_CTRL</a:t>
+            <a:r>
+              <a:rPr lang="en-US" sz="900" dirty="0" err="1" smtClean="0">
+                <a:solidFill>
+                  <a:srgbClr val="000000"/>
+                </a:solidFill>
+                <a:latin typeface="Courier New" panose="02070309020205020404" pitchFamily="49" charset="0"/>
+                <a:cs typeface="Courier New" panose="02070309020205020404" pitchFamily="49" charset="0"/>
+              </a:rPr>
+              <a:t>nt_ctrl</a:t>
             </a:r>
             <a:endParaRPr lang="en-US" sz="900" dirty="0">
               <a:solidFill>
@@ -12341,13 +12205,13 @@
       </p:sp>
       <p:sp>
         <p:nvSpPr>
-          <p:cNvPr id="235" name="Rectangle 234"/>
+          <p:cNvPr id="252" name="Rectangle 251"/>
           <p:cNvSpPr/>
           <p:nvPr/>
         </p:nvSpPr>
         <p:spPr>
           <a:xfrm>
-            <a:off x="9448800" y="2895600"/>
+            <a:off x="12954000" y="4419600"/>
             <a:ext cx="457200" cy="152400"/>
           </a:xfrm>
           <a:prstGeom prst="rect">
@@ -12378,7 +12242,6 @@
           <a:bodyPr wrap="none" lIns="45720" rIns="45720" rtlCol="0" anchor="ctr"/>
           <a:lstStyle/>
           <a:p>
-            <a:pPr algn="r"/>
             <a:r>
               <a:rPr lang="en-US" sz="900" dirty="0" smtClean="0">
                 <a:solidFill>
@@ -12387,7 +12250,7 @@
                 <a:latin typeface="Courier New" panose="02070309020205020404" pitchFamily="49" charset="0"/>
                 <a:cs typeface="Courier New" panose="02070309020205020404" pitchFamily="49" charset="0"/>
               </a:rPr>
-              <a:t>ST_CTRL</a:t>
+              <a:t>NT_*</a:t>
             </a:r>
             <a:endParaRPr lang="en-US" sz="900" dirty="0">
               <a:solidFill>
@@ -12399,16 +12262,201 @@
           </a:p>
         </p:txBody>
       </p:sp>
-      <p:sp>
-        <p:nvSpPr>
-          <p:cNvPr id="238" name="Rectangle 237"/>
+      <p:cxnSp>
+        <p:nvCxnSpPr>
+          <p:cNvPr id="318" name="Straight Connector 317"/>
+          <p:cNvCxnSpPr/>
+          <p:nvPr/>
+        </p:nvCxnSpPr>
+        <p:spPr>
+          <a:xfrm>
+            <a:off x="8229600" y="2895600"/>
+            <a:ext cx="304800" cy="0"/>
+          </a:xfrm>
+          <a:prstGeom prst="line">
+            <a:avLst/>
+          </a:prstGeom>
+          <a:ln w="12700">
+            <a:solidFill>
+              <a:srgbClr val="000000"/>
+            </a:solidFill>
+            <a:headEnd type="none" w="med" len="med"/>
+            <a:tailEnd type="triangle" w="med" len="med"/>
+          </a:ln>
+        </p:spPr>
+        <p:style>
+          <a:lnRef idx="1">
+            <a:schemeClr val="accent1"/>
+          </a:lnRef>
+          <a:fillRef idx="0">
+            <a:schemeClr val="accent1"/>
+          </a:fillRef>
+          <a:effectRef idx="0">
+            <a:schemeClr val="accent1"/>
+          </a:effectRef>
+          <a:fontRef idx="minor">
+            <a:schemeClr val="tx1"/>
+          </a:fontRef>
+        </p:style>
+      </p:cxnSp>
+      <p:cxnSp>
+        <p:nvCxnSpPr>
+          <p:cNvPr id="319" name="Straight Connector 318"/>
+          <p:cNvCxnSpPr/>
+          <p:nvPr/>
+        </p:nvCxnSpPr>
+        <p:spPr>
+          <a:xfrm>
+            <a:off x="8229600" y="1981200"/>
+            <a:ext cx="0" cy="914400"/>
+          </a:xfrm>
+          <a:prstGeom prst="line">
+            <a:avLst/>
+          </a:prstGeom>
+          <a:ln w="12700">
+            <a:solidFill>
+              <a:srgbClr val="000000"/>
+            </a:solidFill>
+            <a:headEnd type="oval" w="med" len="med"/>
+            <a:tailEnd type="none" w="med" len="med"/>
+          </a:ln>
+        </p:spPr>
+        <p:style>
+          <a:lnRef idx="1">
+            <a:schemeClr val="accent1"/>
+          </a:lnRef>
+          <a:fillRef idx="0">
+            <a:schemeClr val="accent1"/>
+          </a:fillRef>
+          <a:effectRef idx="0">
+            <a:schemeClr val="accent1"/>
+          </a:effectRef>
+          <a:fontRef idx="minor">
+            <a:schemeClr val="tx1"/>
+          </a:fontRef>
+        </p:style>
+      </p:cxnSp>
+      <p:cxnSp>
+        <p:nvCxnSpPr>
+          <p:cNvPr id="320" name="Straight Connector 319"/>
+          <p:cNvCxnSpPr/>
+          <p:nvPr/>
+        </p:nvCxnSpPr>
+        <p:spPr>
+          <a:xfrm>
+            <a:off x="8001000" y="2286000"/>
+            <a:ext cx="0" cy="914400"/>
+          </a:xfrm>
+          <a:prstGeom prst="line">
+            <a:avLst/>
+          </a:prstGeom>
+          <a:ln w="12700">
+            <a:solidFill>
+              <a:srgbClr val="000000"/>
+            </a:solidFill>
+            <a:headEnd type="oval" w="med" len="med"/>
+            <a:tailEnd type="none" w="med" len="med"/>
+          </a:ln>
+        </p:spPr>
+        <p:style>
+          <a:lnRef idx="1">
+            <a:schemeClr val="accent1"/>
+          </a:lnRef>
+          <a:fillRef idx="0">
+            <a:schemeClr val="accent1"/>
+          </a:fillRef>
+          <a:effectRef idx="0">
+            <a:schemeClr val="accent1"/>
+          </a:effectRef>
+          <a:fontRef idx="minor">
+            <a:schemeClr val="tx1"/>
+          </a:fontRef>
+        </p:style>
+      </p:cxnSp>
+      <p:cxnSp>
+        <p:nvCxnSpPr>
+          <p:cNvPr id="321" name="Straight Connector 320"/>
+          <p:cNvCxnSpPr/>
+          <p:nvPr/>
+        </p:nvCxnSpPr>
+        <p:spPr>
+          <a:xfrm>
+            <a:off x="8001000" y="3200400"/>
+            <a:ext cx="533400" cy="0"/>
+          </a:xfrm>
+          <a:prstGeom prst="line">
+            <a:avLst/>
+          </a:prstGeom>
+          <a:ln w="12700">
+            <a:solidFill>
+              <a:srgbClr val="000000"/>
+            </a:solidFill>
+            <a:headEnd type="none" w="med" len="med"/>
+            <a:tailEnd type="triangle" w="med" len="med"/>
+          </a:ln>
+        </p:spPr>
+        <p:style>
+          <a:lnRef idx="1">
+            <a:schemeClr val="accent1"/>
+          </a:lnRef>
+          <a:fillRef idx="0">
+            <a:schemeClr val="accent1"/>
+          </a:fillRef>
+          <a:effectRef idx="0">
+            <a:schemeClr val="accent1"/>
+          </a:effectRef>
+          <a:fontRef idx="minor">
+            <a:schemeClr val="tx1"/>
+          </a:fontRef>
+        </p:style>
+      </p:cxnSp>
+      <p:cxnSp>
+        <p:nvCxnSpPr>
+          <p:cNvPr id="364" name="Straight Connector 363"/>
+          <p:cNvCxnSpPr/>
+          <p:nvPr/>
+        </p:nvCxnSpPr>
+        <p:spPr>
+          <a:xfrm flipV="1">
+            <a:off x="13792200" y="4495800"/>
+            <a:ext cx="152400" cy="152400"/>
+          </a:xfrm>
+          <a:prstGeom prst="line">
+            <a:avLst/>
+          </a:prstGeom>
+          <a:ln w="12700">
+            <a:solidFill>
+              <a:srgbClr val="000000"/>
+            </a:solidFill>
+            <a:headEnd type="none" w="med" len="med"/>
+            <a:tailEnd type="none" w="med" len="med"/>
+          </a:ln>
+        </p:spPr>
+        <p:style>
+          <a:lnRef idx="1">
+            <a:schemeClr val="accent1"/>
+          </a:lnRef>
+          <a:fillRef idx="0">
+            <a:schemeClr val="accent1"/>
+          </a:fillRef>
+          <a:effectRef idx="0">
+            <a:schemeClr val="accent1"/>
+          </a:effectRef>
+          <a:fontRef idx="minor">
+            <a:schemeClr val="tx1"/>
+          </a:fontRef>
+        </p:style>
+      </p:cxnSp>
+      <p:sp>
+        <p:nvSpPr>
+          <p:cNvPr id="365" name="Rectangle 364"/>
           <p:cNvSpPr/>
           <p:nvPr/>
         </p:nvSpPr>
         <p:spPr>
           <a:xfrm>
-            <a:off x="9448800" y="3733800"/>
-            <a:ext cx="457200" cy="152400"/>
+            <a:off x="13792200" y="4419600"/>
+            <a:ext cx="152400" cy="76200"/>
           </a:xfrm>
           <a:prstGeom prst="rect">
             <a:avLst/>
@@ -12438,7 +12486,7 @@
           <a:bodyPr wrap="none" lIns="45720" rIns="45720" rtlCol="0" anchor="ctr"/>
           <a:lstStyle/>
           <a:p>
-            <a:pPr algn="r"/>
+            <a:pPr algn="ctr"/>
             <a:r>
               <a:rPr lang="en-US" sz="900" dirty="0" smtClean="0">
                 <a:solidFill>
@@ -12447,7 +12495,7 @@
                 <a:latin typeface="Courier New" panose="02070309020205020404" pitchFamily="49" charset="0"/>
                 <a:cs typeface="Courier New" panose="02070309020205020404" pitchFamily="49" charset="0"/>
               </a:rPr>
-              <a:t>SC_CTRL</a:t>
+              <a:t>31</a:t>
             </a:r>
             <a:endParaRPr lang="en-US" sz="900" dirty="0">
               <a:solidFill>
@@ -12461,23 +12509,21 @@
       </p:sp>
       <p:sp>
         <p:nvSpPr>
-          <p:cNvPr id="247" name="Pentagon 246"/>
+          <p:cNvPr id="226" name="Rectangle 225"/>
           <p:cNvSpPr/>
           <p:nvPr/>
         </p:nvSpPr>
         <p:spPr>
           <a:xfrm>
-            <a:off x="14020800" y="1219200"/>
-            <a:ext cx="228600" cy="152400"/>
-          </a:xfrm>
-          <a:prstGeom prst="homePlate">
+            <a:off x="7162800" y="2209800"/>
+            <a:ext cx="457200" cy="152400"/>
+          </a:xfrm>
+          <a:prstGeom prst="rect">
             <a:avLst/>
           </a:prstGeom>
           <a:noFill/>
-          <a:ln w="12700">
-            <a:solidFill>
-              <a:schemeClr val="tx1"/>
-            </a:solidFill>
+          <a:ln>
+            <a:noFill/>
           </a:ln>
         </p:spPr>
         <p:style>
@@ -12497,136 +12543,10 @@
           </a:fontRef>
         </p:style>
         <p:txBody>
-          <a:bodyPr rot="0" spcFirstLastPara="0" vertOverflow="overflow" horzOverflow="overflow" vert="horz" wrap="square" lIns="91440" tIns="45720" rIns="91440" bIns="45720" numCol="1" spcCol="0" rtlCol="0" fromWordArt="0" anchor="ctr" anchorCtr="0" forceAA="0" compatLnSpc="1">
-            <a:prstTxWarp prst="textNoShape">
-              <a:avLst/>
-            </a:prstTxWarp>
-            <a:noAutofit/>
-          </a:bodyPr>
-          <a:lstStyle/>
-          <a:p>
-            <a:pPr algn="ctr"/>
-            <a:endParaRPr lang="en-US" sz="3730"/>
-          </a:p>
-        </p:txBody>
-      </p:sp>
-      <p:cxnSp>
-        <p:nvCxnSpPr>
-          <p:cNvPr id="248" name="Straight Connector 247"/>
-          <p:cNvCxnSpPr>
-            <a:stCxn id="247" idx="1"/>
-            <a:endCxn id="228" idx="3"/>
-          </p:cNvCxnSpPr>
-          <p:nvPr/>
-        </p:nvCxnSpPr>
-        <p:spPr>
-          <a:xfrm flipH="1">
-            <a:off x="9906000" y="1295400"/>
-            <a:ext cx="4114800" cy="0"/>
-          </a:xfrm>
-          <a:prstGeom prst="line">
-            <a:avLst/>
-          </a:prstGeom>
-          <a:ln w="12700">
-            <a:solidFill>
-              <a:srgbClr val="000000"/>
-            </a:solidFill>
-            <a:headEnd type="none" w="med" len="med"/>
-            <a:tailEnd type="none" w="med" len="med"/>
-          </a:ln>
-        </p:spPr>
-        <p:style>
-          <a:lnRef idx="1">
-            <a:schemeClr val="accent1"/>
-          </a:lnRef>
-          <a:fillRef idx="0">
-            <a:schemeClr val="accent1"/>
-          </a:fillRef>
-          <a:effectRef idx="0">
-            <a:schemeClr val="accent1"/>
-          </a:effectRef>
-          <a:fontRef idx="minor">
-            <a:schemeClr val="tx1"/>
-          </a:fontRef>
-        </p:style>
-      </p:cxnSp>
-      <p:cxnSp>
-        <p:nvCxnSpPr>
-          <p:cNvPr id="249" name="Straight Connector 248"/>
-          <p:cNvCxnSpPr/>
-          <p:nvPr/>
-        </p:nvCxnSpPr>
-        <p:spPr>
-          <a:xfrm flipV="1">
-            <a:off x="9982200" y="1219200"/>
-            <a:ext cx="152400" cy="152400"/>
-          </a:xfrm>
-          <a:prstGeom prst="line">
-            <a:avLst/>
-          </a:prstGeom>
-          <a:ln w="12700">
-            <a:solidFill>
-              <a:srgbClr val="000000"/>
-            </a:solidFill>
-            <a:headEnd type="none" w="med" len="med"/>
-            <a:tailEnd type="none" w="med" len="med"/>
-          </a:ln>
-        </p:spPr>
-        <p:style>
-          <a:lnRef idx="1">
-            <a:schemeClr val="accent1"/>
-          </a:lnRef>
-          <a:fillRef idx="0">
-            <a:schemeClr val="accent1"/>
-          </a:fillRef>
-          <a:effectRef idx="0">
-            <a:schemeClr val="accent1"/>
-          </a:effectRef>
-          <a:fontRef idx="minor">
-            <a:schemeClr val="tx1"/>
-          </a:fontRef>
-        </p:style>
-      </p:cxnSp>
-      <p:sp>
-        <p:nvSpPr>
-          <p:cNvPr id="250" name="Rectangle 249"/>
-          <p:cNvSpPr/>
-          <p:nvPr/>
-        </p:nvSpPr>
-        <p:spPr>
-          <a:xfrm>
-            <a:off x="9982200" y="1143000"/>
-            <a:ext cx="152400" cy="76200"/>
-          </a:xfrm>
-          <a:prstGeom prst="rect">
-            <a:avLst/>
-          </a:prstGeom>
-          <a:noFill/>
-          <a:ln>
-            <a:noFill/>
-          </a:ln>
-        </p:spPr>
-        <p:style>
-          <a:lnRef idx="2">
-            <a:schemeClr val="accent1">
-              <a:shade val="50000"/>
-            </a:schemeClr>
-          </a:lnRef>
-          <a:fillRef idx="1">
-            <a:schemeClr val="accent1"/>
-          </a:fillRef>
-          <a:effectRef idx="0">
-            <a:schemeClr val="accent1"/>
-          </a:effectRef>
-          <a:fontRef idx="minor">
-            <a:schemeClr val="lt1"/>
-          </a:fontRef>
-        </p:style>
-        <p:txBody>
           <a:bodyPr wrap="none" lIns="45720" rIns="45720" rtlCol="0" anchor="ctr"/>
           <a:lstStyle/>
           <a:p>
-            <a:pPr algn="ctr"/>
+            <a:pPr algn="r"/>
             <a:r>
               <a:rPr lang="en-US" sz="900" dirty="0" smtClean="0">
                 <a:solidFill>
@@ -12635,7 +12555,7 @@
                 <a:latin typeface="Courier New" panose="02070309020205020404" pitchFamily="49" charset="0"/>
                 <a:cs typeface="Courier New" panose="02070309020205020404" pitchFamily="49" charset="0"/>
               </a:rPr>
-              <a:t>31</a:t>
+              <a:t>CNT2</a:t>
             </a:r>
             <a:endParaRPr lang="en-US" sz="900" dirty="0">
               <a:solidFill>
@@ -12647,16 +12567,53 @@
           </a:p>
         </p:txBody>
       </p:sp>
-      <p:sp>
-        <p:nvSpPr>
-          <p:cNvPr id="251" name="Rectangle 250"/>
+      <p:cxnSp>
+        <p:nvCxnSpPr>
+          <p:cNvPr id="231" name="Straight Connector 230"/>
+          <p:cNvCxnSpPr/>
+          <p:nvPr/>
+        </p:nvCxnSpPr>
+        <p:spPr>
+          <a:xfrm flipV="1">
+            <a:off x="7696200" y="2209800"/>
+            <a:ext cx="152400" cy="152400"/>
+          </a:xfrm>
+          <a:prstGeom prst="line">
+            <a:avLst/>
+          </a:prstGeom>
+          <a:ln w="12700">
+            <a:solidFill>
+              <a:srgbClr val="000000"/>
+            </a:solidFill>
+            <a:headEnd type="none" w="med" len="med"/>
+            <a:tailEnd type="none" w="med" len="med"/>
+          </a:ln>
+        </p:spPr>
+        <p:style>
+          <a:lnRef idx="1">
+            <a:schemeClr val="accent1"/>
+          </a:lnRef>
+          <a:fillRef idx="0">
+            <a:schemeClr val="accent1"/>
+          </a:fillRef>
+          <a:effectRef idx="0">
+            <a:schemeClr val="accent1"/>
+          </a:effectRef>
+          <a:fontRef idx="minor">
+            <a:schemeClr val="tx1"/>
+          </a:fontRef>
+        </p:style>
+      </p:cxnSp>
+      <p:sp>
+        <p:nvSpPr>
+          <p:cNvPr id="234" name="Rectangle 233"/>
           <p:cNvSpPr/>
           <p:nvPr/>
         </p:nvSpPr>
         <p:spPr>
           <a:xfrm>
-            <a:off x="10210800" y="1143000"/>
-            <a:ext cx="457200" cy="152400"/>
+            <a:off x="7696200" y="2133600"/>
+            <a:ext cx="152400" cy="76200"/>
           </a:xfrm>
           <a:prstGeom prst="rect">
             <a:avLst/>
@@ -12686,6 +12643,59 @@
           <a:bodyPr wrap="none" lIns="45720" rIns="45720" rtlCol="0" anchor="ctr"/>
           <a:lstStyle/>
           <a:p>
+            <a:pPr algn="ctr"/>
+            <a:r>
+              <a:rPr lang="en-US" sz="900" dirty="0">
+                <a:solidFill>
+                  <a:srgbClr val="000000"/>
+                </a:solidFill>
+                <a:latin typeface="Courier New" panose="02070309020205020404" pitchFamily="49" charset="0"/>
+                <a:cs typeface="Courier New" panose="02070309020205020404" pitchFamily="49" charset="0"/>
+              </a:rPr>
+              <a:t>8</a:t>
+            </a:r>
+          </a:p>
+        </p:txBody>
+      </p:sp>
+      <p:sp>
+        <p:nvSpPr>
+          <p:cNvPr id="236" name="Rectangle 235"/>
+          <p:cNvSpPr/>
+          <p:nvPr/>
+        </p:nvSpPr>
+        <p:spPr>
+          <a:xfrm>
+            <a:off x="8534400" y="1828800"/>
+            <a:ext cx="457200" cy="152400"/>
+          </a:xfrm>
+          <a:prstGeom prst="rect">
+            <a:avLst/>
+          </a:prstGeom>
+          <a:noFill/>
+          <a:ln>
+            <a:noFill/>
+          </a:ln>
+        </p:spPr>
+        <p:style>
+          <a:lnRef idx="2">
+            <a:schemeClr val="accent1">
+              <a:shade val="50000"/>
+            </a:schemeClr>
+          </a:lnRef>
+          <a:fillRef idx="1">
+            <a:schemeClr val="accent1"/>
+          </a:fillRef>
+          <a:effectRef idx="0">
+            <a:schemeClr val="accent1"/>
+          </a:effectRef>
+          <a:fontRef idx="minor">
+            <a:schemeClr val="lt1"/>
+          </a:fontRef>
+        </p:style>
+        <p:txBody>
+          <a:bodyPr wrap="none" lIns="45720" rIns="45720" rtlCol="0" anchor="ctr"/>
+          <a:lstStyle/>
+          <a:p>
             <a:r>
               <a:rPr lang="en-US" sz="900" dirty="0" err="1" smtClean="0">
                 <a:solidFill>
@@ -12694,7 +12704,7 @@
                 <a:latin typeface="Courier New" panose="02070309020205020404" pitchFamily="49" charset="0"/>
                 <a:cs typeface="Courier New" panose="02070309020205020404" pitchFamily="49" charset="0"/>
               </a:rPr>
-              <a:t>nt_ctrl</a:t>
+              <a:t>main_mode</a:t>
             </a:r>
             <a:endParaRPr lang="en-US" sz="900" dirty="0">
               <a:solidFill>
@@ -12708,13 +12718,13 @@
       </p:sp>
       <p:sp>
         <p:nvSpPr>
-          <p:cNvPr id="252" name="Rectangle 251"/>
+          <p:cNvPr id="237" name="Rectangle 236"/>
           <p:cNvSpPr/>
           <p:nvPr/>
         </p:nvSpPr>
         <p:spPr>
           <a:xfrm>
-            <a:off x="12877800" y="1143000"/>
+            <a:off x="9448800" y="5410200"/>
             <a:ext cx="457200" cy="152400"/>
           </a:xfrm>
           <a:prstGeom prst="rect">
@@ -12745,6 +12755,7 @@
           <a:bodyPr wrap="none" lIns="45720" rIns="45720" rtlCol="0" anchor="ctr"/>
           <a:lstStyle/>
           <a:p>
+            <a:pPr algn="r"/>
             <a:r>
               <a:rPr lang="en-US" sz="900" dirty="0" smtClean="0">
                 <a:solidFill>
@@ -12753,7 +12764,17 @@
                 <a:latin typeface="Courier New" panose="02070309020205020404" pitchFamily="49" charset="0"/>
                 <a:cs typeface="Courier New" panose="02070309020205020404" pitchFamily="49" charset="0"/>
               </a:rPr>
-              <a:t>NT_*</a:t>
+              <a:t>NTB_</a:t>
+            </a:r>
+            <a:r>
+              <a:rPr lang="en-US" sz="900" dirty="0" smtClean="0">
+                <a:solidFill>
+                  <a:srgbClr val="000000"/>
+                </a:solidFill>
+                <a:latin typeface="Courier New" panose="02070309020205020404" pitchFamily="49" charset="0"/>
+                <a:cs typeface="Courier New" panose="02070309020205020404" pitchFamily="49" charset="0"/>
+              </a:rPr>
+              <a:t>DIN</a:t>
             </a:r>
             <a:endParaRPr lang="en-US" sz="900" dirty="0">
               <a:solidFill>
@@ -12767,23 +12788,21 @@
       </p:sp>
       <p:sp>
         <p:nvSpPr>
-          <p:cNvPr id="270" name="Pentagon 269"/>
+          <p:cNvPr id="239" name="Rectangle 238"/>
           <p:cNvSpPr/>
           <p:nvPr/>
         </p:nvSpPr>
         <p:spPr>
           <a:xfrm>
-            <a:off x="14020800" y="2057400"/>
-            <a:ext cx="228600" cy="152400"/>
-          </a:xfrm>
-          <a:prstGeom prst="homePlate">
+            <a:off x="9448800" y="5181600"/>
+            <a:ext cx="457200" cy="152400"/>
+          </a:xfrm>
+          <a:prstGeom prst="rect">
             <a:avLst/>
           </a:prstGeom>
           <a:noFill/>
-          <a:ln w="12700">
-            <a:solidFill>
-              <a:schemeClr val="tx1"/>
-            </a:solidFill>
+          <a:ln>
+            <a:noFill/>
           </a:ln>
         </p:spPr>
         <p:style>
@@ -12803,136 +12822,10 @@
           </a:fontRef>
         </p:style>
         <p:txBody>
-          <a:bodyPr rot="0" spcFirstLastPara="0" vertOverflow="overflow" horzOverflow="overflow" vert="horz" wrap="square" lIns="91440" tIns="45720" rIns="91440" bIns="45720" numCol="1" spcCol="0" rtlCol="0" fromWordArt="0" anchor="ctr" anchorCtr="0" forceAA="0" compatLnSpc="1">
-            <a:prstTxWarp prst="textNoShape">
-              <a:avLst/>
-            </a:prstTxWarp>
-            <a:noAutofit/>
-          </a:bodyPr>
-          <a:lstStyle/>
-          <a:p>
-            <a:pPr algn="ctr"/>
-            <a:endParaRPr lang="en-US" sz="3730"/>
-          </a:p>
-        </p:txBody>
-      </p:sp>
-      <p:cxnSp>
-        <p:nvCxnSpPr>
-          <p:cNvPr id="271" name="Straight Connector 270"/>
-          <p:cNvCxnSpPr>
-            <a:stCxn id="270" idx="1"/>
-            <a:endCxn id="233" idx="3"/>
-          </p:cNvCxnSpPr>
-          <p:nvPr/>
-        </p:nvCxnSpPr>
-        <p:spPr>
-          <a:xfrm flipH="1">
-            <a:off x="9906000" y="2133600"/>
-            <a:ext cx="4114800" cy="0"/>
-          </a:xfrm>
-          <a:prstGeom prst="line">
-            <a:avLst/>
-          </a:prstGeom>
-          <a:ln w="12700">
-            <a:solidFill>
-              <a:srgbClr val="000000"/>
-            </a:solidFill>
-            <a:headEnd type="none" w="med" len="med"/>
-            <a:tailEnd type="none" w="med" len="med"/>
-          </a:ln>
-        </p:spPr>
-        <p:style>
-          <a:lnRef idx="1">
-            <a:schemeClr val="accent1"/>
-          </a:lnRef>
-          <a:fillRef idx="0">
-            <a:schemeClr val="accent1"/>
-          </a:fillRef>
-          <a:effectRef idx="0">
-            <a:schemeClr val="accent1"/>
-          </a:effectRef>
-          <a:fontRef idx="minor">
-            <a:schemeClr val="tx1"/>
-          </a:fontRef>
-        </p:style>
-      </p:cxnSp>
-      <p:cxnSp>
-        <p:nvCxnSpPr>
-          <p:cNvPr id="274" name="Straight Connector 273"/>
-          <p:cNvCxnSpPr/>
-          <p:nvPr/>
-        </p:nvCxnSpPr>
-        <p:spPr>
-          <a:xfrm flipV="1">
-            <a:off x="9982200" y="2057400"/>
-            <a:ext cx="152400" cy="152400"/>
-          </a:xfrm>
-          <a:prstGeom prst="line">
-            <a:avLst/>
-          </a:prstGeom>
-          <a:ln w="12700">
-            <a:solidFill>
-              <a:srgbClr val="000000"/>
-            </a:solidFill>
-            <a:headEnd type="none" w="med" len="med"/>
-            <a:tailEnd type="none" w="med" len="med"/>
-          </a:ln>
-        </p:spPr>
-        <p:style>
-          <a:lnRef idx="1">
-            <a:schemeClr val="accent1"/>
-          </a:lnRef>
-          <a:fillRef idx="0">
-            <a:schemeClr val="accent1"/>
-          </a:fillRef>
-          <a:effectRef idx="0">
-            <a:schemeClr val="accent1"/>
-          </a:effectRef>
-          <a:fontRef idx="minor">
-            <a:schemeClr val="tx1"/>
-          </a:fontRef>
-        </p:style>
-      </p:cxnSp>
-      <p:sp>
-        <p:nvSpPr>
-          <p:cNvPr id="276" name="Rectangle 275"/>
-          <p:cNvSpPr/>
-          <p:nvPr/>
-        </p:nvSpPr>
-        <p:spPr>
-          <a:xfrm>
-            <a:off x="9982200" y="1981200"/>
-            <a:ext cx="152400" cy="76200"/>
-          </a:xfrm>
-          <a:prstGeom prst="rect">
-            <a:avLst/>
-          </a:prstGeom>
-          <a:noFill/>
-          <a:ln>
-            <a:noFill/>
-          </a:ln>
-        </p:spPr>
-        <p:style>
-          <a:lnRef idx="2">
-            <a:schemeClr val="accent1">
-              <a:shade val="50000"/>
-            </a:schemeClr>
-          </a:lnRef>
-          <a:fillRef idx="1">
-            <a:schemeClr val="accent1"/>
-          </a:fillRef>
-          <a:effectRef idx="0">
-            <a:schemeClr val="accent1"/>
-          </a:effectRef>
-          <a:fontRef idx="minor">
-            <a:schemeClr val="lt1"/>
-          </a:fontRef>
-        </p:style>
-        <p:txBody>
           <a:bodyPr wrap="none" lIns="45720" rIns="45720" rtlCol="0" anchor="ctr"/>
           <a:lstStyle/>
           <a:p>
-            <a:pPr algn="ctr"/>
+            <a:pPr algn="r"/>
             <a:r>
               <a:rPr lang="en-US" sz="900" dirty="0" smtClean="0">
                 <a:solidFill>
@@ -12941,7 +12834,7 @@
                 <a:latin typeface="Courier New" panose="02070309020205020404" pitchFamily="49" charset="0"/>
                 <a:cs typeface="Courier New" panose="02070309020205020404" pitchFamily="49" charset="0"/>
               </a:rPr>
-              <a:t>31</a:t>
+              <a:t>NTB_DOUT</a:t>
             </a:r>
             <a:endParaRPr lang="en-US" sz="900" dirty="0">
               <a:solidFill>
@@ -12955,21 +12848,23 @@
       </p:sp>
       <p:sp>
         <p:nvSpPr>
-          <p:cNvPr id="278" name="Rectangle 277"/>
+          <p:cNvPr id="242" name="Pentagon 241"/>
           <p:cNvSpPr/>
           <p:nvPr/>
         </p:nvSpPr>
         <p:spPr>
           <a:xfrm>
-            <a:off x="10210800" y="1981200"/>
-            <a:ext cx="457200" cy="152400"/>
-          </a:xfrm>
-          <a:prstGeom prst="rect">
+            <a:off x="14020800" y="5181600"/>
+            <a:ext cx="228600" cy="152400"/>
+          </a:xfrm>
+          <a:prstGeom prst="homePlate">
             <a:avLst/>
           </a:prstGeom>
           <a:noFill/>
-          <a:ln>
-            <a:noFill/>
+          <a:ln w="12700">
+            <a:solidFill>
+              <a:schemeClr val="tx1"/>
+            </a:solidFill>
           </a:ln>
         </p:spPr>
         <p:style>
@@ -12989,18 +12884,197 @@
           </a:fontRef>
         </p:style>
         <p:txBody>
+          <a:bodyPr rot="0" spcFirstLastPara="0" vertOverflow="overflow" horzOverflow="overflow" vert="horz" wrap="square" lIns="91440" tIns="45720" rIns="91440" bIns="45720" numCol="1" spcCol="0" rtlCol="0" fromWordArt="0" anchor="ctr" anchorCtr="0" forceAA="0" compatLnSpc="1">
+            <a:prstTxWarp prst="textNoShape">
+              <a:avLst/>
+            </a:prstTxWarp>
+            <a:noAutofit/>
+          </a:bodyPr>
+          <a:lstStyle/>
+          <a:p>
+            <a:pPr algn="ctr"/>
+            <a:endParaRPr lang="en-US" sz="3730"/>
+          </a:p>
+        </p:txBody>
+      </p:sp>
+      <p:cxnSp>
+        <p:nvCxnSpPr>
+          <p:cNvPr id="243" name="Straight Connector 242"/>
+          <p:cNvCxnSpPr>
+            <a:stCxn id="242" idx="1"/>
+            <a:endCxn id="239" idx="3"/>
+          </p:cNvCxnSpPr>
+          <p:nvPr/>
+        </p:nvCxnSpPr>
+        <p:spPr>
+          <a:xfrm flipH="1">
+            <a:off x="9906000" y="5257800"/>
+            <a:ext cx="4114800" cy="0"/>
+          </a:xfrm>
+          <a:prstGeom prst="line">
+            <a:avLst/>
+          </a:prstGeom>
+          <a:ln w="12700">
+            <a:solidFill>
+              <a:srgbClr val="000000"/>
+            </a:solidFill>
+            <a:headEnd type="none" w="med" len="med"/>
+            <a:tailEnd type="none" w="med" len="med"/>
+          </a:ln>
+        </p:spPr>
+        <p:style>
+          <a:lnRef idx="1">
+            <a:schemeClr val="accent1"/>
+          </a:lnRef>
+          <a:fillRef idx="0">
+            <a:schemeClr val="accent1"/>
+          </a:fillRef>
+          <a:effectRef idx="0">
+            <a:schemeClr val="accent1"/>
+          </a:effectRef>
+          <a:fontRef idx="minor">
+            <a:schemeClr val="tx1"/>
+          </a:fontRef>
+        </p:style>
+      </p:cxnSp>
+      <p:cxnSp>
+        <p:nvCxnSpPr>
+          <p:cNvPr id="244" name="Straight Connector 243"/>
+          <p:cNvCxnSpPr/>
+          <p:nvPr/>
+        </p:nvCxnSpPr>
+        <p:spPr>
+          <a:xfrm flipV="1">
+            <a:off x="13792200" y="5181600"/>
+            <a:ext cx="152400" cy="152400"/>
+          </a:xfrm>
+          <a:prstGeom prst="line">
+            <a:avLst/>
+          </a:prstGeom>
+          <a:ln w="12700">
+            <a:solidFill>
+              <a:srgbClr val="000000"/>
+            </a:solidFill>
+            <a:headEnd type="none" w="med" len="med"/>
+            <a:tailEnd type="none" w="med" len="med"/>
+          </a:ln>
+        </p:spPr>
+        <p:style>
+          <a:lnRef idx="1">
+            <a:schemeClr val="accent1"/>
+          </a:lnRef>
+          <a:fillRef idx="0">
+            <a:schemeClr val="accent1"/>
+          </a:fillRef>
+          <a:effectRef idx="0">
+            <a:schemeClr val="accent1"/>
+          </a:effectRef>
+          <a:fontRef idx="minor">
+            <a:schemeClr val="tx1"/>
+          </a:fontRef>
+        </p:style>
+      </p:cxnSp>
+      <p:sp>
+        <p:nvSpPr>
+          <p:cNvPr id="245" name="Rectangle 244"/>
+          <p:cNvSpPr/>
+          <p:nvPr/>
+        </p:nvSpPr>
+        <p:spPr>
+          <a:xfrm>
+            <a:off x="13792200" y="5105400"/>
+            <a:ext cx="152400" cy="76200"/>
+          </a:xfrm>
+          <a:prstGeom prst="rect">
+            <a:avLst/>
+          </a:prstGeom>
+          <a:noFill/>
+          <a:ln>
+            <a:noFill/>
+          </a:ln>
+        </p:spPr>
+        <p:style>
+          <a:lnRef idx="2">
+            <a:schemeClr val="accent1">
+              <a:shade val="50000"/>
+            </a:schemeClr>
+          </a:lnRef>
+          <a:fillRef idx="1">
+            <a:schemeClr val="accent1"/>
+          </a:fillRef>
+          <a:effectRef idx="0">
+            <a:schemeClr val="accent1"/>
+          </a:effectRef>
+          <a:fontRef idx="minor">
+            <a:schemeClr val="lt1"/>
+          </a:fontRef>
+        </p:style>
+        <p:txBody>
           <a:bodyPr wrap="none" lIns="45720" rIns="45720" rtlCol="0" anchor="ctr"/>
           <a:lstStyle/>
           <a:p>
-            <a:r>
-              <a:rPr lang="en-US" sz="900" dirty="0" err="1" smtClean="0">
-                <a:solidFill>
-                  <a:srgbClr val="000000"/>
-                </a:solidFill>
-                <a:latin typeface="Courier New" panose="02070309020205020404" pitchFamily="49" charset="0"/>
-                <a:cs typeface="Courier New" panose="02070309020205020404" pitchFamily="49" charset="0"/>
-              </a:rPr>
-              <a:t>et_ctrl</a:t>
+            <a:pPr algn="ctr"/>
+            <a:r>
+              <a:rPr lang="en-US" sz="900" dirty="0">
+                <a:solidFill>
+                  <a:srgbClr val="000000"/>
+                </a:solidFill>
+                <a:latin typeface="Courier New" panose="02070309020205020404" pitchFamily="49" charset="0"/>
+                <a:cs typeface="Courier New" panose="02070309020205020404" pitchFamily="49" charset="0"/>
+              </a:rPr>
+              <a:t>2</a:t>
+            </a:r>
+          </a:p>
+        </p:txBody>
+      </p:sp>
+      <p:sp>
+        <p:nvSpPr>
+          <p:cNvPr id="246" name="Rectangle 245"/>
+          <p:cNvSpPr/>
+          <p:nvPr/>
+        </p:nvSpPr>
+        <p:spPr>
+          <a:xfrm>
+            <a:off x="12954000" y="5105400"/>
+            <a:ext cx="457200" cy="152400"/>
+          </a:xfrm>
+          <a:prstGeom prst="rect">
+            <a:avLst/>
+          </a:prstGeom>
+          <a:noFill/>
+          <a:ln>
+            <a:noFill/>
+          </a:ln>
+        </p:spPr>
+        <p:style>
+          <a:lnRef idx="2">
+            <a:schemeClr val="accent1">
+              <a:shade val="50000"/>
+            </a:schemeClr>
+          </a:lnRef>
+          <a:fillRef idx="1">
+            <a:schemeClr val="accent1"/>
+          </a:fillRef>
+          <a:effectRef idx="0">
+            <a:schemeClr val="accent1"/>
+          </a:effectRef>
+          <a:fontRef idx="minor">
+            <a:schemeClr val="lt1"/>
+          </a:fontRef>
+        </p:style>
+        <p:txBody>
+          <a:bodyPr wrap="none" lIns="45720" rIns="45720" rtlCol="0" anchor="ctr"/>
+          <a:lstStyle/>
+          <a:p>
+            <a:r>
+              <a:rPr lang="en-US" sz="900" dirty="0" smtClean="0">
+                <a:solidFill>
+                  <a:srgbClr val="000000"/>
+                </a:solidFill>
+                <a:latin typeface="Courier New" panose="02070309020205020404" pitchFamily="49" charset="0"/>
+                <a:cs typeface="Courier New" panose="02070309020205020404" pitchFamily="49" charset="0"/>
+              </a:rPr>
+              <a:t>NTB_DOUT</a:t>
             </a:r>
             <a:endParaRPr lang="en-US" sz="900" dirty="0">
               <a:solidFill>
@@ -13014,21 +13088,23 @@
       </p:sp>
       <p:sp>
         <p:nvSpPr>
-          <p:cNvPr id="279" name="Rectangle 278"/>
+          <p:cNvPr id="253" name="Pentagon 252"/>
           <p:cNvSpPr/>
           <p:nvPr/>
         </p:nvSpPr>
         <p:spPr>
-          <a:xfrm>
-            <a:off x="12877800" y="1981200"/>
-            <a:ext cx="457200" cy="152400"/>
-          </a:xfrm>
-          <a:prstGeom prst="rect">
+          <a:xfrm rot="10800000">
+            <a:off x="14020800" y="5410200"/>
+            <a:ext cx="228600" cy="152400"/>
+          </a:xfrm>
+          <a:prstGeom prst="homePlate">
             <a:avLst/>
           </a:prstGeom>
           <a:noFill/>
-          <a:ln>
-            <a:noFill/>
+          <a:ln w="12700">
+            <a:solidFill>
+              <a:schemeClr val="tx1"/>
+            </a:solidFill>
           </a:ln>
         </p:spPr>
         <p:style>
@@ -13048,9 +13124,188 @@
           </a:fontRef>
         </p:style>
         <p:txBody>
+          <a:bodyPr rot="0" spcFirstLastPara="0" vertOverflow="overflow" horzOverflow="overflow" vert="horz" wrap="square" lIns="91440" tIns="45720" rIns="91440" bIns="45720" numCol="1" spcCol="0" rtlCol="0" fromWordArt="0" anchor="ctr" anchorCtr="0" forceAA="0" compatLnSpc="1">
+            <a:prstTxWarp prst="textNoShape">
+              <a:avLst/>
+            </a:prstTxWarp>
+            <a:noAutofit/>
+          </a:bodyPr>
+          <a:lstStyle/>
+          <a:p>
+            <a:pPr algn="ctr"/>
+            <a:endParaRPr lang="en-US" sz="3730"/>
+          </a:p>
+        </p:txBody>
+      </p:sp>
+      <p:cxnSp>
+        <p:nvCxnSpPr>
+          <p:cNvPr id="255" name="Straight Connector 254"/>
+          <p:cNvCxnSpPr>
+            <a:stCxn id="253" idx="3"/>
+            <a:endCxn id="237" idx="3"/>
+          </p:cNvCxnSpPr>
+          <p:nvPr/>
+        </p:nvCxnSpPr>
+        <p:spPr>
+          <a:xfrm flipH="1">
+            <a:off x="9906000" y="5486400"/>
+            <a:ext cx="4114800" cy="0"/>
+          </a:xfrm>
+          <a:prstGeom prst="line">
+            <a:avLst/>
+          </a:prstGeom>
+          <a:ln w="12700">
+            <a:solidFill>
+              <a:srgbClr val="000000"/>
+            </a:solidFill>
+            <a:headEnd type="none" w="med" len="med"/>
+            <a:tailEnd type="none" w="med" len="med"/>
+          </a:ln>
+        </p:spPr>
+        <p:style>
+          <a:lnRef idx="1">
+            <a:schemeClr val="accent1"/>
+          </a:lnRef>
+          <a:fillRef idx="0">
+            <a:schemeClr val="accent1"/>
+          </a:fillRef>
+          <a:effectRef idx="0">
+            <a:schemeClr val="accent1"/>
+          </a:effectRef>
+          <a:fontRef idx="minor">
+            <a:schemeClr val="tx1"/>
+          </a:fontRef>
+        </p:style>
+      </p:cxnSp>
+      <p:cxnSp>
+        <p:nvCxnSpPr>
+          <p:cNvPr id="258" name="Straight Connector 257"/>
+          <p:cNvCxnSpPr/>
+          <p:nvPr/>
+        </p:nvCxnSpPr>
+        <p:spPr>
+          <a:xfrm flipV="1">
+            <a:off x="13792200" y="5410200"/>
+            <a:ext cx="152400" cy="152400"/>
+          </a:xfrm>
+          <a:prstGeom prst="line">
+            <a:avLst/>
+          </a:prstGeom>
+          <a:ln w="12700">
+            <a:solidFill>
+              <a:srgbClr val="000000"/>
+            </a:solidFill>
+            <a:headEnd type="none" w="med" len="med"/>
+            <a:tailEnd type="none" w="med" len="med"/>
+          </a:ln>
+        </p:spPr>
+        <p:style>
+          <a:lnRef idx="1">
+            <a:schemeClr val="accent1"/>
+          </a:lnRef>
+          <a:fillRef idx="0">
+            <a:schemeClr val="accent1"/>
+          </a:fillRef>
+          <a:effectRef idx="0">
+            <a:schemeClr val="accent1"/>
+          </a:effectRef>
+          <a:fontRef idx="minor">
+            <a:schemeClr val="tx1"/>
+          </a:fontRef>
+        </p:style>
+      </p:cxnSp>
+      <p:sp>
+        <p:nvSpPr>
+          <p:cNvPr id="261" name="Rectangle 260"/>
+          <p:cNvSpPr/>
+          <p:nvPr/>
+        </p:nvSpPr>
+        <p:spPr>
+          <a:xfrm>
+            <a:off x="13792200" y="5334000"/>
+            <a:ext cx="152400" cy="76200"/>
+          </a:xfrm>
+          <a:prstGeom prst="rect">
+            <a:avLst/>
+          </a:prstGeom>
+          <a:noFill/>
+          <a:ln>
+            <a:noFill/>
+          </a:ln>
+        </p:spPr>
+        <p:style>
+          <a:lnRef idx="2">
+            <a:schemeClr val="accent1">
+              <a:shade val="50000"/>
+            </a:schemeClr>
+          </a:lnRef>
+          <a:fillRef idx="1">
+            <a:schemeClr val="accent1"/>
+          </a:fillRef>
+          <a:effectRef idx="0">
+            <a:schemeClr val="accent1"/>
+          </a:effectRef>
+          <a:fontRef idx="minor">
+            <a:schemeClr val="lt1"/>
+          </a:fontRef>
+        </p:style>
+        <p:txBody>
           <a:bodyPr wrap="none" lIns="45720" rIns="45720" rtlCol="0" anchor="ctr"/>
           <a:lstStyle/>
           <a:p>
+            <a:pPr algn="ctr"/>
+            <a:r>
+              <a:rPr lang="en-US" sz="900" dirty="0">
+                <a:solidFill>
+                  <a:srgbClr val="000000"/>
+                </a:solidFill>
+                <a:latin typeface="Courier New" panose="02070309020205020404" pitchFamily="49" charset="0"/>
+                <a:cs typeface="Courier New" panose="02070309020205020404" pitchFamily="49" charset="0"/>
+              </a:rPr>
+              <a:t>2</a:t>
+            </a:r>
+          </a:p>
+        </p:txBody>
+      </p:sp>
+      <p:sp>
+        <p:nvSpPr>
+          <p:cNvPr id="262" name="Rectangle 261"/>
+          <p:cNvSpPr/>
+          <p:nvPr/>
+        </p:nvSpPr>
+        <p:spPr>
+          <a:xfrm>
+            <a:off x="12954000" y="5334000"/>
+            <a:ext cx="457200" cy="152400"/>
+          </a:xfrm>
+          <a:prstGeom prst="rect">
+            <a:avLst/>
+          </a:prstGeom>
+          <a:noFill/>
+          <a:ln>
+            <a:noFill/>
+          </a:ln>
+        </p:spPr>
+        <p:style>
+          <a:lnRef idx="2">
+            <a:schemeClr val="accent1">
+              <a:shade val="50000"/>
+            </a:schemeClr>
+          </a:lnRef>
+          <a:fillRef idx="1">
+            <a:schemeClr val="accent1"/>
+          </a:fillRef>
+          <a:effectRef idx="0">
+            <a:schemeClr val="accent1"/>
+          </a:effectRef>
+          <a:fontRef idx="minor">
+            <a:schemeClr val="lt1"/>
+          </a:fontRef>
+        </p:style>
+        <p:txBody>
+          <a:bodyPr wrap="none" lIns="45720" rIns="45720" rtlCol="0" anchor="ctr"/>
+          <a:lstStyle/>
+          <a:p>
             <a:r>
               <a:rPr lang="en-US" sz="900" dirty="0" smtClean="0">
                 <a:solidFill>
@@ -13059,7 +13314,7 @@
                 <a:latin typeface="Courier New" panose="02070309020205020404" pitchFamily="49" charset="0"/>
                 <a:cs typeface="Courier New" panose="02070309020205020404" pitchFamily="49" charset="0"/>
               </a:rPr>
-              <a:t>ET_*</a:t>
+              <a:t>NTB_DIN</a:t>
             </a:r>
             <a:endParaRPr lang="en-US" sz="900" dirty="0">
               <a:solidFill>
@@ -13073,23 +13328,21 @@
       </p:sp>
       <p:sp>
         <p:nvSpPr>
-          <p:cNvPr id="287" name="Pentagon 286"/>
+          <p:cNvPr id="263" name="Rectangle 262"/>
           <p:cNvSpPr/>
           <p:nvPr/>
         </p:nvSpPr>
         <p:spPr>
           <a:xfrm>
-            <a:off x="14020800" y="2895600"/>
-            <a:ext cx="228600" cy="152400"/>
-          </a:xfrm>
-          <a:prstGeom prst="homePlate">
+            <a:off x="9448800" y="6248400"/>
+            <a:ext cx="457200" cy="152400"/>
+          </a:xfrm>
+          <a:prstGeom prst="rect">
             <a:avLst/>
           </a:prstGeom>
           <a:noFill/>
-          <a:ln w="12700">
-            <a:solidFill>
-              <a:schemeClr val="tx1"/>
-            </a:solidFill>
+          <a:ln>
+            <a:noFill/>
           </a:ln>
         </p:spPr>
         <p:style>
@@ -13109,136 +13362,20 @@
           </a:fontRef>
         </p:style>
         <p:txBody>
-          <a:bodyPr rot="0" spcFirstLastPara="0" vertOverflow="overflow" horzOverflow="overflow" vert="horz" wrap="square" lIns="91440" tIns="45720" rIns="91440" bIns="45720" numCol="1" spcCol="0" rtlCol="0" fromWordArt="0" anchor="ctr" anchorCtr="0" forceAA="0" compatLnSpc="1">
-            <a:prstTxWarp prst="textNoShape">
-              <a:avLst/>
-            </a:prstTxWarp>
-            <a:noAutofit/>
-          </a:bodyPr>
-          <a:lstStyle/>
-          <a:p>
-            <a:pPr algn="ctr"/>
-            <a:endParaRPr lang="en-US" sz="3730"/>
-          </a:p>
-        </p:txBody>
-      </p:sp>
-      <p:cxnSp>
-        <p:nvCxnSpPr>
-          <p:cNvPr id="290" name="Straight Connector 289"/>
-          <p:cNvCxnSpPr>
-            <a:stCxn id="287" idx="1"/>
-            <a:endCxn id="235" idx="3"/>
-          </p:cNvCxnSpPr>
-          <p:nvPr/>
-        </p:nvCxnSpPr>
-        <p:spPr>
-          <a:xfrm flipH="1">
-            <a:off x="9906000" y="2971800"/>
-            <a:ext cx="4114800" cy="0"/>
-          </a:xfrm>
-          <a:prstGeom prst="line">
-            <a:avLst/>
-          </a:prstGeom>
-          <a:ln w="12700">
-            <a:solidFill>
-              <a:srgbClr val="000000"/>
-            </a:solidFill>
-            <a:headEnd type="none" w="med" len="med"/>
-            <a:tailEnd type="none" w="med" len="med"/>
-          </a:ln>
-        </p:spPr>
-        <p:style>
-          <a:lnRef idx="1">
-            <a:schemeClr val="accent1"/>
-          </a:lnRef>
-          <a:fillRef idx="0">
-            <a:schemeClr val="accent1"/>
-          </a:fillRef>
-          <a:effectRef idx="0">
-            <a:schemeClr val="accent1"/>
-          </a:effectRef>
-          <a:fontRef idx="minor">
-            <a:schemeClr val="tx1"/>
-          </a:fontRef>
-        </p:style>
-      </p:cxnSp>
-      <p:cxnSp>
-        <p:nvCxnSpPr>
-          <p:cNvPr id="291" name="Straight Connector 290"/>
-          <p:cNvCxnSpPr/>
-          <p:nvPr/>
-        </p:nvCxnSpPr>
-        <p:spPr>
-          <a:xfrm flipV="1">
-            <a:off x="9982200" y="2895600"/>
-            <a:ext cx="152400" cy="152400"/>
-          </a:xfrm>
-          <a:prstGeom prst="line">
-            <a:avLst/>
-          </a:prstGeom>
-          <a:ln w="12700">
-            <a:solidFill>
-              <a:srgbClr val="000000"/>
-            </a:solidFill>
-            <a:headEnd type="none" w="med" len="med"/>
-            <a:tailEnd type="none" w="med" len="med"/>
-          </a:ln>
-        </p:spPr>
-        <p:style>
-          <a:lnRef idx="1">
-            <a:schemeClr val="accent1"/>
-          </a:lnRef>
-          <a:fillRef idx="0">
-            <a:schemeClr val="accent1"/>
-          </a:fillRef>
-          <a:effectRef idx="0">
-            <a:schemeClr val="accent1"/>
-          </a:effectRef>
-          <a:fontRef idx="minor">
-            <a:schemeClr val="tx1"/>
-          </a:fontRef>
-        </p:style>
-      </p:cxnSp>
-      <p:sp>
-        <p:nvSpPr>
-          <p:cNvPr id="294" name="Rectangle 293"/>
-          <p:cNvSpPr/>
-          <p:nvPr/>
-        </p:nvSpPr>
-        <p:spPr>
-          <a:xfrm>
-            <a:off x="9982200" y="2819400"/>
-            <a:ext cx="152400" cy="76200"/>
-          </a:xfrm>
-          <a:prstGeom prst="rect">
-            <a:avLst/>
-          </a:prstGeom>
-          <a:noFill/>
-          <a:ln>
-            <a:noFill/>
-          </a:ln>
-        </p:spPr>
-        <p:style>
-          <a:lnRef idx="2">
-            <a:schemeClr val="accent1">
-              <a:shade val="50000"/>
-            </a:schemeClr>
-          </a:lnRef>
-          <a:fillRef idx="1">
-            <a:schemeClr val="accent1"/>
-          </a:fillRef>
-          <a:effectRef idx="0">
-            <a:schemeClr val="accent1"/>
-          </a:effectRef>
-          <a:fontRef idx="minor">
-            <a:schemeClr val="lt1"/>
-          </a:fontRef>
-        </p:style>
-        <p:txBody>
           <a:bodyPr wrap="none" lIns="45720" rIns="45720" rtlCol="0" anchor="ctr"/>
           <a:lstStyle/>
           <a:p>
-            <a:pPr algn="ctr"/>
+            <a:pPr algn="r"/>
+            <a:r>
+              <a:rPr lang="en-US" sz="900" dirty="0">
+                <a:solidFill>
+                  <a:srgbClr val="000000"/>
+                </a:solidFill>
+                <a:latin typeface="Courier New" panose="02070309020205020404" pitchFamily="49" charset="0"/>
+                <a:cs typeface="Courier New" panose="02070309020205020404" pitchFamily="49" charset="0"/>
+              </a:rPr>
+              <a:t>E</a:t>
+            </a:r>
             <a:r>
               <a:rPr lang="en-US" sz="900" dirty="0" smtClean="0">
                 <a:solidFill>
@@ -13247,7 +13384,17 @@
                 <a:latin typeface="Courier New" panose="02070309020205020404" pitchFamily="49" charset="0"/>
                 <a:cs typeface="Courier New" panose="02070309020205020404" pitchFamily="49" charset="0"/>
               </a:rPr>
-              <a:t>31</a:t>
+              <a:t>TA_</a:t>
+            </a:r>
+            <a:r>
+              <a:rPr lang="en-US" sz="900" dirty="0" smtClean="0">
+                <a:solidFill>
+                  <a:srgbClr val="000000"/>
+                </a:solidFill>
+                <a:latin typeface="Courier New" panose="02070309020205020404" pitchFamily="49" charset="0"/>
+                <a:cs typeface="Courier New" panose="02070309020205020404" pitchFamily="49" charset="0"/>
+              </a:rPr>
+              <a:t>DIN</a:t>
             </a:r>
             <a:endParaRPr lang="en-US" sz="900" dirty="0">
               <a:solidFill>
@@ -13261,13 +13408,13 @@
       </p:sp>
       <p:sp>
         <p:nvSpPr>
-          <p:cNvPr id="296" name="Rectangle 295"/>
+          <p:cNvPr id="273" name="Rectangle 272"/>
           <p:cNvSpPr/>
           <p:nvPr/>
         </p:nvSpPr>
         <p:spPr>
           <a:xfrm>
-            <a:off x="10210800" y="2819400"/>
+            <a:off x="9448800" y="6019800"/>
             <a:ext cx="457200" cy="152400"/>
           </a:xfrm>
           <a:prstGeom prst="rect">
@@ -13298,15 +13445,26 @@
           <a:bodyPr wrap="none" lIns="45720" rIns="45720" rtlCol="0" anchor="ctr"/>
           <a:lstStyle/>
           <a:p>
-            <a:r>
-              <a:rPr lang="en-US" sz="900" dirty="0" err="1" smtClean="0">
-                <a:solidFill>
-                  <a:srgbClr val="000000"/>
-                </a:solidFill>
-                <a:latin typeface="Courier New" panose="02070309020205020404" pitchFamily="49" charset="0"/>
-                <a:cs typeface="Courier New" panose="02070309020205020404" pitchFamily="49" charset="0"/>
-              </a:rPr>
-              <a:t>st_ctrl</a:t>
+            <a:pPr algn="r"/>
+            <a:r>
+              <a:rPr lang="en-US" sz="900" dirty="0">
+                <a:solidFill>
+                  <a:srgbClr val="000000"/>
+                </a:solidFill>
+                <a:latin typeface="Courier New" panose="02070309020205020404" pitchFamily="49" charset="0"/>
+                <a:cs typeface="Courier New" panose="02070309020205020404" pitchFamily="49" charset="0"/>
+              </a:rPr>
+              <a:t>E</a:t>
+            </a:r>
+            <a:r>
+              <a:rPr lang="en-US" sz="900" dirty="0" smtClean="0">
+                <a:solidFill>
+                  <a:srgbClr val="000000"/>
+                </a:solidFill>
+                <a:latin typeface="Courier New" panose="02070309020205020404" pitchFamily="49" charset="0"/>
+                <a:cs typeface="Courier New" panose="02070309020205020404" pitchFamily="49" charset="0"/>
+              </a:rPr>
+              <a:t>TA_DOUT</a:t>
             </a:r>
             <a:endParaRPr lang="en-US" sz="900" dirty="0">
               <a:solidFill>
@@ -13320,21 +13478,23 @@
       </p:sp>
       <p:sp>
         <p:nvSpPr>
-          <p:cNvPr id="297" name="Rectangle 296"/>
+          <p:cNvPr id="275" name="Pentagon 274"/>
           <p:cNvSpPr/>
           <p:nvPr/>
         </p:nvSpPr>
         <p:spPr>
           <a:xfrm>
-            <a:off x="12877800" y="2819400"/>
-            <a:ext cx="457200" cy="152400"/>
-          </a:xfrm>
-          <a:prstGeom prst="rect">
+            <a:off x="14020800" y="6019800"/>
+            <a:ext cx="228600" cy="152400"/>
+          </a:xfrm>
+          <a:prstGeom prst="homePlate">
             <a:avLst/>
           </a:prstGeom>
           <a:noFill/>
-          <a:ln>
-            <a:noFill/>
+          <a:ln w="12700">
+            <a:solidFill>
+              <a:schemeClr val="tx1"/>
+            </a:solidFill>
           </a:ln>
         </p:spPr>
         <p:style>
@@ -13354,9 +13514,198 @@
           </a:fontRef>
         </p:style>
         <p:txBody>
+          <a:bodyPr rot="0" spcFirstLastPara="0" vertOverflow="overflow" horzOverflow="overflow" vert="horz" wrap="square" lIns="91440" tIns="45720" rIns="91440" bIns="45720" numCol="1" spcCol="0" rtlCol="0" fromWordArt="0" anchor="ctr" anchorCtr="0" forceAA="0" compatLnSpc="1">
+            <a:prstTxWarp prst="textNoShape">
+              <a:avLst/>
+            </a:prstTxWarp>
+            <a:noAutofit/>
+          </a:bodyPr>
+          <a:lstStyle/>
+          <a:p>
+            <a:pPr algn="ctr"/>
+            <a:endParaRPr lang="en-US" sz="3730"/>
+          </a:p>
+        </p:txBody>
+      </p:sp>
+      <p:cxnSp>
+        <p:nvCxnSpPr>
+          <p:cNvPr id="277" name="Straight Connector 276"/>
+          <p:cNvCxnSpPr>
+            <a:stCxn id="275" idx="1"/>
+            <a:endCxn id="273" idx="3"/>
+          </p:cNvCxnSpPr>
+          <p:nvPr/>
+        </p:nvCxnSpPr>
+        <p:spPr>
+          <a:xfrm flipH="1">
+            <a:off x="9906000" y="6096000"/>
+            <a:ext cx="4114800" cy="0"/>
+          </a:xfrm>
+          <a:prstGeom prst="line">
+            <a:avLst/>
+          </a:prstGeom>
+          <a:ln w="12700">
+            <a:solidFill>
+              <a:srgbClr val="000000"/>
+            </a:solidFill>
+            <a:headEnd type="none" w="med" len="med"/>
+            <a:tailEnd type="none" w="med" len="med"/>
+          </a:ln>
+        </p:spPr>
+        <p:style>
+          <a:lnRef idx="1">
+            <a:schemeClr val="accent1"/>
+          </a:lnRef>
+          <a:fillRef idx="0">
+            <a:schemeClr val="accent1"/>
+          </a:fillRef>
+          <a:effectRef idx="0">
+            <a:schemeClr val="accent1"/>
+          </a:effectRef>
+          <a:fontRef idx="minor">
+            <a:schemeClr val="tx1"/>
+          </a:fontRef>
+        </p:style>
+      </p:cxnSp>
+      <p:cxnSp>
+        <p:nvCxnSpPr>
+          <p:cNvPr id="280" name="Straight Connector 279"/>
+          <p:cNvCxnSpPr/>
+          <p:nvPr/>
+        </p:nvCxnSpPr>
+        <p:spPr>
+          <a:xfrm flipV="1">
+            <a:off x="13792200" y="6019800"/>
+            <a:ext cx="152400" cy="152400"/>
+          </a:xfrm>
+          <a:prstGeom prst="line">
+            <a:avLst/>
+          </a:prstGeom>
+          <a:ln w="12700">
+            <a:solidFill>
+              <a:srgbClr val="000000"/>
+            </a:solidFill>
+            <a:headEnd type="none" w="med" len="med"/>
+            <a:tailEnd type="none" w="med" len="med"/>
+          </a:ln>
+        </p:spPr>
+        <p:style>
+          <a:lnRef idx="1">
+            <a:schemeClr val="accent1"/>
+          </a:lnRef>
+          <a:fillRef idx="0">
+            <a:schemeClr val="accent1"/>
+          </a:fillRef>
+          <a:effectRef idx="0">
+            <a:schemeClr val="accent1"/>
+          </a:effectRef>
+          <a:fontRef idx="minor">
+            <a:schemeClr val="tx1"/>
+          </a:fontRef>
+        </p:style>
+      </p:cxnSp>
+      <p:sp>
+        <p:nvSpPr>
+          <p:cNvPr id="281" name="Rectangle 280"/>
+          <p:cNvSpPr/>
+          <p:nvPr/>
+        </p:nvSpPr>
+        <p:spPr>
+          <a:xfrm>
+            <a:off x="13792200" y="5943600"/>
+            <a:ext cx="152400" cy="76200"/>
+          </a:xfrm>
+          <a:prstGeom prst="rect">
+            <a:avLst/>
+          </a:prstGeom>
+          <a:noFill/>
+          <a:ln>
+            <a:noFill/>
+          </a:ln>
+        </p:spPr>
+        <p:style>
+          <a:lnRef idx="2">
+            <a:schemeClr val="accent1">
+              <a:shade val="50000"/>
+            </a:schemeClr>
+          </a:lnRef>
+          <a:fillRef idx="1">
+            <a:schemeClr val="accent1"/>
+          </a:fillRef>
+          <a:effectRef idx="0">
+            <a:schemeClr val="accent1"/>
+          </a:effectRef>
+          <a:fontRef idx="minor">
+            <a:schemeClr val="lt1"/>
+          </a:fontRef>
+        </p:style>
+        <p:txBody>
           <a:bodyPr wrap="none" lIns="45720" rIns="45720" rtlCol="0" anchor="ctr"/>
           <a:lstStyle/>
           <a:p>
+            <a:pPr algn="ctr"/>
+            <a:r>
+              <a:rPr lang="en-US" sz="900" dirty="0">
+                <a:solidFill>
+                  <a:srgbClr val="000000"/>
+                </a:solidFill>
+                <a:latin typeface="Courier New" panose="02070309020205020404" pitchFamily="49" charset="0"/>
+                <a:cs typeface="Courier New" panose="02070309020205020404" pitchFamily="49" charset="0"/>
+              </a:rPr>
+              <a:t>2</a:t>
+            </a:r>
+          </a:p>
+        </p:txBody>
+      </p:sp>
+      <p:sp>
+        <p:nvSpPr>
+          <p:cNvPr id="283" name="Rectangle 282"/>
+          <p:cNvSpPr/>
+          <p:nvPr/>
+        </p:nvSpPr>
+        <p:spPr>
+          <a:xfrm>
+            <a:off x="12954000" y="5943600"/>
+            <a:ext cx="457200" cy="152400"/>
+          </a:xfrm>
+          <a:prstGeom prst="rect">
+            <a:avLst/>
+          </a:prstGeom>
+          <a:noFill/>
+          <a:ln>
+            <a:noFill/>
+          </a:ln>
+        </p:spPr>
+        <p:style>
+          <a:lnRef idx="2">
+            <a:schemeClr val="accent1">
+              <a:shade val="50000"/>
+            </a:schemeClr>
+          </a:lnRef>
+          <a:fillRef idx="1">
+            <a:schemeClr val="accent1"/>
+          </a:fillRef>
+          <a:effectRef idx="0">
+            <a:schemeClr val="accent1"/>
+          </a:effectRef>
+          <a:fontRef idx="minor">
+            <a:schemeClr val="lt1"/>
+          </a:fontRef>
+        </p:style>
+        <p:txBody>
+          <a:bodyPr wrap="none" lIns="45720" rIns="45720" rtlCol="0" anchor="ctr"/>
+          <a:lstStyle/>
+          <a:p>
+            <a:r>
+              <a:rPr lang="en-US" sz="900" dirty="0">
+                <a:solidFill>
+                  <a:srgbClr val="000000"/>
+                </a:solidFill>
+                <a:latin typeface="Courier New" panose="02070309020205020404" pitchFamily="49" charset="0"/>
+                <a:cs typeface="Courier New" panose="02070309020205020404" pitchFamily="49" charset="0"/>
+              </a:rPr>
+              <a:t>E</a:t>
+            </a:r>
             <a:r>
               <a:rPr lang="en-US" sz="900" dirty="0" smtClean="0">
                 <a:solidFill>
@@ -13365,7 +13714,7 @@
                 <a:latin typeface="Courier New" panose="02070309020205020404" pitchFamily="49" charset="0"/>
                 <a:cs typeface="Courier New" panose="02070309020205020404" pitchFamily="49" charset="0"/>
               </a:rPr>
-              <a:t>ST_*</a:t>
+              <a:t>TA_DOUT</a:t>
             </a:r>
             <a:endParaRPr lang="en-US" sz="900" dirty="0">
               <a:solidFill>
@@ -13379,13 +13728,13 @@
       </p:sp>
       <p:sp>
         <p:nvSpPr>
-          <p:cNvPr id="309" name="Pentagon 308"/>
+          <p:cNvPr id="284" name="Pentagon 283"/>
           <p:cNvSpPr/>
           <p:nvPr/>
         </p:nvSpPr>
         <p:spPr>
-          <a:xfrm>
-            <a:off x="14020800" y="3733800"/>
+          <a:xfrm rot="10800000">
+            <a:off x="14020800" y="6248400"/>
             <a:ext cx="228600" cy="152400"/>
           </a:xfrm>
           <a:prstGeom prst="homePlate">
@@ -13430,16 +13779,16 @@
       </p:sp>
       <p:cxnSp>
         <p:nvCxnSpPr>
-          <p:cNvPr id="310" name="Straight Connector 309"/>
+          <p:cNvPr id="285" name="Straight Connector 284"/>
           <p:cNvCxnSpPr>
-            <a:stCxn id="309" idx="1"/>
-            <a:endCxn id="238" idx="3"/>
+            <a:stCxn id="284" idx="3"/>
+            <a:endCxn id="263" idx="3"/>
           </p:cNvCxnSpPr>
           <p:nvPr/>
         </p:nvCxnSpPr>
         <p:spPr>
           <a:xfrm flipH="1">
-            <a:off x="9906000" y="3810000"/>
+            <a:off x="9906000" y="6324600"/>
             <a:ext cx="4114800" cy="0"/>
           </a:xfrm>
           <a:prstGeom prst="line">
@@ -13470,13 +13819,13 @@
       </p:cxnSp>
       <p:cxnSp>
         <p:nvCxnSpPr>
-          <p:cNvPr id="312" name="Straight Connector 311"/>
+          <p:cNvPr id="286" name="Straight Connector 285"/>
           <p:cNvCxnSpPr/>
           <p:nvPr/>
         </p:nvCxnSpPr>
         <p:spPr>
           <a:xfrm flipV="1">
-            <a:off x="9982200" y="3733800"/>
+            <a:off x="13792200" y="6248400"/>
             <a:ext cx="152400" cy="152400"/>
           </a:xfrm>
           <a:prstGeom prst="line">
@@ -13507,13 +13856,13 @@
       </p:cxnSp>
       <p:sp>
         <p:nvSpPr>
-          <p:cNvPr id="313" name="Rectangle 312"/>
+          <p:cNvPr id="299" name="Rectangle 298"/>
           <p:cNvSpPr/>
           <p:nvPr/>
         </p:nvSpPr>
         <p:spPr>
           <a:xfrm>
-            <a:off x="9982200" y="3657600"/>
+            <a:off x="13792200" y="6172200"/>
             <a:ext cx="152400" cy="76200"/>
           </a:xfrm>
           <a:prstGeom prst="rect">
@@ -13546,6 +13895,58 @@
           <a:p>
             <a:pPr algn="ctr"/>
             <a:r>
+              <a:rPr lang="en-US" sz="900" dirty="0">
+                <a:solidFill>
+                  <a:srgbClr val="000000"/>
+                </a:solidFill>
+                <a:latin typeface="Courier New" panose="02070309020205020404" pitchFamily="49" charset="0"/>
+                <a:cs typeface="Courier New" panose="02070309020205020404" pitchFamily="49" charset="0"/>
+              </a:rPr>
+              <a:t>2</a:t>
+            </a:r>
+          </a:p>
+        </p:txBody>
+      </p:sp>
+      <p:sp>
+        <p:nvSpPr>
+          <p:cNvPr id="300" name="Rectangle 299"/>
+          <p:cNvSpPr/>
+          <p:nvPr/>
+        </p:nvSpPr>
+        <p:spPr>
+          <a:xfrm>
+            <a:off x="12954000" y="6172200"/>
+            <a:ext cx="457200" cy="152400"/>
+          </a:xfrm>
+          <a:prstGeom prst="rect">
+            <a:avLst/>
+          </a:prstGeom>
+          <a:noFill/>
+          <a:ln>
+            <a:noFill/>
+          </a:ln>
+        </p:spPr>
+        <p:style>
+          <a:lnRef idx="2">
+            <a:schemeClr val="accent1">
+              <a:shade val="50000"/>
+            </a:schemeClr>
+          </a:lnRef>
+          <a:fillRef idx="1">
+            <a:schemeClr val="accent1"/>
+          </a:fillRef>
+          <a:effectRef idx="0">
+            <a:schemeClr val="accent1"/>
+          </a:effectRef>
+          <a:fontRef idx="minor">
+            <a:schemeClr val="lt1"/>
+          </a:fontRef>
+        </p:style>
+        <p:txBody>
+          <a:bodyPr wrap="none" lIns="45720" rIns="45720" rtlCol="0" anchor="ctr"/>
+          <a:lstStyle/>
+          <a:p>
+            <a:r>
               <a:rPr lang="en-US" sz="900" dirty="0" smtClean="0">
                 <a:solidFill>
                   <a:srgbClr val="000000"/>
@@ -13553,7 +13954,7 @@
                 <a:latin typeface="Courier New" panose="02070309020205020404" pitchFamily="49" charset="0"/>
                 <a:cs typeface="Courier New" panose="02070309020205020404" pitchFamily="49" charset="0"/>
               </a:rPr>
-              <a:t>31</a:t>
+              <a:t>ETA_DIN</a:t>
             </a:r>
             <a:endParaRPr lang="en-US" sz="900" dirty="0">
               <a:solidFill>
@@ -13567,13 +13968,13 @@
       </p:sp>
       <p:sp>
         <p:nvSpPr>
-          <p:cNvPr id="315" name="Rectangle 314"/>
+          <p:cNvPr id="305" name="Rectangle 304"/>
           <p:cNvSpPr/>
           <p:nvPr/>
         </p:nvSpPr>
         <p:spPr>
           <a:xfrm>
-            <a:off x="10210800" y="3657600"/>
+            <a:off x="9448800" y="5791200"/>
             <a:ext cx="457200" cy="152400"/>
           </a:xfrm>
           <a:prstGeom prst="rect">
@@ -13604,15 +14005,26 @@
           <a:bodyPr wrap="none" lIns="45720" rIns="45720" rtlCol="0" anchor="ctr"/>
           <a:lstStyle/>
           <a:p>
-            <a:r>
-              <a:rPr lang="en-US" sz="900" dirty="0" err="1" smtClean="0">
-                <a:solidFill>
-                  <a:srgbClr val="000000"/>
-                </a:solidFill>
-                <a:latin typeface="Courier New" panose="02070309020205020404" pitchFamily="49" charset="0"/>
-                <a:cs typeface="Courier New" panose="02070309020205020404" pitchFamily="49" charset="0"/>
-              </a:rPr>
-              <a:t>sc_ctrl</a:t>
+            <a:pPr algn="r"/>
+            <a:r>
+              <a:rPr lang="en-US" sz="900" dirty="0">
+                <a:solidFill>
+                  <a:srgbClr val="000000"/>
+                </a:solidFill>
+                <a:latin typeface="Courier New" panose="02070309020205020404" pitchFamily="49" charset="0"/>
+                <a:cs typeface="Courier New" panose="02070309020205020404" pitchFamily="49" charset="0"/>
+              </a:rPr>
+              <a:t>E</a:t>
+            </a:r>
+            <a:r>
+              <a:rPr lang="en-US" sz="900" dirty="0" smtClean="0">
+                <a:solidFill>
+                  <a:srgbClr val="000000"/>
+                </a:solidFill>
+                <a:latin typeface="Courier New" panose="02070309020205020404" pitchFamily="49" charset="0"/>
+                <a:cs typeface="Courier New" panose="02070309020205020404" pitchFamily="49" charset="0"/>
+              </a:rPr>
+              <a:t>T_CTRL</a:t>
             </a:r>
             <a:endParaRPr lang="en-US" sz="900" dirty="0">
               <a:solidFill>
@@ -13626,21 +14038,23 @@
       </p:sp>
       <p:sp>
         <p:nvSpPr>
-          <p:cNvPr id="317" name="Rectangle 316"/>
+          <p:cNvPr id="306" name="Pentagon 305"/>
           <p:cNvSpPr/>
           <p:nvPr/>
         </p:nvSpPr>
         <p:spPr>
           <a:xfrm>
-            <a:off x="12877800" y="3657600"/>
-            <a:ext cx="457200" cy="152400"/>
-          </a:xfrm>
-          <a:prstGeom prst="rect">
+            <a:off x="14020800" y="5791200"/>
+            <a:ext cx="228600" cy="152400"/>
+          </a:xfrm>
+          <a:prstGeom prst="homePlate">
             <a:avLst/>
           </a:prstGeom>
           <a:noFill/>
-          <a:ln>
-            <a:noFill/>
+          <a:ln w="12700">
+            <a:solidFill>
+              <a:schemeClr val="tx1"/>
+            </a:solidFill>
           </a:ln>
         </p:spPr>
         <p:style>
@@ -13660,9 +14074,136 @@
           </a:fontRef>
         </p:style>
         <p:txBody>
+          <a:bodyPr rot="0" spcFirstLastPara="0" vertOverflow="overflow" horzOverflow="overflow" vert="horz" wrap="square" lIns="91440" tIns="45720" rIns="91440" bIns="45720" numCol="1" spcCol="0" rtlCol="0" fromWordArt="0" anchor="ctr" anchorCtr="0" forceAA="0" compatLnSpc="1">
+            <a:prstTxWarp prst="textNoShape">
+              <a:avLst/>
+            </a:prstTxWarp>
+            <a:noAutofit/>
+          </a:bodyPr>
+          <a:lstStyle/>
+          <a:p>
+            <a:pPr algn="ctr"/>
+            <a:endParaRPr lang="en-US" sz="3730"/>
+          </a:p>
+        </p:txBody>
+      </p:sp>
+      <p:cxnSp>
+        <p:nvCxnSpPr>
+          <p:cNvPr id="307" name="Straight Connector 306"/>
+          <p:cNvCxnSpPr>
+            <a:stCxn id="306" idx="1"/>
+            <a:endCxn id="305" idx="3"/>
+          </p:cNvCxnSpPr>
+          <p:nvPr/>
+        </p:nvCxnSpPr>
+        <p:spPr>
+          <a:xfrm flipH="1">
+            <a:off x="9906000" y="5867400"/>
+            <a:ext cx="4114800" cy="0"/>
+          </a:xfrm>
+          <a:prstGeom prst="line">
+            <a:avLst/>
+          </a:prstGeom>
+          <a:ln w="12700">
+            <a:solidFill>
+              <a:srgbClr val="000000"/>
+            </a:solidFill>
+            <a:headEnd type="none" w="med" len="med"/>
+            <a:tailEnd type="none" w="med" len="med"/>
+          </a:ln>
+        </p:spPr>
+        <p:style>
+          <a:lnRef idx="1">
+            <a:schemeClr val="accent1"/>
+          </a:lnRef>
+          <a:fillRef idx="0">
+            <a:schemeClr val="accent1"/>
+          </a:fillRef>
+          <a:effectRef idx="0">
+            <a:schemeClr val="accent1"/>
+          </a:effectRef>
+          <a:fontRef idx="minor">
+            <a:schemeClr val="tx1"/>
+          </a:fontRef>
+        </p:style>
+      </p:cxnSp>
+      <p:cxnSp>
+        <p:nvCxnSpPr>
+          <p:cNvPr id="308" name="Straight Connector 307"/>
+          <p:cNvCxnSpPr/>
+          <p:nvPr/>
+        </p:nvCxnSpPr>
+        <p:spPr>
+          <a:xfrm flipV="1">
+            <a:off x="9982200" y="5791200"/>
+            <a:ext cx="152400" cy="152400"/>
+          </a:xfrm>
+          <a:prstGeom prst="line">
+            <a:avLst/>
+          </a:prstGeom>
+          <a:ln w="12700">
+            <a:solidFill>
+              <a:srgbClr val="000000"/>
+            </a:solidFill>
+            <a:headEnd type="none" w="med" len="med"/>
+            <a:tailEnd type="none" w="med" len="med"/>
+          </a:ln>
+        </p:spPr>
+        <p:style>
+          <a:lnRef idx="1">
+            <a:schemeClr val="accent1"/>
+          </a:lnRef>
+          <a:fillRef idx="0">
+            <a:schemeClr val="accent1"/>
+          </a:fillRef>
+          <a:effectRef idx="0">
+            <a:schemeClr val="accent1"/>
+          </a:effectRef>
+          <a:fontRef idx="minor">
+            <a:schemeClr val="tx1"/>
+          </a:fontRef>
+        </p:style>
+      </p:cxnSp>
+      <p:sp>
+        <p:nvSpPr>
+          <p:cNvPr id="322" name="Rectangle 321"/>
+          <p:cNvSpPr/>
+          <p:nvPr/>
+        </p:nvSpPr>
+        <p:spPr>
+          <a:xfrm>
+            <a:off x="9982200" y="5715000"/>
+            <a:ext cx="152400" cy="76200"/>
+          </a:xfrm>
+          <a:prstGeom prst="rect">
+            <a:avLst/>
+          </a:prstGeom>
+          <a:noFill/>
+          <a:ln>
+            <a:noFill/>
+          </a:ln>
+        </p:spPr>
+        <p:style>
+          <a:lnRef idx="2">
+            <a:schemeClr val="accent1">
+              <a:shade val="50000"/>
+            </a:schemeClr>
+          </a:lnRef>
+          <a:fillRef idx="1">
+            <a:schemeClr val="accent1"/>
+          </a:fillRef>
+          <a:effectRef idx="0">
+            <a:schemeClr val="accent1"/>
+          </a:effectRef>
+          <a:fontRef idx="minor">
+            <a:schemeClr val="lt1"/>
+          </a:fontRef>
+        </p:style>
+        <p:txBody>
           <a:bodyPr wrap="none" lIns="45720" rIns="45720" rtlCol="0" anchor="ctr"/>
           <a:lstStyle/>
           <a:p>
+            <a:pPr algn="ctr"/>
             <a:r>
               <a:rPr lang="en-US" sz="900" dirty="0" smtClean="0">
                 <a:solidFill>
@@ -13671,7 +14212,7 @@
                 <a:latin typeface="Courier New" panose="02070309020205020404" pitchFamily="49" charset="0"/>
                 <a:cs typeface="Courier New" panose="02070309020205020404" pitchFamily="49" charset="0"/>
               </a:rPr>
-              <a:t>SC_*</a:t>
+              <a:t>31</a:t>
             </a:r>
             <a:endParaRPr lang="en-US" sz="900" dirty="0">
               <a:solidFill>
@@ -13683,201 +14224,16 @@
           </a:p>
         </p:txBody>
       </p:sp>
-      <p:cxnSp>
-        <p:nvCxnSpPr>
-          <p:cNvPr id="318" name="Straight Connector 317"/>
-          <p:cNvCxnSpPr/>
-          <p:nvPr/>
-        </p:nvCxnSpPr>
-        <p:spPr>
-          <a:xfrm>
-            <a:off x="8001000" y="3505200"/>
-            <a:ext cx="533400" cy="0"/>
-          </a:xfrm>
-          <a:prstGeom prst="line">
-            <a:avLst/>
-          </a:prstGeom>
-          <a:ln w="12700">
-            <a:solidFill>
-              <a:srgbClr val="000000"/>
-            </a:solidFill>
-            <a:headEnd type="none" w="med" len="med"/>
-            <a:tailEnd type="triangle" w="med" len="med"/>
-          </a:ln>
-        </p:spPr>
-        <p:style>
-          <a:lnRef idx="1">
-            <a:schemeClr val="accent1"/>
-          </a:lnRef>
-          <a:fillRef idx="0">
-            <a:schemeClr val="accent1"/>
-          </a:fillRef>
-          <a:effectRef idx="0">
-            <a:schemeClr val="accent1"/>
-          </a:effectRef>
-          <a:fontRef idx="minor">
-            <a:schemeClr val="tx1"/>
-          </a:fontRef>
-        </p:style>
-      </p:cxnSp>
-      <p:cxnSp>
-        <p:nvCxnSpPr>
-          <p:cNvPr id="319" name="Straight Connector 318"/>
-          <p:cNvCxnSpPr/>
-          <p:nvPr/>
-        </p:nvCxnSpPr>
-        <p:spPr>
-          <a:xfrm flipV="1">
-            <a:off x="8001000" y="3505200"/>
-            <a:ext cx="0" cy="1371600"/>
-          </a:xfrm>
-          <a:prstGeom prst="line">
-            <a:avLst/>
-          </a:prstGeom>
-          <a:ln w="12700">
-            <a:solidFill>
-              <a:srgbClr val="000000"/>
-            </a:solidFill>
-            <a:headEnd type="oval" w="med" len="med"/>
-            <a:tailEnd type="none" w="med" len="med"/>
-          </a:ln>
-        </p:spPr>
-        <p:style>
-          <a:lnRef idx="1">
-            <a:schemeClr val="accent1"/>
-          </a:lnRef>
-          <a:fillRef idx="0">
-            <a:schemeClr val="accent1"/>
-          </a:fillRef>
-          <a:effectRef idx="0">
-            <a:schemeClr val="accent1"/>
-          </a:effectRef>
-          <a:fontRef idx="minor">
-            <a:schemeClr val="tx1"/>
-          </a:fontRef>
-        </p:style>
-      </p:cxnSp>
-      <p:cxnSp>
-        <p:nvCxnSpPr>
-          <p:cNvPr id="320" name="Straight Connector 319"/>
-          <p:cNvCxnSpPr/>
-          <p:nvPr/>
-        </p:nvCxnSpPr>
-        <p:spPr>
-          <a:xfrm flipV="1">
-            <a:off x="8229600" y="3810000"/>
-            <a:ext cx="0" cy="1371600"/>
-          </a:xfrm>
-          <a:prstGeom prst="line">
-            <a:avLst/>
-          </a:prstGeom>
-          <a:ln w="12700">
-            <a:solidFill>
-              <a:srgbClr val="000000"/>
-            </a:solidFill>
-            <a:headEnd type="oval" w="med" len="med"/>
-            <a:tailEnd type="none" w="med" len="med"/>
-          </a:ln>
-        </p:spPr>
-        <p:style>
-          <a:lnRef idx="1">
-            <a:schemeClr val="accent1"/>
-          </a:lnRef>
-          <a:fillRef idx="0">
-            <a:schemeClr val="accent1"/>
-          </a:fillRef>
-          <a:effectRef idx="0">
-            <a:schemeClr val="accent1"/>
-          </a:effectRef>
-          <a:fontRef idx="minor">
-            <a:schemeClr val="tx1"/>
-          </a:fontRef>
-        </p:style>
-      </p:cxnSp>
-      <p:cxnSp>
-        <p:nvCxnSpPr>
-          <p:cNvPr id="321" name="Straight Connector 320"/>
-          <p:cNvCxnSpPr/>
-          <p:nvPr/>
-        </p:nvCxnSpPr>
-        <p:spPr>
-          <a:xfrm>
-            <a:off x="8229600" y="3810000"/>
-            <a:ext cx="304800" cy="0"/>
-          </a:xfrm>
-          <a:prstGeom prst="line">
-            <a:avLst/>
-          </a:prstGeom>
-          <a:ln w="12700">
-            <a:solidFill>
-              <a:srgbClr val="000000"/>
-            </a:solidFill>
-            <a:headEnd type="none" w="med" len="med"/>
-            <a:tailEnd type="triangle" w="med" len="med"/>
-          </a:ln>
-        </p:spPr>
-        <p:style>
-          <a:lnRef idx="1">
-            <a:schemeClr val="accent1"/>
-          </a:lnRef>
-          <a:fillRef idx="0">
-            <a:schemeClr val="accent1"/>
-          </a:fillRef>
-          <a:effectRef idx="0">
-            <a:schemeClr val="accent1"/>
-          </a:effectRef>
-          <a:fontRef idx="minor">
-            <a:schemeClr val="tx1"/>
-          </a:fontRef>
-        </p:style>
-      </p:cxnSp>
-      <p:cxnSp>
-        <p:nvCxnSpPr>
-          <p:cNvPr id="364" name="Straight Connector 363"/>
-          <p:cNvCxnSpPr/>
-          <p:nvPr/>
-        </p:nvCxnSpPr>
-        <p:spPr>
-          <a:xfrm flipV="1">
-            <a:off x="13792200" y="1219200"/>
-            <a:ext cx="152400" cy="152400"/>
-          </a:xfrm>
-          <a:prstGeom prst="line">
-            <a:avLst/>
-          </a:prstGeom>
-          <a:ln w="12700">
-            <a:solidFill>
-              <a:srgbClr val="000000"/>
-            </a:solidFill>
-            <a:headEnd type="none" w="med" len="med"/>
-            <a:tailEnd type="none" w="med" len="med"/>
-          </a:ln>
-        </p:spPr>
-        <p:style>
-          <a:lnRef idx="1">
-            <a:schemeClr val="accent1"/>
-          </a:lnRef>
-          <a:fillRef idx="0">
-            <a:schemeClr val="accent1"/>
-          </a:fillRef>
-          <a:effectRef idx="0">
-            <a:schemeClr val="accent1"/>
-          </a:effectRef>
-          <a:fontRef idx="minor">
-            <a:schemeClr val="tx1"/>
-          </a:fontRef>
-        </p:style>
-      </p:cxnSp>
-      <p:sp>
-        <p:nvSpPr>
-          <p:cNvPr id="365" name="Rectangle 364"/>
+      <p:sp>
+        <p:nvSpPr>
+          <p:cNvPr id="323" name="Rectangle 322"/>
           <p:cNvSpPr/>
           <p:nvPr/>
         </p:nvSpPr>
         <p:spPr>
           <a:xfrm>
-            <a:off x="13792200" y="1143000"/>
-            <a:ext cx="152400" cy="76200"/>
+            <a:off x="11125200" y="5715000"/>
+            <a:ext cx="457200" cy="152400"/>
           </a:xfrm>
           <a:prstGeom prst="rect">
             <a:avLst/>
@@ -13907,16 +14263,25 @@
           <a:bodyPr wrap="none" lIns="45720" rIns="45720" rtlCol="0" anchor="ctr"/>
           <a:lstStyle/>
           <a:p>
-            <a:pPr algn="ctr"/>
-            <a:r>
-              <a:rPr lang="en-US" sz="900" dirty="0" smtClean="0">
-                <a:solidFill>
-                  <a:srgbClr val="000000"/>
-                </a:solidFill>
-                <a:latin typeface="Courier New" panose="02070309020205020404" pitchFamily="49" charset="0"/>
-                <a:cs typeface="Courier New" panose="02070309020205020404" pitchFamily="49" charset="0"/>
-              </a:rPr>
-              <a:t>31</a:t>
+            <a:r>
+              <a:rPr lang="en-US" sz="900" dirty="0" err="1">
+                <a:solidFill>
+                  <a:srgbClr val="000000"/>
+                </a:solidFill>
+                <a:latin typeface="Courier New" panose="02070309020205020404" pitchFamily="49" charset="0"/>
+                <a:cs typeface="Courier New" panose="02070309020205020404" pitchFamily="49" charset="0"/>
+              </a:rPr>
+              <a:t>e</a:t>
+            </a:r>
+            <a:r>
+              <a:rPr lang="en-US" sz="900" dirty="0" err="1" smtClean="0">
+                <a:solidFill>
+                  <a:srgbClr val="000000"/>
+                </a:solidFill>
+                <a:latin typeface="Courier New" panose="02070309020205020404" pitchFamily="49" charset="0"/>
+                <a:cs typeface="Courier New" panose="02070309020205020404" pitchFamily="49" charset="0"/>
+              </a:rPr>
+              <a:t>t_ctrl</a:t>
             </a:r>
             <a:endParaRPr lang="en-US" sz="900" dirty="0">
               <a:solidFill>
@@ -13928,53 +14293,16 @@
           </a:p>
         </p:txBody>
       </p:sp>
-      <p:cxnSp>
-        <p:nvCxnSpPr>
-          <p:cNvPr id="370" name="Straight Connector 369"/>
-          <p:cNvCxnSpPr/>
-          <p:nvPr/>
-        </p:nvCxnSpPr>
-        <p:spPr>
-          <a:xfrm flipV="1">
-            <a:off x="13792200" y="2057400"/>
-            <a:ext cx="152400" cy="152400"/>
-          </a:xfrm>
-          <a:prstGeom prst="line">
-            <a:avLst/>
-          </a:prstGeom>
-          <a:ln w="12700">
-            <a:solidFill>
-              <a:srgbClr val="000000"/>
-            </a:solidFill>
-            <a:headEnd type="none" w="med" len="med"/>
-            <a:tailEnd type="none" w="med" len="med"/>
-          </a:ln>
-        </p:spPr>
-        <p:style>
-          <a:lnRef idx="1">
-            <a:schemeClr val="accent1"/>
-          </a:lnRef>
-          <a:fillRef idx="0">
-            <a:schemeClr val="accent1"/>
-          </a:fillRef>
-          <a:effectRef idx="0">
-            <a:schemeClr val="accent1"/>
-          </a:effectRef>
-          <a:fontRef idx="minor">
-            <a:schemeClr val="tx1"/>
-          </a:fontRef>
-        </p:style>
-      </p:cxnSp>
-      <p:sp>
-        <p:nvSpPr>
-          <p:cNvPr id="371" name="Rectangle 370"/>
+      <p:sp>
+        <p:nvSpPr>
+          <p:cNvPr id="325" name="Rectangle 324"/>
           <p:cNvSpPr/>
           <p:nvPr/>
         </p:nvSpPr>
         <p:spPr>
           <a:xfrm>
-            <a:off x="13792200" y="1981200"/>
-            <a:ext cx="152400" cy="76200"/>
+            <a:off x="12954000" y="5715000"/>
+            <a:ext cx="457200" cy="152400"/>
           </a:xfrm>
           <a:prstGeom prst="rect">
             <a:avLst/>
@@ -14004,7 +14332,6 @@
           <a:bodyPr wrap="none" lIns="45720" rIns="45720" rtlCol="0" anchor="ctr"/>
           <a:lstStyle/>
           <a:p>
-            <a:pPr algn="ctr"/>
             <a:r>
               <a:rPr lang="en-US" sz="900" dirty="0" smtClean="0">
                 <a:solidFill>
@@ -14013,7 +14340,17 @@
                 <a:latin typeface="Courier New" panose="02070309020205020404" pitchFamily="49" charset="0"/>
                 <a:cs typeface="Courier New" panose="02070309020205020404" pitchFamily="49" charset="0"/>
               </a:rPr>
-              <a:t>31</a:t>
+              <a:t>ET</a:t>
+            </a:r>
+            <a:r>
+              <a:rPr lang="en-US" sz="900" dirty="0" smtClean="0">
+                <a:solidFill>
+                  <a:srgbClr val="000000"/>
+                </a:solidFill>
+                <a:latin typeface="Courier New" panose="02070309020205020404" pitchFamily="49" charset="0"/>
+                <a:cs typeface="Courier New" panose="02070309020205020404" pitchFamily="49" charset="0"/>
+              </a:rPr>
+              <a:t>_*</a:t>
             </a:r>
             <a:endParaRPr lang="en-US" sz="900" dirty="0">
               <a:solidFill>
@@ -14027,13 +14364,13 @@
       </p:sp>
       <p:cxnSp>
         <p:nvCxnSpPr>
-          <p:cNvPr id="376" name="Straight Connector 375"/>
+          <p:cNvPr id="326" name="Straight Connector 325"/>
           <p:cNvCxnSpPr/>
           <p:nvPr/>
         </p:nvCxnSpPr>
         <p:spPr>
           <a:xfrm flipV="1">
-            <a:off x="13792200" y="2895600"/>
+            <a:off x="13792200" y="5791200"/>
             <a:ext cx="152400" cy="152400"/>
           </a:xfrm>
           <a:prstGeom prst="line">
@@ -14064,13 +14401,13 @@
       </p:cxnSp>
       <p:sp>
         <p:nvSpPr>
-          <p:cNvPr id="377" name="Rectangle 376"/>
+          <p:cNvPr id="328" name="Rectangle 327"/>
           <p:cNvSpPr/>
           <p:nvPr/>
         </p:nvSpPr>
         <p:spPr>
           <a:xfrm>
-            <a:off x="13792200" y="2819400"/>
+            <a:off x="13792200" y="5715000"/>
             <a:ext cx="152400" cy="76200"/>
           </a:xfrm>
           <a:prstGeom prst="rect">
@@ -14122,53 +14459,16 @@
           </a:p>
         </p:txBody>
       </p:sp>
-      <p:cxnSp>
-        <p:nvCxnSpPr>
-          <p:cNvPr id="382" name="Straight Connector 381"/>
-          <p:cNvCxnSpPr/>
-          <p:nvPr/>
-        </p:nvCxnSpPr>
-        <p:spPr>
-          <a:xfrm flipV="1">
-            <a:off x="13792200" y="3733800"/>
-            <a:ext cx="152400" cy="152400"/>
-          </a:xfrm>
-          <a:prstGeom prst="line">
-            <a:avLst/>
-          </a:prstGeom>
-          <a:ln w="12700">
-            <a:solidFill>
-              <a:srgbClr val="000000"/>
-            </a:solidFill>
-            <a:headEnd type="none" w="med" len="med"/>
-            <a:tailEnd type="none" w="med" len="med"/>
-          </a:ln>
-        </p:spPr>
-        <p:style>
-          <a:lnRef idx="1">
-            <a:schemeClr val="accent1"/>
-          </a:lnRef>
-          <a:fillRef idx="0">
-            <a:schemeClr val="accent1"/>
-          </a:fillRef>
-          <a:effectRef idx="0">
-            <a:schemeClr val="accent1"/>
-          </a:effectRef>
-          <a:fontRef idx="minor">
-            <a:schemeClr val="tx1"/>
-          </a:fontRef>
-        </p:style>
-      </p:cxnSp>
-      <p:sp>
-        <p:nvSpPr>
-          <p:cNvPr id="383" name="Rectangle 382"/>
+      <p:sp>
+        <p:nvSpPr>
+          <p:cNvPr id="330" name="Rectangle 329"/>
           <p:cNvSpPr/>
           <p:nvPr/>
         </p:nvSpPr>
         <p:spPr>
           <a:xfrm>
-            <a:off x="13792200" y="3657600"/>
-            <a:ext cx="152400" cy="76200"/>
+            <a:off x="9448800" y="6705600"/>
+            <a:ext cx="457200" cy="152400"/>
           </a:xfrm>
           <a:prstGeom prst="rect">
             <a:avLst/>
@@ -14198,7 +14498,17 @@
           <a:bodyPr wrap="none" lIns="45720" rIns="45720" rtlCol="0" anchor="ctr"/>
           <a:lstStyle/>
           <a:p>
-            <a:pPr algn="ctr"/>
+            <a:pPr algn="r"/>
+            <a:r>
+              <a:rPr lang="en-US" sz="900" dirty="0">
+                <a:solidFill>
+                  <a:srgbClr val="000000"/>
+                </a:solidFill>
+                <a:latin typeface="Courier New" panose="02070309020205020404" pitchFamily="49" charset="0"/>
+                <a:cs typeface="Courier New" panose="02070309020205020404" pitchFamily="49" charset="0"/>
+              </a:rPr>
+              <a:t>E</a:t>
+            </a:r>
             <a:r>
               <a:rPr lang="en-US" sz="900" dirty="0" smtClean="0">
                 <a:solidFill>
@@ -14207,7 +14517,17 @@
                 <a:latin typeface="Courier New" panose="02070309020205020404" pitchFamily="49" charset="0"/>
                 <a:cs typeface="Courier New" panose="02070309020205020404" pitchFamily="49" charset="0"/>
               </a:rPr>
-              <a:t>31</a:t>
+              <a:t>TB_</a:t>
+            </a:r>
+            <a:r>
+              <a:rPr lang="en-US" sz="900" dirty="0" smtClean="0">
+                <a:solidFill>
+                  <a:srgbClr val="000000"/>
+                </a:solidFill>
+                <a:latin typeface="Courier New" panose="02070309020205020404" pitchFamily="49" charset="0"/>
+                <a:cs typeface="Courier New" panose="02070309020205020404" pitchFamily="49" charset="0"/>
+              </a:rPr>
+              <a:t>DIN</a:t>
             </a:r>
             <a:endParaRPr lang="en-US" sz="900" dirty="0">
               <a:solidFill>
@@ -14221,13 +14541,13 @@
       </p:sp>
       <p:sp>
         <p:nvSpPr>
-          <p:cNvPr id="226" name="Rectangle 225"/>
+          <p:cNvPr id="335" name="Rectangle 334"/>
           <p:cNvSpPr/>
           <p:nvPr/>
         </p:nvSpPr>
         <p:spPr>
           <a:xfrm>
-            <a:off x="7162800" y="5105400"/>
+            <a:off x="9448800" y="6477000"/>
             <a:ext cx="457200" cy="152400"/>
           </a:xfrm>
           <a:prstGeom prst="rect">
@@ -14267,7 +14587,7 @@
                 <a:latin typeface="Courier New" panose="02070309020205020404" pitchFamily="49" charset="0"/>
                 <a:cs typeface="Courier New" panose="02070309020205020404" pitchFamily="49" charset="0"/>
               </a:rPr>
-              <a:t>CNT2</a:t>
+              <a:t>ETB_DOUT</a:t>
             </a:r>
             <a:endParaRPr lang="en-US" sz="900" dirty="0">
               <a:solidFill>
@@ -14279,16 +14599,70 @@
           </a:p>
         </p:txBody>
       </p:sp>
+      <p:sp>
+        <p:nvSpPr>
+          <p:cNvPr id="336" name="Pentagon 335"/>
+          <p:cNvSpPr/>
+          <p:nvPr/>
+        </p:nvSpPr>
+        <p:spPr>
+          <a:xfrm>
+            <a:off x="14020800" y="6477000"/>
+            <a:ext cx="228600" cy="152400"/>
+          </a:xfrm>
+          <a:prstGeom prst="homePlate">
+            <a:avLst/>
+          </a:prstGeom>
+          <a:noFill/>
+          <a:ln w="12700">
+            <a:solidFill>
+              <a:schemeClr val="tx1"/>
+            </a:solidFill>
+          </a:ln>
+        </p:spPr>
+        <p:style>
+          <a:lnRef idx="2">
+            <a:schemeClr val="accent1">
+              <a:shade val="50000"/>
+            </a:schemeClr>
+          </a:lnRef>
+          <a:fillRef idx="1">
+            <a:schemeClr val="accent1"/>
+          </a:fillRef>
+          <a:effectRef idx="0">
+            <a:schemeClr val="accent1"/>
+          </a:effectRef>
+          <a:fontRef idx="minor">
+            <a:schemeClr val="lt1"/>
+          </a:fontRef>
+        </p:style>
+        <p:txBody>
+          <a:bodyPr rot="0" spcFirstLastPara="0" vertOverflow="overflow" horzOverflow="overflow" vert="horz" wrap="square" lIns="91440" tIns="45720" rIns="91440" bIns="45720" numCol="1" spcCol="0" rtlCol="0" fromWordArt="0" anchor="ctr" anchorCtr="0" forceAA="0" compatLnSpc="1">
+            <a:prstTxWarp prst="textNoShape">
+              <a:avLst/>
+            </a:prstTxWarp>
+            <a:noAutofit/>
+          </a:bodyPr>
+          <a:lstStyle/>
+          <a:p>
+            <a:pPr algn="ctr"/>
+            <a:endParaRPr lang="en-US" sz="3730"/>
+          </a:p>
+        </p:txBody>
+      </p:sp>
       <p:cxnSp>
         <p:nvCxnSpPr>
-          <p:cNvPr id="231" name="Straight Connector 230"/>
-          <p:cNvCxnSpPr/>
+          <p:cNvPr id="337" name="Straight Connector 336"/>
+          <p:cNvCxnSpPr>
+            <a:stCxn id="336" idx="1"/>
+            <a:endCxn id="335" idx="3"/>
+          </p:cNvCxnSpPr>
           <p:nvPr/>
         </p:nvCxnSpPr>
         <p:spPr>
-          <a:xfrm flipV="1">
-            <a:off x="7696200" y="5105400"/>
-            <a:ext cx="152400" cy="152400"/>
+          <a:xfrm flipH="1">
+            <a:off x="9906000" y="6553200"/>
+            <a:ext cx="4114800" cy="0"/>
           </a:xfrm>
           <a:prstGeom prst="line">
             <a:avLst/>
@@ -14316,15 +14690,52 @@
           </a:fontRef>
         </p:style>
       </p:cxnSp>
-      <p:sp>
-        <p:nvSpPr>
-          <p:cNvPr id="234" name="Rectangle 233"/>
+      <p:cxnSp>
+        <p:nvCxnSpPr>
+          <p:cNvPr id="340" name="Straight Connector 339"/>
+          <p:cNvCxnSpPr/>
+          <p:nvPr/>
+        </p:nvCxnSpPr>
+        <p:spPr>
+          <a:xfrm flipV="1">
+            <a:off x="13792200" y="6477000"/>
+            <a:ext cx="152400" cy="152400"/>
+          </a:xfrm>
+          <a:prstGeom prst="line">
+            <a:avLst/>
+          </a:prstGeom>
+          <a:ln w="12700">
+            <a:solidFill>
+              <a:srgbClr val="000000"/>
+            </a:solidFill>
+            <a:headEnd type="none" w="med" len="med"/>
+            <a:tailEnd type="none" w="med" len="med"/>
+          </a:ln>
+        </p:spPr>
+        <p:style>
+          <a:lnRef idx="1">
+            <a:schemeClr val="accent1"/>
+          </a:lnRef>
+          <a:fillRef idx="0">
+            <a:schemeClr val="accent1"/>
+          </a:fillRef>
+          <a:effectRef idx="0">
+            <a:schemeClr val="accent1"/>
+          </a:effectRef>
+          <a:fontRef idx="minor">
+            <a:schemeClr val="tx1"/>
+          </a:fontRef>
+        </p:style>
+      </p:cxnSp>
+      <p:sp>
+        <p:nvSpPr>
+          <p:cNvPr id="347" name="Rectangle 346"/>
           <p:cNvSpPr/>
           <p:nvPr/>
         </p:nvSpPr>
         <p:spPr>
           <a:xfrm>
-            <a:off x="7696200" y="5029200"/>
+            <a:off x="13792200" y="6400800"/>
             <a:ext cx="152400" cy="76200"/>
           </a:xfrm>
           <a:prstGeom prst="rect">
@@ -14364,8 +14775,3233 @@
                 <a:latin typeface="Courier New" panose="02070309020205020404" pitchFamily="49" charset="0"/>
                 <a:cs typeface="Courier New" panose="02070309020205020404" pitchFamily="49" charset="0"/>
               </a:rPr>
-              <a:t>8</a:t>
-            </a:r>
+              <a:t>2</a:t>
+            </a:r>
+          </a:p>
+        </p:txBody>
+      </p:sp>
+      <p:sp>
+        <p:nvSpPr>
+          <p:cNvPr id="348" name="Rectangle 347"/>
+          <p:cNvSpPr/>
+          <p:nvPr/>
+        </p:nvSpPr>
+        <p:spPr>
+          <a:xfrm>
+            <a:off x="12954000" y="6400800"/>
+            <a:ext cx="457200" cy="152400"/>
+          </a:xfrm>
+          <a:prstGeom prst="rect">
+            <a:avLst/>
+          </a:prstGeom>
+          <a:noFill/>
+          <a:ln>
+            <a:noFill/>
+          </a:ln>
+        </p:spPr>
+        <p:style>
+          <a:lnRef idx="2">
+            <a:schemeClr val="accent1">
+              <a:shade val="50000"/>
+            </a:schemeClr>
+          </a:lnRef>
+          <a:fillRef idx="1">
+            <a:schemeClr val="accent1"/>
+          </a:fillRef>
+          <a:effectRef idx="0">
+            <a:schemeClr val="accent1"/>
+          </a:effectRef>
+          <a:fontRef idx="minor">
+            <a:schemeClr val="lt1"/>
+          </a:fontRef>
+        </p:style>
+        <p:txBody>
+          <a:bodyPr wrap="none" lIns="45720" rIns="45720" rtlCol="0" anchor="ctr"/>
+          <a:lstStyle/>
+          <a:p>
+            <a:r>
+              <a:rPr lang="en-US" sz="900" dirty="0" smtClean="0">
+                <a:solidFill>
+                  <a:srgbClr val="000000"/>
+                </a:solidFill>
+                <a:latin typeface="Courier New" panose="02070309020205020404" pitchFamily="49" charset="0"/>
+                <a:cs typeface="Courier New" panose="02070309020205020404" pitchFamily="49" charset="0"/>
+              </a:rPr>
+              <a:t>ETB_DOUT</a:t>
+            </a:r>
+            <a:endParaRPr lang="en-US" sz="900" dirty="0">
+              <a:solidFill>
+                <a:srgbClr val="000000"/>
+              </a:solidFill>
+              <a:latin typeface="Courier New" panose="02070309020205020404" pitchFamily="49" charset="0"/>
+              <a:cs typeface="Courier New" panose="02070309020205020404" pitchFamily="49" charset="0"/>
+            </a:endParaRPr>
+          </a:p>
+        </p:txBody>
+      </p:sp>
+      <p:sp>
+        <p:nvSpPr>
+          <p:cNvPr id="349" name="Pentagon 348"/>
+          <p:cNvSpPr/>
+          <p:nvPr/>
+        </p:nvSpPr>
+        <p:spPr>
+          <a:xfrm rot="10800000">
+            <a:off x="14020800" y="6705600"/>
+            <a:ext cx="228600" cy="152400"/>
+          </a:xfrm>
+          <a:prstGeom prst="homePlate">
+            <a:avLst/>
+          </a:prstGeom>
+          <a:noFill/>
+          <a:ln w="12700">
+            <a:solidFill>
+              <a:schemeClr val="tx1"/>
+            </a:solidFill>
+          </a:ln>
+        </p:spPr>
+        <p:style>
+          <a:lnRef idx="2">
+            <a:schemeClr val="accent1">
+              <a:shade val="50000"/>
+            </a:schemeClr>
+          </a:lnRef>
+          <a:fillRef idx="1">
+            <a:schemeClr val="accent1"/>
+          </a:fillRef>
+          <a:effectRef idx="0">
+            <a:schemeClr val="accent1"/>
+          </a:effectRef>
+          <a:fontRef idx="minor">
+            <a:schemeClr val="lt1"/>
+          </a:fontRef>
+        </p:style>
+        <p:txBody>
+          <a:bodyPr rot="0" spcFirstLastPara="0" vertOverflow="overflow" horzOverflow="overflow" vert="horz" wrap="square" lIns="91440" tIns="45720" rIns="91440" bIns="45720" numCol="1" spcCol="0" rtlCol="0" fromWordArt="0" anchor="ctr" anchorCtr="0" forceAA="0" compatLnSpc="1">
+            <a:prstTxWarp prst="textNoShape">
+              <a:avLst/>
+            </a:prstTxWarp>
+            <a:noAutofit/>
+          </a:bodyPr>
+          <a:lstStyle/>
+          <a:p>
+            <a:pPr algn="ctr"/>
+            <a:endParaRPr lang="en-US" sz="3730"/>
+          </a:p>
+        </p:txBody>
+      </p:sp>
+      <p:cxnSp>
+        <p:nvCxnSpPr>
+          <p:cNvPr id="350" name="Straight Connector 349"/>
+          <p:cNvCxnSpPr>
+            <a:stCxn id="349" idx="3"/>
+            <a:endCxn id="330" idx="3"/>
+          </p:cNvCxnSpPr>
+          <p:nvPr/>
+        </p:nvCxnSpPr>
+        <p:spPr>
+          <a:xfrm flipH="1">
+            <a:off x="9906000" y="6781800"/>
+            <a:ext cx="4114800" cy="0"/>
+          </a:xfrm>
+          <a:prstGeom prst="line">
+            <a:avLst/>
+          </a:prstGeom>
+          <a:ln w="12700">
+            <a:solidFill>
+              <a:srgbClr val="000000"/>
+            </a:solidFill>
+            <a:headEnd type="none" w="med" len="med"/>
+            <a:tailEnd type="none" w="med" len="med"/>
+          </a:ln>
+        </p:spPr>
+        <p:style>
+          <a:lnRef idx="1">
+            <a:schemeClr val="accent1"/>
+          </a:lnRef>
+          <a:fillRef idx="0">
+            <a:schemeClr val="accent1"/>
+          </a:fillRef>
+          <a:effectRef idx="0">
+            <a:schemeClr val="accent1"/>
+          </a:effectRef>
+          <a:fontRef idx="minor">
+            <a:schemeClr val="tx1"/>
+          </a:fontRef>
+        </p:style>
+      </p:cxnSp>
+      <p:cxnSp>
+        <p:nvCxnSpPr>
+          <p:cNvPr id="351" name="Straight Connector 350"/>
+          <p:cNvCxnSpPr/>
+          <p:nvPr/>
+        </p:nvCxnSpPr>
+        <p:spPr>
+          <a:xfrm flipV="1">
+            <a:off x="13792200" y="6705600"/>
+            <a:ext cx="152400" cy="152400"/>
+          </a:xfrm>
+          <a:prstGeom prst="line">
+            <a:avLst/>
+          </a:prstGeom>
+          <a:ln w="12700">
+            <a:solidFill>
+              <a:srgbClr val="000000"/>
+            </a:solidFill>
+            <a:headEnd type="none" w="med" len="med"/>
+            <a:tailEnd type="none" w="med" len="med"/>
+          </a:ln>
+        </p:spPr>
+        <p:style>
+          <a:lnRef idx="1">
+            <a:schemeClr val="accent1"/>
+          </a:lnRef>
+          <a:fillRef idx="0">
+            <a:schemeClr val="accent1"/>
+          </a:fillRef>
+          <a:effectRef idx="0">
+            <a:schemeClr val="accent1"/>
+          </a:effectRef>
+          <a:fontRef idx="minor">
+            <a:schemeClr val="tx1"/>
+          </a:fontRef>
+        </p:style>
+      </p:cxnSp>
+      <p:sp>
+        <p:nvSpPr>
+          <p:cNvPr id="352" name="Rectangle 351"/>
+          <p:cNvSpPr/>
+          <p:nvPr/>
+        </p:nvSpPr>
+        <p:spPr>
+          <a:xfrm>
+            <a:off x="13792200" y="6629400"/>
+            <a:ext cx="152400" cy="76200"/>
+          </a:xfrm>
+          <a:prstGeom prst="rect">
+            <a:avLst/>
+          </a:prstGeom>
+          <a:noFill/>
+          <a:ln>
+            <a:noFill/>
+          </a:ln>
+        </p:spPr>
+        <p:style>
+          <a:lnRef idx="2">
+            <a:schemeClr val="accent1">
+              <a:shade val="50000"/>
+            </a:schemeClr>
+          </a:lnRef>
+          <a:fillRef idx="1">
+            <a:schemeClr val="accent1"/>
+          </a:fillRef>
+          <a:effectRef idx="0">
+            <a:schemeClr val="accent1"/>
+          </a:effectRef>
+          <a:fontRef idx="minor">
+            <a:schemeClr val="lt1"/>
+          </a:fontRef>
+        </p:style>
+        <p:txBody>
+          <a:bodyPr wrap="none" lIns="45720" rIns="45720" rtlCol="0" anchor="ctr"/>
+          <a:lstStyle/>
+          <a:p>
+            <a:pPr algn="ctr"/>
+            <a:r>
+              <a:rPr lang="en-US" sz="900" dirty="0">
+                <a:solidFill>
+                  <a:srgbClr val="000000"/>
+                </a:solidFill>
+                <a:latin typeface="Courier New" panose="02070309020205020404" pitchFamily="49" charset="0"/>
+                <a:cs typeface="Courier New" panose="02070309020205020404" pitchFamily="49" charset="0"/>
+              </a:rPr>
+              <a:t>2</a:t>
+            </a:r>
+          </a:p>
+        </p:txBody>
+      </p:sp>
+      <p:sp>
+        <p:nvSpPr>
+          <p:cNvPr id="353" name="Rectangle 352"/>
+          <p:cNvSpPr/>
+          <p:nvPr/>
+        </p:nvSpPr>
+        <p:spPr>
+          <a:xfrm>
+            <a:off x="12954000" y="6629400"/>
+            <a:ext cx="457200" cy="152400"/>
+          </a:xfrm>
+          <a:prstGeom prst="rect">
+            <a:avLst/>
+          </a:prstGeom>
+          <a:noFill/>
+          <a:ln>
+            <a:noFill/>
+          </a:ln>
+        </p:spPr>
+        <p:style>
+          <a:lnRef idx="2">
+            <a:schemeClr val="accent1">
+              <a:shade val="50000"/>
+            </a:schemeClr>
+          </a:lnRef>
+          <a:fillRef idx="1">
+            <a:schemeClr val="accent1"/>
+          </a:fillRef>
+          <a:effectRef idx="0">
+            <a:schemeClr val="accent1"/>
+          </a:effectRef>
+          <a:fontRef idx="minor">
+            <a:schemeClr val="lt1"/>
+          </a:fontRef>
+        </p:style>
+        <p:txBody>
+          <a:bodyPr wrap="none" lIns="45720" rIns="45720" rtlCol="0" anchor="ctr"/>
+          <a:lstStyle/>
+          <a:p>
+            <a:r>
+              <a:rPr lang="en-US" sz="900" dirty="0">
+                <a:solidFill>
+                  <a:srgbClr val="000000"/>
+                </a:solidFill>
+                <a:latin typeface="Courier New" panose="02070309020205020404" pitchFamily="49" charset="0"/>
+                <a:cs typeface="Courier New" panose="02070309020205020404" pitchFamily="49" charset="0"/>
+              </a:rPr>
+              <a:t>E</a:t>
+            </a:r>
+            <a:r>
+              <a:rPr lang="en-US" sz="900" dirty="0" smtClean="0">
+                <a:solidFill>
+                  <a:srgbClr val="000000"/>
+                </a:solidFill>
+                <a:latin typeface="Courier New" panose="02070309020205020404" pitchFamily="49" charset="0"/>
+                <a:cs typeface="Courier New" panose="02070309020205020404" pitchFamily="49" charset="0"/>
+              </a:rPr>
+              <a:t>TB_DIN</a:t>
+            </a:r>
+            <a:endParaRPr lang="en-US" sz="900" dirty="0">
+              <a:solidFill>
+                <a:srgbClr val="000000"/>
+              </a:solidFill>
+              <a:latin typeface="Courier New" panose="02070309020205020404" pitchFamily="49" charset="0"/>
+              <a:cs typeface="Courier New" panose="02070309020205020404" pitchFamily="49" charset="0"/>
+            </a:endParaRPr>
+          </a:p>
+        </p:txBody>
+      </p:sp>
+      <p:sp>
+        <p:nvSpPr>
+          <p:cNvPr id="354" name="Rectangle 353"/>
+          <p:cNvSpPr/>
+          <p:nvPr/>
+        </p:nvSpPr>
+        <p:spPr>
+          <a:xfrm>
+            <a:off x="9448800" y="7543800"/>
+            <a:ext cx="457200" cy="152400"/>
+          </a:xfrm>
+          <a:prstGeom prst="rect">
+            <a:avLst/>
+          </a:prstGeom>
+          <a:noFill/>
+          <a:ln>
+            <a:noFill/>
+          </a:ln>
+        </p:spPr>
+        <p:style>
+          <a:lnRef idx="2">
+            <a:schemeClr val="accent1">
+              <a:shade val="50000"/>
+            </a:schemeClr>
+          </a:lnRef>
+          <a:fillRef idx="1">
+            <a:schemeClr val="accent1"/>
+          </a:fillRef>
+          <a:effectRef idx="0">
+            <a:schemeClr val="accent1"/>
+          </a:effectRef>
+          <a:fontRef idx="minor">
+            <a:schemeClr val="lt1"/>
+          </a:fontRef>
+        </p:style>
+        <p:txBody>
+          <a:bodyPr wrap="none" lIns="45720" rIns="45720" rtlCol="0" anchor="ctr"/>
+          <a:lstStyle/>
+          <a:p>
+            <a:pPr algn="r"/>
+            <a:r>
+              <a:rPr lang="en-US" sz="900" dirty="0" smtClean="0">
+                <a:solidFill>
+                  <a:srgbClr val="000000"/>
+                </a:solidFill>
+                <a:latin typeface="Courier New" panose="02070309020205020404" pitchFamily="49" charset="0"/>
+                <a:cs typeface="Courier New" panose="02070309020205020404" pitchFamily="49" charset="0"/>
+              </a:rPr>
+              <a:t>ST_</a:t>
+            </a:r>
+            <a:r>
+              <a:rPr lang="en-US" sz="900" dirty="0" smtClean="0">
+                <a:solidFill>
+                  <a:srgbClr val="000000"/>
+                </a:solidFill>
+                <a:latin typeface="Courier New" panose="02070309020205020404" pitchFamily="49" charset="0"/>
+                <a:cs typeface="Courier New" panose="02070309020205020404" pitchFamily="49" charset="0"/>
+              </a:rPr>
+              <a:t>DIN</a:t>
+            </a:r>
+            <a:endParaRPr lang="en-US" sz="900" dirty="0">
+              <a:solidFill>
+                <a:srgbClr val="000000"/>
+              </a:solidFill>
+              <a:latin typeface="Courier New" panose="02070309020205020404" pitchFamily="49" charset="0"/>
+              <a:cs typeface="Courier New" panose="02070309020205020404" pitchFamily="49" charset="0"/>
+            </a:endParaRPr>
+          </a:p>
+        </p:txBody>
+      </p:sp>
+      <p:sp>
+        <p:nvSpPr>
+          <p:cNvPr id="355" name="Rectangle 354"/>
+          <p:cNvSpPr/>
+          <p:nvPr/>
+        </p:nvSpPr>
+        <p:spPr>
+          <a:xfrm>
+            <a:off x="9448800" y="7315200"/>
+            <a:ext cx="457200" cy="152400"/>
+          </a:xfrm>
+          <a:prstGeom prst="rect">
+            <a:avLst/>
+          </a:prstGeom>
+          <a:noFill/>
+          <a:ln>
+            <a:noFill/>
+          </a:ln>
+        </p:spPr>
+        <p:style>
+          <a:lnRef idx="2">
+            <a:schemeClr val="accent1">
+              <a:shade val="50000"/>
+            </a:schemeClr>
+          </a:lnRef>
+          <a:fillRef idx="1">
+            <a:schemeClr val="accent1"/>
+          </a:fillRef>
+          <a:effectRef idx="0">
+            <a:schemeClr val="accent1"/>
+          </a:effectRef>
+          <a:fontRef idx="minor">
+            <a:schemeClr val="lt1"/>
+          </a:fontRef>
+        </p:style>
+        <p:txBody>
+          <a:bodyPr wrap="none" lIns="45720" rIns="45720" rtlCol="0" anchor="ctr"/>
+          <a:lstStyle/>
+          <a:p>
+            <a:pPr algn="r"/>
+            <a:r>
+              <a:rPr lang="en-US" sz="900" dirty="0" smtClean="0">
+                <a:solidFill>
+                  <a:srgbClr val="000000"/>
+                </a:solidFill>
+                <a:latin typeface="Courier New" panose="02070309020205020404" pitchFamily="49" charset="0"/>
+                <a:cs typeface="Courier New" panose="02070309020205020404" pitchFamily="49" charset="0"/>
+              </a:rPr>
+              <a:t>S</a:t>
+            </a:r>
+            <a:r>
+              <a:rPr lang="en-US" sz="900" dirty="0" smtClean="0">
+                <a:solidFill>
+                  <a:srgbClr val="000000"/>
+                </a:solidFill>
+                <a:latin typeface="Courier New" panose="02070309020205020404" pitchFamily="49" charset="0"/>
+                <a:cs typeface="Courier New" panose="02070309020205020404" pitchFamily="49" charset="0"/>
+              </a:rPr>
+              <a:t>T_DOUT</a:t>
+            </a:r>
+            <a:endParaRPr lang="en-US" sz="900" dirty="0">
+              <a:solidFill>
+                <a:srgbClr val="000000"/>
+              </a:solidFill>
+              <a:latin typeface="Courier New" panose="02070309020205020404" pitchFamily="49" charset="0"/>
+              <a:cs typeface="Courier New" panose="02070309020205020404" pitchFamily="49" charset="0"/>
+            </a:endParaRPr>
+          </a:p>
+        </p:txBody>
+      </p:sp>
+      <p:sp>
+        <p:nvSpPr>
+          <p:cNvPr id="356" name="Pentagon 355"/>
+          <p:cNvSpPr/>
+          <p:nvPr/>
+        </p:nvSpPr>
+        <p:spPr>
+          <a:xfrm>
+            <a:off x="14020800" y="7315200"/>
+            <a:ext cx="228600" cy="152400"/>
+          </a:xfrm>
+          <a:prstGeom prst="homePlate">
+            <a:avLst/>
+          </a:prstGeom>
+          <a:noFill/>
+          <a:ln w="12700">
+            <a:solidFill>
+              <a:schemeClr val="tx1"/>
+            </a:solidFill>
+          </a:ln>
+        </p:spPr>
+        <p:style>
+          <a:lnRef idx="2">
+            <a:schemeClr val="accent1">
+              <a:shade val="50000"/>
+            </a:schemeClr>
+          </a:lnRef>
+          <a:fillRef idx="1">
+            <a:schemeClr val="accent1"/>
+          </a:fillRef>
+          <a:effectRef idx="0">
+            <a:schemeClr val="accent1"/>
+          </a:effectRef>
+          <a:fontRef idx="minor">
+            <a:schemeClr val="lt1"/>
+          </a:fontRef>
+        </p:style>
+        <p:txBody>
+          <a:bodyPr rot="0" spcFirstLastPara="0" vertOverflow="overflow" horzOverflow="overflow" vert="horz" wrap="square" lIns="91440" tIns="45720" rIns="91440" bIns="45720" numCol="1" spcCol="0" rtlCol="0" fromWordArt="0" anchor="ctr" anchorCtr="0" forceAA="0" compatLnSpc="1">
+            <a:prstTxWarp prst="textNoShape">
+              <a:avLst/>
+            </a:prstTxWarp>
+            <a:noAutofit/>
+          </a:bodyPr>
+          <a:lstStyle/>
+          <a:p>
+            <a:pPr algn="ctr"/>
+            <a:endParaRPr lang="en-US" sz="3730"/>
+          </a:p>
+        </p:txBody>
+      </p:sp>
+      <p:cxnSp>
+        <p:nvCxnSpPr>
+          <p:cNvPr id="357" name="Straight Connector 356"/>
+          <p:cNvCxnSpPr>
+            <a:stCxn id="356" idx="1"/>
+            <a:endCxn id="355" idx="3"/>
+          </p:cNvCxnSpPr>
+          <p:nvPr/>
+        </p:nvCxnSpPr>
+        <p:spPr>
+          <a:xfrm flipH="1">
+            <a:off x="9906000" y="7391400"/>
+            <a:ext cx="4114800" cy="0"/>
+          </a:xfrm>
+          <a:prstGeom prst="line">
+            <a:avLst/>
+          </a:prstGeom>
+          <a:ln w="12700">
+            <a:solidFill>
+              <a:srgbClr val="000000"/>
+            </a:solidFill>
+            <a:headEnd type="none" w="med" len="med"/>
+            <a:tailEnd type="none" w="med" len="med"/>
+          </a:ln>
+        </p:spPr>
+        <p:style>
+          <a:lnRef idx="1">
+            <a:schemeClr val="accent1"/>
+          </a:lnRef>
+          <a:fillRef idx="0">
+            <a:schemeClr val="accent1"/>
+          </a:fillRef>
+          <a:effectRef idx="0">
+            <a:schemeClr val="accent1"/>
+          </a:effectRef>
+          <a:fontRef idx="minor">
+            <a:schemeClr val="tx1"/>
+          </a:fontRef>
+        </p:style>
+      </p:cxnSp>
+      <p:cxnSp>
+        <p:nvCxnSpPr>
+          <p:cNvPr id="358" name="Straight Connector 357"/>
+          <p:cNvCxnSpPr/>
+          <p:nvPr/>
+        </p:nvCxnSpPr>
+        <p:spPr>
+          <a:xfrm flipV="1">
+            <a:off x="13792200" y="7315200"/>
+            <a:ext cx="152400" cy="152400"/>
+          </a:xfrm>
+          <a:prstGeom prst="line">
+            <a:avLst/>
+          </a:prstGeom>
+          <a:ln w="12700">
+            <a:solidFill>
+              <a:srgbClr val="000000"/>
+            </a:solidFill>
+            <a:headEnd type="none" w="med" len="med"/>
+            <a:tailEnd type="none" w="med" len="med"/>
+          </a:ln>
+        </p:spPr>
+        <p:style>
+          <a:lnRef idx="1">
+            <a:schemeClr val="accent1"/>
+          </a:lnRef>
+          <a:fillRef idx="0">
+            <a:schemeClr val="accent1"/>
+          </a:fillRef>
+          <a:effectRef idx="0">
+            <a:schemeClr val="accent1"/>
+          </a:effectRef>
+          <a:fontRef idx="minor">
+            <a:schemeClr val="tx1"/>
+          </a:fontRef>
+        </p:style>
+      </p:cxnSp>
+      <p:sp>
+        <p:nvSpPr>
+          <p:cNvPr id="359" name="Rectangle 358"/>
+          <p:cNvSpPr/>
+          <p:nvPr/>
+        </p:nvSpPr>
+        <p:spPr>
+          <a:xfrm>
+            <a:off x="13792200" y="7239000"/>
+            <a:ext cx="152400" cy="76200"/>
+          </a:xfrm>
+          <a:prstGeom prst="rect">
+            <a:avLst/>
+          </a:prstGeom>
+          <a:noFill/>
+          <a:ln>
+            <a:noFill/>
+          </a:ln>
+        </p:spPr>
+        <p:style>
+          <a:lnRef idx="2">
+            <a:schemeClr val="accent1">
+              <a:shade val="50000"/>
+            </a:schemeClr>
+          </a:lnRef>
+          <a:fillRef idx="1">
+            <a:schemeClr val="accent1"/>
+          </a:fillRef>
+          <a:effectRef idx="0">
+            <a:schemeClr val="accent1"/>
+          </a:effectRef>
+          <a:fontRef idx="minor">
+            <a:schemeClr val="lt1"/>
+          </a:fontRef>
+        </p:style>
+        <p:txBody>
+          <a:bodyPr wrap="none" lIns="45720" rIns="45720" rtlCol="0" anchor="ctr"/>
+          <a:lstStyle/>
+          <a:p>
+            <a:pPr algn="ctr"/>
+            <a:r>
+              <a:rPr lang="en-US" sz="900" dirty="0">
+                <a:solidFill>
+                  <a:srgbClr val="000000"/>
+                </a:solidFill>
+                <a:latin typeface="Courier New" panose="02070309020205020404" pitchFamily="49" charset="0"/>
+                <a:cs typeface="Courier New" panose="02070309020205020404" pitchFamily="49" charset="0"/>
+              </a:rPr>
+              <a:t>2</a:t>
+            </a:r>
+          </a:p>
+        </p:txBody>
+      </p:sp>
+      <p:sp>
+        <p:nvSpPr>
+          <p:cNvPr id="360" name="Rectangle 359"/>
+          <p:cNvSpPr/>
+          <p:nvPr/>
+        </p:nvSpPr>
+        <p:spPr>
+          <a:xfrm>
+            <a:off x="12954000" y="7239000"/>
+            <a:ext cx="457200" cy="152400"/>
+          </a:xfrm>
+          <a:prstGeom prst="rect">
+            <a:avLst/>
+          </a:prstGeom>
+          <a:noFill/>
+          <a:ln>
+            <a:noFill/>
+          </a:ln>
+        </p:spPr>
+        <p:style>
+          <a:lnRef idx="2">
+            <a:schemeClr val="accent1">
+              <a:shade val="50000"/>
+            </a:schemeClr>
+          </a:lnRef>
+          <a:fillRef idx="1">
+            <a:schemeClr val="accent1"/>
+          </a:fillRef>
+          <a:effectRef idx="0">
+            <a:schemeClr val="accent1"/>
+          </a:effectRef>
+          <a:fontRef idx="minor">
+            <a:schemeClr val="lt1"/>
+          </a:fontRef>
+        </p:style>
+        <p:txBody>
+          <a:bodyPr wrap="none" lIns="45720" rIns="45720" rtlCol="0" anchor="ctr"/>
+          <a:lstStyle/>
+          <a:p>
+            <a:r>
+              <a:rPr lang="en-US" sz="900" dirty="0" smtClean="0">
+                <a:solidFill>
+                  <a:srgbClr val="000000"/>
+                </a:solidFill>
+                <a:latin typeface="Courier New" panose="02070309020205020404" pitchFamily="49" charset="0"/>
+                <a:cs typeface="Courier New" panose="02070309020205020404" pitchFamily="49" charset="0"/>
+              </a:rPr>
+              <a:t>S</a:t>
+            </a:r>
+            <a:r>
+              <a:rPr lang="en-US" sz="900" dirty="0" smtClean="0">
+                <a:solidFill>
+                  <a:srgbClr val="000000"/>
+                </a:solidFill>
+                <a:latin typeface="Courier New" panose="02070309020205020404" pitchFamily="49" charset="0"/>
+                <a:cs typeface="Courier New" panose="02070309020205020404" pitchFamily="49" charset="0"/>
+              </a:rPr>
+              <a:t>T_DOUT</a:t>
+            </a:r>
+            <a:endParaRPr lang="en-US" sz="900" dirty="0">
+              <a:solidFill>
+                <a:srgbClr val="000000"/>
+              </a:solidFill>
+              <a:latin typeface="Courier New" panose="02070309020205020404" pitchFamily="49" charset="0"/>
+              <a:cs typeface="Courier New" panose="02070309020205020404" pitchFamily="49" charset="0"/>
+            </a:endParaRPr>
+          </a:p>
+        </p:txBody>
+      </p:sp>
+      <p:sp>
+        <p:nvSpPr>
+          <p:cNvPr id="361" name="Pentagon 360"/>
+          <p:cNvSpPr/>
+          <p:nvPr/>
+        </p:nvSpPr>
+        <p:spPr>
+          <a:xfrm rot="10800000">
+            <a:off x="14020800" y="7543800"/>
+            <a:ext cx="228600" cy="152400"/>
+          </a:xfrm>
+          <a:prstGeom prst="homePlate">
+            <a:avLst/>
+          </a:prstGeom>
+          <a:noFill/>
+          <a:ln w="12700">
+            <a:solidFill>
+              <a:schemeClr val="tx1"/>
+            </a:solidFill>
+          </a:ln>
+        </p:spPr>
+        <p:style>
+          <a:lnRef idx="2">
+            <a:schemeClr val="accent1">
+              <a:shade val="50000"/>
+            </a:schemeClr>
+          </a:lnRef>
+          <a:fillRef idx="1">
+            <a:schemeClr val="accent1"/>
+          </a:fillRef>
+          <a:effectRef idx="0">
+            <a:schemeClr val="accent1"/>
+          </a:effectRef>
+          <a:fontRef idx="minor">
+            <a:schemeClr val="lt1"/>
+          </a:fontRef>
+        </p:style>
+        <p:txBody>
+          <a:bodyPr rot="0" spcFirstLastPara="0" vertOverflow="overflow" horzOverflow="overflow" vert="horz" wrap="square" lIns="91440" tIns="45720" rIns="91440" bIns="45720" numCol="1" spcCol="0" rtlCol="0" fromWordArt="0" anchor="ctr" anchorCtr="0" forceAA="0" compatLnSpc="1">
+            <a:prstTxWarp prst="textNoShape">
+              <a:avLst/>
+            </a:prstTxWarp>
+            <a:noAutofit/>
+          </a:bodyPr>
+          <a:lstStyle/>
+          <a:p>
+            <a:pPr algn="ctr"/>
+            <a:endParaRPr lang="en-US" sz="3730"/>
+          </a:p>
+        </p:txBody>
+      </p:sp>
+      <p:cxnSp>
+        <p:nvCxnSpPr>
+          <p:cNvPr id="362" name="Straight Connector 361"/>
+          <p:cNvCxnSpPr>
+            <a:stCxn id="361" idx="3"/>
+            <a:endCxn id="354" idx="3"/>
+          </p:cNvCxnSpPr>
+          <p:nvPr/>
+        </p:nvCxnSpPr>
+        <p:spPr>
+          <a:xfrm flipH="1">
+            <a:off x="9906000" y="7620000"/>
+            <a:ext cx="4114800" cy="0"/>
+          </a:xfrm>
+          <a:prstGeom prst="line">
+            <a:avLst/>
+          </a:prstGeom>
+          <a:ln w="12700">
+            <a:solidFill>
+              <a:srgbClr val="000000"/>
+            </a:solidFill>
+            <a:headEnd type="none" w="med" len="med"/>
+            <a:tailEnd type="none" w="med" len="med"/>
+          </a:ln>
+        </p:spPr>
+        <p:style>
+          <a:lnRef idx="1">
+            <a:schemeClr val="accent1"/>
+          </a:lnRef>
+          <a:fillRef idx="0">
+            <a:schemeClr val="accent1"/>
+          </a:fillRef>
+          <a:effectRef idx="0">
+            <a:schemeClr val="accent1"/>
+          </a:effectRef>
+          <a:fontRef idx="minor">
+            <a:schemeClr val="tx1"/>
+          </a:fontRef>
+        </p:style>
+      </p:cxnSp>
+      <p:cxnSp>
+        <p:nvCxnSpPr>
+          <p:cNvPr id="363" name="Straight Connector 362"/>
+          <p:cNvCxnSpPr/>
+          <p:nvPr/>
+        </p:nvCxnSpPr>
+        <p:spPr>
+          <a:xfrm flipV="1">
+            <a:off x="13792200" y="7543800"/>
+            <a:ext cx="152400" cy="152400"/>
+          </a:xfrm>
+          <a:prstGeom prst="line">
+            <a:avLst/>
+          </a:prstGeom>
+          <a:ln w="12700">
+            <a:solidFill>
+              <a:srgbClr val="000000"/>
+            </a:solidFill>
+            <a:headEnd type="none" w="med" len="med"/>
+            <a:tailEnd type="none" w="med" len="med"/>
+          </a:ln>
+        </p:spPr>
+        <p:style>
+          <a:lnRef idx="1">
+            <a:schemeClr val="accent1"/>
+          </a:lnRef>
+          <a:fillRef idx="0">
+            <a:schemeClr val="accent1"/>
+          </a:fillRef>
+          <a:effectRef idx="0">
+            <a:schemeClr val="accent1"/>
+          </a:effectRef>
+          <a:fontRef idx="minor">
+            <a:schemeClr val="tx1"/>
+          </a:fontRef>
+        </p:style>
+      </p:cxnSp>
+      <p:sp>
+        <p:nvSpPr>
+          <p:cNvPr id="366" name="Rectangle 365"/>
+          <p:cNvSpPr/>
+          <p:nvPr/>
+        </p:nvSpPr>
+        <p:spPr>
+          <a:xfrm>
+            <a:off x="13792200" y="7467600"/>
+            <a:ext cx="152400" cy="76200"/>
+          </a:xfrm>
+          <a:prstGeom prst="rect">
+            <a:avLst/>
+          </a:prstGeom>
+          <a:noFill/>
+          <a:ln>
+            <a:noFill/>
+          </a:ln>
+        </p:spPr>
+        <p:style>
+          <a:lnRef idx="2">
+            <a:schemeClr val="accent1">
+              <a:shade val="50000"/>
+            </a:schemeClr>
+          </a:lnRef>
+          <a:fillRef idx="1">
+            <a:schemeClr val="accent1"/>
+          </a:fillRef>
+          <a:effectRef idx="0">
+            <a:schemeClr val="accent1"/>
+          </a:effectRef>
+          <a:fontRef idx="minor">
+            <a:schemeClr val="lt1"/>
+          </a:fontRef>
+        </p:style>
+        <p:txBody>
+          <a:bodyPr wrap="none" lIns="45720" rIns="45720" rtlCol="0" anchor="ctr"/>
+          <a:lstStyle/>
+          <a:p>
+            <a:pPr algn="ctr"/>
+            <a:r>
+              <a:rPr lang="en-US" sz="900" dirty="0">
+                <a:solidFill>
+                  <a:srgbClr val="000000"/>
+                </a:solidFill>
+                <a:latin typeface="Courier New" panose="02070309020205020404" pitchFamily="49" charset="0"/>
+                <a:cs typeface="Courier New" panose="02070309020205020404" pitchFamily="49" charset="0"/>
+              </a:rPr>
+              <a:t>2</a:t>
+            </a:r>
+          </a:p>
+        </p:txBody>
+      </p:sp>
+      <p:sp>
+        <p:nvSpPr>
+          <p:cNvPr id="367" name="Rectangle 366"/>
+          <p:cNvSpPr/>
+          <p:nvPr/>
+        </p:nvSpPr>
+        <p:spPr>
+          <a:xfrm>
+            <a:off x="12954000" y="7467600"/>
+            <a:ext cx="457200" cy="152400"/>
+          </a:xfrm>
+          <a:prstGeom prst="rect">
+            <a:avLst/>
+          </a:prstGeom>
+          <a:noFill/>
+          <a:ln>
+            <a:noFill/>
+          </a:ln>
+        </p:spPr>
+        <p:style>
+          <a:lnRef idx="2">
+            <a:schemeClr val="accent1">
+              <a:shade val="50000"/>
+            </a:schemeClr>
+          </a:lnRef>
+          <a:fillRef idx="1">
+            <a:schemeClr val="accent1"/>
+          </a:fillRef>
+          <a:effectRef idx="0">
+            <a:schemeClr val="accent1"/>
+          </a:effectRef>
+          <a:fontRef idx="minor">
+            <a:schemeClr val="lt1"/>
+          </a:fontRef>
+        </p:style>
+        <p:txBody>
+          <a:bodyPr wrap="none" lIns="45720" rIns="45720" rtlCol="0" anchor="ctr"/>
+          <a:lstStyle/>
+          <a:p>
+            <a:r>
+              <a:rPr lang="en-US" sz="900" dirty="0" smtClean="0">
+                <a:solidFill>
+                  <a:srgbClr val="000000"/>
+                </a:solidFill>
+                <a:latin typeface="Courier New" panose="02070309020205020404" pitchFamily="49" charset="0"/>
+                <a:cs typeface="Courier New" panose="02070309020205020404" pitchFamily="49" charset="0"/>
+              </a:rPr>
+              <a:t>S</a:t>
+            </a:r>
+            <a:r>
+              <a:rPr lang="en-US" sz="900" dirty="0" smtClean="0">
+                <a:solidFill>
+                  <a:srgbClr val="000000"/>
+                </a:solidFill>
+                <a:latin typeface="Courier New" panose="02070309020205020404" pitchFamily="49" charset="0"/>
+                <a:cs typeface="Courier New" panose="02070309020205020404" pitchFamily="49" charset="0"/>
+              </a:rPr>
+              <a:t>T_DIN</a:t>
+            </a:r>
+            <a:endParaRPr lang="en-US" sz="900" dirty="0">
+              <a:solidFill>
+                <a:srgbClr val="000000"/>
+              </a:solidFill>
+              <a:latin typeface="Courier New" panose="02070309020205020404" pitchFamily="49" charset="0"/>
+              <a:cs typeface="Courier New" panose="02070309020205020404" pitchFamily="49" charset="0"/>
+            </a:endParaRPr>
+          </a:p>
+        </p:txBody>
+      </p:sp>
+      <p:sp>
+        <p:nvSpPr>
+          <p:cNvPr id="368" name="Rectangle 367"/>
+          <p:cNvSpPr/>
+          <p:nvPr/>
+        </p:nvSpPr>
+        <p:spPr>
+          <a:xfrm>
+            <a:off x="9448800" y="7086600"/>
+            <a:ext cx="457200" cy="152400"/>
+          </a:xfrm>
+          <a:prstGeom prst="rect">
+            <a:avLst/>
+          </a:prstGeom>
+          <a:noFill/>
+          <a:ln>
+            <a:noFill/>
+          </a:ln>
+        </p:spPr>
+        <p:style>
+          <a:lnRef idx="2">
+            <a:schemeClr val="accent1">
+              <a:shade val="50000"/>
+            </a:schemeClr>
+          </a:lnRef>
+          <a:fillRef idx="1">
+            <a:schemeClr val="accent1"/>
+          </a:fillRef>
+          <a:effectRef idx="0">
+            <a:schemeClr val="accent1"/>
+          </a:effectRef>
+          <a:fontRef idx="minor">
+            <a:schemeClr val="lt1"/>
+          </a:fontRef>
+        </p:style>
+        <p:txBody>
+          <a:bodyPr wrap="none" lIns="45720" rIns="45720" rtlCol="0" anchor="ctr"/>
+          <a:lstStyle/>
+          <a:p>
+            <a:pPr algn="r"/>
+            <a:r>
+              <a:rPr lang="en-US" sz="900" dirty="0">
+                <a:solidFill>
+                  <a:srgbClr val="000000"/>
+                </a:solidFill>
+                <a:latin typeface="Courier New" panose="02070309020205020404" pitchFamily="49" charset="0"/>
+                <a:cs typeface="Courier New" panose="02070309020205020404" pitchFamily="49" charset="0"/>
+              </a:rPr>
+              <a:t>S</a:t>
+            </a:r>
+            <a:r>
+              <a:rPr lang="en-US" sz="900" dirty="0" smtClean="0">
+                <a:solidFill>
+                  <a:srgbClr val="000000"/>
+                </a:solidFill>
+                <a:latin typeface="Courier New" panose="02070309020205020404" pitchFamily="49" charset="0"/>
+                <a:cs typeface="Courier New" panose="02070309020205020404" pitchFamily="49" charset="0"/>
+              </a:rPr>
+              <a:t>T_CTRL</a:t>
+            </a:r>
+            <a:endParaRPr lang="en-US" sz="900" dirty="0">
+              <a:solidFill>
+                <a:srgbClr val="000000"/>
+              </a:solidFill>
+              <a:latin typeface="Courier New" panose="02070309020205020404" pitchFamily="49" charset="0"/>
+              <a:cs typeface="Courier New" panose="02070309020205020404" pitchFamily="49" charset="0"/>
+            </a:endParaRPr>
+          </a:p>
+        </p:txBody>
+      </p:sp>
+      <p:sp>
+        <p:nvSpPr>
+          <p:cNvPr id="369" name="Pentagon 368"/>
+          <p:cNvSpPr/>
+          <p:nvPr/>
+        </p:nvSpPr>
+        <p:spPr>
+          <a:xfrm>
+            <a:off x="14020800" y="7086600"/>
+            <a:ext cx="228600" cy="152400"/>
+          </a:xfrm>
+          <a:prstGeom prst="homePlate">
+            <a:avLst/>
+          </a:prstGeom>
+          <a:noFill/>
+          <a:ln w="12700">
+            <a:solidFill>
+              <a:schemeClr val="tx1"/>
+            </a:solidFill>
+          </a:ln>
+        </p:spPr>
+        <p:style>
+          <a:lnRef idx="2">
+            <a:schemeClr val="accent1">
+              <a:shade val="50000"/>
+            </a:schemeClr>
+          </a:lnRef>
+          <a:fillRef idx="1">
+            <a:schemeClr val="accent1"/>
+          </a:fillRef>
+          <a:effectRef idx="0">
+            <a:schemeClr val="accent1"/>
+          </a:effectRef>
+          <a:fontRef idx="minor">
+            <a:schemeClr val="lt1"/>
+          </a:fontRef>
+        </p:style>
+        <p:txBody>
+          <a:bodyPr rot="0" spcFirstLastPara="0" vertOverflow="overflow" horzOverflow="overflow" vert="horz" wrap="square" lIns="91440" tIns="45720" rIns="91440" bIns="45720" numCol="1" spcCol="0" rtlCol="0" fromWordArt="0" anchor="ctr" anchorCtr="0" forceAA="0" compatLnSpc="1">
+            <a:prstTxWarp prst="textNoShape">
+              <a:avLst/>
+            </a:prstTxWarp>
+            <a:noAutofit/>
+          </a:bodyPr>
+          <a:lstStyle/>
+          <a:p>
+            <a:pPr algn="ctr"/>
+            <a:endParaRPr lang="en-US" sz="3730"/>
+          </a:p>
+        </p:txBody>
+      </p:sp>
+      <p:cxnSp>
+        <p:nvCxnSpPr>
+          <p:cNvPr id="372" name="Straight Connector 371"/>
+          <p:cNvCxnSpPr>
+            <a:stCxn id="369" idx="1"/>
+            <a:endCxn id="368" idx="3"/>
+          </p:cNvCxnSpPr>
+          <p:nvPr/>
+        </p:nvCxnSpPr>
+        <p:spPr>
+          <a:xfrm flipH="1">
+            <a:off x="9906000" y="7162800"/>
+            <a:ext cx="4114800" cy="0"/>
+          </a:xfrm>
+          <a:prstGeom prst="line">
+            <a:avLst/>
+          </a:prstGeom>
+          <a:ln w="12700">
+            <a:solidFill>
+              <a:srgbClr val="000000"/>
+            </a:solidFill>
+            <a:headEnd type="none" w="med" len="med"/>
+            <a:tailEnd type="none" w="med" len="med"/>
+          </a:ln>
+        </p:spPr>
+        <p:style>
+          <a:lnRef idx="1">
+            <a:schemeClr val="accent1"/>
+          </a:lnRef>
+          <a:fillRef idx="0">
+            <a:schemeClr val="accent1"/>
+          </a:fillRef>
+          <a:effectRef idx="0">
+            <a:schemeClr val="accent1"/>
+          </a:effectRef>
+          <a:fontRef idx="minor">
+            <a:schemeClr val="tx1"/>
+          </a:fontRef>
+        </p:style>
+      </p:cxnSp>
+      <p:cxnSp>
+        <p:nvCxnSpPr>
+          <p:cNvPr id="373" name="Straight Connector 372"/>
+          <p:cNvCxnSpPr/>
+          <p:nvPr/>
+        </p:nvCxnSpPr>
+        <p:spPr>
+          <a:xfrm flipV="1">
+            <a:off x="9982200" y="7086600"/>
+            <a:ext cx="152400" cy="152400"/>
+          </a:xfrm>
+          <a:prstGeom prst="line">
+            <a:avLst/>
+          </a:prstGeom>
+          <a:ln w="12700">
+            <a:solidFill>
+              <a:srgbClr val="000000"/>
+            </a:solidFill>
+            <a:headEnd type="none" w="med" len="med"/>
+            <a:tailEnd type="none" w="med" len="med"/>
+          </a:ln>
+        </p:spPr>
+        <p:style>
+          <a:lnRef idx="1">
+            <a:schemeClr val="accent1"/>
+          </a:lnRef>
+          <a:fillRef idx="0">
+            <a:schemeClr val="accent1"/>
+          </a:fillRef>
+          <a:effectRef idx="0">
+            <a:schemeClr val="accent1"/>
+          </a:effectRef>
+          <a:fontRef idx="minor">
+            <a:schemeClr val="tx1"/>
+          </a:fontRef>
+        </p:style>
+      </p:cxnSp>
+      <p:sp>
+        <p:nvSpPr>
+          <p:cNvPr id="374" name="Rectangle 373"/>
+          <p:cNvSpPr/>
+          <p:nvPr/>
+        </p:nvSpPr>
+        <p:spPr>
+          <a:xfrm>
+            <a:off x="9982200" y="7010400"/>
+            <a:ext cx="152400" cy="76200"/>
+          </a:xfrm>
+          <a:prstGeom prst="rect">
+            <a:avLst/>
+          </a:prstGeom>
+          <a:noFill/>
+          <a:ln>
+            <a:noFill/>
+          </a:ln>
+        </p:spPr>
+        <p:style>
+          <a:lnRef idx="2">
+            <a:schemeClr val="accent1">
+              <a:shade val="50000"/>
+            </a:schemeClr>
+          </a:lnRef>
+          <a:fillRef idx="1">
+            <a:schemeClr val="accent1"/>
+          </a:fillRef>
+          <a:effectRef idx="0">
+            <a:schemeClr val="accent1"/>
+          </a:effectRef>
+          <a:fontRef idx="minor">
+            <a:schemeClr val="lt1"/>
+          </a:fontRef>
+        </p:style>
+        <p:txBody>
+          <a:bodyPr wrap="none" lIns="45720" rIns="45720" rtlCol="0" anchor="ctr"/>
+          <a:lstStyle/>
+          <a:p>
+            <a:pPr algn="ctr"/>
+            <a:r>
+              <a:rPr lang="en-US" sz="900" dirty="0" smtClean="0">
+                <a:solidFill>
+                  <a:srgbClr val="000000"/>
+                </a:solidFill>
+                <a:latin typeface="Courier New" panose="02070309020205020404" pitchFamily="49" charset="0"/>
+                <a:cs typeface="Courier New" panose="02070309020205020404" pitchFamily="49" charset="0"/>
+              </a:rPr>
+              <a:t>31</a:t>
+            </a:r>
+            <a:endParaRPr lang="en-US" sz="900" dirty="0">
+              <a:solidFill>
+                <a:srgbClr val="000000"/>
+              </a:solidFill>
+              <a:latin typeface="Courier New" panose="02070309020205020404" pitchFamily="49" charset="0"/>
+              <a:cs typeface="Courier New" panose="02070309020205020404" pitchFamily="49" charset="0"/>
+            </a:endParaRPr>
+          </a:p>
+        </p:txBody>
+      </p:sp>
+      <p:sp>
+        <p:nvSpPr>
+          <p:cNvPr id="375" name="Rectangle 374"/>
+          <p:cNvSpPr/>
+          <p:nvPr/>
+        </p:nvSpPr>
+        <p:spPr>
+          <a:xfrm>
+            <a:off x="11125200" y="7010400"/>
+            <a:ext cx="457200" cy="152400"/>
+          </a:xfrm>
+          <a:prstGeom prst="rect">
+            <a:avLst/>
+          </a:prstGeom>
+          <a:noFill/>
+          <a:ln>
+            <a:noFill/>
+          </a:ln>
+        </p:spPr>
+        <p:style>
+          <a:lnRef idx="2">
+            <a:schemeClr val="accent1">
+              <a:shade val="50000"/>
+            </a:schemeClr>
+          </a:lnRef>
+          <a:fillRef idx="1">
+            <a:schemeClr val="accent1"/>
+          </a:fillRef>
+          <a:effectRef idx="0">
+            <a:schemeClr val="accent1"/>
+          </a:effectRef>
+          <a:fontRef idx="minor">
+            <a:schemeClr val="lt1"/>
+          </a:fontRef>
+        </p:style>
+        <p:txBody>
+          <a:bodyPr wrap="none" lIns="45720" rIns="45720" rtlCol="0" anchor="ctr"/>
+          <a:lstStyle/>
+          <a:p>
+            <a:r>
+              <a:rPr lang="en-US" sz="900" dirty="0" err="1" smtClean="0">
+                <a:solidFill>
+                  <a:srgbClr val="000000"/>
+                </a:solidFill>
+                <a:latin typeface="Courier New" panose="02070309020205020404" pitchFamily="49" charset="0"/>
+                <a:cs typeface="Courier New" panose="02070309020205020404" pitchFamily="49" charset="0"/>
+              </a:rPr>
+              <a:t>s</a:t>
+            </a:r>
+            <a:r>
+              <a:rPr lang="en-US" sz="900" dirty="0" err="1" smtClean="0">
+                <a:solidFill>
+                  <a:srgbClr val="000000"/>
+                </a:solidFill>
+                <a:latin typeface="Courier New" panose="02070309020205020404" pitchFamily="49" charset="0"/>
+                <a:cs typeface="Courier New" panose="02070309020205020404" pitchFamily="49" charset="0"/>
+              </a:rPr>
+              <a:t>t_ctrl</a:t>
+            </a:r>
+            <a:endParaRPr lang="en-US" sz="900" dirty="0">
+              <a:solidFill>
+                <a:srgbClr val="000000"/>
+              </a:solidFill>
+              <a:latin typeface="Courier New" panose="02070309020205020404" pitchFamily="49" charset="0"/>
+              <a:cs typeface="Courier New" panose="02070309020205020404" pitchFamily="49" charset="0"/>
+            </a:endParaRPr>
+          </a:p>
+        </p:txBody>
+      </p:sp>
+      <p:sp>
+        <p:nvSpPr>
+          <p:cNvPr id="378" name="Rectangle 377"/>
+          <p:cNvSpPr/>
+          <p:nvPr/>
+        </p:nvSpPr>
+        <p:spPr>
+          <a:xfrm>
+            <a:off x="12954000" y="7010400"/>
+            <a:ext cx="457200" cy="152400"/>
+          </a:xfrm>
+          <a:prstGeom prst="rect">
+            <a:avLst/>
+          </a:prstGeom>
+          <a:noFill/>
+          <a:ln>
+            <a:noFill/>
+          </a:ln>
+        </p:spPr>
+        <p:style>
+          <a:lnRef idx="2">
+            <a:schemeClr val="accent1">
+              <a:shade val="50000"/>
+            </a:schemeClr>
+          </a:lnRef>
+          <a:fillRef idx="1">
+            <a:schemeClr val="accent1"/>
+          </a:fillRef>
+          <a:effectRef idx="0">
+            <a:schemeClr val="accent1"/>
+          </a:effectRef>
+          <a:fontRef idx="minor">
+            <a:schemeClr val="lt1"/>
+          </a:fontRef>
+        </p:style>
+        <p:txBody>
+          <a:bodyPr wrap="none" lIns="45720" rIns="45720" rtlCol="0" anchor="ctr"/>
+          <a:lstStyle/>
+          <a:p>
+            <a:r>
+              <a:rPr lang="en-US" sz="900" dirty="0">
+                <a:solidFill>
+                  <a:srgbClr val="000000"/>
+                </a:solidFill>
+                <a:latin typeface="Courier New" panose="02070309020205020404" pitchFamily="49" charset="0"/>
+                <a:cs typeface="Courier New" panose="02070309020205020404" pitchFamily="49" charset="0"/>
+              </a:rPr>
+              <a:t>S</a:t>
+            </a:r>
+            <a:r>
+              <a:rPr lang="en-US" sz="900" dirty="0" smtClean="0">
+                <a:solidFill>
+                  <a:srgbClr val="000000"/>
+                </a:solidFill>
+                <a:latin typeface="Courier New" panose="02070309020205020404" pitchFamily="49" charset="0"/>
+                <a:cs typeface="Courier New" panose="02070309020205020404" pitchFamily="49" charset="0"/>
+              </a:rPr>
+              <a:t>T</a:t>
+            </a:r>
+            <a:r>
+              <a:rPr lang="en-US" sz="900" dirty="0" smtClean="0">
+                <a:solidFill>
+                  <a:srgbClr val="000000"/>
+                </a:solidFill>
+                <a:latin typeface="Courier New" panose="02070309020205020404" pitchFamily="49" charset="0"/>
+                <a:cs typeface="Courier New" panose="02070309020205020404" pitchFamily="49" charset="0"/>
+              </a:rPr>
+              <a:t>_*</a:t>
+            </a:r>
+            <a:endParaRPr lang="en-US" sz="900" dirty="0">
+              <a:solidFill>
+                <a:srgbClr val="000000"/>
+              </a:solidFill>
+              <a:latin typeface="Courier New" panose="02070309020205020404" pitchFamily="49" charset="0"/>
+              <a:cs typeface="Courier New" panose="02070309020205020404" pitchFamily="49" charset="0"/>
+            </a:endParaRPr>
+          </a:p>
+        </p:txBody>
+      </p:sp>
+      <p:cxnSp>
+        <p:nvCxnSpPr>
+          <p:cNvPr id="379" name="Straight Connector 378"/>
+          <p:cNvCxnSpPr/>
+          <p:nvPr/>
+        </p:nvCxnSpPr>
+        <p:spPr>
+          <a:xfrm flipV="1">
+            <a:off x="13792200" y="7086600"/>
+            <a:ext cx="152400" cy="152400"/>
+          </a:xfrm>
+          <a:prstGeom prst="line">
+            <a:avLst/>
+          </a:prstGeom>
+          <a:ln w="12700">
+            <a:solidFill>
+              <a:srgbClr val="000000"/>
+            </a:solidFill>
+            <a:headEnd type="none" w="med" len="med"/>
+            <a:tailEnd type="none" w="med" len="med"/>
+          </a:ln>
+        </p:spPr>
+        <p:style>
+          <a:lnRef idx="1">
+            <a:schemeClr val="accent1"/>
+          </a:lnRef>
+          <a:fillRef idx="0">
+            <a:schemeClr val="accent1"/>
+          </a:fillRef>
+          <a:effectRef idx="0">
+            <a:schemeClr val="accent1"/>
+          </a:effectRef>
+          <a:fontRef idx="minor">
+            <a:schemeClr val="tx1"/>
+          </a:fontRef>
+        </p:style>
+      </p:cxnSp>
+      <p:sp>
+        <p:nvSpPr>
+          <p:cNvPr id="380" name="Rectangle 379"/>
+          <p:cNvSpPr/>
+          <p:nvPr/>
+        </p:nvSpPr>
+        <p:spPr>
+          <a:xfrm>
+            <a:off x="13792200" y="7010400"/>
+            <a:ext cx="152400" cy="76200"/>
+          </a:xfrm>
+          <a:prstGeom prst="rect">
+            <a:avLst/>
+          </a:prstGeom>
+          <a:noFill/>
+          <a:ln>
+            <a:noFill/>
+          </a:ln>
+        </p:spPr>
+        <p:style>
+          <a:lnRef idx="2">
+            <a:schemeClr val="accent1">
+              <a:shade val="50000"/>
+            </a:schemeClr>
+          </a:lnRef>
+          <a:fillRef idx="1">
+            <a:schemeClr val="accent1"/>
+          </a:fillRef>
+          <a:effectRef idx="0">
+            <a:schemeClr val="accent1"/>
+          </a:effectRef>
+          <a:fontRef idx="minor">
+            <a:schemeClr val="lt1"/>
+          </a:fontRef>
+        </p:style>
+        <p:txBody>
+          <a:bodyPr wrap="none" lIns="45720" rIns="45720" rtlCol="0" anchor="ctr"/>
+          <a:lstStyle/>
+          <a:p>
+            <a:pPr algn="ctr"/>
+            <a:r>
+              <a:rPr lang="en-US" sz="900" dirty="0" smtClean="0">
+                <a:solidFill>
+                  <a:srgbClr val="000000"/>
+                </a:solidFill>
+                <a:latin typeface="Courier New" panose="02070309020205020404" pitchFamily="49" charset="0"/>
+                <a:cs typeface="Courier New" panose="02070309020205020404" pitchFamily="49" charset="0"/>
+              </a:rPr>
+              <a:t>31</a:t>
+            </a:r>
+            <a:endParaRPr lang="en-US" sz="900" dirty="0">
+              <a:solidFill>
+                <a:srgbClr val="000000"/>
+              </a:solidFill>
+              <a:latin typeface="Courier New" panose="02070309020205020404" pitchFamily="49" charset="0"/>
+              <a:cs typeface="Courier New" panose="02070309020205020404" pitchFamily="49" charset="0"/>
+            </a:endParaRPr>
+          </a:p>
+        </p:txBody>
+      </p:sp>
+      <p:sp>
+        <p:nvSpPr>
+          <p:cNvPr id="395" name="Rectangle 394"/>
+          <p:cNvSpPr/>
+          <p:nvPr/>
+        </p:nvSpPr>
+        <p:spPr>
+          <a:xfrm>
+            <a:off x="9448800" y="8382000"/>
+            <a:ext cx="457200" cy="152400"/>
+          </a:xfrm>
+          <a:prstGeom prst="rect">
+            <a:avLst/>
+          </a:prstGeom>
+          <a:noFill/>
+          <a:ln>
+            <a:noFill/>
+          </a:ln>
+        </p:spPr>
+        <p:style>
+          <a:lnRef idx="2">
+            <a:schemeClr val="accent1">
+              <a:shade val="50000"/>
+            </a:schemeClr>
+          </a:lnRef>
+          <a:fillRef idx="1">
+            <a:schemeClr val="accent1"/>
+          </a:fillRef>
+          <a:effectRef idx="0">
+            <a:schemeClr val="accent1"/>
+          </a:effectRef>
+          <a:fontRef idx="minor">
+            <a:schemeClr val="lt1"/>
+          </a:fontRef>
+        </p:style>
+        <p:txBody>
+          <a:bodyPr wrap="none" lIns="45720" rIns="45720" rtlCol="0" anchor="ctr"/>
+          <a:lstStyle/>
+          <a:p>
+            <a:pPr algn="r"/>
+            <a:r>
+              <a:rPr lang="en-US" sz="900" dirty="0" smtClean="0">
+                <a:solidFill>
+                  <a:srgbClr val="000000"/>
+                </a:solidFill>
+                <a:latin typeface="Courier New" panose="02070309020205020404" pitchFamily="49" charset="0"/>
+                <a:cs typeface="Courier New" panose="02070309020205020404" pitchFamily="49" charset="0"/>
+              </a:rPr>
+              <a:t>SCA_</a:t>
+            </a:r>
+            <a:r>
+              <a:rPr lang="en-US" sz="900" dirty="0" smtClean="0">
+                <a:solidFill>
+                  <a:srgbClr val="000000"/>
+                </a:solidFill>
+                <a:latin typeface="Courier New" panose="02070309020205020404" pitchFamily="49" charset="0"/>
+                <a:cs typeface="Courier New" panose="02070309020205020404" pitchFamily="49" charset="0"/>
+              </a:rPr>
+              <a:t>DIN</a:t>
+            </a:r>
+            <a:endParaRPr lang="en-US" sz="900" dirty="0">
+              <a:solidFill>
+                <a:srgbClr val="000000"/>
+              </a:solidFill>
+              <a:latin typeface="Courier New" panose="02070309020205020404" pitchFamily="49" charset="0"/>
+              <a:cs typeface="Courier New" panose="02070309020205020404" pitchFamily="49" charset="0"/>
+            </a:endParaRPr>
+          </a:p>
+        </p:txBody>
+      </p:sp>
+      <p:sp>
+        <p:nvSpPr>
+          <p:cNvPr id="396" name="Rectangle 395"/>
+          <p:cNvSpPr/>
+          <p:nvPr/>
+        </p:nvSpPr>
+        <p:spPr>
+          <a:xfrm>
+            <a:off x="9448800" y="8153400"/>
+            <a:ext cx="457200" cy="152400"/>
+          </a:xfrm>
+          <a:prstGeom prst="rect">
+            <a:avLst/>
+          </a:prstGeom>
+          <a:noFill/>
+          <a:ln>
+            <a:noFill/>
+          </a:ln>
+        </p:spPr>
+        <p:style>
+          <a:lnRef idx="2">
+            <a:schemeClr val="accent1">
+              <a:shade val="50000"/>
+            </a:schemeClr>
+          </a:lnRef>
+          <a:fillRef idx="1">
+            <a:schemeClr val="accent1"/>
+          </a:fillRef>
+          <a:effectRef idx="0">
+            <a:schemeClr val="accent1"/>
+          </a:effectRef>
+          <a:fontRef idx="minor">
+            <a:schemeClr val="lt1"/>
+          </a:fontRef>
+        </p:style>
+        <p:txBody>
+          <a:bodyPr wrap="none" lIns="45720" rIns="45720" rtlCol="0" anchor="ctr"/>
+          <a:lstStyle/>
+          <a:p>
+            <a:pPr algn="r"/>
+            <a:r>
+              <a:rPr lang="en-US" sz="900" dirty="0" smtClean="0">
+                <a:solidFill>
+                  <a:srgbClr val="000000"/>
+                </a:solidFill>
+                <a:latin typeface="Courier New" panose="02070309020205020404" pitchFamily="49" charset="0"/>
+                <a:cs typeface="Courier New" panose="02070309020205020404" pitchFamily="49" charset="0"/>
+              </a:rPr>
+              <a:t>SC</a:t>
+            </a:r>
+            <a:r>
+              <a:rPr lang="en-US" sz="900" dirty="0" smtClean="0">
+                <a:solidFill>
+                  <a:srgbClr val="000000"/>
+                </a:solidFill>
+                <a:latin typeface="Courier New" panose="02070309020205020404" pitchFamily="49" charset="0"/>
+                <a:cs typeface="Courier New" panose="02070309020205020404" pitchFamily="49" charset="0"/>
+              </a:rPr>
+              <a:t>A_DOUT</a:t>
+            </a:r>
+            <a:endParaRPr lang="en-US" sz="900" dirty="0">
+              <a:solidFill>
+                <a:srgbClr val="000000"/>
+              </a:solidFill>
+              <a:latin typeface="Courier New" panose="02070309020205020404" pitchFamily="49" charset="0"/>
+              <a:cs typeface="Courier New" panose="02070309020205020404" pitchFamily="49" charset="0"/>
+            </a:endParaRPr>
+          </a:p>
+        </p:txBody>
+      </p:sp>
+      <p:sp>
+        <p:nvSpPr>
+          <p:cNvPr id="397" name="Pentagon 396"/>
+          <p:cNvSpPr/>
+          <p:nvPr/>
+        </p:nvSpPr>
+        <p:spPr>
+          <a:xfrm>
+            <a:off x="14020800" y="8153400"/>
+            <a:ext cx="228600" cy="152400"/>
+          </a:xfrm>
+          <a:prstGeom prst="homePlate">
+            <a:avLst/>
+          </a:prstGeom>
+          <a:noFill/>
+          <a:ln w="12700">
+            <a:solidFill>
+              <a:schemeClr val="tx1"/>
+            </a:solidFill>
+          </a:ln>
+        </p:spPr>
+        <p:style>
+          <a:lnRef idx="2">
+            <a:schemeClr val="accent1">
+              <a:shade val="50000"/>
+            </a:schemeClr>
+          </a:lnRef>
+          <a:fillRef idx="1">
+            <a:schemeClr val="accent1"/>
+          </a:fillRef>
+          <a:effectRef idx="0">
+            <a:schemeClr val="accent1"/>
+          </a:effectRef>
+          <a:fontRef idx="minor">
+            <a:schemeClr val="lt1"/>
+          </a:fontRef>
+        </p:style>
+        <p:txBody>
+          <a:bodyPr rot="0" spcFirstLastPara="0" vertOverflow="overflow" horzOverflow="overflow" vert="horz" wrap="square" lIns="91440" tIns="45720" rIns="91440" bIns="45720" numCol="1" spcCol="0" rtlCol="0" fromWordArt="0" anchor="ctr" anchorCtr="0" forceAA="0" compatLnSpc="1">
+            <a:prstTxWarp prst="textNoShape">
+              <a:avLst/>
+            </a:prstTxWarp>
+            <a:noAutofit/>
+          </a:bodyPr>
+          <a:lstStyle/>
+          <a:p>
+            <a:pPr algn="ctr"/>
+            <a:endParaRPr lang="en-US" sz="3730"/>
+          </a:p>
+        </p:txBody>
+      </p:sp>
+      <p:cxnSp>
+        <p:nvCxnSpPr>
+          <p:cNvPr id="398" name="Straight Connector 397"/>
+          <p:cNvCxnSpPr>
+            <a:stCxn id="397" idx="1"/>
+            <a:endCxn id="396" idx="3"/>
+          </p:cNvCxnSpPr>
+          <p:nvPr/>
+        </p:nvCxnSpPr>
+        <p:spPr>
+          <a:xfrm flipH="1">
+            <a:off x="9906000" y="8229600"/>
+            <a:ext cx="4114800" cy="0"/>
+          </a:xfrm>
+          <a:prstGeom prst="line">
+            <a:avLst/>
+          </a:prstGeom>
+          <a:ln w="12700">
+            <a:solidFill>
+              <a:srgbClr val="000000"/>
+            </a:solidFill>
+            <a:headEnd type="none" w="med" len="med"/>
+            <a:tailEnd type="none" w="med" len="med"/>
+          </a:ln>
+        </p:spPr>
+        <p:style>
+          <a:lnRef idx="1">
+            <a:schemeClr val="accent1"/>
+          </a:lnRef>
+          <a:fillRef idx="0">
+            <a:schemeClr val="accent1"/>
+          </a:fillRef>
+          <a:effectRef idx="0">
+            <a:schemeClr val="accent1"/>
+          </a:effectRef>
+          <a:fontRef idx="minor">
+            <a:schemeClr val="tx1"/>
+          </a:fontRef>
+        </p:style>
+      </p:cxnSp>
+      <p:cxnSp>
+        <p:nvCxnSpPr>
+          <p:cNvPr id="399" name="Straight Connector 398"/>
+          <p:cNvCxnSpPr/>
+          <p:nvPr/>
+        </p:nvCxnSpPr>
+        <p:spPr>
+          <a:xfrm flipV="1">
+            <a:off x="13792200" y="8153400"/>
+            <a:ext cx="152400" cy="152400"/>
+          </a:xfrm>
+          <a:prstGeom prst="line">
+            <a:avLst/>
+          </a:prstGeom>
+          <a:ln w="12700">
+            <a:solidFill>
+              <a:srgbClr val="000000"/>
+            </a:solidFill>
+            <a:headEnd type="none" w="med" len="med"/>
+            <a:tailEnd type="none" w="med" len="med"/>
+          </a:ln>
+        </p:spPr>
+        <p:style>
+          <a:lnRef idx="1">
+            <a:schemeClr val="accent1"/>
+          </a:lnRef>
+          <a:fillRef idx="0">
+            <a:schemeClr val="accent1"/>
+          </a:fillRef>
+          <a:effectRef idx="0">
+            <a:schemeClr val="accent1"/>
+          </a:effectRef>
+          <a:fontRef idx="minor">
+            <a:schemeClr val="tx1"/>
+          </a:fontRef>
+        </p:style>
+      </p:cxnSp>
+      <p:sp>
+        <p:nvSpPr>
+          <p:cNvPr id="400" name="Rectangle 399"/>
+          <p:cNvSpPr/>
+          <p:nvPr/>
+        </p:nvSpPr>
+        <p:spPr>
+          <a:xfrm>
+            <a:off x="13792200" y="8077200"/>
+            <a:ext cx="152400" cy="76200"/>
+          </a:xfrm>
+          <a:prstGeom prst="rect">
+            <a:avLst/>
+          </a:prstGeom>
+          <a:noFill/>
+          <a:ln>
+            <a:noFill/>
+          </a:ln>
+        </p:spPr>
+        <p:style>
+          <a:lnRef idx="2">
+            <a:schemeClr val="accent1">
+              <a:shade val="50000"/>
+            </a:schemeClr>
+          </a:lnRef>
+          <a:fillRef idx="1">
+            <a:schemeClr val="accent1"/>
+          </a:fillRef>
+          <a:effectRef idx="0">
+            <a:schemeClr val="accent1"/>
+          </a:effectRef>
+          <a:fontRef idx="minor">
+            <a:schemeClr val="lt1"/>
+          </a:fontRef>
+        </p:style>
+        <p:txBody>
+          <a:bodyPr wrap="none" lIns="45720" rIns="45720" rtlCol="0" anchor="ctr"/>
+          <a:lstStyle/>
+          <a:p>
+            <a:pPr algn="ctr"/>
+            <a:r>
+              <a:rPr lang="en-US" sz="900" dirty="0">
+                <a:solidFill>
+                  <a:srgbClr val="000000"/>
+                </a:solidFill>
+                <a:latin typeface="Courier New" panose="02070309020205020404" pitchFamily="49" charset="0"/>
+                <a:cs typeface="Courier New" panose="02070309020205020404" pitchFamily="49" charset="0"/>
+              </a:rPr>
+              <a:t>2</a:t>
+            </a:r>
+          </a:p>
+        </p:txBody>
+      </p:sp>
+      <p:sp>
+        <p:nvSpPr>
+          <p:cNvPr id="401" name="Rectangle 400"/>
+          <p:cNvSpPr/>
+          <p:nvPr/>
+        </p:nvSpPr>
+        <p:spPr>
+          <a:xfrm>
+            <a:off x="12954000" y="8077200"/>
+            <a:ext cx="457200" cy="152400"/>
+          </a:xfrm>
+          <a:prstGeom prst="rect">
+            <a:avLst/>
+          </a:prstGeom>
+          <a:noFill/>
+          <a:ln>
+            <a:noFill/>
+          </a:ln>
+        </p:spPr>
+        <p:style>
+          <a:lnRef idx="2">
+            <a:schemeClr val="accent1">
+              <a:shade val="50000"/>
+            </a:schemeClr>
+          </a:lnRef>
+          <a:fillRef idx="1">
+            <a:schemeClr val="accent1"/>
+          </a:fillRef>
+          <a:effectRef idx="0">
+            <a:schemeClr val="accent1"/>
+          </a:effectRef>
+          <a:fontRef idx="minor">
+            <a:schemeClr val="lt1"/>
+          </a:fontRef>
+        </p:style>
+        <p:txBody>
+          <a:bodyPr wrap="none" lIns="45720" rIns="45720" rtlCol="0" anchor="ctr"/>
+          <a:lstStyle/>
+          <a:p>
+            <a:r>
+              <a:rPr lang="en-US" sz="900" dirty="0" smtClean="0">
+                <a:solidFill>
+                  <a:srgbClr val="000000"/>
+                </a:solidFill>
+                <a:latin typeface="Courier New" panose="02070309020205020404" pitchFamily="49" charset="0"/>
+                <a:cs typeface="Courier New" panose="02070309020205020404" pitchFamily="49" charset="0"/>
+              </a:rPr>
+              <a:t>SC</a:t>
+            </a:r>
+            <a:r>
+              <a:rPr lang="en-US" sz="900" dirty="0" smtClean="0">
+                <a:solidFill>
+                  <a:srgbClr val="000000"/>
+                </a:solidFill>
+                <a:latin typeface="Courier New" panose="02070309020205020404" pitchFamily="49" charset="0"/>
+                <a:cs typeface="Courier New" panose="02070309020205020404" pitchFamily="49" charset="0"/>
+              </a:rPr>
+              <a:t>A_DOUT</a:t>
+            </a:r>
+            <a:endParaRPr lang="en-US" sz="900" dirty="0">
+              <a:solidFill>
+                <a:srgbClr val="000000"/>
+              </a:solidFill>
+              <a:latin typeface="Courier New" panose="02070309020205020404" pitchFamily="49" charset="0"/>
+              <a:cs typeface="Courier New" panose="02070309020205020404" pitchFamily="49" charset="0"/>
+            </a:endParaRPr>
+          </a:p>
+        </p:txBody>
+      </p:sp>
+      <p:sp>
+        <p:nvSpPr>
+          <p:cNvPr id="402" name="Pentagon 401"/>
+          <p:cNvSpPr/>
+          <p:nvPr/>
+        </p:nvSpPr>
+        <p:spPr>
+          <a:xfrm rot="10800000">
+            <a:off x="14020800" y="8382000"/>
+            <a:ext cx="228600" cy="152400"/>
+          </a:xfrm>
+          <a:prstGeom prst="homePlate">
+            <a:avLst/>
+          </a:prstGeom>
+          <a:noFill/>
+          <a:ln w="12700">
+            <a:solidFill>
+              <a:schemeClr val="tx1"/>
+            </a:solidFill>
+          </a:ln>
+        </p:spPr>
+        <p:style>
+          <a:lnRef idx="2">
+            <a:schemeClr val="accent1">
+              <a:shade val="50000"/>
+            </a:schemeClr>
+          </a:lnRef>
+          <a:fillRef idx="1">
+            <a:schemeClr val="accent1"/>
+          </a:fillRef>
+          <a:effectRef idx="0">
+            <a:schemeClr val="accent1"/>
+          </a:effectRef>
+          <a:fontRef idx="minor">
+            <a:schemeClr val="lt1"/>
+          </a:fontRef>
+        </p:style>
+        <p:txBody>
+          <a:bodyPr rot="0" spcFirstLastPara="0" vertOverflow="overflow" horzOverflow="overflow" vert="horz" wrap="square" lIns="91440" tIns="45720" rIns="91440" bIns="45720" numCol="1" spcCol="0" rtlCol="0" fromWordArt="0" anchor="ctr" anchorCtr="0" forceAA="0" compatLnSpc="1">
+            <a:prstTxWarp prst="textNoShape">
+              <a:avLst/>
+            </a:prstTxWarp>
+            <a:noAutofit/>
+          </a:bodyPr>
+          <a:lstStyle/>
+          <a:p>
+            <a:pPr algn="ctr"/>
+            <a:endParaRPr lang="en-US" sz="3730"/>
+          </a:p>
+        </p:txBody>
+      </p:sp>
+      <p:cxnSp>
+        <p:nvCxnSpPr>
+          <p:cNvPr id="403" name="Straight Connector 402"/>
+          <p:cNvCxnSpPr>
+            <a:stCxn id="402" idx="3"/>
+            <a:endCxn id="395" idx="3"/>
+          </p:cNvCxnSpPr>
+          <p:nvPr/>
+        </p:nvCxnSpPr>
+        <p:spPr>
+          <a:xfrm flipH="1">
+            <a:off x="9906000" y="8458200"/>
+            <a:ext cx="4114800" cy="0"/>
+          </a:xfrm>
+          <a:prstGeom prst="line">
+            <a:avLst/>
+          </a:prstGeom>
+          <a:ln w="12700">
+            <a:solidFill>
+              <a:srgbClr val="000000"/>
+            </a:solidFill>
+            <a:headEnd type="none" w="med" len="med"/>
+            <a:tailEnd type="none" w="med" len="med"/>
+          </a:ln>
+        </p:spPr>
+        <p:style>
+          <a:lnRef idx="1">
+            <a:schemeClr val="accent1"/>
+          </a:lnRef>
+          <a:fillRef idx="0">
+            <a:schemeClr val="accent1"/>
+          </a:fillRef>
+          <a:effectRef idx="0">
+            <a:schemeClr val="accent1"/>
+          </a:effectRef>
+          <a:fontRef idx="minor">
+            <a:schemeClr val="tx1"/>
+          </a:fontRef>
+        </p:style>
+      </p:cxnSp>
+      <p:cxnSp>
+        <p:nvCxnSpPr>
+          <p:cNvPr id="404" name="Straight Connector 403"/>
+          <p:cNvCxnSpPr/>
+          <p:nvPr/>
+        </p:nvCxnSpPr>
+        <p:spPr>
+          <a:xfrm flipV="1">
+            <a:off x="13792200" y="8382000"/>
+            <a:ext cx="152400" cy="152400"/>
+          </a:xfrm>
+          <a:prstGeom prst="line">
+            <a:avLst/>
+          </a:prstGeom>
+          <a:ln w="12700">
+            <a:solidFill>
+              <a:srgbClr val="000000"/>
+            </a:solidFill>
+            <a:headEnd type="none" w="med" len="med"/>
+            <a:tailEnd type="none" w="med" len="med"/>
+          </a:ln>
+        </p:spPr>
+        <p:style>
+          <a:lnRef idx="1">
+            <a:schemeClr val="accent1"/>
+          </a:lnRef>
+          <a:fillRef idx="0">
+            <a:schemeClr val="accent1"/>
+          </a:fillRef>
+          <a:effectRef idx="0">
+            <a:schemeClr val="accent1"/>
+          </a:effectRef>
+          <a:fontRef idx="minor">
+            <a:schemeClr val="tx1"/>
+          </a:fontRef>
+        </p:style>
+      </p:cxnSp>
+      <p:sp>
+        <p:nvSpPr>
+          <p:cNvPr id="405" name="Rectangle 404"/>
+          <p:cNvSpPr/>
+          <p:nvPr/>
+        </p:nvSpPr>
+        <p:spPr>
+          <a:xfrm>
+            <a:off x="13792200" y="8305800"/>
+            <a:ext cx="152400" cy="76200"/>
+          </a:xfrm>
+          <a:prstGeom prst="rect">
+            <a:avLst/>
+          </a:prstGeom>
+          <a:noFill/>
+          <a:ln>
+            <a:noFill/>
+          </a:ln>
+        </p:spPr>
+        <p:style>
+          <a:lnRef idx="2">
+            <a:schemeClr val="accent1">
+              <a:shade val="50000"/>
+            </a:schemeClr>
+          </a:lnRef>
+          <a:fillRef idx="1">
+            <a:schemeClr val="accent1"/>
+          </a:fillRef>
+          <a:effectRef idx="0">
+            <a:schemeClr val="accent1"/>
+          </a:effectRef>
+          <a:fontRef idx="minor">
+            <a:schemeClr val="lt1"/>
+          </a:fontRef>
+        </p:style>
+        <p:txBody>
+          <a:bodyPr wrap="none" lIns="45720" rIns="45720" rtlCol="0" anchor="ctr"/>
+          <a:lstStyle/>
+          <a:p>
+            <a:pPr algn="ctr"/>
+            <a:r>
+              <a:rPr lang="en-US" sz="900" dirty="0">
+                <a:solidFill>
+                  <a:srgbClr val="000000"/>
+                </a:solidFill>
+                <a:latin typeface="Courier New" panose="02070309020205020404" pitchFamily="49" charset="0"/>
+                <a:cs typeface="Courier New" panose="02070309020205020404" pitchFamily="49" charset="0"/>
+              </a:rPr>
+              <a:t>2</a:t>
+            </a:r>
+          </a:p>
+        </p:txBody>
+      </p:sp>
+      <p:sp>
+        <p:nvSpPr>
+          <p:cNvPr id="406" name="Rectangle 405"/>
+          <p:cNvSpPr/>
+          <p:nvPr/>
+        </p:nvSpPr>
+        <p:spPr>
+          <a:xfrm>
+            <a:off x="12954000" y="8305800"/>
+            <a:ext cx="457200" cy="152400"/>
+          </a:xfrm>
+          <a:prstGeom prst="rect">
+            <a:avLst/>
+          </a:prstGeom>
+          <a:noFill/>
+          <a:ln>
+            <a:noFill/>
+          </a:ln>
+        </p:spPr>
+        <p:style>
+          <a:lnRef idx="2">
+            <a:schemeClr val="accent1">
+              <a:shade val="50000"/>
+            </a:schemeClr>
+          </a:lnRef>
+          <a:fillRef idx="1">
+            <a:schemeClr val="accent1"/>
+          </a:fillRef>
+          <a:effectRef idx="0">
+            <a:schemeClr val="accent1"/>
+          </a:effectRef>
+          <a:fontRef idx="minor">
+            <a:schemeClr val="lt1"/>
+          </a:fontRef>
+        </p:style>
+        <p:txBody>
+          <a:bodyPr wrap="none" lIns="45720" rIns="45720" rtlCol="0" anchor="ctr"/>
+          <a:lstStyle/>
+          <a:p>
+            <a:r>
+              <a:rPr lang="en-US" sz="900" dirty="0" smtClean="0">
+                <a:solidFill>
+                  <a:srgbClr val="000000"/>
+                </a:solidFill>
+                <a:latin typeface="Courier New" panose="02070309020205020404" pitchFamily="49" charset="0"/>
+                <a:cs typeface="Courier New" panose="02070309020205020404" pitchFamily="49" charset="0"/>
+              </a:rPr>
+              <a:t>SC</a:t>
+            </a:r>
+            <a:r>
+              <a:rPr lang="en-US" sz="900" dirty="0" smtClean="0">
+                <a:solidFill>
+                  <a:srgbClr val="000000"/>
+                </a:solidFill>
+                <a:latin typeface="Courier New" panose="02070309020205020404" pitchFamily="49" charset="0"/>
+                <a:cs typeface="Courier New" panose="02070309020205020404" pitchFamily="49" charset="0"/>
+              </a:rPr>
+              <a:t>A_DIN</a:t>
+            </a:r>
+            <a:endParaRPr lang="en-US" sz="900" dirty="0">
+              <a:solidFill>
+                <a:srgbClr val="000000"/>
+              </a:solidFill>
+              <a:latin typeface="Courier New" panose="02070309020205020404" pitchFamily="49" charset="0"/>
+              <a:cs typeface="Courier New" panose="02070309020205020404" pitchFamily="49" charset="0"/>
+            </a:endParaRPr>
+          </a:p>
+        </p:txBody>
+      </p:sp>
+      <p:sp>
+        <p:nvSpPr>
+          <p:cNvPr id="407" name="Rectangle 406"/>
+          <p:cNvSpPr/>
+          <p:nvPr/>
+        </p:nvSpPr>
+        <p:spPr>
+          <a:xfrm>
+            <a:off x="9448800" y="7924800"/>
+            <a:ext cx="457200" cy="152400"/>
+          </a:xfrm>
+          <a:prstGeom prst="rect">
+            <a:avLst/>
+          </a:prstGeom>
+          <a:noFill/>
+          <a:ln>
+            <a:noFill/>
+          </a:ln>
+        </p:spPr>
+        <p:style>
+          <a:lnRef idx="2">
+            <a:schemeClr val="accent1">
+              <a:shade val="50000"/>
+            </a:schemeClr>
+          </a:lnRef>
+          <a:fillRef idx="1">
+            <a:schemeClr val="accent1"/>
+          </a:fillRef>
+          <a:effectRef idx="0">
+            <a:schemeClr val="accent1"/>
+          </a:effectRef>
+          <a:fontRef idx="minor">
+            <a:schemeClr val="lt1"/>
+          </a:fontRef>
+        </p:style>
+        <p:txBody>
+          <a:bodyPr wrap="none" lIns="45720" rIns="45720" rtlCol="0" anchor="ctr"/>
+          <a:lstStyle/>
+          <a:p>
+            <a:pPr algn="r"/>
+            <a:r>
+              <a:rPr lang="en-US" sz="900" dirty="0" smtClean="0">
+                <a:solidFill>
+                  <a:srgbClr val="000000"/>
+                </a:solidFill>
+                <a:latin typeface="Courier New" panose="02070309020205020404" pitchFamily="49" charset="0"/>
+                <a:cs typeface="Courier New" panose="02070309020205020404" pitchFamily="49" charset="0"/>
+              </a:rPr>
+              <a:t>SC</a:t>
+            </a:r>
+            <a:r>
+              <a:rPr lang="en-US" sz="900" dirty="0" smtClean="0">
+                <a:solidFill>
+                  <a:srgbClr val="000000"/>
+                </a:solidFill>
+                <a:latin typeface="Courier New" panose="02070309020205020404" pitchFamily="49" charset="0"/>
+                <a:cs typeface="Courier New" panose="02070309020205020404" pitchFamily="49" charset="0"/>
+              </a:rPr>
+              <a:t>_CTRL</a:t>
+            </a:r>
+            <a:endParaRPr lang="en-US" sz="900" dirty="0">
+              <a:solidFill>
+                <a:srgbClr val="000000"/>
+              </a:solidFill>
+              <a:latin typeface="Courier New" panose="02070309020205020404" pitchFamily="49" charset="0"/>
+              <a:cs typeface="Courier New" panose="02070309020205020404" pitchFamily="49" charset="0"/>
+            </a:endParaRPr>
+          </a:p>
+        </p:txBody>
+      </p:sp>
+      <p:sp>
+        <p:nvSpPr>
+          <p:cNvPr id="408" name="Pentagon 407"/>
+          <p:cNvSpPr/>
+          <p:nvPr/>
+        </p:nvSpPr>
+        <p:spPr>
+          <a:xfrm>
+            <a:off x="14020800" y="7924800"/>
+            <a:ext cx="228600" cy="152400"/>
+          </a:xfrm>
+          <a:prstGeom prst="homePlate">
+            <a:avLst/>
+          </a:prstGeom>
+          <a:noFill/>
+          <a:ln w="12700">
+            <a:solidFill>
+              <a:schemeClr val="tx1"/>
+            </a:solidFill>
+          </a:ln>
+        </p:spPr>
+        <p:style>
+          <a:lnRef idx="2">
+            <a:schemeClr val="accent1">
+              <a:shade val="50000"/>
+            </a:schemeClr>
+          </a:lnRef>
+          <a:fillRef idx="1">
+            <a:schemeClr val="accent1"/>
+          </a:fillRef>
+          <a:effectRef idx="0">
+            <a:schemeClr val="accent1"/>
+          </a:effectRef>
+          <a:fontRef idx="minor">
+            <a:schemeClr val="lt1"/>
+          </a:fontRef>
+        </p:style>
+        <p:txBody>
+          <a:bodyPr rot="0" spcFirstLastPara="0" vertOverflow="overflow" horzOverflow="overflow" vert="horz" wrap="square" lIns="91440" tIns="45720" rIns="91440" bIns="45720" numCol="1" spcCol="0" rtlCol="0" fromWordArt="0" anchor="ctr" anchorCtr="0" forceAA="0" compatLnSpc="1">
+            <a:prstTxWarp prst="textNoShape">
+              <a:avLst/>
+            </a:prstTxWarp>
+            <a:noAutofit/>
+          </a:bodyPr>
+          <a:lstStyle/>
+          <a:p>
+            <a:pPr algn="ctr"/>
+            <a:endParaRPr lang="en-US" sz="3730"/>
+          </a:p>
+        </p:txBody>
+      </p:sp>
+      <p:cxnSp>
+        <p:nvCxnSpPr>
+          <p:cNvPr id="409" name="Straight Connector 408"/>
+          <p:cNvCxnSpPr>
+            <a:stCxn id="408" idx="1"/>
+            <a:endCxn id="407" idx="3"/>
+          </p:cNvCxnSpPr>
+          <p:nvPr/>
+        </p:nvCxnSpPr>
+        <p:spPr>
+          <a:xfrm flipH="1">
+            <a:off x="9906000" y="8001000"/>
+            <a:ext cx="4114800" cy="0"/>
+          </a:xfrm>
+          <a:prstGeom prst="line">
+            <a:avLst/>
+          </a:prstGeom>
+          <a:ln w="12700">
+            <a:solidFill>
+              <a:srgbClr val="000000"/>
+            </a:solidFill>
+            <a:headEnd type="none" w="med" len="med"/>
+            <a:tailEnd type="none" w="med" len="med"/>
+          </a:ln>
+        </p:spPr>
+        <p:style>
+          <a:lnRef idx="1">
+            <a:schemeClr val="accent1"/>
+          </a:lnRef>
+          <a:fillRef idx="0">
+            <a:schemeClr val="accent1"/>
+          </a:fillRef>
+          <a:effectRef idx="0">
+            <a:schemeClr val="accent1"/>
+          </a:effectRef>
+          <a:fontRef idx="minor">
+            <a:schemeClr val="tx1"/>
+          </a:fontRef>
+        </p:style>
+      </p:cxnSp>
+      <p:cxnSp>
+        <p:nvCxnSpPr>
+          <p:cNvPr id="410" name="Straight Connector 409"/>
+          <p:cNvCxnSpPr/>
+          <p:nvPr/>
+        </p:nvCxnSpPr>
+        <p:spPr>
+          <a:xfrm flipV="1">
+            <a:off x="9982200" y="7924800"/>
+            <a:ext cx="152400" cy="152400"/>
+          </a:xfrm>
+          <a:prstGeom prst="line">
+            <a:avLst/>
+          </a:prstGeom>
+          <a:ln w="12700">
+            <a:solidFill>
+              <a:srgbClr val="000000"/>
+            </a:solidFill>
+            <a:headEnd type="none" w="med" len="med"/>
+            <a:tailEnd type="none" w="med" len="med"/>
+          </a:ln>
+        </p:spPr>
+        <p:style>
+          <a:lnRef idx="1">
+            <a:schemeClr val="accent1"/>
+          </a:lnRef>
+          <a:fillRef idx="0">
+            <a:schemeClr val="accent1"/>
+          </a:fillRef>
+          <a:effectRef idx="0">
+            <a:schemeClr val="accent1"/>
+          </a:effectRef>
+          <a:fontRef idx="minor">
+            <a:schemeClr val="tx1"/>
+          </a:fontRef>
+        </p:style>
+      </p:cxnSp>
+      <p:sp>
+        <p:nvSpPr>
+          <p:cNvPr id="411" name="Rectangle 410"/>
+          <p:cNvSpPr/>
+          <p:nvPr/>
+        </p:nvSpPr>
+        <p:spPr>
+          <a:xfrm>
+            <a:off x="9982200" y="7848600"/>
+            <a:ext cx="152400" cy="76200"/>
+          </a:xfrm>
+          <a:prstGeom prst="rect">
+            <a:avLst/>
+          </a:prstGeom>
+          <a:noFill/>
+          <a:ln>
+            <a:noFill/>
+          </a:ln>
+        </p:spPr>
+        <p:style>
+          <a:lnRef idx="2">
+            <a:schemeClr val="accent1">
+              <a:shade val="50000"/>
+            </a:schemeClr>
+          </a:lnRef>
+          <a:fillRef idx="1">
+            <a:schemeClr val="accent1"/>
+          </a:fillRef>
+          <a:effectRef idx="0">
+            <a:schemeClr val="accent1"/>
+          </a:effectRef>
+          <a:fontRef idx="minor">
+            <a:schemeClr val="lt1"/>
+          </a:fontRef>
+        </p:style>
+        <p:txBody>
+          <a:bodyPr wrap="none" lIns="45720" rIns="45720" rtlCol="0" anchor="ctr"/>
+          <a:lstStyle/>
+          <a:p>
+            <a:pPr algn="ctr"/>
+            <a:r>
+              <a:rPr lang="en-US" sz="900" dirty="0" smtClean="0">
+                <a:solidFill>
+                  <a:srgbClr val="000000"/>
+                </a:solidFill>
+                <a:latin typeface="Courier New" panose="02070309020205020404" pitchFamily="49" charset="0"/>
+                <a:cs typeface="Courier New" panose="02070309020205020404" pitchFamily="49" charset="0"/>
+              </a:rPr>
+              <a:t>31</a:t>
+            </a:r>
+            <a:endParaRPr lang="en-US" sz="900" dirty="0">
+              <a:solidFill>
+                <a:srgbClr val="000000"/>
+              </a:solidFill>
+              <a:latin typeface="Courier New" panose="02070309020205020404" pitchFamily="49" charset="0"/>
+              <a:cs typeface="Courier New" panose="02070309020205020404" pitchFamily="49" charset="0"/>
+            </a:endParaRPr>
+          </a:p>
+        </p:txBody>
+      </p:sp>
+      <p:sp>
+        <p:nvSpPr>
+          <p:cNvPr id="412" name="Rectangle 411"/>
+          <p:cNvSpPr/>
+          <p:nvPr/>
+        </p:nvSpPr>
+        <p:spPr>
+          <a:xfrm>
+            <a:off x="11125200" y="7848600"/>
+            <a:ext cx="457200" cy="152400"/>
+          </a:xfrm>
+          <a:prstGeom prst="rect">
+            <a:avLst/>
+          </a:prstGeom>
+          <a:noFill/>
+          <a:ln>
+            <a:noFill/>
+          </a:ln>
+        </p:spPr>
+        <p:style>
+          <a:lnRef idx="2">
+            <a:schemeClr val="accent1">
+              <a:shade val="50000"/>
+            </a:schemeClr>
+          </a:lnRef>
+          <a:fillRef idx="1">
+            <a:schemeClr val="accent1"/>
+          </a:fillRef>
+          <a:effectRef idx="0">
+            <a:schemeClr val="accent1"/>
+          </a:effectRef>
+          <a:fontRef idx="minor">
+            <a:schemeClr val="lt1"/>
+          </a:fontRef>
+        </p:style>
+        <p:txBody>
+          <a:bodyPr wrap="none" lIns="45720" rIns="45720" rtlCol="0" anchor="ctr"/>
+          <a:lstStyle/>
+          <a:p>
+            <a:r>
+              <a:rPr lang="en-US" sz="900" dirty="0" err="1" smtClean="0">
+                <a:solidFill>
+                  <a:srgbClr val="000000"/>
+                </a:solidFill>
+                <a:latin typeface="Courier New" panose="02070309020205020404" pitchFamily="49" charset="0"/>
+                <a:cs typeface="Courier New" panose="02070309020205020404" pitchFamily="49" charset="0"/>
+              </a:rPr>
+              <a:t>sc</a:t>
+            </a:r>
+            <a:r>
+              <a:rPr lang="en-US" sz="900" dirty="0" err="1" smtClean="0">
+                <a:solidFill>
+                  <a:srgbClr val="000000"/>
+                </a:solidFill>
+                <a:latin typeface="Courier New" panose="02070309020205020404" pitchFamily="49" charset="0"/>
+                <a:cs typeface="Courier New" panose="02070309020205020404" pitchFamily="49" charset="0"/>
+              </a:rPr>
+              <a:t>_ctrl</a:t>
+            </a:r>
+            <a:endParaRPr lang="en-US" sz="900" dirty="0">
+              <a:solidFill>
+                <a:srgbClr val="000000"/>
+              </a:solidFill>
+              <a:latin typeface="Courier New" panose="02070309020205020404" pitchFamily="49" charset="0"/>
+              <a:cs typeface="Courier New" panose="02070309020205020404" pitchFamily="49" charset="0"/>
+            </a:endParaRPr>
+          </a:p>
+        </p:txBody>
+      </p:sp>
+      <p:sp>
+        <p:nvSpPr>
+          <p:cNvPr id="413" name="Rectangle 412"/>
+          <p:cNvSpPr/>
+          <p:nvPr/>
+        </p:nvSpPr>
+        <p:spPr>
+          <a:xfrm>
+            <a:off x="12954000" y="7848600"/>
+            <a:ext cx="457200" cy="152400"/>
+          </a:xfrm>
+          <a:prstGeom prst="rect">
+            <a:avLst/>
+          </a:prstGeom>
+          <a:noFill/>
+          <a:ln>
+            <a:noFill/>
+          </a:ln>
+        </p:spPr>
+        <p:style>
+          <a:lnRef idx="2">
+            <a:schemeClr val="accent1">
+              <a:shade val="50000"/>
+            </a:schemeClr>
+          </a:lnRef>
+          <a:fillRef idx="1">
+            <a:schemeClr val="accent1"/>
+          </a:fillRef>
+          <a:effectRef idx="0">
+            <a:schemeClr val="accent1"/>
+          </a:effectRef>
+          <a:fontRef idx="minor">
+            <a:schemeClr val="lt1"/>
+          </a:fontRef>
+        </p:style>
+        <p:txBody>
+          <a:bodyPr wrap="none" lIns="45720" rIns="45720" rtlCol="0" anchor="ctr"/>
+          <a:lstStyle/>
+          <a:p>
+            <a:r>
+              <a:rPr lang="en-US" sz="900" dirty="0" smtClean="0">
+                <a:solidFill>
+                  <a:srgbClr val="000000"/>
+                </a:solidFill>
+                <a:latin typeface="Courier New" panose="02070309020205020404" pitchFamily="49" charset="0"/>
+                <a:cs typeface="Courier New" panose="02070309020205020404" pitchFamily="49" charset="0"/>
+              </a:rPr>
+              <a:t>SC</a:t>
+            </a:r>
+            <a:r>
+              <a:rPr lang="en-US" sz="900" dirty="0" smtClean="0">
+                <a:solidFill>
+                  <a:srgbClr val="000000"/>
+                </a:solidFill>
+                <a:latin typeface="Courier New" panose="02070309020205020404" pitchFamily="49" charset="0"/>
+                <a:cs typeface="Courier New" panose="02070309020205020404" pitchFamily="49" charset="0"/>
+              </a:rPr>
+              <a:t>_*</a:t>
+            </a:r>
+            <a:endParaRPr lang="en-US" sz="900" dirty="0">
+              <a:solidFill>
+                <a:srgbClr val="000000"/>
+              </a:solidFill>
+              <a:latin typeface="Courier New" panose="02070309020205020404" pitchFamily="49" charset="0"/>
+              <a:cs typeface="Courier New" panose="02070309020205020404" pitchFamily="49" charset="0"/>
+            </a:endParaRPr>
+          </a:p>
+        </p:txBody>
+      </p:sp>
+      <p:cxnSp>
+        <p:nvCxnSpPr>
+          <p:cNvPr id="414" name="Straight Connector 413"/>
+          <p:cNvCxnSpPr/>
+          <p:nvPr/>
+        </p:nvCxnSpPr>
+        <p:spPr>
+          <a:xfrm flipV="1">
+            <a:off x="13792200" y="7924800"/>
+            <a:ext cx="152400" cy="152400"/>
+          </a:xfrm>
+          <a:prstGeom prst="line">
+            <a:avLst/>
+          </a:prstGeom>
+          <a:ln w="12700">
+            <a:solidFill>
+              <a:srgbClr val="000000"/>
+            </a:solidFill>
+            <a:headEnd type="none" w="med" len="med"/>
+            <a:tailEnd type="none" w="med" len="med"/>
+          </a:ln>
+        </p:spPr>
+        <p:style>
+          <a:lnRef idx="1">
+            <a:schemeClr val="accent1"/>
+          </a:lnRef>
+          <a:fillRef idx="0">
+            <a:schemeClr val="accent1"/>
+          </a:fillRef>
+          <a:effectRef idx="0">
+            <a:schemeClr val="accent1"/>
+          </a:effectRef>
+          <a:fontRef idx="minor">
+            <a:schemeClr val="tx1"/>
+          </a:fontRef>
+        </p:style>
+      </p:cxnSp>
+      <p:sp>
+        <p:nvSpPr>
+          <p:cNvPr id="415" name="Rectangle 414"/>
+          <p:cNvSpPr/>
+          <p:nvPr/>
+        </p:nvSpPr>
+        <p:spPr>
+          <a:xfrm>
+            <a:off x="13792200" y="7848600"/>
+            <a:ext cx="152400" cy="76200"/>
+          </a:xfrm>
+          <a:prstGeom prst="rect">
+            <a:avLst/>
+          </a:prstGeom>
+          <a:noFill/>
+          <a:ln>
+            <a:noFill/>
+          </a:ln>
+        </p:spPr>
+        <p:style>
+          <a:lnRef idx="2">
+            <a:schemeClr val="accent1">
+              <a:shade val="50000"/>
+            </a:schemeClr>
+          </a:lnRef>
+          <a:fillRef idx="1">
+            <a:schemeClr val="accent1"/>
+          </a:fillRef>
+          <a:effectRef idx="0">
+            <a:schemeClr val="accent1"/>
+          </a:effectRef>
+          <a:fontRef idx="minor">
+            <a:schemeClr val="lt1"/>
+          </a:fontRef>
+        </p:style>
+        <p:txBody>
+          <a:bodyPr wrap="none" lIns="45720" rIns="45720" rtlCol="0" anchor="ctr"/>
+          <a:lstStyle/>
+          <a:p>
+            <a:pPr algn="ctr"/>
+            <a:r>
+              <a:rPr lang="en-US" sz="900" dirty="0" smtClean="0">
+                <a:solidFill>
+                  <a:srgbClr val="000000"/>
+                </a:solidFill>
+                <a:latin typeface="Courier New" panose="02070309020205020404" pitchFamily="49" charset="0"/>
+                <a:cs typeface="Courier New" panose="02070309020205020404" pitchFamily="49" charset="0"/>
+              </a:rPr>
+              <a:t>31</a:t>
+            </a:r>
+            <a:endParaRPr lang="en-US" sz="900" dirty="0">
+              <a:solidFill>
+                <a:srgbClr val="000000"/>
+              </a:solidFill>
+              <a:latin typeface="Courier New" panose="02070309020205020404" pitchFamily="49" charset="0"/>
+              <a:cs typeface="Courier New" panose="02070309020205020404" pitchFamily="49" charset="0"/>
+            </a:endParaRPr>
+          </a:p>
+        </p:txBody>
+      </p:sp>
+      <p:sp>
+        <p:nvSpPr>
+          <p:cNvPr id="416" name="Rectangle 415"/>
+          <p:cNvSpPr/>
+          <p:nvPr/>
+        </p:nvSpPr>
+        <p:spPr>
+          <a:xfrm>
+            <a:off x="9448800" y="8839200"/>
+            <a:ext cx="457200" cy="152400"/>
+          </a:xfrm>
+          <a:prstGeom prst="rect">
+            <a:avLst/>
+          </a:prstGeom>
+          <a:noFill/>
+          <a:ln>
+            <a:noFill/>
+          </a:ln>
+        </p:spPr>
+        <p:style>
+          <a:lnRef idx="2">
+            <a:schemeClr val="accent1">
+              <a:shade val="50000"/>
+            </a:schemeClr>
+          </a:lnRef>
+          <a:fillRef idx="1">
+            <a:schemeClr val="accent1"/>
+          </a:fillRef>
+          <a:effectRef idx="0">
+            <a:schemeClr val="accent1"/>
+          </a:effectRef>
+          <a:fontRef idx="minor">
+            <a:schemeClr val="lt1"/>
+          </a:fontRef>
+        </p:style>
+        <p:txBody>
+          <a:bodyPr wrap="none" lIns="45720" rIns="45720" rtlCol="0" anchor="ctr"/>
+          <a:lstStyle/>
+          <a:p>
+            <a:pPr algn="r"/>
+            <a:r>
+              <a:rPr lang="en-US" sz="900" dirty="0" smtClean="0">
+                <a:solidFill>
+                  <a:srgbClr val="000000"/>
+                </a:solidFill>
+                <a:latin typeface="Courier New" panose="02070309020205020404" pitchFamily="49" charset="0"/>
+                <a:cs typeface="Courier New" panose="02070309020205020404" pitchFamily="49" charset="0"/>
+              </a:rPr>
+              <a:t>SCB_</a:t>
+            </a:r>
+            <a:r>
+              <a:rPr lang="en-US" sz="900" dirty="0" smtClean="0">
+                <a:solidFill>
+                  <a:srgbClr val="000000"/>
+                </a:solidFill>
+                <a:latin typeface="Courier New" panose="02070309020205020404" pitchFamily="49" charset="0"/>
+                <a:cs typeface="Courier New" panose="02070309020205020404" pitchFamily="49" charset="0"/>
+              </a:rPr>
+              <a:t>DIN</a:t>
+            </a:r>
+            <a:endParaRPr lang="en-US" sz="900" dirty="0">
+              <a:solidFill>
+                <a:srgbClr val="000000"/>
+              </a:solidFill>
+              <a:latin typeface="Courier New" panose="02070309020205020404" pitchFamily="49" charset="0"/>
+              <a:cs typeface="Courier New" panose="02070309020205020404" pitchFamily="49" charset="0"/>
+            </a:endParaRPr>
+          </a:p>
+        </p:txBody>
+      </p:sp>
+      <p:sp>
+        <p:nvSpPr>
+          <p:cNvPr id="417" name="Rectangle 416"/>
+          <p:cNvSpPr/>
+          <p:nvPr/>
+        </p:nvSpPr>
+        <p:spPr>
+          <a:xfrm>
+            <a:off x="9448800" y="8610600"/>
+            <a:ext cx="457200" cy="152400"/>
+          </a:xfrm>
+          <a:prstGeom prst="rect">
+            <a:avLst/>
+          </a:prstGeom>
+          <a:noFill/>
+          <a:ln>
+            <a:noFill/>
+          </a:ln>
+        </p:spPr>
+        <p:style>
+          <a:lnRef idx="2">
+            <a:schemeClr val="accent1">
+              <a:shade val="50000"/>
+            </a:schemeClr>
+          </a:lnRef>
+          <a:fillRef idx="1">
+            <a:schemeClr val="accent1"/>
+          </a:fillRef>
+          <a:effectRef idx="0">
+            <a:schemeClr val="accent1"/>
+          </a:effectRef>
+          <a:fontRef idx="minor">
+            <a:schemeClr val="lt1"/>
+          </a:fontRef>
+        </p:style>
+        <p:txBody>
+          <a:bodyPr wrap="none" lIns="45720" rIns="45720" rtlCol="0" anchor="ctr"/>
+          <a:lstStyle/>
+          <a:p>
+            <a:pPr algn="r"/>
+            <a:r>
+              <a:rPr lang="en-US" sz="900" dirty="0" smtClean="0">
+                <a:solidFill>
+                  <a:srgbClr val="000000"/>
+                </a:solidFill>
+                <a:latin typeface="Courier New" panose="02070309020205020404" pitchFamily="49" charset="0"/>
+                <a:cs typeface="Courier New" panose="02070309020205020404" pitchFamily="49" charset="0"/>
+              </a:rPr>
+              <a:t>SC</a:t>
+            </a:r>
+            <a:r>
+              <a:rPr lang="en-US" sz="900" dirty="0" smtClean="0">
+                <a:solidFill>
+                  <a:srgbClr val="000000"/>
+                </a:solidFill>
+                <a:latin typeface="Courier New" panose="02070309020205020404" pitchFamily="49" charset="0"/>
+                <a:cs typeface="Courier New" panose="02070309020205020404" pitchFamily="49" charset="0"/>
+              </a:rPr>
+              <a:t>B_DOUT</a:t>
+            </a:r>
+            <a:endParaRPr lang="en-US" sz="900" dirty="0">
+              <a:solidFill>
+                <a:srgbClr val="000000"/>
+              </a:solidFill>
+              <a:latin typeface="Courier New" panose="02070309020205020404" pitchFamily="49" charset="0"/>
+              <a:cs typeface="Courier New" panose="02070309020205020404" pitchFamily="49" charset="0"/>
+            </a:endParaRPr>
+          </a:p>
+        </p:txBody>
+      </p:sp>
+      <p:sp>
+        <p:nvSpPr>
+          <p:cNvPr id="418" name="Pentagon 417"/>
+          <p:cNvSpPr/>
+          <p:nvPr/>
+        </p:nvSpPr>
+        <p:spPr>
+          <a:xfrm>
+            <a:off x="14020800" y="8610600"/>
+            <a:ext cx="228600" cy="152400"/>
+          </a:xfrm>
+          <a:prstGeom prst="homePlate">
+            <a:avLst/>
+          </a:prstGeom>
+          <a:noFill/>
+          <a:ln w="12700">
+            <a:solidFill>
+              <a:schemeClr val="tx1"/>
+            </a:solidFill>
+          </a:ln>
+        </p:spPr>
+        <p:style>
+          <a:lnRef idx="2">
+            <a:schemeClr val="accent1">
+              <a:shade val="50000"/>
+            </a:schemeClr>
+          </a:lnRef>
+          <a:fillRef idx="1">
+            <a:schemeClr val="accent1"/>
+          </a:fillRef>
+          <a:effectRef idx="0">
+            <a:schemeClr val="accent1"/>
+          </a:effectRef>
+          <a:fontRef idx="minor">
+            <a:schemeClr val="lt1"/>
+          </a:fontRef>
+        </p:style>
+        <p:txBody>
+          <a:bodyPr rot="0" spcFirstLastPara="0" vertOverflow="overflow" horzOverflow="overflow" vert="horz" wrap="square" lIns="91440" tIns="45720" rIns="91440" bIns="45720" numCol="1" spcCol="0" rtlCol="0" fromWordArt="0" anchor="ctr" anchorCtr="0" forceAA="0" compatLnSpc="1">
+            <a:prstTxWarp prst="textNoShape">
+              <a:avLst/>
+            </a:prstTxWarp>
+            <a:noAutofit/>
+          </a:bodyPr>
+          <a:lstStyle/>
+          <a:p>
+            <a:pPr algn="ctr"/>
+            <a:endParaRPr lang="en-US" sz="3730"/>
+          </a:p>
+        </p:txBody>
+      </p:sp>
+      <p:cxnSp>
+        <p:nvCxnSpPr>
+          <p:cNvPr id="419" name="Straight Connector 418"/>
+          <p:cNvCxnSpPr>
+            <a:stCxn id="418" idx="1"/>
+            <a:endCxn id="417" idx="3"/>
+          </p:cNvCxnSpPr>
+          <p:nvPr/>
+        </p:nvCxnSpPr>
+        <p:spPr>
+          <a:xfrm flipH="1">
+            <a:off x="9906000" y="8686800"/>
+            <a:ext cx="4114800" cy="0"/>
+          </a:xfrm>
+          <a:prstGeom prst="line">
+            <a:avLst/>
+          </a:prstGeom>
+          <a:ln w="12700">
+            <a:solidFill>
+              <a:srgbClr val="000000"/>
+            </a:solidFill>
+            <a:headEnd type="none" w="med" len="med"/>
+            <a:tailEnd type="none" w="med" len="med"/>
+          </a:ln>
+        </p:spPr>
+        <p:style>
+          <a:lnRef idx="1">
+            <a:schemeClr val="accent1"/>
+          </a:lnRef>
+          <a:fillRef idx="0">
+            <a:schemeClr val="accent1"/>
+          </a:fillRef>
+          <a:effectRef idx="0">
+            <a:schemeClr val="accent1"/>
+          </a:effectRef>
+          <a:fontRef idx="minor">
+            <a:schemeClr val="tx1"/>
+          </a:fontRef>
+        </p:style>
+      </p:cxnSp>
+      <p:cxnSp>
+        <p:nvCxnSpPr>
+          <p:cNvPr id="420" name="Straight Connector 419"/>
+          <p:cNvCxnSpPr/>
+          <p:nvPr/>
+        </p:nvCxnSpPr>
+        <p:spPr>
+          <a:xfrm flipV="1">
+            <a:off x="13792200" y="8610600"/>
+            <a:ext cx="152400" cy="152400"/>
+          </a:xfrm>
+          <a:prstGeom prst="line">
+            <a:avLst/>
+          </a:prstGeom>
+          <a:ln w="12700">
+            <a:solidFill>
+              <a:srgbClr val="000000"/>
+            </a:solidFill>
+            <a:headEnd type="none" w="med" len="med"/>
+            <a:tailEnd type="none" w="med" len="med"/>
+          </a:ln>
+        </p:spPr>
+        <p:style>
+          <a:lnRef idx="1">
+            <a:schemeClr val="accent1"/>
+          </a:lnRef>
+          <a:fillRef idx="0">
+            <a:schemeClr val="accent1"/>
+          </a:fillRef>
+          <a:effectRef idx="0">
+            <a:schemeClr val="accent1"/>
+          </a:effectRef>
+          <a:fontRef idx="minor">
+            <a:schemeClr val="tx1"/>
+          </a:fontRef>
+        </p:style>
+      </p:cxnSp>
+      <p:sp>
+        <p:nvSpPr>
+          <p:cNvPr id="421" name="Rectangle 420"/>
+          <p:cNvSpPr/>
+          <p:nvPr/>
+        </p:nvSpPr>
+        <p:spPr>
+          <a:xfrm>
+            <a:off x="13792200" y="8534400"/>
+            <a:ext cx="152400" cy="76200"/>
+          </a:xfrm>
+          <a:prstGeom prst="rect">
+            <a:avLst/>
+          </a:prstGeom>
+          <a:noFill/>
+          <a:ln>
+            <a:noFill/>
+          </a:ln>
+        </p:spPr>
+        <p:style>
+          <a:lnRef idx="2">
+            <a:schemeClr val="accent1">
+              <a:shade val="50000"/>
+            </a:schemeClr>
+          </a:lnRef>
+          <a:fillRef idx="1">
+            <a:schemeClr val="accent1"/>
+          </a:fillRef>
+          <a:effectRef idx="0">
+            <a:schemeClr val="accent1"/>
+          </a:effectRef>
+          <a:fontRef idx="minor">
+            <a:schemeClr val="lt1"/>
+          </a:fontRef>
+        </p:style>
+        <p:txBody>
+          <a:bodyPr wrap="none" lIns="45720" rIns="45720" rtlCol="0" anchor="ctr"/>
+          <a:lstStyle/>
+          <a:p>
+            <a:pPr algn="ctr"/>
+            <a:r>
+              <a:rPr lang="en-US" sz="900" dirty="0">
+                <a:solidFill>
+                  <a:srgbClr val="000000"/>
+                </a:solidFill>
+                <a:latin typeface="Courier New" panose="02070309020205020404" pitchFamily="49" charset="0"/>
+                <a:cs typeface="Courier New" panose="02070309020205020404" pitchFamily="49" charset="0"/>
+              </a:rPr>
+              <a:t>2</a:t>
+            </a:r>
+          </a:p>
+        </p:txBody>
+      </p:sp>
+      <p:sp>
+        <p:nvSpPr>
+          <p:cNvPr id="422" name="Rectangle 421"/>
+          <p:cNvSpPr/>
+          <p:nvPr/>
+        </p:nvSpPr>
+        <p:spPr>
+          <a:xfrm>
+            <a:off x="12954000" y="8534400"/>
+            <a:ext cx="457200" cy="152400"/>
+          </a:xfrm>
+          <a:prstGeom prst="rect">
+            <a:avLst/>
+          </a:prstGeom>
+          <a:noFill/>
+          <a:ln>
+            <a:noFill/>
+          </a:ln>
+        </p:spPr>
+        <p:style>
+          <a:lnRef idx="2">
+            <a:schemeClr val="accent1">
+              <a:shade val="50000"/>
+            </a:schemeClr>
+          </a:lnRef>
+          <a:fillRef idx="1">
+            <a:schemeClr val="accent1"/>
+          </a:fillRef>
+          <a:effectRef idx="0">
+            <a:schemeClr val="accent1"/>
+          </a:effectRef>
+          <a:fontRef idx="minor">
+            <a:schemeClr val="lt1"/>
+          </a:fontRef>
+        </p:style>
+        <p:txBody>
+          <a:bodyPr wrap="none" lIns="45720" rIns="45720" rtlCol="0" anchor="ctr"/>
+          <a:lstStyle/>
+          <a:p>
+            <a:r>
+              <a:rPr lang="en-US" sz="900" dirty="0" smtClean="0">
+                <a:solidFill>
+                  <a:srgbClr val="000000"/>
+                </a:solidFill>
+                <a:latin typeface="Courier New" panose="02070309020205020404" pitchFamily="49" charset="0"/>
+                <a:cs typeface="Courier New" panose="02070309020205020404" pitchFamily="49" charset="0"/>
+              </a:rPr>
+              <a:t>SC</a:t>
+            </a:r>
+            <a:r>
+              <a:rPr lang="en-US" sz="900" dirty="0" smtClean="0">
+                <a:solidFill>
+                  <a:srgbClr val="000000"/>
+                </a:solidFill>
+                <a:latin typeface="Courier New" panose="02070309020205020404" pitchFamily="49" charset="0"/>
+                <a:cs typeface="Courier New" panose="02070309020205020404" pitchFamily="49" charset="0"/>
+              </a:rPr>
+              <a:t>B_DOUT</a:t>
+            </a:r>
+            <a:endParaRPr lang="en-US" sz="900" dirty="0">
+              <a:solidFill>
+                <a:srgbClr val="000000"/>
+              </a:solidFill>
+              <a:latin typeface="Courier New" panose="02070309020205020404" pitchFamily="49" charset="0"/>
+              <a:cs typeface="Courier New" panose="02070309020205020404" pitchFamily="49" charset="0"/>
+            </a:endParaRPr>
+          </a:p>
+        </p:txBody>
+      </p:sp>
+      <p:sp>
+        <p:nvSpPr>
+          <p:cNvPr id="423" name="Pentagon 422"/>
+          <p:cNvSpPr/>
+          <p:nvPr/>
+        </p:nvSpPr>
+        <p:spPr>
+          <a:xfrm rot="10800000">
+            <a:off x="14020800" y="8839200"/>
+            <a:ext cx="228600" cy="152400"/>
+          </a:xfrm>
+          <a:prstGeom prst="homePlate">
+            <a:avLst/>
+          </a:prstGeom>
+          <a:noFill/>
+          <a:ln w="12700">
+            <a:solidFill>
+              <a:schemeClr val="tx1"/>
+            </a:solidFill>
+          </a:ln>
+        </p:spPr>
+        <p:style>
+          <a:lnRef idx="2">
+            <a:schemeClr val="accent1">
+              <a:shade val="50000"/>
+            </a:schemeClr>
+          </a:lnRef>
+          <a:fillRef idx="1">
+            <a:schemeClr val="accent1"/>
+          </a:fillRef>
+          <a:effectRef idx="0">
+            <a:schemeClr val="accent1"/>
+          </a:effectRef>
+          <a:fontRef idx="minor">
+            <a:schemeClr val="lt1"/>
+          </a:fontRef>
+        </p:style>
+        <p:txBody>
+          <a:bodyPr rot="0" spcFirstLastPara="0" vertOverflow="overflow" horzOverflow="overflow" vert="horz" wrap="square" lIns="91440" tIns="45720" rIns="91440" bIns="45720" numCol="1" spcCol="0" rtlCol="0" fromWordArt="0" anchor="ctr" anchorCtr="0" forceAA="0" compatLnSpc="1">
+            <a:prstTxWarp prst="textNoShape">
+              <a:avLst/>
+            </a:prstTxWarp>
+            <a:noAutofit/>
+          </a:bodyPr>
+          <a:lstStyle/>
+          <a:p>
+            <a:pPr algn="ctr"/>
+            <a:endParaRPr lang="en-US" sz="3730"/>
+          </a:p>
+        </p:txBody>
+      </p:sp>
+      <p:cxnSp>
+        <p:nvCxnSpPr>
+          <p:cNvPr id="424" name="Straight Connector 423"/>
+          <p:cNvCxnSpPr>
+            <a:stCxn id="423" idx="3"/>
+            <a:endCxn id="416" idx="3"/>
+          </p:cNvCxnSpPr>
+          <p:nvPr/>
+        </p:nvCxnSpPr>
+        <p:spPr>
+          <a:xfrm flipH="1">
+            <a:off x="9906000" y="8915400"/>
+            <a:ext cx="4114800" cy="0"/>
+          </a:xfrm>
+          <a:prstGeom prst="line">
+            <a:avLst/>
+          </a:prstGeom>
+          <a:ln w="12700">
+            <a:solidFill>
+              <a:srgbClr val="000000"/>
+            </a:solidFill>
+            <a:headEnd type="none" w="med" len="med"/>
+            <a:tailEnd type="none" w="med" len="med"/>
+          </a:ln>
+        </p:spPr>
+        <p:style>
+          <a:lnRef idx="1">
+            <a:schemeClr val="accent1"/>
+          </a:lnRef>
+          <a:fillRef idx="0">
+            <a:schemeClr val="accent1"/>
+          </a:fillRef>
+          <a:effectRef idx="0">
+            <a:schemeClr val="accent1"/>
+          </a:effectRef>
+          <a:fontRef idx="minor">
+            <a:schemeClr val="tx1"/>
+          </a:fontRef>
+        </p:style>
+      </p:cxnSp>
+      <p:cxnSp>
+        <p:nvCxnSpPr>
+          <p:cNvPr id="425" name="Straight Connector 424"/>
+          <p:cNvCxnSpPr/>
+          <p:nvPr/>
+        </p:nvCxnSpPr>
+        <p:spPr>
+          <a:xfrm flipV="1">
+            <a:off x="13792200" y="8839200"/>
+            <a:ext cx="152400" cy="152400"/>
+          </a:xfrm>
+          <a:prstGeom prst="line">
+            <a:avLst/>
+          </a:prstGeom>
+          <a:ln w="12700">
+            <a:solidFill>
+              <a:srgbClr val="000000"/>
+            </a:solidFill>
+            <a:headEnd type="none" w="med" len="med"/>
+            <a:tailEnd type="none" w="med" len="med"/>
+          </a:ln>
+        </p:spPr>
+        <p:style>
+          <a:lnRef idx="1">
+            <a:schemeClr val="accent1"/>
+          </a:lnRef>
+          <a:fillRef idx="0">
+            <a:schemeClr val="accent1"/>
+          </a:fillRef>
+          <a:effectRef idx="0">
+            <a:schemeClr val="accent1"/>
+          </a:effectRef>
+          <a:fontRef idx="minor">
+            <a:schemeClr val="tx1"/>
+          </a:fontRef>
+        </p:style>
+      </p:cxnSp>
+      <p:sp>
+        <p:nvSpPr>
+          <p:cNvPr id="426" name="Rectangle 425"/>
+          <p:cNvSpPr/>
+          <p:nvPr/>
+        </p:nvSpPr>
+        <p:spPr>
+          <a:xfrm>
+            <a:off x="13792200" y="8763000"/>
+            <a:ext cx="152400" cy="76200"/>
+          </a:xfrm>
+          <a:prstGeom prst="rect">
+            <a:avLst/>
+          </a:prstGeom>
+          <a:noFill/>
+          <a:ln>
+            <a:noFill/>
+          </a:ln>
+        </p:spPr>
+        <p:style>
+          <a:lnRef idx="2">
+            <a:schemeClr val="accent1">
+              <a:shade val="50000"/>
+            </a:schemeClr>
+          </a:lnRef>
+          <a:fillRef idx="1">
+            <a:schemeClr val="accent1"/>
+          </a:fillRef>
+          <a:effectRef idx="0">
+            <a:schemeClr val="accent1"/>
+          </a:effectRef>
+          <a:fontRef idx="minor">
+            <a:schemeClr val="lt1"/>
+          </a:fontRef>
+        </p:style>
+        <p:txBody>
+          <a:bodyPr wrap="none" lIns="45720" rIns="45720" rtlCol="0" anchor="ctr"/>
+          <a:lstStyle/>
+          <a:p>
+            <a:pPr algn="ctr"/>
+            <a:r>
+              <a:rPr lang="en-US" sz="900" dirty="0">
+                <a:solidFill>
+                  <a:srgbClr val="000000"/>
+                </a:solidFill>
+                <a:latin typeface="Courier New" panose="02070309020205020404" pitchFamily="49" charset="0"/>
+                <a:cs typeface="Courier New" panose="02070309020205020404" pitchFamily="49" charset="0"/>
+              </a:rPr>
+              <a:t>2</a:t>
+            </a:r>
+          </a:p>
+        </p:txBody>
+      </p:sp>
+      <p:sp>
+        <p:nvSpPr>
+          <p:cNvPr id="427" name="Rectangle 426"/>
+          <p:cNvSpPr/>
+          <p:nvPr/>
+        </p:nvSpPr>
+        <p:spPr>
+          <a:xfrm>
+            <a:off x="12954000" y="8763000"/>
+            <a:ext cx="457200" cy="152400"/>
+          </a:xfrm>
+          <a:prstGeom prst="rect">
+            <a:avLst/>
+          </a:prstGeom>
+          <a:noFill/>
+          <a:ln>
+            <a:noFill/>
+          </a:ln>
+        </p:spPr>
+        <p:style>
+          <a:lnRef idx="2">
+            <a:schemeClr val="accent1">
+              <a:shade val="50000"/>
+            </a:schemeClr>
+          </a:lnRef>
+          <a:fillRef idx="1">
+            <a:schemeClr val="accent1"/>
+          </a:fillRef>
+          <a:effectRef idx="0">
+            <a:schemeClr val="accent1"/>
+          </a:effectRef>
+          <a:fontRef idx="minor">
+            <a:schemeClr val="lt1"/>
+          </a:fontRef>
+        </p:style>
+        <p:txBody>
+          <a:bodyPr wrap="none" lIns="45720" rIns="45720" rtlCol="0" anchor="ctr"/>
+          <a:lstStyle/>
+          <a:p>
+            <a:r>
+              <a:rPr lang="en-US" sz="900" dirty="0" smtClean="0">
+                <a:solidFill>
+                  <a:srgbClr val="000000"/>
+                </a:solidFill>
+                <a:latin typeface="Courier New" panose="02070309020205020404" pitchFamily="49" charset="0"/>
+                <a:cs typeface="Courier New" panose="02070309020205020404" pitchFamily="49" charset="0"/>
+              </a:rPr>
+              <a:t>SC</a:t>
+            </a:r>
+            <a:r>
+              <a:rPr lang="en-US" sz="900" dirty="0" smtClean="0">
+                <a:solidFill>
+                  <a:srgbClr val="000000"/>
+                </a:solidFill>
+                <a:latin typeface="Courier New" panose="02070309020205020404" pitchFamily="49" charset="0"/>
+                <a:cs typeface="Courier New" panose="02070309020205020404" pitchFamily="49" charset="0"/>
+              </a:rPr>
+              <a:t>B_DIN</a:t>
+            </a:r>
+            <a:endParaRPr lang="en-US" sz="900" dirty="0">
+              <a:solidFill>
+                <a:srgbClr val="000000"/>
+              </a:solidFill>
+              <a:latin typeface="Courier New" panose="02070309020205020404" pitchFamily="49" charset="0"/>
+              <a:cs typeface="Courier New" panose="02070309020205020404" pitchFamily="49" charset="0"/>
+            </a:endParaRPr>
           </a:p>
         </p:txBody>
       </p:sp>

--- a/0090_ber/rtl/schematic/lvds_test.pptx
+++ b/0090_ber/rtl/schematic/lvds_test.pptx
@@ -4842,17 +4842,7 @@
                 <a:latin typeface="Courier New" panose="02070309020205020404" pitchFamily="49" charset="0"/>
                 <a:cs typeface="Courier New" panose="02070309020205020404" pitchFamily="49" charset="0"/>
               </a:rPr>
-              <a:t>NTA_</a:t>
-            </a:r>
-            <a:r>
-              <a:rPr lang="en-US" sz="900" dirty="0" smtClean="0">
-                <a:solidFill>
-                  <a:srgbClr val="000000"/>
-                </a:solidFill>
-                <a:latin typeface="Courier New" panose="02070309020205020404" pitchFamily="49" charset="0"/>
-                <a:cs typeface="Courier New" panose="02070309020205020404" pitchFamily="49" charset="0"/>
-              </a:rPr>
-              <a:t>DIN</a:t>
+              <a:t>NTA_DIN</a:t>
             </a:r>
             <a:endParaRPr lang="en-US" sz="900" dirty="0">
               <a:solidFill>
@@ -12764,17 +12754,7 @@
                 <a:latin typeface="Courier New" panose="02070309020205020404" pitchFamily="49" charset="0"/>
                 <a:cs typeface="Courier New" panose="02070309020205020404" pitchFamily="49" charset="0"/>
               </a:rPr>
-              <a:t>NTB_</a:t>
-            </a:r>
-            <a:r>
-              <a:rPr lang="en-US" sz="900" dirty="0" smtClean="0">
-                <a:solidFill>
-                  <a:srgbClr val="000000"/>
-                </a:solidFill>
-                <a:latin typeface="Courier New" panose="02070309020205020404" pitchFamily="49" charset="0"/>
-                <a:cs typeface="Courier New" panose="02070309020205020404" pitchFamily="49" charset="0"/>
-              </a:rPr>
-              <a:t>DIN</a:t>
+              <a:t>NTB_DIN</a:t>
             </a:r>
             <a:endParaRPr lang="en-US" sz="900" dirty="0">
               <a:solidFill>
@@ -13384,17 +13364,7 @@
                 <a:latin typeface="Courier New" panose="02070309020205020404" pitchFamily="49" charset="0"/>
                 <a:cs typeface="Courier New" panose="02070309020205020404" pitchFamily="49" charset="0"/>
               </a:rPr>
-              <a:t>TA_</a:t>
-            </a:r>
-            <a:r>
-              <a:rPr lang="en-US" sz="900" dirty="0" smtClean="0">
-                <a:solidFill>
-                  <a:srgbClr val="000000"/>
-                </a:solidFill>
-                <a:latin typeface="Courier New" panose="02070309020205020404" pitchFamily="49" charset="0"/>
-                <a:cs typeface="Courier New" panose="02070309020205020404" pitchFamily="49" charset="0"/>
-              </a:rPr>
-              <a:t>DIN</a:t>
+              <a:t>TA_DIN</a:t>
             </a:r>
             <a:endParaRPr lang="en-US" sz="900" dirty="0">
               <a:solidFill>
@@ -14340,17 +14310,7 @@
                 <a:latin typeface="Courier New" panose="02070309020205020404" pitchFamily="49" charset="0"/>
                 <a:cs typeface="Courier New" panose="02070309020205020404" pitchFamily="49" charset="0"/>
               </a:rPr>
-              <a:t>ET</a:t>
-            </a:r>
-            <a:r>
-              <a:rPr lang="en-US" sz="900" dirty="0" smtClean="0">
-                <a:solidFill>
-                  <a:srgbClr val="000000"/>
-                </a:solidFill>
-                <a:latin typeface="Courier New" panose="02070309020205020404" pitchFamily="49" charset="0"/>
-                <a:cs typeface="Courier New" panose="02070309020205020404" pitchFamily="49" charset="0"/>
-              </a:rPr>
-              <a:t>_*</a:t>
+              <a:t>ET_*</a:t>
             </a:r>
             <a:endParaRPr lang="en-US" sz="900" dirty="0">
               <a:solidFill>
@@ -14517,17 +14477,7 @@
                 <a:latin typeface="Courier New" panose="02070309020205020404" pitchFamily="49" charset="0"/>
                 <a:cs typeface="Courier New" panose="02070309020205020404" pitchFamily="49" charset="0"/>
               </a:rPr>
-              <a:t>TB_</a:t>
-            </a:r>
-            <a:r>
-              <a:rPr lang="en-US" sz="900" dirty="0" smtClean="0">
-                <a:solidFill>
-                  <a:srgbClr val="000000"/>
-                </a:solidFill>
-                <a:latin typeface="Courier New" panose="02070309020205020404" pitchFamily="49" charset="0"/>
-                <a:cs typeface="Courier New" panose="02070309020205020404" pitchFamily="49" charset="0"/>
-              </a:rPr>
-              <a:t>DIN</a:t>
+              <a:t>TB_DIN</a:t>
             </a:r>
             <a:endParaRPr lang="en-US" sz="900" dirty="0">
               <a:solidFill>
@@ -15137,17 +15087,7 @@
                 <a:latin typeface="Courier New" panose="02070309020205020404" pitchFamily="49" charset="0"/>
                 <a:cs typeface="Courier New" panose="02070309020205020404" pitchFamily="49" charset="0"/>
               </a:rPr>
-              <a:t>ST_</a:t>
-            </a:r>
-            <a:r>
-              <a:rPr lang="en-US" sz="900" dirty="0" smtClean="0">
-                <a:solidFill>
-                  <a:srgbClr val="000000"/>
-                </a:solidFill>
-                <a:latin typeface="Courier New" panose="02070309020205020404" pitchFamily="49" charset="0"/>
-                <a:cs typeface="Courier New" panose="02070309020205020404" pitchFamily="49" charset="0"/>
-              </a:rPr>
-              <a:t>DIN</a:t>
+              <a:t>ST_DIN</a:t>
             </a:r>
             <a:endParaRPr lang="en-US" sz="900" dirty="0">
               <a:solidFill>
@@ -15207,17 +15147,7 @@
                 <a:latin typeface="Courier New" panose="02070309020205020404" pitchFamily="49" charset="0"/>
                 <a:cs typeface="Courier New" panose="02070309020205020404" pitchFamily="49" charset="0"/>
               </a:rPr>
-              <a:t>S</a:t>
-            </a:r>
-            <a:r>
-              <a:rPr lang="en-US" sz="900" dirty="0" smtClean="0">
-                <a:solidFill>
-                  <a:srgbClr val="000000"/>
-                </a:solidFill>
-                <a:latin typeface="Courier New" panose="02070309020205020404" pitchFamily="49" charset="0"/>
-                <a:cs typeface="Courier New" panose="02070309020205020404" pitchFamily="49" charset="0"/>
-              </a:rPr>
-              <a:t>T_DOUT</a:t>
+              <a:t>ST_DOUT</a:t>
             </a:r>
             <a:endParaRPr lang="en-US" sz="900" dirty="0">
               <a:solidFill>
@@ -15457,17 +15387,7 @@
                 <a:latin typeface="Courier New" panose="02070309020205020404" pitchFamily="49" charset="0"/>
                 <a:cs typeface="Courier New" panose="02070309020205020404" pitchFamily="49" charset="0"/>
               </a:rPr>
-              <a:t>S</a:t>
-            </a:r>
-            <a:r>
-              <a:rPr lang="en-US" sz="900" dirty="0" smtClean="0">
-                <a:solidFill>
-                  <a:srgbClr val="000000"/>
-                </a:solidFill>
-                <a:latin typeface="Courier New" panose="02070309020205020404" pitchFamily="49" charset="0"/>
-                <a:cs typeface="Courier New" panose="02070309020205020404" pitchFamily="49" charset="0"/>
-              </a:rPr>
-              <a:t>T_DOUT</a:t>
+              <a:t>ST_DOUT</a:t>
             </a:r>
             <a:endParaRPr lang="en-US" sz="900" dirty="0">
               <a:solidFill>
@@ -15707,17 +15627,7 @@
                 <a:latin typeface="Courier New" panose="02070309020205020404" pitchFamily="49" charset="0"/>
                 <a:cs typeface="Courier New" panose="02070309020205020404" pitchFamily="49" charset="0"/>
               </a:rPr>
-              <a:t>S</a:t>
-            </a:r>
-            <a:r>
-              <a:rPr lang="en-US" sz="900" dirty="0" smtClean="0">
-                <a:solidFill>
-                  <a:srgbClr val="000000"/>
-                </a:solidFill>
-                <a:latin typeface="Courier New" panose="02070309020205020404" pitchFamily="49" charset="0"/>
-                <a:cs typeface="Courier New" panose="02070309020205020404" pitchFamily="49" charset="0"/>
-              </a:rPr>
-              <a:t>T_DIN</a:t>
+              <a:t>ST_DIN</a:t>
             </a:r>
             <a:endParaRPr lang="en-US" sz="900" dirty="0">
               <a:solidFill>
@@ -16034,17 +15944,7 @@
                 <a:latin typeface="Courier New" panose="02070309020205020404" pitchFamily="49" charset="0"/>
                 <a:cs typeface="Courier New" panose="02070309020205020404" pitchFamily="49" charset="0"/>
               </a:rPr>
-              <a:t>s</a:t>
-            </a:r>
-            <a:r>
-              <a:rPr lang="en-US" sz="900" dirty="0" err="1" smtClean="0">
-                <a:solidFill>
-                  <a:srgbClr val="000000"/>
-                </a:solidFill>
-                <a:latin typeface="Courier New" panose="02070309020205020404" pitchFamily="49" charset="0"/>
-                <a:cs typeface="Courier New" panose="02070309020205020404" pitchFamily="49" charset="0"/>
-              </a:rPr>
-              <a:t>t_ctrl</a:t>
+              <a:t>st_ctrl</a:t>
             </a:r>
             <a:endParaRPr lang="en-US" sz="900" dirty="0">
               <a:solidFill>
@@ -16113,17 +16013,7 @@
                 <a:latin typeface="Courier New" panose="02070309020205020404" pitchFamily="49" charset="0"/>
                 <a:cs typeface="Courier New" panose="02070309020205020404" pitchFamily="49" charset="0"/>
               </a:rPr>
-              <a:t>T</a:t>
-            </a:r>
-            <a:r>
-              <a:rPr lang="en-US" sz="900" dirty="0" smtClean="0">
-                <a:solidFill>
-                  <a:srgbClr val="000000"/>
-                </a:solidFill>
-                <a:latin typeface="Courier New" panose="02070309020205020404" pitchFamily="49" charset="0"/>
-                <a:cs typeface="Courier New" panose="02070309020205020404" pitchFamily="49" charset="0"/>
-              </a:rPr>
-              <a:t>_*</a:t>
+              <a:t>T_*</a:t>
             </a:r>
             <a:endParaRPr lang="en-US" sz="900" dirty="0">
               <a:solidFill>
@@ -16280,17 +16170,7 @@
                 <a:latin typeface="Courier New" panose="02070309020205020404" pitchFamily="49" charset="0"/>
                 <a:cs typeface="Courier New" panose="02070309020205020404" pitchFamily="49" charset="0"/>
               </a:rPr>
-              <a:t>SCA_</a:t>
-            </a:r>
-            <a:r>
-              <a:rPr lang="en-US" sz="900" dirty="0" smtClean="0">
-                <a:solidFill>
-                  <a:srgbClr val="000000"/>
-                </a:solidFill>
-                <a:latin typeface="Courier New" panose="02070309020205020404" pitchFamily="49" charset="0"/>
-                <a:cs typeface="Courier New" panose="02070309020205020404" pitchFamily="49" charset="0"/>
-              </a:rPr>
-              <a:t>DIN</a:t>
+              <a:t>SCA_DIN</a:t>
             </a:r>
             <a:endParaRPr lang="en-US" sz="900" dirty="0">
               <a:solidFill>
@@ -16350,17 +16230,7 @@
                 <a:latin typeface="Courier New" panose="02070309020205020404" pitchFamily="49" charset="0"/>
                 <a:cs typeface="Courier New" panose="02070309020205020404" pitchFamily="49" charset="0"/>
               </a:rPr>
-              <a:t>SC</a:t>
-            </a:r>
-            <a:r>
-              <a:rPr lang="en-US" sz="900" dirty="0" smtClean="0">
-                <a:solidFill>
-                  <a:srgbClr val="000000"/>
-                </a:solidFill>
-                <a:latin typeface="Courier New" panose="02070309020205020404" pitchFamily="49" charset="0"/>
-                <a:cs typeface="Courier New" panose="02070309020205020404" pitchFamily="49" charset="0"/>
-              </a:rPr>
-              <a:t>A_DOUT</a:t>
+              <a:t>SCA_DOUT</a:t>
             </a:r>
             <a:endParaRPr lang="en-US" sz="900" dirty="0">
               <a:solidFill>
@@ -16600,17 +16470,7 @@
                 <a:latin typeface="Courier New" panose="02070309020205020404" pitchFamily="49" charset="0"/>
                 <a:cs typeface="Courier New" panose="02070309020205020404" pitchFamily="49" charset="0"/>
               </a:rPr>
-              <a:t>SC</a:t>
-            </a:r>
-            <a:r>
-              <a:rPr lang="en-US" sz="900" dirty="0" smtClean="0">
-                <a:solidFill>
-                  <a:srgbClr val="000000"/>
-                </a:solidFill>
-                <a:latin typeface="Courier New" panose="02070309020205020404" pitchFamily="49" charset="0"/>
-                <a:cs typeface="Courier New" panose="02070309020205020404" pitchFamily="49" charset="0"/>
-              </a:rPr>
-              <a:t>A_DOUT</a:t>
+              <a:t>SCA_DOUT</a:t>
             </a:r>
             <a:endParaRPr lang="en-US" sz="900" dirty="0">
               <a:solidFill>
@@ -16850,17 +16710,7 @@
                 <a:latin typeface="Courier New" panose="02070309020205020404" pitchFamily="49" charset="0"/>
                 <a:cs typeface="Courier New" panose="02070309020205020404" pitchFamily="49" charset="0"/>
               </a:rPr>
-              <a:t>SC</a:t>
-            </a:r>
-            <a:r>
-              <a:rPr lang="en-US" sz="900" dirty="0" smtClean="0">
-                <a:solidFill>
-                  <a:srgbClr val="000000"/>
-                </a:solidFill>
-                <a:latin typeface="Courier New" panose="02070309020205020404" pitchFamily="49" charset="0"/>
-                <a:cs typeface="Courier New" panose="02070309020205020404" pitchFamily="49" charset="0"/>
-              </a:rPr>
-              <a:t>A_DIN</a:t>
+              <a:t>SCA_DIN</a:t>
             </a:r>
             <a:endParaRPr lang="en-US" sz="900" dirty="0">
               <a:solidFill>
@@ -16920,17 +16770,7 @@
                 <a:latin typeface="Courier New" panose="02070309020205020404" pitchFamily="49" charset="0"/>
                 <a:cs typeface="Courier New" panose="02070309020205020404" pitchFamily="49" charset="0"/>
               </a:rPr>
-              <a:t>SC</a:t>
-            </a:r>
-            <a:r>
-              <a:rPr lang="en-US" sz="900" dirty="0" smtClean="0">
-                <a:solidFill>
-                  <a:srgbClr val="000000"/>
-                </a:solidFill>
-                <a:latin typeface="Courier New" panose="02070309020205020404" pitchFamily="49" charset="0"/>
-                <a:cs typeface="Courier New" panose="02070309020205020404" pitchFamily="49" charset="0"/>
-              </a:rPr>
-              <a:t>_CTRL</a:t>
+              <a:t>SC_CTRL</a:t>
             </a:r>
             <a:endParaRPr lang="en-US" sz="900" dirty="0">
               <a:solidFill>
@@ -17177,17 +17017,7 @@
                 <a:latin typeface="Courier New" panose="02070309020205020404" pitchFamily="49" charset="0"/>
                 <a:cs typeface="Courier New" panose="02070309020205020404" pitchFamily="49" charset="0"/>
               </a:rPr>
-              <a:t>sc</a:t>
-            </a:r>
-            <a:r>
-              <a:rPr lang="en-US" sz="900" dirty="0" err="1" smtClean="0">
-                <a:solidFill>
-                  <a:srgbClr val="000000"/>
-                </a:solidFill>
-                <a:latin typeface="Courier New" panose="02070309020205020404" pitchFamily="49" charset="0"/>
-                <a:cs typeface="Courier New" panose="02070309020205020404" pitchFamily="49" charset="0"/>
-              </a:rPr>
-              <a:t>_ctrl</a:t>
+              <a:t>sc_ctrl</a:t>
             </a:r>
             <a:endParaRPr lang="en-US" sz="900" dirty="0">
               <a:solidFill>
@@ -17246,17 +17076,7 @@
                 <a:latin typeface="Courier New" panose="02070309020205020404" pitchFamily="49" charset="0"/>
                 <a:cs typeface="Courier New" panose="02070309020205020404" pitchFamily="49" charset="0"/>
               </a:rPr>
-              <a:t>SC</a:t>
-            </a:r>
-            <a:r>
-              <a:rPr lang="en-US" sz="900" dirty="0" smtClean="0">
-                <a:solidFill>
-                  <a:srgbClr val="000000"/>
-                </a:solidFill>
-                <a:latin typeface="Courier New" panose="02070309020205020404" pitchFamily="49" charset="0"/>
-                <a:cs typeface="Courier New" panose="02070309020205020404" pitchFamily="49" charset="0"/>
-              </a:rPr>
-              <a:t>_*</a:t>
+              <a:t>SC_*</a:t>
             </a:r>
             <a:endParaRPr lang="en-US" sz="900" dirty="0">
               <a:solidFill>
@@ -17413,17 +17233,7 @@
                 <a:latin typeface="Courier New" panose="02070309020205020404" pitchFamily="49" charset="0"/>
                 <a:cs typeface="Courier New" panose="02070309020205020404" pitchFamily="49" charset="0"/>
               </a:rPr>
-              <a:t>SCB_</a:t>
-            </a:r>
-            <a:r>
-              <a:rPr lang="en-US" sz="900" dirty="0" smtClean="0">
-                <a:solidFill>
-                  <a:srgbClr val="000000"/>
-                </a:solidFill>
-                <a:latin typeface="Courier New" panose="02070309020205020404" pitchFamily="49" charset="0"/>
-                <a:cs typeface="Courier New" panose="02070309020205020404" pitchFamily="49" charset="0"/>
-              </a:rPr>
-              <a:t>DIN</a:t>
+              <a:t>SCB_DIN</a:t>
             </a:r>
             <a:endParaRPr lang="en-US" sz="900" dirty="0">
               <a:solidFill>
@@ -17483,17 +17293,7 @@
                 <a:latin typeface="Courier New" panose="02070309020205020404" pitchFamily="49" charset="0"/>
                 <a:cs typeface="Courier New" panose="02070309020205020404" pitchFamily="49" charset="0"/>
               </a:rPr>
-              <a:t>SC</a:t>
-            </a:r>
-            <a:r>
-              <a:rPr lang="en-US" sz="900" dirty="0" smtClean="0">
-                <a:solidFill>
-                  <a:srgbClr val="000000"/>
-                </a:solidFill>
-                <a:latin typeface="Courier New" panose="02070309020205020404" pitchFamily="49" charset="0"/>
-                <a:cs typeface="Courier New" panose="02070309020205020404" pitchFamily="49" charset="0"/>
-              </a:rPr>
-              <a:t>B_DOUT</a:t>
+              <a:t>SCB_DOUT</a:t>
             </a:r>
             <a:endParaRPr lang="en-US" sz="900" dirty="0">
               <a:solidFill>
@@ -17733,17 +17533,7 @@
                 <a:latin typeface="Courier New" panose="02070309020205020404" pitchFamily="49" charset="0"/>
                 <a:cs typeface="Courier New" panose="02070309020205020404" pitchFamily="49" charset="0"/>
               </a:rPr>
-              <a:t>SC</a:t>
-            </a:r>
-            <a:r>
-              <a:rPr lang="en-US" sz="900" dirty="0" smtClean="0">
-                <a:solidFill>
-                  <a:srgbClr val="000000"/>
-                </a:solidFill>
-                <a:latin typeface="Courier New" panose="02070309020205020404" pitchFamily="49" charset="0"/>
-                <a:cs typeface="Courier New" panose="02070309020205020404" pitchFamily="49" charset="0"/>
-              </a:rPr>
-              <a:t>B_DOUT</a:t>
+              <a:t>SCB_DOUT</a:t>
             </a:r>
             <a:endParaRPr lang="en-US" sz="900" dirty="0">
               <a:solidFill>
@@ -17983,17 +17773,7 @@
                 <a:latin typeface="Courier New" panose="02070309020205020404" pitchFamily="49" charset="0"/>
                 <a:cs typeface="Courier New" panose="02070309020205020404" pitchFamily="49" charset="0"/>
               </a:rPr>
-              <a:t>SC</a:t>
-            </a:r>
-            <a:r>
-              <a:rPr lang="en-US" sz="900" dirty="0" smtClean="0">
-                <a:solidFill>
-                  <a:srgbClr val="000000"/>
-                </a:solidFill>
-                <a:latin typeface="Courier New" panose="02070309020205020404" pitchFamily="49" charset="0"/>
-                <a:cs typeface="Courier New" panose="02070309020205020404" pitchFamily="49" charset="0"/>
-              </a:rPr>
-              <a:t>B_DIN</a:t>
+              <a:t>SCB_DIN</a:t>
             </a:r>
             <a:endParaRPr lang="en-US" sz="900" dirty="0">
               <a:solidFill>
